--- a/resultados/poster CEEBI/Poster CEEBI TFG.pptx
+++ b/resultados/poster CEEBI/Poster CEEBI TFG.pptx
@@ -254,7 +254,7 @@
           <a:p>
             <a:fld id="{059ACE22-8852-4AB5-AC4C-388E9F46BA1D}" type="datetimeFigureOut">
               <a:rPr lang="es-ES" smtClean="0"/>
-              <a:t>16/06/2023</a:t>
+              <a:t>18/06/2023</a:t>
             </a:fld>
             <a:endParaRPr lang="es-ES"/>
           </a:p>
@@ -424,7 +424,7 @@
           <a:p>
             <a:fld id="{059ACE22-8852-4AB5-AC4C-388E9F46BA1D}" type="datetimeFigureOut">
               <a:rPr lang="es-ES" smtClean="0"/>
-              <a:t>16/06/2023</a:t>
+              <a:t>18/06/2023</a:t>
             </a:fld>
             <a:endParaRPr lang="es-ES"/>
           </a:p>
@@ -604,7 +604,7 @@
           <a:p>
             <a:fld id="{059ACE22-8852-4AB5-AC4C-388E9F46BA1D}" type="datetimeFigureOut">
               <a:rPr lang="es-ES" smtClean="0"/>
-              <a:t>16/06/2023</a:t>
+              <a:t>18/06/2023</a:t>
             </a:fld>
             <a:endParaRPr lang="es-ES"/>
           </a:p>
@@ -774,7 +774,7 @@
           <a:p>
             <a:fld id="{059ACE22-8852-4AB5-AC4C-388E9F46BA1D}" type="datetimeFigureOut">
               <a:rPr lang="es-ES" smtClean="0"/>
-              <a:t>16/06/2023</a:t>
+              <a:t>18/06/2023</a:t>
             </a:fld>
             <a:endParaRPr lang="es-ES"/>
           </a:p>
@@ -1018,7 +1018,7 @@
           <a:p>
             <a:fld id="{059ACE22-8852-4AB5-AC4C-388E9F46BA1D}" type="datetimeFigureOut">
               <a:rPr lang="es-ES" smtClean="0"/>
-              <a:t>16/06/2023</a:t>
+              <a:t>18/06/2023</a:t>
             </a:fld>
             <a:endParaRPr lang="es-ES"/>
           </a:p>
@@ -1250,7 +1250,7 @@
           <a:p>
             <a:fld id="{059ACE22-8852-4AB5-AC4C-388E9F46BA1D}" type="datetimeFigureOut">
               <a:rPr lang="es-ES" smtClean="0"/>
-              <a:t>16/06/2023</a:t>
+              <a:t>18/06/2023</a:t>
             </a:fld>
             <a:endParaRPr lang="es-ES"/>
           </a:p>
@@ -1617,7 +1617,7 @@
           <a:p>
             <a:fld id="{059ACE22-8852-4AB5-AC4C-388E9F46BA1D}" type="datetimeFigureOut">
               <a:rPr lang="es-ES" smtClean="0"/>
-              <a:t>16/06/2023</a:t>
+              <a:t>18/06/2023</a:t>
             </a:fld>
             <a:endParaRPr lang="es-ES"/>
           </a:p>
@@ -1735,7 +1735,7 @@
           <a:p>
             <a:fld id="{059ACE22-8852-4AB5-AC4C-388E9F46BA1D}" type="datetimeFigureOut">
               <a:rPr lang="es-ES" smtClean="0"/>
-              <a:t>16/06/2023</a:t>
+              <a:t>18/06/2023</a:t>
             </a:fld>
             <a:endParaRPr lang="es-ES"/>
           </a:p>
@@ -1830,7 +1830,7 @@
           <a:p>
             <a:fld id="{059ACE22-8852-4AB5-AC4C-388E9F46BA1D}" type="datetimeFigureOut">
               <a:rPr lang="es-ES" smtClean="0"/>
-              <a:t>16/06/2023</a:t>
+              <a:t>18/06/2023</a:t>
             </a:fld>
             <a:endParaRPr lang="es-ES"/>
           </a:p>
@@ -2107,7 +2107,7 @@
           <a:p>
             <a:fld id="{059ACE22-8852-4AB5-AC4C-388E9F46BA1D}" type="datetimeFigureOut">
               <a:rPr lang="es-ES" smtClean="0"/>
-              <a:t>16/06/2023</a:t>
+              <a:t>18/06/2023</a:t>
             </a:fld>
             <a:endParaRPr lang="es-ES"/>
           </a:p>
@@ -2364,7 +2364,7 @@
           <a:p>
             <a:fld id="{059ACE22-8852-4AB5-AC4C-388E9F46BA1D}" type="datetimeFigureOut">
               <a:rPr lang="es-ES" smtClean="0"/>
-              <a:t>16/06/2023</a:t>
+              <a:t>18/06/2023</a:t>
             </a:fld>
             <a:endParaRPr lang="es-ES"/>
           </a:p>
@@ -2577,7 +2577,7 @@
           <a:p>
             <a:fld id="{059ACE22-8852-4AB5-AC4C-388E9F46BA1D}" type="datetimeFigureOut">
               <a:rPr lang="es-ES" smtClean="0"/>
-              <a:t>16/06/2023</a:t>
+              <a:t>18/06/2023</a:t>
             </a:fld>
             <a:endParaRPr lang="es-ES"/>
           </a:p>
@@ -2996,8 +2996,8 @@
         </p:nvGrpSpPr>
         <p:grpSpPr>
           <a:xfrm>
-            <a:off x="751444" y="10410157"/>
-            <a:ext cx="19949015" cy="5411758"/>
+            <a:off x="13917126" y="4795249"/>
+            <a:ext cx="6676965" cy="10070762"/>
             <a:chOff x="11583323" y="6375151"/>
             <a:chExt cx="9800303" cy="5411758"/>
           </a:xfrm>
@@ -3016,12 +3016,12 @@
           </p:nvSpPr>
           <p:spPr>
             <a:xfrm>
-              <a:off x="11583324" y="6625720"/>
-              <a:ext cx="9800301" cy="5161189"/>
+              <a:off x="11583323" y="6383325"/>
+              <a:ext cx="9800302" cy="5403584"/>
             </a:xfrm>
             <a:prstGeom prst="roundRect">
               <a:avLst>
-                <a:gd name="adj" fmla="val 1492"/>
+                <a:gd name="adj" fmla="val 7028"/>
               </a:avLst>
             </a:prstGeom>
             <a:gradFill flip="none" rotWithShape="1">
@@ -3095,8 +3095,8 @@
           </p:nvSpPr>
           <p:spPr>
             <a:xfrm>
-              <a:off x="11583325" y="6375151"/>
-              <a:ext cx="9800301" cy="511629"/>
+              <a:off x="11583324" y="6375151"/>
+              <a:ext cx="9800302" cy="367107"/>
             </a:xfrm>
             <a:prstGeom prst="roundRect">
               <a:avLst/>
@@ -3151,54 +3151,6 @@
             </a:p>
           </p:txBody>
         </p:sp>
-        <p:sp>
-          <p:nvSpPr>
-            <p:cNvPr id="13" name="CuadroTexto 12">
-              <a:extLst>
-                <a:ext uri="{FF2B5EF4-FFF2-40B4-BE49-F238E27FC236}">
-                  <a16:creationId xmlns:a16="http://schemas.microsoft.com/office/drawing/2014/main" id="{58B436FB-5DBB-C128-5AD4-855BC904EF83}"/>
-                </a:ext>
-              </a:extLst>
-            </p:cNvPr>
-            <p:cNvSpPr txBox="1"/>
-            <p:nvPr/>
-          </p:nvSpPr>
-          <p:spPr>
-            <a:xfrm>
-              <a:off x="11583323" y="6425665"/>
-              <a:ext cx="8288712" cy="400110"/>
-            </a:xfrm>
-            <a:prstGeom prst="rect">
-              <a:avLst/>
-            </a:prstGeom>
-            <a:noFill/>
-          </p:spPr>
-          <p:txBody>
-            <a:bodyPr wrap="square" rtlCol="0">
-              <a:spAutoFit/>
-            </a:bodyPr>
-            <a:lstStyle/>
-            <a:p>
-              <a:r>
-                <a:rPr lang="es-ES" sz="2000" b="1" dirty="0">
-                  <a:solidFill>
-                    <a:schemeClr val="bg1"/>
-                  </a:solidFill>
-                  <a:latin typeface="Cooper Hewitt Semibold" pitchFamily="2" charset="0"/>
-                  <a:ea typeface="Cooper Hewitt Semibold" pitchFamily="2" charset="0"/>
-                </a:rPr>
-                <a:t>MATERIALES Y MÉTODOS</a:t>
-              </a:r>
-              <a:endParaRPr lang="x-none" sz="2000" b="1" dirty="0">
-                <a:solidFill>
-                  <a:schemeClr val="bg1"/>
-                </a:solidFill>
-                <a:latin typeface="Cooper Hewitt Semibold" pitchFamily="2" charset="0"/>
-                <a:ea typeface="Cooper Hewitt Semibold" pitchFamily="2" charset="0"/>
-              </a:endParaRPr>
-            </a:p>
-          </p:txBody>
-        </p:sp>
       </p:grpSp>
       <p:grpSp>
         <p:nvGrpSpPr>
@@ -3214,8 +3166,8 @@
         </p:nvGrpSpPr>
         <p:grpSpPr>
           <a:xfrm>
-            <a:off x="712425" y="16195538"/>
-            <a:ext cx="20143677" cy="10730624"/>
+            <a:off x="712425" y="15219466"/>
+            <a:ext cx="19881665" cy="10730624"/>
             <a:chOff x="4153823" y="12991536"/>
             <a:chExt cx="9800303" cy="10730624"/>
           </a:xfrm>
@@ -3239,7 +3191,7 @@
             </a:xfrm>
             <a:prstGeom prst="roundRect">
               <a:avLst>
-                <a:gd name="adj" fmla="val 1492"/>
+                <a:gd name="adj" fmla="val 3534"/>
               </a:avLst>
             </a:prstGeom>
             <a:gradFill flip="none" rotWithShape="1">
@@ -3407,7 +3359,7 @@
         </p:nvGrpSpPr>
         <p:grpSpPr>
           <a:xfrm>
-            <a:off x="4106678" y="10990742"/>
+            <a:off x="21881927" y="6201610"/>
             <a:ext cx="12977286" cy="4958661"/>
             <a:chOff x="974247" y="21305958"/>
             <a:chExt cx="8794416" cy="2874652"/>
@@ -4446,12 +4398,281 @@
           </p:grpSp>
         </p:grpSp>
       </p:grpSp>
+      <p:sp>
+        <p:nvSpPr>
+          <p:cNvPr id="4" name="Rectángulo: esquinas redondeadas 3">
+            <a:extLst>
+              <a:ext uri="{FF2B5EF4-FFF2-40B4-BE49-F238E27FC236}">
+                <a16:creationId xmlns:a16="http://schemas.microsoft.com/office/drawing/2014/main" id="{A673775D-BC9E-1292-FFF4-A0D0B80D4A6A}"/>
+              </a:ext>
+            </a:extLst>
+          </p:cNvPr>
+          <p:cNvSpPr/>
+          <p:nvPr/>
+        </p:nvSpPr>
+        <p:spPr>
+          <a:xfrm>
+            <a:off x="712426" y="5060710"/>
+            <a:ext cx="12633924" cy="7581864"/>
+          </a:xfrm>
+          <a:prstGeom prst="roundRect">
+            <a:avLst>
+              <a:gd name="adj" fmla="val 6200"/>
+            </a:avLst>
+          </a:prstGeom>
+          <a:gradFill flip="none" rotWithShape="1">
+            <a:gsLst>
+              <a:gs pos="0">
+                <a:schemeClr val="bg1">
+                  <a:lumMod val="95000"/>
+                  <a:shade val="30000"/>
+                  <a:satMod val="115000"/>
+                </a:schemeClr>
+              </a:gs>
+              <a:gs pos="0">
+                <a:schemeClr val="bg1">
+                  <a:lumMod val="95000"/>
+                  <a:shade val="67500"/>
+                  <a:satMod val="115000"/>
+                  <a:alpha val="80000"/>
+                </a:schemeClr>
+              </a:gs>
+              <a:gs pos="47000">
+                <a:schemeClr val="bg1">
+                  <a:lumMod val="95000"/>
+                  <a:shade val="100000"/>
+                  <a:satMod val="115000"/>
+                </a:schemeClr>
+              </a:gs>
+            </a:gsLst>
+            <a:lin ang="13500000" scaled="1"/>
+            <a:tileRect/>
+          </a:gradFill>
+          <a:ln>
+            <a:noFill/>
+          </a:ln>
+        </p:spPr>
+        <p:style>
+          <a:lnRef idx="2">
+            <a:schemeClr val="accent1">
+              <a:shade val="50000"/>
+            </a:schemeClr>
+          </a:lnRef>
+          <a:fillRef idx="1">
+            <a:schemeClr val="accent1"/>
+          </a:fillRef>
+          <a:effectRef idx="0">
+            <a:schemeClr val="accent1"/>
+          </a:effectRef>
+          <a:fontRef idx="minor">
+            <a:schemeClr val="lt1"/>
+          </a:fontRef>
+        </p:style>
+        <p:txBody>
+          <a:bodyPr rtlCol="0" anchor="ctr"/>
+          <a:lstStyle/>
+          <a:p>
+            <a:pPr algn="ctr"/>
+            <a:endParaRPr lang="es-ES" dirty="0"/>
+          </a:p>
+        </p:txBody>
+      </p:sp>
+      <p:sp>
+        <p:nvSpPr>
+          <p:cNvPr id="5" name="Rectángulo: esquinas redondeadas 4">
+            <a:extLst>
+              <a:ext uri="{FF2B5EF4-FFF2-40B4-BE49-F238E27FC236}">
+                <a16:creationId xmlns:a16="http://schemas.microsoft.com/office/drawing/2014/main" id="{8A818B2A-457B-91EC-5170-D9BFBB54CD6B}"/>
+              </a:ext>
+            </a:extLst>
+          </p:cNvPr>
+          <p:cNvSpPr/>
+          <p:nvPr/>
+        </p:nvSpPr>
+        <p:spPr>
+          <a:xfrm>
+            <a:off x="712427" y="4810141"/>
+            <a:ext cx="12633924" cy="668798"/>
+          </a:xfrm>
+          <a:prstGeom prst="roundRect">
+            <a:avLst/>
+          </a:prstGeom>
+          <a:gradFill flip="none" rotWithShape="1">
+            <a:gsLst>
+              <a:gs pos="100000">
+                <a:schemeClr val="accent4">
+                  <a:lumMod val="50000"/>
+                </a:schemeClr>
+              </a:gs>
+              <a:gs pos="0">
+                <a:schemeClr val="accent4"/>
+              </a:gs>
+              <a:gs pos="37000">
+                <a:srgbClr val="6EB2AB"/>
+              </a:gs>
+            </a:gsLst>
+            <a:lin ang="2700000" scaled="1"/>
+            <a:tileRect/>
+          </a:gradFill>
+          <a:ln>
+            <a:noFill/>
+          </a:ln>
+        </p:spPr>
+        <p:style>
+          <a:lnRef idx="2">
+            <a:schemeClr val="accent1">
+              <a:shade val="50000"/>
+            </a:schemeClr>
+          </a:lnRef>
+          <a:fillRef idx="1">
+            <a:schemeClr val="accent1"/>
+          </a:fillRef>
+          <a:effectRef idx="0">
+            <a:schemeClr val="accent1"/>
+          </a:effectRef>
+          <a:fontRef idx="minor">
+            <a:schemeClr val="lt1"/>
+          </a:fontRef>
+        </p:style>
+        <p:txBody>
+          <a:bodyPr rtlCol="0" anchor="ctr"/>
+          <a:lstStyle/>
+          <a:p>
+            <a:pPr algn="ctr"/>
+            <a:endParaRPr lang="es-ES"/>
+          </a:p>
+        </p:txBody>
+      </p:sp>
+      <p:sp>
+        <p:nvSpPr>
+          <p:cNvPr id="6" name="CuadroTexto 5">
+            <a:extLst>
+              <a:ext uri="{FF2B5EF4-FFF2-40B4-BE49-F238E27FC236}">
+                <a16:creationId xmlns:a16="http://schemas.microsoft.com/office/drawing/2014/main" id="{771F5443-2AC0-6464-23E7-CB153FAF3CDD}"/>
+              </a:ext>
+            </a:extLst>
+          </p:cNvPr>
+          <p:cNvSpPr txBox="1"/>
+          <p:nvPr/>
+        </p:nvSpPr>
+        <p:spPr>
+          <a:xfrm>
+            <a:off x="789534" y="4883826"/>
+            <a:ext cx="8288712" cy="523220"/>
+          </a:xfrm>
+          <a:prstGeom prst="rect">
+            <a:avLst/>
+          </a:prstGeom>
+          <a:noFill/>
+        </p:spPr>
+        <p:txBody>
+          <a:bodyPr wrap="square" rtlCol="0">
+            <a:spAutoFit/>
+          </a:bodyPr>
+          <a:lstStyle/>
+          <a:p>
+            <a:r>
+              <a:rPr lang="es-ES" sz="2800" b="1" dirty="0">
+                <a:solidFill>
+                  <a:schemeClr val="bg1"/>
+                </a:solidFill>
+                <a:latin typeface="Cooper Hewitt Semibold" pitchFamily="2" charset="0"/>
+                <a:ea typeface="Cooper Hewitt Semibold" pitchFamily="2" charset="0"/>
+              </a:rPr>
+              <a:t>INTRODUCCIÓN</a:t>
+            </a:r>
+            <a:endParaRPr lang="x-none" sz="2400" b="1" dirty="0">
+              <a:solidFill>
+                <a:schemeClr val="bg1"/>
+              </a:solidFill>
+              <a:latin typeface="Cooper Hewitt Semibold" pitchFamily="2" charset="0"/>
+              <a:ea typeface="Cooper Hewitt Semibold" pitchFamily="2" charset="0"/>
+            </a:endParaRPr>
+          </a:p>
+        </p:txBody>
+      </p:sp>
+      <p:sp>
+        <p:nvSpPr>
+          <p:cNvPr id="8" name="CuadroTexto 7">
+            <a:extLst>
+              <a:ext uri="{FF2B5EF4-FFF2-40B4-BE49-F238E27FC236}">
+                <a16:creationId xmlns:a16="http://schemas.microsoft.com/office/drawing/2014/main" id="{023818B1-24F6-1BDF-9235-7B639963B35B}"/>
+              </a:ext>
+            </a:extLst>
+          </p:cNvPr>
+          <p:cNvSpPr txBox="1"/>
+          <p:nvPr/>
+        </p:nvSpPr>
+        <p:spPr>
+          <a:xfrm>
+            <a:off x="6051500" y="5734154"/>
+            <a:ext cx="6925198" cy="2062103"/>
+          </a:xfrm>
+          <a:prstGeom prst="rect">
+            <a:avLst/>
+          </a:prstGeom>
+          <a:noFill/>
+        </p:spPr>
+        <p:txBody>
+          <a:bodyPr wrap="square" rtlCol="0">
+            <a:spAutoFit/>
+          </a:bodyPr>
+          <a:lstStyle/>
+          <a:p>
+            <a:pPr algn="just"/>
+            <a:r>
+              <a:rPr lang="es-ES" sz="2000" b="1" i="1" dirty="0">
+                <a:solidFill>
+                  <a:schemeClr val="accent4">
+                    <a:lumMod val="75000"/>
+                  </a:schemeClr>
+                </a:solidFill>
+                <a:latin typeface="+mj-lt"/>
+              </a:rPr>
+              <a:t>Anemonia </a:t>
+            </a:r>
+            <a:r>
+              <a:rPr lang="es-ES" sz="2000" b="1" i="1" dirty="0" err="1">
+                <a:solidFill>
+                  <a:schemeClr val="accent4">
+                    <a:lumMod val="75000"/>
+                  </a:schemeClr>
+                </a:solidFill>
+                <a:latin typeface="+mj-lt"/>
+              </a:rPr>
+              <a:t>sulcata</a:t>
+            </a:r>
+            <a:r>
+              <a:rPr lang="es-ES" sz="2000" b="1" i="1" dirty="0">
+                <a:solidFill>
+                  <a:schemeClr val="accent4">
+                    <a:lumMod val="75000"/>
+                  </a:schemeClr>
+                </a:solidFill>
+                <a:latin typeface="+mj-lt"/>
+              </a:rPr>
+              <a:t> </a:t>
+            </a:r>
+            <a:r>
+              <a:rPr lang="es-ES" dirty="0"/>
+              <a:t>es un antozoo ampliamente distribuido por el mar mediterráneo, presenta tanto reproducción sexual como asexual. </a:t>
+            </a:r>
+            <a:r>
+              <a:rPr lang="es-ES" sz="1800" dirty="0"/>
+              <a:t>En los últimos años, la explotación sobre sus poblaciones en Andalucía se ha incrementado considerablemente como consecuencia de una mayor demanda y recolección furtiva, lo que ha deteriorado su estado de conservación localmente.</a:t>
+            </a:r>
+          </a:p>
+          <a:p>
+            <a:endParaRPr lang="es-ES" dirty="0"/>
+          </a:p>
+        </p:txBody>
+      </p:sp>
       <p:grpSp>
         <p:nvGrpSpPr>
-          <p:cNvPr id="67" name="Grupo 66">
+          <p:cNvPr id="66" name="Grupo 65">
             <a:extLst>
               <a:ext uri="{FF2B5EF4-FFF2-40B4-BE49-F238E27FC236}">
-                <a16:creationId xmlns:a16="http://schemas.microsoft.com/office/drawing/2014/main" id="{5007EE78-47DD-0ADD-3C3A-02F818DF1895}"/>
+                <a16:creationId xmlns:a16="http://schemas.microsoft.com/office/drawing/2014/main" id="{FF27DD8D-70F7-AAC2-61CF-55D4025FE99E}"/>
               </a:ext>
             </a:extLst>
           </p:cNvPr>
@@ -4460,164 +4681,56 @@
         </p:nvGrpSpPr>
         <p:grpSpPr>
           <a:xfrm>
-            <a:off x="712425" y="4810141"/>
-            <a:ext cx="19534400" cy="5209230"/>
-            <a:chOff x="712425" y="4810141"/>
-            <a:chExt cx="19534400" cy="5209230"/>
+            <a:off x="6838570" y="8680941"/>
+            <a:ext cx="4903872" cy="3677904"/>
+            <a:chOff x="21398496" y="2456246"/>
+            <a:chExt cx="4903872" cy="3677904"/>
           </a:xfrm>
         </p:grpSpPr>
-        <p:sp>
-          <p:nvSpPr>
-            <p:cNvPr id="4" name="Rectángulo: esquinas redondeadas 3">
+        <p:pic>
+          <p:nvPicPr>
+            <p:cNvPr id="15" name="Imagen 14">
               <a:extLst>
                 <a:ext uri="{FF2B5EF4-FFF2-40B4-BE49-F238E27FC236}">
-                  <a16:creationId xmlns:a16="http://schemas.microsoft.com/office/drawing/2014/main" id="{A673775D-BC9E-1292-FFF4-A0D0B80D4A6A}"/>
+                  <a16:creationId xmlns:a16="http://schemas.microsoft.com/office/drawing/2014/main" id="{E93B7A50-7D32-EDB7-13D0-43B8B32FED6E}"/>
                 </a:ext>
               </a:extLst>
             </p:cNvPr>
-            <p:cNvSpPr/>
+            <p:cNvPicPr>
+              <a:picLocks noChangeAspect="1"/>
+            </p:cNvPicPr>
             <p:nvPr/>
-          </p:nvSpPr>
+          </p:nvPicPr>
+          <p:blipFill>
+            <a:blip r:embed="rId2" cstate="print">
+              <a:extLst>
+                <a:ext uri="{28A0092B-C50C-407E-A947-70E740481C1C}">
+                  <a14:useLocalDpi xmlns:a14="http://schemas.microsoft.com/office/drawing/2010/main" val="0"/>
+                </a:ext>
+              </a:extLst>
+            </a:blip>
+            <a:stretch>
+              <a:fillRect/>
+            </a:stretch>
+          </p:blipFill>
           <p:spPr>
             <a:xfrm>
-              <a:off x="712425" y="5060710"/>
-              <a:ext cx="19466619" cy="4958661"/>
+              <a:off x="21398496" y="2456246"/>
+              <a:ext cx="4903872" cy="3677904"/>
             </a:xfrm>
             <a:prstGeom prst="roundRect">
               <a:avLst>
-                <a:gd name="adj" fmla="val 1492"/>
+                <a:gd name="adj" fmla="val 6451"/>
               </a:avLst>
             </a:prstGeom>
-            <a:gradFill flip="none" rotWithShape="1">
-              <a:gsLst>
-                <a:gs pos="0">
-                  <a:schemeClr val="bg1">
-                    <a:lumMod val="95000"/>
-                    <a:shade val="30000"/>
-                    <a:satMod val="115000"/>
-                  </a:schemeClr>
-                </a:gs>
-                <a:gs pos="0">
-                  <a:schemeClr val="bg1">
-                    <a:lumMod val="95000"/>
-                    <a:shade val="67500"/>
-                    <a:satMod val="115000"/>
-                    <a:alpha val="80000"/>
-                  </a:schemeClr>
-                </a:gs>
-                <a:gs pos="47000">
-                  <a:schemeClr val="bg1">
-                    <a:lumMod val="95000"/>
-                    <a:shade val="100000"/>
-                    <a:satMod val="115000"/>
-                  </a:schemeClr>
-                </a:gs>
-              </a:gsLst>
-              <a:lin ang="13500000" scaled="1"/>
-              <a:tileRect/>
-            </a:gradFill>
-            <a:ln>
-              <a:noFill/>
-            </a:ln>
           </p:spPr>
-          <p:style>
-            <a:lnRef idx="2">
-              <a:schemeClr val="accent1">
-                <a:shade val="50000"/>
-              </a:schemeClr>
-            </a:lnRef>
-            <a:fillRef idx="1">
-              <a:schemeClr val="accent1"/>
-            </a:fillRef>
-            <a:effectRef idx="0">
-              <a:schemeClr val="accent1"/>
-            </a:effectRef>
-            <a:fontRef idx="minor">
-              <a:schemeClr val="lt1"/>
-            </a:fontRef>
-          </p:style>
-          <p:txBody>
-            <a:bodyPr rtlCol="0" anchor="ctr"/>
-            <a:lstStyle/>
-            <a:p>
-              <a:pPr algn="ctr"/>
-              <a:endParaRPr lang="es-ES" dirty="0"/>
-            </a:p>
-          </p:txBody>
-        </p:sp>
+        </p:pic>
         <p:sp>
           <p:nvSpPr>
-            <p:cNvPr id="5" name="Rectángulo: esquinas redondeadas 4">
+            <p:cNvPr id="43" name="CuadroTexto 42">
               <a:extLst>
                 <a:ext uri="{FF2B5EF4-FFF2-40B4-BE49-F238E27FC236}">
-                  <a16:creationId xmlns:a16="http://schemas.microsoft.com/office/drawing/2014/main" id="{8A818B2A-457B-91EC-5170-D9BFBB54CD6B}"/>
-                </a:ext>
-              </a:extLst>
-            </p:cNvPr>
-            <p:cNvSpPr/>
-            <p:nvPr/>
-          </p:nvSpPr>
-          <p:spPr>
-            <a:xfrm>
-              <a:off x="712426" y="4810141"/>
-              <a:ext cx="19534399" cy="624704"/>
-            </a:xfrm>
-            <a:prstGeom prst="roundRect">
-              <a:avLst/>
-            </a:prstGeom>
-            <a:gradFill flip="none" rotWithShape="1">
-              <a:gsLst>
-                <a:gs pos="95000">
-                  <a:schemeClr val="accent3"/>
-                </a:gs>
-                <a:gs pos="5000">
-                  <a:schemeClr val="accent4">
-                    <a:lumMod val="60000"/>
-                    <a:lumOff val="40000"/>
-                  </a:schemeClr>
-                </a:gs>
-                <a:gs pos="46000">
-                  <a:schemeClr val="accent4"/>
-                </a:gs>
-              </a:gsLst>
-              <a:lin ang="2700000" scaled="1"/>
-              <a:tileRect/>
-            </a:gradFill>
-            <a:ln>
-              <a:noFill/>
-            </a:ln>
-          </p:spPr>
-          <p:style>
-            <a:lnRef idx="2">
-              <a:schemeClr val="accent1">
-                <a:shade val="50000"/>
-              </a:schemeClr>
-            </a:lnRef>
-            <a:fillRef idx="1">
-              <a:schemeClr val="accent1"/>
-            </a:fillRef>
-            <a:effectRef idx="0">
-              <a:schemeClr val="accent1"/>
-            </a:effectRef>
-            <a:fontRef idx="minor">
-              <a:schemeClr val="lt1"/>
-            </a:fontRef>
-          </p:style>
-          <p:txBody>
-            <a:bodyPr rtlCol="0" anchor="ctr"/>
-            <a:lstStyle/>
-            <a:p>
-              <a:pPr algn="ctr"/>
-              <a:endParaRPr lang="es-ES"/>
-            </a:p>
-          </p:txBody>
-        </p:sp>
-        <p:sp>
-          <p:nvSpPr>
-            <p:cNvPr id="6" name="CuadroTexto 5">
-              <a:extLst>
-                <a:ext uri="{FF2B5EF4-FFF2-40B4-BE49-F238E27FC236}">
-                  <a16:creationId xmlns:a16="http://schemas.microsoft.com/office/drawing/2014/main" id="{771F5443-2AC0-6464-23E7-CB153FAF3CDD}"/>
+                  <a16:creationId xmlns:a16="http://schemas.microsoft.com/office/drawing/2014/main" id="{DB4CDEE4-84E1-1AD7-EB1A-619823EB1D3E}"/>
                 </a:ext>
               </a:extLst>
             </p:cNvPr>
@@ -4626,8 +4739,8 @@
           </p:nvSpPr>
           <p:spPr>
             <a:xfrm>
-              <a:off x="897810" y="4860655"/>
-              <a:ext cx="8288712" cy="400110"/>
+              <a:off x="24740716" y="2569944"/>
+              <a:ext cx="1561652" cy="584775"/>
             </a:xfrm>
             <a:prstGeom prst="rect">
               <a:avLst/>
@@ -4641,177 +4754,24 @@
             <a:lstStyle/>
             <a:p>
               <a:r>
-                <a:rPr lang="es-ES" sz="2000" b="1" dirty="0">
-                  <a:solidFill>
-                    <a:schemeClr val="bg1"/>
-                  </a:solidFill>
-                  <a:latin typeface="Cooper Hewitt Semibold" pitchFamily="2" charset="0"/>
-                  <a:ea typeface="Cooper Hewitt Semibold" pitchFamily="2" charset="0"/>
+                <a:rPr lang="es-ES" sz="800" dirty="0">
+                  <a:latin typeface="Cooper Hewitt Medium" pitchFamily="2" charset="0"/>
+                  <a:ea typeface="Cooper Hewitt Medium" pitchFamily="2" charset="0"/>
                 </a:rPr>
-                <a:t>INTRODUCCIÓN</a:t>
+                <a:t>POM: Materia orgánica particulada</a:t>
               </a:r>
-              <a:endParaRPr lang="x-none" sz="2000" b="1" dirty="0">
-                <a:solidFill>
-                  <a:schemeClr val="bg1"/>
-                </a:solidFill>
-                <a:latin typeface="Cooper Hewitt Semibold" pitchFamily="2" charset="0"/>
-                <a:ea typeface="Cooper Hewitt Semibold" pitchFamily="2" charset="0"/>
-              </a:endParaRPr>
-            </a:p>
-          </p:txBody>
-        </p:sp>
-        <p:sp>
-          <p:nvSpPr>
-            <p:cNvPr id="8" name="CuadroTexto 7">
-              <a:extLst>
-                <a:ext uri="{FF2B5EF4-FFF2-40B4-BE49-F238E27FC236}">
-                  <a16:creationId xmlns:a16="http://schemas.microsoft.com/office/drawing/2014/main" id="{023818B1-24F6-1BDF-9235-7B639963B35B}"/>
-                </a:ext>
-              </a:extLst>
-            </p:cNvPr>
-            <p:cNvSpPr txBox="1"/>
-            <p:nvPr/>
-          </p:nvSpPr>
-          <p:spPr>
-            <a:xfrm>
-              <a:off x="897810" y="6068854"/>
-              <a:ext cx="3208868" cy="738664"/>
-            </a:xfrm>
-            <a:prstGeom prst="rect">
-              <a:avLst/>
-            </a:prstGeom>
-            <a:noFill/>
-          </p:spPr>
-          <p:txBody>
-            <a:bodyPr wrap="square" rtlCol="0">
-              <a:spAutoFit/>
-            </a:bodyPr>
-            <a:lstStyle/>
-            <a:p>
-              <a:r>
-                <a:rPr lang="es-ES" sz="2400" b="1" dirty="0">
-                  <a:latin typeface="+mj-lt"/>
-                </a:rPr>
-                <a:t>Título de ejemplo</a:t>
-              </a:r>
-              <a:endParaRPr lang="es-ES" dirty="0">
-                <a:latin typeface="+mj-lt"/>
-              </a:endParaRPr>
             </a:p>
             <a:p>
               <a:r>
-                <a:rPr lang="es-ES" dirty="0"/>
-                <a:t>Cuerpo de ejemplo</a:t>
+                <a:rPr lang="es-ES" sz="800" dirty="0">
+                  <a:latin typeface="Cooper Hewitt Medium" pitchFamily="2" charset="0"/>
+                  <a:ea typeface="Cooper Hewitt Medium" pitchFamily="2" charset="0"/>
+                </a:rPr>
+                <a:t>DIN: Nutrientes inorgánicos disueltos</a:t>
               </a:r>
             </a:p>
           </p:txBody>
         </p:sp>
-        <p:grpSp>
-          <p:nvGrpSpPr>
-            <p:cNvPr id="66" name="Grupo 65">
-              <a:extLst>
-                <a:ext uri="{FF2B5EF4-FFF2-40B4-BE49-F238E27FC236}">
-                  <a16:creationId xmlns:a16="http://schemas.microsoft.com/office/drawing/2014/main" id="{FF27DD8D-70F7-AAC2-61CF-55D4025FE99E}"/>
-                </a:ext>
-              </a:extLst>
-            </p:cNvPr>
-            <p:cNvGrpSpPr/>
-            <p:nvPr/>
-          </p:nvGrpSpPr>
-          <p:grpSpPr>
-            <a:xfrm>
-              <a:off x="4370260" y="5480828"/>
-              <a:ext cx="5878884" cy="4409163"/>
-              <a:chOff x="4370260" y="5480828"/>
-              <a:chExt cx="5878884" cy="4409163"/>
-            </a:xfrm>
-          </p:grpSpPr>
-          <p:pic>
-            <p:nvPicPr>
-              <p:cNvPr id="15" name="Imagen 14">
-                <a:extLst>
-                  <a:ext uri="{FF2B5EF4-FFF2-40B4-BE49-F238E27FC236}">
-                    <a16:creationId xmlns:a16="http://schemas.microsoft.com/office/drawing/2014/main" id="{E93B7A50-7D32-EDB7-13D0-43B8B32FED6E}"/>
-                  </a:ext>
-                </a:extLst>
-              </p:cNvPr>
-              <p:cNvPicPr>
-                <a:picLocks noChangeAspect="1"/>
-              </p:cNvPicPr>
-              <p:nvPr/>
-            </p:nvPicPr>
-            <p:blipFill>
-              <a:blip r:embed="rId2" cstate="print">
-                <a:extLst>
-                  <a:ext uri="{28A0092B-C50C-407E-A947-70E740481C1C}">
-                    <a14:useLocalDpi xmlns:a14="http://schemas.microsoft.com/office/drawing/2010/main" val="0"/>
-                  </a:ext>
-                </a:extLst>
-              </a:blip>
-              <a:stretch>
-                <a:fillRect/>
-              </a:stretch>
-            </p:blipFill>
-            <p:spPr>
-              <a:xfrm>
-                <a:off x="4370260" y="5480828"/>
-                <a:ext cx="5878884" cy="4409163"/>
-              </a:xfrm>
-              <a:prstGeom prst="roundRect">
-                <a:avLst>
-                  <a:gd name="adj" fmla="val 6451"/>
-                </a:avLst>
-              </a:prstGeom>
-            </p:spPr>
-          </p:pic>
-          <p:sp>
-            <p:nvSpPr>
-              <p:cNvPr id="43" name="CuadroTexto 42">
-                <a:extLst>
-                  <a:ext uri="{FF2B5EF4-FFF2-40B4-BE49-F238E27FC236}">
-                    <a16:creationId xmlns:a16="http://schemas.microsoft.com/office/drawing/2014/main" id="{DB4CDEE4-84E1-1AD7-EB1A-619823EB1D3E}"/>
-                  </a:ext>
-                </a:extLst>
-              </p:cNvPr>
-              <p:cNvSpPr txBox="1"/>
-              <p:nvPr/>
-            </p:nvSpPr>
-            <p:spPr>
-              <a:xfrm>
-                <a:off x="8358639" y="5623615"/>
-                <a:ext cx="1872147" cy="338554"/>
-              </a:xfrm>
-              <a:prstGeom prst="rect">
-                <a:avLst/>
-              </a:prstGeom>
-              <a:noFill/>
-            </p:spPr>
-            <p:txBody>
-              <a:bodyPr wrap="square" rtlCol="0">
-                <a:spAutoFit/>
-              </a:bodyPr>
-              <a:lstStyle/>
-              <a:p>
-                <a:r>
-                  <a:rPr lang="es-ES" sz="800" dirty="0">
-                    <a:latin typeface="Cooper Hewitt Medium" pitchFamily="2" charset="0"/>
-                    <a:ea typeface="Cooper Hewitt Medium" pitchFamily="2" charset="0"/>
-                  </a:rPr>
-                  <a:t>POM: Materia orgánica particulada</a:t>
-                </a:r>
-              </a:p>
-              <a:p>
-                <a:r>
-                  <a:rPr lang="es-ES" sz="800" dirty="0">
-                    <a:latin typeface="Cooper Hewitt Medium" pitchFamily="2" charset="0"/>
-                    <a:ea typeface="Cooper Hewitt Medium" pitchFamily="2" charset="0"/>
-                  </a:rPr>
-                  <a:t>DIN: Nutrientes inorgánicos disueltos</a:t>
-                </a:r>
-              </a:p>
-            </p:txBody>
-          </p:sp>
-        </p:grpSp>
       </p:grpSp>
       <p:sp>
         <p:nvSpPr>
@@ -4827,8 +4787,8 @@
         </p:nvSpPr>
         <p:spPr>
           <a:xfrm>
-            <a:off x="1230392" y="1000966"/>
-            <a:ext cx="18126077" cy="3139321"/>
+            <a:off x="712425" y="1074913"/>
+            <a:ext cx="20408628" cy="2123658"/>
           </a:xfrm>
           <a:prstGeom prst="rect">
             <a:avLst/>
@@ -4841,7 +4801,6 @@
           </a:bodyPr>
           <a:lstStyle/>
           <a:p>
-            <a:pPr algn="ctr"/>
             <a:r>
               <a:rPr lang="es-ES" sz="6600" dirty="0">
                 <a:latin typeface="Bahnschrift SemiBold SemiConden" panose="020B0502040204020203" pitchFamily="34" charset="0"/>
@@ -4903,7 +4862,7 @@
         </p:blipFill>
         <p:spPr>
           <a:xfrm>
-            <a:off x="10318968" y="17507768"/>
+            <a:off x="11217799" y="16983742"/>
             <a:ext cx="8572789" cy="4572154"/>
           </a:xfrm>
           <a:prstGeom prst="rect">
@@ -4939,7 +4898,7 @@
         </p:blipFill>
         <p:spPr>
           <a:xfrm>
-            <a:off x="3023307" y="27546846"/>
+            <a:off x="-8975575" y="19899286"/>
             <a:ext cx="8572789" cy="4572154"/>
           </a:xfrm>
           <a:prstGeom prst="rect">
@@ -4975,7 +4934,7 @@
         </p:blipFill>
         <p:spPr>
           <a:xfrm>
-            <a:off x="1238322" y="22508308"/>
+            <a:off x="1138207" y="21608980"/>
             <a:ext cx="8572789" cy="4572154"/>
           </a:xfrm>
           <a:prstGeom prst="rect">
@@ -5011,7 +4970,7 @@
         </p:blipFill>
         <p:spPr>
           <a:xfrm>
-            <a:off x="1229303" y="17469770"/>
+            <a:off x="1145806" y="17015477"/>
             <a:ext cx="8572789" cy="4572154"/>
           </a:xfrm>
           <a:prstGeom prst="rect">
@@ -5047,7 +5006,7 @@
         </p:blipFill>
         <p:spPr>
           <a:xfrm>
-            <a:off x="10445734" y="22475142"/>
+            <a:off x="11065062" y="21909351"/>
             <a:ext cx="8572789" cy="4572154"/>
           </a:xfrm>
           <a:prstGeom prst="rect">
@@ -5055,6 +5014,709 @@
           </a:prstGeom>
         </p:spPr>
       </p:pic>
+      <p:sp>
+        <p:nvSpPr>
+          <p:cNvPr id="49" name="CuadroTexto 48">
+            <a:extLst>
+              <a:ext uri="{FF2B5EF4-FFF2-40B4-BE49-F238E27FC236}">
+                <a16:creationId xmlns:a16="http://schemas.microsoft.com/office/drawing/2014/main" id="{8BAF9DC3-5895-2396-1ADF-503AFE4A0D7D}"/>
+              </a:ext>
+            </a:extLst>
+          </p:cNvPr>
+          <p:cNvSpPr txBox="1"/>
+          <p:nvPr/>
+        </p:nvSpPr>
+        <p:spPr>
+          <a:xfrm>
+            <a:off x="6051499" y="7580727"/>
+            <a:ext cx="6844673" cy="923330"/>
+          </a:xfrm>
+          <a:prstGeom prst="rect">
+            <a:avLst/>
+          </a:prstGeom>
+          <a:noFill/>
+        </p:spPr>
+        <p:txBody>
+          <a:bodyPr wrap="square">
+            <a:spAutoFit/>
+          </a:bodyPr>
+          <a:lstStyle/>
+          <a:p>
+            <a:pPr algn="just"/>
+            <a:r>
+              <a:rPr lang="es-ES" sz="1800" dirty="0"/>
+              <a:t>La acuicultura ofrece una posible solución a ese problema de conservación, especialmente a través de la </a:t>
+            </a:r>
+            <a:r>
+              <a:rPr lang="es-ES" sz="1800" b="1" dirty="0">
+                <a:solidFill>
+                  <a:srgbClr val="47A5A3"/>
+                </a:solidFill>
+              </a:rPr>
+              <a:t>acuicultura multitrófica integrada (IMTA). </a:t>
+            </a:r>
+          </a:p>
+        </p:txBody>
+      </p:sp>
+      <p:pic>
+        <p:nvPicPr>
+          <p:cNvPr id="50" name="Picture 4" descr="Anemonia viridis">
+            <a:extLst>
+              <a:ext uri="{FF2B5EF4-FFF2-40B4-BE49-F238E27FC236}">
+                <a16:creationId xmlns:a16="http://schemas.microsoft.com/office/drawing/2014/main" id="{ACCDF8C5-D795-422B-C4C1-EAFA65D2BA72}"/>
+              </a:ext>
+            </a:extLst>
+          </p:cNvPr>
+          <p:cNvPicPr>
+            <a:picLocks noChangeAspect="1" noChangeArrowheads="1"/>
+          </p:cNvPicPr>
+          <p:nvPr/>
+        </p:nvPicPr>
+        <p:blipFill>
+          <a:blip r:embed="rId8" cstate="print">
+            <a:extLst>
+              <a:ext uri="{28A0092B-C50C-407E-A947-70E740481C1C}">
+                <a14:useLocalDpi xmlns:a14="http://schemas.microsoft.com/office/drawing/2010/main" val="0"/>
+              </a:ext>
+            </a:extLst>
+          </a:blip>
+          <a:srcRect/>
+          <a:stretch>
+            <a:fillRect/>
+          </a:stretch>
+        </p:blipFill>
+        <p:spPr bwMode="auto">
+          <a:xfrm>
+            <a:off x="1229303" y="5820265"/>
+            <a:ext cx="4202898" cy="3427168"/>
+          </a:xfrm>
+          <a:prstGeom prst="rect">
+            <a:avLst/>
+          </a:prstGeom>
+          <a:noFill/>
+          <a:extLst>
+            <a:ext uri="{909E8E84-426E-40DD-AFC4-6F175D3DCCD1}">
+              <a14:hiddenFill xmlns:a14="http://schemas.microsoft.com/office/drawing/2010/main">
+                <a:solidFill>
+                  <a:srgbClr val="FFFFFF"/>
+                </a:solidFill>
+              </a14:hiddenFill>
+            </a:ext>
+          </a:extLst>
+        </p:spPr>
+      </p:pic>
+      <p:grpSp>
+        <p:nvGrpSpPr>
+          <p:cNvPr id="69" name="Grupo 68">
+            <a:extLst>
+              <a:ext uri="{FF2B5EF4-FFF2-40B4-BE49-F238E27FC236}">
+                <a16:creationId xmlns:a16="http://schemas.microsoft.com/office/drawing/2014/main" id="{248882A6-A87C-E245-31B0-C27EA88AD0DD}"/>
+              </a:ext>
+            </a:extLst>
+          </p:cNvPr>
+          <p:cNvGrpSpPr/>
+          <p:nvPr/>
+        </p:nvGrpSpPr>
+        <p:grpSpPr>
+          <a:xfrm>
+            <a:off x="1495978" y="9803928"/>
+            <a:ext cx="4641467" cy="2147909"/>
+            <a:chOff x="5079041" y="11088636"/>
+            <a:chExt cx="4323861" cy="2147909"/>
+          </a:xfrm>
+        </p:grpSpPr>
+        <p:sp>
+          <p:nvSpPr>
+            <p:cNvPr id="70" name="CuadroTexto 69">
+              <a:extLst>
+                <a:ext uri="{FF2B5EF4-FFF2-40B4-BE49-F238E27FC236}">
+                  <a16:creationId xmlns:a16="http://schemas.microsoft.com/office/drawing/2014/main" id="{837EE1B4-0C7B-8878-2A8E-77FB0D2878C1}"/>
+                </a:ext>
+              </a:extLst>
+            </p:cNvPr>
+            <p:cNvSpPr txBox="1"/>
+            <p:nvPr/>
+          </p:nvSpPr>
+          <p:spPr>
+            <a:xfrm>
+              <a:off x="5300198" y="11420279"/>
+              <a:ext cx="4102704" cy="1816266"/>
+            </a:xfrm>
+            <a:prstGeom prst="rect">
+              <a:avLst/>
+            </a:prstGeom>
+            <a:noFill/>
+          </p:spPr>
+          <p:txBody>
+            <a:bodyPr wrap="square" rtlCol="0">
+              <a:spAutoFit/>
+            </a:bodyPr>
+            <a:lstStyle/>
+            <a:p>
+              <a:pPr algn="just"/>
+              <a:r>
+                <a:rPr lang="es-ES" dirty="0"/>
+                <a:t>En estos sistemas, se cultiva la especie principal junto a distintas especies extractivas, de diferente nivel trófico. Se genera así un ciclo de nutrientes en el sistema de cultivo, contribuyendo a la sostenibilidad de la explotación acuícola.</a:t>
+              </a:r>
+              <a:endParaRPr lang="x-none" dirty="0"/>
+            </a:p>
+          </p:txBody>
+        </p:sp>
+        <p:grpSp>
+          <p:nvGrpSpPr>
+            <p:cNvPr id="71" name="Grupo 70">
+              <a:extLst>
+                <a:ext uri="{FF2B5EF4-FFF2-40B4-BE49-F238E27FC236}">
+                  <a16:creationId xmlns:a16="http://schemas.microsoft.com/office/drawing/2014/main" id="{0D4ED7B2-A292-F739-5370-034F9B9FF246}"/>
+                </a:ext>
+              </a:extLst>
+            </p:cNvPr>
+            <p:cNvGrpSpPr/>
+            <p:nvPr/>
+          </p:nvGrpSpPr>
+          <p:grpSpPr>
+            <a:xfrm>
+              <a:off x="5079041" y="11088636"/>
+              <a:ext cx="2699902" cy="2106312"/>
+              <a:chOff x="5079041" y="11088636"/>
+              <a:chExt cx="2699902" cy="2106312"/>
+            </a:xfrm>
+          </p:grpSpPr>
+          <p:grpSp>
+            <p:nvGrpSpPr>
+              <p:cNvPr id="72" name="Grupo 71">
+                <a:extLst>
+                  <a:ext uri="{FF2B5EF4-FFF2-40B4-BE49-F238E27FC236}">
+                    <a16:creationId xmlns:a16="http://schemas.microsoft.com/office/drawing/2014/main" id="{DAB4CE63-4DE7-A843-BBFA-E205E6B8875E}"/>
+                  </a:ext>
+                </a:extLst>
+              </p:cNvPr>
+              <p:cNvGrpSpPr/>
+              <p:nvPr/>
+            </p:nvGrpSpPr>
+            <p:grpSpPr>
+              <a:xfrm>
+                <a:off x="5079041" y="11295487"/>
+                <a:ext cx="402967" cy="1899461"/>
+                <a:chOff x="5095410" y="11976592"/>
+                <a:chExt cx="402967" cy="1899461"/>
+              </a:xfrm>
+            </p:grpSpPr>
+            <p:grpSp>
+              <p:nvGrpSpPr>
+                <p:cNvPr id="74" name="Grupo 73">
+                  <a:extLst>
+                    <a:ext uri="{FF2B5EF4-FFF2-40B4-BE49-F238E27FC236}">
+                      <a16:creationId xmlns:a16="http://schemas.microsoft.com/office/drawing/2014/main" id="{8883E14F-62D3-4C5C-58C4-67DB05AC060A}"/>
+                    </a:ext>
+                  </a:extLst>
+                </p:cNvPr>
+                <p:cNvGrpSpPr/>
+                <p:nvPr/>
+              </p:nvGrpSpPr>
+              <p:grpSpPr>
+                <a:xfrm>
+                  <a:off x="5178337" y="11976592"/>
+                  <a:ext cx="320040" cy="1899461"/>
+                  <a:chOff x="5721876" y="10549467"/>
+                  <a:chExt cx="320040" cy="1524000"/>
+                </a:xfrm>
+                <a:solidFill>
+                  <a:srgbClr val="FFBC42"/>
+                </a:solidFill>
+              </p:grpSpPr>
+              <p:cxnSp>
+                <p:nvCxnSpPr>
+                  <p:cNvPr id="76" name="Conector recto 75">
+                    <a:extLst>
+                      <a:ext uri="{FF2B5EF4-FFF2-40B4-BE49-F238E27FC236}">
+                        <a16:creationId xmlns:a16="http://schemas.microsoft.com/office/drawing/2014/main" id="{6485FFFE-FDCF-DE19-BC3F-795AF9A0B3A9}"/>
+                      </a:ext>
+                    </a:extLst>
+                  </p:cNvPr>
+                  <p:cNvCxnSpPr/>
+                  <p:nvPr/>
+                </p:nvCxnSpPr>
+                <p:spPr>
+                  <a:xfrm>
+                    <a:off x="5740400" y="10549467"/>
+                    <a:ext cx="0" cy="1524000"/>
+                  </a:xfrm>
+                  <a:prstGeom prst="line">
+                    <a:avLst/>
+                  </a:prstGeom>
+                  <a:grpFill/>
+                  <a:ln w="57150">
+                    <a:solidFill>
+                      <a:srgbClr val="FFBC42"/>
+                    </a:solidFill>
+                  </a:ln>
+                </p:spPr>
+                <p:style>
+                  <a:lnRef idx="1">
+                    <a:schemeClr val="accent1"/>
+                  </a:lnRef>
+                  <a:fillRef idx="0">
+                    <a:schemeClr val="accent1"/>
+                  </a:fillRef>
+                  <a:effectRef idx="0">
+                    <a:schemeClr val="accent1"/>
+                  </a:effectRef>
+                  <a:fontRef idx="minor">
+                    <a:schemeClr val="tx1"/>
+                  </a:fontRef>
+                </p:style>
+              </p:cxnSp>
+              <p:cxnSp>
+                <p:nvCxnSpPr>
+                  <p:cNvPr id="77" name="Conector recto 76">
+                    <a:extLst>
+                      <a:ext uri="{FF2B5EF4-FFF2-40B4-BE49-F238E27FC236}">
+                        <a16:creationId xmlns:a16="http://schemas.microsoft.com/office/drawing/2014/main" id="{CE0D7952-EC67-1747-2797-55AE0587DA76}"/>
+                      </a:ext>
+                    </a:extLst>
+                  </p:cNvPr>
+                  <p:cNvCxnSpPr>
+                    <a:cxnSpLocks/>
+                  </p:cNvCxnSpPr>
+                  <p:nvPr/>
+                </p:nvCxnSpPr>
+                <p:spPr>
+                  <a:xfrm>
+                    <a:off x="5721876" y="10561695"/>
+                    <a:ext cx="320040" cy="0"/>
+                  </a:xfrm>
+                  <a:prstGeom prst="line">
+                    <a:avLst/>
+                  </a:prstGeom>
+                  <a:grpFill/>
+                  <a:ln w="57150">
+                    <a:solidFill>
+                      <a:srgbClr val="FFBC42"/>
+                    </a:solidFill>
+                  </a:ln>
+                </p:spPr>
+                <p:style>
+                  <a:lnRef idx="1">
+                    <a:schemeClr val="accent1"/>
+                  </a:lnRef>
+                  <a:fillRef idx="0">
+                    <a:schemeClr val="accent1"/>
+                  </a:fillRef>
+                  <a:effectRef idx="0">
+                    <a:schemeClr val="accent1"/>
+                  </a:effectRef>
+                  <a:fontRef idx="minor">
+                    <a:schemeClr val="tx1"/>
+                  </a:fontRef>
+                </p:style>
+              </p:cxnSp>
+              <p:cxnSp>
+                <p:nvCxnSpPr>
+                  <p:cNvPr id="78" name="Conector recto 77">
+                    <a:extLst>
+                      <a:ext uri="{FF2B5EF4-FFF2-40B4-BE49-F238E27FC236}">
+                        <a16:creationId xmlns:a16="http://schemas.microsoft.com/office/drawing/2014/main" id="{19A6E3C7-4AD7-BF80-42D9-AADE9F6FBD8F}"/>
+                      </a:ext>
+                    </a:extLst>
+                  </p:cNvPr>
+                  <p:cNvCxnSpPr>
+                    <a:cxnSpLocks/>
+                  </p:cNvCxnSpPr>
+                  <p:nvPr/>
+                </p:nvCxnSpPr>
+                <p:spPr>
+                  <a:xfrm>
+                    <a:off x="5721876" y="12065315"/>
+                    <a:ext cx="101719" cy="0"/>
+                  </a:xfrm>
+                  <a:prstGeom prst="line">
+                    <a:avLst/>
+                  </a:prstGeom>
+                  <a:grpFill/>
+                  <a:ln w="57150">
+                    <a:solidFill>
+                      <a:srgbClr val="FFBC42"/>
+                    </a:solidFill>
+                  </a:ln>
+                </p:spPr>
+                <p:style>
+                  <a:lnRef idx="1">
+                    <a:schemeClr val="accent1"/>
+                  </a:lnRef>
+                  <a:fillRef idx="0">
+                    <a:schemeClr val="accent1"/>
+                  </a:fillRef>
+                  <a:effectRef idx="0">
+                    <a:schemeClr val="accent1"/>
+                  </a:effectRef>
+                  <a:fontRef idx="minor">
+                    <a:schemeClr val="tx1"/>
+                  </a:fontRef>
+                </p:style>
+              </p:cxnSp>
+            </p:grpSp>
+            <p:sp>
+              <p:nvSpPr>
+                <p:cNvPr id="75" name="Elipse 74">
+                  <a:extLst>
+                    <a:ext uri="{FF2B5EF4-FFF2-40B4-BE49-F238E27FC236}">
+                      <a16:creationId xmlns:a16="http://schemas.microsoft.com/office/drawing/2014/main" id="{C732E7F4-53C9-2C34-AC0A-18B0C8CF9C8C}"/>
+                    </a:ext>
+                  </a:extLst>
+                </p:cNvPr>
+                <p:cNvSpPr/>
+                <p:nvPr/>
+              </p:nvSpPr>
+              <p:spPr>
+                <a:xfrm>
+                  <a:off x="5095410" y="12826759"/>
+                  <a:ext cx="202901" cy="202901"/>
+                </a:xfrm>
+                <a:prstGeom prst="ellipse">
+                  <a:avLst/>
+                </a:prstGeom>
+                <a:solidFill>
+                  <a:srgbClr val="FFBC42"/>
+                </a:solidFill>
+                <a:ln>
+                  <a:solidFill>
+                    <a:srgbClr val="FFBC42"/>
+                  </a:solidFill>
+                </a:ln>
+              </p:spPr>
+              <p:style>
+                <a:lnRef idx="2">
+                  <a:schemeClr val="accent1">
+                    <a:shade val="50000"/>
+                  </a:schemeClr>
+                </a:lnRef>
+                <a:fillRef idx="1">
+                  <a:schemeClr val="accent1"/>
+                </a:fillRef>
+                <a:effectRef idx="0">
+                  <a:schemeClr val="accent1"/>
+                </a:effectRef>
+                <a:fontRef idx="minor">
+                  <a:schemeClr val="lt1"/>
+                </a:fontRef>
+              </p:style>
+              <p:txBody>
+                <a:bodyPr rtlCol="0" anchor="ctr"/>
+                <a:lstStyle/>
+                <a:p>
+                  <a:pPr algn="ctr"/>
+                  <a:endParaRPr lang="es-ES"/>
+                </a:p>
+              </p:txBody>
+            </p:sp>
+          </p:grpSp>
+          <p:sp>
+            <p:nvSpPr>
+              <p:cNvPr id="73" name="CuadroTexto 72">
+                <a:extLst>
+                  <a:ext uri="{FF2B5EF4-FFF2-40B4-BE49-F238E27FC236}">
+                    <a16:creationId xmlns:a16="http://schemas.microsoft.com/office/drawing/2014/main" id="{1B9DD0C9-D28B-8A38-CE2F-5D42774DB2C6}"/>
+                  </a:ext>
+                </a:extLst>
+              </p:cNvPr>
+              <p:cNvSpPr txBox="1"/>
+              <p:nvPr/>
+            </p:nvSpPr>
+            <p:spPr>
+              <a:xfrm>
+                <a:off x="5500532" y="11088636"/>
+                <a:ext cx="2278411" cy="400110"/>
+              </a:xfrm>
+              <a:prstGeom prst="rect">
+                <a:avLst/>
+              </a:prstGeom>
+              <a:noFill/>
+            </p:spPr>
+            <p:txBody>
+              <a:bodyPr wrap="square" rtlCol="0">
+                <a:spAutoFit/>
+              </a:bodyPr>
+              <a:lstStyle/>
+              <a:p>
+                <a:pPr algn="just"/>
+                <a:r>
+                  <a:rPr lang="es-ES" sz="2000" b="1" dirty="0">
+                    <a:solidFill>
+                      <a:srgbClr val="FAA100"/>
+                    </a:solidFill>
+                    <a:latin typeface="+mj-lt"/>
+                  </a:rPr>
+                  <a:t>sistema IMTA</a:t>
+                </a:r>
+                <a:endParaRPr lang="x-none" sz="2000" b="1" dirty="0">
+                  <a:solidFill>
+                    <a:srgbClr val="FAA100"/>
+                  </a:solidFill>
+                  <a:latin typeface="+mj-lt"/>
+                </a:endParaRPr>
+              </a:p>
+            </p:txBody>
+          </p:sp>
+        </p:grpSp>
+      </p:grpSp>
+      <p:sp>
+        <p:nvSpPr>
+          <p:cNvPr id="79" name="CuadroTexto 78">
+            <a:extLst>
+              <a:ext uri="{FF2B5EF4-FFF2-40B4-BE49-F238E27FC236}">
+                <a16:creationId xmlns:a16="http://schemas.microsoft.com/office/drawing/2014/main" id="{334421D5-D9A7-36F0-B4D2-CE7B66523766}"/>
+              </a:ext>
+            </a:extLst>
+          </p:cNvPr>
+          <p:cNvSpPr txBox="1"/>
+          <p:nvPr/>
+        </p:nvSpPr>
+        <p:spPr>
+          <a:xfrm>
+            <a:off x="870630" y="3444706"/>
+            <a:ext cx="19829827" cy="646331"/>
+          </a:xfrm>
+          <a:prstGeom prst="rect">
+            <a:avLst/>
+          </a:prstGeom>
+          <a:noFill/>
+        </p:spPr>
+        <p:txBody>
+          <a:bodyPr wrap="square" rtlCol="0">
+            <a:spAutoFit/>
+          </a:bodyPr>
+          <a:lstStyle/>
+          <a:p>
+            <a:r>
+              <a:rPr lang="es-ES" sz="3600" dirty="0"/>
+              <a:t>Alberto Coll Fernández</a:t>
+            </a:r>
+          </a:p>
+        </p:txBody>
+      </p:sp>
+      <p:sp>
+        <p:nvSpPr>
+          <p:cNvPr id="81" name="CuadroTexto 80">
+            <a:extLst>
+              <a:ext uri="{FF2B5EF4-FFF2-40B4-BE49-F238E27FC236}">
+                <a16:creationId xmlns:a16="http://schemas.microsoft.com/office/drawing/2014/main" id="{82B90CF0-B45C-982B-BE75-417371147D13}"/>
+              </a:ext>
+            </a:extLst>
+          </p:cNvPr>
+          <p:cNvSpPr txBox="1"/>
+          <p:nvPr/>
+        </p:nvSpPr>
+        <p:spPr>
+          <a:xfrm>
+            <a:off x="13991718" y="4883825"/>
+            <a:ext cx="6319635" cy="523220"/>
+          </a:xfrm>
+          <a:prstGeom prst="rect">
+            <a:avLst/>
+          </a:prstGeom>
+          <a:noFill/>
+        </p:spPr>
+        <p:txBody>
+          <a:bodyPr wrap="square" rtlCol="0">
+            <a:spAutoFit/>
+          </a:bodyPr>
+          <a:lstStyle/>
+          <a:p>
+            <a:r>
+              <a:rPr lang="es-ES" sz="2800" b="1" dirty="0">
+                <a:solidFill>
+                  <a:schemeClr val="bg1"/>
+                </a:solidFill>
+                <a:latin typeface="Cooper Hewitt Semibold" pitchFamily="2" charset="0"/>
+                <a:ea typeface="Cooper Hewitt Semibold" pitchFamily="2" charset="0"/>
+              </a:rPr>
+              <a:t>MATERIALES Y MÉTODOS</a:t>
+            </a:r>
+            <a:endParaRPr lang="x-none" sz="2400" b="1" dirty="0">
+              <a:solidFill>
+                <a:schemeClr val="bg1"/>
+              </a:solidFill>
+              <a:latin typeface="Cooper Hewitt Semibold" pitchFamily="2" charset="0"/>
+              <a:ea typeface="Cooper Hewitt Semibold" pitchFamily="2" charset="0"/>
+            </a:endParaRPr>
+          </a:p>
+        </p:txBody>
+      </p:sp>
+      <p:sp>
+        <p:nvSpPr>
+          <p:cNvPr id="85" name="Rectángulo: esquinas redondeadas 84">
+            <a:extLst>
+              <a:ext uri="{FF2B5EF4-FFF2-40B4-BE49-F238E27FC236}">
+                <a16:creationId xmlns:a16="http://schemas.microsoft.com/office/drawing/2014/main" id="{10D255E8-5F52-6361-3DDF-797F208C4F6D}"/>
+              </a:ext>
+            </a:extLst>
+          </p:cNvPr>
+          <p:cNvSpPr/>
+          <p:nvPr/>
+        </p:nvSpPr>
+        <p:spPr>
+          <a:xfrm>
+            <a:off x="712427" y="12931011"/>
+            <a:ext cx="12633923" cy="1927622"/>
+          </a:xfrm>
+          <a:prstGeom prst="roundRect">
+            <a:avLst>
+              <a:gd name="adj" fmla="val 20149"/>
+            </a:avLst>
+          </a:prstGeom>
+          <a:gradFill flip="none" rotWithShape="1">
+            <a:gsLst>
+              <a:gs pos="0">
+                <a:schemeClr val="bg1">
+                  <a:lumMod val="95000"/>
+                  <a:shade val="30000"/>
+                  <a:satMod val="115000"/>
+                </a:schemeClr>
+              </a:gs>
+              <a:gs pos="0">
+                <a:schemeClr val="bg1">
+                  <a:lumMod val="95000"/>
+                  <a:shade val="67500"/>
+                  <a:satMod val="115000"/>
+                  <a:alpha val="80000"/>
+                </a:schemeClr>
+              </a:gs>
+              <a:gs pos="47000">
+                <a:schemeClr val="bg1">
+                  <a:lumMod val="95000"/>
+                  <a:shade val="100000"/>
+                  <a:satMod val="115000"/>
+                </a:schemeClr>
+              </a:gs>
+            </a:gsLst>
+            <a:lin ang="13500000" scaled="1"/>
+            <a:tileRect/>
+          </a:gradFill>
+          <a:ln>
+            <a:noFill/>
+          </a:ln>
+        </p:spPr>
+        <p:style>
+          <a:lnRef idx="2">
+            <a:schemeClr val="accent1">
+              <a:shade val="50000"/>
+            </a:schemeClr>
+          </a:lnRef>
+          <a:fillRef idx="1">
+            <a:schemeClr val="accent1"/>
+          </a:fillRef>
+          <a:effectRef idx="0">
+            <a:schemeClr val="accent1"/>
+          </a:effectRef>
+          <a:fontRef idx="minor">
+            <a:schemeClr val="lt1"/>
+          </a:fontRef>
+        </p:style>
+        <p:txBody>
+          <a:bodyPr rtlCol="0" anchor="ctr"/>
+          <a:lstStyle/>
+          <a:p>
+            <a:pPr algn="ctr"/>
+            <a:endParaRPr lang="es-ES" dirty="0"/>
+          </a:p>
+        </p:txBody>
+      </p:sp>
+      <p:sp>
+        <p:nvSpPr>
+          <p:cNvPr id="88" name="CuadroTexto 87">
+            <a:extLst>
+              <a:ext uri="{FF2B5EF4-FFF2-40B4-BE49-F238E27FC236}">
+                <a16:creationId xmlns:a16="http://schemas.microsoft.com/office/drawing/2014/main" id="{F1A180F8-CB5A-BF70-5A3D-73AC2DD7B3CA}"/>
+              </a:ext>
+            </a:extLst>
+          </p:cNvPr>
+          <p:cNvSpPr txBox="1"/>
+          <p:nvPr/>
+        </p:nvSpPr>
+        <p:spPr>
+          <a:xfrm>
+            <a:off x="1229303" y="13199069"/>
+            <a:ext cx="11416654" cy="1384995"/>
+          </a:xfrm>
+          <a:prstGeom prst="rect">
+            <a:avLst/>
+          </a:prstGeom>
+          <a:noFill/>
+        </p:spPr>
+        <p:txBody>
+          <a:bodyPr wrap="square">
+            <a:spAutoFit/>
+          </a:bodyPr>
+          <a:lstStyle/>
+          <a:p>
+            <a:pPr algn="ctr"/>
+            <a:r>
+              <a:rPr lang="es-ES" sz="2800" b="1" dirty="0">
+                <a:solidFill>
+                  <a:schemeClr val="tx1">
+                    <a:lumMod val="95000"/>
+                    <a:lumOff val="5000"/>
+                  </a:schemeClr>
+                </a:solidFill>
+              </a:rPr>
+              <a:t>En este trabajo se evaluó el efecto de distintos modos de reproducción de </a:t>
+            </a:r>
+            <a:r>
+              <a:rPr lang="es-ES" sz="2800" b="1" i="1" dirty="0">
+                <a:solidFill>
+                  <a:schemeClr val="tx1">
+                    <a:lumMod val="95000"/>
+                    <a:lumOff val="5000"/>
+                  </a:schemeClr>
+                </a:solidFill>
+              </a:rPr>
+              <a:t>A. </a:t>
+            </a:r>
+            <a:r>
+              <a:rPr lang="es-ES" sz="2800" b="1" i="1" dirty="0" err="1">
+                <a:solidFill>
+                  <a:schemeClr val="tx1">
+                    <a:lumMod val="95000"/>
+                    <a:lumOff val="5000"/>
+                  </a:schemeClr>
+                </a:solidFill>
+              </a:rPr>
+              <a:t>sulcata</a:t>
+            </a:r>
+            <a:r>
+              <a:rPr lang="es-ES" sz="2800" b="1" i="1" dirty="0">
+                <a:solidFill>
+                  <a:schemeClr val="tx1">
+                    <a:lumMod val="95000"/>
+                    <a:lumOff val="5000"/>
+                  </a:schemeClr>
+                </a:solidFill>
+              </a:rPr>
+              <a:t> </a:t>
+            </a:r>
+            <a:r>
+              <a:rPr lang="es-ES" sz="2800" b="1" dirty="0">
+                <a:solidFill>
+                  <a:schemeClr val="tx1">
+                    <a:lumMod val="95000"/>
+                    <a:lumOff val="5000"/>
+                  </a:schemeClr>
+                </a:solidFill>
+              </a:rPr>
+              <a:t>sobre su estado de bienestar en un sistema IMTA, utilizando parámetros del estado oxidativo del animal como indicadores.</a:t>
+            </a:r>
+            <a:endParaRPr lang="x-none" sz="2800" b="1" dirty="0">
+              <a:solidFill>
+                <a:schemeClr val="tx1">
+                  <a:lumMod val="95000"/>
+                  <a:lumOff val="5000"/>
+                </a:schemeClr>
+              </a:solidFill>
+            </a:endParaRPr>
+          </a:p>
+        </p:txBody>
+      </p:sp>
     </p:spTree>
     <p:extLst>
       <p:ext uri="{BB962C8B-B14F-4D97-AF65-F5344CB8AC3E}">

--- a/resultados/poster CEEBI/Poster CEEBI TFG.pptx
+++ b/resultados/poster CEEBI/Poster CEEBI TFG.pptx
@@ -254,7 +254,7 @@
           <a:p>
             <a:fld id="{059ACE22-8852-4AB5-AC4C-388E9F46BA1D}" type="datetimeFigureOut">
               <a:rPr lang="es-ES" smtClean="0"/>
-              <a:t>18/06/2023</a:t>
+              <a:t>19/06/2023</a:t>
             </a:fld>
             <a:endParaRPr lang="es-ES"/>
           </a:p>
@@ -424,7 +424,7 @@
           <a:p>
             <a:fld id="{059ACE22-8852-4AB5-AC4C-388E9F46BA1D}" type="datetimeFigureOut">
               <a:rPr lang="es-ES" smtClean="0"/>
-              <a:t>18/06/2023</a:t>
+              <a:t>19/06/2023</a:t>
             </a:fld>
             <a:endParaRPr lang="es-ES"/>
           </a:p>
@@ -604,7 +604,7 @@
           <a:p>
             <a:fld id="{059ACE22-8852-4AB5-AC4C-388E9F46BA1D}" type="datetimeFigureOut">
               <a:rPr lang="es-ES" smtClean="0"/>
-              <a:t>18/06/2023</a:t>
+              <a:t>19/06/2023</a:t>
             </a:fld>
             <a:endParaRPr lang="es-ES"/>
           </a:p>
@@ -774,7 +774,7 @@
           <a:p>
             <a:fld id="{059ACE22-8852-4AB5-AC4C-388E9F46BA1D}" type="datetimeFigureOut">
               <a:rPr lang="es-ES" smtClean="0"/>
-              <a:t>18/06/2023</a:t>
+              <a:t>19/06/2023</a:t>
             </a:fld>
             <a:endParaRPr lang="es-ES"/>
           </a:p>
@@ -1018,7 +1018,7 @@
           <a:p>
             <a:fld id="{059ACE22-8852-4AB5-AC4C-388E9F46BA1D}" type="datetimeFigureOut">
               <a:rPr lang="es-ES" smtClean="0"/>
-              <a:t>18/06/2023</a:t>
+              <a:t>19/06/2023</a:t>
             </a:fld>
             <a:endParaRPr lang="es-ES"/>
           </a:p>
@@ -1250,7 +1250,7 @@
           <a:p>
             <a:fld id="{059ACE22-8852-4AB5-AC4C-388E9F46BA1D}" type="datetimeFigureOut">
               <a:rPr lang="es-ES" smtClean="0"/>
-              <a:t>18/06/2023</a:t>
+              <a:t>19/06/2023</a:t>
             </a:fld>
             <a:endParaRPr lang="es-ES"/>
           </a:p>
@@ -1617,7 +1617,7 @@
           <a:p>
             <a:fld id="{059ACE22-8852-4AB5-AC4C-388E9F46BA1D}" type="datetimeFigureOut">
               <a:rPr lang="es-ES" smtClean="0"/>
-              <a:t>18/06/2023</a:t>
+              <a:t>19/06/2023</a:t>
             </a:fld>
             <a:endParaRPr lang="es-ES"/>
           </a:p>
@@ -1735,7 +1735,7 @@
           <a:p>
             <a:fld id="{059ACE22-8852-4AB5-AC4C-388E9F46BA1D}" type="datetimeFigureOut">
               <a:rPr lang="es-ES" smtClean="0"/>
-              <a:t>18/06/2023</a:t>
+              <a:t>19/06/2023</a:t>
             </a:fld>
             <a:endParaRPr lang="es-ES"/>
           </a:p>
@@ -1830,7 +1830,7 @@
           <a:p>
             <a:fld id="{059ACE22-8852-4AB5-AC4C-388E9F46BA1D}" type="datetimeFigureOut">
               <a:rPr lang="es-ES" smtClean="0"/>
-              <a:t>18/06/2023</a:t>
+              <a:t>19/06/2023</a:t>
             </a:fld>
             <a:endParaRPr lang="es-ES"/>
           </a:p>
@@ -2107,7 +2107,7 @@
           <a:p>
             <a:fld id="{059ACE22-8852-4AB5-AC4C-388E9F46BA1D}" type="datetimeFigureOut">
               <a:rPr lang="es-ES" smtClean="0"/>
-              <a:t>18/06/2023</a:t>
+              <a:t>19/06/2023</a:t>
             </a:fld>
             <a:endParaRPr lang="es-ES"/>
           </a:p>
@@ -2364,7 +2364,7 @@
           <a:p>
             <a:fld id="{059ACE22-8852-4AB5-AC4C-388E9F46BA1D}" type="datetimeFigureOut">
               <a:rPr lang="es-ES" smtClean="0"/>
-              <a:t>18/06/2023</a:t>
+              <a:t>19/06/2023</a:t>
             </a:fld>
             <a:endParaRPr lang="es-ES"/>
           </a:p>
@@ -2577,7 +2577,7 @@
           <a:p>
             <a:fld id="{059ACE22-8852-4AB5-AC4C-388E9F46BA1D}" type="datetimeFigureOut">
               <a:rPr lang="es-ES" smtClean="0"/>
-              <a:t>18/06/2023</a:t>
+              <a:t>19/06/2023</a:t>
             </a:fld>
             <a:endParaRPr lang="es-ES"/>
           </a:p>
@@ -2996,10 +2996,10 @@
         </p:nvGrpSpPr>
         <p:grpSpPr>
           <a:xfrm>
-            <a:off x="13917126" y="4795249"/>
-            <a:ext cx="6676965" cy="10070762"/>
+            <a:off x="13917126" y="4795247"/>
+            <a:ext cx="6676965" cy="9397631"/>
             <a:chOff x="11583323" y="6375151"/>
-            <a:chExt cx="9800303" cy="5411758"/>
+            <a:chExt cx="9800303" cy="2808818"/>
           </a:xfrm>
         </p:grpSpPr>
         <p:sp>
@@ -3016,8 +3016,8 @@
           </p:nvSpPr>
           <p:spPr>
             <a:xfrm>
-              <a:off x="11583323" y="6383325"/>
-              <a:ext cx="9800302" cy="5403584"/>
+              <a:off x="11583323" y="6383326"/>
+              <a:ext cx="9800302" cy="2800643"/>
             </a:xfrm>
             <a:prstGeom prst="roundRect">
               <a:avLst>
@@ -3095,8 +3095,8 @@
           </p:nvSpPr>
           <p:spPr>
             <a:xfrm>
-              <a:off x="11583324" y="6375151"/>
-              <a:ext cx="9800302" cy="367107"/>
+              <a:off x="11583325" y="6375151"/>
+              <a:ext cx="9800301" cy="367107"/>
             </a:xfrm>
             <a:prstGeom prst="roundRect">
               <a:avLst/>
@@ -3104,19 +3104,10 @@
             <a:gradFill flip="none" rotWithShape="1">
               <a:gsLst>
                 <a:gs pos="95000">
-                  <a:schemeClr val="accent2"/>
+                  <a:schemeClr val="accent1"/>
                 </a:gs>
-                <a:gs pos="6000">
-                  <a:schemeClr val="accent2">
-                    <a:lumMod val="40000"/>
-                    <a:lumOff val="60000"/>
-                  </a:schemeClr>
-                </a:gs>
-                <a:gs pos="35000">
-                  <a:schemeClr val="accent2">
-                    <a:lumMod val="60000"/>
-                    <a:lumOff val="40000"/>
-                  </a:schemeClr>
+                <a:gs pos="25000">
+                  <a:srgbClr val="5E5E88"/>
                 </a:gs>
               </a:gsLst>
               <a:lin ang="2700000" scaled="1"/>
@@ -3166,7 +3157,7 @@
         </p:nvGrpSpPr>
         <p:grpSpPr>
           <a:xfrm>
-            <a:off x="712425" y="15219466"/>
+            <a:off x="712425" y="14832124"/>
             <a:ext cx="19881665" cy="10730624"/>
             <a:chOff x="4153823" y="12991536"/>
             <a:chExt cx="9800303" cy="10730624"/>
@@ -4413,7 +4404,7 @@
         <p:spPr>
           <a:xfrm>
             <a:off x="712426" y="5060710"/>
-            <a:ext cx="12633924" cy="7581864"/>
+            <a:ext cx="12633924" cy="9102762"/>
           </a:xfrm>
           <a:prstGeom prst="roundRect">
             <a:avLst>
@@ -4605,8 +4596,8 @@
         </p:nvSpPr>
         <p:spPr>
           <a:xfrm>
-            <a:off x="6051500" y="5734154"/>
-            <a:ext cx="6925198" cy="2062103"/>
+            <a:off x="1121895" y="5831764"/>
+            <a:ext cx="11748372" cy="1692771"/>
           </a:xfrm>
           <a:prstGeom prst="rect">
             <a:avLst/>
@@ -4654,125 +4645,15 @@
               <a:t> </a:t>
             </a:r>
             <a:r>
-              <a:rPr lang="es-ES" dirty="0"/>
-              <a:t>es un antozoo ampliamente distribuido por el mar mediterráneo, presenta tanto reproducción sexual como asexual. </a:t>
-            </a:r>
-            <a:r>
-              <a:rPr lang="es-ES" sz="1800" dirty="0"/>
-              <a:t>En los últimos años, la explotación sobre sus poblaciones en Andalucía se ha incrementado considerablemente como consecuencia de una mayor demanda y recolección furtiva, lo que ha deteriorado su estado de conservación localmente.</a:t>
-            </a:r>
-          </a:p>
-          <a:p>
-            <a:endParaRPr lang="es-ES" dirty="0"/>
-          </a:p>
-        </p:txBody>
-      </p:sp>
-      <p:grpSp>
-        <p:nvGrpSpPr>
-          <p:cNvPr id="66" name="Grupo 65">
-            <a:extLst>
-              <a:ext uri="{FF2B5EF4-FFF2-40B4-BE49-F238E27FC236}">
-                <a16:creationId xmlns:a16="http://schemas.microsoft.com/office/drawing/2014/main" id="{FF27DD8D-70F7-AAC2-61CF-55D4025FE99E}"/>
-              </a:ext>
-            </a:extLst>
-          </p:cNvPr>
-          <p:cNvGrpSpPr/>
-          <p:nvPr/>
-        </p:nvGrpSpPr>
-        <p:grpSpPr>
-          <a:xfrm>
-            <a:off x="6838570" y="8680941"/>
-            <a:ext cx="4903872" cy="3677904"/>
-            <a:chOff x="21398496" y="2456246"/>
-            <a:chExt cx="4903872" cy="3677904"/>
-          </a:xfrm>
-        </p:grpSpPr>
-        <p:pic>
-          <p:nvPicPr>
-            <p:cNvPr id="15" name="Imagen 14">
-              <a:extLst>
-                <a:ext uri="{FF2B5EF4-FFF2-40B4-BE49-F238E27FC236}">
-                  <a16:creationId xmlns:a16="http://schemas.microsoft.com/office/drawing/2014/main" id="{E93B7A50-7D32-EDB7-13D0-43B8B32FED6E}"/>
-                </a:ext>
-              </a:extLst>
-            </p:cNvPr>
-            <p:cNvPicPr>
-              <a:picLocks noChangeAspect="1"/>
-            </p:cNvPicPr>
-            <p:nvPr/>
-          </p:nvPicPr>
-          <p:blipFill>
-            <a:blip r:embed="rId2" cstate="print">
-              <a:extLst>
-                <a:ext uri="{28A0092B-C50C-407E-A947-70E740481C1C}">
-                  <a14:useLocalDpi xmlns:a14="http://schemas.microsoft.com/office/drawing/2010/main" val="0"/>
-                </a:ext>
-              </a:extLst>
-            </a:blip>
-            <a:stretch>
-              <a:fillRect/>
-            </a:stretch>
-          </p:blipFill>
-          <p:spPr>
-            <a:xfrm>
-              <a:off x="21398496" y="2456246"/>
-              <a:ext cx="4903872" cy="3677904"/>
-            </a:xfrm>
-            <a:prstGeom prst="roundRect">
-              <a:avLst>
-                <a:gd name="adj" fmla="val 6451"/>
-              </a:avLst>
-            </a:prstGeom>
-          </p:spPr>
-        </p:pic>
-        <p:sp>
-          <p:nvSpPr>
-            <p:cNvPr id="43" name="CuadroTexto 42">
-              <a:extLst>
-                <a:ext uri="{FF2B5EF4-FFF2-40B4-BE49-F238E27FC236}">
-                  <a16:creationId xmlns:a16="http://schemas.microsoft.com/office/drawing/2014/main" id="{DB4CDEE4-84E1-1AD7-EB1A-619823EB1D3E}"/>
-                </a:ext>
-              </a:extLst>
-            </p:cNvPr>
-            <p:cNvSpPr txBox="1"/>
-            <p:nvPr/>
-          </p:nvSpPr>
-          <p:spPr>
-            <a:xfrm>
-              <a:off x="24740716" y="2569944"/>
-              <a:ext cx="1561652" cy="584775"/>
-            </a:xfrm>
-            <a:prstGeom prst="rect">
-              <a:avLst/>
-            </a:prstGeom>
-            <a:noFill/>
-          </p:spPr>
-          <p:txBody>
-            <a:bodyPr wrap="square" rtlCol="0">
-              <a:spAutoFit/>
-            </a:bodyPr>
-            <a:lstStyle/>
-            <a:p>
-              <a:r>
-                <a:rPr lang="es-ES" sz="800" dirty="0">
-                  <a:latin typeface="Cooper Hewitt Medium" pitchFamily="2" charset="0"/>
-                  <a:ea typeface="Cooper Hewitt Medium" pitchFamily="2" charset="0"/>
-                </a:rPr>
-                <a:t>POM: Materia orgánica particulada</a:t>
-              </a:r>
-            </a:p>
-            <a:p>
-              <a:r>
-                <a:rPr lang="es-ES" sz="800" dirty="0">
-                  <a:latin typeface="Cooper Hewitt Medium" pitchFamily="2" charset="0"/>
-                  <a:ea typeface="Cooper Hewitt Medium" pitchFamily="2" charset="0"/>
-                </a:rPr>
-                <a:t>DIN: Nutrientes inorgánicos disueltos</a:t>
-              </a:r>
-            </a:p>
-          </p:txBody>
-        </p:sp>
-      </p:grpSp>
+              <a:rPr lang="es-ES" sz="2000" dirty="0"/>
+              <a:t>es un antozoo ampliamente distribuido por el mar mediterráneo, presenta tanto reproducción sexual como asexual. En los últimos años, la explotación sobre sus poblaciones en Andalucía se ha incrementado considerablemente como consecuencia de una mayor demanda y recolección furtiva, lo que ha deteriorado su estado de conservación localmente.</a:t>
+            </a:r>
+          </a:p>
+          <a:p>
+            <a:endParaRPr lang="es-ES" sz="2000" dirty="0"/>
+          </a:p>
+        </p:txBody>
+      </p:sp>
       <p:sp>
         <p:nvSpPr>
           <p:cNvPr id="44" name="CuadroTexto 43">
@@ -4840,6 +4721,42 @@
             <a:extLst>
               <a:ext uri="{FF2B5EF4-FFF2-40B4-BE49-F238E27FC236}">
                 <a16:creationId xmlns:a16="http://schemas.microsoft.com/office/drawing/2014/main" id="{A0EB8086-C1DF-52F9-238B-625B3260E68B}"/>
+              </a:ext>
+            </a:extLst>
+          </p:cNvPr>
+          <p:cNvPicPr>
+            <a:picLocks noChangeAspect="1"/>
+          </p:cNvPicPr>
+          <p:nvPr/>
+        </p:nvPicPr>
+        <p:blipFill>
+          <a:blip r:embed="rId2">
+            <a:extLst>
+              <a:ext uri="{28A0092B-C50C-407E-A947-70E740481C1C}">
+                <a14:useLocalDpi xmlns:a14="http://schemas.microsoft.com/office/drawing/2010/main" val="0"/>
+              </a:ext>
+            </a:extLst>
+          </a:blip>
+          <a:stretch>
+            <a:fillRect/>
+          </a:stretch>
+        </p:blipFill>
+        <p:spPr>
+          <a:xfrm>
+            <a:off x="11065062" y="15782610"/>
+            <a:ext cx="8572789" cy="4572154"/>
+          </a:xfrm>
+          <a:prstGeom prst="rect">
+            <a:avLst/>
+          </a:prstGeom>
+        </p:spPr>
+      </p:pic>
+      <p:pic>
+        <p:nvPicPr>
+          <p:cNvPr id="54" name="Imagen 53">
+            <a:extLst>
+              <a:ext uri="{FF2B5EF4-FFF2-40B4-BE49-F238E27FC236}">
+                <a16:creationId xmlns:a16="http://schemas.microsoft.com/office/drawing/2014/main" id="{E3B68970-26C6-2B56-AEB6-5037A7B4CF95}"/>
               </a:ext>
             </a:extLst>
           </p:cNvPr>
@@ -4862,7 +4779,7 @@
         </p:blipFill>
         <p:spPr>
           <a:xfrm>
-            <a:off x="11217799" y="16983742"/>
+            <a:off x="-8975575" y="19511944"/>
             <a:ext cx="8572789" cy="4572154"/>
           </a:xfrm>
           <a:prstGeom prst="rect">
@@ -4872,10 +4789,10 @@
       </p:pic>
       <p:pic>
         <p:nvPicPr>
-          <p:cNvPr id="54" name="Imagen 53">
+          <p:cNvPr id="56" name="Imagen 55">
             <a:extLst>
               <a:ext uri="{FF2B5EF4-FFF2-40B4-BE49-F238E27FC236}">
-                <a16:creationId xmlns:a16="http://schemas.microsoft.com/office/drawing/2014/main" id="{E3B68970-26C6-2B56-AEB6-5037A7B4CF95}"/>
+                <a16:creationId xmlns:a16="http://schemas.microsoft.com/office/drawing/2014/main" id="{154E778F-3DD6-149C-7A0B-58746DCD2036}"/>
               </a:ext>
             </a:extLst>
           </p:cNvPr>
@@ -4898,7 +4815,7 @@
         </p:blipFill>
         <p:spPr>
           <a:xfrm>
-            <a:off x="-8975575" y="19899286"/>
+            <a:off x="1377059" y="21008430"/>
             <a:ext cx="8572789" cy="4572154"/>
           </a:xfrm>
           <a:prstGeom prst="rect">
@@ -4908,10 +4825,10 @@
       </p:pic>
       <p:pic>
         <p:nvPicPr>
-          <p:cNvPr id="56" name="Imagen 55">
+          <p:cNvPr id="58" name="Imagen 57">
             <a:extLst>
               <a:ext uri="{FF2B5EF4-FFF2-40B4-BE49-F238E27FC236}">
-                <a16:creationId xmlns:a16="http://schemas.microsoft.com/office/drawing/2014/main" id="{154E778F-3DD6-149C-7A0B-58746DCD2036}"/>
+                <a16:creationId xmlns:a16="http://schemas.microsoft.com/office/drawing/2014/main" id="{C997C87E-BC84-F3DC-A85A-D21FFD3449EE}"/>
               </a:ext>
             </a:extLst>
           </p:cNvPr>
@@ -4934,7 +4851,7 @@
         </p:blipFill>
         <p:spPr>
           <a:xfrm>
-            <a:off x="1138207" y="21608980"/>
+            <a:off x="1377060" y="15908953"/>
             <a:ext cx="8572789" cy="4572154"/>
           </a:xfrm>
           <a:prstGeom prst="rect">
@@ -4944,10 +4861,10 @@
       </p:pic>
       <p:pic>
         <p:nvPicPr>
-          <p:cNvPr id="58" name="Imagen 57">
+          <p:cNvPr id="62" name="Imagen 61">
             <a:extLst>
               <a:ext uri="{FF2B5EF4-FFF2-40B4-BE49-F238E27FC236}">
-                <a16:creationId xmlns:a16="http://schemas.microsoft.com/office/drawing/2014/main" id="{C997C87E-BC84-F3DC-A85A-D21FFD3449EE}"/>
+                <a16:creationId xmlns:a16="http://schemas.microsoft.com/office/drawing/2014/main" id="{36F28F22-ECD2-4B70-8479-94CCB39DC084}"/>
               </a:ext>
             </a:extLst>
           </p:cNvPr>
@@ -4970,43 +4887,7 @@
         </p:blipFill>
         <p:spPr>
           <a:xfrm>
-            <a:off x="1145806" y="17015477"/>
-            <a:ext cx="8572789" cy="4572154"/>
-          </a:xfrm>
-          <a:prstGeom prst="rect">
-            <a:avLst/>
-          </a:prstGeom>
-        </p:spPr>
-      </p:pic>
-      <p:pic>
-        <p:nvPicPr>
-          <p:cNvPr id="62" name="Imagen 61">
-            <a:extLst>
-              <a:ext uri="{FF2B5EF4-FFF2-40B4-BE49-F238E27FC236}">
-                <a16:creationId xmlns:a16="http://schemas.microsoft.com/office/drawing/2014/main" id="{36F28F22-ECD2-4B70-8479-94CCB39DC084}"/>
-              </a:ext>
-            </a:extLst>
-          </p:cNvPr>
-          <p:cNvPicPr>
-            <a:picLocks noChangeAspect="1"/>
-          </p:cNvPicPr>
-          <p:nvPr/>
-        </p:nvPicPr>
-        <p:blipFill>
-          <a:blip r:embed="rId7">
-            <a:extLst>
-              <a:ext uri="{28A0092B-C50C-407E-A947-70E740481C1C}">
-                <a14:useLocalDpi xmlns:a14="http://schemas.microsoft.com/office/drawing/2010/main" val="0"/>
-              </a:ext>
-            </a:extLst>
-          </a:blip>
-          <a:stretch>
-            <a:fillRect/>
-          </a:stretch>
-        </p:blipFill>
-        <p:spPr>
-          <a:xfrm>
-            <a:off x="11065062" y="21909351"/>
+            <a:off x="10777572" y="21019720"/>
             <a:ext cx="8572789" cy="4572154"/>
           </a:xfrm>
           <a:prstGeom prst="rect">
@@ -5028,8 +4909,8 @@
         </p:nvSpPr>
         <p:spPr>
           <a:xfrm>
-            <a:off x="6051499" y="7580727"/>
-            <a:ext cx="6844673" cy="923330"/>
+            <a:off x="1121894" y="7225535"/>
+            <a:ext cx="11641291" cy="707886"/>
           </a:xfrm>
           <a:prstGeom prst="rect">
             <a:avLst/>
@@ -5044,11 +4925,11 @@
           <a:p>
             <a:pPr algn="just"/>
             <a:r>
-              <a:rPr lang="es-ES" sz="1800" dirty="0"/>
+              <a:rPr lang="es-ES" sz="2000" dirty="0"/>
               <a:t>La acuicultura ofrece una posible solución a ese problema de conservación, especialmente a través de la </a:t>
             </a:r>
             <a:r>
-              <a:rPr lang="es-ES" sz="1800" b="1" dirty="0">
+              <a:rPr lang="es-ES" sz="2000" b="1" dirty="0">
                 <a:solidFill>
                   <a:srgbClr val="47A5A3"/>
                 </a:solidFill>
@@ -5073,7 +4954,7 @@
           <p:nvPr/>
         </p:nvPicPr>
         <p:blipFill>
-          <a:blip r:embed="rId8" cstate="print">
+          <a:blip r:embed="rId7" cstate="print">
             <a:extLst>
               <a:ext uri="{28A0092B-C50C-407E-A947-70E740481C1C}">
                 <a14:useLocalDpi xmlns:a14="http://schemas.microsoft.com/office/drawing/2010/main" val="0"/>
@@ -5087,8 +4968,8 @@
         </p:blipFill>
         <p:spPr bwMode="auto">
           <a:xfrm>
-            <a:off x="1229303" y="5820265"/>
-            <a:ext cx="4202898" cy="3427168"/>
+            <a:off x="2369628" y="8384398"/>
+            <a:ext cx="4352860" cy="3549451"/>
           </a:xfrm>
           <a:prstGeom prst="rect">
             <a:avLst/>
@@ -5119,10 +5000,10 @@
         </p:nvGrpSpPr>
         <p:grpSpPr>
           <a:xfrm>
-            <a:off x="1495978" y="9803928"/>
-            <a:ext cx="4641467" cy="2147909"/>
+            <a:off x="8132653" y="9102106"/>
+            <a:ext cx="3864347" cy="2106312"/>
             <a:chOff x="5079041" y="11088636"/>
-            <a:chExt cx="4323861" cy="2147909"/>
+            <a:chExt cx="3599918" cy="2106312"/>
           </a:xfrm>
         </p:grpSpPr>
         <p:sp>
@@ -5139,8 +5020,8 @@
           </p:nvSpPr>
           <p:spPr>
             <a:xfrm>
-              <a:off x="5300198" y="11420279"/>
-              <a:ext cx="4102704" cy="1816266"/>
+              <a:off x="5300198" y="11498302"/>
+              <a:ext cx="3378761" cy="1631216"/>
             </a:xfrm>
             <a:prstGeom prst="rect">
               <a:avLst/>
@@ -5155,10 +5036,14 @@
             <a:p>
               <a:pPr algn="just"/>
               <a:r>
-                <a:rPr lang="es-ES" dirty="0"/>
-                <a:t>En estos sistemas, se cultiva la especie principal junto a distintas especies extractivas, de diferente nivel trófico. Se genera así un ciclo de nutrientes en el sistema de cultivo, contribuyendo a la sostenibilidad de la explotación acuícola.</a:t>
+                <a:rPr lang="es-ES" sz="2000" dirty="0" err="1"/>
+                <a:t>Co-cultivo</a:t>
               </a:r>
-              <a:endParaRPr lang="x-none" dirty="0"/>
+              <a:r>
+                <a:rPr lang="es-ES" sz="2000" dirty="0"/>
+                <a:t> de especies de diferente nivel trófico, de modo que los productos de excreción de unas funcionan como recurso de otra.</a:t>
+              </a:r>
+              <a:endParaRPr lang="x-none" sz="2000" dirty="0"/>
             </a:p>
           </p:txBody>
         </p:sp>
@@ -5426,7 +5311,7 @@
             <p:spPr>
               <a:xfrm>
                 <a:off x="5500532" y="11088636"/>
-                <a:ext cx="2278411" cy="400110"/>
+                <a:ext cx="2278411" cy="461665"/>
               </a:xfrm>
               <a:prstGeom prst="rect">
                 <a:avLst/>
@@ -5441,7 +5326,7 @@
               <a:p>
                 <a:pPr algn="just"/>
                 <a:r>
-                  <a:rPr lang="es-ES" sz="2000" b="1" dirty="0">
+                  <a:rPr lang="es-ES" sz="2400" b="1" dirty="0">
                     <a:solidFill>
                       <a:srgbClr val="FAA100"/>
                     </a:solidFill>
@@ -5449,7 +5334,7 @@
                   </a:rPr>
                   <a:t>sistema IMTA</a:t>
                 </a:r>
-                <a:endParaRPr lang="x-none" sz="2000" b="1" dirty="0">
+                <a:endParaRPr lang="x-none" sz="2400" b="1" dirty="0">
                   <a:solidFill>
                     <a:srgbClr val="FAA100"/>
                   </a:solidFill>
@@ -5474,8 +5359,8 @@
         </p:nvSpPr>
         <p:spPr>
           <a:xfrm>
-            <a:off x="870630" y="3444706"/>
-            <a:ext cx="19829827" cy="646331"/>
+            <a:off x="789534" y="3367300"/>
+            <a:ext cx="19829827" cy="523220"/>
           </a:xfrm>
           <a:prstGeom prst="rect">
             <a:avLst/>
@@ -5489,8 +5374,20 @@
           <a:lstStyle/>
           <a:p>
             <a:r>
-              <a:rPr lang="es-ES" sz="3600" dirty="0"/>
+              <a:rPr lang="es-ES" sz="2800" dirty="0"/>
               <a:t>Alberto Coll Fernández</a:t>
+            </a:r>
+            <a:r>
+              <a:rPr lang="es-ES" sz="2800" baseline="30000" dirty="0"/>
+              <a:t>1</a:t>
+            </a:r>
+            <a:r>
+              <a:rPr lang="es-ES" sz="2800" dirty="0"/>
+              <a:t>, Cristina Trenzado Romero</a:t>
+            </a:r>
+            <a:r>
+              <a:rPr lang="es-ES" sz="2800" baseline="30000" dirty="0"/>
+              <a:t>1</a:t>
             </a:r>
           </a:p>
         </p:txBody>
@@ -5509,8 +5406,8 @@
         </p:nvSpPr>
         <p:spPr>
           <a:xfrm>
-            <a:off x="13991718" y="4883825"/>
-            <a:ext cx="6319635" cy="523220"/>
+            <a:off x="13991718" y="4883824"/>
+            <a:ext cx="4996673" cy="523221"/>
           </a:xfrm>
           <a:prstGeom prst="rect">
             <a:avLst/>
@@ -5540,85 +5437,6 @@
               <a:latin typeface="Cooper Hewitt Semibold" pitchFamily="2" charset="0"/>
               <a:ea typeface="Cooper Hewitt Semibold" pitchFamily="2" charset="0"/>
             </a:endParaRPr>
-          </a:p>
-        </p:txBody>
-      </p:sp>
-      <p:sp>
-        <p:nvSpPr>
-          <p:cNvPr id="85" name="Rectángulo: esquinas redondeadas 84">
-            <a:extLst>
-              <a:ext uri="{FF2B5EF4-FFF2-40B4-BE49-F238E27FC236}">
-                <a16:creationId xmlns:a16="http://schemas.microsoft.com/office/drawing/2014/main" id="{10D255E8-5F52-6361-3DDF-797F208C4F6D}"/>
-              </a:ext>
-            </a:extLst>
-          </p:cNvPr>
-          <p:cNvSpPr/>
-          <p:nvPr/>
-        </p:nvSpPr>
-        <p:spPr>
-          <a:xfrm>
-            <a:off x="712427" y="12931011"/>
-            <a:ext cx="12633923" cy="1927622"/>
-          </a:xfrm>
-          <a:prstGeom prst="roundRect">
-            <a:avLst>
-              <a:gd name="adj" fmla="val 20149"/>
-            </a:avLst>
-          </a:prstGeom>
-          <a:gradFill flip="none" rotWithShape="1">
-            <a:gsLst>
-              <a:gs pos="0">
-                <a:schemeClr val="bg1">
-                  <a:lumMod val="95000"/>
-                  <a:shade val="30000"/>
-                  <a:satMod val="115000"/>
-                </a:schemeClr>
-              </a:gs>
-              <a:gs pos="0">
-                <a:schemeClr val="bg1">
-                  <a:lumMod val="95000"/>
-                  <a:shade val="67500"/>
-                  <a:satMod val="115000"/>
-                  <a:alpha val="80000"/>
-                </a:schemeClr>
-              </a:gs>
-              <a:gs pos="47000">
-                <a:schemeClr val="bg1">
-                  <a:lumMod val="95000"/>
-                  <a:shade val="100000"/>
-                  <a:satMod val="115000"/>
-                </a:schemeClr>
-              </a:gs>
-            </a:gsLst>
-            <a:lin ang="13500000" scaled="1"/>
-            <a:tileRect/>
-          </a:gradFill>
-          <a:ln>
-            <a:noFill/>
-          </a:ln>
-        </p:spPr>
-        <p:style>
-          <a:lnRef idx="2">
-            <a:schemeClr val="accent1">
-              <a:shade val="50000"/>
-            </a:schemeClr>
-          </a:lnRef>
-          <a:fillRef idx="1">
-            <a:schemeClr val="accent1"/>
-          </a:fillRef>
-          <a:effectRef idx="0">
-            <a:schemeClr val="accent1"/>
-          </a:effectRef>
-          <a:fontRef idx="minor">
-            <a:schemeClr val="lt1"/>
-          </a:fontRef>
-        </p:style>
-        <p:txBody>
-          <a:bodyPr rtlCol="0" anchor="ctr"/>
-          <a:lstStyle/>
-          <a:p>
-            <a:pPr algn="ctr"/>
-            <a:endParaRPr lang="es-ES" dirty="0"/>
           </a:p>
         </p:txBody>
       </p:sp>
@@ -5636,8 +5454,108 @@
         </p:nvSpPr>
         <p:spPr>
           <a:xfrm>
-            <a:off x="1229303" y="13199069"/>
-            <a:ext cx="11416654" cy="1384995"/>
+            <a:off x="1234212" y="12319737"/>
+            <a:ext cx="11416654" cy="1532334"/>
+          </a:xfrm>
+          <a:prstGeom prst="roundRect">
+            <a:avLst>
+              <a:gd name="adj" fmla="val 12858"/>
+            </a:avLst>
+          </a:prstGeom>
+          <a:solidFill>
+            <a:schemeClr val="accent2">
+              <a:alpha val="50000"/>
+            </a:schemeClr>
+          </a:solidFill>
+          <a:ln>
+            <a:noFill/>
+          </a:ln>
+        </p:spPr>
+        <p:style>
+          <a:lnRef idx="0">
+            <a:scrgbClr r="0" g="0" b="0"/>
+          </a:lnRef>
+          <a:fillRef idx="0">
+            <a:scrgbClr r="0" g="0" b="0"/>
+          </a:fillRef>
+          <a:effectRef idx="0">
+            <a:scrgbClr r="0" g="0" b="0"/>
+          </a:effectRef>
+          <a:fontRef idx="minor">
+            <a:schemeClr val="lt1"/>
+          </a:fontRef>
+        </p:style>
+        <p:txBody>
+          <a:bodyPr wrap="square">
+            <a:spAutoFit/>
+          </a:bodyPr>
+          <a:lstStyle/>
+          <a:p>
+            <a:pPr algn="ctr"/>
+            <a:r>
+              <a:rPr lang="es-ES" sz="2800" b="1" dirty="0">
+                <a:solidFill>
+                  <a:schemeClr val="bg1"/>
+                </a:solidFill>
+              </a:rPr>
+              <a:t>En este trabajo se evaluó el efecto de distintos modos de reproducción de </a:t>
+            </a:r>
+            <a:r>
+              <a:rPr lang="es-ES" sz="2800" b="1" i="1" dirty="0">
+                <a:solidFill>
+                  <a:schemeClr val="bg1"/>
+                </a:solidFill>
+              </a:rPr>
+              <a:t>A. </a:t>
+            </a:r>
+            <a:r>
+              <a:rPr lang="es-ES" sz="2800" b="1" i="1" dirty="0" err="1">
+                <a:solidFill>
+                  <a:schemeClr val="bg1"/>
+                </a:solidFill>
+              </a:rPr>
+              <a:t>sulcata</a:t>
+            </a:r>
+            <a:r>
+              <a:rPr lang="es-ES" sz="2800" b="1" i="1" dirty="0">
+                <a:solidFill>
+                  <a:schemeClr val="bg1"/>
+                </a:solidFill>
+              </a:rPr>
+              <a:t> </a:t>
+            </a:r>
+            <a:r>
+              <a:rPr lang="es-ES" sz="2800" b="1" dirty="0">
+                <a:solidFill>
+                  <a:schemeClr val="bg1"/>
+                </a:solidFill>
+              </a:rPr>
+              <a:t>sobre su estado de bienestar en un sistema IMTA, utilizando parámetros del estado oxidativo del animal como indicadores.</a:t>
+            </a:r>
+            <a:endParaRPr lang="x-none" sz="2800" b="1" dirty="0">
+              <a:solidFill>
+                <a:schemeClr val="bg1"/>
+              </a:solidFill>
+            </a:endParaRPr>
+          </a:p>
+        </p:txBody>
+      </p:sp>
+      <p:sp>
+        <p:nvSpPr>
+          <p:cNvPr id="2" name="CuadroTexto 1">
+            <a:extLst>
+              <a:ext uri="{FF2B5EF4-FFF2-40B4-BE49-F238E27FC236}">
+                <a16:creationId xmlns:a16="http://schemas.microsoft.com/office/drawing/2014/main" id="{C41EA70E-7C45-197C-3B83-751EF14C1ACD}"/>
+              </a:ext>
+            </a:extLst>
+          </p:cNvPr>
+          <p:cNvSpPr txBox="1"/>
+          <p:nvPr/>
+        </p:nvSpPr>
+        <p:spPr>
+          <a:xfrm>
+            <a:off x="1001825" y="4063556"/>
+            <a:ext cx="19829827" cy="338554"/>
           </a:xfrm>
           <a:prstGeom prst="rect">
             <a:avLst/>
@@ -5645,75 +5563,450 @@
           <a:noFill/>
         </p:spPr>
         <p:txBody>
-          <a:bodyPr wrap="square">
+          <a:bodyPr wrap="square" rtlCol="0">
             <a:spAutoFit/>
           </a:bodyPr>
           <a:lstStyle/>
           <a:p>
-            <a:pPr algn="ctr"/>
-            <a:r>
-              <a:rPr lang="es-ES" sz="2800" b="1" dirty="0">
+            <a:r>
+              <a:rPr lang="es-ES" sz="1600" baseline="30000" dirty="0"/>
+              <a:t>1</a:t>
+            </a:r>
+            <a:r>
+              <a:rPr lang="es-ES" sz="1600" dirty="0"/>
+              <a:t> Departamento de Biología Celular, Facultad de Ciencias, Universidad de Granada</a:t>
+            </a:r>
+            <a:endParaRPr lang="es-ES" sz="1600" baseline="30000" dirty="0"/>
+          </a:p>
+        </p:txBody>
+      </p:sp>
+      <p:pic>
+        <p:nvPicPr>
+          <p:cNvPr id="3" name="Gráfico 2">
+            <a:extLst>
+              <a:ext uri="{FF2B5EF4-FFF2-40B4-BE49-F238E27FC236}">
+                <a16:creationId xmlns:a16="http://schemas.microsoft.com/office/drawing/2014/main" id="{60283FB8-A7A6-B95D-2988-EF0F3AB1934D}"/>
+              </a:ext>
+            </a:extLst>
+          </p:cNvPr>
+          <p:cNvPicPr>
+            <a:picLocks noChangeAspect="1"/>
+          </p:cNvPicPr>
+          <p:nvPr/>
+        </p:nvPicPr>
+        <p:blipFill>
+          <a:blip r:embed="rId8" cstate="print">
+            <a:extLst>
+              <a:ext uri="{28A0092B-C50C-407E-A947-70E740481C1C}">
+                <a14:useLocalDpi xmlns:a14="http://schemas.microsoft.com/office/drawing/2010/main" val="0"/>
+              </a:ext>
+              <a:ext uri="{96DAC541-7B7A-43D3-8B79-37D633B846F1}">
+                <asvg:svgBlip xmlns:asvg="http://schemas.microsoft.com/office/drawing/2016/SVG/main" r:embed="rId9"/>
+              </a:ext>
+            </a:extLst>
+          </a:blip>
+          <a:stretch>
+            <a:fillRect/>
+          </a:stretch>
+        </p:blipFill>
+        <p:spPr>
+          <a:xfrm>
+            <a:off x="14936917" y="1974394"/>
+            <a:ext cx="4051474" cy="2865300"/>
+          </a:xfrm>
+          <a:prstGeom prst="rect">
+            <a:avLst/>
+          </a:prstGeom>
+        </p:spPr>
+      </p:pic>
+      <p:sp>
+        <p:nvSpPr>
+          <p:cNvPr id="7" name="CuadroTexto 6">
+            <a:extLst>
+              <a:ext uri="{FF2B5EF4-FFF2-40B4-BE49-F238E27FC236}">
+                <a16:creationId xmlns:a16="http://schemas.microsoft.com/office/drawing/2014/main" id="{063C5314-FF52-B6C3-CDD4-1F5EF7881D49}"/>
+              </a:ext>
+            </a:extLst>
+          </p:cNvPr>
+          <p:cNvSpPr txBox="1"/>
+          <p:nvPr/>
+        </p:nvSpPr>
+        <p:spPr>
+          <a:xfrm>
+            <a:off x="14284402" y="6475155"/>
+            <a:ext cx="6084090" cy="1631216"/>
+          </a:xfrm>
+          <a:prstGeom prst="rect">
+            <a:avLst/>
+          </a:prstGeom>
+          <a:noFill/>
+        </p:spPr>
+        <p:txBody>
+          <a:bodyPr wrap="square" rtlCol="0">
+            <a:spAutoFit/>
+          </a:bodyPr>
+          <a:lstStyle/>
+          <a:p>
+            <a:pPr algn="just"/>
+            <a:r>
+              <a:rPr lang="es-ES" sz="2000" dirty="0"/>
+              <a:t>Poner simbolitos de macho y hembra en las ultimas anemonas para representar la reproducción sexual. Luego sacar corchete (como el de sistema IMTA ) y poner las variables medidas (SOD, CAT, MDA esenciales). Ver si puedes restringir a dos playas.</a:t>
+            </a:r>
+          </a:p>
+        </p:txBody>
+      </p:sp>
+      <p:grpSp>
+        <p:nvGrpSpPr>
+          <p:cNvPr id="68" name="Grupo 67">
+            <a:extLst>
+              <a:ext uri="{FF2B5EF4-FFF2-40B4-BE49-F238E27FC236}">
+                <a16:creationId xmlns:a16="http://schemas.microsoft.com/office/drawing/2014/main" id="{8A0DF943-91BA-0AB5-7F76-53538A007036}"/>
+              </a:ext>
+            </a:extLst>
+          </p:cNvPr>
+          <p:cNvGrpSpPr/>
+          <p:nvPr/>
+        </p:nvGrpSpPr>
+        <p:grpSpPr>
+          <a:xfrm>
+            <a:off x="14039302" y="8530075"/>
+            <a:ext cx="6239758" cy="2636866"/>
+            <a:chOff x="14095611" y="8683057"/>
+            <a:chExt cx="6239758" cy="2636866"/>
+          </a:xfrm>
+        </p:grpSpPr>
+        <p:cxnSp>
+          <p:nvCxnSpPr>
+            <p:cNvPr id="57" name="Conector recto 56">
+              <a:extLst>
+                <a:ext uri="{FF2B5EF4-FFF2-40B4-BE49-F238E27FC236}">
+                  <a16:creationId xmlns:a16="http://schemas.microsoft.com/office/drawing/2014/main" id="{FD8B8B51-2D61-DFEB-BA54-02BFD079B533}"/>
+                </a:ext>
+              </a:extLst>
+            </p:cNvPr>
+            <p:cNvCxnSpPr>
+              <a:cxnSpLocks/>
+            </p:cNvCxnSpPr>
+            <p:nvPr/>
+          </p:nvCxnSpPr>
+          <p:spPr>
+            <a:xfrm>
+              <a:off x="15096532" y="8683057"/>
+              <a:ext cx="0" cy="357585"/>
+            </a:xfrm>
+            <a:prstGeom prst="line">
+              <a:avLst/>
+            </a:prstGeom>
+            <a:ln w="38100">
+              <a:solidFill>
+                <a:schemeClr val="accent2"/>
+              </a:solidFill>
+              <a:prstDash val="solid"/>
+              <a:headEnd type="none" w="med" len="med"/>
+              <a:tailEnd type="arrow" w="med" len="med"/>
+            </a:ln>
+          </p:spPr>
+          <p:style>
+            <a:lnRef idx="1">
+              <a:schemeClr val="accent1"/>
+            </a:lnRef>
+            <a:fillRef idx="0">
+              <a:schemeClr val="accent1"/>
+            </a:fillRef>
+            <a:effectRef idx="0">
+              <a:schemeClr val="accent1"/>
+            </a:effectRef>
+            <a:fontRef idx="minor">
+              <a:schemeClr val="tx1"/>
+            </a:fontRef>
+          </p:style>
+        </p:cxnSp>
+        <p:grpSp>
+          <p:nvGrpSpPr>
+            <p:cNvPr id="67" name="Grupo 66">
+              <a:extLst>
+                <a:ext uri="{FF2B5EF4-FFF2-40B4-BE49-F238E27FC236}">
+                  <a16:creationId xmlns:a16="http://schemas.microsoft.com/office/drawing/2014/main" id="{52F93877-8914-8F89-32E7-27FC19034E3C}"/>
+                </a:ext>
+              </a:extLst>
+            </p:cNvPr>
+            <p:cNvGrpSpPr/>
+            <p:nvPr/>
+          </p:nvGrpSpPr>
+          <p:grpSpPr>
+            <a:xfrm>
+              <a:off x="14095611" y="9102106"/>
+              <a:ext cx="6239758" cy="2217817"/>
+              <a:chOff x="14095611" y="9102106"/>
+              <a:chExt cx="6239758" cy="2217817"/>
+            </a:xfrm>
+          </p:grpSpPr>
+          <p:pic>
+            <p:nvPicPr>
+              <p:cNvPr id="45" name="Imagen 44">
+                <a:extLst>
+                  <a:ext uri="{FF2B5EF4-FFF2-40B4-BE49-F238E27FC236}">
+                    <a16:creationId xmlns:a16="http://schemas.microsoft.com/office/drawing/2014/main" id="{2375F5ED-DA62-701D-5E10-BF9C1C6BD105}"/>
+                  </a:ext>
+                </a:extLst>
+              </p:cNvPr>
+              <p:cNvPicPr>
+                <a:picLocks noChangeAspect="1"/>
+              </p:cNvPicPr>
+              <p:nvPr/>
+            </p:nvPicPr>
+            <p:blipFill rotWithShape="1">
+              <a:blip r:embed="rId10">
+                <a:clrChange>
+                  <a:clrFrom>
+                    <a:srgbClr val="FFFFFF"/>
+                  </a:clrFrom>
+                  <a:clrTo>
+                    <a:srgbClr val="FFFFFF">
+                      <a:alpha val="0"/>
+                    </a:srgbClr>
+                  </a:clrTo>
+                </a:clrChange>
+                <a:duotone>
+                  <a:schemeClr val="accent3">
+                    <a:shade val="45000"/>
+                    <a:satMod val="135000"/>
+                  </a:schemeClr>
+                  <a:prstClr val="white"/>
+                </a:duotone>
+              </a:blip>
+              <a:srcRect l="15918" r="15583" b="80505"/>
+              <a:stretch/>
+            </p:blipFill>
+            <p:spPr>
+              <a:xfrm>
+                <a:off x="14095611" y="9520986"/>
+                <a:ext cx="2049331" cy="1622002"/>
+              </a:xfrm>
+              <a:prstGeom prst="rect">
+                <a:avLst/>
+              </a:prstGeom>
+            </p:spPr>
+          </p:pic>
+          <p:pic>
+            <p:nvPicPr>
+              <p:cNvPr id="47" name="Imagen 46">
+                <a:extLst>
+                  <a:ext uri="{FF2B5EF4-FFF2-40B4-BE49-F238E27FC236}">
+                    <a16:creationId xmlns:a16="http://schemas.microsoft.com/office/drawing/2014/main" id="{5E5959F0-1732-C6CE-2AA4-4A5F1CD5A8EE}"/>
+                  </a:ext>
+                </a:extLst>
+              </p:cNvPr>
+              <p:cNvPicPr>
+                <a:picLocks noChangeAspect="1"/>
+              </p:cNvPicPr>
+              <p:nvPr/>
+            </p:nvPicPr>
+            <p:blipFill rotWithShape="1">
+              <a:blip r:embed="rId10">
+                <a:clrChange>
+                  <a:clrFrom>
+                    <a:srgbClr val="FFFFFF"/>
+                  </a:clrFrom>
+                  <a:clrTo>
+                    <a:srgbClr val="FFFFFF">
+                      <a:alpha val="0"/>
+                    </a:srgbClr>
+                  </a:clrTo>
+                </a:clrChange>
+                <a:duotone>
+                  <a:schemeClr val="accent3">
+                    <a:shade val="45000"/>
+                    <a:satMod val="135000"/>
+                  </a:schemeClr>
+                  <a:prstClr val="white"/>
+                </a:duotone>
+              </a:blip>
+              <a:srcRect l="1" t="50022" r="1556" b="27012"/>
+              <a:stretch/>
+            </p:blipFill>
+            <p:spPr>
+              <a:xfrm>
+                <a:off x="17382831" y="9409129"/>
+                <a:ext cx="2952538" cy="1910794"/>
+              </a:xfrm>
+              <a:prstGeom prst="rect">
+                <a:avLst/>
+              </a:prstGeom>
+            </p:spPr>
+          </p:pic>
+          <p:cxnSp>
+            <p:nvCxnSpPr>
+              <p:cNvPr id="52" name="Conector recto 51">
+                <a:extLst>
+                  <a:ext uri="{FF2B5EF4-FFF2-40B4-BE49-F238E27FC236}">
+                    <a16:creationId xmlns:a16="http://schemas.microsoft.com/office/drawing/2014/main" id="{4CBFE342-6B59-D4E6-754B-1FFD1E2D9AC5}"/>
+                  </a:ext>
+                </a:extLst>
+              </p:cNvPr>
+              <p:cNvCxnSpPr>
+                <a:cxnSpLocks/>
+              </p:cNvCxnSpPr>
+              <p:nvPr/>
+            </p:nvCxnSpPr>
+            <p:spPr>
+              <a:xfrm>
+                <a:off x="15096532" y="9102106"/>
+                <a:ext cx="0" cy="2200894"/>
+              </a:xfrm>
+              <a:prstGeom prst="line">
+                <a:avLst/>
+              </a:prstGeom>
+              <a:ln w="38100">
                 <a:solidFill>
-                  <a:schemeClr val="tx1">
-                    <a:lumMod val="95000"/>
-                    <a:lumOff val="5000"/>
-                  </a:schemeClr>
+                  <a:schemeClr val="accent2"/>
                 </a:solidFill>
-              </a:rPr>
-              <a:t>En este trabajo se evaluó el efecto de distintos modos de reproducción de </a:t>
-            </a:r>
-            <a:r>
-              <a:rPr lang="es-ES" sz="2800" b="1" i="1" dirty="0">
+                <a:prstDash val="sysDash"/>
+              </a:ln>
+            </p:spPr>
+            <p:style>
+              <a:lnRef idx="1">
+                <a:schemeClr val="accent1"/>
+              </a:lnRef>
+              <a:fillRef idx="0">
+                <a:schemeClr val="accent1"/>
+              </a:fillRef>
+              <a:effectRef idx="0">
+                <a:schemeClr val="accent1"/>
+              </a:effectRef>
+              <a:fontRef idx="minor">
+                <a:schemeClr val="tx1"/>
+              </a:fontRef>
+            </p:style>
+          </p:cxnSp>
+          <p:cxnSp>
+            <p:nvCxnSpPr>
+              <p:cNvPr id="60" name="Conector recto 59">
+                <a:extLst>
+                  <a:ext uri="{FF2B5EF4-FFF2-40B4-BE49-F238E27FC236}">
+                    <a16:creationId xmlns:a16="http://schemas.microsoft.com/office/drawing/2014/main" id="{420C574E-8DA4-97BF-0855-6857CCF55701}"/>
+                  </a:ext>
+                </a:extLst>
+              </p:cNvPr>
+              <p:cNvCxnSpPr>
+                <a:cxnSpLocks/>
+              </p:cNvCxnSpPr>
+              <p:nvPr/>
+            </p:nvCxnSpPr>
+            <p:spPr>
+              <a:xfrm>
+                <a:off x="16095315" y="10362025"/>
+                <a:ext cx="1077882" cy="0"/>
+              </a:xfrm>
+              <a:prstGeom prst="line">
+                <a:avLst/>
+              </a:prstGeom>
+              <a:ln w="38100">
                 <a:solidFill>
-                  <a:schemeClr val="tx1">
-                    <a:lumMod val="95000"/>
-                    <a:lumOff val="5000"/>
-                  </a:schemeClr>
+                  <a:schemeClr val="accent2"/>
                 </a:solidFill>
-              </a:rPr>
-              <a:t>A. </a:t>
-            </a:r>
-            <a:r>
-              <a:rPr lang="es-ES" sz="2800" b="1" i="1" dirty="0" err="1">
-                <a:solidFill>
-                  <a:schemeClr val="tx1">
-                    <a:lumMod val="95000"/>
-                    <a:lumOff val="5000"/>
-                  </a:schemeClr>
-                </a:solidFill>
-              </a:rPr>
-              <a:t>sulcata</a:t>
-            </a:r>
-            <a:r>
-              <a:rPr lang="es-ES" sz="2800" b="1" i="1" dirty="0">
-                <a:solidFill>
-                  <a:schemeClr val="tx1">
-                    <a:lumMod val="95000"/>
-                    <a:lumOff val="5000"/>
-                  </a:schemeClr>
-                </a:solidFill>
-              </a:rPr>
-              <a:t> </a:t>
-            </a:r>
-            <a:r>
-              <a:rPr lang="es-ES" sz="2800" b="1" dirty="0">
-                <a:solidFill>
-                  <a:schemeClr val="tx1">
-                    <a:lumMod val="95000"/>
-                    <a:lumOff val="5000"/>
-                  </a:schemeClr>
-                </a:solidFill>
-              </a:rPr>
-              <a:t>sobre su estado de bienestar en un sistema IMTA, utilizando parámetros del estado oxidativo del animal como indicadores.</a:t>
-            </a:r>
-            <a:endParaRPr lang="x-none" sz="2800" b="1" dirty="0">
-              <a:solidFill>
-                <a:schemeClr val="tx1">
-                  <a:lumMod val="95000"/>
-                  <a:lumOff val="5000"/>
-                </a:schemeClr>
-              </a:solidFill>
-            </a:endParaRPr>
+                <a:prstDash val="solid"/>
+                <a:headEnd type="none" w="med" len="med"/>
+                <a:tailEnd type="arrow" w="med" len="med"/>
+              </a:ln>
+            </p:spPr>
+            <p:style>
+              <a:lnRef idx="1">
+                <a:schemeClr val="accent1"/>
+              </a:lnRef>
+              <a:fillRef idx="0">
+                <a:schemeClr val="accent1"/>
+              </a:fillRef>
+              <a:effectRef idx="0">
+                <a:schemeClr val="accent1"/>
+              </a:effectRef>
+              <a:fontRef idx="minor">
+                <a:schemeClr val="tx1"/>
+              </a:fontRef>
+            </p:style>
+          </p:cxnSp>
+        </p:grpSp>
+      </p:grpSp>
+      <p:pic>
+        <p:nvPicPr>
+          <p:cNvPr id="80" name="Imagen 79">
+            <a:extLst>
+              <a:ext uri="{FF2B5EF4-FFF2-40B4-BE49-F238E27FC236}">
+                <a16:creationId xmlns:a16="http://schemas.microsoft.com/office/drawing/2014/main" id="{9D517BD0-82DD-142A-9FA4-D7816A06D7E4}"/>
+              </a:ext>
+            </a:extLst>
+          </p:cNvPr>
+          <p:cNvPicPr>
+            <a:picLocks noChangeAspect="1"/>
+          </p:cNvPicPr>
+          <p:nvPr/>
+        </p:nvPicPr>
+        <p:blipFill rotWithShape="1">
+          <a:blip r:embed="rId10">
+            <a:clrChange>
+              <a:clrFrom>
+                <a:srgbClr val="FFFFFF"/>
+              </a:clrFrom>
+              <a:clrTo>
+                <a:srgbClr val="FFFFFF">
+                  <a:alpha val="0"/>
+                </a:srgbClr>
+              </a:clrTo>
+            </a:clrChange>
+            <a:duotone>
+              <a:schemeClr val="accent3">
+                <a:shade val="45000"/>
+                <a:satMod val="135000"/>
+              </a:schemeClr>
+              <a:prstClr val="white"/>
+            </a:duotone>
+          </a:blip>
+          <a:srcRect l="779" t="77324" r="779" b="-290"/>
+          <a:stretch/>
+        </p:blipFill>
+        <p:spPr>
+          <a:xfrm>
+            <a:off x="17326522" y="11771577"/>
+            <a:ext cx="2952538" cy="1910794"/>
+          </a:xfrm>
+          <a:prstGeom prst="rect">
+            <a:avLst/>
+          </a:prstGeom>
+        </p:spPr>
+      </p:pic>
+      <p:sp>
+        <p:nvSpPr>
+          <p:cNvPr id="82" name="CuadroTexto 81">
+            <a:extLst>
+              <a:ext uri="{FF2B5EF4-FFF2-40B4-BE49-F238E27FC236}">
+                <a16:creationId xmlns:a16="http://schemas.microsoft.com/office/drawing/2014/main" id="{53CA40A5-3E1F-58D8-BF2E-E804ADE6034F}"/>
+              </a:ext>
+            </a:extLst>
+          </p:cNvPr>
+          <p:cNvSpPr txBox="1"/>
+          <p:nvPr/>
+        </p:nvSpPr>
+        <p:spPr>
+          <a:xfrm>
+            <a:off x="6389153" y="8080540"/>
+            <a:ext cx="6084090" cy="707886"/>
+          </a:xfrm>
+          <a:prstGeom prst="rect">
+            <a:avLst/>
+          </a:prstGeom>
+          <a:noFill/>
+        </p:spPr>
+        <p:txBody>
+          <a:bodyPr wrap="square" rtlCol="0">
+            <a:spAutoFit/>
+          </a:bodyPr>
+          <a:lstStyle/>
+          <a:p>
+            <a:pPr algn="just"/>
+            <a:r>
+              <a:rPr lang="es-ES" sz="2000" dirty="0"/>
+              <a:t>Casi que es mas visual con el esquema del sistema IMTA</a:t>
+            </a:r>
           </a:p>
         </p:txBody>
       </p:sp>

--- a/resultados/poster CEEBI/Poster CEEBI TFG.pptx
+++ b/resultados/poster CEEBI/Poster CEEBI TFG.pptx
@@ -254,7 +254,7 @@
           <a:p>
             <a:fld id="{059ACE22-8852-4AB5-AC4C-388E9F46BA1D}" type="datetimeFigureOut">
               <a:rPr lang="es-ES" smtClean="0"/>
-              <a:t>19/06/2023</a:t>
+              <a:t>21/06/2023</a:t>
             </a:fld>
             <a:endParaRPr lang="es-ES"/>
           </a:p>
@@ -424,7 +424,7 @@
           <a:p>
             <a:fld id="{059ACE22-8852-4AB5-AC4C-388E9F46BA1D}" type="datetimeFigureOut">
               <a:rPr lang="es-ES" smtClean="0"/>
-              <a:t>19/06/2023</a:t>
+              <a:t>21/06/2023</a:t>
             </a:fld>
             <a:endParaRPr lang="es-ES"/>
           </a:p>
@@ -604,7 +604,7 @@
           <a:p>
             <a:fld id="{059ACE22-8852-4AB5-AC4C-388E9F46BA1D}" type="datetimeFigureOut">
               <a:rPr lang="es-ES" smtClean="0"/>
-              <a:t>19/06/2023</a:t>
+              <a:t>21/06/2023</a:t>
             </a:fld>
             <a:endParaRPr lang="es-ES"/>
           </a:p>
@@ -774,7 +774,7 @@
           <a:p>
             <a:fld id="{059ACE22-8852-4AB5-AC4C-388E9F46BA1D}" type="datetimeFigureOut">
               <a:rPr lang="es-ES" smtClean="0"/>
-              <a:t>19/06/2023</a:t>
+              <a:t>21/06/2023</a:t>
             </a:fld>
             <a:endParaRPr lang="es-ES"/>
           </a:p>
@@ -1018,7 +1018,7 @@
           <a:p>
             <a:fld id="{059ACE22-8852-4AB5-AC4C-388E9F46BA1D}" type="datetimeFigureOut">
               <a:rPr lang="es-ES" smtClean="0"/>
-              <a:t>19/06/2023</a:t>
+              <a:t>21/06/2023</a:t>
             </a:fld>
             <a:endParaRPr lang="es-ES"/>
           </a:p>
@@ -1250,7 +1250,7 @@
           <a:p>
             <a:fld id="{059ACE22-8852-4AB5-AC4C-388E9F46BA1D}" type="datetimeFigureOut">
               <a:rPr lang="es-ES" smtClean="0"/>
-              <a:t>19/06/2023</a:t>
+              <a:t>21/06/2023</a:t>
             </a:fld>
             <a:endParaRPr lang="es-ES"/>
           </a:p>
@@ -1617,7 +1617,7 @@
           <a:p>
             <a:fld id="{059ACE22-8852-4AB5-AC4C-388E9F46BA1D}" type="datetimeFigureOut">
               <a:rPr lang="es-ES" smtClean="0"/>
-              <a:t>19/06/2023</a:t>
+              <a:t>21/06/2023</a:t>
             </a:fld>
             <a:endParaRPr lang="es-ES"/>
           </a:p>
@@ -1735,7 +1735,7 @@
           <a:p>
             <a:fld id="{059ACE22-8852-4AB5-AC4C-388E9F46BA1D}" type="datetimeFigureOut">
               <a:rPr lang="es-ES" smtClean="0"/>
-              <a:t>19/06/2023</a:t>
+              <a:t>21/06/2023</a:t>
             </a:fld>
             <a:endParaRPr lang="es-ES"/>
           </a:p>
@@ -1830,7 +1830,7 @@
           <a:p>
             <a:fld id="{059ACE22-8852-4AB5-AC4C-388E9F46BA1D}" type="datetimeFigureOut">
               <a:rPr lang="es-ES" smtClean="0"/>
-              <a:t>19/06/2023</a:t>
+              <a:t>21/06/2023</a:t>
             </a:fld>
             <a:endParaRPr lang="es-ES"/>
           </a:p>
@@ -2107,7 +2107,7 @@
           <a:p>
             <a:fld id="{059ACE22-8852-4AB5-AC4C-388E9F46BA1D}" type="datetimeFigureOut">
               <a:rPr lang="es-ES" smtClean="0"/>
-              <a:t>19/06/2023</a:t>
+              <a:t>21/06/2023</a:t>
             </a:fld>
             <a:endParaRPr lang="es-ES"/>
           </a:p>
@@ -2364,7 +2364,7 @@
           <a:p>
             <a:fld id="{059ACE22-8852-4AB5-AC4C-388E9F46BA1D}" type="datetimeFigureOut">
               <a:rPr lang="es-ES" smtClean="0"/>
-              <a:t>19/06/2023</a:t>
+              <a:t>21/06/2023</a:t>
             </a:fld>
             <a:endParaRPr lang="es-ES"/>
           </a:p>
@@ -2577,7 +2577,7 @@
           <a:p>
             <a:fld id="{059ACE22-8852-4AB5-AC4C-388E9F46BA1D}" type="datetimeFigureOut">
               <a:rPr lang="es-ES" smtClean="0"/>
-              <a:t>19/06/2023</a:t>
+              <a:t>21/06/2023</a:t>
             </a:fld>
             <a:endParaRPr lang="es-ES"/>
           </a:p>
@@ -3095,8 +3095,8 @@
           </p:nvSpPr>
           <p:spPr>
             <a:xfrm>
-              <a:off x="11583325" y="6375151"/>
-              <a:ext cx="9800301" cy="367107"/>
+              <a:off x="11583324" y="6375151"/>
+              <a:ext cx="9800302" cy="199894"/>
             </a:xfrm>
             <a:prstGeom prst="roundRect">
               <a:avLst/>
@@ -3350,7 +3350,7 @@
         </p:nvGrpSpPr>
         <p:grpSpPr>
           <a:xfrm>
-            <a:off x="21881927" y="6201610"/>
+            <a:off x="1752912" y="26720969"/>
             <a:ext cx="12977286" cy="4958661"/>
             <a:chOff x="974247" y="21305958"/>
             <a:chExt cx="8794416" cy="2874652"/>
@@ -4779,7 +4779,7 @@
         </p:blipFill>
         <p:spPr>
           <a:xfrm>
-            <a:off x="-8975575" y="19511944"/>
+            <a:off x="14186320" y="27029467"/>
             <a:ext cx="8572789" cy="4572154"/>
           </a:xfrm>
           <a:prstGeom prst="rect">
@@ -5633,8 +5633,8 @@
         </p:nvSpPr>
         <p:spPr>
           <a:xfrm>
-            <a:off x="14284402" y="6475155"/>
-            <a:ext cx="6084090" cy="1631216"/>
+            <a:off x="18015835" y="11075264"/>
+            <a:ext cx="2420348" cy="1938992"/>
           </a:xfrm>
           <a:prstGeom prst="rect">
             <a:avLst/>
@@ -5650,17 +5650,188 @@
             <a:pPr algn="just"/>
             <a:r>
               <a:rPr lang="es-ES" sz="2000" dirty="0"/>
-              <a:t>Poner simbolitos de macho y hembra en las ultimas anemonas para representar la reproducción sexual. Luego sacar corchete (como el de sistema IMTA ) y poner las variables medidas (SOD, CAT, MDA esenciales). Ver si puedes restringir a dos playas.</a:t>
-            </a:r>
-          </a:p>
-        </p:txBody>
-      </p:sp>
+              <a:t>SOD</a:t>
+            </a:r>
+          </a:p>
+          <a:p>
+            <a:pPr algn="just"/>
+            <a:r>
+              <a:rPr lang="es-ES" sz="2000" dirty="0"/>
+              <a:t>CAT</a:t>
+            </a:r>
+          </a:p>
+          <a:p>
+            <a:pPr algn="just"/>
+            <a:r>
+              <a:rPr lang="es-ES" sz="2000" dirty="0"/>
+              <a:t>Peroxidación lipídica (MDA)</a:t>
+            </a:r>
+          </a:p>
+          <a:p>
+            <a:pPr algn="just"/>
+            <a:r>
+              <a:rPr lang="es-ES" sz="2000" dirty="0"/>
+              <a:t>Capacidad antioxidante total</a:t>
+            </a:r>
+          </a:p>
+        </p:txBody>
+      </p:sp>
+      <p:sp>
+        <p:nvSpPr>
+          <p:cNvPr id="82" name="CuadroTexto 81">
+            <a:extLst>
+              <a:ext uri="{FF2B5EF4-FFF2-40B4-BE49-F238E27FC236}">
+                <a16:creationId xmlns:a16="http://schemas.microsoft.com/office/drawing/2014/main" id="{53CA40A5-3E1F-58D8-BF2E-E804ADE6034F}"/>
+              </a:ext>
+            </a:extLst>
+          </p:cNvPr>
+          <p:cNvSpPr txBox="1"/>
+          <p:nvPr/>
+        </p:nvSpPr>
+        <p:spPr>
+          <a:xfrm>
+            <a:off x="6389153" y="8080540"/>
+            <a:ext cx="6084090" cy="707886"/>
+          </a:xfrm>
+          <a:prstGeom prst="rect">
+            <a:avLst/>
+          </a:prstGeom>
+          <a:noFill/>
+        </p:spPr>
+        <p:txBody>
+          <a:bodyPr wrap="square" rtlCol="0">
+            <a:spAutoFit/>
+          </a:bodyPr>
+          <a:lstStyle/>
+          <a:p>
+            <a:pPr algn="just"/>
+            <a:r>
+              <a:rPr lang="es-ES" sz="2000" dirty="0"/>
+              <a:t>Casi que es mas visual con el esquema del sistema IMTA</a:t>
+            </a:r>
+          </a:p>
+        </p:txBody>
+      </p:sp>
+      <p:sp>
+        <p:nvSpPr>
+          <p:cNvPr id="100" name="CuadroTexto 99">
+            <a:extLst>
+              <a:ext uri="{FF2B5EF4-FFF2-40B4-BE49-F238E27FC236}">
+                <a16:creationId xmlns:a16="http://schemas.microsoft.com/office/drawing/2014/main" id="{9D3DB3A5-0DA1-4BB9-9B0D-46B9BE39F2FE}"/>
+              </a:ext>
+            </a:extLst>
+          </p:cNvPr>
+          <p:cNvSpPr txBox="1"/>
+          <p:nvPr/>
+        </p:nvSpPr>
+        <p:spPr>
+          <a:xfrm>
+            <a:off x="15099166" y="5704679"/>
+            <a:ext cx="4447795" cy="707886"/>
+          </a:xfrm>
+          <a:prstGeom prst="rect">
+            <a:avLst/>
+          </a:prstGeom>
+          <a:noFill/>
+        </p:spPr>
+        <p:txBody>
+          <a:bodyPr wrap="square" rtlCol="0">
+            <a:spAutoFit/>
+          </a:bodyPr>
+          <a:lstStyle/>
+          <a:p>
+            <a:pPr algn="ctr"/>
+            <a:r>
+              <a:rPr lang="es-ES" sz="2000" dirty="0"/>
+              <a:t>Anémonas procedentes de </a:t>
+            </a:r>
+            <a:r>
+              <a:rPr lang="es-ES" sz="2000" b="1" dirty="0">
+                <a:solidFill>
+                  <a:schemeClr val="accent2"/>
+                </a:solidFill>
+              </a:rPr>
+              <a:t>Calahonda</a:t>
+            </a:r>
+            <a:r>
+              <a:rPr lang="es-ES" sz="2000" dirty="0"/>
+              <a:t>, </a:t>
+            </a:r>
+            <a:r>
+              <a:rPr lang="es-ES" sz="2000" b="1" dirty="0">
+                <a:solidFill>
+                  <a:schemeClr val="accent3"/>
+                </a:solidFill>
+              </a:rPr>
+              <a:t>Almuñécar</a:t>
+            </a:r>
+            <a:r>
+              <a:rPr lang="es-ES" sz="2000" dirty="0"/>
+              <a:t> y </a:t>
+            </a:r>
+            <a:r>
+              <a:rPr lang="es-ES" sz="2000" b="1" dirty="0">
+                <a:solidFill>
+                  <a:schemeClr val="accent6"/>
+                </a:solidFill>
+              </a:rPr>
+              <a:t>Salobreña</a:t>
+            </a:r>
+          </a:p>
+        </p:txBody>
+      </p:sp>
+      <p:cxnSp>
+        <p:nvCxnSpPr>
+          <p:cNvPr id="102" name="Conector recto 101">
+            <a:extLst>
+              <a:ext uri="{FF2B5EF4-FFF2-40B4-BE49-F238E27FC236}">
+                <a16:creationId xmlns:a16="http://schemas.microsoft.com/office/drawing/2014/main" id="{6546EE5C-0833-40C5-BF3B-C8ABEA914105}"/>
+              </a:ext>
+            </a:extLst>
+          </p:cNvPr>
+          <p:cNvCxnSpPr>
+            <a:cxnSpLocks/>
+          </p:cNvCxnSpPr>
+          <p:nvPr/>
+        </p:nvCxnSpPr>
+        <p:spPr>
+          <a:xfrm>
+            <a:off x="17323062" y="6463355"/>
+            <a:ext cx="0" cy="419886"/>
+          </a:xfrm>
+          <a:prstGeom prst="line">
+            <a:avLst/>
+          </a:prstGeom>
+          <a:ln w="38100">
+            <a:solidFill>
+              <a:schemeClr val="accent2"/>
+            </a:solidFill>
+            <a:prstDash val="solid"/>
+            <a:headEnd type="none" w="med" len="med"/>
+            <a:tailEnd type="arrow" w="med" len="med"/>
+          </a:ln>
+        </p:spPr>
+        <p:style>
+          <a:lnRef idx="1">
+            <a:schemeClr val="accent1"/>
+          </a:lnRef>
+          <a:fillRef idx="0">
+            <a:schemeClr val="accent1"/>
+          </a:fillRef>
+          <a:effectRef idx="0">
+            <a:schemeClr val="accent1"/>
+          </a:effectRef>
+          <a:fontRef idx="minor">
+            <a:schemeClr val="tx1"/>
+          </a:fontRef>
+        </p:style>
+      </p:cxnSp>
       <p:grpSp>
         <p:nvGrpSpPr>
-          <p:cNvPr id="68" name="Grupo 67">
+          <p:cNvPr id="107" name="Grupo 106">
             <a:extLst>
               <a:ext uri="{FF2B5EF4-FFF2-40B4-BE49-F238E27FC236}">
-                <a16:creationId xmlns:a16="http://schemas.microsoft.com/office/drawing/2014/main" id="{8A0DF943-91BA-0AB5-7F76-53538A007036}"/>
+                <a16:creationId xmlns:a16="http://schemas.microsoft.com/office/drawing/2014/main" id="{A3DF9C02-58CA-4543-A7C9-EE1144170FE2}"/>
               </a:ext>
             </a:extLst>
           </p:cNvPr>
@@ -5669,18 +5840,65 @@
         </p:nvGrpSpPr>
         <p:grpSpPr>
           <a:xfrm>
-            <a:off x="14039302" y="8530075"/>
-            <a:ext cx="6239758" cy="2636866"/>
-            <a:chOff x="14095611" y="8683057"/>
-            <a:chExt cx="6239758" cy="2636866"/>
+            <a:off x="14017557" y="7438705"/>
+            <a:ext cx="6418625" cy="5639908"/>
+            <a:chOff x="14067590" y="7786353"/>
+            <a:chExt cx="6418625" cy="5639908"/>
           </a:xfrm>
         </p:grpSpPr>
+        <p:pic>
+          <p:nvPicPr>
+            <p:cNvPr id="45" name="Imagen 44">
+              <a:extLst>
+                <a:ext uri="{FF2B5EF4-FFF2-40B4-BE49-F238E27FC236}">
+                  <a16:creationId xmlns:a16="http://schemas.microsoft.com/office/drawing/2014/main" id="{2375F5ED-DA62-701D-5E10-BF9C1C6BD105}"/>
+                </a:ext>
+              </a:extLst>
+            </p:cNvPr>
+            <p:cNvPicPr>
+              <a:picLocks noChangeAspect="1"/>
+            </p:cNvPicPr>
+            <p:nvPr/>
+          </p:nvPicPr>
+          <p:blipFill rotWithShape="1">
+            <a:blip r:embed="rId10">
+              <a:clrChange>
+                <a:clrFrom>
+                  <a:srgbClr val="FFFFFF"/>
+                </a:clrFrom>
+                <a:clrTo>
+                  <a:srgbClr val="FFFFFF">
+                    <a:alpha val="0"/>
+                  </a:srgbClr>
+                </a:clrTo>
+              </a:clrChange>
+              <a:duotone>
+                <a:schemeClr val="accent3">
+                  <a:shade val="45000"/>
+                  <a:satMod val="135000"/>
+                </a:schemeClr>
+                <a:prstClr val="white"/>
+              </a:duotone>
+            </a:blip>
+            <a:srcRect l="15918" r="15583" b="80505"/>
+            <a:stretch/>
+          </p:blipFill>
+          <p:spPr>
+            <a:xfrm>
+              <a:off x="14067590" y="8430440"/>
+              <a:ext cx="2381407" cy="1884833"/>
+            </a:xfrm>
+            <a:prstGeom prst="rect">
+              <a:avLst/>
+            </a:prstGeom>
+          </p:spPr>
+        </p:pic>
         <p:cxnSp>
           <p:nvCxnSpPr>
-            <p:cNvPr id="57" name="Conector recto 56">
+            <p:cNvPr id="60" name="Conector recto 59">
               <a:extLst>
                 <a:ext uri="{FF2B5EF4-FFF2-40B4-BE49-F238E27FC236}">
-                  <a16:creationId xmlns:a16="http://schemas.microsoft.com/office/drawing/2014/main" id="{FD8B8B51-2D61-DFEB-BA54-02BFD079B533}"/>
+                  <a16:creationId xmlns:a16="http://schemas.microsoft.com/office/drawing/2014/main" id="{420C574E-8DA4-97BF-0855-6857CCF55701}"/>
                 </a:ext>
               </a:extLst>
             </p:cNvPr>
@@ -5691,8 +5909,54 @@
           </p:nvCxnSpPr>
           <p:spPr>
             <a:xfrm>
-              <a:off x="15096532" y="8683057"/>
-              <a:ext cx="0" cy="357585"/>
+              <a:off x="16402620" y="9261324"/>
+              <a:ext cx="711877" cy="0"/>
+            </a:xfrm>
+            <a:prstGeom prst="line">
+              <a:avLst/>
+            </a:prstGeom>
+            <a:ln w="38100">
+              <a:solidFill>
+                <a:schemeClr val="accent2"/>
+              </a:solidFill>
+              <a:prstDash val="solid"/>
+              <a:headEnd type="none" w="med" len="med"/>
+              <a:tailEnd type="arrow" w="med" len="med"/>
+            </a:ln>
+          </p:spPr>
+          <p:style>
+            <a:lnRef idx="1">
+              <a:schemeClr val="accent1"/>
+            </a:lnRef>
+            <a:fillRef idx="0">
+              <a:schemeClr val="accent1"/>
+            </a:fillRef>
+            <a:effectRef idx="0">
+              <a:schemeClr val="accent1"/>
+            </a:effectRef>
+            <a:fontRef idx="minor">
+              <a:schemeClr val="tx1"/>
+            </a:fontRef>
+          </p:style>
+        </p:cxnSp>
+        <p:cxnSp>
+          <p:nvCxnSpPr>
+            <p:cNvPr id="84" name="Conector recto 83">
+              <a:extLst>
+                <a:ext uri="{FF2B5EF4-FFF2-40B4-BE49-F238E27FC236}">
+                  <a16:creationId xmlns:a16="http://schemas.microsoft.com/office/drawing/2014/main" id="{8908F34B-D0D0-48DA-806A-CB1197ACF52C}"/>
+                </a:ext>
+              </a:extLst>
+            </p:cNvPr>
+            <p:cNvCxnSpPr>
+              <a:cxnSpLocks/>
+            </p:cNvCxnSpPr>
+            <p:nvPr/>
+          </p:nvCxnSpPr>
+          <p:spPr>
+            <a:xfrm>
+              <a:off x="16758558" y="9270065"/>
+              <a:ext cx="0" cy="1512235"/>
             </a:xfrm>
             <a:prstGeom prst="line">
               <a:avLst/>
@@ -5723,10 +5987,10 @@
         </p:cxnSp>
         <p:grpSp>
           <p:nvGrpSpPr>
-            <p:cNvPr id="67" name="Grupo 66">
+            <p:cNvPr id="93" name="Grupo 92">
               <a:extLst>
                 <a:ext uri="{FF2B5EF4-FFF2-40B4-BE49-F238E27FC236}">
-                  <a16:creationId xmlns:a16="http://schemas.microsoft.com/office/drawing/2014/main" id="{52F93877-8914-8F89-32E7-27FC19034E3C}"/>
+                  <a16:creationId xmlns:a16="http://schemas.microsoft.com/office/drawing/2014/main" id="{F77EE44C-DBCA-4B1B-B3B2-49EBC26FE9F8}"/>
                 </a:ext>
               </a:extLst>
             </p:cNvPr>
@@ -5735,18 +5999,18 @@
           </p:nvGrpSpPr>
           <p:grpSpPr>
             <a:xfrm>
-              <a:off x="14095611" y="9102106"/>
-              <a:ext cx="6239758" cy="2217817"/>
-              <a:chOff x="14095611" y="9102106"/>
-              <a:chExt cx="6239758" cy="2217817"/>
+              <a:off x="14212085" y="10794202"/>
+              <a:ext cx="3493041" cy="2260591"/>
+              <a:chOff x="12747455" y="11764169"/>
+              <a:chExt cx="3493041" cy="2260591"/>
             </a:xfrm>
           </p:grpSpPr>
           <p:pic>
             <p:nvPicPr>
-              <p:cNvPr id="45" name="Imagen 44">
+              <p:cNvPr id="80" name="Imagen 79">
                 <a:extLst>
                   <a:ext uri="{FF2B5EF4-FFF2-40B4-BE49-F238E27FC236}">
-                    <a16:creationId xmlns:a16="http://schemas.microsoft.com/office/drawing/2014/main" id="{2375F5ED-DA62-701D-5E10-BF9C1C6BD105}"/>
+                    <a16:creationId xmlns:a16="http://schemas.microsoft.com/office/drawing/2014/main" id="{9D517BD0-82DD-142A-9FA4-D7816A06D7E4}"/>
                   </a:ext>
                 </a:extLst>
               </p:cNvPr>
@@ -5775,19 +6039,126 @@
                   <a:prstClr val="white"/>
                 </a:duotone>
               </a:blip>
-              <a:srcRect l="15918" r="15583" b="80505"/>
+              <a:srcRect l="779" t="77324" r="779" b="-290"/>
               <a:stretch/>
             </p:blipFill>
             <p:spPr>
               <a:xfrm>
-                <a:off x="14095611" y="9520986"/>
-                <a:ext cx="2049331" cy="1622002"/>
+                <a:off x="12747455" y="11764169"/>
+                <a:ext cx="3493041" cy="2260591"/>
               </a:xfrm>
               <a:prstGeom prst="rect">
                 <a:avLst/>
               </a:prstGeom>
             </p:spPr>
           </p:pic>
+          <p:pic>
+            <p:nvPicPr>
+              <p:cNvPr id="63" name="Imagen 62">
+                <a:extLst>
+                  <a:ext uri="{FF2B5EF4-FFF2-40B4-BE49-F238E27FC236}">
+                    <a16:creationId xmlns:a16="http://schemas.microsoft.com/office/drawing/2014/main" id="{22BAE815-F90D-4317-B3BE-B851C411B352}"/>
+                  </a:ext>
+                </a:extLst>
+              </p:cNvPr>
+              <p:cNvPicPr>
+                <a:picLocks noChangeAspect="1"/>
+              </p:cNvPicPr>
+              <p:nvPr/>
+            </p:nvPicPr>
+            <p:blipFill>
+              <a:blip r:embed="rId11">
+                <a:duotone>
+                  <a:schemeClr val="accent6">
+                    <a:shade val="45000"/>
+                    <a:satMod val="135000"/>
+                  </a:schemeClr>
+                  <a:prstClr val="white"/>
+                </a:duotone>
+                <a:extLst>
+                  <a:ext uri="{28A0092B-C50C-407E-A947-70E740481C1C}">
+                    <a14:useLocalDpi xmlns:a14="http://schemas.microsoft.com/office/drawing/2010/main" val="0"/>
+                  </a:ext>
+                </a:extLst>
+              </a:blip>
+              <a:stretch>
+                <a:fillRect/>
+              </a:stretch>
+            </p:blipFill>
+            <p:spPr>
+              <a:xfrm>
+                <a:off x="13229755" y="12980184"/>
+                <a:ext cx="487809" cy="682594"/>
+              </a:xfrm>
+              <a:prstGeom prst="rect">
+                <a:avLst/>
+              </a:prstGeom>
+            </p:spPr>
+          </p:pic>
+          <p:pic>
+            <p:nvPicPr>
+              <p:cNvPr id="86" name="Imagen 85">
+                <a:extLst>
+                  <a:ext uri="{FF2B5EF4-FFF2-40B4-BE49-F238E27FC236}">
+                    <a16:creationId xmlns:a16="http://schemas.microsoft.com/office/drawing/2014/main" id="{E952863C-F8C5-4478-AFCC-D42BE644E466}"/>
+                  </a:ext>
+                </a:extLst>
+              </p:cNvPr>
+              <p:cNvPicPr>
+                <a:picLocks noChangeAspect="1"/>
+              </p:cNvPicPr>
+              <p:nvPr/>
+            </p:nvPicPr>
+            <p:blipFill>
+              <a:blip r:embed="rId12">
+                <a:duotone>
+                  <a:schemeClr val="accent6">
+                    <a:shade val="45000"/>
+                    <a:satMod val="135000"/>
+                  </a:schemeClr>
+                  <a:prstClr val="white"/>
+                </a:duotone>
+                <a:extLst>
+                  <a:ext uri="{28A0092B-C50C-407E-A947-70E740481C1C}">
+                    <a14:useLocalDpi xmlns:a14="http://schemas.microsoft.com/office/drawing/2010/main" val="0"/>
+                  </a:ext>
+                </a:extLst>
+              </a:blip>
+              <a:stretch>
+                <a:fillRect/>
+              </a:stretch>
+            </p:blipFill>
+            <p:spPr>
+              <a:xfrm>
+                <a:off x="15139154" y="12980184"/>
+                <a:ext cx="611455" cy="611455"/>
+              </a:xfrm>
+              <a:prstGeom prst="rect">
+                <a:avLst/>
+              </a:prstGeom>
+            </p:spPr>
+          </p:pic>
+        </p:grpSp>
+        <p:grpSp>
+          <p:nvGrpSpPr>
+            <p:cNvPr id="91" name="Grupo 90">
+              <a:extLst>
+                <a:ext uri="{FF2B5EF4-FFF2-40B4-BE49-F238E27FC236}">
+                  <a16:creationId xmlns:a16="http://schemas.microsoft.com/office/drawing/2014/main" id="{126E1B4E-DFBA-485E-A468-25B70E48BE7D}"/>
+                </a:ext>
+              </a:extLst>
+            </p:cNvPr>
+            <p:cNvGrpSpPr/>
+            <p:nvPr/>
+          </p:nvGrpSpPr>
+          <p:grpSpPr>
+            <a:xfrm>
+              <a:off x="16933947" y="8225772"/>
+              <a:ext cx="3552268" cy="2200894"/>
+              <a:chOff x="16758559" y="8273405"/>
+              <a:chExt cx="3552268" cy="2200894"/>
+            </a:xfrm>
+          </p:grpSpPr>
           <p:pic>
             <p:nvPicPr>
               <p:cNvPr id="47" name="Imagen 46">
@@ -5827,159 +6198,231 @@
             </p:blipFill>
             <p:spPr>
               <a:xfrm>
-                <a:off x="17382831" y="9409129"/>
-                <a:ext cx="2952538" cy="1910794"/>
+                <a:off x="16910030" y="8273405"/>
+                <a:ext cx="3400797" cy="2200894"/>
               </a:xfrm>
               <a:prstGeom prst="rect">
                 <a:avLst/>
               </a:prstGeom>
             </p:spPr>
           </p:pic>
-          <p:cxnSp>
-            <p:nvCxnSpPr>
-              <p:cNvPr id="52" name="Conector recto 51">
+          <p:pic>
+            <p:nvPicPr>
+              <p:cNvPr id="90" name="Imagen 89">
                 <a:extLst>
                   <a:ext uri="{FF2B5EF4-FFF2-40B4-BE49-F238E27FC236}">
-                    <a16:creationId xmlns:a16="http://schemas.microsoft.com/office/drawing/2014/main" id="{4CBFE342-6B59-D4E6-754B-1FFD1E2D9AC5}"/>
+                    <a16:creationId xmlns:a16="http://schemas.microsoft.com/office/drawing/2014/main" id="{FF55AA16-CFA9-41BA-8C1B-150993C590A6}"/>
                   </a:ext>
                 </a:extLst>
               </p:cNvPr>
-              <p:cNvCxnSpPr>
-                <a:cxnSpLocks/>
-              </p:cNvCxnSpPr>
+              <p:cNvPicPr>
+                <a:picLocks noChangeAspect="1"/>
+              </p:cNvPicPr>
               <p:nvPr/>
-            </p:nvCxnSpPr>
+            </p:nvPicPr>
+            <p:blipFill rotWithShape="1">
+              <a:blip r:embed="rId10">
+                <a:clrChange>
+                  <a:clrFrom>
+                    <a:srgbClr val="FFFFFF"/>
+                  </a:clrFrom>
+                  <a:clrTo>
+                    <a:srgbClr val="FFFFFF">
+                      <a:alpha val="0"/>
+                    </a:srgbClr>
+                  </a:clrTo>
+                </a:clrChange>
+                <a:duotone>
+                  <a:schemeClr val="accent3">
+                    <a:shade val="45000"/>
+                    <a:satMod val="135000"/>
+                  </a:schemeClr>
+                  <a:prstClr val="white"/>
+                </a:duotone>
+              </a:blip>
+              <a:srcRect l="15007" t="10823" r="78417" b="81878"/>
+              <a:stretch/>
+            </p:blipFill>
             <p:spPr>
               <a:xfrm>
-                <a:off x="15096532" y="9102106"/>
-                <a:ext cx="0" cy="2200894"/>
+                <a:off x="16758559" y="9563771"/>
+                <a:ext cx="169055" cy="511923"/>
               </a:xfrm>
-              <a:prstGeom prst="line">
+              <a:prstGeom prst="rect">
                 <a:avLst/>
               </a:prstGeom>
-              <a:ln w="38100">
-                <a:solidFill>
-                  <a:schemeClr val="accent2"/>
-                </a:solidFill>
-                <a:prstDash val="sysDash"/>
-              </a:ln>
             </p:spPr>
-            <p:style>
-              <a:lnRef idx="1">
-                <a:schemeClr val="accent1"/>
-              </a:lnRef>
-              <a:fillRef idx="0">
-                <a:schemeClr val="accent1"/>
-              </a:fillRef>
-              <a:effectRef idx="0">
-                <a:schemeClr val="accent1"/>
-              </a:effectRef>
-              <a:fontRef idx="minor">
-                <a:schemeClr val="tx1"/>
-              </a:fontRef>
-            </p:style>
-          </p:cxnSp>
-          <p:cxnSp>
-            <p:nvCxnSpPr>
-              <p:cNvPr id="60" name="Conector recto 59">
-                <a:extLst>
-                  <a:ext uri="{FF2B5EF4-FFF2-40B4-BE49-F238E27FC236}">
-                    <a16:creationId xmlns:a16="http://schemas.microsoft.com/office/drawing/2014/main" id="{420C574E-8DA4-97BF-0855-6857CCF55701}"/>
-                  </a:ext>
-                </a:extLst>
-              </p:cNvPr>
-              <p:cNvCxnSpPr>
-                <a:cxnSpLocks/>
-              </p:cNvCxnSpPr>
-              <p:nvPr/>
-            </p:nvCxnSpPr>
-            <p:spPr>
-              <a:xfrm>
-                <a:off x="16095315" y="10362025"/>
-                <a:ext cx="1077882" cy="0"/>
-              </a:xfrm>
-              <a:prstGeom prst="line">
-                <a:avLst/>
-              </a:prstGeom>
-              <a:ln w="38100">
-                <a:solidFill>
-                  <a:schemeClr val="accent2"/>
-                </a:solidFill>
-                <a:prstDash val="solid"/>
-                <a:headEnd type="none" w="med" len="med"/>
-                <a:tailEnd type="arrow" w="med" len="med"/>
-              </a:ln>
-            </p:spPr>
-            <p:style>
-              <a:lnRef idx="1">
-                <a:schemeClr val="accent1"/>
-              </a:lnRef>
-              <a:fillRef idx="0">
-                <a:schemeClr val="accent1"/>
-              </a:fillRef>
-              <a:effectRef idx="0">
-                <a:schemeClr val="accent1"/>
-              </a:effectRef>
-              <a:fontRef idx="minor">
-                <a:schemeClr val="tx1"/>
-              </a:fontRef>
-            </p:style>
-          </p:cxnSp>
+          </p:pic>
         </p:grpSp>
+        <p:cxnSp>
+          <p:nvCxnSpPr>
+            <p:cNvPr id="57" name="Conector recto 56">
+              <a:extLst>
+                <a:ext uri="{FF2B5EF4-FFF2-40B4-BE49-F238E27FC236}">
+                  <a16:creationId xmlns:a16="http://schemas.microsoft.com/office/drawing/2014/main" id="{FD8B8B51-2D61-DFEB-BA54-02BFD079B533}"/>
+                </a:ext>
+              </a:extLst>
+            </p:cNvPr>
+            <p:cNvCxnSpPr>
+              <a:cxnSpLocks/>
+            </p:cNvCxnSpPr>
+            <p:nvPr/>
+          </p:nvCxnSpPr>
+          <p:spPr>
+            <a:xfrm>
+              <a:off x="15234421" y="7786353"/>
+              <a:ext cx="0" cy="357585"/>
+            </a:xfrm>
+            <a:prstGeom prst="line">
+              <a:avLst/>
+            </a:prstGeom>
+            <a:ln w="38100">
+              <a:solidFill>
+                <a:schemeClr val="accent2"/>
+              </a:solidFill>
+              <a:prstDash val="solid"/>
+              <a:headEnd type="none" w="med" len="med"/>
+              <a:tailEnd type="arrow" w="med" len="med"/>
+            </a:ln>
+          </p:spPr>
+          <p:style>
+            <a:lnRef idx="1">
+              <a:schemeClr val="accent1"/>
+            </a:lnRef>
+            <a:fillRef idx="0">
+              <a:schemeClr val="accent1"/>
+            </a:fillRef>
+            <a:effectRef idx="0">
+              <a:schemeClr val="accent1"/>
+            </a:effectRef>
+            <a:fontRef idx="minor">
+              <a:schemeClr val="tx1"/>
+            </a:fontRef>
+          </p:style>
+        </p:cxnSp>
+        <p:cxnSp>
+          <p:nvCxnSpPr>
+            <p:cNvPr id="52" name="Conector recto 51">
+              <a:extLst>
+                <a:ext uri="{FF2B5EF4-FFF2-40B4-BE49-F238E27FC236}">
+                  <a16:creationId xmlns:a16="http://schemas.microsoft.com/office/drawing/2014/main" id="{4CBFE342-6B59-D4E6-754B-1FFD1E2D9AC5}"/>
+                </a:ext>
+              </a:extLst>
+            </p:cNvPr>
+            <p:cNvCxnSpPr>
+              <a:cxnSpLocks/>
+            </p:cNvCxnSpPr>
+            <p:nvPr/>
+          </p:nvCxnSpPr>
+          <p:spPr>
+            <a:xfrm>
+              <a:off x="15234421" y="8248611"/>
+              <a:ext cx="0" cy="2200894"/>
+            </a:xfrm>
+            <a:prstGeom prst="line">
+              <a:avLst/>
+            </a:prstGeom>
+            <a:ln w="38100">
+              <a:solidFill>
+                <a:schemeClr val="accent2"/>
+              </a:solidFill>
+              <a:prstDash val="sysDash"/>
+            </a:ln>
+          </p:spPr>
+          <p:style>
+            <a:lnRef idx="1">
+              <a:schemeClr val="accent1"/>
+            </a:lnRef>
+            <a:fillRef idx="0">
+              <a:schemeClr val="accent1"/>
+            </a:fillRef>
+            <a:effectRef idx="0">
+              <a:schemeClr val="accent1"/>
+            </a:effectRef>
+            <a:fontRef idx="minor">
+              <a:schemeClr val="tx1"/>
+            </a:fontRef>
+          </p:style>
+        </p:cxnSp>
+        <p:sp>
+          <p:nvSpPr>
+            <p:cNvPr id="104" name="CuadroTexto 103">
+              <a:extLst>
+                <a:ext uri="{FF2B5EF4-FFF2-40B4-BE49-F238E27FC236}">
+                  <a16:creationId xmlns:a16="http://schemas.microsoft.com/office/drawing/2014/main" id="{31C8BCDC-7E82-4342-9912-CC27E0615D62}"/>
+                </a:ext>
+              </a:extLst>
+            </p:cNvPr>
+            <p:cNvSpPr txBox="1"/>
+            <p:nvPr/>
+          </p:nvSpPr>
+          <p:spPr>
+            <a:xfrm>
+              <a:off x="17527558" y="7986686"/>
+              <a:ext cx="2642412" cy="400110"/>
+            </a:xfrm>
+            <a:prstGeom prst="rect">
+              <a:avLst/>
+            </a:prstGeom>
+            <a:noFill/>
+          </p:spPr>
+          <p:txBody>
+            <a:bodyPr wrap="square" rtlCol="0">
+              <a:spAutoFit/>
+            </a:bodyPr>
+            <a:lstStyle/>
+            <a:p>
+              <a:pPr algn="ctr"/>
+              <a:r>
+                <a:rPr lang="es-ES" sz="2000" dirty="0"/>
+                <a:t>Reproducción asexual</a:t>
+              </a:r>
+            </a:p>
+          </p:txBody>
+        </p:sp>
+        <p:sp>
+          <p:nvSpPr>
+            <p:cNvPr id="105" name="CuadroTexto 104">
+              <a:extLst>
+                <a:ext uri="{FF2B5EF4-FFF2-40B4-BE49-F238E27FC236}">
+                  <a16:creationId xmlns:a16="http://schemas.microsoft.com/office/drawing/2014/main" id="{A6D12ED8-803A-4804-842E-7F0E79262B61}"/>
+                </a:ext>
+              </a:extLst>
+            </p:cNvPr>
+            <p:cNvSpPr txBox="1"/>
+            <p:nvPr/>
+          </p:nvSpPr>
+          <p:spPr>
+            <a:xfrm>
+              <a:off x="14572827" y="13026151"/>
+              <a:ext cx="2642412" cy="400110"/>
+            </a:xfrm>
+            <a:prstGeom prst="rect">
+              <a:avLst/>
+            </a:prstGeom>
+            <a:noFill/>
+          </p:spPr>
+          <p:txBody>
+            <a:bodyPr wrap="square" rtlCol="0">
+              <a:spAutoFit/>
+            </a:bodyPr>
+            <a:lstStyle/>
+            <a:p>
+              <a:pPr algn="ctr"/>
+              <a:r>
+                <a:rPr lang="es-ES" sz="2000" dirty="0"/>
+                <a:t>Maduración sexual</a:t>
+              </a:r>
+            </a:p>
+          </p:txBody>
+        </p:sp>
       </p:grpSp>
-      <p:pic>
-        <p:nvPicPr>
-          <p:cNvPr id="80" name="Imagen 79">
+      <p:sp>
+        <p:nvSpPr>
+          <p:cNvPr id="108" name="CuadroTexto 107">
             <a:extLst>
               <a:ext uri="{FF2B5EF4-FFF2-40B4-BE49-F238E27FC236}">
-                <a16:creationId xmlns:a16="http://schemas.microsoft.com/office/drawing/2014/main" id="{9D517BD0-82DD-142A-9FA4-D7816A06D7E4}"/>
-              </a:ext>
-            </a:extLst>
-          </p:cNvPr>
-          <p:cNvPicPr>
-            <a:picLocks noChangeAspect="1"/>
-          </p:cNvPicPr>
-          <p:nvPr/>
-        </p:nvPicPr>
-        <p:blipFill rotWithShape="1">
-          <a:blip r:embed="rId10">
-            <a:clrChange>
-              <a:clrFrom>
-                <a:srgbClr val="FFFFFF"/>
-              </a:clrFrom>
-              <a:clrTo>
-                <a:srgbClr val="FFFFFF">
-                  <a:alpha val="0"/>
-                </a:srgbClr>
-              </a:clrTo>
-            </a:clrChange>
-            <a:duotone>
-              <a:schemeClr val="accent3">
-                <a:shade val="45000"/>
-                <a:satMod val="135000"/>
-              </a:schemeClr>
-              <a:prstClr val="white"/>
-            </a:duotone>
-          </a:blip>
-          <a:srcRect l="779" t="77324" r="779" b="-290"/>
-          <a:stretch/>
-        </p:blipFill>
-        <p:spPr>
-          <a:xfrm>
-            <a:off x="17326522" y="11771577"/>
-            <a:ext cx="2952538" cy="1910794"/>
-          </a:xfrm>
-          <a:prstGeom prst="rect">
-            <a:avLst/>
-          </a:prstGeom>
-        </p:spPr>
-      </p:pic>
-      <p:sp>
-        <p:nvSpPr>
-          <p:cNvPr id="82" name="CuadroTexto 81">
-            <a:extLst>
-              <a:ext uri="{FF2B5EF4-FFF2-40B4-BE49-F238E27FC236}">
-                <a16:creationId xmlns:a16="http://schemas.microsoft.com/office/drawing/2014/main" id="{53CA40A5-3E1F-58D8-BF2E-E804ADE6034F}"/>
+                <a16:creationId xmlns:a16="http://schemas.microsoft.com/office/drawing/2014/main" id="{7A0DEE2C-97BE-4775-B655-1F9486FE9351}"/>
               </a:ext>
             </a:extLst>
           </p:cNvPr>
@@ -5988,8 +6431,8 @@
         </p:nvSpPr>
         <p:spPr>
           <a:xfrm>
-            <a:off x="6389153" y="8080540"/>
-            <a:ext cx="6084090" cy="707886"/>
+            <a:off x="15271519" y="6986452"/>
+            <a:ext cx="4103086" cy="400110"/>
           </a:xfrm>
           <a:prstGeom prst="rect">
             <a:avLst/>
@@ -6002,10 +6445,10 @@
           </a:bodyPr>
           <a:lstStyle/>
           <a:p>
-            <a:pPr algn="just"/>
-            <a:r>
-              <a:rPr lang="es-ES" sz="2000" dirty="0"/>
-              <a:t>Casi que es mas visual con el esquema del sistema IMTA</a:t>
+            <a:pPr algn="ctr"/>
+            <a:r>
+              <a:rPr lang="es-ES" sz="2000" b="1" dirty="0"/>
+              <a:t>Dos modos de reproducción</a:t>
             </a:r>
           </a:p>
         </p:txBody>

--- a/resultados/poster CEEBI/Poster CEEBI TFG.pptx
+++ b/resultados/poster CEEBI/Poster CEEBI TFG.pptx
@@ -121,6 +121,18 @@
     </p:ext>
   </p:extLst>
 </p:presentation>
+</file>
+
+<file path=ppt/commentAuthors.xml><?xml version="1.0" encoding="utf-8"?>
+<p:cmAuthorLst xmlns:a="http://schemas.openxmlformats.org/drawingml/2006/main" xmlns:r="http://schemas.openxmlformats.org/officeDocument/2006/relationships" xmlns:p="http://schemas.openxmlformats.org/presentationml/2006/main">
+  <p:cmAuthor id="1" name="collfernandezalberto@gmail.com" initials="AC" lastIdx="1" clrIdx="0">
+    <p:extLst>
+      <p:ext uri="{19B8F6BF-5375-455C-9EA6-DF929625EA0E}">
+        <p15:presenceInfo xmlns:p15="http://schemas.microsoft.com/office/powerpoint/2012/main" userId="collfernandezalberto@gmail.com" providerId="None"/>
+      </p:ext>
+    </p:extLst>
+  </p:cmAuthor>
+</p:cmAuthorLst>
 </file>
 
 <file path=ppt/slideLayouts/slideLayout1.xml><?xml version="1.0" encoding="utf-8"?>
@@ -2996,7 +3008,7 @@
         </p:nvGrpSpPr>
         <p:grpSpPr>
           <a:xfrm>
-            <a:off x="13917126" y="4795247"/>
+            <a:off x="13917126" y="4447906"/>
             <a:ext cx="6676965" cy="9397631"/>
             <a:chOff x="11583323" y="6375151"/>
             <a:chExt cx="9800303" cy="2808818"/>
@@ -3017,7 +3029,7 @@
           <p:spPr>
             <a:xfrm>
               <a:off x="11583323" y="6383326"/>
-              <a:ext cx="9800302" cy="2800643"/>
+              <a:ext cx="9800299" cy="2800643"/>
             </a:xfrm>
             <a:prstGeom prst="roundRect">
               <a:avLst>
@@ -3096,7 +3108,7 @@
           <p:spPr>
             <a:xfrm>
               <a:off x="11583324" y="6375151"/>
-              <a:ext cx="9800302" cy="199894"/>
+              <a:ext cx="9800302" cy="202818"/>
             </a:xfrm>
             <a:prstGeom prst="roundRect">
               <a:avLst/>
@@ -3157,7 +3169,7 @@
         </p:nvGrpSpPr>
         <p:grpSpPr>
           <a:xfrm>
-            <a:off x="712425" y="14832124"/>
+            <a:off x="689052" y="14198362"/>
             <a:ext cx="19881665" cy="10730624"/>
             <a:chOff x="4153823" y="12991536"/>
             <a:chExt cx="9800303" cy="10730624"/>
@@ -3323,7 +3335,7 @@
                   <a:latin typeface="Cooper Hewitt Semibold" pitchFamily="2" charset="0"/>
                   <a:ea typeface="Cooper Hewitt Semibold" pitchFamily="2" charset="0"/>
                 </a:rPr>
-                <a:t>RESULTADOS Y DISCUSIÓN</a:t>
+                <a:t>RESULTADOS</a:t>
               </a:r>
               <a:endParaRPr lang="x-none" sz="2000" b="1" dirty="0">
                 <a:solidFill>
@@ -3350,7 +3362,7 @@
         </p:nvGrpSpPr>
         <p:grpSpPr>
           <a:xfrm>
-            <a:off x="1752912" y="26720969"/>
+            <a:off x="563676" y="30958013"/>
             <a:ext cx="12977286" cy="4958661"/>
             <a:chOff x="974247" y="21305958"/>
             <a:chExt cx="8794416" cy="2874652"/>
@@ -4403,7 +4415,7 @@
         </p:nvSpPr>
         <p:spPr>
           <a:xfrm>
-            <a:off x="712426" y="5060710"/>
+            <a:off x="712426" y="4713369"/>
             <a:ext cx="12633924" cy="9102762"/>
           </a:xfrm>
           <a:prstGeom prst="roundRect">
@@ -4482,7 +4494,7 @@
         </p:nvSpPr>
         <p:spPr>
           <a:xfrm>
-            <a:off x="712427" y="4810141"/>
+            <a:off x="712427" y="4462800"/>
             <a:ext cx="12633924" cy="668798"/>
           </a:xfrm>
           <a:prstGeom prst="roundRect">
@@ -4548,7 +4560,7 @@
         </p:nvSpPr>
         <p:spPr>
           <a:xfrm>
-            <a:off x="789534" y="4883826"/>
+            <a:off x="789534" y="4536485"/>
             <a:ext cx="8288712" cy="523220"/>
           </a:xfrm>
           <a:prstGeom prst="rect">
@@ -4596,8 +4608,8 @@
         </p:nvSpPr>
         <p:spPr>
           <a:xfrm>
-            <a:off x="1121895" y="5831764"/>
-            <a:ext cx="11748372" cy="1692771"/>
+            <a:off x="1121895" y="5484423"/>
+            <a:ext cx="11748372" cy="1815882"/>
           </a:xfrm>
           <a:prstGeom prst="rect">
             <a:avLst/>
@@ -4612,7 +4624,7 @@
           <a:p>
             <a:pPr algn="just"/>
             <a:r>
-              <a:rPr lang="es-ES" sz="2000" b="1" i="1" dirty="0">
+              <a:rPr lang="es-ES" sz="2400" b="1" i="1" dirty="0">
                 <a:solidFill>
                   <a:schemeClr val="accent4">
                     <a:lumMod val="75000"/>
@@ -4623,7 +4635,7 @@
               <a:t>Anemonia </a:t>
             </a:r>
             <a:r>
-              <a:rPr lang="es-ES" sz="2000" b="1" i="1" dirty="0" err="1">
+              <a:rPr lang="es-ES" sz="2400" b="1" i="1" dirty="0" err="1">
                 <a:solidFill>
                   <a:schemeClr val="accent4">
                     <a:lumMod val="75000"/>
@@ -4634,7 +4646,7 @@
               <a:t>sulcata</a:t>
             </a:r>
             <a:r>
-              <a:rPr lang="es-ES" sz="2000" b="1" i="1" dirty="0">
+              <a:rPr lang="es-ES" sz="2400" b="1" i="1" dirty="0">
                 <a:solidFill>
                   <a:schemeClr val="accent4">
                     <a:lumMod val="75000"/>
@@ -4645,12 +4657,12 @@
               <a:t> </a:t>
             </a:r>
             <a:r>
-              <a:rPr lang="es-ES" sz="2000" dirty="0"/>
-              <a:t>es un antozoo ampliamente distribuido por el mar mediterráneo, presenta tanto reproducción sexual como asexual. En los últimos años, la explotación sobre sus poblaciones en Andalucía se ha incrementado considerablemente como consecuencia de una mayor demanda y recolección furtiva, lo que ha deteriorado su estado de conservación localmente.</a:t>
-            </a:r>
-          </a:p>
-          <a:p>
-            <a:endParaRPr lang="es-ES" sz="2000" dirty="0"/>
+              <a:rPr lang="es-ES" sz="2200" dirty="0"/>
+              <a:t>es un antozoo común en el mar mediterráneo, que presenta tanto reproducción sexual como asexual. En los últimos años, la explotación sobre sus poblaciones en Andalucía se ha incrementado considerablemente, lo que ha deteriorado su estado de conservación localmente.</a:t>
+            </a:r>
+          </a:p>
+          <a:p>
+            <a:endParaRPr lang="es-ES" sz="2200" dirty="0"/>
           </a:p>
         </p:txBody>
       </p:sp>
@@ -4668,7 +4680,7 @@
         </p:nvSpPr>
         <p:spPr>
           <a:xfrm>
-            <a:off x="712425" y="1074913"/>
+            <a:off x="712425" y="541347"/>
             <a:ext cx="20408628" cy="2123658"/>
           </a:xfrm>
           <a:prstGeom prst="rect">
@@ -4715,186 +4727,6 @@
           </a:p>
         </p:txBody>
       </p:sp>
-      <p:pic>
-        <p:nvPicPr>
-          <p:cNvPr id="46" name="Imagen 45">
-            <a:extLst>
-              <a:ext uri="{FF2B5EF4-FFF2-40B4-BE49-F238E27FC236}">
-                <a16:creationId xmlns:a16="http://schemas.microsoft.com/office/drawing/2014/main" id="{A0EB8086-C1DF-52F9-238B-625B3260E68B}"/>
-              </a:ext>
-            </a:extLst>
-          </p:cNvPr>
-          <p:cNvPicPr>
-            <a:picLocks noChangeAspect="1"/>
-          </p:cNvPicPr>
-          <p:nvPr/>
-        </p:nvPicPr>
-        <p:blipFill>
-          <a:blip r:embed="rId2">
-            <a:extLst>
-              <a:ext uri="{28A0092B-C50C-407E-A947-70E740481C1C}">
-                <a14:useLocalDpi xmlns:a14="http://schemas.microsoft.com/office/drawing/2010/main" val="0"/>
-              </a:ext>
-            </a:extLst>
-          </a:blip>
-          <a:stretch>
-            <a:fillRect/>
-          </a:stretch>
-        </p:blipFill>
-        <p:spPr>
-          <a:xfrm>
-            <a:off x="11065062" y="15782610"/>
-            <a:ext cx="8572789" cy="4572154"/>
-          </a:xfrm>
-          <a:prstGeom prst="rect">
-            <a:avLst/>
-          </a:prstGeom>
-        </p:spPr>
-      </p:pic>
-      <p:pic>
-        <p:nvPicPr>
-          <p:cNvPr id="54" name="Imagen 53">
-            <a:extLst>
-              <a:ext uri="{FF2B5EF4-FFF2-40B4-BE49-F238E27FC236}">
-                <a16:creationId xmlns:a16="http://schemas.microsoft.com/office/drawing/2014/main" id="{E3B68970-26C6-2B56-AEB6-5037A7B4CF95}"/>
-              </a:ext>
-            </a:extLst>
-          </p:cNvPr>
-          <p:cNvPicPr>
-            <a:picLocks noChangeAspect="1"/>
-          </p:cNvPicPr>
-          <p:nvPr/>
-        </p:nvPicPr>
-        <p:blipFill>
-          <a:blip r:embed="rId3">
-            <a:extLst>
-              <a:ext uri="{28A0092B-C50C-407E-A947-70E740481C1C}">
-                <a14:useLocalDpi xmlns:a14="http://schemas.microsoft.com/office/drawing/2010/main" val="0"/>
-              </a:ext>
-            </a:extLst>
-          </a:blip>
-          <a:stretch>
-            <a:fillRect/>
-          </a:stretch>
-        </p:blipFill>
-        <p:spPr>
-          <a:xfrm>
-            <a:off x="14186320" y="27029467"/>
-            <a:ext cx="8572789" cy="4572154"/>
-          </a:xfrm>
-          <a:prstGeom prst="rect">
-            <a:avLst/>
-          </a:prstGeom>
-        </p:spPr>
-      </p:pic>
-      <p:pic>
-        <p:nvPicPr>
-          <p:cNvPr id="56" name="Imagen 55">
-            <a:extLst>
-              <a:ext uri="{FF2B5EF4-FFF2-40B4-BE49-F238E27FC236}">
-                <a16:creationId xmlns:a16="http://schemas.microsoft.com/office/drawing/2014/main" id="{154E778F-3DD6-149C-7A0B-58746DCD2036}"/>
-              </a:ext>
-            </a:extLst>
-          </p:cNvPr>
-          <p:cNvPicPr>
-            <a:picLocks noChangeAspect="1"/>
-          </p:cNvPicPr>
-          <p:nvPr/>
-        </p:nvPicPr>
-        <p:blipFill>
-          <a:blip r:embed="rId4">
-            <a:extLst>
-              <a:ext uri="{28A0092B-C50C-407E-A947-70E740481C1C}">
-                <a14:useLocalDpi xmlns:a14="http://schemas.microsoft.com/office/drawing/2010/main" val="0"/>
-              </a:ext>
-            </a:extLst>
-          </a:blip>
-          <a:stretch>
-            <a:fillRect/>
-          </a:stretch>
-        </p:blipFill>
-        <p:spPr>
-          <a:xfrm>
-            <a:off x="1377059" y="21008430"/>
-            <a:ext cx="8572789" cy="4572154"/>
-          </a:xfrm>
-          <a:prstGeom prst="rect">
-            <a:avLst/>
-          </a:prstGeom>
-        </p:spPr>
-      </p:pic>
-      <p:pic>
-        <p:nvPicPr>
-          <p:cNvPr id="58" name="Imagen 57">
-            <a:extLst>
-              <a:ext uri="{FF2B5EF4-FFF2-40B4-BE49-F238E27FC236}">
-                <a16:creationId xmlns:a16="http://schemas.microsoft.com/office/drawing/2014/main" id="{C997C87E-BC84-F3DC-A85A-D21FFD3449EE}"/>
-              </a:ext>
-            </a:extLst>
-          </p:cNvPr>
-          <p:cNvPicPr>
-            <a:picLocks noChangeAspect="1"/>
-          </p:cNvPicPr>
-          <p:nvPr/>
-        </p:nvPicPr>
-        <p:blipFill>
-          <a:blip r:embed="rId5">
-            <a:extLst>
-              <a:ext uri="{28A0092B-C50C-407E-A947-70E740481C1C}">
-                <a14:useLocalDpi xmlns:a14="http://schemas.microsoft.com/office/drawing/2010/main" val="0"/>
-              </a:ext>
-            </a:extLst>
-          </a:blip>
-          <a:stretch>
-            <a:fillRect/>
-          </a:stretch>
-        </p:blipFill>
-        <p:spPr>
-          <a:xfrm>
-            <a:off x="1377060" y="15908953"/>
-            <a:ext cx="8572789" cy="4572154"/>
-          </a:xfrm>
-          <a:prstGeom prst="rect">
-            <a:avLst/>
-          </a:prstGeom>
-        </p:spPr>
-      </p:pic>
-      <p:pic>
-        <p:nvPicPr>
-          <p:cNvPr id="62" name="Imagen 61">
-            <a:extLst>
-              <a:ext uri="{FF2B5EF4-FFF2-40B4-BE49-F238E27FC236}">
-                <a16:creationId xmlns:a16="http://schemas.microsoft.com/office/drawing/2014/main" id="{36F28F22-ECD2-4B70-8479-94CCB39DC084}"/>
-              </a:ext>
-            </a:extLst>
-          </p:cNvPr>
-          <p:cNvPicPr>
-            <a:picLocks noChangeAspect="1"/>
-          </p:cNvPicPr>
-          <p:nvPr/>
-        </p:nvPicPr>
-        <p:blipFill>
-          <a:blip r:embed="rId6">
-            <a:extLst>
-              <a:ext uri="{28A0092B-C50C-407E-A947-70E740481C1C}">
-                <a14:useLocalDpi xmlns:a14="http://schemas.microsoft.com/office/drawing/2010/main" val="0"/>
-              </a:ext>
-            </a:extLst>
-          </a:blip>
-          <a:stretch>
-            <a:fillRect/>
-          </a:stretch>
-        </p:blipFill>
-        <p:spPr>
-          <a:xfrm>
-            <a:off x="10777572" y="21019720"/>
-            <a:ext cx="8572789" cy="4572154"/>
-          </a:xfrm>
-          <a:prstGeom prst="rect">
-            <a:avLst/>
-          </a:prstGeom>
-        </p:spPr>
-      </p:pic>
       <p:sp>
         <p:nvSpPr>
           <p:cNvPr id="49" name="CuadroTexto 48">
@@ -4909,8 +4741,8 @@
         </p:nvSpPr>
         <p:spPr>
           <a:xfrm>
-            <a:off x="1121894" y="7225535"/>
-            <a:ext cx="11641291" cy="707886"/>
+            <a:off x="1039438" y="7072025"/>
+            <a:ext cx="11641291" cy="769441"/>
           </a:xfrm>
           <a:prstGeom prst="rect">
             <a:avLst/>
@@ -4923,13 +4755,13 @@
           </a:bodyPr>
           <a:lstStyle/>
           <a:p>
-            <a:pPr algn="just"/>
-            <a:r>
-              <a:rPr lang="es-ES" sz="2000" dirty="0"/>
+            <a:pPr algn="ctr"/>
+            <a:r>
+              <a:rPr lang="es-ES" sz="2200" dirty="0"/>
               <a:t>La acuicultura ofrece una posible solución a ese problema de conservación, especialmente a través de la </a:t>
             </a:r>
             <a:r>
-              <a:rPr lang="es-ES" sz="2000" b="1" dirty="0">
+              <a:rPr lang="es-ES" sz="2200" b="1" dirty="0">
                 <a:solidFill>
                   <a:srgbClr val="47A5A3"/>
                 </a:solidFill>
@@ -4954,7 +4786,7 @@
           <p:nvPr/>
         </p:nvPicPr>
         <p:blipFill>
-          <a:blip r:embed="rId7" cstate="print">
+          <a:blip r:embed="rId2" cstate="print">
             <a:extLst>
               <a:ext uri="{28A0092B-C50C-407E-A947-70E740481C1C}">
                 <a14:useLocalDpi xmlns:a14="http://schemas.microsoft.com/office/drawing/2010/main" val="0"/>
@@ -4968,7 +4800,7 @@
         </p:blipFill>
         <p:spPr bwMode="auto">
           <a:xfrm>
-            <a:off x="2369628" y="8384398"/>
+            <a:off x="14742646" y="31719405"/>
             <a:ext cx="4352860" cy="3549451"/>
           </a:xfrm>
           <a:prstGeom prst="rect">
@@ -5000,10 +4832,10 @@
         </p:nvGrpSpPr>
         <p:grpSpPr>
           <a:xfrm>
-            <a:off x="8132653" y="9102106"/>
-            <a:ext cx="3864347" cy="2106312"/>
+            <a:off x="7880523" y="8476133"/>
+            <a:ext cx="4252245" cy="2861595"/>
             <a:chOff x="5079041" y="11088636"/>
-            <a:chExt cx="3599918" cy="2106312"/>
+            <a:chExt cx="3610054" cy="2861595"/>
           </a:xfrm>
         </p:grpSpPr>
         <p:sp>
@@ -5020,8 +4852,8 @@
           </p:nvSpPr>
           <p:spPr>
             <a:xfrm>
-              <a:off x="5300198" y="11498302"/>
-              <a:ext cx="3378761" cy="1631216"/>
+              <a:off x="5310334" y="11641907"/>
+              <a:ext cx="3378761" cy="2308324"/>
             </a:xfrm>
             <a:prstGeom prst="rect">
               <a:avLst/>
@@ -5036,14 +4868,14 @@
             <a:p>
               <a:pPr algn="just"/>
               <a:r>
-                <a:rPr lang="es-ES" sz="2000" dirty="0" err="1"/>
+                <a:rPr lang="es-ES" sz="2400" dirty="0" err="1"/>
                 <a:t>Co-cultivo</a:t>
               </a:r>
               <a:r>
-                <a:rPr lang="es-ES" sz="2000" dirty="0"/>
+                <a:rPr lang="es-ES" sz="2400" dirty="0"/>
                 <a:t> de especies de diferente nivel trófico, de modo que los productos de excreción de unas funcionan como recurso de otra.</a:t>
               </a:r>
-              <a:endParaRPr lang="x-none" sz="2000" dirty="0"/>
+              <a:endParaRPr lang="x-none" sz="2400" dirty="0"/>
             </a:p>
           </p:txBody>
         </p:sp>
@@ -5062,9 +4894,9 @@
           <p:grpSpPr>
             <a:xfrm>
               <a:off x="5079041" y="11088636"/>
-              <a:ext cx="2699902" cy="2106312"/>
+              <a:ext cx="2699902" cy="2593475"/>
               <a:chOff x="5079041" y="11088636"/>
-              <a:chExt cx="2699902" cy="2106312"/>
+              <a:chExt cx="2699902" cy="2593475"/>
             </a:xfrm>
           </p:grpSpPr>
           <p:grpSp>
@@ -5081,10 +4913,10 @@
             </p:nvGrpSpPr>
             <p:grpSpPr>
               <a:xfrm>
-                <a:off x="5079041" y="11295487"/>
-                <a:ext cx="402967" cy="1899461"/>
-                <a:chOff x="5095410" y="11976592"/>
-                <a:chExt cx="402967" cy="1899461"/>
+                <a:off x="5079041" y="11295488"/>
+                <a:ext cx="402967" cy="2386623"/>
+                <a:chOff x="5095410" y="11976593"/>
+                <a:chExt cx="402967" cy="2386623"/>
               </a:xfrm>
             </p:grpSpPr>
             <p:grpSp>
@@ -5101,10 +4933,10 @@
               </p:nvGrpSpPr>
               <p:grpSpPr>
                 <a:xfrm>
-                  <a:off x="5178337" y="11976592"/>
-                  <a:ext cx="320040" cy="1899461"/>
+                  <a:off x="5178337" y="11976593"/>
+                  <a:ext cx="320040" cy="2386623"/>
                   <a:chOff x="5721876" y="10549467"/>
-                  <a:chExt cx="320040" cy="1524000"/>
+                  <a:chExt cx="320040" cy="1914866"/>
                 </a:xfrm>
                 <a:solidFill>
                   <a:srgbClr val="FFBC42"/>
@@ -5119,13 +4951,15 @@
                       </a:ext>
                     </a:extLst>
                   </p:cNvPr>
-                  <p:cNvCxnSpPr/>
+                  <p:cNvCxnSpPr>
+                    <a:cxnSpLocks/>
+                  </p:cNvCxnSpPr>
                   <p:nvPr/>
                 </p:nvCxnSpPr>
                 <p:spPr>
                   <a:xfrm>
                     <a:off x="5740400" y="10549467"/>
-                    <a:ext cx="0" cy="1524000"/>
+                    <a:ext cx="0" cy="1914866"/>
                   </a:xfrm>
                   <a:prstGeom prst="line">
                     <a:avLst/>
@@ -5212,8 +5046,8 @@
                 </p:nvCxnSpPr>
                 <p:spPr>
                   <a:xfrm>
-                    <a:off x="5721876" y="12065315"/>
-                    <a:ext cx="101719" cy="0"/>
+                    <a:off x="5721876" y="12461812"/>
+                    <a:ext cx="138230" cy="0"/>
                   </a:xfrm>
                   <a:prstGeom prst="line">
                     <a:avLst/>
@@ -5359,8 +5193,8 @@
         </p:nvSpPr>
         <p:spPr>
           <a:xfrm>
-            <a:off x="789534" y="3367300"/>
-            <a:ext cx="19829827" cy="523220"/>
+            <a:off x="789534" y="2803689"/>
+            <a:ext cx="10271175" cy="523220"/>
           </a:xfrm>
           <a:prstGeom prst="rect">
             <a:avLst/>
@@ -5406,7 +5240,7 @@
         </p:nvSpPr>
         <p:spPr>
           <a:xfrm>
-            <a:off x="13991718" y="4883824"/>
+            <a:off x="13991718" y="4536483"/>
             <a:ext cx="4996673" cy="523221"/>
           </a:xfrm>
           <a:prstGeom prst="rect">
@@ -5454,7 +5288,7 @@
         </p:nvSpPr>
         <p:spPr>
           <a:xfrm>
-            <a:off x="1234212" y="12319737"/>
+            <a:off x="1234212" y="11972396"/>
             <a:ext cx="11416654" cy="1532334"/>
           </a:xfrm>
           <a:prstGeom prst="roundRect">
@@ -5498,7 +5332,7 @@
                   <a:schemeClr val="bg1"/>
                 </a:solidFill>
               </a:rPr>
-              <a:t>En este trabajo se evaluó el efecto de distintos modos de reproducción de </a:t>
+              <a:t>En este trabajo evaluó el efecto de distintos modos de reproducción de </a:t>
             </a:r>
             <a:r>
               <a:rPr lang="es-ES" sz="2800" b="1" i="1" dirty="0">
@@ -5554,8 +5388,8 @@
         </p:nvSpPr>
         <p:spPr>
           <a:xfrm>
-            <a:off x="1001825" y="4063556"/>
-            <a:ext cx="19829827" cy="338554"/>
+            <a:off x="1001825" y="3499945"/>
+            <a:ext cx="19829827" cy="584775"/>
           </a:xfrm>
           <a:prstGeom prst="rect">
             <a:avLst/>
@@ -5576,7 +5410,23 @@
               <a:rPr lang="es-ES" sz="1600" dirty="0"/>
               <a:t> Departamento de Biología Celular, Facultad de Ciencias, Universidad de Granada</a:t>
             </a:r>
-            <a:endParaRPr lang="es-ES" sz="1600" baseline="30000" dirty="0"/>
+          </a:p>
+          <a:p>
+            <a:r>
+              <a:rPr lang="es-ES" sz="1600" dirty="0"/>
+              <a:t>Contacto: </a:t>
+            </a:r>
+            <a:r>
+              <a:rPr lang="es-ES" sz="1600" dirty="0">
+                <a:solidFill>
+                  <a:schemeClr val="accent1">
+                    <a:lumMod val="75000"/>
+                    <a:lumOff val="25000"/>
+                  </a:schemeClr>
+                </a:solidFill>
+              </a:rPr>
+              <a:t>collferalberto@correo.ugr.es</a:t>
+            </a:r>
           </a:p>
         </p:txBody>
       </p:sp>
@@ -5595,13 +5445,13 @@
           <p:nvPr/>
         </p:nvPicPr>
         <p:blipFill>
-          <a:blip r:embed="rId8" cstate="print">
+          <a:blip r:embed="rId3" cstate="print">
             <a:extLst>
               <a:ext uri="{28A0092B-C50C-407E-A947-70E740481C1C}">
                 <a14:useLocalDpi xmlns:a14="http://schemas.microsoft.com/office/drawing/2010/main" val="0"/>
               </a:ext>
               <a:ext uri="{96DAC541-7B7A-43D3-8B79-37D633B846F1}">
-                <asvg:svgBlip xmlns:asvg="http://schemas.microsoft.com/office/drawing/2016/SVG/main" r:embed="rId9"/>
+                <asvg:svgBlip xmlns:asvg="http://schemas.microsoft.com/office/drawing/2016/SVG/main" r:embed="rId4"/>
               </a:ext>
             </a:extLst>
           </a:blip>
@@ -5611,7 +5461,7 @@
         </p:blipFill>
         <p:spPr>
           <a:xfrm>
-            <a:off x="14936917" y="1974394"/>
+            <a:off x="17370736" y="1648663"/>
             <a:ext cx="4051474" cy="2865300"/>
           </a:xfrm>
           <a:prstGeom prst="rect">
@@ -5633,8 +5483,8 @@
         </p:nvSpPr>
         <p:spPr>
           <a:xfrm>
-            <a:off x="18015835" y="11075264"/>
-            <a:ext cx="2420348" cy="1938992"/>
+            <a:off x="17770874" y="10817213"/>
+            <a:ext cx="2848487" cy="1938992"/>
           </a:xfrm>
           <a:prstGeom prst="rect">
             <a:avLst/>
@@ -5647,67 +5497,59 @@
           </a:bodyPr>
           <a:lstStyle/>
           <a:p>
-            <a:pPr algn="just"/>
+            <a:pPr marL="342900" indent="-342900">
+              <a:buClr>
+                <a:schemeClr val="accent2"/>
+              </a:buClr>
+              <a:buSzPct val="120000"/>
+              <a:buFont typeface="Arial" panose="020B0604020202020204" pitchFamily="34" charset="0"/>
+              <a:buChar char="•"/>
+            </a:pPr>
             <a:r>
               <a:rPr lang="es-ES" sz="2000" dirty="0"/>
-              <a:t>SOD</a:t>
-            </a:r>
-          </a:p>
-          <a:p>
-            <a:pPr algn="just"/>
+              <a:t>Actividad SOD</a:t>
+            </a:r>
+          </a:p>
+          <a:p>
+            <a:pPr marL="342900" indent="-342900">
+              <a:buClr>
+                <a:schemeClr val="accent2"/>
+              </a:buClr>
+              <a:buSzPct val="120000"/>
+              <a:buFont typeface="Arial" panose="020B0604020202020204" pitchFamily="34" charset="0"/>
+              <a:buChar char="•"/>
+            </a:pPr>
             <a:r>
               <a:rPr lang="es-ES" sz="2000" dirty="0"/>
-              <a:t>CAT</a:t>
-            </a:r>
-          </a:p>
-          <a:p>
-            <a:pPr algn="just"/>
+              <a:t>Actividad CAT</a:t>
+            </a:r>
+          </a:p>
+          <a:p>
+            <a:pPr marL="342900" indent="-342900">
+              <a:buClr>
+                <a:schemeClr val="accent2"/>
+              </a:buClr>
+              <a:buSzPct val="120000"/>
+              <a:buFont typeface="Arial" panose="020B0604020202020204" pitchFamily="34" charset="0"/>
+              <a:buChar char="•"/>
+            </a:pPr>
             <a:r>
               <a:rPr lang="es-ES" sz="2000" dirty="0"/>
               <a:t>Peroxidación lipídica (MDA)</a:t>
             </a:r>
           </a:p>
           <a:p>
-            <a:pPr algn="just"/>
+            <a:pPr marL="342900" indent="-342900">
+              <a:buClr>
+                <a:schemeClr val="accent2"/>
+              </a:buClr>
+              <a:buSzPct val="120000"/>
+              <a:buFont typeface="Arial" panose="020B0604020202020204" pitchFamily="34" charset="0"/>
+              <a:buChar char="•"/>
+            </a:pPr>
             <a:r>
               <a:rPr lang="es-ES" sz="2000" dirty="0"/>
               <a:t>Capacidad antioxidante total</a:t>
-            </a:r>
-          </a:p>
-        </p:txBody>
-      </p:sp>
-      <p:sp>
-        <p:nvSpPr>
-          <p:cNvPr id="82" name="CuadroTexto 81">
-            <a:extLst>
-              <a:ext uri="{FF2B5EF4-FFF2-40B4-BE49-F238E27FC236}">
-                <a16:creationId xmlns:a16="http://schemas.microsoft.com/office/drawing/2014/main" id="{53CA40A5-3E1F-58D8-BF2E-E804ADE6034F}"/>
-              </a:ext>
-            </a:extLst>
-          </p:cNvPr>
-          <p:cNvSpPr txBox="1"/>
-          <p:nvPr/>
-        </p:nvSpPr>
-        <p:spPr>
-          <a:xfrm>
-            <a:off x="6389153" y="8080540"/>
-            <a:ext cx="6084090" cy="707886"/>
-          </a:xfrm>
-          <a:prstGeom prst="rect">
-            <a:avLst/>
-          </a:prstGeom>
-          <a:noFill/>
-        </p:spPr>
-        <p:txBody>
-          <a:bodyPr wrap="square" rtlCol="0">
-            <a:spAutoFit/>
-          </a:bodyPr>
-          <a:lstStyle/>
-          <a:p>
-            <a:pPr algn="just"/>
-            <a:r>
-              <a:rPr lang="es-ES" sz="2000" dirty="0"/>
-              <a:t>Casi que es mas visual con el esquema del sistema IMTA</a:t>
             </a:r>
           </a:p>
         </p:txBody>
@@ -5726,7 +5568,7 @@
         </p:nvSpPr>
         <p:spPr>
           <a:xfrm>
-            <a:off x="15099166" y="5704679"/>
+            <a:off x="15099166" y="5357338"/>
             <a:ext cx="4447795" cy="707886"/>
           </a:xfrm>
           <a:prstGeom prst="rect">
@@ -5743,7 +5585,14 @@
             <a:pPr algn="ctr"/>
             <a:r>
               <a:rPr lang="es-ES" sz="2000" dirty="0"/>
-              <a:t>Anémonas procedentes de </a:t>
+              <a:t>Anémonas procedentes de</a:t>
+            </a:r>
+          </a:p>
+          <a:p>
+            <a:pPr algn="ctr"/>
+            <a:r>
+              <a:rPr lang="es-ES" sz="2000" dirty="0"/>
+              <a:t> </a:t>
             </a:r>
             <a:r>
               <a:rPr lang="es-ES" sz="2000" b="1" dirty="0">
@@ -5796,7 +5645,7 @@
         </p:nvCxnSpPr>
         <p:spPr>
           <a:xfrm>
-            <a:off x="17323062" y="6463355"/>
+            <a:off x="17323062" y="6116014"/>
             <a:ext cx="0" cy="419886"/>
           </a:xfrm>
           <a:prstGeom prst="line">
@@ -5840,7 +5689,7 @@
         </p:nvGrpSpPr>
         <p:grpSpPr>
           <a:xfrm>
-            <a:off x="14017557" y="7438705"/>
+            <a:off x="14017557" y="7091364"/>
             <a:ext cx="6418625" cy="5639908"/>
             <a:chOff x="14067590" y="7786353"/>
             <a:chExt cx="6418625" cy="5639908"/>
@@ -5861,7 +5710,7 @@
             <p:nvPr/>
           </p:nvPicPr>
           <p:blipFill rotWithShape="1">
-            <a:blip r:embed="rId10">
+            <a:blip r:embed="rId5">
               <a:clrChange>
                 <a:clrFrom>
                   <a:srgbClr val="FFFFFF"/>
@@ -6020,7 +5869,7 @@
               <p:nvPr/>
             </p:nvPicPr>
             <p:blipFill rotWithShape="1">
-              <a:blip r:embed="rId10">
+              <a:blip r:embed="rId5">
                 <a:clrChange>
                   <a:clrFrom>
                     <a:srgbClr val="FFFFFF"/>
@@ -6067,7 +5916,7 @@
               <p:nvPr/>
             </p:nvPicPr>
             <p:blipFill>
-              <a:blip r:embed="rId11">
+              <a:blip r:embed="rId6">
                 <a:duotone>
                   <a:schemeClr val="accent6">
                     <a:shade val="45000"/>
@@ -6087,7 +5936,7 @@
             </p:blipFill>
             <p:spPr>
               <a:xfrm>
-                <a:off x="13229755" y="12980184"/>
+                <a:off x="13278415" y="12979198"/>
                 <a:ext cx="487809" cy="682594"/>
               </a:xfrm>
               <a:prstGeom prst="rect">
@@ -6110,7 +5959,7 @@
               <p:nvPr/>
             </p:nvPicPr>
             <p:blipFill>
-              <a:blip r:embed="rId12">
+              <a:blip r:embed="rId7">
                 <a:duotone>
                   <a:schemeClr val="accent6">
                     <a:shade val="45000"/>
@@ -6130,7 +5979,7 @@
             </p:blipFill>
             <p:spPr>
               <a:xfrm>
-                <a:off x="15139154" y="12980184"/>
+                <a:off x="15109346" y="13013195"/>
                 <a:ext cx="611455" cy="611455"/>
               </a:xfrm>
               <a:prstGeom prst="rect">
@@ -6174,7 +6023,7 @@
               <p:nvPr/>
             </p:nvPicPr>
             <p:blipFill rotWithShape="1">
-              <a:blip r:embed="rId10">
+              <a:blip r:embed="rId5">
                 <a:clrChange>
                   <a:clrFrom>
                     <a:srgbClr val="FFFFFF"/>
@@ -6221,7 +6070,7 @@
               <p:nvPr/>
             </p:nvPicPr>
             <p:blipFill rotWithShape="1">
-              <a:blip r:embed="rId10">
+              <a:blip r:embed="rId5">
                 <a:clrChange>
                   <a:clrFrom>
                     <a:srgbClr val="FFFFFF"/>
@@ -6431,7 +6280,7 @@
         </p:nvSpPr>
         <p:spPr>
           <a:xfrm>
-            <a:off x="15271519" y="6986452"/>
+            <a:off x="15271519" y="6639111"/>
             <a:ext cx="4103086" cy="400110"/>
           </a:xfrm>
           <a:prstGeom prst="rect">
@@ -6453,6 +6302,2613 @@
           </a:p>
         </p:txBody>
       </p:sp>
+      <p:sp>
+        <p:nvSpPr>
+          <p:cNvPr id="13" name="CuadroTexto 12">
+            <a:extLst>
+              <a:ext uri="{FF2B5EF4-FFF2-40B4-BE49-F238E27FC236}">
+                <a16:creationId xmlns:a16="http://schemas.microsoft.com/office/drawing/2014/main" id="{A745C169-EBA8-78E0-D575-BCA7121F3D9A}"/>
+              </a:ext>
+            </a:extLst>
+          </p:cNvPr>
+          <p:cNvSpPr txBox="1"/>
+          <p:nvPr/>
+        </p:nvSpPr>
+        <p:spPr>
+          <a:xfrm>
+            <a:off x="17699589" y="10398920"/>
+            <a:ext cx="2420348" cy="400110"/>
+          </a:xfrm>
+          <a:prstGeom prst="rect">
+            <a:avLst/>
+          </a:prstGeom>
+          <a:noFill/>
+        </p:spPr>
+        <p:txBody>
+          <a:bodyPr wrap="square" rtlCol="0">
+            <a:spAutoFit/>
+          </a:bodyPr>
+          <a:lstStyle/>
+          <a:p>
+            <a:pPr algn="just"/>
+            <a:r>
+              <a:rPr lang="es-ES" sz="2000" b="1" dirty="0">
+                <a:solidFill>
+                  <a:schemeClr val="accent2"/>
+                </a:solidFill>
+              </a:rPr>
+              <a:t>Se determinó:</a:t>
+            </a:r>
+          </a:p>
+        </p:txBody>
+      </p:sp>
+      <p:pic>
+        <p:nvPicPr>
+          <p:cNvPr id="1026" name="Picture 2">
+            <a:extLst>
+              <a:ext uri="{FF2B5EF4-FFF2-40B4-BE49-F238E27FC236}">
+                <a16:creationId xmlns:a16="http://schemas.microsoft.com/office/drawing/2014/main" id="{AE871915-4978-DA26-0923-A820A073680B}"/>
+              </a:ext>
+            </a:extLst>
+          </p:cNvPr>
+          <p:cNvPicPr>
+            <a:picLocks noChangeAspect="1" noChangeArrowheads="1"/>
+          </p:cNvPicPr>
+          <p:nvPr/>
+        </p:nvPicPr>
+        <p:blipFill>
+          <a:blip r:embed="rId8">
+            <a:extLst>
+              <a:ext uri="{28A0092B-C50C-407E-A947-70E740481C1C}">
+                <a14:useLocalDpi xmlns:a14="http://schemas.microsoft.com/office/drawing/2010/main" val="0"/>
+              </a:ext>
+            </a:extLst>
+          </a:blip>
+          <a:srcRect/>
+          <a:stretch>
+            <a:fillRect/>
+          </a:stretch>
+        </p:blipFill>
+        <p:spPr bwMode="auto">
+          <a:xfrm>
+            <a:off x="16289733" y="2147867"/>
+            <a:ext cx="1750946" cy="1750946"/>
+          </a:xfrm>
+          <a:prstGeom prst="rect">
+            <a:avLst/>
+          </a:prstGeom>
+          <a:noFill/>
+          <a:extLst>
+            <a:ext uri="{909E8E84-426E-40DD-AFC4-6F175D3DCCD1}">
+              <a14:hiddenFill xmlns:a14="http://schemas.microsoft.com/office/drawing/2010/main">
+                <a:solidFill>
+                  <a:srgbClr val="FFFFFF"/>
+                </a:solidFill>
+              </a14:hiddenFill>
+            </a:ext>
+          </a:extLst>
+        </p:spPr>
+      </p:pic>
+      <p:pic>
+        <p:nvPicPr>
+          <p:cNvPr id="1028" name="Picture 4">
+            <a:extLst>
+              <a:ext uri="{FF2B5EF4-FFF2-40B4-BE49-F238E27FC236}">
+                <a16:creationId xmlns:a16="http://schemas.microsoft.com/office/drawing/2014/main" id="{F4CC1C2B-D7AC-B7E0-3953-0DC2523702B9}"/>
+              </a:ext>
+            </a:extLst>
+          </p:cNvPr>
+          <p:cNvPicPr>
+            <a:picLocks noChangeAspect="1" noChangeArrowheads="1"/>
+          </p:cNvPicPr>
+          <p:nvPr/>
+        </p:nvPicPr>
+        <p:blipFill>
+          <a:blip r:embed="rId9">
+            <a:extLst>
+              <a:ext uri="{28A0092B-C50C-407E-A947-70E740481C1C}">
+                <a14:useLocalDpi xmlns:a14="http://schemas.microsoft.com/office/drawing/2010/main" val="0"/>
+              </a:ext>
+            </a:extLst>
+          </a:blip>
+          <a:srcRect/>
+          <a:stretch>
+            <a:fillRect/>
+          </a:stretch>
+        </p:blipFill>
+        <p:spPr bwMode="auto">
+          <a:xfrm>
+            <a:off x="228095" y="29101714"/>
+            <a:ext cx="2775255" cy="925085"/>
+          </a:xfrm>
+          <a:prstGeom prst="rect">
+            <a:avLst/>
+          </a:prstGeom>
+          <a:noFill/>
+          <a:extLst>
+            <a:ext uri="{909E8E84-426E-40DD-AFC4-6F175D3DCCD1}">
+              <a14:hiddenFill xmlns:a14="http://schemas.microsoft.com/office/drawing/2010/main">
+                <a:solidFill>
+                  <a:srgbClr val="FFFFFF"/>
+                </a:solidFill>
+              </a14:hiddenFill>
+            </a:ext>
+          </a:extLst>
+        </p:spPr>
+      </p:pic>
+      <p:sp>
+        <p:nvSpPr>
+          <p:cNvPr id="85" name="Rectángulo: esquinas redondeadas 84">
+            <a:extLst>
+              <a:ext uri="{FF2B5EF4-FFF2-40B4-BE49-F238E27FC236}">
+                <a16:creationId xmlns:a16="http://schemas.microsoft.com/office/drawing/2014/main" id="{EB979685-55B2-5596-7DA8-DFF2F11B4628}"/>
+              </a:ext>
+            </a:extLst>
+          </p:cNvPr>
+          <p:cNvSpPr/>
+          <p:nvPr/>
+        </p:nvSpPr>
+        <p:spPr>
+          <a:xfrm>
+            <a:off x="623443" y="25391498"/>
+            <a:ext cx="19970645" cy="3242043"/>
+          </a:xfrm>
+          <a:prstGeom prst="roundRect">
+            <a:avLst>
+              <a:gd name="adj" fmla="val 10135"/>
+            </a:avLst>
+          </a:prstGeom>
+          <a:gradFill flip="none" rotWithShape="1">
+            <a:gsLst>
+              <a:gs pos="0">
+                <a:schemeClr val="bg1">
+                  <a:lumMod val="95000"/>
+                  <a:shade val="30000"/>
+                  <a:satMod val="115000"/>
+                </a:schemeClr>
+              </a:gs>
+              <a:gs pos="0">
+                <a:schemeClr val="bg1">
+                  <a:lumMod val="95000"/>
+                  <a:shade val="67500"/>
+                  <a:satMod val="115000"/>
+                  <a:alpha val="80000"/>
+                </a:schemeClr>
+              </a:gs>
+              <a:gs pos="47000">
+                <a:schemeClr val="bg1">
+                  <a:lumMod val="95000"/>
+                  <a:shade val="100000"/>
+                  <a:satMod val="115000"/>
+                </a:schemeClr>
+              </a:gs>
+            </a:gsLst>
+            <a:lin ang="13500000" scaled="1"/>
+            <a:tileRect/>
+          </a:gradFill>
+          <a:ln>
+            <a:noFill/>
+          </a:ln>
+        </p:spPr>
+        <p:style>
+          <a:lnRef idx="2">
+            <a:schemeClr val="accent1">
+              <a:shade val="50000"/>
+            </a:schemeClr>
+          </a:lnRef>
+          <a:fillRef idx="1">
+            <a:schemeClr val="accent1"/>
+          </a:fillRef>
+          <a:effectRef idx="0">
+            <a:schemeClr val="accent1"/>
+          </a:effectRef>
+          <a:fontRef idx="minor">
+            <a:schemeClr val="lt1"/>
+          </a:fontRef>
+        </p:style>
+        <p:txBody>
+          <a:bodyPr rtlCol="0" anchor="ctr"/>
+          <a:lstStyle/>
+          <a:p>
+            <a:pPr algn="ctr"/>
+            <a:endParaRPr lang="es-ES" dirty="0"/>
+          </a:p>
+        </p:txBody>
+      </p:sp>
+      <p:sp>
+        <p:nvSpPr>
+          <p:cNvPr id="51" name="CuadroTexto 50">
+            <a:extLst>
+              <a:ext uri="{FF2B5EF4-FFF2-40B4-BE49-F238E27FC236}">
+                <a16:creationId xmlns:a16="http://schemas.microsoft.com/office/drawing/2014/main" id="{54921F78-6E2D-577A-F695-77AC96E3CBFD}"/>
+              </a:ext>
+            </a:extLst>
+          </p:cNvPr>
+          <p:cNvSpPr txBox="1"/>
+          <p:nvPr/>
+        </p:nvSpPr>
+        <p:spPr>
+          <a:xfrm>
+            <a:off x="6973411" y="23173670"/>
+            <a:ext cx="12125984" cy="1464231"/>
+          </a:xfrm>
+          <a:prstGeom prst="roundRect">
+            <a:avLst>
+              <a:gd name="adj" fmla="val 50000"/>
+            </a:avLst>
+          </a:prstGeom>
+          <a:noFill/>
+        </p:spPr>
+        <p:txBody>
+          <a:bodyPr wrap="square" rtlCol="0">
+            <a:spAutoFit/>
+          </a:bodyPr>
+          <a:lstStyle/>
+          <a:p>
+            <a:r>
+              <a:rPr lang="es-ES" sz="2000" b="1" dirty="0">
+                <a:solidFill>
+                  <a:schemeClr val="accent3"/>
+                </a:solidFill>
+              </a:rPr>
+              <a:t>SOD</a:t>
+            </a:r>
+            <a:r>
+              <a:rPr lang="es-ES" sz="2000" dirty="0"/>
+              <a:t>, </a:t>
+            </a:r>
+            <a:r>
+              <a:rPr lang="es-ES" sz="2000" b="1" dirty="0">
+                <a:solidFill>
+                  <a:schemeClr val="accent3"/>
+                </a:solidFill>
+              </a:rPr>
+              <a:t>MDA</a:t>
+            </a:r>
+            <a:r>
+              <a:rPr lang="es-ES" sz="2000" dirty="0"/>
+              <a:t> y </a:t>
+            </a:r>
+            <a:r>
+              <a:rPr lang="es-ES" sz="2000" b="1" dirty="0">
+                <a:solidFill>
+                  <a:schemeClr val="accent3"/>
+                </a:solidFill>
+              </a:rPr>
+              <a:t>TEAC</a:t>
+            </a:r>
+            <a:r>
+              <a:rPr lang="es-ES" sz="2000" dirty="0"/>
+              <a:t>  no presentan diferencias entre distintos modos de reproducción</a:t>
+            </a:r>
+          </a:p>
+          <a:p>
+            <a:endParaRPr lang="es-ES" sz="2000" dirty="0"/>
+          </a:p>
+          <a:p>
+            <a:r>
+              <a:rPr lang="es-ES" sz="2000" dirty="0"/>
+              <a:t>Actividad CAT es mayor en individuos seccionados, pero desciende bruscamente cuando estos individuos maduran sexualmente</a:t>
+            </a:r>
+          </a:p>
+        </p:txBody>
+      </p:sp>
+      <p:grpSp>
+        <p:nvGrpSpPr>
+          <p:cNvPr id="112" name="Grupo 111">
+            <a:extLst>
+              <a:ext uri="{FF2B5EF4-FFF2-40B4-BE49-F238E27FC236}">
+                <a16:creationId xmlns:a16="http://schemas.microsoft.com/office/drawing/2014/main" id="{F5AA2F6E-4097-1FC9-2392-F22E1D678985}"/>
+              </a:ext>
+            </a:extLst>
+          </p:cNvPr>
+          <p:cNvGrpSpPr/>
+          <p:nvPr/>
+        </p:nvGrpSpPr>
+        <p:grpSpPr>
+          <a:xfrm>
+            <a:off x="1039438" y="23215097"/>
+            <a:ext cx="5274832" cy="1398241"/>
+            <a:chOff x="716382" y="15266714"/>
+            <a:chExt cx="5274832" cy="1398241"/>
+          </a:xfrm>
+        </p:grpSpPr>
+        <p:sp>
+          <p:nvSpPr>
+            <p:cNvPr id="87" name="Triángulo isósceles 86">
+              <a:extLst>
+                <a:ext uri="{FF2B5EF4-FFF2-40B4-BE49-F238E27FC236}">
+                  <a16:creationId xmlns:a16="http://schemas.microsoft.com/office/drawing/2014/main" id="{CC702A3B-4109-0367-E1EA-EC89F65D8949}"/>
+                </a:ext>
+              </a:extLst>
+            </p:cNvPr>
+            <p:cNvSpPr/>
+            <p:nvPr/>
+          </p:nvSpPr>
+          <p:spPr>
+            <a:xfrm>
+              <a:off x="3809510" y="16295772"/>
+              <a:ext cx="393898" cy="339568"/>
+            </a:xfrm>
+            <a:prstGeom prst="triangle">
+              <a:avLst/>
+            </a:prstGeom>
+            <a:solidFill>
+              <a:schemeClr val="accent5"/>
+            </a:solidFill>
+            <a:ln>
+              <a:noFill/>
+            </a:ln>
+          </p:spPr>
+          <p:style>
+            <a:lnRef idx="2">
+              <a:schemeClr val="accent1">
+                <a:shade val="15000"/>
+              </a:schemeClr>
+            </a:lnRef>
+            <a:fillRef idx="1">
+              <a:schemeClr val="accent1"/>
+            </a:fillRef>
+            <a:effectRef idx="0">
+              <a:schemeClr val="accent1"/>
+            </a:effectRef>
+            <a:fontRef idx="minor">
+              <a:schemeClr val="lt1"/>
+            </a:fontRef>
+          </p:style>
+          <p:txBody>
+            <a:bodyPr rtlCol="0" anchor="ctr"/>
+            <a:lstStyle/>
+            <a:p>
+              <a:pPr algn="ctr"/>
+              <a:endParaRPr lang="es-ES"/>
+            </a:p>
+          </p:txBody>
+        </p:sp>
+        <p:sp>
+          <p:nvSpPr>
+            <p:cNvPr id="89" name="Triángulo isósceles 88">
+              <a:extLst>
+                <a:ext uri="{FF2B5EF4-FFF2-40B4-BE49-F238E27FC236}">
+                  <a16:creationId xmlns:a16="http://schemas.microsoft.com/office/drawing/2014/main" id="{87E3BBE1-EB93-19CE-9E28-45E44CBA22C4}"/>
+                </a:ext>
+              </a:extLst>
+            </p:cNvPr>
+            <p:cNvSpPr/>
+            <p:nvPr/>
+          </p:nvSpPr>
+          <p:spPr>
+            <a:xfrm>
+              <a:off x="2538870" y="16297310"/>
+              <a:ext cx="393898" cy="339568"/>
+            </a:xfrm>
+            <a:prstGeom prst="triangle">
+              <a:avLst/>
+            </a:prstGeom>
+            <a:solidFill>
+              <a:schemeClr val="accent3"/>
+            </a:solidFill>
+            <a:ln>
+              <a:noFill/>
+            </a:ln>
+          </p:spPr>
+          <p:style>
+            <a:lnRef idx="2">
+              <a:schemeClr val="accent1">
+                <a:shade val="15000"/>
+              </a:schemeClr>
+            </a:lnRef>
+            <a:fillRef idx="1">
+              <a:schemeClr val="accent1"/>
+            </a:fillRef>
+            <a:effectRef idx="0">
+              <a:schemeClr val="accent1"/>
+            </a:effectRef>
+            <a:fontRef idx="minor">
+              <a:schemeClr val="lt1"/>
+            </a:fontRef>
+          </p:style>
+          <p:txBody>
+            <a:bodyPr rtlCol="0" anchor="ctr"/>
+            <a:lstStyle/>
+            <a:p>
+              <a:pPr algn="ctr"/>
+              <a:endParaRPr lang="es-ES"/>
+            </a:p>
+          </p:txBody>
+        </p:sp>
+        <p:sp>
+          <p:nvSpPr>
+            <p:cNvPr id="92" name="Triángulo isósceles 91">
+              <a:extLst>
+                <a:ext uri="{FF2B5EF4-FFF2-40B4-BE49-F238E27FC236}">
+                  <a16:creationId xmlns:a16="http://schemas.microsoft.com/office/drawing/2014/main" id="{74CD295F-0B07-3071-5D31-E43338B98CEE}"/>
+                </a:ext>
+              </a:extLst>
+            </p:cNvPr>
+            <p:cNvSpPr/>
+            <p:nvPr/>
+          </p:nvSpPr>
+          <p:spPr>
+            <a:xfrm>
+              <a:off x="1268230" y="16293552"/>
+              <a:ext cx="393898" cy="339568"/>
+            </a:xfrm>
+            <a:prstGeom prst="triangle">
+              <a:avLst/>
+            </a:prstGeom>
+            <a:solidFill>
+              <a:schemeClr val="accent2"/>
+            </a:solidFill>
+            <a:ln>
+              <a:noFill/>
+            </a:ln>
+          </p:spPr>
+          <p:style>
+            <a:lnRef idx="2">
+              <a:schemeClr val="accent1">
+                <a:shade val="15000"/>
+              </a:schemeClr>
+            </a:lnRef>
+            <a:fillRef idx="1">
+              <a:schemeClr val="accent1"/>
+            </a:fillRef>
+            <a:effectRef idx="0">
+              <a:schemeClr val="accent1"/>
+            </a:effectRef>
+            <a:fontRef idx="minor">
+              <a:schemeClr val="lt1"/>
+            </a:fontRef>
+          </p:style>
+          <p:txBody>
+            <a:bodyPr rtlCol="0" anchor="ctr"/>
+            <a:lstStyle/>
+            <a:p>
+              <a:pPr algn="ctr"/>
+              <a:endParaRPr lang="es-ES"/>
+            </a:p>
+          </p:txBody>
+        </p:sp>
+        <p:sp>
+          <p:nvSpPr>
+            <p:cNvPr id="94" name="Elipse 93">
+              <a:extLst>
+                <a:ext uri="{FF2B5EF4-FFF2-40B4-BE49-F238E27FC236}">
+                  <a16:creationId xmlns:a16="http://schemas.microsoft.com/office/drawing/2014/main" id="{0865919C-6A58-9961-1039-6B6542E417C6}"/>
+                </a:ext>
+              </a:extLst>
+            </p:cNvPr>
+            <p:cNvSpPr/>
+            <p:nvPr/>
+          </p:nvSpPr>
+          <p:spPr>
+            <a:xfrm>
+              <a:off x="3836029" y="15785255"/>
+              <a:ext cx="339568" cy="339568"/>
+            </a:xfrm>
+            <a:prstGeom prst="ellipse">
+              <a:avLst/>
+            </a:prstGeom>
+            <a:solidFill>
+              <a:schemeClr val="accent5"/>
+            </a:solidFill>
+            <a:ln>
+              <a:noFill/>
+            </a:ln>
+          </p:spPr>
+          <p:style>
+            <a:lnRef idx="2">
+              <a:schemeClr val="accent1">
+                <a:shade val="15000"/>
+              </a:schemeClr>
+            </a:lnRef>
+            <a:fillRef idx="1">
+              <a:schemeClr val="accent1"/>
+            </a:fillRef>
+            <a:effectRef idx="0">
+              <a:schemeClr val="accent1"/>
+            </a:effectRef>
+            <a:fontRef idx="minor">
+              <a:schemeClr val="lt1"/>
+            </a:fontRef>
+          </p:style>
+          <p:txBody>
+            <a:bodyPr rtlCol="0" anchor="ctr"/>
+            <a:lstStyle/>
+            <a:p>
+              <a:pPr algn="ctr"/>
+              <a:endParaRPr lang="es-ES"/>
+            </a:p>
+          </p:txBody>
+        </p:sp>
+        <p:sp>
+          <p:nvSpPr>
+            <p:cNvPr id="95" name="Elipse 94">
+              <a:extLst>
+                <a:ext uri="{FF2B5EF4-FFF2-40B4-BE49-F238E27FC236}">
+                  <a16:creationId xmlns:a16="http://schemas.microsoft.com/office/drawing/2014/main" id="{1D9C78D5-14AB-8E34-F4FC-FE2CC84AE94B}"/>
+                </a:ext>
+              </a:extLst>
+            </p:cNvPr>
+            <p:cNvSpPr/>
+            <p:nvPr/>
+          </p:nvSpPr>
+          <p:spPr>
+            <a:xfrm>
+              <a:off x="2566035" y="15785255"/>
+              <a:ext cx="339568" cy="339568"/>
+            </a:xfrm>
+            <a:prstGeom prst="ellipse">
+              <a:avLst/>
+            </a:prstGeom>
+            <a:solidFill>
+              <a:schemeClr val="accent3"/>
+            </a:solidFill>
+            <a:ln>
+              <a:noFill/>
+            </a:ln>
+          </p:spPr>
+          <p:style>
+            <a:lnRef idx="2">
+              <a:schemeClr val="accent1">
+                <a:shade val="15000"/>
+              </a:schemeClr>
+            </a:lnRef>
+            <a:fillRef idx="1">
+              <a:schemeClr val="accent1"/>
+            </a:fillRef>
+            <a:effectRef idx="0">
+              <a:schemeClr val="accent1"/>
+            </a:effectRef>
+            <a:fontRef idx="minor">
+              <a:schemeClr val="lt1"/>
+            </a:fontRef>
+          </p:style>
+          <p:txBody>
+            <a:bodyPr rtlCol="0" anchor="ctr"/>
+            <a:lstStyle/>
+            <a:p>
+              <a:pPr algn="ctr"/>
+              <a:endParaRPr lang="es-ES"/>
+            </a:p>
+          </p:txBody>
+        </p:sp>
+        <p:sp>
+          <p:nvSpPr>
+            <p:cNvPr id="96" name="Elipse 95">
+              <a:extLst>
+                <a:ext uri="{FF2B5EF4-FFF2-40B4-BE49-F238E27FC236}">
+                  <a16:creationId xmlns:a16="http://schemas.microsoft.com/office/drawing/2014/main" id="{7D44FD94-2C8A-BEE0-1AED-58D80B5A953D}"/>
+                </a:ext>
+              </a:extLst>
+            </p:cNvPr>
+            <p:cNvSpPr/>
+            <p:nvPr/>
+          </p:nvSpPr>
+          <p:spPr>
+            <a:xfrm>
+              <a:off x="1296794" y="15785255"/>
+              <a:ext cx="339568" cy="339568"/>
+            </a:xfrm>
+            <a:prstGeom prst="ellipse">
+              <a:avLst/>
+            </a:prstGeom>
+            <a:solidFill>
+              <a:schemeClr val="accent2"/>
+            </a:solidFill>
+            <a:ln>
+              <a:noFill/>
+            </a:ln>
+          </p:spPr>
+          <p:style>
+            <a:lnRef idx="2">
+              <a:schemeClr val="accent1">
+                <a:shade val="15000"/>
+              </a:schemeClr>
+            </a:lnRef>
+            <a:fillRef idx="1">
+              <a:schemeClr val="accent1"/>
+            </a:fillRef>
+            <a:effectRef idx="0">
+              <a:schemeClr val="accent1"/>
+            </a:effectRef>
+            <a:fontRef idx="minor">
+              <a:schemeClr val="lt1"/>
+            </a:fontRef>
+          </p:style>
+          <p:txBody>
+            <a:bodyPr rtlCol="0" anchor="ctr"/>
+            <a:lstStyle/>
+            <a:p>
+              <a:pPr algn="ctr"/>
+              <a:endParaRPr lang="es-ES"/>
+            </a:p>
+          </p:txBody>
+        </p:sp>
+        <p:sp>
+          <p:nvSpPr>
+            <p:cNvPr id="97" name="CuadroTexto 96">
+              <a:extLst>
+                <a:ext uri="{FF2B5EF4-FFF2-40B4-BE49-F238E27FC236}">
+                  <a16:creationId xmlns:a16="http://schemas.microsoft.com/office/drawing/2014/main" id="{C9406F88-48D2-14CA-9201-E7F6AD72D119}"/>
+                </a:ext>
+              </a:extLst>
+            </p:cNvPr>
+            <p:cNvSpPr txBox="1"/>
+            <p:nvPr/>
+          </p:nvSpPr>
+          <p:spPr>
+            <a:xfrm>
+              <a:off x="716382" y="15269966"/>
+              <a:ext cx="1500393" cy="400110"/>
+            </a:xfrm>
+            <a:prstGeom prst="rect">
+              <a:avLst/>
+            </a:prstGeom>
+            <a:noFill/>
+          </p:spPr>
+          <p:txBody>
+            <a:bodyPr wrap="square" rtlCol="0">
+              <a:spAutoFit/>
+            </a:bodyPr>
+            <a:lstStyle/>
+            <a:p>
+              <a:pPr algn="ctr"/>
+              <a:r>
+                <a:rPr lang="es-ES" sz="2000" b="1" dirty="0">
+                  <a:solidFill>
+                    <a:schemeClr val="accent2"/>
+                  </a:solidFill>
+                </a:rPr>
+                <a:t>Calahonda</a:t>
+              </a:r>
+              <a:endParaRPr lang="es-ES" sz="2000" b="1" dirty="0">
+                <a:solidFill>
+                  <a:schemeClr val="accent6"/>
+                </a:solidFill>
+              </a:endParaRPr>
+            </a:p>
+          </p:txBody>
+        </p:sp>
+        <p:sp>
+          <p:nvSpPr>
+            <p:cNvPr id="98" name="CuadroTexto 97">
+              <a:extLst>
+                <a:ext uri="{FF2B5EF4-FFF2-40B4-BE49-F238E27FC236}">
+                  <a16:creationId xmlns:a16="http://schemas.microsoft.com/office/drawing/2014/main" id="{F606B789-A647-7786-9F9E-8621FD79DDE4}"/>
+                </a:ext>
+              </a:extLst>
+            </p:cNvPr>
+            <p:cNvSpPr txBox="1"/>
+            <p:nvPr/>
+          </p:nvSpPr>
+          <p:spPr>
+            <a:xfrm>
+              <a:off x="2056054" y="15266714"/>
+              <a:ext cx="1359530" cy="400110"/>
+            </a:xfrm>
+            <a:prstGeom prst="rect">
+              <a:avLst/>
+            </a:prstGeom>
+            <a:noFill/>
+          </p:spPr>
+          <p:txBody>
+            <a:bodyPr wrap="square" rtlCol="0">
+              <a:spAutoFit/>
+            </a:bodyPr>
+            <a:lstStyle/>
+            <a:p>
+              <a:pPr algn="ctr"/>
+              <a:r>
+                <a:rPr lang="es-ES" sz="2000" b="1" dirty="0">
+                  <a:solidFill>
+                    <a:schemeClr val="accent3"/>
+                  </a:solidFill>
+                </a:rPr>
+                <a:t>Almuñécar</a:t>
+              </a:r>
+              <a:endParaRPr lang="es-ES" sz="2000" b="1" dirty="0">
+                <a:solidFill>
+                  <a:schemeClr val="accent6"/>
+                </a:solidFill>
+              </a:endParaRPr>
+            </a:p>
+          </p:txBody>
+        </p:sp>
+        <p:sp>
+          <p:nvSpPr>
+            <p:cNvPr id="99" name="CuadroTexto 98">
+              <a:extLst>
+                <a:ext uri="{FF2B5EF4-FFF2-40B4-BE49-F238E27FC236}">
+                  <a16:creationId xmlns:a16="http://schemas.microsoft.com/office/drawing/2014/main" id="{B0C61CA2-1E66-7802-0D6A-746D7E0A7716}"/>
+                </a:ext>
+              </a:extLst>
+            </p:cNvPr>
+            <p:cNvSpPr txBox="1"/>
+            <p:nvPr/>
+          </p:nvSpPr>
+          <p:spPr>
+            <a:xfrm>
+              <a:off x="3376219" y="15274761"/>
+              <a:ext cx="1304409" cy="400110"/>
+            </a:xfrm>
+            <a:prstGeom prst="rect">
+              <a:avLst/>
+            </a:prstGeom>
+            <a:noFill/>
+          </p:spPr>
+          <p:txBody>
+            <a:bodyPr wrap="square" rtlCol="0">
+              <a:spAutoFit/>
+            </a:bodyPr>
+            <a:lstStyle/>
+            <a:p>
+              <a:pPr algn="ctr"/>
+              <a:r>
+                <a:rPr lang="es-ES" sz="2000" b="1" dirty="0">
+                  <a:solidFill>
+                    <a:schemeClr val="accent6"/>
+                  </a:solidFill>
+                </a:rPr>
+                <a:t>Salobreña</a:t>
+              </a:r>
+            </a:p>
+          </p:txBody>
+        </p:sp>
+        <p:sp>
+          <p:nvSpPr>
+            <p:cNvPr id="110" name="CuadroTexto 109">
+              <a:extLst>
+                <a:ext uri="{FF2B5EF4-FFF2-40B4-BE49-F238E27FC236}">
+                  <a16:creationId xmlns:a16="http://schemas.microsoft.com/office/drawing/2014/main" id="{27B46ACA-2371-0DC9-3D23-6768CD486B8E}"/>
+                </a:ext>
+              </a:extLst>
+            </p:cNvPr>
+            <p:cNvSpPr txBox="1"/>
+            <p:nvPr/>
+          </p:nvSpPr>
+          <p:spPr>
+            <a:xfrm>
+              <a:off x="4531842" y="15749075"/>
+              <a:ext cx="1359530" cy="400110"/>
+            </a:xfrm>
+            <a:prstGeom prst="rect">
+              <a:avLst/>
+            </a:prstGeom>
+            <a:noFill/>
+          </p:spPr>
+          <p:txBody>
+            <a:bodyPr wrap="square" rtlCol="0">
+              <a:spAutoFit/>
+            </a:bodyPr>
+            <a:lstStyle/>
+            <a:p>
+              <a:pPr algn="ctr"/>
+              <a:r>
+                <a:rPr lang="es-ES" sz="2000" b="1" u="sng" dirty="0">
+                  <a:solidFill>
+                    <a:schemeClr val="tx2"/>
+                  </a:solidFill>
+                </a:rPr>
+                <a:t>Control</a:t>
+              </a:r>
+            </a:p>
+          </p:txBody>
+        </p:sp>
+        <p:sp>
+          <p:nvSpPr>
+            <p:cNvPr id="111" name="CuadroTexto 110">
+              <a:extLst>
+                <a:ext uri="{FF2B5EF4-FFF2-40B4-BE49-F238E27FC236}">
+                  <a16:creationId xmlns:a16="http://schemas.microsoft.com/office/drawing/2014/main" id="{1B019A90-C353-0A19-B0D8-AC0E0F5F6C64}"/>
+                </a:ext>
+              </a:extLst>
+            </p:cNvPr>
+            <p:cNvSpPr txBox="1"/>
+            <p:nvPr/>
+          </p:nvSpPr>
+          <p:spPr>
+            <a:xfrm>
+              <a:off x="4432001" y="16264845"/>
+              <a:ext cx="1559213" cy="400110"/>
+            </a:xfrm>
+            <a:prstGeom prst="rect">
+              <a:avLst/>
+            </a:prstGeom>
+            <a:noFill/>
+          </p:spPr>
+          <p:txBody>
+            <a:bodyPr wrap="square" rtlCol="0">
+              <a:spAutoFit/>
+            </a:bodyPr>
+            <a:lstStyle/>
+            <a:p>
+              <a:pPr algn="ctr"/>
+              <a:r>
+                <a:rPr lang="es-ES" sz="2000" b="1" u="dashLongHeavy" dirty="0">
+                  <a:solidFill>
+                    <a:schemeClr val="tx2"/>
+                  </a:solidFill>
+                </a:rPr>
+                <a:t>Seccionado</a:t>
+              </a:r>
+            </a:p>
+          </p:txBody>
+        </p:sp>
+      </p:grpSp>
+      <p:grpSp>
+        <p:nvGrpSpPr>
+          <p:cNvPr id="1056" name="Grupo 1055">
+            <a:extLst>
+              <a:ext uri="{FF2B5EF4-FFF2-40B4-BE49-F238E27FC236}">
+                <a16:creationId xmlns:a16="http://schemas.microsoft.com/office/drawing/2014/main" id="{6BC2330B-B0A7-AE11-64FE-7804992717BA}"/>
+              </a:ext>
+            </a:extLst>
+          </p:cNvPr>
+          <p:cNvGrpSpPr/>
+          <p:nvPr/>
+        </p:nvGrpSpPr>
+        <p:grpSpPr>
+          <a:xfrm>
+            <a:off x="1750127" y="15124507"/>
+            <a:ext cx="8572789" cy="3685098"/>
+            <a:chOff x="1750127" y="16583317"/>
+            <a:chExt cx="8572789" cy="3685098"/>
+          </a:xfrm>
+        </p:grpSpPr>
+        <p:pic>
+          <p:nvPicPr>
+            <p:cNvPr id="58" name="Imagen 57">
+              <a:extLst>
+                <a:ext uri="{FF2B5EF4-FFF2-40B4-BE49-F238E27FC236}">
+                  <a16:creationId xmlns:a16="http://schemas.microsoft.com/office/drawing/2014/main" id="{C997C87E-BC84-F3DC-A85A-D21FFD3449EE}"/>
+                </a:ext>
+              </a:extLst>
+            </p:cNvPr>
+            <p:cNvPicPr>
+              <a:picLocks noChangeAspect="1"/>
+            </p:cNvPicPr>
+            <p:nvPr/>
+          </p:nvPicPr>
+          <p:blipFill rotWithShape="1">
+            <a:blip r:embed="rId10">
+              <a:extLst>
+                <a:ext uri="{28A0092B-C50C-407E-A947-70E740481C1C}">
+                  <a14:useLocalDpi xmlns:a14="http://schemas.microsoft.com/office/drawing/2010/main" val="0"/>
+                </a:ext>
+              </a:extLst>
+            </a:blip>
+            <a:srcRect b="19401"/>
+            <a:stretch/>
+          </p:blipFill>
+          <p:spPr>
+            <a:xfrm>
+              <a:off x="1750127" y="16583317"/>
+              <a:ext cx="8572789" cy="3685098"/>
+            </a:xfrm>
+            <a:prstGeom prst="roundRect">
+              <a:avLst>
+                <a:gd name="adj" fmla="val 10332"/>
+              </a:avLst>
+            </a:prstGeom>
+          </p:spPr>
+        </p:pic>
+        <p:grpSp>
+          <p:nvGrpSpPr>
+            <p:cNvPr id="123" name="Grupo 122">
+              <a:extLst>
+                <a:ext uri="{FF2B5EF4-FFF2-40B4-BE49-F238E27FC236}">
+                  <a16:creationId xmlns:a16="http://schemas.microsoft.com/office/drawing/2014/main" id="{6DE16A5D-0779-9094-E2DF-5F6E0FE5815B}"/>
+                </a:ext>
+              </a:extLst>
+            </p:cNvPr>
+            <p:cNvGrpSpPr/>
+            <p:nvPr/>
+          </p:nvGrpSpPr>
+          <p:grpSpPr>
+            <a:xfrm>
+              <a:off x="2549109" y="19787806"/>
+              <a:ext cx="7367103" cy="443778"/>
+              <a:chOff x="2549109" y="19787806"/>
+              <a:chExt cx="7367103" cy="443778"/>
+            </a:xfrm>
+          </p:grpSpPr>
+          <p:grpSp>
+            <p:nvGrpSpPr>
+              <p:cNvPr id="115" name="Grupo 114">
+                <a:extLst>
+                  <a:ext uri="{FF2B5EF4-FFF2-40B4-BE49-F238E27FC236}">
+                    <a16:creationId xmlns:a16="http://schemas.microsoft.com/office/drawing/2014/main" id="{8FC3D533-85DA-DBCF-21D1-BE44A3A7A423}"/>
+                  </a:ext>
+                </a:extLst>
+              </p:cNvPr>
+              <p:cNvGrpSpPr/>
+              <p:nvPr/>
+            </p:nvGrpSpPr>
+            <p:grpSpPr>
+              <a:xfrm>
+                <a:off x="2549109" y="19787806"/>
+                <a:ext cx="1996949" cy="292211"/>
+                <a:chOff x="2549109" y="19787806"/>
+                <a:chExt cx="1996949" cy="292211"/>
+              </a:xfrm>
+            </p:grpSpPr>
+            <p:sp>
+              <p:nvSpPr>
+                <p:cNvPr id="113" name="CuadroTexto 112">
+                  <a:extLst>
+                    <a:ext uri="{FF2B5EF4-FFF2-40B4-BE49-F238E27FC236}">
+                      <a16:creationId xmlns:a16="http://schemas.microsoft.com/office/drawing/2014/main" id="{B914B6FB-D61C-ADCA-47F9-41AD791E5E9C}"/>
+                    </a:ext>
+                  </a:extLst>
+                </p:cNvPr>
+                <p:cNvSpPr txBox="1"/>
+                <p:nvPr/>
+              </p:nvSpPr>
+              <p:spPr>
+                <a:xfrm>
+                  <a:off x="2549109" y="19787806"/>
+                  <a:ext cx="874615" cy="289441"/>
+                </a:xfrm>
+                <a:prstGeom prst="roundRect">
+                  <a:avLst/>
+                </a:prstGeom>
+                <a:solidFill>
+                  <a:schemeClr val="bg1"/>
+                </a:solidFill>
+              </p:spPr>
+              <p:txBody>
+                <a:bodyPr wrap="square" rtlCol="0">
+                  <a:spAutoFit/>
+                </a:bodyPr>
+                <a:lstStyle/>
+                <a:p>
+                  <a:r>
+                    <a:rPr lang="es-ES" sz="1100" dirty="0"/>
+                    <a:t>Inmaduros</a:t>
+                  </a:r>
+                </a:p>
+              </p:txBody>
+            </p:sp>
+            <p:sp>
+              <p:nvSpPr>
+                <p:cNvPr id="114" name="CuadroTexto 113">
+                  <a:extLst>
+                    <a:ext uri="{FF2B5EF4-FFF2-40B4-BE49-F238E27FC236}">
+                      <a16:creationId xmlns:a16="http://schemas.microsoft.com/office/drawing/2014/main" id="{EB6B1A87-4D37-C60C-2A27-70D1C4845AE5}"/>
+                    </a:ext>
+                  </a:extLst>
+                </p:cNvPr>
+                <p:cNvSpPr txBox="1"/>
+                <p:nvPr/>
+              </p:nvSpPr>
+              <p:spPr>
+                <a:xfrm>
+                  <a:off x="3793167" y="19790576"/>
+                  <a:ext cx="752891" cy="289441"/>
+                </a:xfrm>
+                <a:prstGeom prst="roundRect">
+                  <a:avLst/>
+                </a:prstGeom>
+                <a:solidFill>
+                  <a:schemeClr val="bg1"/>
+                </a:solidFill>
+              </p:spPr>
+              <p:txBody>
+                <a:bodyPr wrap="square" rtlCol="0">
+                  <a:spAutoFit/>
+                </a:bodyPr>
+                <a:lstStyle/>
+                <a:p>
+                  <a:r>
+                    <a:rPr lang="es-ES" sz="1100" dirty="0"/>
+                    <a:t>Maduros</a:t>
+                  </a:r>
+                </a:p>
+              </p:txBody>
+            </p:sp>
+          </p:grpSp>
+          <p:grpSp>
+            <p:nvGrpSpPr>
+              <p:cNvPr id="119" name="Grupo 118">
+                <a:extLst>
+                  <a:ext uri="{FF2B5EF4-FFF2-40B4-BE49-F238E27FC236}">
+                    <a16:creationId xmlns:a16="http://schemas.microsoft.com/office/drawing/2014/main" id="{5DA06F80-A5ED-CF77-96C5-D0C6D940C3DD}"/>
+                  </a:ext>
+                </a:extLst>
+              </p:cNvPr>
+              <p:cNvGrpSpPr/>
+              <p:nvPr/>
+            </p:nvGrpSpPr>
+            <p:grpSpPr>
+              <a:xfrm>
+                <a:off x="7919263" y="19787806"/>
+                <a:ext cx="1996949" cy="292211"/>
+                <a:chOff x="2549109" y="19787806"/>
+                <a:chExt cx="1996949" cy="292211"/>
+              </a:xfrm>
+            </p:grpSpPr>
+            <p:sp>
+              <p:nvSpPr>
+                <p:cNvPr id="120" name="CuadroTexto 119">
+                  <a:extLst>
+                    <a:ext uri="{FF2B5EF4-FFF2-40B4-BE49-F238E27FC236}">
+                      <a16:creationId xmlns:a16="http://schemas.microsoft.com/office/drawing/2014/main" id="{9BA13572-2AFA-8660-5064-53726CD56CCA}"/>
+                    </a:ext>
+                  </a:extLst>
+                </p:cNvPr>
+                <p:cNvSpPr txBox="1"/>
+                <p:nvPr/>
+              </p:nvSpPr>
+              <p:spPr>
+                <a:xfrm>
+                  <a:off x="2549109" y="19787806"/>
+                  <a:ext cx="874615" cy="289441"/>
+                </a:xfrm>
+                <a:prstGeom prst="roundRect">
+                  <a:avLst/>
+                </a:prstGeom>
+                <a:solidFill>
+                  <a:schemeClr val="bg1"/>
+                </a:solidFill>
+              </p:spPr>
+              <p:txBody>
+                <a:bodyPr wrap="square" rtlCol="0">
+                  <a:spAutoFit/>
+                </a:bodyPr>
+                <a:lstStyle/>
+                <a:p>
+                  <a:r>
+                    <a:rPr lang="es-ES" sz="1100" dirty="0"/>
+                    <a:t>Inmaduros</a:t>
+                  </a:r>
+                </a:p>
+              </p:txBody>
+            </p:sp>
+            <p:sp>
+              <p:nvSpPr>
+                <p:cNvPr id="121" name="CuadroTexto 120">
+                  <a:extLst>
+                    <a:ext uri="{FF2B5EF4-FFF2-40B4-BE49-F238E27FC236}">
+                      <a16:creationId xmlns:a16="http://schemas.microsoft.com/office/drawing/2014/main" id="{3E410CD2-0C7C-8D63-F1FC-8A199E7AD531}"/>
+                    </a:ext>
+                  </a:extLst>
+                </p:cNvPr>
+                <p:cNvSpPr txBox="1"/>
+                <p:nvPr/>
+              </p:nvSpPr>
+              <p:spPr>
+                <a:xfrm>
+                  <a:off x="3793167" y="19790576"/>
+                  <a:ext cx="752891" cy="289441"/>
+                </a:xfrm>
+                <a:prstGeom prst="roundRect">
+                  <a:avLst/>
+                </a:prstGeom>
+                <a:solidFill>
+                  <a:schemeClr val="bg1"/>
+                </a:solidFill>
+              </p:spPr>
+              <p:txBody>
+                <a:bodyPr wrap="square" rtlCol="0">
+                  <a:spAutoFit/>
+                </a:bodyPr>
+                <a:lstStyle/>
+                <a:p>
+                  <a:r>
+                    <a:rPr lang="es-ES" sz="1100" dirty="0"/>
+                    <a:t>Maduros</a:t>
+                  </a:r>
+                </a:p>
+              </p:txBody>
+            </p:sp>
+          </p:grpSp>
+          <p:sp>
+            <p:nvSpPr>
+              <p:cNvPr id="122" name="Rectángulo 121">
+                <a:extLst>
+                  <a:ext uri="{FF2B5EF4-FFF2-40B4-BE49-F238E27FC236}">
+                    <a16:creationId xmlns:a16="http://schemas.microsoft.com/office/drawing/2014/main" id="{7E9BAFE2-5E17-5238-17B9-FB602B1AEDB8}"/>
+                  </a:ext>
+                </a:extLst>
+              </p:cNvPr>
+              <p:cNvSpPr/>
+              <p:nvPr/>
+            </p:nvSpPr>
+            <p:spPr>
+              <a:xfrm>
+                <a:off x="5715000" y="19876977"/>
+                <a:ext cx="1170204" cy="354607"/>
+              </a:xfrm>
+              <a:prstGeom prst="rect">
+                <a:avLst/>
+              </a:prstGeom>
+              <a:solidFill>
+                <a:schemeClr val="bg1"/>
+              </a:solidFill>
+              <a:ln>
+                <a:noFill/>
+              </a:ln>
+            </p:spPr>
+            <p:style>
+              <a:lnRef idx="2">
+                <a:schemeClr val="accent1">
+                  <a:shade val="15000"/>
+                </a:schemeClr>
+              </a:lnRef>
+              <a:fillRef idx="1">
+                <a:schemeClr val="accent1"/>
+              </a:fillRef>
+              <a:effectRef idx="0">
+                <a:schemeClr val="accent1"/>
+              </a:effectRef>
+              <a:fontRef idx="minor">
+                <a:schemeClr val="lt1"/>
+              </a:fontRef>
+            </p:style>
+            <p:txBody>
+              <a:bodyPr rtlCol="0" anchor="ctr"/>
+              <a:lstStyle/>
+              <a:p>
+                <a:pPr algn="ctr"/>
+                <a:endParaRPr lang="es-ES"/>
+              </a:p>
+            </p:txBody>
+          </p:sp>
+          <p:grpSp>
+            <p:nvGrpSpPr>
+              <p:cNvPr id="116" name="Grupo 115">
+                <a:extLst>
+                  <a:ext uri="{FF2B5EF4-FFF2-40B4-BE49-F238E27FC236}">
+                    <a16:creationId xmlns:a16="http://schemas.microsoft.com/office/drawing/2014/main" id="{C7D5BE89-FE48-C68F-6E09-F01EDB56690A}"/>
+                  </a:ext>
+                </a:extLst>
+              </p:cNvPr>
+              <p:cNvGrpSpPr/>
+              <p:nvPr/>
+            </p:nvGrpSpPr>
+            <p:grpSpPr>
+              <a:xfrm>
+                <a:off x="5211608" y="19787806"/>
+                <a:ext cx="1996949" cy="292211"/>
+                <a:chOff x="2549109" y="19787806"/>
+                <a:chExt cx="1996949" cy="292211"/>
+              </a:xfrm>
+            </p:grpSpPr>
+            <p:sp>
+              <p:nvSpPr>
+                <p:cNvPr id="117" name="CuadroTexto 116">
+                  <a:extLst>
+                    <a:ext uri="{FF2B5EF4-FFF2-40B4-BE49-F238E27FC236}">
+                      <a16:creationId xmlns:a16="http://schemas.microsoft.com/office/drawing/2014/main" id="{98896471-37BE-28BA-0299-44468053D2C6}"/>
+                    </a:ext>
+                  </a:extLst>
+                </p:cNvPr>
+                <p:cNvSpPr txBox="1"/>
+                <p:nvPr/>
+              </p:nvSpPr>
+              <p:spPr>
+                <a:xfrm>
+                  <a:off x="2549109" y="19787806"/>
+                  <a:ext cx="874615" cy="289441"/>
+                </a:xfrm>
+                <a:prstGeom prst="roundRect">
+                  <a:avLst/>
+                </a:prstGeom>
+                <a:solidFill>
+                  <a:schemeClr val="bg1"/>
+                </a:solidFill>
+              </p:spPr>
+              <p:txBody>
+                <a:bodyPr wrap="square" rtlCol="0">
+                  <a:spAutoFit/>
+                </a:bodyPr>
+                <a:lstStyle/>
+                <a:p>
+                  <a:r>
+                    <a:rPr lang="es-ES" sz="1100" dirty="0"/>
+                    <a:t>Inmaduros</a:t>
+                  </a:r>
+                </a:p>
+              </p:txBody>
+            </p:sp>
+            <p:sp>
+              <p:nvSpPr>
+                <p:cNvPr id="118" name="CuadroTexto 117">
+                  <a:extLst>
+                    <a:ext uri="{FF2B5EF4-FFF2-40B4-BE49-F238E27FC236}">
+                      <a16:creationId xmlns:a16="http://schemas.microsoft.com/office/drawing/2014/main" id="{3596A64A-ADFE-0DDD-D612-51F162C8CFF1}"/>
+                    </a:ext>
+                  </a:extLst>
+                </p:cNvPr>
+                <p:cNvSpPr txBox="1"/>
+                <p:nvPr/>
+              </p:nvSpPr>
+              <p:spPr>
+                <a:xfrm>
+                  <a:off x="3793167" y="19790576"/>
+                  <a:ext cx="752891" cy="289441"/>
+                </a:xfrm>
+                <a:prstGeom prst="roundRect">
+                  <a:avLst/>
+                </a:prstGeom>
+                <a:solidFill>
+                  <a:schemeClr val="bg1"/>
+                </a:solidFill>
+              </p:spPr>
+              <p:txBody>
+                <a:bodyPr wrap="square" rtlCol="0">
+                  <a:spAutoFit/>
+                </a:bodyPr>
+                <a:lstStyle/>
+                <a:p>
+                  <a:r>
+                    <a:rPr lang="es-ES" sz="1100" dirty="0"/>
+                    <a:t>Maduros</a:t>
+                  </a:r>
+                </a:p>
+              </p:txBody>
+            </p:sp>
+          </p:grpSp>
+        </p:grpSp>
+      </p:grpSp>
+      <p:grpSp>
+        <p:nvGrpSpPr>
+          <p:cNvPr id="1057" name="Grupo 1056">
+            <a:extLst>
+              <a:ext uri="{FF2B5EF4-FFF2-40B4-BE49-F238E27FC236}">
+                <a16:creationId xmlns:a16="http://schemas.microsoft.com/office/drawing/2014/main" id="{F4079B1F-AB7D-64D7-4C44-B5E80F59628B}"/>
+              </a:ext>
+            </a:extLst>
+          </p:cNvPr>
+          <p:cNvGrpSpPr/>
+          <p:nvPr/>
+        </p:nvGrpSpPr>
+        <p:grpSpPr>
+          <a:xfrm>
+            <a:off x="11060709" y="15134251"/>
+            <a:ext cx="8572789" cy="3645160"/>
+            <a:chOff x="11060709" y="16593061"/>
+            <a:chExt cx="8572789" cy="3645160"/>
+          </a:xfrm>
+        </p:grpSpPr>
+        <p:pic>
+          <p:nvPicPr>
+            <p:cNvPr id="46" name="Imagen 45">
+              <a:extLst>
+                <a:ext uri="{FF2B5EF4-FFF2-40B4-BE49-F238E27FC236}">
+                  <a16:creationId xmlns:a16="http://schemas.microsoft.com/office/drawing/2014/main" id="{A0EB8086-C1DF-52F9-238B-625B3260E68B}"/>
+                </a:ext>
+              </a:extLst>
+            </p:cNvPr>
+            <p:cNvPicPr>
+              <a:picLocks noChangeAspect="1"/>
+            </p:cNvPicPr>
+            <p:nvPr/>
+          </p:nvPicPr>
+          <p:blipFill rotWithShape="1">
+            <a:blip r:embed="rId11">
+              <a:extLst>
+                <a:ext uri="{28A0092B-C50C-407E-A947-70E740481C1C}">
+                  <a14:useLocalDpi xmlns:a14="http://schemas.microsoft.com/office/drawing/2010/main" val="0"/>
+                </a:ext>
+              </a:extLst>
+            </a:blip>
+            <a:srcRect b="20274"/>
+            <a:stretch/>
+          </p:blipFill>
+          <p:spPr>
+            <a:xfrm>
+              <a:off x="11060709" y="16593061"/>
+              <a:ext cx="8572789" cy="3645160"/>
+            </a:xfrm>
+            <a:prstGeom prst="roundRect">
+              <a:avLst>
+                <a:gd name="adj" fmla="val 5459"/>
+              </a:avLst>
+            </a:prstGeom>
+          </p:spPr>
+        </p:pic>
+        <p:grpSp>
+          <p:nvGrpSpPr>
+            <p:cNvPr id="124" name="Grupo 123">
+              <a:extLst>
+                <a:ext uri="{FF2B5EF4-FFF2-40B4-BE49-F238E27FC236}">
+                  <a16:creationId xmlns:a16="http://schemas.microsoft.com/office/drawing/2014/main" id="{EC64AEC9-1662-77DD-89D4-45238553A4E4}"/>
+                </a:ext>
+              </a:extLst>
+            </p:cNvPr>
+            <p:cNvGrpSpPr/>
+            <p:nvPr/>
+          </p:nvGrpSpPr>
+          <p:grpSpPr>
+            <a:xfrm>
+              <a:off x="11854389" y="19787481"/>
+              <a:ext cx="7367103" cy="443778"/>
+              <a:chOff x="2549109" y="19787806"/>
+              <a:chExt cx="7367103" cy="443778"/>
+            </a:xfrm>
+          </p:grpSpPr>
+          <p:grpSp>
+            <p:nvGrpSpPr>
+              <p:cNvPr id="125" name="Grupo 124">
+                <a:extLst>
+                  <a:ext uri="{FF2B5EF4-FFF2-40B4-BE49-F238E27FC236}">
+                    <a16:creationId xmlns:a16="http://schemas.microsoft.com/office/drawing/2014/main" id="{64526935-B815-7346-DA51-CE9DE5CAF8A6}"/>
+                  </a:ext>
+                </a:extLst>
+              </p:cNvPr>
+              <p:cNvGrpSpPr/>
+              <p:nvPr/>
+            </p:nvGrpSpPr>
+            <p:grpSpPr>
+              <a:xfrm>
+                <a:off x="2549109" y="19787806"/>
+                <a:ext cx="1996949" cy="292211"/>
+                <a:chOff x="2549109" y="19787806"/>
+                <a:chExt cx="1996949" cy="292211"/>
+              </a:xfrm>
+            </p:grpSpPr>
+            <p:sp>
+              <p:nvSpPr>
+                <p:cNvPr id="1031" name="CuadroTexto 1030">
+                  <a:extLst>
+                    <a:ext uri="{FF2B5EF4-FFF2-40B4-BE49-F238E27FC236}">
+                      <a16:creationId xmlns:a16="http://schemas.microsoft.com/office/drawing/2014/main" id="{9F4C47A8-F4D1-AFC4-6383-0F1D604C774A}"/>
+                    </a:ext>
+                  </a:extLst>
+                </p:cNvPr>
+                <p:cNvSpPr txBox="1"/>
+                <p:nvPr/>
+              </p:nvSpPr>
+              <p:spPr>
+                <a:xfrm>
+                  <a:off x="2549109" y="19787806"/>
+                  <a:ext cx="874615" cy="289441"/>
+                </a:xfrm>
+                <a:prstGeom prst="roundRect">
+                  <a:avLst/>
+                </a:prstGeom>
+                <a:solidFill>
+                  <a:schemeClr val="bg1"/>
+                </a:solidFill>
+              </p:spPr>
+              <p:txBody>
+                <a:bodyPr wrap="square" rtlCol="0">
+                  <a:spAutoFit/>
+                </a:bodyPr>
+                <a:lstStyle/>
+                <a:p>
+                  <a:r>
+                    <a:rPr lang="es-ES" sz="1100" dirty="0"/>
+                    <a:t>Inmaduros</a:t>
+                  </a:r>
+                </a:p>
+              </p:txBody>
+            </p:sp>
+            <p:sp>
+              <p:nvSpPr>
+                <p:cNvPr id="1032" name="CuadroTexto 1031">
+                  <a:extLst>
+                    <a:ext uri="{FF2B5EF4-FFF2-40B4-BE49-F238E27FC236}">
+                      <a16:creationId xmlns:a16="http://schemas.microsoft.com/office/drawing/2014/main" id="{25E06165-E7E9-A3C3-B62A-B1257BB8D6A2}"/>
+                    </a:ext>
+                  </a:extLst>
+                </p:cNvPr>
+                <p:cNvSpPr txBox="1"/>
+                <p:nvPr/>
+              </p:nvSpPr>
+              <p:spPr>
+                <a:xfrm>
+                  <a:off x="3793167" y="19790576"/>
+                  <a:ext cx="752891" cy="289441"/>
+                </a:xfrm>
+                <a:prstGeom prst="roundRect">
+                  <a:avLst/>
+                </a:prstGeom>
+                <a:solidFill>
+                  <a:schemeClr val="bg1"/>
+                </a:solidFill>
+              </p:spPr>
+              <p:txBody>
+                <a:bodyPr wrap="square" rtlCol="0">
+                  <a:spAutoFit/>
+                </a:bodyPr>
+                <a:lstStyle/>
+                <a:p>
+                  <a:r>
+                    <a:rPr lang="es-ES" sz="1100" dirty="0"/>
+                    <a:t>Maduros</a:t>
+                  </a:r>
+                </a:p>
+              </p:txBody>
+            </p:sp>
+          </p:grpSp>
+          <p:grpSp>
+            <p:nvGrpSpPr>
+              <p:cNvPr id="126" name="Grupo 125">
+                <a:extLst>
+                  <a:ext uri="{FF2B5EF4-FFF2-40B4-BE49-F238E27FC236}">
+                    <a16:creationId xmlns:a16="http://schemas.microsoft.com/office/drawing/2014/main" id="{2AB9742A-365A-73FD-7198-4F7F9D0C3246}"/>
+                  </a:ext>
+                </a:extLst>
+              </p:cNvPr>
+              <p:cNvGrpSpPr/>
+              <p:nvPr/>
+            </p:nvGrpSpPr>
+            <p:grpSpPr>
+              <a:xfrm>
+                <a:off x="7919263" y="19787806"/>
+                <a:ext cx="1996949" cy="292211"/>
+                <a:chOff x="2549109" y="19787806"/>
+                <a:chExt cx="1996949" cy="292211"/>
+              </a:xfrm>
+            </p:grpSpPr>
+            <p:sp>
+              <p:nvSpPr>
+                <p:cNvPr id="1029" name="CuadroTexto 1028">
+                  <a:extLst>
+                    <a:ext uri="{FF2B5EF4-FFF2-40B4-BE49-F238E27FC236}">
+                      <a16:creationId xmlns:a16="http://schemas.microsoft.com/office/drawing/2014/main" id="{045D5DDF-83EF-5B36-BA35-02E85FCD7A53}"/>
+                    </a:ext>
+                  </a:extLst>
+                </p:cNvPr>
+                <p:cNvSpPr txBox="1"/>
+                <p:nvPr/>
+              </p:nvSpPr>
+              <p:spPr>
+                <a:xfrm>
+                  <a:off x="2549109" y="19787806"/>
+                  <a:ext cx="874615" cy="289441"/>
+                </a:xfrm>
+                <a:prstGeom prst="roundRect">
+                  <a:avLst/>
+                </a:prstGeom>
+                <a:solidFill>
+                  <a:schemeClr val="bg1"/>
+                </a:solidFill>
+              </p:spPr>
+              <p:txBody>
+                <a:bodyPr wrap="square" rtlCol="0">
+                  <a:spAutoFit/>
+                </a:bodyPr>
+                <a:lstStyle/>
+                <a:p>
+                  <a:r>
+                    <a:rPr lang="es-ES" sz="1100" dirty="0"/>
+                    <a:t>Inmaduros</a:t>
+                  </a:r>
+                </a:p>
+              </p:txBody>
+            </p:sp>
+            <p:sp>
+              <p:nvSpPr>
+                <p:cNvPr id="1030" name="CuadroTexto 1029">
+                  <a:extLst>
+                    <a:ext uri="{FF2B5EF4-FFF2-40B4-BE49-F238E27FC236}">
+                      <a16:creationId xmlns:a16="http://schemas.microsoft.com/office/drawing/2014/main" id="{DC08C6C5-935F-88A8-1047-BC1E733586F5}"/>
+                    </a:ext>
+                  </a:extLst>
+                </p:cNvPr>
+                <p:cNvSpPr txBox="1"/>
+                <p:nvPr/>
+              </p:nvSpPr>
+              <p:spPr>
+                <a:xfrm>
+                  <a:off x="3793167" y="19790576"/>
+                  <a:ext cx="752891" cy="289441"/>
+                </a:xfrm>
+                <a:prstGeom prst="roundRect">
+                  <a:avLst/>
+                </a:prstGeom>
+                <a:solidFill>
+                  <a:schemeClr val="bg1"/>
+                </a:solidFill>
+              </p:spPr>
+              <p:txBody>
+                <a:bodyPr wrap="square" rtlCol="0">
+                  <a:spAutoFit/>
+                </a:bodyPr>
+                <a:lstStyle/>
+                <a:p>
+                  <a:r>
+                    <a:rPr lang="es-ES" sz="1100" dirty="0"/>
+                    <a:t>Maduros</a:t>
+                  </a:r>
+                </a:p>
+              </p:txBody>
+            </p:sp>
+          </p:grpSp>
+          <p:sp>
+            <p:nvSpPr>
+              <p:cNvPr id="127" name="Rectángulo 126">
+                <a:extLst>
+                  <a:ext uri="{FF2B5EF4-FFF2-40B4-BE49-F238E27FC236}">
+                    <a16:creationId xmlns:a16="http://schemas.microsoft.com/office/drawing/2014/main" id="{4B4DBF18-CCCE-0BEC-4D82-6AE7169E7DFD}"/>
+                  </a:ext>
+                </a:extLst>
+              </p:cNvPr>
+              <p:cNvSpPr/>
+              <p:nvPr/>
+            </p:nvSpPr>
+            <p:spPr>
+              <a:xfrm>
+                <a:off x="5715000" y="19876977"/>
+                <a:ext cx="1170204" cy="354607"/>
+              </a:xfrm>
+              <a:prstGeom prst="rect">
+                <a:avLst/>
+              </a:prstGeom>
+              <a:solidFill>
+                <a:schemeClr val="bg1"/>
+              </a:solidFill>
+              <a:ln>
+                <a:noFill/>
+              </a:ln>
+            </p:spPr>
+            <p:style>
+              <a:lnRef idx="2">
+                <a:schemeClr val="accent1">
+                  <a:shade val="15000"/>
+                </a:schemeClr>
+              </a:lnRef>
+              <a:fillRef idx="1">
+                <a:schemeClr val="accent1"/>
+              </a:fillRef>
+              <a:effectRef idx="0">
+                <a:schemeClr val="accent1"/>
+              </a:effectRef>
+              <a:fontRef idx="minor">
+                <a:schemeClr val="lt1"/>
+              </a:fontRef>
+            </p:style>
+            <p:txBody>
+              <a:bodyPr rtlCol="0" anchor="ctr"/>
+              <a:lstStyle/>
+              <a:p>
+                <a:pPr algn="ctr"/>
+                <a:endParaRPr lang="es-ES"/>
+              </a:p>
+            </p:txBody>
+          </p:sp>
+          <p:grpSp>
+            <p:nvGrpSpPr>
+              <p:cNvPr id="1024" name="Grupo 1023">
+                <a:extLst>
+                  <a:ext uri="{FF2B5EF4-FFF2-40B4-BE49-F238E27FC236}">
+                    <a16:creationId xmlns:a16="http://schemas.microsoft.com/office/drawing/2014/main" id="{D8B87F19-BDB4-EE6D-AF0C-A24973F33C83}"/>
+                  </a:ext>
+                </a:extLst>
+              </p:cNvPr>
+              <p:cNvGrpSpPr/>
+              <p:nvPr/>
+            </p:nvGrpSpPr>
+            <p:grpSpPr>
+              <a:xfrm>
+                <a:off x="5211608" y="19787806"/>
+                <a:ext cx="1996949" cy="292211"/>
+                <a:chOff x="2549109" y="19787806"/>
+                <a:chExt cx="1996949" cy="292211"/>
+              </a:xfrm>
+            </p:grpSpPr>
+            <p:sp>
+              <p:nvSpPr>
+                <p:cNvPr id="1025" name="CuadroTexto 1024">
+                  <a:extLst>
+                    <a:ext uri="{FF2B5EF4-FFF2-40B4-BE49-F238E27FC236}">
+                      <a16:creationId xmlns:a16="http://schemas.microsoft.com/office/drawing/2014/main" id="{0B2EEC58-DE08-B26A-6B33-0A60459BBDD8}"/>
+                    </a:ext>
+                  </a:extLst>
+                </p:cNvPr>
+                <p:cNvSpPr txBox="1"/>
+                <p:nvPr/>
+              </p:nvSpPr>
+              <p:spPr>
+                <a:xfrm>
+                  <a:off x="2549109" y="19787806"/>
+                  <a:ext cx="874615" cy="289441"/>
+                </a:xfrm>
+                <a:prstGeom prst="roundRect">
+                  <a:avLst/>
+                </a:prstGeom>
+                <a:solidFill>
+                  <a:schemeClr val="bg1"/>
+                </a:solidFill>
+              </p:spPr>
+              <p:txBody>
+                <a:bodyPr wrap="square" rtlCol="0">
+                  <a:spAutoFit/>
+                </a:bodyPr>
+                <a:lstStyle/>
+                <a:p>
+                  <a:r>
+                    <a:rPr lang="es-ES" sz="1100" dirty="0"/>
+                    <a:t>Inmaduros</a:t>
+                  </a:r>
+                </a:p>
+              </p:txBody>
+            </p:sp>
+            <p:sp>
+              <p:nvSpPr>
+                <p:cNvPr id="1027" name="CuadroTexto 1026">
+                  <a:extLst>
+                    <a:ext uri="{FF2B5EF4-FFF2-40B4-BE49-F238E27FC236}">
+                      <a16:creationId xmlns:a16="http://schemas.microsoft.com/office/drawing/2014/main" id="{B0624A44-6E5A-75E5-8ABA-5AB3FEF123A9}"/>
+                    </a:ext>
+                  </a:extLst>
+                </p:cNvPr>
+                <p:cNvSpPr txBox="1"/>
+                <p:nvPr/>
+              </p:nvSpPr>
+              <p:spPr>
+                <a:xfrm>
+                  <a:off x="3793167" y="19790576"/>
+                  <a:ext cx="752891" cy="289441"/>
+                </a:xfrm>
+                <a:prstGeom prst="roundRect">
+                  <a:avLst/>
+                </a:prstGeom>
+                <a:solidFill>
+                  <a:schemeClr val="bg1"/>
+                </a:solidFill>
+              </p:spPr>
+              <p:txBody>
+                <a:bodyPr wrap="square" rtlCol="0">
+                  <a:spAutoFit/>
+                </a:bodyPr>
+                <a:lstStyle/>
+                <a:p>
+                  <a:r>
+                    <a:rPr lang="es-ES" sz="1100" dirty="0"/>
+                    <a:t>Maduros</a:t>
+                  </a:r>
+                </a:p>
+              </p:txBody>
+            </p:sp>
+          </p:grpSp>
+        </p:grpSp>
+      </p:grpSp>
+      <p:grpSp>
+        <p:nvGrpSpPr>
+          <p:cNvPr id="1058" name="Grupo 1057">
+            <a:extLst>
+              <a:ext uri="{FF2B5EF4-FFF2-40B4-BE49-F238E27FC236}">
+                <a16:creationId xmlns:a16="http://schemas.microsoft.com/office/drawing/2014/main" id="{EC90873F-C56E-7A51-CF9C-D34D84FFE24E}"/>
+              </a:ext>
+            </a:extLst>
+          </p:cNvPr>
+          <p:cNvGrpSpPr/>
+          <p:nvPr/>
+        </p:nvGrpSpPr>
+        <p:grpSpPr>
+          <a:xfrm>
+            <a:off x="11060709" y="19041603"/>
+            <a:ext cx="8572789" cy="3638572"/>
+            <a:chOff x="11060709" y="20500413"/>
+            <a:chExt cx="8572789" cy="3638572"/>
+          </a:xfrm>
+        </p:grpSpPr>
+        <p:pic>
+          <p:nvPicPr>
+            <p:cNvPr id="56" name="Imagen 55">
+              <a:extLst>
+                <a:ext uri="{FF2B5EF4-FFF2-40B4-BE49-F238E27FC236}">
+                  <a16:creationId xmlns:a16="http://schemas.microsoft.com/office/drawing/2014/main" id="{154E778F-3DD6-149C-7A0B-58746DCD2036}"/>
+                </a:ext>
+              </a:extLst>
+            </p:cNvPr>
+            <p:cNvPicPr>
+              <a:picLocks noChangeAspect="1"/>
+            </p:cNvPicPr>
+            <p:nvPr/>
+          </p:nvPicPr>
+          <p:blipFill rotWithShape="1">
+            <a:blip r:embed="rId12">
+              <a:extLst>
+                <a:ext uri="{28A0092B-C50C-407E-A947-70E740481C1C}">
+                  <a14:useLocalDpi xmlns:a14="http://schemas.microsoft.com/office/drawing/2010/main" val="0"/>
+                </a:ext>
+              </a:extLst>
+            </a:blip>
+            <a:srcRect b="20419"/>
+            <a:stretch/>
+          </p:blipFill>
+          <p:spPr>
+            <a:xfrm>
+              <a:off x="11060709" y="20500413"/>
+              <a:ext cx="8572789" cy="3638572"/>
+            </a:xfrm>
+            <a:prstGeom prst="roundRect">
+              <a:avLst>
+                <a:gd name="adj" fmla="val 8112"/>
+              </a:avLst>
+            </a:prstGeom>
+          </p:spPr>
+        </p:pic>
+        <p:grpSp>
+          <p:nvGrpSpPr>
+            <p:cNvPr id="1033" name="Grupo 1032">
+              <a:extLst>
+                <a:ext uri="{FF2B5EF4-FFF2-40B4-BE49-F238E27FC236}">
+                  <a16:creationId xmlns:a16="http://schemas.microsoft.com/office/drawing/2014/main" id="{2E8C60B7-C577-8101-8D7E-6EB343059463}"/>
+                </a:ext>
+              </a:extLst>
+            </p:cNvPr>
+            <p:cNvGrpSpPr/>
+            <p:nvPr/>
+          </p:nvGrpSpPr>
+          <p:grpSpPr>
+            <a:xfrm>
+              <a:off x="11872245" y="23692871"/>
+              <a:ext cx="7367103" cy="443778"/>
+              <a:chOff x="2549109" y="19787806"/>
+              <a:chExt cx="7367103" cy="443778"/>
+            </a:xfrm>
+          </p:grpSpPr>
+          <p:grpSp>
+            <p:nvGrpSpPr>
+              <p:cNvPr id="1034" name="Grupo 1033">
+                <a:extLst>
+                  <a:ext uri="{FF2B5EF4-FFF2-40B4-BE49-F238E27FC236}">
+                    <a16:creationId xmlns:a16="http://schemas.microsoft.com/office/drawing/2014/main" id="{6D04F669-E64E-8320-C507-6D89897AD382}"/>
+                  </a:ext>
+                </a:extLst>
+              </p:cNvPr>
+              <p:cNvGrpSpPr/>
+              <p:nvPr/>
+            </p:nvGrpSpPr>
+            <p:grpSpPr>
+              <a:xfrm>
+                <a:off x="2549109" y="19787806"/>
+                <a:ext cx="1996949" cy="292211"/>
+                <a:chOff x="2549109" y="19787806"/>
+                <a:chExt cx="1996949" cy="292211"/>
+              </a:xfrm>
+            </p:grpSpPr>
+            <p:sp>
+              <p:nvSpPr>
+                <p:cNvPr id="1042" name="CuadroTexto 1041">
+                  <a:extLst>
+                    <a:ext uri="{FF2B5EF4-FFF2-40B4-BE49-F238E27FC236}">
+                      <a16:creationId xmlns:a16="http://schemas.microsoft.com/office/drawing/2014/main" id="{3C38CD42-C1FF-67BA-E1CF-D862FD78B637}"/>
+                    </a:ext>
+                  </a:extLst>
+                </p:cNvPr>
+                <p:cNvSpPr txBox="1"/>
+                <p:nvPr/>
+              </p:nvSpPr>
+              <p:spPr>
+                <a:xfrm>
+                  <a:off x="2549109" y="19787806"/>
+                  <a:ext cx="874615" cy="289441"/>
+                </a:xfrm>
+                <a:prstGeom prst="roundRect">
+                  <a:avLst/>
+                </a:prstGeom>
+                <a:solidFill>
+                  <a:schemeClr val="bg1"/>
+                </a:solidFill>
+              </p:spPr>
+              <p:txBody>
+                <a:bodyPr wrap="square" rtlCol="0">
+                  <a:spAutoFit/>
+                </a:bodyPr>
+                <a:lstStyle/>
+                <a:p>
+                  <a:r>
+                    <a:rPr lang="es-ES" sz="1100" dirty="0"/>
+                    <a:t>Inmaduros</a:t>
+                  </a:r>
+                </a:p>
+              </p:txBody>
+            </p:sp>
+            <p:sp>
+              <p:nvSpPr>
+                <p:cNvPr id="1043" name="CuadroTexto 1042">
+                  <a:extLst>
+                    <a:ext uri="{FF2B5EF4-FFF2-40B4-BE49-F238E27FC236}">
+                      <a16:creationId xmlns:a16="http://schemas.microsoft.com/office/drawing/2014/main" id="{3F98685A-67A8-FD01-83AF-7C588184AE11}"/>
+                    </a:ext>
+                  </a:extLst>
+                </p:cNvPr>
+                <p:cNvSpPr txBox="1"/>
+                <p:nvPr/>
+              </p:nvSpPr>
+              <p:spPr>
+                <a:xfrm>
+                  <a:off x="3793167" y="19790576"/>
+                  <a:ext cx="752891" cy="289441"/>
+                </a:xfrm>
+                <a:prstGeom prst="roundRect">
+                  <a:avLst/>
+                </a:prstGeom>
+                <a:solidFill>
+                  <a:schemeClr val="bg1"/>
+                </a:solidFill>
+              </p:spPr>
+              <p:txBody>
+                <a:bodyPr wrap="square" rtlCol="0">
+                  <a:spAutoFit/>
+                </a:bodyPr>
+                <a:lstStyle/>
+                <a:p>
+                  <a:r>
+                    <a:rPr lang="es-ES" sz="1100" dirty="0"/>
+                    <a:t>Maduros</a:t>
+                  </a:r>
+                </a:p>
+              </p:txBody>
+            </p:sp>
+          </p:grpSp>
+          <p:grpSp>
+            <p:nvGrpSpPr>
+              <p:cNvPr id="1035" name="Grupo 1034">
+                <a:extLst>
+                  <a:ext uri="{FF2B5EF4-FFF2-40B4-BE49-F238E27FC236}">
+                    <a16:creationId xmlns:a16="http://schemas.microsoft.com/office/drawing/2014/main" id="{3AA57281-760E-DD83-A2E4-8F44B264E50A}"/>
+                  </a:ext>
+                </a:extLst>
+              </p:cNvPr>
+              <p:cNvGrpSpPr/>
+              <p:nvPr/>
+            </p:nvGrpSpPr>
+            <p:grpSpPr>
+              <a:xfrm>
+                <a:off x="7919263" y="19787806"/>
+                <a:ext cx="1996949" cy="292211"/>
+                <a:chOff x="2549109" y="19787806"/>
+                <a:chExt cx="1996949" cy="292211"/>
+              </a:xfrm>
+            </p:grpSpPr>
+            <p:sp>
+              <p:nvSpPr>
+                <p:cNvPr id="1040" name="CuadroTexto 1039">
+                  <a:extLst>
+                    <a:ext uri="{FF2B5EF4-FFF2-40B4-BE49-F238E27FC236}">
+                      <a16:creationId xmlns:a16="http://schemas.microsoft.com/office/drawing/2014/main" id="{0AECF5EF-F6B8-2D72-369F-A8352E390C1C}"/>
+                    </a:ext>
+                  </a:extLst>
+                </p:cNvPr>
+                <p:cNvSpPr txBox="1"/>
+                <p:nvPr/>
+              </p:nvSpPr>
+              <p:spPr>
+                <a:xfrm>
+                  <a:off x="2549109" y="19787806"/>
+                  <a:ext cx="874615" cy="289441"/>
+                </a:xfrm>
+                <a:prstGeom prst="roundRect">
+                  <a:avLst/>
+                </a:prstGeom>
+                <a:solidFill>
+                  <a:schemeClr val="bg1"/>
+                </a:solidFill>
+              </p:spPr>
+              <p:txBody>
+                <a:bodyPr wrap="square" rtlCol="0">
+                  <a:spAutoFit/>
+                </a:bodyPr>
+                <a:lstStyle/>
+                <a:p>
+                  <a:r>
+                    <a:rPr lang="es-ES" sz="1100" dirty="0"/>
+                    <a:t>Inmaduros</a:t>
+                  </a:r>
+                </a:p>
+              </p:txBody>
+            </p:sp>
+            <p:sp>
+              <p:nvSpPr>
+                <p:cNvPr id="1041" name="CuadroTexto 1040">
+                  <a:extLst>
+                    <a:ext uri="{FF2B5EF4-FFF2-40B4-BE49-F238E27FC236}">
+                      <a16:creationId xmlns:a16="http://schemas.microsoft.com/office/drawing/2014/main" id="{530CDC82-F04E-9C87-EE68-1FEC2500A610}"/>
+                    </a:ext>
+                  </a:extLst>
+                </p:cNvPr>
+                <p:cNvSpPr txBox="1"/>
+                <p:nvPr/>
+              </p:nvSpPr>
+              <p:spPr>
+                <a:xfrm>
+                  <a:off x="3793167" y="19790576"/>
+                  <a:ext cx="752891" cy="289441"/>
+                </a:xfrm>
+                <a:prstGeom prst="roundRect">
+                  <a:avLst/>
+                </a:prstGeom>
+                <a:solidFill>
+                  <a:schemeClr val="bg1"/>
+                </a:solidFill>
+              </p:spPr>
+              <p:txBody>
+                <a:bodyPr wrap="square" rtlCol="0">
+                  <a:spAutoFit/>
+                </a:bodyPr>
+                <a:lstStyle/>
+                <a:p>
+                  <a:r>
+                    <a:rPr lang="es-ES" sz="1100" dirty="0"/>
+                    <a:t>Maduros</a:t>
+                  </a:r>
+                </a:p>
+              </p:txBody>
+            </p:sp>
+          </p:grpSp>
+          <p:sp>
+            <p:nvSpPr>
+              <p:cNvPr id="1036" name="Rectángulo 1035">
+                <a:extLst>
+                  <a:ext uri="{FF2B5EF4-FFF2-40B4-BE49-F238E27FC236}">
+                    <a16:creationId xmlns:a16="http://schemas.microsoft.com/office/drawing/2014/main" id="{D33FE971-6984-58D8-A28C-4767F5D7910D}"/>
+                  </a:ext>
+                </a:extLst>
+              </p:cNvPr>
+              <p:cNvSpPr/>
+              <p:nvPr/>
+            </p:nvSpPr>
+            <p:spPr>
+              <a:xfrm>
+                <a:off x="5715000" y="19876977"/>
+                <a:ext cx="1170204" cy="354607"/>
+              </a:xfrm>
+              <a:prstGeom prst="rect">
+                <a:avLst/>
+              </a:prstGeom>
+              <a:solidFill>
+                <a:schemeClr val="bg1"/>
+              </a:solidFill>
+              <a:ln>
+                <a:noFill/>
+              </a:ln>
+            </p:spPr>
+            <p:style>
+              <a:lnRef idx="2">
+                <a:schemeClr val="accent1">
+                  <a:shade val="15000"/>
+                </a:schemeClr>
+              </a:lnRef>
+              <a:fillRef idx="1">
+                <a:schemeClr val="accent1"/>
+              </a:fillRef>
+              <a:effectRef idx="0">
+                <a:schemeClr val="accent1"/>
+              </a:effectRef>
+              <a:fontRef idx="minor">
+                <a:schemeClr val="lt1"/>
+              </a:fontRef>
+            </p:style>
+            <p:txBody>
+              <a:bodyPr rtlCol="0" anchor="ctr"/>
+              <a:lstStyle/>
+              <a:p>
+                <a:pPr algn="ctr"/>
+                <a:endParaRPr lang="es-ES"/>
+              </a:p>
+            </p:txBody>
+          </p:sp>
+          <p:grpSp>
+            <p:nvGrpSpPr>
+              <p:cNvPr id="1037" name="Grupo 1036">
+                <a:extLst>
+                  <a:ext uri="{FF2B5EF4-FFF2-40B4-BE49-F238E27FC236}">
+                    <a16:creationId xmlns:a16="http://schemas.microsoft.com/office/drawing/2014/main" id="{BBC2342F-0911-F134-6181-ADF150254541}"/>
+                  </a:ext>
+                </a:extLst>
+              </p:cNvPr>
+              <p:cNvGrpSpPr/>
+              <p:nvPr/>
+            </p:nvGrpSpPr>
+            <p:grpSpPr>
+              <a:xfrm>
+                <a:off x="5211608" y="19787806"/>
+                <a:ext cx="1996949" cy="292211"/>
+                <a:chOff x="2549109" y="19787806"/>
+                <a:chExt cx="1996949" cy="292211"/>
+              </a:xfrm>
+            </p:grpSpPr>
+            <p:sp>
+              <p:nvSpPr>
+                <p:cNvPr id="1038" name="CuadroTexto 1037">
+                  <a:extLst>
+                    <a:ext uri="{FF2B5EF4-FFF2-40B4-BE49-F238E27FC236}">
+                      <a16:creationId xmlns:a16="http://schemas.microsoft.com/office/drawing/2014/main" id="{AC980B51-BE4D-4E9E-56F6-803B68988D5C}"/>
+                    </a:ext>
+                  </a:extLst>
+                </p:cNvPr>
+                <p:cNvSpPr txBox="1"/>
+                <p:nvPr/>
+              </p:nvSpPr>
+              <p:spPr>
+                <a:xfrm>
+                  <a:off x="2549109" y="19787806"/>
+                  <a:ext cx="874615" cy="289441"/>
+                </a:xfrm>
+                <a:prstGeom prst="roundRect">
+                  <a:avLst/>
+                </a:prstGeom>
+                <a:solidFill>
+                  <a:schemeClr val="bg1"/>
+                </a:solidFill>
+              </p:spPr>
+              <p:txBody>
+                <a:bodyPr wrap="square" rtlCol="0">
+                  <a:spAutoFit/>
+                </a:bodyPr>
+                <a:lstStyle/>
+                <a:p>
+                  <a:r>
+                    <a:rPr lang="es-ES" sz="1100" dirty="0"/>
+                    <a:t>Inmaduros</a:t>
+                  </a:r>
+                </a:p>
+              </p:txBody>
+            </p:sp>
+            <p:sp>
+              <p:nvSpPr>
+                <p:cNvPr id="1039" name="CuadroTexto 1038">
+                  <a:extLst>
+                    <a:ext uri="{FF2B5EF4-FFF2-40B4-BE49-F238E27FC236}">
+                      <a16:creationId xmlns:a16="http://schemas.microsoft.com/office/drawing/2014/main" id="{6054ADBD-796D-EC94-838E-9DC0EA2F3BE9}"/>
+                    </a:ext>
+                  </a:extLst>
+                </p:cNvPr>
+                <p:cNvSpPr txBox="1"/>
+                <p:nvPr/>
+              </p:nvSpPr>
+              <p:spPr>
+                <a:xfrm>
+                  <a:off x="3793167" y="19790576"/>
+                  <a:ext cx="752891" cy="289441"/>
+                </a:xfrm>
+                <a:prstGeom prst="roundRect">
+                  <a:avLst/>
+                </a:prstGeom>
+                <a:solidFill>
+                  <a:schemeClr val="bg1"/>
+                </a:solidFill>
+              </p:spPr>
+              <p:txBody>
+                <a:bodyPr wrap="square" rtlCol="0">
+                  <a:spAutoFit/>
+                </a:bodyPr>
+                <a:lstStyle/>
+                <a:p>
+                  <a:r>
+                    <a:rPr lang="es-ES" sz="1100" dirty="0"/>
+                    <a:t>Maduros</a:t>
+                  </a:r>
+                </a:p>
+              </p:txBody>
+            </p:sp>
+          </p:grpSp>
+        </p:grpSp>
+      </p:grpSp>
+      <p:grpSp>
+        <p:nvGrpSpPr>
+          <p:cNvPr id="1055" name="Grupo 1054">
+            <a:extLst>
+              <a:ext uri="{FF2B5EF4-FFF2-40B4-BE49-F238E27FC236}">
+                <a16:creationId xmlns:a16="http://schemas.microsoft.com/office/drawing/2014/main" id="{F297BE96-987D-4496-559C-2D5B233FE48A}"/>
+              </a:ext>
+            </a:extLst>
+          </p:cNvPr>
+          <p:cNvGrpSpPr/>
+          <p:nvPr/>
+        </p:nvGrpSpPr>
+        <p:grpSpPr>
+          <a:xfrm>
+            <a:off x="1808620" y="19120279"/>
+            <a:ext cx="8572789" cy="3638573"/>
+            <a:chOff x="1808620" y="20579089"/>
+            <a:chExt cx="8572789" cy="3638573"/>
+          </a:xfrm>
+        </p:grpSpPr>
+        <p:pic>
+          <p:nvPicPr>
+            <p:cNvPr id="62" name="Imagen 61">
+              <a:extLst>
+                <a:ext uri="{FF2B5EF4-FFF2-40B4-BE49-F238E27FC236}">
+                  <a16:creationId xmlns:a16="http://schemas.microsoft.com/office/drawing/2014/main" id="{36F28F22-ECD2-4B70-8479-94CCB39DC084}"/>
+                </a:ext>
+              </a:extLst>
+            </p:cNvPr>
+            <p:cNvPicPr>
+              <a:picLocks noChangeAspect="1"/>
+            </p:cNvPicPr>
+            <p:nvPr/>
+          </p:nvPicPr>
+          <p:blipFill rotWithShape="1">
+            <a:blip r:embed="rId13">
+              <a:extLst>
+                <a:ext uri="{28A0092B-C50C-407E-A947-70E740481C1C}">
+                  <a14:useLocalDpi xmlns:a14="http://schemas.microsoft.com/office/drawing/2010/main" val="0"/>
+                </a:ext>
+              </a:extLst>
+            </a:blip>
+            <a:srcRect b="20419"/>
+            <a:stretch/>
+          </p:blipFill>
+          <p:spPr>
+            <a:xfrm>
+              <a:off x="1808620" y="20579089"/>
+              <a:ext cx="8572789" cy="3638572"/>
+            </a:xfrm>
+            <a:prstGeom prst="roundRect">
+              <a:avLst>
+                <a:gd name="adj" fmla="val 10733"/>
+              </a:avLst>
+            </a:prstGeom>
+          </p:spPr>
+        </p:pic>
+        <p:grpSp>
+          <p:nvGrpSpPr>
+            <p:cNvPr id="1044" name="Grupo 1043">
+              <a:extLst>
+                <a:ext uri="{FF2B5EF4-FFF2-40B4-BE49-F238E27FC236}">
+                  <a16:creationId xmlns:a16="http://schemas.microsoft.com/office/drawing/2014/main" id="{04367B25-0154-A620-811B-81901D90E4B9}"/>
+                </a:ext>
+              </a:extLst>
+            </p:cNvPr>
+            <p:cNvGrpSpPr/>
+            <p:nvPr/>
+          </p:nvGrpSpPr>
+          <p:grpSpPr>
+            <a:xfrm>
+              <a:off x="2716224" y="23773884"/>
+              <a:ext cx="7367103" cy="443778"/>
+              <a:chOff x="2549109" y="19787806"/>
+              <a:chExt cx="7367103" cy="443778"/>
+            </a:xfrm>
+          </p:grpSpPr>
+          <p:grpSp>
+            <p:nvGrpSpPr>
+              <p:cNvPr id="1045" name="Grupo 1044">
+                <a:extLst>
+                  <a:ext uri="{FF2B5EF4-FFF2-40B4-BE49-F238E27FC236}">
+                    <a16:creationId xmlns:a16="http://schemas.microsoft.com/office/drawing/2014/main" id="{7BCB1F1A-B45F-12AB-0061-67A3CF01479A}"/>
+                  </a:ext>
+                </a:extLst>
+              </p:cNvPr>
+              <p:cNvGrpSpPr/>
+              <p:nvPr/>
+            </p:nvGrpSpPr>
+            <p:grpSpPr>
+              <a:xfrm>
+                <a:off x="2549109" y="19787806"/>
+                <a:ext cx="1996949" cy="292211"/>
+                <a:chOff x="2549109" y="19787806"/>
+                <a:chExt cx="1996949" cy="292211"/>
+              </a:xfrm>
+            </p:grpSpPr>
+            <p:sp>
+              <p:nvSpPr>
+                <p:cNvPr id="1053" name="CuadroTexto 1052">
+                  <a:extLst>
+                    <a:ext uri="{FF2B5EF4-FFF2-40B4-BE49-F238E27FC236}">
+                      <a16:creationId xmlns:a16="http://schemas.microsoft.com/office/drawing/2014/main" id="{8FFA72BA-17AC-83FF-9D1A-4BDFD50A0CC0}"/>
+                    </a:ext>
+                  </a:extLst>
+                </p:cNvPr>
+                <p:cNvSpPr txBox="1"/>
+                <p:nvPr/>
+              </p:nvSpPr>
+              <p:spPr>
+                <a:xfrm>
+                  <a:off x="2549109" y="19787806"/>
+                  <a:ext cx="874615" cy="289441"/>
+                </a:xfrm>
+                <a:prstGeom prst="roundRect">
+                  <a:avLst/>
+                </a:prstGeom>
+                <a:solidFill>
+                  <a:schemeClr val="bg1"/>
+                </a:solidFill>
+              </p:spPr>
+              <p:txBody>
+                <a:bodyPr wrap="square" rtlCol="0">
+                  <a:spAutoFit/>
+                </a:bodyPr>
+                <a:lstStyle/>
+                <a:p>
+                  <a:r>
+                    <a:rPr lang="es-ES" sz="1100" dirty="0"/>
+                    <a:t>Inmaduros</a:t>
+                  </a:r>
+                </a:p>
+              </p:txBody>
+            </p:sp>
+            <p:sp>
+              <p:nvSpPr>
+                <p:cNvPr id="1054" name="CuadroTexto 1053">
+                  <a:extLst>
+                    <a:ext uri="{FF2B5EF4-FFF2-40B4-BE49-F238E27FC236}">
+                      <a16:creationId xmlns:a16="http://schemas.microsoft.com/office/drawing/2014/main" id="{F1DBCBA9-894C-6F72-77BB-E78C8484B2E4}"/>
+                    </a:ext>
+                  </a:extLst>
+                </p:cNvPr>
+                <p:cNvSpPr txBox="1"/>
+                <p:nvPr/>
+              </p:nvSpPr>
+              <p:spPr>
+                <a:xfrm>
+                  <a:off x="3793167" y="19790576"/>
+                  <a:ext cx="752891" cy="289441"/>
+                </a:xfrm>
+                <a:prstGeom prst="roundRect">
+                  <a:avLst/>
+                </a:prstGeom>
+                <a:solidFill>
+                  <a:schemeClr val="bg1"/>
+                </a:solidFill>
+              </p:spPr>
+              <p:txBody>
+                <a:bodyPr wrap="square" rtlCol="0">
+                  <a:spAutoFit/>
+                </a:bodyPr>
+                <a:lstStyle/>
+                <a:p>
+                  <a:r>
+                    <a:rPr lang="es-ES" sz="1100" dirty="0"/>
+                    <a:t>Maduros</a:t>
+                  </a:r>
+                </a:p>
+              </p:txBody>
+            </p:sp>
+          </p:grpSp>
+          <p:grpSp>
+            <p:nvGrpSpPr>
+              <p:cNvPr id="1046" name="Grupo 1045">
+                <a:extLst>
+                  <a:ext uri="{FF2B5EF4-FFF2-40B4-BE49-F238E27FC236}">
+                    <a16:creationId xmlns:a16="http://schemas.microsoft.com/office/drawing/2014/main" id="{C8E36ACD-C343-8FAD-AD73-FBDC61FFDB38}"/>
+                  </a:ext>
+                </a:extLst>
+              </p:cNvPr>
+              <p:cNvGrpSpPr/>
+              <p:nvPr/>
+            </p:nvGrpSpPr>
+            <p:grpSpPr>
+              <a:xfrm>
+                <a:off x="7919263" y="19787806"/>
+                <a:ext cx="1996949" cy="292211"/>
+                <a:chOff x="2549109" y="19787806"/>
+                <a:chExt cx="1996949" cy="292211"/>
+              </a:xfrm>
+            </p:grpSpPr>
+            <p:sp>
+              <p:nvSpPr>
+                <p:cNvPr id="1051" name="CuadroTexto 1050">
+                  <a:extLst>
+                    <a:ext uri="{FF2B5EF4-FFF2-40B4-BE49-F238E27FC236}">
+                      <a16:creationId xmlns:a16="http://schemas.microsoft.com/office/drawing/2014/main" id="{539414A8-14CF-E56F-4549-291965EB885D}"/>
+                    </a:ext>
+                  </a:extLst>
+                </p:cNvPr>
+                <p:cNvSpPr txBox="1"/>
+                <p:nvPr/>
+              </p:nvSpPr>
+              <p:spPr>
+                <a:xfrm>
+                  <a:off x="2549109" y="19787806"/>
+                  <a:ext cx="874615" cy="289441"/>
+                </a:xfrm>
+                <a:prstGeom prst="roundRect">
+                  <a:avLst/>
+                </a:prstGeom>
+                <a:solidFill>
+                  <a:schemeClr val="bg1"/>
+                </a:solidFill>
+              </p:spPr>
+              <p:txBody>
+                <a:bodyPr wrap="square" rtlCol="0">
+                  <a:spAutoFit/>
+                </a:bodyPr>
+                <a:lstStyle/>
+                <a:p>
+                  <a:r>
+                    <a:rPr lang="es-ES" sz="1100" dirty="0"/>
+                    <a:t>Inmaduros</a:t>
+                  </a:r>
+                </a:p>
+              </p:txBody>
+            </p:sp>
+            <p:sp>
+              <p:nvSpPr>
+                <p:cNvPr id="1052" name="CuadroTexto 1051">
+                  <a:extLst>
+                    <a:ext uri="{FF2B5EF4-FFF2-40B4-BE49-F238E27FC236}">
+                      <a16:creationId xmlns:a16="http://schemas.microsoft.com/office/drawing/2014/main" id="{BEF54AA3-C288-A02D-F69C-C578D41DF304}"/>
+                    </a:ext>
+                  </a:extLst>
+                </p:cNvPr>
+                <p:cNvSpPr txBox="1"/>
+                <p:nvPr/>
+              </p:nvSpPr>
+              <p:spPr>
+                <a:xfrm>
+                  <a:off x="3793167" y="19790576"/>
+                  <a:ext cx="752891" cy="289441"/>
+                </a:xfrm>
+                <a:prstGeom prst="roundRect">
+                  <a:avLst/>
+                </a:prstGeom>
+                <a:solidFill>
+                  <a:schemeClr val="bg1"/>
+                </a:solidFill>
+              </p:spPr>
+              <p:txBody>
+                <a:bodyPr wrap="square" rtlCol="0">
+                  <a:spAutoFit/>
+                </a:bodyPr>
+                <a:lstStyle/>
+                <a:p>
+                  <a:r>
+                    <a:rPr lang="es-ES" sz="1100" dirty="0"/>
+                    <a:t>Maduros</a:t>
+                  </a:r>
+                </a:p>
+              </p:txBody>
+            </p:sp>
+          </p:grpSp>
+          <p:sp>
+            <p:nvSpPr>
+              <p:cNvPr id="1047" name="Rectángulo 1046">
+                <a:extLst>
+                  <a:ext uri="{FF2B5EF4-FFF2-40B4-BE49-F238E27FC236}">
+                    <a16:creationId xmlns:a16="http://schemas.microsoft.com/office/drawing/2014/main" id="{B06A574D-9C48-BF65-77FB-5C42E14C1998}"/>
+                  </a:ext>
+                </a:extLst>
+              </p:cNvPr>
+              <p:cNvSpPr/>
+              <p:nvPr/>
+            </p:nvSpPr>
+            <p:spPr>
+              <a:xfrm>
+                <a:off x="5715000" y="19876977"/>
+                <a:ext cx="1170204" cy="354607"/>
+              </a:xfrm>
+              <a:prstGeom prst="rect">
+                <a:avLst/>
+              </a:prstGeom>
+              <a:solidFill>
+                <a:schemeClr val="bg1"/>
+              </a:solidFill>
+              <a:ln>
+                <a:noFill/>
+              </a:ln>
+            </p:spPr>
+            <p:style>
+              <a:lnRef idx="2">
+                <a:schemeClr val="accent1">
+                  <a:shade val="15000"/>
+                </a:schemeClr>
+              </a:lnRef>
+              <a:fillRef idx="1">
+                <a:schemeClr val="accent1"/>
+              </a:fillRef>
+              <a:effectRef idx="0">
+                <a:schemeClr val="accent1"/>
+              </a:effectRef>
+              <a:fontRef idx="minor">
+                <a:schemeClr val="lt1"/>
+              </a:fontRef>
+            </p:style>
+            <p:txBody>
+              <a:bodyPr rtlCol="0" anchor="ctr"/>
+              <a:lstStyle/>
+              <a:p>
+                <a:pPr algn="ctr"/>
+                <a:endParaRPr lang="es-ES"/>
+              </a:p>
+            </p:txBody>
+          </p:sp>
+          <p:grpSp>
+            <p:nvGrpSpPr>
+              <p:cNvPr id="1048" name="Grupo 1047">
+                <a:extLst>
+                  <a:ext uri="{FF2B5EF4-FFF2-40B4-BE49-F238E27FC236}">
+                    <a16:creationId xmlns:a16="http://schemas.microsoft.com/office/drawing/2014/main" id="{EE3C55DC-8224-23F0-096A-AB8A716C79DF}"/>
+                  </a:ext>
+                </a:extLst>
+              </p:cNvPr>
+              <p:cNvGrpSpPr/>
+              <p:nvPr/>
+            </p:nvGrpSpPr>
+            <p:grpSpPr>
+              <a:xfrm>
+                <a:off x="5211608" y="19787806"/>
+                <a:ext cx="1996949" cy="292211"/>
+                <a:chOff x="2549109" y="19787806"/>
+                <a:chExt cx="1996949" cy="292211"/>
+              </a:xfrm>
+            </p:grpSpPr>
+            <p:sp>
+              <p:nvSpPr>
+                <p:cNvPr id="1049" name="CuadroTexto 1048">
+                  <a:extLst>
+                    <a:ext uri="{FF2B5EF4-FFF2-40B4-BE49-F238E27FC236}">
+                      <a16:creationId xmlns:a16="http://schemas.microsoft.com/office/drawing/2014/main" id="{FC6AE063-FB99-BDD8-134E-FF2BAE266FE2}"/>
+                    </a:ext>
+                  </a:extLst>
+                </p:cNvPr>
+                <p:cNvSpPr txBox="1"/>
+                <p:nvPr/>
+              </p:nvSpPr>
+              <p:spPr>
+                <a:xfrm>
+                  <a:off x="2549109" y="19787806"/>
+                  <a:ext cx="874615" cy="289441"/>
+                </a:xfrm>
+                <a:prstGeom prst="roundRect">
+                  <a:avLst/>
+                </a:prstGeom>
+                <a:solidFill>
+                  <a:schemeClr val="bg1"/>
+                </a:solidFill>
+              </p:spPr>
+              <p:txBody>
+                <a:bodyPr wrap="square" rtlCol="0">
+                  <a:spAutoFit/>
+                </a:bodyPr>
+                <a:lstStyle/>
+                <a:p>
+                  <a:r>
+                    <a:rPr lang="es-ES" sz="1100" dirty="0"/>
+                    <a:t>Inmaduros</a:t>
+                  </a:r>
+                </a:p>
+              </p:txBody>
+            </p:sp>
+            <p:sp>
+              <p:nvSpPr>
+                <p:cNvPr id="1050" name="CuadroTexto 1049">
+                  <a:extLst>
+                    <a:ext uri="{FF2B5EF4-FFF2-40B4-BE49-F238E27FC236}">
+                      <a16:creationId xmlns:a16="http://schemas.microsoft.com/office/drawing/2014/main" id="{5D8F2724-DBE2-2FE6-BD71-C9F7832342C1}"/>
+                    </a:ext>
+                  </a:extLst>
+                </p:cNvPr>
+                <p:cNvSpPr txBox="1"/>
+                <p:nvPr/>
+              </p:nvSpPr>
+              <p:spPr>
+                <a:xfrm>
+                  <a:off x="3793167" y="19790576"/>
+                  <a:ext cx="752891" cy="289441"/>
+                </a:xfrm>
+                <a:prstGeom prst="roundRect">
+                  <a:avLst/>
+                </a:prstGeom>
+                <a:solidFill>
+                  <a:schemeClr val="bg1"/>
+                </a:solidFill>
+              </p:spPr>
+              <p:txBody>
+                <a:bodyPr wrap="square" rtlCol="0">
+                  <a:spAutoFit/>
+                </a:bodyPr>
+                <a:lstStyle/>
+                <a:p>
+                  <a:r>
+                    <a:rPr lang="es-ES" sz="1100" dirty="0"/>
+                    <a:t>Maduros</a:t>
+                  </a:r>
+                </a:p>
+              </p:txBody>
+            </p:sp>
+          </p:grpSp>
+        </p:grpSp>
+      </p:grpSp>
+      <p:grpSp>
+        <p:nvGrpSpPr>
+          <p:cNvPr id="1064" name="Grupo 1063">
+            <a:extLst>
+              <a:ext uri="{FF2B5EF4-FFF2-40B4-BE49-F238E27FC236}">
+                <a16:creationId xmlns:a16="http://schemas.microsoft.com/office/drawing/2014/main" id="{378F9121-FA54-82BD-00E6-66ED04886DD5}"/>
+              </a:ext>
+            </a:extLst>
+          </p:cNvPr>
+          <p:cNvGrpSpPr/>
+          <p:nvPr/>
+        </p:nvGrpSpPr>
+        <p:grpSpPr>
+          <a:xfrm>
+            <a:off x="2036034" y="7937506"/>
+            <a:ext cx="5099898" cy="3822808"/>
+            <a:chOff x="1959418" y="7873650"/>
+            <a:chExt cx="5197661" cy="3896090"/>
+          </a:xfrm>
+        </p:grpSpPr>
+        <p:pic>
+          <p:nvPicPr>
+            <p:cNvPr id="1060" name="Imagen 1059">
+              <a:extLst>
+                <a:ext uri="{FF2B5EF4-FFF2-40B4-BE49-F238E27FC236}">
+                  <a16:creationId xmlns:a16="http://schemas.microsoft.com/office/drawing/2014/main" id="{C46506BC-762B-60ED-77AF-D36A921A673A}"/>
+                </a:ext>
+              </a:extLst>
+            </p:cNvPr>
+            <p:cNvPicPr>
+              <a:picLocks noChangeAspect="1"/>
+            </p:cNvPicPr>
+            <p:nvPr/>
+          </p:nvPicPr>
+          <p:blipFill>
+            <a:blip r:embed="rId14">
+              <a:extLst>
+                <a:ext uri="{28A0092B-C50C-407E-A947-70E740481C1C}">
+                  <a14:useLocalDpi xmlns:a14="http://schemas.microsoft.com/office/drawing/2010/main" val="0"/>
+                </a:ext>
+              </a:extLst>
+            </a:blip>
+            <a:stretch>
+              <a:fillRect/>
+            </a:stretch>
+          </p:blipFill>
+          <p:spPr>
+            <a:xfrm>
+              <a:off x="1959418" y="7873650"/>
+              <a:ext cx="5197661" cy="3896090"/>
+            </a:xfrm>
+            <a:prstGeom prst="rect">
+              <a:avLst/>
+            </a:prstGeom>
+          </p:spPr>
+        </p:pic>
+        <p:sp>
+          <p:nvSpPr>
+            <p:cNvPr id="1062" name="Rectángulo 1061">
+              <a:extLst>
+                <a:ext uri="{FF2B5EF4-FFF2-40B4-BE49-F238E27FC236}">
+                  <a16:creationId xmlns:a16="http://schemas.microsoft.com/office/drawing/2014/main" id="{A5280E05-1C1F-F894-F93D-06A46E15816A}"/>
+                </a:ext>
+              </a:extLst>
+            </p:cNvPr>
+            <p:cNvSpPr/>
+            <p:nvPr/>
+          </p:nvSpPr>
+          <p:spPr>
+            <a:xfrm>
+              <a:off x="5466845" y="11557576"/>
+              <a:ext cx="1690234" cy="212163"/>
+            </a:xfrm>
+            <a:prstGeom prst="rect">
+              <a:avLst/>
+            </a:prstGeom>
+            <a:solidFill>
+              <a:schemeClr val="bg1"/>
+            </a:solidFill>
+            <a:ln>
+              <a:noFill/>
+            </a:ln>
+          </p:spPr>
+          <p:style>
+            <a:lnRef idx="2">
+              <a:schemeClr val="accent1">
+                <a:shade val="15000"/>
+              </a:schemeClr>
+            </a:lnRef>
+            <a:fillRef idx="1">
+              <a:schemeClr val="accent1"/>
+            </a:fillRef>
+            <a:effectRef idx="0">
+              <a:schemeClr val="accent1"/>
+            </a:effectRef>
+            <a:fontRef idx="minor">
+              <a:schemeClr val="lt1"/>
+            </a:fontRef>
+          </p:style>
+          <p:txBody>
+            <a:bodyPr rtlCol="0" anchor="ctr"/>
+            <a:lstStyle/>
+            <a:p>
+              <a:pPr algn="ctr"/>
+              <a:endParaRPr lang="es-ES"/>
+            </a:p>
+          </p:txBody>
+        </p:sp>
+      </p:grpSp>
     </p:spTree>
     <p:extLst>
       <p:ext uri="{BB962C8B-B14F-4D97-AF65-F5344CB8AC3E}">

--- a/resultados/poster CEEBI/Poster CEEBI TFG.pptx
+++ b/resultados/poster CEEBI/Poster CEEBI TFG.pptx
@@ -266,7 +266,7 @@
           <a:p>
             <a:fld id="{059ACE22-8852-4AB5-AC4C-388E9F46BA1D}" type="datetimeFigureOut">
               <a:rPr lang="es-ES" smtClean="0"/>
-              <a:t>21/06/2023</a:t>
+              <a:t>24/06/2023</a:t>
             </a:fld>
             <a:endParaRPr lang="es-ES"/>
           </a:p>
@@ -436,7 +436,7 @@
           <a:p>
             <a:fld id="{059ACE22-8852-4AB5-AC4C-388E9F46BA1D}" type="datetimeFigureOut">
               <a:rPr lang="es-ES" smtClean="0"/>
-              <a:t>21/06/2023</a:t>
+              <a:t>24/06/2023</a:t>
             </a:fld>
             <a:endParaRPr lang="es-ES"/>
           </a:p>
@@ -616,7 +616,7 @@
           <a:p>
             <a:fld id="{059ACE22-8852-4AB5-AC4C-388E9F46BA1D}" type="datetimeFigureOut">
               <a:rPr lang="es-ES" smtClean="0"/>
-              <a:t>21/06/2023</a:t>
+              <a:t>24/06/2023</a:t>
             </a:fld>
             <a:endParaRPr lang="es-ES"/>
           </a:p>
@@ -786,7 +786,7 @@
           <a:p>
             <a:fld id="{059ACE22-8852-4AB5-AC4C-388E9F46BA1D}" type="datetimeFigureOut">
               <a:rPr lang="es-ES" smtClean="0"/>
-              <a:t>21/06/2023</a:t>
+              <a:t>24/06/2023</a:t>
             </a:fld>
             <a:endParaRPr lang="es-ES"/>
           </a:p>
@@ -1030,7 +1030,7 @@
           <a:p>
             <a:fld id="{059ACE22-8852-4AB5-AC4C-388E9F46BA1D}" type="datetimeFigureOut">
               <a:rPr lang="es-ES" smtClean="0"/>
-              <a:t>21/06/2023</a:t>
+              <a:t>24/06/2023</a:t>
             </a:fld>
             <a:endParaRPr lang="es-ES"/>
           </a:p>
@@ -1262,7 +1262,7 @@
           <a:p>
             <a:fld id="{059ACE22-8852-4AB5-AC4C-388E9F46BA1D}" type="datetimeFigureOut">
               <a:rPr lang="es-ES" smtClean="0"/>
-              <a:t>21/06/2023</a:t>
+              <a:t>24/06/2023</a:t>
             </a:fld>
             <a:endParaRPr lang="es-ES"/>
           </a:p>
@@ -1629,7 +1629,7 @@
           <a:p>
             <a:fld id="{059ACE22-8852-4AB5-AC4C-388E9F46BA1D}" type="datetimeFigureOut">
               <a:rPr lang="es-ES" smtClean="0"/>
-              <a:t>21/06/2023</a:t>
+              <a:t>24/06/2023</a:t>
             </a:fld>
             <a:endParaRPr lang="es-ES"/>
           </a:p>
@@ -1747,7 +1747,7 @@
           <a:p>
             <a:fld id="{059ACE22-8852-4AB5-AC4C-388E9F46BA1D}" type="datetimeFigureOut">
               <a:rPr lang="es-ES" smtClean="0"/>
-              <a:t>21/06/2023</a:t>
+              <a:t>24/06/2023</a:t>
             </a:fld>
             <a:endParaRPr lang="es-ES"/>
           </a:p>
@@ -1842,7 +1842,7 @@
           <a:p>
             <a:fld id="{059ACE22-8852-4AB5-AC4C-388E9F46BA1D}" type="datetimeFigureOut">
               <a:rPr lang="es-ES" smtClean="0"/>
-              <a:t>21/06/2023</a:t>
+              <a:t>24/06/2023</a:t>
             </a:fld>
             <a:endParaRPr lang="es-ES"/>
           </a:p>
@@ -2119,7 +2119,7 @@
           <a:p>
             <a:fld id="{059ACE22-8852-4AB5-AC4C-388E9F46BA1D}" type="datetimeFigureOut">
               <a:rPr lang="es-ES" smtClean="0"/>
-              <a:t>21/06/2023</a:t>
+              <a:t>24/06/2023</a:t>
             </a:fld>
             <a:endParaRPr lang="es-ES"/>
           </a:p>
@@ -2376,7 +2376,7 @@
           <a:p>
             <a:fld id="{059ACE22-8852-4AB5-AC4C-388E9F46BA1D}" type="datetimeFigureOut">
               <a:rPr lang="es-ES" smtClean="0"/>
-              <a:t>21/06/2023</a:t>
+              <a:t>24/06/2023</a:t>
             </a:fld>
             <a:endParaRPr lang="es-ES"/>
           </a:p>
@@ -2589,7 +2589,7 @@
           <a:p>
             <a:fld id="{059ACE22-8852-4AB5-AC4C-388E9F46BA1D}" type="datetimeFigureOut">
               <a:rPr lang="es-ES" smtClean="0"/>
-              <a:t>21/06/2023</a:t>
+              <a:t>24/06/2023</a:t>
             </a:fld>
             <a:endParaRPr lang="es-ES"/>
           </a:p>
@@ -3008,10 +3008,10 @@
         </p:nvGrpSpPr>
         <p:grpSpPr>
           <a:xfrm>
-            <a:off x="13917126" y="4447906"/>
-            <a:ext cx="6676965" cy="9397631"/>
+            <a:off x="13917126" y="4447907"/>
+            <a:ext cx="6676965" cy="8819243"/>
             <a:chOff x="11583323" y="6375151"/>
-            <a:chExt cx="9800303" cy="2808818"/>
+            <a:chExt cx="9800303" cy="2635946"/>
           </a:xfrm>
         </p:grpSpPr>
         <p:sp>
@@ -3029,7 +3029,7 @@
           <p:spPr>
             <a:xfrm>
               <a:off x="11583323" y="6383326"/>
-              <a:ext cx="9800299" cy="2800643"/>
+              <a:ext cx="9800299" cy="2627771"/>
             </a:xfrm>
             <a:prstGeom prst="roundRect">
               <a:avLst>
@@ -3169,10 +3169,10 @@
         </p:nvGrpSpPr>
         <p:grpSpPr>
           <a:xfrm>
-            <a:off x="689052" y="14198362"/>
-            <a:ext cx="19881665" cy="10730624"/>
-            <a:chOff x="4153823" y="12991536"/>
-            <a:chExt cx="9800303" cy="10730624"/>
+            <a:off x="689050" y="13669062"/>
+            <a:ext cx="19905037" cy="11515686"/>
+            <a:chOff x="4153822" y="13046761"/>
+            <a:chExt cx="9811824" cy="11515686"/>
           </a:xfrm>
         </p:grpSpPr>
         <p:sp>
@@ -3189,60 +3189,28 @@
           </p:nvSpPr>
           <p:spPr>
             <a:xfrm>
-              <a:off x="4153824" y="13242105"/>
-              <a:ext cx="9800301" cy="10480055"/>
+              <a:off x="4165344" y="13073376"/>
+              <a:ext cx="9787760" cy="11489071"/>
             </a:xfrm>
             <a:prstGeom prst="roundRect">
               <a:avLst>
                 <a:gd name="adj" fmla="val 3534"/>
               </a:avLst>
             </a:prstGeom>
-            <a:gradFill flip="none" rotWithShape="1">
-              <a:gsLst>
-                <a:gs pos="0">
-                  <a:schemeClr val="bg1">
-                    <a:lumMod val="95000"/>
-                    <a:shade val="30000"/>
-                    <a:satMod val="115000"/>
-                  </a:schemeClr>
-                </a:gs>
-                <a:gs pos="0">
-                  <a:schemeClr val="bg1">
-                    <a:lumMod val="95000"/>
-                    <a:shade val="67500"/>
-                    <a:satMod val="115000"/>
-                    <a:alpha val="80000"/>
-                  </a:schemeClr>
-                </a:gs>
-                <a:gs pos="47000">
-                  <a:schemeClr val="bg1">
-                    <a:lumMod val="95000"/>
-                    <a:shade val="100000"/>
-                    <a:satMod val="115000"/>
-                  </a:schemeClr>
-                </a:gs>
-              </a:gsLst>
-              <a:lin ang="13500000" scaled="1"/>
-              <a:tileRect/>
-            </a:gradFill>
-            <a:ln>
-              <a:noFill/>
-            </a:ln>
+            <a:ln w="38100"/>
           </p:spPr>
           <p:style>
             <a:lnRef idx="2">
-              <a:schemeClr val="accent1">
-                <a:shade val="50000"/>
-              </a:schemeClr>
+              <a:schemeClr val="accent5"/>
             </a:lnRef>
             <a:fillRef idx="1">
-              <a:schemeClr val="accent1"/>
+              <a:schemeClr val="lt1"/>
             </a:fillRef>
             <a:effectRef idx="0">
-              <a:schemeClr val="accent1"/>
+              <a:schemeClr val="accent5"/>
             </a:effectRef>
             <a:fontRef idx="minor">
-              <a:schemeClr val="lt1"/>
+              <a:schemeClr val="dk1"/>
             </a:fontRef>
           </p:style>
           <p:txBody>
@@ -3268,8 +3236,8 @@
           </p:nvSpPr>
           <p:spPr>
             <a:xfrm>
-              <a:off x="4153825" y="12991536"/>
-              <a:ext cx="9800301" cy="511629"/>
+              <a:off x="4153822" y="13046761"/>
+              <a:ext cx="9811824" cy="511629"/>
             </a:xfrm>
             <a:prstGeom prst="roundRect">
               <a:avLst/>
@@ -3314,7 +3282,7 @@
           <p:spPr>
             <a:xfrm>
               <a:off x="4153823" y="13073376"/>
-              <a:ext cx="8288712" cy="400110"/>
+              <a:ext cx="8288712" cy="523220"/>
             </a:xfrm>
             <a:prstGeom prst="rect">
               <a:avLst/>
@@ -3328,7 +3296,7 @@
             <a:lstStyle/>
             <a:p>
               <a:r>
-                <a:rPr lang="es-ES" sz="2000" b="1" dirty="0">
+                <a:rPr lang="es-ES" sz="2800" b="1" dirty="0">
                   <a:solidFill>
                     <a:schemeClr val="bg1"/>
                   </a:solidFill>
@@ -3337,7 +3305,7 @@
                 </a:rPr>
                 <a:t>RESULTADOS</a:t>
               </a:r>
-              <a:endParaRPr lang="x-none" sz="2000" b="1" dirty="0">
+              <a:endParaRPr lang="x-none" sz="2800" b="1" dirty="0">
                 <a:solidFill>
                   <a:schemeClr val="bg1"/>
                 </a:solidFill>
@@ -3348,1059 +3316,6 @@
           </p:txBody>
         </p:sp>
       </p:grpSp>
-      <p:grpSp>
-        <p:nvGrpSpPr>
-          <p:cNvPr id="16" name="Grupo 15">
-            <a:extLst>
-              <a:ext uri="{FF2B5EF4-FFF2-40B4-BE49-F238E27FC236}">
-                <a16:creationId xmlns:a16="http://schemas.microsoft.com/office/drawing/2014/main" id="{72D1A2E4-DA14-74E0-B741-5756172784F6}"/>
-              </a:ext>
-            </a:extLst>
-          </p:cNvPr>
-          <p:cNvGrpSpPr/>
-          <p:nvPr/>
-        </p:nvGrpSpPr>
-        <p:grpSpPr>
-          <a:xfrm>
-            <a:off x="563676" y="30958013"/>
-            <a:ext cx="12977286" cy="4958661"/>
-            <a:chOff x="974247" y="21305958"/>
-            <a:chExt cx="8794416" cy="2874652"/>
-          </a:xfrm>
-        </p:grpSpPr>
-        <p:sp>
-          <p:nvSpPr>
-            <p:cNvPr id="17" name="Rectángulo: esquinas redondeadas 16">
-              <a:extLst>
-                <a:ext uri="{FF2B5EF4-FFF2-40B4-BE49-F238E27FC236}">
-                  <a16:creationId xmlns:a16="http://schemas.microsoft.com/office/drawing/2014/main" id="{42FE6A41-657B-9253-B30F-83AC5D65BEC1}"/>
-                </a:ext>
-              </a:extLst>
-            </p:cNvPr>
-            <p:cNvSpPr/>
-            <p:nvPr/>
-          </p:nvSpPr>
-          <p:spPr>
-            <a:xfrm>
-              <a:off x="1045100" y="21305958"/>
-              <a:ext cx="8723563" cy="2874652"/>
-            </a:xfrm>
-            <a:prstGeom prst="roundRect">
-              <a:avLst>
-                <a:gd name="adj" fmla="val 9819"/>
-              </a:avLst>
-            </a:prstGeom>
-            <a:solidFill>
-              <a:schemeClr val="bg1"/>
-            </a:solidFill>
-            <a:ln>
-              <a:noFill/>
-            </a:ln>
-          </p:spPr>
-          <p:style>
-            <a:lnRef idx="2">
-              <a:schemeClr val="accent1">
-                <a:shade val="50000"/>
-              </a:schemeClr>
-            </a:lnRef>
-            <a:fillRef idx="1">
-              <a:schemeClr val="accent1"/>
-            </a:fillRef>
-            <a:effectRef idx="0">
-              <a:schemeClr val="accent1"/>
-            </a:effectRef>
-            <a:fontRef idx="minor">
-              <a:schemeClr val="lt1"/>
-            </a:fontRef>
-          </p:style>
-          <p:txBody>
-            <a:bodyPr rtlCol="0" anchor="ctr"/>
-            <a:lstStyle/>
-            <a:p>
-              <a:pPr algn="ctr"/>
-              <a:endParaRPr lang="es-ES" dirty="0"/>
-            </a:p>
-          </p:txBody>
-        </p:sp>
-        <p:grpSp>
-          <p:nvGrpSpPr>
-            <p:cNvPr id="18" name="Grupo 17">
-              <a:extLst>
-                <a:ext uri="{FF2B5EF4-FFF2-40B4-BE49-F238E27FC236}">
-                  <a16:creationId xmlns:a16="http://schemas.microsoft.com/office/drawing/2014/main" id="{8E51CBE1-D2CF-E67B-128F-1BDC64CAEE17}"/>
-                </a:ext>
-              </a:extLst>
-            </p:cNvPr>
-            <p:cNvGrpSpPr/>
-            <p:nvPr/>
-          </p:nvGrpSpPr>
-          <p:grpSpPr>
-            <a:xfrm>
-              <a:off x="974247" y="21516451"/>
-              <a:ext cx="8632217" cy="2305712"/>
-              <a:chOff x="1012809" y="21526094"/>
-              <a:chExt cx="8632217" cy="2305712"/>
-            </a:xfrm>
-          </p:grpSpPr>
-          <p:sp>
-            <p:nvSpPr>
-              <p:cNvPr id="19" name="Flecha: a la derecha 18">
-                <a:extLst>
-                  <a:ext uri="{FF2B5EF4-FFF2-40B4-BE49-F238E27FC236}">
-                    <a16:creationId xmlns:a16="http://schemas.microsoft.com/office/drawing/2014/main" id="{110980EB-AB57-FE39-6B6D-723009F20A9A}"/>
-                  </a:ext>
-                </a:extLst>
-              </p:cNvPr>
-              <p:cNvSpPr/>
-              <p:nvPr/>
-            </p:nvSpPr>
-            <p:spPr>
-              <a:xfrm>
-                <a:off x="9128852" y="23319586"/>
-                <a:ext cx="516174" cy="511629"/>
-              </a:xfrm>
-              <a:prstGeom prst="rightArrow">
-                <a:avLst>
-                  <a:gd name="adj1" fmla="val 100000"/>
-                  <a:gd name="adj2" fmla="val 50000"/>
-                </a:avLst>
-              </a:prstGeom>
-              <a:solidFill>
-                <a:schemeClr val="accent2"/>
-              </a:solidFill>
-              <a:ln>
-                <a:noFill/>
-              </a:ln>
-            </p:spPr>
-            <p:style>
-              <a:lnRef idx="2">
-                <a:schemeClr val="accent1">
-                  <a:shade val="50000"/>
-                </a:schemeClr>
-              </a:lnRef>
-              <a:fillRef idx="1">
-                <a:schemeClr val="accent1"/>
-              </a:fillRef>
-              <a:effectRef idx="0">
-                <a:schemeClr val="accent1"/>
-              </a:effectRef>
-              <a:fontRef idx="minor">
-                <a:schemeClr val="lt1"/>
-              </a:fontRef>
-            </p:style>
-            <p:txBody>
-              <a:bodyPr rtlCol="0" anchor="ctr"/>
-              <a:lstStyle/>
-              <a:p>
-                <a:pPr algn="ctr"/>
-                <a:endParaRPr lang="es-ES" sz="1200" dirty="0">
-                  <a:solidFill>
-                    <a:schemeClr val="tx1">
-                      <a:lumMod val="75000"/>
-                      <a:lumOff val="25000"/>
-                    </a:schemeClr>
-                  </a:solidFill>
-                </a:endParaRPr>
-              </a:p>
-            </p:txBody>
-          </p:sp>
-          <p:grpSp>
-            <p:nvGrpSpPr>
-              <p:cNvPr id="20" name="Grupo 19">
-                <a:extLst>
-                  <a:ext uri="{FF2B5EF4-FFF2-40B4-BE49-F238E27FC236}">
-                    <a16:creationId xmlns:a16="http://schemas.microsoft.com/office/drawing/2014/main" id="{7A6CF67B-B38A-CCB3-8FEE-F59BDD0FD3F2}"/>
-                  </a:ext>
-                </a:extLst>
-              </p:cNvPr>
-              <p:cNvGrpSpPr/>
-              <p:nvPr/>
-            </p:nvGrpSpPr>
-            <p:grpSpPr>
-              <a:xfrm>
-                <a:off x="1012809" y="21526094"/>
-                <a:ext cx="8500606" cy="2305712"/>
-                <a:chOff x="925697" y="21302950"/>
-                <a:chExt cx="8500606" cy="2305712"/>
-              </a:xfrm>
-            </p:grpSpPr>
-            <p:grpSp>
-              <p:nvGrpSpPr>
-                <p:cNvPr id="21" name="Grupo 20">
-                  <a:extLst>
-                    <a:ext uri="{FF2B5EF4-FFF2-40B4-BE49-F238E27FC236}">
-                      <a16:creationId xmlns:a16="http://schemas.microsoft.com/office/drawing/2014/main" id="{BDF7D55F-9EA7-6DB2-E80C-0FADA6259CFA}"/>
-                    </a:ext>
-                  </a:extLst>
-                </p:cNvPr>
-                <p:cNvGrpSpPr/>
-                <p:nvPr/>
-              </p:nvGrpSpPr>
-              <p:grpSpPr>
-                <a:xfrm>
-                  <a:off x="1361358" y="23097008"/>
-                  <a:ext cx="7950569" cy="511654"/>
-                  <a:chOff x="903075" y="21847474"/>
-                  <a:chExt cx="9055909" cy="421816"/>
-                </a:xfrm>
-              </p:grpSpPr>
-              <p:sp>
-                <p:nvSpPr>
-                  <p:cNvPr id="36" name="Rectángulo: esquinas redondeadas 35">
-                    <a:extLst>
-                      <a:ext uri="{FF2B5EF4-FFF2-40B4-BE49-F238E27FC236}">
-                        <a16:creationId xmlns:a16="http://schemas.microsoft.com/office/drawing/2014/main" id="{2D88407D-0BE4-DB73-AEF4-59821416137F}"/>
-                      </a:ext>
-                    </a:extLst>
-                  </p:cNvPr>
-                  <p:cNvSpPr/>
-                  <p:nvPr/>
-                </p:nvSpPr>
-                <p:spPr>
-                  <a:xfrm>
-                    <a:off x="5566258" y="21847494"/>
-                    <a:ext cx="4392726" cy="421796"/>
-                  </a:xfrm>
-                  <a:prstGeom prst="roundRect">
-                    <a:avLst/>
-                  </a:prstGeom>
-                  <a:solidFill>
-                    <a:schemeClr val="accent2"/>
-                  </a:solidFill>
-                  <a:ln>
-                    <a:noFill/>
-                  </a:ln>
-                </p:spPr>
-                <p:style>
-                  <a:lnRef idx="0">
-                    <a:scrgbClr r="0" g="0" b="0"/>
-                  </a:lnRef>
-                  <a:fillRef idx="0">
-                    <a:scrgbClr r="0" g="0" b="0"/>
-                  </a:fillRef>
-                  <a:effectRef idx="0">
-                    <a:scrgbClr r="0" g="0" b="0"/>
-                  </a:effectRef>
-                  <a:fontRef idx="minor">
-                    <a:schemeClr val="lt1"/>
-                  </a:fontRef>
-                </p:style>
-                <p:txBody>
-                  <a:bodyPr rtlCol="0" anchor="ctr"/>
-                  <a:lstStyle/>
-                  <a:p>
-                    <a:pPr algn="ctr"/>
-                    <a:r>
-                      <a:rPr lang="es-ES" sz="1600" dirty="0">
-                        <a:solidFill>
-                          <a:schemeClr val="bg1"/>
-                        </a:solidFill>
-                      </a:rPr>
-                      <a:t>16 semanas</a:t>
-                    </a:r>
-                  </a:p>
-                </p:txBody>
-              </p:sp>
-              <p:grpSp>
-                <p:nvGrpSpPr>
-                  <p:cNvPr id="37" name="Grupo 36">
-                    <a:extLst>
-                      <a:ext uri="{FF2B5EF4-FFF2-40B4-BE49-F238E27FC236}">
-                        <a16:creationId xmlns:a16="http://schemas.microsoft.com/office/drawing/2014/main" id="{DE2BFFB3-40DB-1041-DC14-5F5D620CB633}"/>
-                      </a:ext>
-                    </a:extLst>
-                  </p:cNvPr>
-                  <p:cNvGrpSpPr/>
-                  <p:nvPr/>
-                </p:nvGrpSpPr>
-                <p:grpSpPr>
-                  <a:xfrm>
-                    <a:off x="3266216" y="21847474"/>
-                    <a:ext cx="2424661" cy="421802"/>
-                    <a:chOff x="4184850" y="21402569"/>
-                    <a:chExt cx="2878728" cy="272860"/>
-                  </a:xfrm>
-                </p:grpSpPr>
-                <p:sp>
-                  <p:nvSpPr>
-                    <p:cNvPr id="41" name="Rectángulo: esquinas redondeadas 40">
-                      <a:extLst>
-                        <a:ext uri="{FF2B5EF4-FFF2-40B4-BE49-F238E27FC236}">
-                          <a16:creationId xmlns:a16="http://schemas.microsoft.com/office/drawing/2014/main" id="{20DCDFE6-E577-9762-4889-FD766C13285E}"/>
-                        </a:ext>
-                      </a:extLst>
-                    </p:cNvPr>
-                    <p:cNvSpPr/>
-                    <p:nvPr/>
-                  </p:nvSpPr>
-                  <p:spPr>
-                    <a:xfrm>
-                      <a:off x="6742903" y="21402569"/>
-                      <a:ext cx="320675" cy="272856"/>
-                    </a:xfrm>
-                    <a:prstGeom prst="roundRect">
-                      <a:avLst/>
-                    </a:prstGeom>
-                    <a:solidFill>
-                      <a:schemeClr val="bg1">
-                        <a:lumMod val="95000"/>
-                      </a:schemeClr>
-                    </a:solidFill>
-                    <a:ln>
-                      <a:noFill/>
-                    </a:ln>
-                  </p:spPr>
-                  <p:style>
-                    <a:lnRef idx="2">
-                      <a:schemeClr val="accent1">
-                        <a:shade val="50000"/>
-                      </a:schemeClr>
-                    </a:lnRef>
-                    <a:fillRef idx="1">
-                      <a:schemeClr val="accent1"/>
-                    </a:fillRef>
-                    <a:effectRef idx="0">
-                      <a:schemeClr val="accent1"/>
-                    </a:effectRef>
-                    <a:fontRef idx="minor">
-                      <a:schemeClr val="lt1"/>
-                    </a:fontRef>
-                  </p:style>
-                  <p:txBody>
-                    <a:bodyPr rtlCol="0" anchor="ctr"/>
-                    <a:lstStyle/>
-                    <a:p>
-                      <a:pPr algn="ctr"/>
-                      <a:endParaRPr lang="es-ES"/>
-                    </a:p>
-                  </p:txBody>
-                </p:sp>
-                <p:sp>
-                  <p:nvSpPr>
-                    <p:cNvPr id="42" name="Rectángulo: esquinas redondeadas 41">
-                      <a:extLst>
-                        <a:ext uri="{FF2B5EF4-FFF2-40B4-BE49-F238E27FC236}">
-                          <a16:creationId xmlns:a16="http://schemas.microsoft.com/office/drawing/2014/main" id="{C9FC4C8F-A925-FC8B-B2B8-24DB53607AF2}"/>
-                        </a:ext>
-                      </a:extLst>
-                    </p:cNvPr>
-                    <p:cNvSpPr/>
-                    <p:nvPr/>
-                  </p:nvSpPr>
-                  <p:spPr>
-                    <a:xfrm>
-                      <a:off x="4184850" y="21402573"/>
-                      <a:ext cx="2816610" cy="272856"/>
-                    </a:xfrm>
-                    <a:prstGeom prst="roundRect">
-                      <a:avLst/>
-                    </a:prstGeom>
-                    <a:solidFill>
-                      <a:schemeClr val="accent4"/>
-                    </a:solidFill>
-                    <a:ln>
-                      <a:noFill/>
-                    </a:ln>
-                  </p:spPr>
-                  <p:style>
-                    <a:lnRef idx="0">
-                      <a:scrgbClr r="0" g="0" b="0"/>
-                    </a:lnRef>
-                    <a:fillRef idx="0">
-                      <a:scrgbClr r="0" g="0" b="0"/>
-                    </a:fillRef>
-                    <a:effectRef idx="0">
-                      <a:scrgbClr r="0" g="0" b="0"/>
-                    </a:effectRef>
-                    <a:fontRef idx="minor">
-                      <a:schemeClr val="lt1"/>
-                    </a:fontRef>
-                  </p:style>
-                  <p:txBody>
-                    <a:bodyPr rtlCol="0" anchor="ctr"/>
-                    <a:lstStyle/>
-                    <a:p>
-                      <a:pPr algn="ctr"/>
-                      <a:r>
-                        <a:rPr lang="es-ES" sz="1600" dirty="0">
-                          <a:solidFill>
-                            <a:schemeClr val="bg1"/>
-                          </a:solidFill>
-                        </a:rPr>
-                        <a:t>4 semanas</a:t>
-                      </a:r>
-                    </a:p>
-                  </p:txBody>
-                </p:sp>
-              </p:grpSp>
-              <p:grpSp>
-                <p:nvGrpSpPr>
-                  <p:cNvPr id="38" name="Grupo 37">
-                    <a:extLst>
-                      <a:ext uri="{FF2B5EF4-FFF2-40B4-BE49-F238E27FC236}">
-                        <a16:creationId xmlns:a16="http://schemas.microsoft.com/office/drawing/2014/main" id="{AD909D92-7A23-4165-447C-A3441EDD2722}"/>
-                      </a:ext>
-                    </a:extLst>
-                  </p:cNvPr>
-                  <p:cNvGrpSpPr/>
-                  <p:nvPr/>
-                </p:nvGrpSpPr>
-                <p:grpSpPr>
-                  <a:xfrm>
-                    <a:off x="903075" y="21847481"/>
-                    <a:ext cx="2486191" cy="421799"/>
-                    <a:chOff x="1537498" y="21402569"/>
-                    <a:chExt cx="2763041" cy="272858"/>
-                  </a:xfrm>
-                </p:grpSpPr>
-                <p:sp>
-                  <p:nvSpPr>
-                    <p:cNvPr id="39" name="Rectángulo: esquinas redondeadas 38">
-                      <a:extLst>
-                        <a:ext uri="{FF2B5EF4-FFF2-40B4-BE49-F238E27FC236}">
-                          <a16:creationId xmlns:a16="http://schemas.microsoft.com/office/drawing/2014/main" id="{724E4917-1C60-C91C-6263-DD41F8611F41}"/>
-                        </a:ext>
-                      </a:extLst>
-                    </p:cNvPr>
-                    <p:cNvSpPr/>
-                    <p:nvPr/>
-                  </p:nvSpPr>
-                  <p:spPr>
-                    <a:xfrm>
-                      <a:off x="3912595" y="21402569"/>
-                      <a:ext cx="387944" cy="272856"/>
-                    </a:xfrm>
-                    <a:prstGeom prst="roundRect">
-                      <a:avLst/>
-                    </a:prstGeom>
-                    <a:solidFill>
-                      <a:schemeClr val="bg1">
-                        <a:lumMod val="95000"/>
-                      </a:schemeClr>
-                    </a:solidFill>
-                    <a:ln>
-                      <a:noFill/>
-                    </a:ln>
-                  </p:spPr>
-                  <p:style>
-                    <a:lnRef idx="2">
-                      <a:schemeClr val="accent1">
-                        <a:shade val="50000"/>
-                      </a:schemeClr>
-                    </a:lnRef>
-                    <a:fillRef idx="1">
-                      <a:schemeClr val="accent1"/>
-                    </a:fillRef>
-                    <a:effectRef idx="0">
-                      <a:schemeClr val="accent1"/>
-                    </a:effectRef>
-                    <a:fontRef idx="minor">
-                      <a:schemeClr val="lt1"/>
-                    </a:fontRef>
-                  </p:style>
-                  <p:txBody>
-                    <a:bodyPr rtlCol="0" anchor="ctr"/>
-                    <a:lstStyle/>
-                    <a:p>
-                      <a:pPr algn="ctr"/>
-                      <a:endParaRPr lang="es-ES" dirty="0"/>
-                    </a:p>
-                  </p:txBody>
-                </p:sp>
-                <p:sp>
-                  <p:nvSpPr>
-                    <p:cNvPr id="40" name="Rectángulo: esquinas redondeadas 39">
-                      <a:extLst>
-                        <a:ext uri="{FF2B5EF4-FFF2-40B4-BE49-F238E27FC236}">
-                          <a16:creationId xmlns:a16="http://schemas.microsoft.com/office/drawing/2014/main" id="{CCB8FB7F-0FE7-6E5F-A68D-FFFFC386D4EB}"/>
-                        </a:ext>
-                      </a:extLst>
-                    </p:cNvPr>
-                    <p:cNvSpPr/>
-                    <p:nvPr/>
-                  </p:nvSpPr>
-                  <p:spPr>
-                    <a:xfrm>
-                      <a:off x="1537498" y="21402571"/>
-                      <a:ext cx="2701956" cy="272856"/>
-                    </a:xfrm>
-                    <a:prstGeom prst="roundRect">
-                      <a:avLst/>
-                    </a:prstGeom>
-                    <a:solidFill>
-                      <a:schemeClr val="accent5"/>
-                    </a:solidFill>
-                    <a:ln>
-                      <a:noFill/>
-                    </a:ln>
-                  </p:spPr>
-                  <p:style>
-                    <a:lnRef idx="0">
-                      <a:scrgbClr r="0" g="0" b="0"/>
-                    </a:lnRef>
-                    <a:fillRef idx="0">
-                      <a:scrgbClr r="0" g="0" b="0"/>
-                    </a:fillRef>
-                    <a:effectRef idx="0">
-                      <a:scrgbClr r="0" g="0" b="0"/>
-                    </a:effectRef>
-                    <a:fontRef idx="minor">
-                      <a:schemeClr val="lt1"/>
-                    </a:fontRef>
-                  </p:style>
-                  <p:txBody>
-                    <a:bodyPr rtlCol="0" anchor="ctr"/>
-                    <a:lstStyle/>
-                    <a:p>
-                      <a:pPr algn="ctr"/>
-                      <a:r>
-                        <a:rPr lang="es-ES" sz="1600" dirty="0">
-                          <a:solidFill>
-                            <a:schemeClr val="bg1"/>
-                          </a:solidFill>
-                        </a:rPr>
-                        <a:t>4 semanas</a:t>
-                      </a:r>
-                    </a:p>
-                  </p:txBody>
-                </p:sp>
-              </p:grpSp>
-            </p:grpSp>
-            <p:cxnSp>
-              <p:nvCxnSpPr>
-                <p:cNvPr id="22" name="Conector recto 21">
-                  <a:extLst>
-                    <a:ext uri="{FF2B5EF4-FFF2-40B4-BE49-F238E27FC236}">
-                      <a16:creationId xmlns:a16="http://schemas.microsoft.com/office/drawing/2014/main" id="{260F2626-D62D-2321-37E3-122515314A96}"/>
-                    </a:ext>
-                  </a:extLst>
-                </p:cNvPr>
-                <p:cNvCxnSpPr>
-                  <a:cxnSpLocks/>
-                </p:cNvCxnSpPr>
-                <p:nvPr/>
-              </p:nvCxnSpPr>
-              <p:spPr>
-                <a:xfrm flipV="1">
-                  <a:off x="5452811" y="21930294"/>
-                  <a:ext cx="0" cy="1264820"/>
-                </a:xfrm>
-                <a:prstGeom prst="line">
-                  <a:avLst/>
-                </a:prstGeom>
-                <a:ln w="38100">
-                  <a:solidFill>
-                    <a:schemeClr val="accent4"/>
-                  </a:solidFill>
-                  <a:tailEnd type="none" w="med" len="med"/>
-                </a:ln>
-              </p:spPr>
-              <p:style>
-                <a:lnRef idx="1">
-                  <a:schemeClr val="accent1"/>
-                </a:lnRef>
-                <a:fillRef idx="0">
-                  <a:schemeClr val="accent1"/>
-                </a:fillRef>
-                <a:effectRef idx="0">
-                  <a:schemeClr val="accent1"/>
-                </a:effectRef>
-                <a:fontRef idx="minor">
-                  <a:schemeClr val="tx1"/>
-                </a:fontRef>
-              </p:style>
-            </p:cxnSp>
-            <p:cxnSp>
-              <p:nvCxnSpPr>
-                <p:cNvPr id="23" name="Conector recto 22">
-                  <a:extLst>
-                    <a:ext uri="{FF2B5EF4-FFF2-40B4-BE49-F238E27FC236}">
-                      <a16:creationId xmlns:a16="http://schemas.microsoft.com/office/drawing/2014/main" id="{EA94270F-AA1B-89F0-53CC-684C5B75F2C2}"/>
-                    </a:ext>
-                  </a:extLst>
-                </p:cNvPr>
-                <p:cNvCxnSpPr>
-                  <a:cxnSpLocks/>
-                </p:cNvCxnSpPr>
-                <p:nvPr/>
-              </p:nvCxnSpPr>
-              <p:spPr>
-                <a:xfrm flipV="1">
-                  <a:off x="3440279" y="21600319"/>
-                  <a:ext cx="0" cy="1594795"/>
-                </a:xfrm>
-                <a:prstGeom prst="line">
-                  <a:avLst/>
-                </a:prstGeom>
-                <a:ln w="38100">
-                  <a:solidFill>
-                    <a:schemeClr val="accent5"/>
-                  </a:solidFill>
-                  <a:tailEnd type="oval" w="lg" len="lg"/>
-                </a:ln>
-              </p:spPr>
-              <p:style>
-                <a:lnRef idx="1">
-                  <a:schemeClr val="accent1"/>
-                </a:lnRef>
-                <a:fillRef idx="0">
-                  <a:schemeClr val="accent1"/>
-                </a:fillRef>
-                <a:effectRef idx="0">
-                  <a:schemeClr val="accent1"/>
-                </a:effectRef>
-                <a:fontRef idx="minor">
-                  <a:schemeClr val="tx1"/>
-                </a:fontRef>
-              </p:style>
-            </p:cxnSp>
-            <p:cxnSp>
-              <p:nvCxnSpPr>
-                <p:cNvPr id="24" name="Conector recto 23">
-                  <a:extLst>
-                    <a:ext uri="{FF2B5EF4-FFF2-40B4-BE49-F238E27FC236}">
-                      <a16:creationId xmlns:a16="http://schemas.microsoft.com/office/drawing/2014/main" id="{3077F956-7B74-908C-8E9F-74C1F4A00668}"/>
-                    </a:ext>
-                  </a:extLst>
-                </p:cNvPr>
-                <p:cNvCxnSpPr>
-                  <a:cxnSpLocks/>
-                </p:cNvCxnSpPr>
-                <p:nvPr/>
-              </p:nvCxnSpPr>
-              <p:spPr>
-                <a:xfrm flipV="1">
-                  <a:off x="9288064" y="21930294"/>
-                  <a:ext cx="0" cy="1264820"/>
-                </a:xfrm>
-                <a:prstGeom prst="line">
-                  <a:avLst/>
-                </a:prstGeom>
-                <a:ln w="38100">
-                  <a:solidFill>
-                    <a:schemeClr val="accent2"/>
-                  </a:solidFill>
-                  <a:tailEnd type="none" w="med" len="med"/>
-                </a:ln>
-              </p:spPr>
-              <p:style>
-                <a:lnRef idx="1">
-                  <a:schemeClr val="accent1"/>
-                </a:lnRef>
-                <a:fillRef idx="0">
-                  <a:schemeClr val="accent1"/>
-                </a:fillRef>
-                <a:effectRef idx="0">
-                  <a:schemeClr val="accent1"/>
-                </a:effectRef>
-                <a:fontRef idx="minor">
-                  <a:schemeClr val="tx1"/>
-                </a:fontRef>
-              </p:style>
-            </p:cxnSp>
-            <p:sp>
-              <p:nvSpPr>
-                <p:cNvPr id="25" name="CuadroTexto 24">
-                  <a:extLst>
-                    <a:ext uri="{FF2B5EF4-FFF2-40B4-BE49-F238E27FC236}">
-                      <a16:creationId xmlns:a16="http://schemas.microsoft.com/office/drawing/2014/main" id="{C74C9D3A-76EF-2B7C-185C-7FFC05702720}"/>
-                    </a:ext>
-                  </a:extLst>
-                </p:cNvPr>
-                <p:cNvSpPr txBox="1"/>
-                <p:nvPr/>
-              </p:nvSpPr>
-              <p:spPr>
-                <a:xfrm>
-                  <a:off x="2301902" y="21302950"/>
-                  <a:ext cx="2268315" cy="369332"/>
-                </a:xfrm>
-                <a:prstGeom prst="rect">
-                  <a:avLst/>
-                </a:prstGeom>
-                <a:noFill/>
-              </p:spPr>
-              <p:txBody>
-                <a:bodyPr wrap="square" rtlCol="0">
-                  <a:spAutoFit/>
-                </a:bodyPr>
-                <a:lstStyle/>
-                <a:p>
-                  <a:pPr algn="ctr"/>
-                  <a:r>
-                    <a:rPr lang="es-ES" b="1" dirty="0"/>
-                    <a:t>Sección longitudinal</a:t>
-                  </a:r>
-                </a:p>
-              </p:txBody>
-            </p:sp>
-            <p:grpSp>
-              <p:nvGrpSpPr>
-                <p:cNvPr id="26" name="Grupo 25">
-                  <a:extLst>
-                    <a:ext uri="{FF2B5EF4-FFF2-40B4-BE49-F238E27FC236}">
-                      <a16:creationId xmlns:a16="http://schemas.microsoft.com/office/drawing/2014/main" id="{51177A87-2585-481A-716F-BBF57991A573}"/>
-                    </a:ext>
-                  </a:extLst>
-                </p:cNvPr>
-                <p:cNvGrpSpPr/>
-                <p:nvPr/>
-              </p:nvGrpSpPr>
-              <p:grpSpPr>
-                <a:xfrm>
-                  <a:off x="4222280" y="21725388"/>
-                  <a:ext cx="1519843" cy="369332"/>
-                  <a:chOff x="2598993" y="21556911"/>
-                  <a:chExt cx="1519843" cy="369332"/>
-                </a:xfrm>
-              </p:grpSpPr>
-              <p:sp>
-                <p:nvSpPr>
-                  <p:cNvPr id="34" name="CuadroTexto 33">
-                    <a:extLst>
-                      <a:ext uri="{FF2B5EF4-FFF2-40B4-BE49-F238E27FC236}">
-                        <a16:creationId xmlns:a16="http://schemas.microsoft.com/office/drawing/2014/main" id="{E285A086-716E-43C6-6944-FC7C6CC7F01F}"/>
-                      </a:ext>
-                    </a:extLst>
-                  </p:cNvPr>
-                  <p:cNvSpPr txBox="1"/>
-                  <p:nvPr/>
-                </p:nvSpPr>
-                <p:spPr>
-                  <a:xfrm>
-                    <a:off x="2598993" y="21556911"/>
-                    <a:ext cx="1519843" cy="369332"/>
-                  </a:xfrm>
-                  <a:prstGeom prst="rect">
-                    <a:avLst/>
-                  </a:prstGeom>
-                  <a:noFill/>
-                </p:spPr>
-                <p:txBody>
-                  <a:bodyPr wrap="square" rtlCol="0">
-                    <a:spAutoFit/>
-                  </a:bodyPr>
-                  <a:lstStyle/>
-                  <a:p>
-                    <a:pPr algn="ctr"/>
-                    <a:r>
-                      <a:rPr lang="es-ES" b="1" dirty="0"/>
-                      <a:t>Muestreo 1</a:t>
-                    </a:r>
-                  </a:p>
-                </p:txBody>
-              </p:sp>
-              <p:cxnSp>
-                <p:nvCxnSpPr>
-                  <p:cNvPr id="35" name="Conector recto 34">
-                    <a:extLst>
-                      <a:ext uri="{FF2B5EF4-FFF2-40B4-BE49-F238E27FC236}">
-                        <a16:creationId xmlns:a16="http://schemas.microsoft.com/office/drawing/2014/main" id="{956237AC-E6CF-C90C-A289-16777B743764}"/>
-                      </a:ext>
-                    </a:extLst>
-                  </p:cNvPr>
-                  <p:cNvCxnSpPr>
-                    <a:cxnSpLocks/>
-                  </p:cNvCxnSpPr>
-                  <p:nvPr/>
-                </p:nvCxnSpPr>
-                <p:spPr>
-                  <a:xfrm>
-                    <a:off x="2862934" y="21776151"/>
-                    <a:ext cx="966590" cy="0"/>
-                  </a:xfrm>
-                  <a:prstGeom prst="line">
-                    <a:avLst/>
-                  </a:prstGeom>
-                  <a:ln w="28575">
-                    <a:solidFill>
-                      <a:schemeClr val="accent4"/>
-                    </a:solidFill>
-                  </a:ln>
-                </p:spPr>
-                <p:style>
-                  <a:lnRef idx="1">
-                    <a:schemeClr val="accent1"/>
-                  </a:lnRef>
-                  <a:fillRef idx="0">
-                    <a:schemeClr val="accent1"/>
-                  </a:fillRef>
-                  <a:effectRef idx="0">
-                    <a:schemeClr val="accent1"/>
-                  </a:effectRef>
-                  <a:fontRef idx="minor">
-                    <a:schemeClr val="tx1"/>
-                  </a:fontRef>
-                </p:style>
-              </p:cxnSp>
-            </p:grpSp>
-            <p:grpSp>
-              <p:nvGrpSpPr>
-                <p:cNvPr id="27" name="Grupo 26">
-                  <a:extLst>
-                    <a:ext uri="{FF2B5EF4-FFF2-40B4-BE49-F238E27FC236}">
-                      <a16:creationId xmlns:a16="http://schemas.microsoft.com/office/drawing/2014/main" id="{D2664ABC-6A98-6FBE-AD85-4233398390D8}"/>
-                    </a:ext>
-                  </a:extLst>
-                </p:cNvPr>
-                <p:cNvGrpSpPr/>
-                <p:nvPr/>
-              </p:nvGrpSpPr>
-              <p:grpSpPr>
-                <a:xfrm>
-                  <a:off x="8140447" y="21735904"/>
-                  <a:ext cx="1285856" cy="369332"/>
-                  <a:chOff x="2827809" y="21568152"/>
-                  <a:chExt cx="1285856" cy="369332"/>
-                </a:xfrm>
-              </p:grpSpPr>
-              <p:sp>
-                <p:nvSpPr>
-                  <p:cNvPr id="32" name="CuadroTexto 31">
-                    <a:extLst>
-                      <a:ext uri="{FF2B5EF4-FFF2-40B4-BE49-F238E27FC236}">
-                        <a16:creationId xmlns:a16="http://schemas.microsoft.com/office/drawing/2014/main" id="{39B43B9E-2F0C-571D-3532-C8E8B5C23BF4}"/>
-                      </a:ext>
-                    </a:extLst>
-                  </p:cNvPr>
-                  <p:cNvSpPr txBox="1"/>
-                  <p:nvPr/>
-                </p:nvSpPr>
-                <p:spPr>
-                  <a:xfrm>
-                    <a:off x="2827809" y="21568152"/>
-                    <a:ext cx="1285856" cy="369332"/>
-                  </a:xfrm>
-                  <a:prstGeom prst="rect">
-                    <a:avLst/>
-                  </a:prstGeom>
-                  <a:noFill/>
-                </p:spPr>
-                <p:txBody>
-                  <a:bodyPr wrap="square" rtlCol="0">
-                    <a:spAutoFit/>
-                  </a:bodyPr>
-                  <a:lstStyle/>
-                  <a:p>
-                    <a:pPr algn="ctr"/>
-                    <a:r>
-                      <a:rPr lang="es-ES" b="1" dirty="0"/>
-                      <a:t>Muestreo 2</a:t>
-                    </a:r>
-                  </a:p>
-                </p:txBody>
-              </p:sp>
-              <p:cxnSp>
-                <p:nvCxnSpPr>
-                  <p:cNvPr id="33" name="Conector recto 32">
-                    <a:extLst>
-                      <a:ext uri="{FF2B5EF4-FFF2-40B4-BE49-F238E27FC236}">
-                        <a16:creationId xmlns:a16="http://schemas.microsoft.com/office/drawing/2014/main" id="{DD7D39EE-E50A-52B6-8734-35739F56839B}"/>
-                      </a:ext>
-                    </a:extLst>
-                  </p:cNvPr>
-                  <p:cNvCxnSpPr>
-                    <a:cxnSpLocks/>
-                  </p:cNvCxnSpPr>
-                  <p:nvPr/>
-                </p:nvCxnSpPr>
-                <p:spPr>
-                  <a:xfrm>
-                    <a:off x="2980658" y="21775272"/>
-                    <a:ext cx="1013867" cy="0"/>
-                  </a:xfrm>
-                  <a:prstGeom prst="line">
-                    <a:avLst/>
-                  </a:prstGeom>
-                  <a:ln w="28575">
-                    <a:solidFill>
-                      <a:schemeClr val="accent2"/>
-                    </a:solidFill>
-                  </a:ln>
-                </p:spPr>
-                <p:style>
-                  <a:lnRef idx="1">
-                    <a:schemeClr val="accent1"/>
-                  </a:lnRef>
-                  <a:fillRef idx="0">
-                    <a:schemeClr val="accent1"/>
-                  </a:fillRef>
-                  <a:effectRef idx="0">
-                    <a:schemeClr val="accent1"/>
-                  </a:effectRef>
-                  <a:fontRef idx="minor">
-                    <a:schemeClr val="tx1"/>
-                  </a:fontRef>
-                </p:style>
-              </p:cxnSp>
-            </p:grpSp>
-            <p:cxnSp>
-              <p:nvCxnSpPr>
-                <p:cNvPr id="28" name="Conector recto 27">
-                  <a:extLst>
-                    <a:ext uri="{FF2B5EF4-FFF2-40B4-BE49-F238E27FC236}">
-                      <a16:creationId xmlns:a16="http://schemas.microsoft.com/office/drawing/2014/main" id="{98C61D7F-4984-7AFB-E9ED-1D5C01205EFF}"/>
-                    </a:ext>
-                  </a:extLst>
-                </p:cNvPr>
-                <p:cNvCxnSpPr>
-                  <a:cxnSpLocks/>
-                </p:cNvCxnSpPr>
-                <p:nvPr/>
-              </p:nvCxnSpPr>
-              <p:spPr>
-                <a:xfrm flipH="1" flipV="1">
-                  <a:off x="1373196" y="21627062"/>
-                  <a:ext cx="13694" cy="1666474"/>
-                </a:xfrm>
-                <a:prstGeom prst="line">
-                  <a:avLst/>
-                </a:prstGeom>
-                <a:ln w="57150">
-                  <a:solidFill>
-                    <a:schemeClr val="accent5"/>
-                  </a:solidFill>
-                </a:ln>
-              </p:spPr>
-              <p:style>
-                <a:lnRef idx="1">
-                  <a:schemeClr val="accent1"/>
-                </a:lnRef>
-                <a:fillRef idx="0">
-                  <a:schemeClr val="accent1"/>
-                </a:fillRef>
-                <a:effectRef idx="0">
-                  <a:schemeClr val="accent1"/>
-                </a:effectRef>
-                <a:fontRef idx="minor">
-                  <a:schemeClr val="tx1"/>
-                </a:fontRef>
-              </p:style>
-            </p:cxnSp>
-            <p:sp>
-              <p:nvSpPr>
-                <p:cNvPr id="29" name="CuadroTexto 28">
-                  <a:extLst>
-                    <a:ext uri="{FF2B5EF4-FFF2-40B4-BE49-F238E27FC236}">
-                      <a16:creationId xmlns:a16="http://schemas.microsoft.com/office/drawing/2014/main" id="{060BF510-B875-677B-72ED-40E6A3524CD4}"/>
-                    </a:ext>
-                  </a:extLst>
-                </p:cNvPr>
-                <p:cNvSpPr txBox="1"/>
-                <p:nvPr/>
-              </p:nvSpPr>
-              <p:spPr>
-                <a:xfrm>
-                  <a:off x="925697" y="21380560"/>
-                  <a:ext cx="1254431" cy="214110"/>
-                </a:xfrm>
-                <a:prstGeom prst="rect">
-                  <a:avLst/>
-                </a:prstGeom>
-                <a:noFill/>
-              </p:spPr>
-              <p:txBody>
-                <a:bodyPr wrap="square" rtlCol="0">
-                  <a:spAutoFit/>
-                </a:bodyPr>
-                <a:lstStyle/>
-                <a:p>
-                  <a:r>
-                    <a:rPr lang="es-ES" b="1" dirty="0"/>
-                    <a:t>Inicio del cultivo</a:t>
-                  </a:r>
-                </a:p>
-              </p:txBody>
-            </p:sp>
-            <p:sp>
-              <p:nvSpPr>
-                <p:cNvPr id="30" name="CuadroTexto 29">
-                  <a:extLst>
-                    <a:ext uri="{FF2B5EF4-FFF2-40B4-BE49-F238E27FC236}">
-                      <a16:creationId xmlns:a16="http://schemas.microsoft.com/office/drawing/2014/main" id="{2B01A201-30B4-0833-F47D-3A0713E7A76B}"/>
-                    </a:ext>
-                  </a:extLst>
-                </p:cNvPr>
-                <p:cNvSpPr txBox="1"/>
-                <p:nvPr/>
-              </p:nvSpPr>
-              <p:spPr>
-                <a:xfrm>
-                  <a:off x="3733546" y="21971286"/>
-                  <a:ext cx="1701274" cy="523220"/>
-                </a:xfrm>
-                <a:prstGeom prst="rect">
-                  <a:avLst/>
-                </a:prstGeom>
-                <a:noFill/>
-              </p:spPr>
-              <p:txBody>
-                <a:bodyPr wrap="square" rtlCol="0">
-                  <a:spAutoFit/>
-                </a:bodyPr>
-                <a:lstStyle/>
-                <a:p>
-                  <a:pPr algn="r"/>
-                  <a:r>
-                    <a:rPr lang="es-ES" sz="1400" dirty="0"/>
-                    <a:t>Control ( n = 9)</a:t>
-                  </a:r>
-                </a:p>
-                <a:p>
-                  <a:pPr algn="r"/>
-                  <a:r>
-                    <a:rPr lang="es-ES" sz="1400" dirty="0"/>
-                    <a:t>Seccionados (n = 9)</a:t>
-                  </a:r>
-                </a:p>
-              </p:txBody>
-            </p:sp>
-            <p:sp>
-              <p:nvSpPr>
-                <p:cNvPr id="31" name="CuadroTexto 30">
-                  <a:extLst>
-                    <a:ext uri="{FF2B5EF4-FFF2-40B4-BE49-F238E27FC236}">
-                      <a16:creationId xmlns:a16="http://schemas.microsoft.com/office/drawing/2014/main" id="{64B6C5F8-95B6-C5B4-CB29-7F1F57B9F952}"/>
-                    </a:ext>
-                  </a:extLst>
-                </p:cNvPr>
-                <p:cNvSpPr txBox="1"/>
-                <p:nvPr/>
-              </p:nvSpPr>
-              <p:spPr>
-                <a:xfrm>
-                  <a:off x="5973747" y="21966253"/>
-                  <a:ext cx="3258919" cy="523220"/>
-                </a:xfrm>
-                <a:prstGeom prst="rect">
-                  <a:avLst/>
-                </a:prstGeom>
-                <a:noFill/>
-              </p:spPr>
-              <p:txBody>
-                <a:bodyPr wrap="square" rtlCol="0">
-                  <a:spAutoFit/>
-                </a:bodyPr>
-                <a:lstStyle/>
-                <a:p>
-                  <a:pPr algn="r"/>
-                  <a:r>
-                    <a:rPr lang="es-ES" sz="1400" dirty="0"/>
-                    <a:t>Maduración natural ( n = 9)</a:t>
-                  </a:r>
-                </a:p>
-                <a:p>
-                  <a:pPr algn="r"/>
-                  <a:r>
-                    <a:rPr lang="es-ES" sz="1400" dirty="0"/>
-                    <a:t>Seccionados + Maduración natural (n = 9)</a:t>
-                  </a:r>
-                </a:p>
-              </p:txBody>
-            </p:sp>
-          </p:grpSp>
-        </p:grpSp>
-      </p:grpSp>
       <p:sp>
         <p:nvSpPr>
           <p:cNvPr id="4" name="Rectángulo: esquinas redondeadas 3">
@@ -4416,7 +3331,7 @@
         <p:spPr>
           <a:xfrm>
             <a:off x="712426" y="4713369"/>
-            <a:ext cx="12633924" cy="9102762"/>
+            <a:ext cx="12633924" cy="8553779"/>
           </a:xfrm>
           <a:prstGeom prst="roundRect">
             <a:avLst>
@@ -4609,7 +3524,7 @@
         <p:spPr>
           <a:xfrm>
             <a:off x="1121895" y="5484423"/>
-            <a:ext cx="11748372" cy="1815882"/>
+            <a:ext cx="6376169" cy="2831544"/>
           </a:xfrm>
           <a:prstGeom prst="rect">
             <a:avLst/>
@@ -4741,8 +3656,8 @@
         </p:nvSpPr>
         <p:spPr>
           <a:xfrm>
-            <a:off x="1039438" y="7072025"/>
-            <a:ext cx="11641291" cy="769441"/>
+            <a:off x="1158870" y="8140149"/>
+            <a:ext cx="6319330" cy="2123658"/>
           </a:xfrm>
           <a:prstGeom prst="rect">
             <a:avLst/>
@@ -4755,7 +3670,7 @@
           </a:bodyPr>
           <a:lstStyle/>
           <a:p>
-            <a:pPr algn="ctr"/>
+            <a:pPr algn="just"/>
             <a:r>
               <a:rPr lang="es-ES" sz="2200" dirty="0"/>
               <a:t>La acuicultura ofrece una posible solución a ese problema de conservación, especialmente a través de la </a:t>
@@ -4766,419 +3681,31 @@
                   <a:srgbClr val="47A5A3"/>
                 </a:solidFill>
               </a:rPr>
-              <a:t>acuicultura multitrófica integrada (IMTA). </a:t>
-            </a:r>
-          </a:p>
-        </p:txBody>
-      </p:sp>
-      <p:pic>
-        <p:nvPicPr>
-          <p:cNvPr id="50" name="Picture 4" descr="Anemonia viridis">
-            <a:extLst>
-              <a:ext uri="{FF2B5EF4-FFF2-40B4-BE49-F238E27FC236}">
-                <a16:creationId xmlns:a16="http://schemas.microsoft.com/office/drawing/2014/main" id="{ACCDF8C5-D795-422B-C4C1-EAFA65D2BA72}"/>
-              </a:ext>
-            </a:extLst>
-          </p:cNvPr>
-          <p:cNvPicPr>
-            <a:picLocks noChangeAspect="1" noChangeArrowheads="1"/>
-          </p:cNvPicPr>
-          <p:nvPr/>
-        </p:nvPicPr>
-        <p:blipFill>
-          <a:blip r:embed="rId2" cstate="print">
-            <a:extLst>
-              <a:ext uri="{28A0092B-C50C-407E-A947-70E740481C1C}">
-                <a14:useLocalDpi xmlns:a14="http://schemas.microsoft.com/office/drawing/2010/main" val="0"/>
-              </a:ext>
-            </a:extLst>
-          </a:blip>
-          <a:srcRect/>
-          <a:stretch>
-            <a:fillRect/>
-          </a:stretch>
-        </p:blipFill>
-        <p:spPr bwMode="auto">
-          <a:xfrm>
-            <a:off x="14742646" y="31719405"/>
-            <a:ext cx="4352860" cy="3549451"/>
-          </a:xfrm>
-          <a:prstGeom prst="rect">
-            <a:avLst/>
-          </a:prstGeom>
-          <a:noFill/>
-          <a:extLst>
-            <a:ext uri="{909E8E84-426E-40DD-AFC4-6F175D3DCCD1}">
-              <a14:hiddenFill xmlns:a14="http://schemas.microsoft.com/office/drawing/2010/main">
+              <a:t>acuicultura multitrófica integrada (IMTA), </a:t>
+            </a:r>
+            <a:r>
+              <a:rPr lang="es-ES" sz="2200" dirty="0"/>
+              <a:t>donde se </a:t>
+            </a:r>
+            <a:r>
+              <a:rPr lang="es-ES" sz="2200" dirty="0" err="1"/>
+              <a:t>co-cultivan</a:t>
+            </a:r>
+            <a:r>
+              <a:rPr lang="es-ES" sz="2200" dirty="0"/>
+              <a:t> especies de diferente nivel trófico de modo que unas aprovechen los productos de excreción de otras</a:t>
+            </a:r>
+            <a:r>
+              <a:rPr lang="es-ES" sz="2200" b="1" dirty="0">
                 <a:solidFill>
-                  <a:srgbClr val="FFFFFF"/>
+                  <a:srgbClr val="47A5A3"/>
                 </a:solidFill>
-              </a14:hiddenFill>
-            </a:ext>
-          </a:extLst>
-        </p:spPr>
-      </p:pic>
-      <p:grpSp>
-        <p:nvGrpSpPr>
-          <p:cNvPr id="69" name="Grupo 68">
-            <a:extLst>
-              <a:ext uri="{FF2B5EF4-FFF2-40B4-BE49-F238E27FC236}">
-                <a16:creationId xmlns:a16="http://schemas.microsoft.com/office/drawing/2014/main" id="{248882A6-A87C-E245-31B0-C27EA88AD0DD}"/>
-              </a:ext>
-            </a:extLst>
-          </p:cNvPr>
-          <p:cNvGrpSpPr/>
-          <p:nvPr/>
-        </p:nvGrpSpPr>
-        <p:grpSpPr>
-          <a:xfrm>
-            <a:off x="7880523" y="8476133"/>
-            <a:ext cx="4252245" cy="2861595"/>
-            <a:chOff x="5079041" y="11088636"/>
-            <a:chExt cx="3610054" cy="2861595"/>
-          </a:xfrm>
-        </p:grpSpPr>
-        <p:sp>
-          <p:nvSpPr>
-            <p:cNvPr id="70" name="CuadroTexto 69">
-              <a:extLst>
-                <a:ext uri="{FF2B5EF4-FFF2-40B4-BE49-F238E27FC236}">
-                  <a16:creationId xmlns:a16="http://schemas.microsoft.com/office/drawing/2014/main" id="{837EE1B4-0C7B-8878-2A8E-77FB0D2878C1}"/>
-                </a:ext>
-              </a:extLst>
-            </p:cNvPr>
-            <p:cNvSpPr txBox="1"/>
-            <p:nvPr/>
-          </p:nvSpPr>
-          <p:spPr>
-            <a:xfrm>
-              <a:off x="5310334" y="11641907"/>
-              <a:ext cx="3378761" cy="2308324"/>
-            </a:xfrm>
-            <a:prstGeom prst="rect">
-              <a:avLst/>
-            </a:prstGeom>
-            <a:noFill/>
-          </p:spPr>
-          <p:txBody>
-            <a:bodyPr wrap="square" rtlCol="0">
-              <a:spAutoFit/>
-            </a:bodyPr>
-            <a:lstStyle/>
-            <a:p>
-              <a:pPr algn="just"/>
-              <a:r>
-                <a:rPr lang="es-ES" sz="2400" dirty="0" err="1"/>
-                <a:t>Co-cultivo</a:t>
-              </a:r>
-              <a:r>
-                <a:rPr lang="es-ES" sz="2400" dirty="0"/>
-                <a:t> de especies de diferente nivel trófico, de modo que los productos de excreción de unas funcionan como recurso de otra.</a:t>
-              </a:r>
-              <a:endParaRPr lang="x-none" sz="2400" dirty="0"/>
-            </a:p>
-          </p:txBody>
-        </p:sp>
-        <p:grpSp>
-          <p:nvGrpSpPr>
-            <p:cNvPr id="71" name="Grupo 70">
-              <a:extLst>
-                <a:ext uri="{FF2B5EF4-FFF2-40B4-BE49-F238E27FC236}">
-                  <a16:creationId xmlns:a16="http://schemas.microsoft.com/office/drawing/2014/main" id="{0D4ED7B2-A292-F739-5370-034F9B9FF246}"/>
-                </a:ext>
-              </a:extLst>
-            </p:cNvPr>
-            <p:cNvGrpSpPr/>
-            <p:nvPr/>
-          </p:nvGrpSpPr>
-          <p:grpSpPr>
-            <a:xfrm>
-              <a:off x="5079041" y="11088636"/>
-              <a:ext cx="2699902" cy="2593475"/>
-              <a:chOff x="5079041" y="11088636"/>
-              <a:chExt cx="2699902" cy="2593475"/>
-            </a:xfrm>
-          </p:grpSpPr>
-          <p:grpSp>
-            <p:nvGrpSpPr>
-              <p:cNvPr id="72" name="Grupo 71">
-                <a:extLst>
-                  <a:ext uri="{FF2B5EF4-FFF2-40B4-BE49-F238E27FC236}">
-                    <a16:creationId xmlns:a16="http://schemas.microsoft.com/office/drawing/2014/main" id="{DAB4CE63-4DE7-A843-BBFA-E205E6B8875E}"/>
-                  </a:ext>
-                </a:extLst>
-              </p:cNvPr>
-              <p:cNvGrpSpPr/>
-              <p:nvPr/>
-            </p:nvGrpSpPr>
-            <p:grpSpPr>
-              <a:xfrm>
-                <a:off x="5079041" y="11295488"/>
-                <a:ext cx="402967" cy="2386623"/>
-                <a:chOff x="5095410" y="11976593"/>
-                <a:chExt cx="402967" cy="2386623"/>
-              </a:xfrm>
-            </p:grpSpPr>
-            <p:grpSp>
-              <p:nvGrpSpPr>
-                <p:cNvPr id="74" name="Grupo 73">
-                  <a:extLst>
-                    <a:ext uri="{FF2B5EF4-FFF2-40B4-BE49-F238E27FC236}">
-                      <a16:creationId xmlns:a16="http://schemas.microsoft.com/office/drawing/2014/main" id="{8883E14F-62D3-4C5C-58C4-67DB05AC060A}"/>
-                    </a:ext>
-                  </a:extLst>
-                </p:cNvPr>
-                <p:cNvGrpSpPr/>
-                <p:nvPr/>
-              </p:nvGrpSpPr>
-              <p:grpSpPr>
-                <a:xfrm>
-                  <a:off x="5178337" y="11976593"/>
-                  <a:ext cx="320040" cy="2386623"/>
-                  <a:chOff x="5721876" y="10549467"/>
-                  <a:chExt cx="320040" cy="1914866"/>
-                </a:xfrm>
-                <a:solidFill>
-                  <a:srgbClr val="FFBC42"/>
-                </a:solidFill>
-              </p:grpSpPr>
-              <p:cxnSp>
-                <p:nvCxnSpPr>
-                  <p:cNvPr id="76" name="Conector recto 75">
-                    <a:extLst>
-                      <a:ext uri="{FF2B5EF4-FFF2-40B4-BE49-F238E27FC236}">
-                        <a16:creationId xmlns:a16="http://schemas.microsoft.com/office/drawing/2014/main" id="{6485FFFE-FDCF-DE19-BC3F-795AF9A0B3A9}"/>
-                      </a:ext>
-                    </a:extLst>
-                  </p:cNvPr>
-                  <p:cNvCxnSpPr>
-                    <a:cxnSpLocks/>
-                  </p:cNvCxnSpPr>
-                  <p:nvPr/>
-                </p:nvCxnSpPr>
-                <p:spPr>
-                  <a:xfrm>
-                    <a:off x="5740400" y="10549467"/>
-                    <a:ext cx="0" cy="1914866"/>
-                  </a:xfrm>
-                  <a:prstGeom prst="line">
-                    <a:avLst/>
-                  </a:prstGeom>
-                  <a:grpFill/>
-                  <a:ln w="57150">
-                    <a:solidFill>
-                      <a:srgbClr val="FFBC42"/>
-                    </a:solidFill>
-                  </a:ln>
-                </p:spPr>
-                <p:style>
-                  <a:lnRef idx="1">
-                    <a:schemeClr val="accent1"/>
-                  </a:lnRef>
-                  <a:fillRef idx="0">
-                    <a:schemeClr val="accent1"/>
-                  </a:fillRef>
-                  <a:effectRef idx="0">
-                    <a:schemeClr val="accent1"/>
-                  </a:effectRef>
-                  <a:fontRef idx="minor">
-                    <a:schemeClr val="tx1"/>
-                  </a:fontRef>
-                </p:style>
-              </p:cxnSp>
-              <p:cxnSp>
-                <p:nvCxnSpPr>
-                  <p:cNvPr id="77" name="Conector recto 76">
-                    <a:extLst>
-                      <a:ext uri="{FF2B5EF4-FFF2-40B4-BE49-F238E27FC236}">
-                        <a16:creationId xmlns:a16="http://schemas.microsoft.com/office/drawing/2014/main" id="{CE0D7952-EC67-1747-2797-55AE0587DA76}"/>
-                      </a:ext>
-                    </a:extLst>
-                  </p:cNvPr>
-                  <p:cNvCxnSpPr>
-                    <a:cxnSpLocks/>
-                  </p:cNvCxnSpPr>
-                  <p:nvPr/>
-                </p:nvCxnSpPr>
-                <p:spPr>
-                  <a:xfrm>
-                    <a:off x="5721876" y="10561695"/>
-                    <a:ext cx="320040" cy="0"/>
-                  </a:xfrm>
-                  <a:prstGeom prst="line">
-                    <a:avLst/>
-                  </a:prstGeom>
-                  <a:grpFill/>
-                  <a:ln w="57150">
-                    <a:solidFill>
-                      <a:srgbClr val="FFBC42"/>
-                    </a:solidFill>
-                  </a:ln>
-                </p:spPr>
-                <p:style>
-                  <a:lnRef idx="1">
-                    <a:schemeClr val="accent1"/>
-                  </a:lnRef>
-                  <a:fillRef idx="0">
-                    <a:schemeClr val="accent1"/>
-                  </a:fillRef>
-                  <a:effectRef idx="0">
-                    <a:schemeClr val="accent1"/>
-                  </a:effectRef>
-                  <a:fontRef idx="minor">
-                    <a:schemeClr val="tx1"/>
-                  </a:fontRef>
-                </p:style>
-              </p:cxnSp>
-              <p:cxnSp>
-                <p:nvCxnSpPr>
-                  <p:cNvPr id="78" name="Conector recto 77">
-                    <a:extLst>
-                      <a:ext uri="{FF2B5EF4-FFF2-40B4-BE49-F238E27FC236}">
-                        <a16:creationId xmlns:a16="http://schemas.microsoft.com/office/drawing/2014/main" id="{19A6E3C7-4AD7-BF80-42D9-AADE9F6FBD8F}"/>
-                      </a:ext>
-                    </a:extLst>
-                  </p:cNvPr>
-                  <p:cNvCxnSpPr>
-                    <a:cxnSpLocks/>
-                  </p:cNvCxnSpPr>
-                  <p:nvPr/>
-                </p:nvCxnSpPr>
-                <p:spPr>
-                  <a:xfrm>
-                    <a:off x="5721876" y="12461812"/>
-                    <a:ext cx="138230" cy="0"/>
-                  </a:xfrm>
-                  <a:prstGeom prst="line">
-                    <a:avLst/>
-                  </a:prstGeom>
-                  <a:grpFill/>
-                  <a:ln w="57150">
-                    <a:solidFill>
-                      <a:srgbClr val="FFBC42"/>
-                    </a:solidFill>
-                  </a:ln>
-                </p:spPr>
-                <p:style>
-                  <a:lnRef idx="1">
-                    <a:schemeClr val="accent1"/>
-                  </a:lnRef>
-                  <a:fillRef idx="0">
-                    <a:schemeClr val="accent1"/>
-                  </a:fillRef>
-                  <a:effectRef idx="0">
-                    <a:schemeClr val="accent1"/>
-                  </a:effectRef>
-                  <a:fontRef idx="minor">
-                    <a:schemeClr val="tx1"/>
-                  </a:fontRef>
-                </p:style>
-              </p:cxnSp>
-            </p:grpSp>
-            <p:sp>
-              <p:nvSpPr>
-                <p:cNvPr id="75" name="Elipse 74">
-                  <a:extLst>
-                    <a:ext uri="{FF2B5EF4-FFF2-40B4-BE49-F238E27FC236}">
-                      <a16:creationId xmlns:a16="http://schemas.microsoft.com/office/drawing/2014/main" id="{C732E7F4-53C9-2C34-AC0A-18B0C8CF9C8C}"/>
-                    </a:ext>
-                  </a:extLst>
-                </p:cNvPr>
-                <p:cNvSpPr/>
-                <p:nvPr/>
-              </p:nvSpPr>
-              <p:spPr>
-                <a:xfrm>
-                  <a:off x="5095410" y="12826759"/>
-                  <a:ext cx="202901" cy="202901"/>
-                </a:xfrm>
-                <a:prstGeom prst="ellipse">
-                  <a:avLst/>
-                </a:prstGeom>
-                <a:solidFill>
-                  <a:srgbClr val="FFBC42"/>
-                </a:solidFill>
-                <a:ln>
-                  <a:solidFill>
-                    <a:srgbClr val="FFBC42"/>
-                  </a:solidFill>
-                </a:ln>
-              </p:spPr>
-              <p:style>
-                <a:lnRef idx="2">
-                  <a:schemeClr val="accent1">
-                    <a:shade val="50000"/>
-                  </a:schemeClr>
-                </a:lnRef>
-                <a:fillRef idx="1">
-                  <a:schemeClr val="accent1"/>
-                </a:fillRef>
-                <a:effectRef idx="0">
-                  <a:schemeClr val="accent1"/>
-                </a:effectRef>
-                <a:fontRef idx="minor">
-                  <a:schemeClr val="lt1"/>
-                </a:fontRef>
-              </p:style>
-              <p:txBody>
-                <a:bodyPr rtlCol="0" anchor="ctr"/>
-                <a:lstStyle/>
-                <a:p>
-                  <a:pPr algn="ctr"/>
-                  <a:endParaRPr lang="es-ES"/>
-                </a:p>
-              </p:txBody>
-            </p:sp>
-          </p:grpSp>
-          <p:sp>
-            <p:nvSpPr>
-              <p:cNvPr id="73" name="CuadroTexto 72">
-                <a:extLst>
-                  <a:ext uri="{FF2B5EF4-FFF2-40B4-BE49-F238E27FC236}">
-                    <a16:creationId xmlns:a16="http://schemas.microsoft.com/office/drawing/2014/main" id="{1B9DD0C9-D28B-8A38-CE2F-5D42774DB2C6}"/>
-                  </a:ext>
-                </a:extLst>
-              </p:cNvPr>
-              <p:cNvSpPr txBox="1"/>
-              <p:nvPr/>
-            </p:nvSpPr>
-            <p:spPr>
-              <a:xfrm>
-                <a:off x="5500532" y="11088636"/>
-                <a:ext cx="2278411" cy="461665"/>
-              </a:xfrm>
-              <a:prstGeom prst="rect">
-                <a:avLst/>
-              </a:prstGeom>
-              <a:noFill/>
-            </p:spPr>
-            <p:txBody>
-              <a:bodyPr wrap="square" rtlCol="0">
-                <a:spAutoFit/>
-              </a:bodyPr>
-              <a:lstStyle/>
-              <a:p>
-                <a:pPr algn="just"/>
-                <a:r>
-                  <a:rPr lang="es-ES" sz="2400" b="1" dirty="0">
-                    <a:solidFill>
-                      <a:srgbClr val="FAA100"/>
-                    </a:solidFill>
-                    <a:latin typeface="+mj-lt"/>
-                  </a:rPr>
-                  <a:t>sistema IMTA</a:t>
-                </a:r>
-                <a:endParaRPr lang="x-none" sz="2400" b="1" dirty="0">
-                  <a:solidFill>
-                    <a:srgbClr val="FAA100"/>
-                  </a:solidFill>
-                  <a:latin typeface="+mj-lt"/>
-                </a:endParaRPr>
-              </a:p>
-            </p:txBody>
-          </p:sp>
-        </p:grpSp>
-      </p:grpSp>
+              </a:rPr>
+              <a:t>. </a:t>
+            </a:r>
+          </a:p>
+        </p:txBody>
+      </p:sp>
       <p:sp>
         <p:nvSpPr>
           <p:cNvPr id="79" name="CuadroTexto 78">
@@ -5288,7 +3815,7 @@
         </p:nvSpPr>
         <p:spPr>
           <a:xfrm>
-            <a:off x="1234212" y="11972396"/>
+            <a:off x="1332463" y="10433513"/>
             <a:ext cx="11416654" cy="1532334"/>
           </a:xfrm>
           <a:prstGeom prst="roundRect">
@@ -5445,13 +3972,13 @@
           <p:nvPr/>
         </p:nvPicPr>
         <p:blipFill>
-          <a:blip r:embed="rId3" cstate="print">
+          <a:blip r:embed="rId2" cstate="print">
             <a:extLst>
               <a:ext uri="{28A0092B-C50C-407E-A947-70E740481C1C}">
                 <a14:useLocalDpi xmlns:a14="http://schemas.microsoft.com/office/drawing/2010/main" val="0"/>
               </a:ext>
               <a:ext uri="{96DAC541-7B7A-43D3-8B79-37D633B846F1}">
-                <asvg:svgBlip xmlns:asvg="http://schemas.microsoft.com/office/drawing/2016/SVG/main" r:embed="rId4"/>
+                <asvg:svgBlip xmlns:asvg="http://schemas.microsoft.com/office/drawing/2016/SVG/main" r:embed="rId3"/>
               </a:ext>
             </a:extLst>
           </a:blip>
@@ -5483,7 +4010,7 @@
         </p:nvSpPr>
         <p:spPr>
           <a:xfrm>
-            <a:off x="17770874" y="10817213"/>
+            <a:off x="17770874" y="9688857"/>
             <a:ext cx="2848487" cy="1938992"/>
           </a:xfrm>
           <a:prstGeom prst="rect">
@@ -5568,8 +4095,8 @@
         </p:nvSpPr>
         <p:spPr>
           <a:xfrm>
-            <a:off x="15099166" y="5357338"/>
-            <a:ext cx="4447795" cy="707886"/>
+            <a:off x="1628832" y="12110067"/>
+            <a:ext cx="10860968" cy="954107"/>
           </a:xfrm>
           <a:prstGeom prst="rect">
             <a:avLst/>
@@ -5584,18 +4111,18 @@
           <a:p>
             <a:pPr algn="ctr"/>
             <a:r>
-              <a:rPr lang="es-ES" sz="2000" dirty="0"/>
-              <a:t>Anémonas procedentes de</a:t>
+              <a:rPr lang="es-ES" sz="2800" dirty="0"/>
+              <a:t>Utilizando anémonas procedentes de</a:t>
             </a:r>
           </a:p>
           <a:p>
             <a:pPr algn="ctr"/>
             <a:r>
-              <a:rPr lang="es-ES" sz="2000" dirty="0"/>
+              <a:rPr lang="es-ES" sz="2800" dirty="0"/>
               <a:t> </a:t>
             </a:r>
             <a:r>
-              <a:rPr lang="es-ES" sz="2000" b="1" dirty="0">
+              <a:rPr lang="es-ES" sz="2800" b="1" dirty="0">
                 <a:solidFill>
                   <a:schemeClr val="accent2"/>
                 </a:solidFill>
@@ -5603,11 +4130,11 @@
               <a:t>Calahonda</a:t>
             </a:r>
             <a:r>
-              <a:rPr lang="es-ES" sz="2000" dirty="0"/>
+              <a:rPr lang="es-ES" sz="2800" dirty="0"/>
               <a:t>, </a:t>
             </a:r>
             <a:r>
-              <a:rPr lang="es-ES" sz="2000" b="1" dirty="0">
+              <a:rPr lang="es-ES" sz="2800" b="1" dirty="0">
                 <a:solidFill>
                   <a:schemeClr val="accent3"/>
                 </a:solidFill>
@@ -5615,11 +4142,11 @@
               <a:t>Almuñécar</a:t>
             </a:r>
             <a:r>
-              <a:rPr lang="es-ES" sz="2000" dirty="0"/>
+              <a:rPr lang="es-ES" sz="2800" dirty="0"/>
               <a:t> y </a:t>
             </a:r>
             <a:r>
-              <a:rPr lang="es-ES" sz="2000" b="1" dirty="0">
+              <a:rPr lang="es-ES" sz="2800" b="1" dirty="0">
                 <a:solidFill>
                   <a:schemeClr val="accent6"/>
                 </a:solidFill>
@@ -5629,52 +4156,6 @@
           </a:p>
         </p:txBody>
       </p:sp>
-      <p:cxnSp>
-        <p:nvCxnSpPr>
-          <p:cNvPr id="102" name="Conector recto 101">
-            <a:extLst>
-              <a:ext uri="{FF2B5EF4-FFF2-40B4-BE49-F238E27FC236}">
-                <a16:creationId xmlns:a16="http://schemas.microsoft.com/office/drawing/2014/main" id="{6546EE5C-0833-40C5-BF3B-C8ABEA914105}"/>
-              </a:ext>
-            </a:extLst>
-          </p:cNvPr>
-          <p:cNvCxnSpPr>
-            <a:cxnSpLocks/>
-          </p:cNvCxnSpPr>
-          <p:nvPr/>
-        </p:nvCxnSpPr>
-        <p:spPr>
-          <a:xfrm>
-            <a:off x="17323062" y="6116014"/>
-            <a:ext cx="0" cy="419886"/>
-          </a:xfrm>
-          <a:prstGeom prst="line">
-            <a:avLst/>
-          </a:prstGeom>
-          <a:ln w="38100">
-            <a:solidFill>
-              <a:schemeClr val="accent2"/>
-            </a:solidFill>
-            <a:prstDash val="solid"/>
-            <a:headEnd type="none" w="med" len="med"/>
-            <a:tailEnd type="arrow" w="med" len="med"/>
-          </a:ln>
-        </p:spPr>
-        <p:style>
-          <a:lnRef idx="1">
-            <a:schemeClr val="accent1"/>
-          </a:lnRef>
-          <a:fillRef idx="0">
-            <a:schemeClr val="accent1"/>
-          </a:fillRef>
-          <a:effectRef idx="0">
-            <a:schemeClr val="accent1"/>
-          </a:effectRef>
-          <a:fontRef idx="minor">
-            <a:schemeClr val="tx1"/>
-          </a:fontRef>
-        </p:style>
-      </p:cxnSp>
       <p:grpSp>
         <p:nvGrpSpPr>
           <p:cNvPr id="107" name="Grupo 106">
@@ -5689,10 +4170,10 @@
         </p:nvGrpSpPr>
         <p:grpSpPr>
           <a:xfrm>
-            <a:off x="14017557" y="7091364"/>
-            <a:ext cx="6418625" cy="5639908"/>
-            <a:chOff x="14067590" y="7786353"/>
-            <a:chExt cx="6418625" cy="5639908"/>
+            <a:off x="14017557" y="5860233"/>
+            <a:ext cx="6418625" cy="5642894"/>
+            <a:chOff x="14067590" y="7783367"/>
+            <a:chExt cx="6418625" cy="5642894"/>
           </a:xfrm>
         </p:grpSpPr>
         <p:pic>
@@ -5710,7 +4191,7 @@
             <p:nvPr/>
           </p:nvPicPr>
           <p:blipFill rotWithShape="1">
-            <a:blip r:embed="rId5">
+            <a:blip r:embed="rId4">
               <a:clrChange>
                 <a:clrFrom>
                   <a:srgbClr val="FFFFFF"/>
@@ -5869,7 +4350,7 @@
               <p:nvPr/>
             </p:nvPicPr>
             <p:blipFill rotWithShape="1">
-              <a:blip r:embed="rId5">
+              <a:blip r:embed="rId4">
                 <a:clrChange>
                   <a:clrFrom>
                     <a:srgbClr val="FFFFFF"/>
@@ -5916,7 +4397,7 @@
               <p:nvPr/>
             </p:nvPicPr>
             <p:blipFill>
-              <a:blip r:embed="rId6">
+              <a:blip r:embed="rId5">
                 <a:duotone>
                   <a:schemeClr val="accent6">
                     <a:shade val="45000"/>
@@ -5959,7 +4440,7 @@
               <p:nvPr/>
             </p:nvPicPr>
             <p:blipFill>
-              <a:blip r:embed="rId7">
+              <a:blip r:embed="rId6">
                 <a:duotone>
                   <a:schemeClr val="accent6">
                     <a:shade val="45000"/>
@@ -6023,7 +4504,7 @@
               <p:nvPr/>
             </p:nvPicPr>
             <p:blipFill rotWithShape="1">
-              <a:blip r:embed="rId5">
+              <a:blip r:embed="rId4">
                 <a:clrChange>
                   <a:clrFrom>
                     <a:srgbClr val="FFFFFF"/>
@@ -6070,7 +4551,7 @@
               <p:nvPr/>
             </p:nvPicPr>
             <p:blipFill rotWithShape="1">
-              <a:blip r:embed="rId5">
+              <a:blip r:embed="rId4">
                 <a:clrChange>
                   <a:clrFrom>
                     <a:srgbClr val="FFFFFF"/>
@@ -6207,8 +4688,8 @@
           </p:nvSpPr>
           <p:spPr>
             <a:xfrm>
-              <a:off x="17527558" y="7986686"/>
-              <a:ext cx="2642412" cy="400110"/>
+              <a:off x="17372007" y="7783367"/>
+              <a:ext cx="3051289" cy="707886"/>
             </a:xfrm>
             <a:prstGeom prst="rect">
               <a:avLst/>
@@ -6224,7 +4705,7 @@
               <a:pPr algn="ctr"/>
               <a:r>
                 <a:rPr lang="es-ES" sz="2000" dirty="0"/>
-                <a:t>Reproducción asexual</a:t>
+                <a:t>Reproducción asexual inducida</a:t>
               </a:r>
             </a:p>
           </p:txBody>
@@ -6280,8 +4761,8 @@
         </p:nvSpPr>
         <p:spPr>
           <a:xfrm>
-            <a:off x="15271519" y="6639111"/>
-            <a:ext cx="4103086" cy="400110"/>
+            <a:off x="14522793" y="5221172"/>
+            <a:ext cx="5597143" cy="461665"/>
           </a:xfrm>
           <a:prstGeom prst="rect">
             <a:avLst/>
@@ -6296,8 +4777,8 @@
           <a:p>
             <a:pPr algn="ctr"/>
             <a:r>
-              <a:rPr lang="es-ES" sz="2000" b="1" dirty="0"/>
-              <a:t>Dos modos de reproducción</a:t>
+              <a:rPr lang="es-ES" sz="2400" b="1" dirty="0"/>
+              <a:t>Dos tratamientos de reproducción</a:t>
             </a:r>
           </a:p>
         </p:txBody>
@@ -6316,7 +4797,7 @@
         </p:nvSpPr>
         <p:spPr>
           <a:xfrm>
-            <a:off x="17699589" y="10398920"/>
+            <a:off x="17699589" y="9135532"/>
             <a:ext cx="2420348" cy="400110"/>
           </a:xfrm>
           <a:prstGeom prst="rect">
@@ -6357,7 +4838,7 @@
           <p:nvPr/>
         </p:nvPicPr>
         <p:blipFill>
-          <a:blip r:embed="rId8">
+          <a:blip r:embed="rId7">
             <a:extLst>
               <a:ext uri="{28A0092B-C50C-407E-A947-70E740481C1C}">
                 <a14:useLocalDpi xmlns:a14="http://schemas.microsoft.com/office/drawing/2010/main" val="0"/>
@@ -6404,7 +4885,7 @@
           <p:nvPr/>
         </p:nvPicPr>
         <p:blipFill>
-          <a:blip r:embed="rId9">
+          <a:blip r:embed="rId8">
             <a:extLst>
               <a:ext uri="{28A0092B-C50C-407E-A947-70E740481C1C}">
                 <a14:useLocalDpi xmlns:a14="http://schemas.microsoft.com/office/drawing/2010/main" val="0"/>
@@ -6418,8 +4899,8 @@
         </p:blipFill>
         <p:spPr bwMode="auto">
           <a:xfrm>
-            <a:off x="228095" y="29101714"/>
-            <a:ext cx="2775255" cy="925085"/>
+            <a:off x="672096" y="29003951"/>
+            <a:ext cx="3347200" cy="1115733"/>
           </a:xfrm>
           <a:prstGeom prst="rect">
             <a:avLst/>
@@ -6451,7 +4932,7 @@
         <p:spPr>
           <a:xfrm>
             <a:off x="623443" y="25391498"/>
-            <a:ext cx="19970645" cy="3242043"/>
+            <a:ext cx="19970645" cy="3451314"/>
           </a:xfrm>
           <a:prstGeom prst="roundRect">
             <a:avLst>
@@ -6529,8 +5010,8 @@
         </p:nvSpPr>
         <p:spPr>
           <a:xfrm>
-            <a:off x="6973411" y="23173670"/>
-            <a:ext cx="12125984" cy="1464231"/>
+            <a:off x="452162" y="25489264"/>
+            <a:ext cx="18944071" cy="4024967"/>
           </a:xfrm>
           <a:prstGeom prst="roundRect">
             <a:avLst>
@@ -6545,51 +5026,86 @@
           </a:bodyPr>
           <a:lstStyle/>
           <a:p>
-            <a:r>
-              <a:rPr lang="es-ES" sz="2000" b="1" dirty="0">
+            <a:pPr marL="457200" indent="-457200" algn="just">
+              <a:buClr>
+                <a:schemeClr val="accent1">
+                  <a:lumMod val="75000"/>
+                  <a:lumOff val="25000"/>
+                </a:schemeClr>
+              </a:buClr>
+              <a:buSzPct val="120000"/>
+              <a:buFont typeface="Arial" panose="020B0604020202020204" pitchFamily="34" charset="0"/>
+              <a:buChar char="•"/>
+            </a:pPr>
+            <a:r>
+              <a:rPr lang="es-ES" sz="3200" b="1" i="1" dirty="0">
                 <a:solidFill>
                   <a:schemeClr val="accent3"/>
                 </a:solidFill>
               </a:rPr>
-              <a:t>SOD</a:t>
-            </a:r>
-            <a:r>
-              <a:rPr lang="es-ES" sz="2000" dirty="0"/>
-              <a:t>, </a:t>
-            </a:r>
-            <a:r>
-              <a:rPr lang="es-ES" sz="2000" b="1" dirty="0">
+              <a:t>A. </a:t>
+            </a:r>
+            <a:r>
+              <a:rPr lang="es-ES" sz="3200" b="1" i="1" dirty="0" err="1">
                 <a:solidFill>
                   <a:schemeClr val="accent3"/>
                 </a:solidFill>
               </a:rPr>
-              <a:t>MDA</a:t>
-            </a:r>
-            <a:r>
-              <a:rPr lang="es-ES" sz="2000" dirty="0"/>
-              <a:t> y </a:t>
-            </a:r>
-            <a:r>
-              <a:rPr lang="es-ES" sz="2000" b="1" dirty="0">
+              <a:t>sulcata</a:t>
+            </a:r>
+            <a:r>
+              <a:rPr lang="es-ES" sz="3200" b="1" i="1" dirty="0">
                 <a:solidFill>
                   <a:schemeClr val="accent3"/>
                 </a:solidFill>
               </a:rPr>
-              <a:t>TEAC</a:t>
-            </a:r>
-            <a:r>
-              <a:rPr lang="es-ES" sz="2000" dirty="0"/>
-              <a:t>  no presentan diferencias entre distintos modos de reproducción</a:t>
-            </a:r>
-          </a:p>
-          <a:p>
+              <a:t> </a:t>
+            </a:r>
+            <a:r>
+              <a:rPr lang="es-ES" sz="3200" dirty="0"/>
+              <a:t>presenta un sistema antioxidante muy eficiente en cuanto a actividad SOD y antioxidantes totales</a:t>
+            </a:r>
+          </a:p>
+          <a:p>
+            <a:pPr marL="457200" indent="-457200" algn="just">
+              <a:buClr>
+                <a:schemeClr val="accent1">
+                  <a:lumMod val="75000"/>
+                  <a:lumOff val="25000"/>
+                </a:schemeClr>
+              </a:buClr>
+              <a:buSzPct val="120000"/>
+              <a:buFont typeface="Arial" panose="020B0604020202020204" pitchFamily="34" charset="0"/>
+              <a:buChar char="•"/>
+            </a:pPr>
+            <a:r>
+              <a:rPr lang="es-ES" sz="3200" dirty="0"/>
+              <a:t>La manipulación posiblemente desencadenó una respuesta de estrés agudo en los animales</a:t>
+            </a:r>
+          </a:p>
+          <a:p>
+            <a:pPr marL="457200" indent="-457200" algn="just">
+              <a:buClr>
+                <a:schemeClr val="accent1">
+                  <a:lumMod val="75000"/>
+                  <a:lumOff val="25000"/>
+                </a:schemeClr>
+              </a:buClr>
+              <a:buSzPct val="120000"/>
+              <a:buFont typeface="Arial" panose="020B0604020202020204" pitchFamily="34" charset="0"/>
+              <a:buChar char="•"/>
+            </a:pPr>
+            <a:r>
+              <a:rPr lang="es-ES" sz="3200" dirty="0"/>
+              <a:t>Esta respuesta de estrés fue efectiva a la hora de contener el daño oxidativo a lípidos. Ambas estrategias son viables desde el punto de vista del bienestar.</a:t>
+            </a:r>
+          </a:p>
+          <a:p>
+            <a:pPr marL="342900" indent="-342900" algn="just">
+              <a:buFont typeface="Wingdings" panose="05000000000000000000" pitchFamily="2" charset="2"/>
+              <a:buChar char="§"/>
+            </a:pPr>
             <a:endParaRPr lang="es-ES" sz="2000" dirty="0"/>
-          </a:p>
-          <a:p>
-            <a:r>
-              <a:rPr lang="es-ES" sz="2000" dirty="0"/>
-              <a:t>Actividad CAT es mayor en individuos seccionados, pero desciende bruscamente cuando estos individuos maduran sexualmente</a:t>
-            </a:r>
           </a:p>
         </p:txBody>
       </p:sp>
@@ -6607,7 +5123,7 @@
         </p:nvGrpSpPr>
         <p:grpSpPr>
           <a:xfrm>
-            <a:off x="1039438" y="23215097"/>
+            <a:off x="14936916" y="14477414"/>
             <a:ext cx="5274832" cy="1398241"/>
             <a:chOff x="716382" y="15266714"/>
             <a:chExt cx="5274832" cy="1398241"/>
@@ -7150,7 +5666,7 @@
         </p:nvGrpSpPr>
         <p:grpSpPr>
           <a:xfrm>
-            <a:off x="1750127" y="15124507"/>
+            <a:off x="1150449" y="16504722"/>
             <a:ext cx="8572789" cy="3685098"/>
             <a:chOff x="1750127" y="16583317"/>
             <a:chExt cx="8572789" cy="3685098"/>
@@ -7171,7 +5687,7 @@
             <p:nvPr/>
           </p:nvPicPr>
           <p:blipFill rotWithShape="1">
-            <a:blip r:embed="rId10">
+            <a:blip r:embed="rId9">
               <a:extLst>
                 <a:ext uri="{28A0092B-C50C-407E-A947-70E740481C1C}">
                   <a14:useLocalDpi xmlns:a14="http://schemas.microsoft.com/office/drawing/2010/main" val="0"/>
@@ -7554,422 +6070,6 @@
       </p:grpSp>
       <p:grpSp>
         <p:nvGrpSpPr>
-          <p:cNvPr id="1057" name="Grupo 1056">
-            <a:extLst>
-              <a:ext uri="{FF2B5EF4-FFF2-40B4-BE49-F238E27FC236}">
-                <a16:creationId xmlns:a16="http://schemas.microsoft.com/office/drawing/2014/main" id="{F4079B1F-AB7D-64D7-4C44-B5E80F59628B}"/>
-              </a:ext>
-            </a:extLst>
-          </p:cNvPr>
-          <p:cNvGrpSpPr/>
-          <p:nvPr/>
-        </p:nvGrpSpPr>
-        <p:grpSpPr>
-          <a:xfrm>
-            <a:off x="11060709" y="15134251"/>
-            <a:ext cx="8572789" cy="3645160"/>
-            <a:chOff x="11060709" y="16593061"/>
-            <a:chExt cx="8572789" cy="3645160"/>
-          </a:xfrm>
-        </p:grpSpPr>
-        <p:pic>
-          <p:nvPicPr>
-            <p:cNvPr id="46" name="Imagen 45">
-              <a:extLst>
-                <a:ext uri="{FF2B5EF4-FFF2-40B4-BE49-F238E27FC236}">
-                  <a16:creationId xmlns:a16="http://schemas.microsoft.com/office/drawing/2014/main" id="{A0EB8086-C1DF-52F9-238B-625B3260E68B}"/>
-                </a:ext>
-              </a:extLst>
-            </p:cNvPr>
-            <p:cNvPicPr>
-              <a:picLocks noChangeAspect="1"/>
-            </p:cNvPicPr>
-            <p:nvPr/>
-          </p:nvPicPr>
-          <p:blipFill rotWithShape="1">
-            <a:blip r:embed="rId11">
-              <a:extLst>
-                <a:ext uri="{28A0092B-C50C-407E-A947-70E740481C1C}">
-                  <a14:useLocalDpi xmlns:a14="http://schemas.microsoft.com/office/drawing/2010/main" val="0"/>
-                </a:ext>
-              </a:extLst>
-            </a:blip>
-            <a:srcRect b="20274"/>
-            <a:stretch/>
-          </p:blipFill>
-          <p:spPr>
-            <a:xfrm>
-              <a:off x="11060709" y="16593061"/>
-              <a:ext cx="8572789" cy="3645160"/>
-            </a:xfrm>
-            <a:prstGeom prst="roundRect">
-              <a:avLst>
-                <a:gd name="adj" fmla="val 5459"/>
-              </a:avLst>
-            </a:prstGeom>
-          </p:spPr>
-        </p:pic>
-        <p:grpSp>
-          <p:nvGrpSpPr>
-            <p:cNvPr id="124" name="Grupo 123">
-              <a:extLst>
-                <a:ext uri="{FF2B5EF4-FFF2-40B4-BE49-F238E27FC236}">
-                  <a16:creationId xmlns:a16="http://schemas.microsoft.com/office/drawing/2014/main" id="{EC64AEC9-1662-77DD-89D4-45238553A4E4}"/>
-                </a:ext>
-              </a:extLst>
-            </p:cNvPr>
-            <p:cNvGrpSpPr/>
-            <p:nvPr/>
-          </p:nvGrpSpPr>
-          <p:grpSpPr>
-            <a:xfrm>
-              <a:off x="11854389" y="19787481"/>
-              <a:ext cx="7367103" cy="443778"/>
-              <a:chOff x="2549109" y="19787806"/>
-              <a:chExt cx="7367103" cy="443778"/>
-            </a:xfrm>
-          </p:grpSpPr>
-          <p:grpSp>
-            <p:nvGrpSpPr>
-              <p:cNvPr id="125" name="Grupo 124">
-                <a:extLst>
-                  <a:ext uri="{FF2B5EF4-FFF2-40B4-BE49-F238E27FC236}">
-                    <a16:creationId xmlns:a16="http://schemas.microsoft.com/office/drawing/2014/main" id="{64526935-B815-7346-DA51-CE9DE5CAF8A6}"/>
-                  </a:ext>
-                </a:extLst>
-              </p:cNvPr>
-              <p:cNvGrpSpPr/>
-              <p:nvPr/>
-            </p:nvGrpSpPr>
-            <p:grpSpPr>
-              <a:xfrm>
-                <a:off x="2549109" y="19787806"/>
-                <a:ext cx="1996949" cy="292211"/>
-                <a:chOff x="2549109" y="19787806"/>
-                <a:chExt cx="1996949" cy="292211"/>
-              </a:xfrm>
-            </p:grpSpPr>
-            <p:sp>
-              <p:nvSpPr>
-                <p:cNvPr id="1031" name="CuadroTexto 1030">
-                  <a:extLst>
-                    <a:ext uri="{FF2B5EF4-FFF2-40B4-BE49-F238E27FC236}">
-                      <a16:creationId xmlns:a16="http://schemas.microsoft.com/office/drawing/2014/main" id="{9F4C47A8-F4D1-AFC4-6383-0F1D604C774A}"/>
-                    </a:ext>
-                  </a:extLst>
-                </p:cNvPr>
-                <p:cNvSpPr txBox="1"/>
-                <p:nvPr/>
-              </p:nvSpPr>
-              <p:spPr>
-                <a:xfrm>
-                  <a:off x="2549109" y="19787806"/>
-                  <a:ext cx="874615" cy="289441"/>
-                </a:xfrm>
-                <a:prstGeom prst="roundRect">
-                  <a:avLst/>
-                </a:prstGeom>
-                <a:solidFill>
-                  <a:schemeClr val="bg1"/>
-                </a:solidFill>
-              </p:spPr>
-              <p:txBody>
-                <a:bodyPr wrap="square" rtlCol="0">
-                  <a:spAutoFit/>
-                </a:bodyPr>
-                <a:lstStyle/>
-                <a:p>
-                  <a:r>
-                    <a:rPr lang="es-ES" sz="1100" dirty="0"/>
-                    <a:t>Inmaduros</a:t>
-                  </a:r>
-                </a:p>
-              </p:txBody>
-            </p:sp>
-            <p:sp>
-              <p:nvSpPr>
-                <p:cNvPr id="1032" name="CuadroTexto 1031">
-                  <a:extLst>
-                    <a:ext uri="{FF2B5EF4-FFF2-40B4-BE49-F238E27FC236}">
-                      <a16:creationId xmlns:a16="http://schemas.microsoft.com/office/drawing/2014/main" id="{25E06165-E7E9-A3C3-B62A-B1257BB8D6A2}"/>
-                    </a:ext>
-                  </a:extLst>
-                </p:cNvPr>
-                <p:cNvSpPr txBox="1"/>
-                <p:nvPr/>
-              </p:nvSpPr>
-              <p:spPr>
-                <a:xfrm>
-                  <a:off x="3793167" y="19790576"/>
-                  <a:ext cx="752891" cy="289441"/>
-                </a:xfrm>
-                <a:prstGeom prst="roundRect">
-                  <a:avLst/>
-                </a:prstGeom>
-                <a:solidFill>
-                  <a:schemeClr val="bg1"/>
-                </a:solidFill>
-              </p:spPr>
-              <p:txBody>
-                <a:bodyPr wrap="square" rtlCol="0">
-                  <a:spAutoFit/>
-                </a:bodyPr>
-                <a:lstStyle/>
-                <a:p>
-                  <a:r>
-                    <a:rPr lang="es-ES" sz="1100" dirty="0"/>
-                    <a:t>Maduros</a:t>
-                  </a:r>
-                </a:p>
-              </p:txBody>
-            </p:sp>
-          </p:grpSp>
-          <p:grpSp>
-            <p:nvGrpSpPr>
-              <p:cNvPr id="126" name="Grupo 125">
-                <a:extLst>
-                  <a:ext uri="{FF2B5EF4-FFF2-40B4-BE49-F238E27FC236}">
-                    <a16:creationId xmlns:a16="http://schemas.microsoft.com/office/drawing/2014/main" id="{2AB9742A-365A-73FD-7198-4F7F9D0C3246}"/>
-                  </a:ext>
-                </a:extLst>
-              </p:cNvPr>
-              <p:cNvGrpSpPr/>
-              <p:nvPr/>
-            </p:nvGrpSpPr>
-            <p:grpSpPr>
-              <a:xfrm>
-                <a:off x="7919263" y="19787806"/>
-                <a:ext cx="1996949" cy="292211"/>
-                <a:chOff x="2549109" y="19787806"/>
-                <a:chExt cx="1996949" cy="292211"/>
-              </a:xfrm>
-            </p:grpSpPr>
-            <p:sp>
-              <p:nvSpPr>
-                <p:cNvPr id="1029" name="CuadroTexto 1028">
-                  <a:extLst>
-                    <a:ext uri="{FF2B5EF4-FFF2-40B4-BE49-F238E27FC236}">
-                      <a16:creationId xmlns:a16="http://schemas.microsoft.com/office/drawing/2014/main" id="{045D5DDF-83EF-5B36-BA35-02E85FCD7A53}"/>
-                    </a:ext>
-                  </a:extLst>
-                </p:cNvPr>
-                <p:cNvSpPr txBox="1"/>
-                <p:nvPr/>
-              </p:nvSpPr>
-              <p:spPr>
-                <a:xfrm>
-                  <a:off x="2549109" y="19787806"/>
-                  <a:ext cx="874615" cy="289441"/>
-                </a:xfrm>
-                <a:prstGeom prst="roundRect">
-                  <a:avLst/>
-                </a:prstGeom>
-                <a:solidFill>
-                  <a:schemeClr val="bg1"/>
-                </a:solidFill>
-              </p:spPr>
-              <p:txBody>
-                <a:bodyPr wrap="square" rtlCol="0">
-                  <a:spAutoFit/>
-                </a:bodyPr>
-                <a:lstStyle/>
-                <a:p>
-                  <a:r>
-                    <a:rPr lang="es-ES" sz="1100" dirty="0"/>
-                    <a:t>Inmaduros</a:t>
-                  </a:r>
-                </a:p>
-              </p:txBody>
-            </p:sp>
-            <p:sp>
-              <p:nvSpPr>
-                <p:cNvPr id="1030" name="CuadroTexto 1029">
-                  <a:extLst>
-                    <a:ext uri="{FF2B5EF4-FFF2-40B4-BE49-F238E27FC236}">
-                      <a16:creationId xmlns:a16="http://schemas.microsoft.com/office/drawing/2014/main" id="{DC08C6C5-935F-88A8-1047-BC1E733586F5}"/>
-                    </a:ext>
-                  </a:extLst>
-                </p:cNvPr>
-                <p:cNvSpPr txBox="1"/>
-                <p:nvPr/>
-              </p:nvSpPr>
-              <p:spPr>
-                <a:xfrm>
-                  <a:off x="3793167" y="19790576"/>
-                  <a:ext cx="752891" cy="289441"/>
-                </a:xfrm>
-                <a:prstGeom prst="roundRect">
-                  <a:avLst/>
-                </a:prstGeom>
-                <a:solidFill>
-                  <a:schemeClr val="bg1"/>
-                </a:solidFill>
-              </p:spPr>
-              <p:txBody>
-                <a:bodyPr wrap="square" rtlCol="0">
-                  <a:spAutoFit/>
-                </a:bodyPr>
-                <a:lstStyle/>
-                <a:p>
-                  <a:r>
-                    <a:rPr lang="es-ES" sz="1100" dirty="0"/>
-                    <a:t>Maduros</a:t>
-                  </a:r>
-                </a:p>
-              </p:txBody>
-            </p:sp>
-          </p:grpSp>
-          <p:sp>
-            <p:nvSpPr>
-              <p:cNvPr id="127" name="Rectángulo 126">
-                <a:extLst>
-                  <a:ext uri="{FF2B5EF4-FFF2-40B4-BE49-F238E27FC236}">
-                    <a16:creationId xmlns:a16="http://schemas.microsoft.com/office/drawing/2014/main" id="{4B4DBF18-CCCE-0BEC-4D82-6AE7169E7DFD}"/>
-                  </a:ext>
-                </a:extLst>
-              </p:cNvPr>
-              <p:cNvSpPr/>
-              <p:nvPr/>
-            </p:nvSpPr>
-            <p:spPr>
-              <a:xfrm>
-                <a:off x="5715000" y="19876977"/>
-                <a:ext cx="1170204" cy="354607"/>
-              </a:xfrm>
-              <a:prstGeom prst="rect">
-                <a:avLst/>
-              </a:prstGeom>
-              <a:solidFill>
-                <a:schemeClr val="bg1"/>
-              </a:solidFill>
-              <a:ln>
-                <a:noFill/>
-              </a:ln>
-            </p:spPr>
-            <p:style>
-              <a:lnRef idx="2">
-                <a:schemeClr val="accent1">
-                  <a:shade val="15000"/>
-                </a:schemeClr>
-              </a:lnRef>
-              <a:fillRef idx="1">
-                <a:schemeClr val="accent1"/>
-              </a:fillRef>
-              <a:effectRef idx="0">
-                <a:schemeClr val="accent1"/>
-              </a:effectRef>
-              <a:fontRef idx="minor">
-                <a:schemeClr val="lt1"/>
-              </a:fontRef>
-            </p:style>
-            <p:txBody>
-              <a:bodyPr rtlCol="0" anchor="ctr"/>
-              <a:lstStyle/>
-              <a:p>
-                <a:pPr algn="ctr"/>
-                <a:endParaRPr lang="es-ES"/>
-              </a:p>
-            </p:txBody>
-          </p:sp>
-          <p:grpSp>
-            <p:nvGrpSpPr>
-              <p:cNvPr id="1024" name="Grupo 1023">
-                <a:extLst>
-                  <a:ext uri="{FF2B5EF4-FFF2-40B4-BE49-F238E27FC236}">
-                    <a16:creationId xmlns:a16="http://schemas.microsoft.com/office/drawing/2014/main" id="{D8B87F19-BDB4-EE6D-AF0C-A24973F33C83}"/>
-                  </a:ext>
-                </a:extLst>
-              </p:cNvPr>
-              <p:cNvGrpSpPr/>
-              <p:nvPr/>
-            </p:nvGrpSpPr>
-            <p:grpSpPr>
-              <a:xfrm>
-                <a:off x="5211608" y="19787806"/>
-                <a:ext cx="1996949" cy="292211"/>
-                <a:chOff x="2549109" y="19787806"/>
-                <a:chExt cx="1996949" cy="292211"/>
-              </a:xfrm>
-            </p:grpSpPr>
-            <p:sp>
-              <p:nvSpPr>
-                <p:cNvPr id="1025" name="CuadroTexto 1024">
-                  <a:extLst>
-                    <a:ext uri="{FF2B5EF4-FFF2-40B4-BE49-F238E27FC236}">
-                      <a16:creationId xmlns:a16="http://schemas.microsoft.com/office/drawing/2014/main" id="{0B2EEC58-DE08-B26A-6B33-0A60459BBDD8}"/>
-                    </a:ext>
-                  </a:extLst>
-                </p:cNvPr>
-                <p:cNvSpPr txBox="1"/>
-                <p:nvPr/>
-              </p:nvSpPr>
-              <p:spPr>
-                <a:xfrm>
-                  <a:off x="2549109" y="19787806"/>
-                  <a:ext cx="874615" cy="289441"/>
-                </a:xfrm>
-                <a:prstGeom prst="roundRect">
-                  <a:avLst/>
-                </a:prstGeom>
-                <a:solidFill>
-                  <a:schemeClr val="bg1"/>
-                </a:solidFill>
-              </p:spPr>
-              <p:txBody>
-                <a:bodyPr wrap="square" rtlCol="0">
-                  <a:spAutoFit/>
-                </a:bodyPr>
-                <a:lstStyle/>
-                <a:p>
-                  <a:r>
-                    <a:rPr lang="es-ES" sz="1100" dirty="0"/>
-                    <a:t>Inmaduros</a:t>
-                  </a:r>
-                </a:p>
-              </p:txBody>
-            </p:sp>
-            <p:sp>
-              <p:nvSpPr>
-                <p:cNvPr id="1027" name="CuadroTexto 1026">
-                  <a:extLst>
-                    <a:ext uri="{FF2B5EF4-FFF2-40B4-BE49-F238E27FC236}">
-                      <a16:creationId xmlns:a16="http://schemas.microsoft.com/office/drawing/2014/main" id="{B0624A44-6E5A-75E5-8ABA-5AB3FEF123A9}"/>
-                    </a:ext>
-                  </a:extLst>
-                </p:cNvPr>
-                <p:cNvSpPr txBox="1"/>
-                <p:nvPr/>
-              </p:nvSpPr>
-              <p:spPr>
-                <a:xfrm>
-                  <a:off x="3793167" y="19790576"/>
-                  <a:ext cx="752891" cy="289441"/>
-                </a:xfrm>
-                <a:prstGeom prst="roundRect">
-                  <a:avLst/>
-                </a:prstGeom>
-                <a:solidFill>
-                  <a:schemeClr val="bg1"/>
-                </a:solidFill>
-              </p:spPr>
-              <p:txBody>
-                <a:bodyPr wrap="square" rtlCol="0">
-                  <a:spAutoFit/>
-                </a:bodyPr>
-                <a:lstStyle/>
-                <a:p>
-                  <a:r>
-                    <a:rPr lang="es-ES" sz="1100" dirty="0"/>
-                    <a:t>Maduros</a:t>
-                  </a:r>
-                </a:p>
-              </p:txBody>
-            </p:sp>
-          </p:grpSp>
-        </p:grpSp>
-      </p:grpSp>
-      <p:grpSp>
-        <p:nvGrpSpPr>
           <p:cNvPr id="1058" name="Grupo 1057">
             <a:extLst>
               <a:ext uri="{FF2B5EF4-FFF2-40B4-BE49-F238E27FC236}">
@@ -7982,7 +6082,7 @@
         </p:nvGrpSpPr>
         <p:grpSpPr>
           <a:xfrm>
-            <a:off x="11060709" y="19041603"/>
+            <a:off x="11692407" y="20845259"/>
             <a:ext cx="8572789" cy="3638572"/>
             <a:chOff x="11060709" y="20500413"/>
             <a:chExt cx="8572789" cy="3638572"/>
@@ -8003,7 +6103,7 @@
             <p:nvPr/>
           </p:nvPicPr>
           <p:blipFill rotWithShape="1">
-            <a:blip r:embed="rId12">
+            <a:blip r:embed="rId10">
               <a:extLst>
                 <a:ext uri="{28A0092B-C50C-407E-A947-70E740481C1C}">
                   <a14:useLocalDpi xmlns:a14="http://schemas.microsoft.com/office/drawing/2010/main" val="0"/>
@@ -8398,7 +6498,7 @@
         </p:nvGrpSpPr>
         <p:grpSpPr>
           <a:xfrm>
-            <a:off x="1808620" y="19120279"/>
+            <a:off x="11692407" y="16551668"/>
             <a:ext cx="8572789" cy="3638573"/>
             <a:chOff x="1808620" y="20579089"/>
             <a:chExt cx="8572789" cy="3638573"/>
@@ -8419,7 +6519,7 @@
             <p:nvPr/>
           </p:nvPicPr>
           <p:blipFill rotWithShape="1">
-            <a:blip r:embed="rId13">
+            <a:blip r:embed="rId11">
               <a:extLst>
                 <a:ext uri="{28A0092B-C50C-407E-A947-70E740481C1C}">
                   <a14:useLocalDpi xmlns:a14="http://schemas.microsoft.com/office/drawing/2010/main" val="0"/>
@@ -8800,12 +6900,194 @@
           </p:grpSp>
         </p:grpSp>
       </p:grpSp>
+      <p:pic>
+        <p:nvPicPr>
+          <p:cNvPr id="15" name="Picture 4" descr="Anemonia viridis">
+            <a:extLst>
+              <a:ext uri="{FF2B5EF4-FFF2-40B4-BE49-F238E27FC236}">
+                <a16:creationId xmlns:a16="http://schemas.microsoft.com/office/drawing/2014/main" id="{95C7ACA0-6865-4BA9-253E-AD48D6BE7090}"/>
+              </a:ext>
+            </a:extLst>
+          </p:cNvPr>
+          <p:cNvPicPr>
+            <a:picLocks noChangeAspect="1" noChangeArrowheads="1"/>
+          </p:cNvPicPr>
+          <p:nvPr/>
+        </p:nvPicPr>
+        <p:blipFill>
+          <a:blip r:embed="rId12" cstate="print">
+            <a:extLst>
+              <a:ext uri="{28A0092B-C50C-407E-A947-70E740481C1C}">
+                <a14:useLocalDpi xmlns:a14="http://schemas.microsoft.com/office/drawing/2010/main" val="0"/>
+              </a:ext>
+            </a:extLst>
+          </a:blip>
+          <a:srcRect/>
+          <a:stretch>
+            <a:fillRect/>
+          </a:stretch>
+        </p:blipFill>
+        <p:spPr bwMode="auto">
+          <a:xfrm>
+            <a:off x="7855171" y="5690004"/>
+            <a:ext cx="4814417" cy="3925819"/>
+          </a:xfrm>
+          <a:prstGeom prst="rect">
+            <a:avLst/>
+          </a:prstGeom>
+          <a:noFill/>
+          <a:extLst>
+            <a:ext uri="{909E8E84-426E-40DD-AFC4-6F175D3DCCD1}">
+              <a14:hiddenFill xmlns:a14="http://schemas.microsoft.com/office/drawing/2010/main">
+                <a:solidFill>
+                  <a:srgbClr val="FFFFFF"/>
+                </a:solidFill>
+              </a14:hiddenFill>
+            </a:ext>
+          </a:extLst>
+        </p:spPr>
+      </p:pic>
+      <p:sp>
+        <p:nvSpPr>
+          <p:cNvPr id="43" name="CuadroTexto 42">
+            <a:extLst>
+              <a:ext uri="{FF2B5EF4-FFF2-40B4-BE49-F238E27FC236}">
+                <a16:creationId xmlns:a16="http://schemas.microsoft.com/office/drawing/2014/main" id="{820C7313-AA0F-4894-2873-7A4F4766C0A9}"/>
+              </a:ext>
+            </a:extLst>
+          </p:cNvPr>
+          <p:cNvSpPr txBox="1"/>
+          <p:nvPr/>
+        </p:nvSpPr>
+        <p:spPr>
+          <a:xfrm>
+            <a:off x="17017190" y="11711324"/>
+            <a:ext cx="3533872" cy="707886"/>
+          </a:xfrm>
+          <a:prstGeom prst="rect">
+            <a:avLst/>
+          </a:prstGeom>
+          <a:noFill/>
+        </p:spPr>
+        <p:txBody>
+          <a:bodyPr wrap="square" rtlCol="0">
+            <a:spAutoFit/>
+          </a:bodyPr>
+          <a:lstStyle/>
+          <a:p>
+            <a:pPr algn="r">
+              <a:buClr>
+                <a:schemeClr val="accent2"/>
+              </a:buClr>
+              <a:buSzPct val="120000"/>
+            </a:pPr>
+            <a:r>
+              <a:rPr lang="es-ES" sz="2000" dirty="0"/>
+              <a:t>… y más parámetros no incluidos</a:t>
+            </a:r>
+          </a:p>
+        </p:txBody>
+      </p:sp>
+      <p:sp>
+        <p:nvSpPr>
+          <p:cNvPr id="48" name="CuadroTexto 47">
+            <a:extLst>
+              <a:ext uri="{FF2B5EF4-FFF2-40B4-BE49-F238E27FC236}">
+                <a16:creationId xmlns:a16="http://schemas.microsoft.com/office/drawing/2014/main" id="{9EBB9734-F686-41C0-968D-FC9C21D2C8F1}"/>
+              </a:ext>
+            </a:extLst>
+          </p:cNvPr>
+          <p:cNvSpPr txBox="1"/>
+          <p:nvPr/>
+        </p:nvSpPr>
+        <p:spPr>
+          <a:xfrm>
+            <a:off x="13549353" y="11375457"/>
+            <a:ext cx="4599407" cy="369332"/>
+          </a:xfrm>
+          <a:prstGeom prst="rect">
+            <a:avLst/>
+          </a:prstGeom>
+          <a:noFill/>
+        </p:spPr>
+        <p:txBody>
+          <a:bodyPr wrap="square" rtlCol="0">
+            <a:spAutoFit/>
+          </a:bodyPr>
+          <a:lstStyle/>
+          <a:p>
+            <a:pPr algn="ctr">
+              <a:buClr>
+                <a:schemeClr val="accent2"/>
+              </a:buClr>
+              <a:buSzPct val="120000"/>
+            </a:pPr>
+            <a:r>
+              <a:rPr lang="es-ES" dirty="0"/>
+              <a:t>(de ambos grupos)</a:t>
+            </a:r>
+          </a:p>
+        </p:txBody>
+      </p:sp>
+      <p:sp>
+        <p:nvSpPr>
+          <p:cNvPr id="53" name="CuadroTexto 52">
+            <a:extLst>
+              <a:ext uri="{FF2B5EF4-FFF2-40B4-BE49-F238E27FC236}">
+                <a16:creationId xmlns:a16="http://schemas.microsoft.com/office/drawing/2014/main" id="{E863C48A-E925-32CA-91B7-77E0F6D4C65E}"/>
+              </a:ext>
+            </a:extLst>
+          </p:cNvPr>
+          <p:cNvSpPr txBox="1"/>
+          <p:nvPr/>
+        </p:nvSpPr>
+        <p:spPr>
+          <a:xfrm>
+            <a:off x="14140410" y="12763000"/>
+            <a:ext cx="5526485" cy="400110"/>
+          </a:xfrm>
+          <a:prstGeom prst="rect">
+            <a:avLst/>
+          </a:prstGeom>
+          <a:noFill/>
+        </p:spPr>
+        <p:txBody>
+          <a:bodyPr wrap="square" rtlCol="0">
+            <a:spAutoFit/>
+          </a:bodyPr>
+          <a:lstStyle/>
+          <a:p>
+            <a:pPr>
+              <a:buClr>
+                <a:schemeClr val="accent2"/>
+              </a:buClr>
+              <a:buSzPct val="120000"/>
+            </a:pPr>
+            <a:r>
+              <a:rPr lang="es-ES" sz="2000" dirty="0"/>
+              <a:t>Análisis estadístico:   ANOVA de 2 vías, </a:t>
+            </a:r>
+            <a:r>
+              <a:rPr lang="el-GR" sz="2000" dirty="0">
+                <a:latin typeface="Calibri" panose="020F0502020204030204" pitchFamily="34" charset="0"/>
+                <a:ea typeface="Calibri" panose="020F0502020204030204" pitchFamily="34" charset="0"/>
+                <a:cs typeface="Calibri" panose="020F0502020204030204" pitchFamily="34" charset="0"/>
+              </a:rPr>
+              <a:t>α</a:t>
+            </a:r>
+            <a:r>
+              <a:rPr lang="es-ES" sz="2000" dirty="0"/>
+              <a:t> = 0.05</a:t>
+            </a:r>
+          </a:p>
+        </p:txBody>
+      </p:sp>
       <p:grpSp>
         <p:nvGrpSpPr>
-          <p:cNvPr id="1064" name="Grupo 1063">
+          <p:cNvPr id="1067" name="Grupo 1066">
             <a:extLst>
               <a:ext uri="{FF2B5EF4-FFF2-40B4-BE49-F238E27FC236}">
-                <a16:creationId xmlns:a16="http://schemas.microsoft.com/office/drawing/2014/main" id="{378F9121-FA54-82BD-00E6-66ED04886DD5}"/>
+                <a16:creationId xmlns:a16="http://schemas.microsoft.com/office/drawing/2014/main" id="{5EE6B678-FDE0-146F-DBF3-5135E5EEB6AF}"/>
               </a:ext>
             </a:extLst>
           </p:cNvPr>
@@ -8814,101 +7096,1284 @@
         </p:nvGrpSpPr>
         <p:grpSpPr>
           <a:xfrm>
-            <a:off x="2036034" y="7937506"/>
-            <a:ext cx="5099898" cy="3822808"/>
-            <a:chOff x="1959418" y="7873650"/>
-            <a:chExt cx="5197661" cy="3896090"/>
+            <a:off x="1081880" y="20776077"/>
+            <a:ext cx="8572789" cy="3645160"/>
+            <a:chOff x="1081880" y="20776077"/>
+            <a:chExt cx="8572789" cy="3645160"/>
           </a:xfrm>
         </p:grpSpPr>
-        <p:pic>
-          <p:nvPicPr>
-            <p:cNvPr id="1060" name="Imagen 1059">
+        <p:grpSp>
+          <p:nvGrpSpPr>
+            <p:cNvPr id="1057" name="Grupo 1056">
               <a:extLst>
                 <a:ext uri="{FF2B5EF4-FFF2-40B4-BE49-F238E27FC236}">
-                  <a16:creationId xmlns:a16="http://schemas.microsoft.com/office/drawing/2014/main" id="{C46506BC-762B-60ED-77AF-D36A921A673A}"/>
+                  <a16:creationId xmlns:a16="http://schemas.microsoft.com/office/drawing/2014/main" id="{F4079B1F-AB7D-64D7-4C44-B5E80F59628B}"/>
                 </a:ext>
               </a:extLst>
             </p:cNvPr>
-            <p:cNvPicPr>
-              <a:picLocks noChangeAspect="1"/>
-            </p:cNvPicPr>
+            <p:cNvGrpSpPr/>
             <p:nvPr/>
-          </p:nvPicPr>
-          <p:blipFill>
-            <a:blip r:embed="rId14">
+          </p:nvGrpSpPr>
+          <p:grpSpPr>
+            <a:xfrm>
+              <a:off x="1081880" y="20776077"/>
+              <a:ext cx="8572789" cy="3645160"/>
+              <a:chOff x="11060709" y="16593061"/>
+              <a:chExt cx="8572789" cy="3645160"/>
+            </a:xfrm>
+          </p:grpSpPr>
+          <p:pic>
+            <p:nvPicPr>
+              <p:cNvPr id="46" name="Imagen 45">
+                <a:extLst>
+                  <a:ext uri="{FF2B5EF4-FFF2-40B4-BE49-F238E27FC236}">
+                    <a16:creationId xmlns:a16="http://schemas.microsoft.com/office/drawing/2014/main" id="{A0EB8086-C1DF-52F9-238B-625B3260E68B}"/>
+                  </a:ext>
+                </a:extLst>
+              </p:cNvPr>
+              <p:cNvPicPr>
+                <a:picLocks noChangeAspect="1"/>
+              </p:cNvPicPr>
+              <p:nvPr/>
+            </p:nvPicPr>
+            <p:blipFill rotWithShape="1">
+              <a:blip r:embed="rId13">
+                <a:extLst>
+                  <a:ext uri="{28A0092B-C50C-407E-A947-70E740481C1C}">
+                    <a14:useLocalDpi xmlns:a14="http://schemas.microsoft.com/office/drawing/2010/main" val="0"/>
+                  </a:ext>
+                </a:extLst>
+              </a:blip>
+              <a:srcRect b="20274"/>
+              <a:stretch/>
+            </p:blipFill>
+            <p:spPr>
+              <a:xfrm>
+                <a:off x="11060709" y="16593061"/>
+                <a:ext cx="8572789" cy="3645160"/>
+              </a:xfrm>
+              <a:prstGeom prst="roundRect">
+                <a:avLst>
+                  <a:gd name="adj" fmla="val 5459"/>
+                </a:avLst>
+              </a:prstGeom>
+            </p:spPr>
+          </p:pic>
+          <p:grpSp>
+            <p:nvGrpSpPr>
+              <p:cNvPr id="124" name="Grupo 123">
+                <a:extLst>
+                  <a:ext uri="{FF2B5EF4-FFF2-40B4-BE49-F238E27FC236}">
+                    <a16:creationId xmlns:a16="http://schemas.microsoft.com/office/drawing/2014/main" id="{EC64AEC9-1662-77DD-89D4-45238553A4E4}"/>
+                  </a:ext>
+                </a:extLst>
+              </p:cNvPr>
+              <p:cNvGrpSpPr/>
+              <p:nvPr/>
+            </p:nvGrpSpPr>
+            <p:grpSpPr>
+              <a:xfrm>
+                <a:off x="11854389" y="19787481"/>
+                <a:ext cx="7367103" cy="443778"/>
+                <a:chOff x="2549109" y="19787806"/>
+                <a:chExt cx="7367103" cy="443778"/>
+              </a:xfrm>
+            </p:grpSpPr>
+            <p:grpSp>
+              <p:nvGrpSpPr>
+                <p:cNvPr id="125" name="Grupo 124">
+                  <a:extLst>
+                    <a:ext uri="{FF2B5EF4-FFF2-40B4-BE49-F238E27FC236}">
+                      <a16:creationId xmlns:a16="http://schemas.microsoft.com/office/drawing/2014/main" id="{64526935-B815-7346-DA51-CE9DE5CAF8A6}"/>
+                    </a:ext>
+                  </a:extLst>
+                </p:cNvPr>
+                <p:cNvGrpSpPr/>
+                <p:nvPr/>
+              </p:nvGrpSpPr>
+              <p:grpSpPr>
+                <a:xfrm>
+                  <a:off x="2549109" y="19787806"/>
+                  <a:ext cx="1996949" cy="292211"/>
+                  <a:chOff x="2549109" y="19787806"/>
+                  <a:chExt cx="1996949" cy="292211"/>
+                </a:xfrm>
+              </p:grpSpPr>
+              <p:sp>
+                <p:nvSpPr>
+                  <p:cNvPr id="1031" name="CuadroTexto 1030">
+                    <a:extLst>
+                      <a:ext uri="{FF2B5EF4-FFF2-40B4-BE49-F238E27FC236}">
+                        <a16:creationId xmlns:a16="http://schemas.microsoft.com/office/drawing/2014/main" id="{9F4C47A8-F4D1-AFC4-6383-0F1D604C774A}"/>
+                      </a:ext>
+                    </a:extLst>
+                  </p:cNvPr>
+                  <p:cNvSpPr txBox="1"/>
+                  <p:nvPr/>
+                </p:nvSpPr>
+                <p:spPr>
+                  <a:xfrm>
+                    <a:off x="2549109" y="19787806"/>
+                    <a:ext cx="874615" cy="289441"/>
+                  </a:xfrm>
+                  <a:prstGeom prst="roundRect">
+                    <a:avLst/>
+                  </a:prstGeom>
+                  <a:solidFill>
+                    <a:schemeClr val="bg1"/>
+                  </a:solidFill>
+                </p:spPr>
+                <p:txBody>
+                  <a:bodyPr wrap="square" rtlCol="0">
+                    <a:spAutoFit/>
+                  </a:bodyPr>
+                  <a:lstStyle/>
+                  <a:p>
+                    <a:r>
+                      <a:rPr lang="es-ES" sz="1100" dirty="0"/>
+                      <a:t>Inmaduros</a:t>
+                    </a:r>
+                  </a:p>
+                </p:txBody>
+              </p:sp>
+              <p:sp>
+                <p:nvSpPr>
+                  <p:cNvPr id="1032" name="CuadroTexto 1031">
+                    <a:extLst>
+                      <a:ext uri="{FF2B5EF4-FFF2-40B4-BE49-F238E27FC236}">
+                        <a16:creationId xmlns:a16="http://schemas.microsoft.com/office/drawing/2014/main" id="{25E06165-E7E9-A3C3-B62A-B1257BB8D6A2}"/>
+                      </a:ext>
+                    </a:extLst>
+                  </p:cNvPr>
+                  <p:cNvSpPr txBox="1"/>
+                  <p:nvPr/>
+                </p:nvSpPr>
+                <p:spPr>
+                  <a:xfrm>
+                    <a:off x="3793167" y="19790576"/>
+                    <a:ext cx="752891" cy="289441"/>
+                  </a:xfrm>
+                  <a:prstGeom prst="roundRect">
+                    <a:avLst/>
+                  </a:prstGeom>
+                  <a:solidFill>
+                    <a:schemeClr val="bg1"/>
+                  </a:solidFill>
+                </p:spPr>
+                <p:txBody>
+                  <a:bodyPr wrap="square" rtlCol="0">
+                    <a:spAutoFit/>
+                  </a:bodyPr>
+                  <a:lstStyle/>
+                  <a:p>
+                    <a:r>
+                      <a:rPr lang="es-ES" sz="1100" dirty="0"/>
+                      <a:t>Maduros</a:t>
+                    </a:r>
+                  </a:p>
+                </p:txBody>
+              </p:sp>
+            </p:grpSp>
+            <p:grpSp>
+              <p:nvGrpSpPr>
+                <p:cNvPr id="126" name="Grupo 125">
+                  <a:extLst>
+                    <a:ext uri="{FF2B5EF4-FFF2-40B4-BE49-F238E27FC236}">
+                      <a16:creationId xmlns:a16="http://schemas.microsoft.com/office/drawing/2014/main" id="{2AB9742A-365A-73FD-7198-4F7F9D0C3246}"/>
+                    </a:ext>
+                  </a:extLst>
+                </p:cNvPr>
+                <p:cNvGrpSpPr/>
+                <p:nvPr/>
+              </p:nvGrpSpPr>
+              <p:grpSpPr>
+                <a:xfrm>
+                  <a:off x="7919263" y="19787806"/>
+                  <a:ext cx="1996949" cy="292211"/>
+                  <a:chOff x="2549109" y="19787806"/>
+                  <a:chExt cx="1996949" cy="292211"/>
+                </a:xfrm>
+              </p:grpSpPr>
+              <p:sp>
+                <p:nvSpPr>
+                  <p:cNvPr id="1029" name="CuadroTexto 1028">
+                    <a:extLst>
+                      <a:ext uri="{FF2B5EF4-FFF2-40B4-BE49-F238E27FC236}">
+                        <a16:creationId xmlns:a16="http://schemas.microsoft.com/office/drawing/2014/main" id="{045D5DDF-83EF-5B36-BA35-02E85FCD7A53}"/>
+                      </a:ext>
+                    </a:extLst>
+                  </p:cNvPr>
+                  <p:cNvSpPr txBox="1"/>
+                  <p:nvPr/>
+                </p:nvSpPr>
+                <p:spPr>
+                  <a:xfrm>
+                    <a:off x="2549109" y="19787806"/>
+                    <a:ext cx="874615" cy="289441"/>
+                  </a:xfrm>
+                  <a:prstGeom prst="roundRect">
+                    <a:avLst/>
+                  </a:prstGeom>
+                  <a:solidFill>
+                    <a:schemeClr val="bg1"/>
+                  </a:solidFill>
+                </p:spPr>
+                <p:txBody>
+                  <a:bodyPr wrap="square" rtlCol="0">
+                    <a:spAutoFit/>
+                  </a:bodyPr>
+                  <a:lstStyle/>
+                  <a:p>
+                    <a:r>
+                      <a:rPr lang="es-ES" sz="1100" dirty="0"/>
+                      <a:t>Inmaduros</a:t>
+                    </a:r>
+                  </a:p>
+                </p:txBody>
+              </p:sp>
+              <p:sp>
+                <p:nvSpPr>
+                  <p:cNvPr id="1030" name="CuadroTexto 1029">
+                    <a:extLst>
+                      <a:ext uri="{FF2B5EF4-FFF2-40B4-BE49-F238E27FC236}">
+                        <a16:creationId xmlns:a16="http://schemas.microsoft.com/office/drawing/2014/main" id="{DC08C6C5-935F-88A8-1047-BC1E733586F5}"/>
+                      </a:ext>
+                    </a:extLst>
+                  </p:cNvPr>
+                  <p:cNvSpPr txBox="1"/>
+                  <p:nvPr/>
+                </p:nvSpPr>
+                <p:spPr>
+                  <a:xfrm>
+                    <a:off x="3793167" y="19790576"/>
+                    <a:ext cx="752891" cy="289441"/>
+                  </a:xfrm>
+                  <a:prstGeom prst="roundRect">
+                    <a:avLst/>
+                  </a:prstGeom>
+                  <a:solidFill>
+                    <a:schemeClr val="bg1"/>
+                  </a:solidFill>
+                </p:spPr>
+                <p:txBody>
+                  <a:bodyPr wrap="square" rtlCol="0">
+                    <a:spAutoFit/>
+                  </a:bodyPr>
+                  <a:lstStyle/>
+                  <a:p>
+                    <a:r>
+                      <a:rPr lang="es-ES" sz="1100" dirty="0"/>
+                      <a:t>Maduros</a:t>
+                    </a:r>
+                  </a:p>
+                </p:txBody>
+              </p:sp>
+            </p:grpSp>
+            <p:sp>
+              <p:nvSpPr>
+                <p:cNvPr id="127" name="Rectángulo 126">
+                  <a:extLst>
+                    <a:ext uri="{FF2B5EF4-FFF2-40B4-BE49-F238E27FC236}">
+                      <a16:creationId xmlns:a16="http://schemas.microsoft.com/office/drawing/2014/main" id="{4B4DBF18-CCCE-0BEC-4D82-6AE7169E7DFD}"/>
+                    </a:ext>
+                  </a:extLst>
+                </p:cNvPr>
+                <p:cNvSpPr/>
+                <p:nvPr/>
+              </p:nvSpPr>
+              <p:spPr>
+                <a:xfrm>
+                  <a:off x="5715000" y="19876977"/>
+                  <a:ext cx="1170204" cy="354607"/>
+                </a:xfrm>
+                <a:prstGeom prst="rect">
+                  <a:avLst/>
+                </a:prstGeom>
+                <a:solidFill>
+                  <a:schemeClr val="bg1"/>
+                </a:solidFill>
+                <a:ln>
+                  <a:noFill/>
+                </a:ln>
+              </p:spPr>
+              <p:style>
+                <a:lnRef idx="2">
+                  <a:schemeClr val="accent1">
+                    <a:shade val="15000"/>
+                  </a:schemeClr>
+                </a:lnRef>
+                <a:fillRef idx="1">
+                  <a:schemeClr val="accent1"/>
+                </a:fillRef>
+                <a:effectRef idx="0">
+                  <a:schemeClr val="accent1"/>
+                </a:effectRef>
+                <a:fontRef idx="minor">
+                  <a:schemeClr val="lt1"/>
+                </a:fontRef>
+              </p:style>
+              <p:txBody>
+                <a:bodyPr rtlCol="0" anchor="ctr"/>
+                <a:lstStyle/>
+                <a:p>
+                  <a:pPr algn="ctr"/>
+                  <a:endParaRPr lang="es-ES"/>
+                </a:p>
+              </p:txBody>
+            </p:sp>
+            <p:grpSp>
+              <p:nvGrpSpPr>
+                <p:cNvPr id="1024" name="Grupo 1023">
+                  <a:extLst>
+                    <a:ext uri="{FF2B5EF4-FFF2-40B4-BE49-F238E27FC236}">
+                      <a16:creationId xmlns:a16="http://schemas.microsoft.com/office/drawing/2014/main" id="{D8B87F19-BDB4-EE6D-AF0C-A24973F33C83}"/>
+                    </a:ext>
+                  </a:extLst>
+                </p:cNvPr>
+                <p:cNvGrpSpPr/>
+                <p:nvPr/>
+              </p:nvGrpSpPr>
+              <p:grpSpPr>
+                <a:xfrm>
+                  <a:off x="5211608" y="19787806"/>
+                  <a:ext cx="1996949" cy="292211"/>
+                  <a:chOff x="2549109" y="19787806"/>
+                  <a:chExt cx="1996949" cy="292211"/>
+                </a:xfrm>
+              </p:grpSpPr>
+              <p:sp>
+                <p:nvSpPr>
+                  <p:cNvPr id="1025" name="CuadroTexto 1024">
+                    <a:extLst>
+                      <a:ext uri="{FF2B5EF4-FFF2-40B4-BE49-F238E27FC236}">
+                        <a16:creationId xmlns:a16="http://schemas.microsoft.com/office/drawing/2014/main" id="{0B2EEC58-DE08-B26A-6B33-0A60459BBDD8}"/>
+                      </a:ext>
+                    </a:extLst>
+                  </p:cNvPr>
+                  <p:cNvSpPr txBox="1"/>
+                  <p:nvPr/>
+                </p:nvSpPr>
+                <p:spPr>
+                  <a:xfrm>
+                    <a:off x="2549109" y="19787806"/>
+                    <a:ext cx="874615" cy="289441"/>
+                  </a:xfrm>
+                  <a:prstGeom prst="roundRect">
+                    <a:avLst/>
+                  </a:prstGeom>
+                  <a:solidFill>
+                    <a:schemeClr val="bg1"/>
+                  </a:solidFill>
+                </p:spPr>
+                <p:txBody>
+                  <a:bodyPr wrap="square" rtlCol="0">
+                    <a:spAutoFit/>
+                  </a:bodyPr>
+                  <a:lstStyle/>
+                  <a:p>
+                    <a:r>
+                      <a:rPr lang="es-ES" sz="1100" dirty="0"/>
+                      <a:t>Inmaduros</a:t>
+                    </a:r>
+                  </a:p>
+                </p:txBody>
+              </p:sp>
+              <p:sp>
+                <p:nvSpPr>
+                  <p:cNvPr id="1027" name="CuadroTexto 1026">
+                    <a:extLst>
+                      <a:ext uri="{FF2B5EF4-FFF2-40B4-BE49-F238E27FC236}">
+                        <a16:creationId xmlns:a16="http://schemas.microsoft.com/office/drawing/2014/main" id="{B0624A44-6E5A-75E5-8ABA-5AB3FEF123A9}"/>
+                      </a:ext>
+                    </a:extLst>
+                  </p:cNvPr>
+                  <p:cNvSpPr txBox="1"/>
+                  <p:nvPr/>
+                </p:nvSpPr>
+                <p:spPr>
+                  <a:xfrm>
+                    <a:off x="3793167" y="19790576"/>
+                    <a:ext cx="752891" cy="289441"/>
+                  </a:xfrm>
+                  <a:prstGeom prst="roundRect">
+                    <a:avLst/>
+                  </a:prstGeom>
+                  <a:solidFill>
+                    <a:schemeClr val="bg1"/>
+                  </a:solidFill>
+                </p:spPr>
+                <p:txBody>
+                  <a:bodyPr wrap="square" rtlCol="0">
+                    <a:spAutoFit/>
+                  </a:bodyPr>
+                  <a:lstStyle/>
+                  <a:p>
+                    <a:r>
+                      <a:rPr lang="es-ES" sz="1100" dirty="0"/>
+                      <a:t>Maduros</a:t>
+                    </a:r>
+                  </a:p>
+                </p:txBody>
+              </p:sp>
+            </p:grpSp>
+          </p:grpSp>
+        </p:grpSp>
+        <p:sp>
+          <p:nvSpPr>
+            <p:cNvPr id="1061" name="CuadroTexto 1060">
               <a:extLst>
-                <a:ext uri="{28A0092B-C50C-407E-A947-70E740481C1C}">
-                  <a14:useLocalDpi xmlns:a14="http://schemas.microsoft.com/office/drawing/2010/main" val="0"/>
+                <a:ext uri="{FF2B5EF4-FFF2-40B4-BE49-F238E27FC236}">
+                  <a16:creationId xmlns:a16="http://schemas.microsoft.com/office/drawing/2014/main" id="{B3D6AC1F-C313-D04E-C175-484E052CA9BC}"/>
                 </a:ext>
               </a:extLst>
-            </a:blip>
-            <a:stretch>
-              <a:fillRect/>
-            </a:stretch>
-          </p:blipFill>
+            </p:cNvPr>
+            <p:cNvSpPr txBox="1"/>
+            <p:nvPr/>
+          </p:nvSpPr>
           <p:spPr>
             <a:xfrm>
-              <a:off x="1959418" y="7873650"/>
-              <a:ext cx="5197661" cy="3896090"/>
+              <a:off x="2549437" y="21942367"/>
+              <a:ext cx="375385" cy="646331"/>
             </a:xfrm>
             <a:prstGeom prst="rect">
               <a:avLst/>
             </a:prstGeom>
+            <a:noFill/>
           </p:spPr>
-        </p:pic>
+          <p:txBody>
+            <a:bodyPr wrap="square" rtlCol="0">
+              <a:spAutoFit/>
+            </a:bodyPr>
+            <a:lstStyle/>
+            <a:p>
+              <a:r>
+                <a:rPr lang="es-ES" sz="3600" b="1" dirty="0">
+                  <a:solidFill>
+                    <a:srgbClr val="F553B3"/>
+                  </a:solidFill>
+                </a:rPr>
+                <a:t>*</a:t>
+              </a:r>
+            </a:p>
+          </p:txBody>
+        </p:sp>
         <p:sp>
           <p:nvSpPr>
-            <p:cNvPr id="1062" name="Rectángulo 1061">
+            <p:cNvPr id="1063" name="CuadroTexto 1062">
               <a:extLst>
                 <a:ext uri="{FF2B5EF4-FFF2-40B4-BE49-F238E27FC236}">
-                  <a16:creationId xmlns:a16="http://schemas.microsoft.com/office/drawing/2014/main" id="{A5280E05-1C1F-F894-F93D-06A46E15816A}"/>
+                  <a16:creationId xmlns:a16="http://schemas.microsoft.com/office/drawing/2014/main" id="{E1152423-3C90-0A12-534B-85BDF2612DC1}"/>
                 </a:ext>
               </a:extLst>
             </p:cNvPr>
-            <p:cNvSpPr/>
+            <p:cNvSpPr txBox="1"/>
             <p:nvPr/>
           </p:nvSpPr>
           <p:spPr>
             <a:xfrm>
-              <a:off x="5466845" y="11557576"/>
-              <a:ext cx="1690234" cy="212163"/>
+              <a:off x="5219764" y="22074868"/>
+              <a:ext cx="375385" cy="646331"/>
             </a:xfrm>
             <a:prstGeom prst="rect">
               <a:avLst/>
             </a:prstGeom>
-            <a:solidFill>
-              <a:schemeClr val="bg1"/>
-            </a:solidFill>
-            <a:ln>
-              <a:noFill/>
-            </a:ln>
+            <a:noFill/>
           </p:spPr>
-          <p:style>
-            <a:lnRef idx="2">
-              <a:schemeClr val="accent1">
-                <a:shade val="15000"/>
-              </a:schemeClr>
-            </a:lnRef>
-            <a:fillRef idx="1">
-              <a:schemeClr val="accent1"/>
-            </a:fillRef>
-            <a:effectRef idx="0">
-              <a:schemeClr val="accent1"/>
-            </a:effectRef>
-            <a:fontRef idx="minor">
-              <a:schemeClr val="lt1"/>
-            </a:fontRef>
-          </p:style>
           <p:txBody>
-            <a:bodyPr rtlCol="0" anchor="ctr"/>
+            <a:bodyPr wrap="square" rtlCol="0">
+              <a:spAutoFit/>
+            </a:bodyPr>
             <a:lstStyle/>
             <a:p>
-              <a:pPr algn="ctr"/>
-              <a:endParaRPr lang="es-ES"/>
+              <a:r>
+                <a:rPr lang="es-ES" sz="3600" b="1" dirty="0">
+                  <a:solidFill>
+                    <a:srgbClr val="F553B3"/>
+                  </a:solidFill>
+                </a:rPr>
+                <a:t>*</a:t>
+              </a:r>
+            </a:p>
+          </p:txBody>
+        </p:sp>
+        <p:sp>
+          <p:nvSpPr>
+            <p:cNvPr id="1065" name="CuadroTexto 1064">
+              <a:extLst>
+                <a:ext uri="{FF2B5EF4-FFF2-40B4-BE49-F238E27FC236}">
+                  <a16:creationId xmlns:a16="http://schemas.microsoft.com/office/drawing/2014/main" id="{A7112C44-949C-5F26-229A-7CF67A47CFEE}"/>
+                </a:ext>
+              </a:extLst>
+            </p:cNvPr>
+            <p:cNvSpPr txBox="1"/>
+            <p:nvPr/>
+          </p:nvSpPr>
+          <p:spPr>
+            <a:xfrm>
+              <a:off x="6211655" y="22188870"/>
+              <a:ext cx="375385" cy="646331"/>
+            </a:xfrm>
+            <a:prstGeom prst="rect">
+              <a:avLst/>
+            </a:prstGeom>
+            <a:noFill/>
+          </p:spPr>
+          <p:txBody>
+            <a:bodyPr wrap="square" rtlCol="0">
+              <a:spAutoFit/>
+            </a:bodyPr>
+            <a:lstStyle/>
+            <a:p>
+              <a:r>
+                <a:rPr lang="es-ES" sz="3600" b="1" dirty="0">
+                  <a:solidFill>
+                    <a:srgbClr val="F553B3"/>
+                  </a:solidFill>
+                </a:rPr>
+                <a:t>*</a:t>
+              </a:r>
+            </a:p>
+          </p:txBody>
+        </p:sp>
+        <p:sp>
+          <p:nvSpPr>
+            <p:cNvPr id="1066" name="CuadroTexto 1065">
+              <a:extLst>
+                <a:ext uri="{FF2B5EF4-FFF2-40B4-BE49-F238E27FC236}">
+                  <a16:creationId xmlns:a16="http://schemas.microsoft.com/office/drawing/2014/main" id="{B2F0F56C-DCC3-2756-BDDA-52EBE37AD89A}"/>
+                </a:ext>
+              </a:extLst>
+            </p:cNvPr>
+            <p:cNvSpPr txBox="1"/>
+            <p:nvPr/>
+          </p:nvSpPr>
+          <p:spPr>
+            <a:xfrm>
+              <a:off x="3568305" y="22079109"/>
+              <a:ext cx="375385" cy="646331"/>
+            </a:xfrm>
+            <a:prstGeom prst="rect">
+              <a:avLst/>
+            </a:prstGeom>
+            <a:noFill/>
+          </p:spPr>
+          <p:txBody>
+            <a:bodyPr wrap="square" rtlCol="0">
+              <a:spAutoFit/>
+            </a:bodyPr>
+            <a:lstStyle/>
+            <a:p>
+              <a:r>
+                <a:rPr lang="es-ES" sz="3600" b="1" dirty="0">
+                  <a:solidFill>
+                    <a:srgbClr val="F553B3"/>
+                  </a:solidFill>
+                </a:rPr>
+                <a:t>*</a:t>
+              </a:r>
             </a:p>
           </p:txBody>
         </p:sp>
       </p:grpSp>
+      <p:sp>
+        <p:nvSpPr>
+          <p:cNvPr id="1069" name="CuadroTexto 1068">
+            <a:extLst>
+              <a:ext uri="{FF2B5EF4-FFF2-40B4-BE49-F238E27FC236}">
+                <a16:creationId xmlns:a16="http://schemas.microsoft.com/office/drawing/2014/main" id="{F1B67328-B562-EAC4-B1BF-5EE3C50878FB}"/>
+              </a:ext>
+            </a:extLst>
+          </p:cNvPr>
+          <p:cNvSpPr txBox="1"/>
+          <p:nvPr/>
+        </p:nvSpPr>
+        <p:spPr>
+          <a:xfrm>
+            <a:off x="18311404" y="22003552"/>
+            <a:ext cx="375385" cy="400110"/>
+          </a:xfrm>
+          <a:prstGeom prst="rect">
+            <a:avLst/>
+          </a:prstGeom>
+          <a:noFill/>
+        </p:spPr>
+        <p:txBody>
+          <a:bodyPr wrap="square" rtlCol="0">
+            <a:spAutoFit/>
+          </a:bodyPr>
+          <a:lstStyle/>
+          <a:p>
+            <a:r>
+              <a:rPr lang="es-ES" sz="2000" b="1" dirty="0">
+                <a:solidFill>
+                  <a:srgbClr val="F553B3"/>
+                </a:solidFill>
+              </a:rPr>
+              <a:t>a</a:t>
+            </a:r>
+          </a:p>
+        </p:txBody>
+      </p:sp>
+      <p:sp>
+        <p:nvSpPr>
+          <p:cNvPr id="1071" name="CuadroTexto 1070">
+            <a:extLst>
+              <a:ext uri="{FF2B5EF4-FFF2-40B4-BE49-F238E27FC236}">
+                <a16:creationId xmlns:a16="http://schemas.microsoft.com/office/drawing/2014/main" id="{C61D74F2-C534-07D4-9B76-19F74D9C033A}"/>
+              </a:ext>
+            </a:extLst>
+          </p:cNvPr>
+          <p:cNvSpPr txBox="1"/>
+          <p:nvPr/>
+        </p:nvSpPr>
+        <p:spPr>
+          <a:xfrm>
+            <a:off x="820998" y="14210319"/>
+            <a:ext cx="18944071" cy="2510195"/>
+          </a:xfrm>
+          <a:prstGeom prst="roundRect">
+            <a:avLst>
+              <a:gd name="adj" fmla="val 50000"/>
+            </a:avLst>
+          </a:prstGeom>
+          <a:noFill/>
+        </p:spPr>
+        <p:txBody>
+          <a:bodyPr wrap="square" rtlCol="0">
+            <a:spAutoFit/>
+          </a:bodyPr>
+          <a:lstStyle/>
+          <a:p>
+            <a:pPr marL="457200" indent="-457200" algn="just">
+              <a:buClr>
+                <a:schemeClr val="accent6"/>
+              </a:buClr>
+              <a:buFont typeface="Arial" panose="020B0604020202020204" pitchFamily="34" charset="0"/>
+              <a:buChar char="•"/>
+            </a:pPr>
+            <a:r>
+              <a:rPr lang="es-ES" sz="3000" b="1" dirty="0">
+                <a:solidFill>
+                  <a:schemeClr val="accent6"/>
+                </a:solidFill>
+              </a:rPr>
+              <a:t>SOD</a:t>
+            </a:r>
+            <a:r>
+              <a:rPr lang="es-ES" sz="3000" b="1" dirty="0">
+                <a:solidFill>
+                  <a:schemeClr val="accent3"/>
+                </a:solidFill>
+              </a:rPr>
+              <a:t> </a:t>
+            </a:r>
+            <a:r>
+              <a:rPr lang="es-ES" sz="3000" dirty="0"/>
+              <a:t>y</a:t>
+            </a:r>
+            <a:r>
+              <a:rPr lang="es-ES" sz="3000" b="1" dirty="0"/>
+              <a:t> </a:t>
+            </a:r>
+            <a:r>
+              <a:rPr lang="es-ES" sz="3000" b="1" dirty="0">
+                <a:solidFill>
+                  <a:schemeClr val="accent6"/>
+                </a:solidFill>
+              </a:rPr>
+              <a:t>TEAC</a:t>
+            </a:r>
+            <a:r>
+              <a:rPr lang="es-ES" sz="3000" b="1" dirty="0">
+                <a:solidFill>
+                  <a:schemeClr val="accent3"/>
+                </a:solidFill>
+              </a:rPr>
+              <a:t> </a:t>
+            </a:r>
+            <a:r>
+              <a:rPr lang="es-ES" sz="3000" dirty="0"/>
+              <a:t>no se ven alteradas ante los distintos modos de reproducción</a:t>
+            </a:r>
+          </a:p>
+          <a:p>
+            <a:pPr marL="457200" indent="-457200" algn="just">
+              <a:buClr>
+                <a:schemeClr val="accent6"/>
+              </a:buClr>
+              <a:buFont typeface="Arial" panose="020B0604020202020204" pitchFamily="34" charset="0"/>
+              <a:buChar char="•"/>
+            </a:pPr>
+            <a:r>
+              <a:rPr lang="es-ES" sz="3000" dirty="0"/>
+              <a:t>Actividad </a:t>
+            </a:r>
+            <a:r>
+              <a:rPr lang="es-ES" sz="3000" b="1" dirty="0">
+                <a:solidFill>
+                  <a:schemeClr val="accent6"/>
+                </a:solidFill>
+              </a:rPr>
+              <a:t>CAT</a:t>
+            </a:r>
+            <a:r>
+              <a:rPr lang="es-ES" sz="3000" dirty="0"/>
+              <a:t> se incrementa al estimular la división asexual</a:t>
+            </a:r>
+          </a:p>
+          <a:p>
+            <a:pPr marL="457200" indent="-457200" algn="just">
+              <a:buClr>
+                <a:schemeClr val="accent6"/>
+              </a:buClr>
+              <a:buFont typeface="Arial" panose="020B0604020202020204" pitchFamily="34" charset="0"/>
+              <a:buChar char="•"/>
+            </a:pPr>
+            <a:r>
+              <a:rPr lang="es-ES" sz="3000" dirty="0"/>
+              <a:t>Niveles de </a:t>
+            </a:r>
+            <a:r>
+              <a:rPr lang="es-ES" sz="3000" b="1" dirty="0">
+                <a:solidFill>
+                  <a:schemeClr val="accent6"/>
+                </a:solidFill>
+              </a:rPr>
+              <a:t>MDA</a:t>
+            </a:r>
+            <a:r>
+              <a:rPr lang="es-ES" sz="3000" dirty="0"/>
+              <a:t> son uniformes entre tratamientos</a:t>
+            </a:r>
+          </a:p>
+          <a:p>
+            <a:pPr marL="342900" indent="-342900" algn="just">
+              <a:buFont typeface="Wingdings" panose="05000000000000000000" pitchFamily="2" charset="2"/>
+              <a:buChar char="§"/>
+            </a:pPr>
+            <a:endParaRPr lang="es-ES" sz="2000" dirty="0"/>
+          </a:p>
+        </p:txBody>
+      </p:sp>
+      <p:sp>
+        <p:nvSpPr>
+          <p:cNvPr id="1072" name="Rectángulo: esquinas redondeadas 1071">
+            <a:extLst>
+              <a:ext uri="{FF2B5EF4-FFF2-40B4-BE49-F238E27FC236}">
+                <a16:creationId xmlns:a16="http://schemas.microsoft.com/office/drawing/2014/main" id="{353D0E9F-07D6-663C-1F0F-F56D64AF601A}"/>
+              </a:ext>
+            </a:extLst>
+          </p:cNvPr>
+          <p:cNvSpPr/>
+          <p:nvPr/>
+        </p:nvSpPr>
+        <p:spPr>
+          <a:xfrm>
+            <a:off x="644527" y="25280321"/>
+            <a:ext cx="19949559" cy="511629"/>
+          </a:xfrm>
+          <a:prstGeom prst="roundRect">
+            <a:avLst/>
+          </a:prstGeom>
+          <a:ln/>
+        </p:spPr>
+        <p:style>
+          <a:lnRef idx="1">
+            <a:schemeClr val="accent3"/>
+          </a:lnRef>
+          <a:fillRef idx="3">
+            <a:schemeClr val="accent3"/>
+          </a:fillRef>
+          <a:effectRef idx="2">
+            <a:schemeClr val="accent3"/>
+          </a:effectRef>
+          <a:fontRef idx="minor">
+            <a:schemeClr val="lt1"/>
+          </a:fontRef>
+        </p:style>
+        <p:txBody>
+          <a:bodyPr rtlCol="0" anchor="ctr"/>
+          <a:lstStyle/>
+          <a:p>
+            <a:pPr algn="ctr"/>
+            <a:endParaRPr lang="es-ES"/>
+          </a:p>
+        </p:txBody>
+      </p:sp>
+      <p:sp>
+        <p:nvSpPr>
+          <p:cNvPr id="1073" name="CuadroTexto 1072">
+            <a:extLst>
+              <a:ext uri="{FF2B5EF4-FFF2-40B4-BE49-F238E27FC236}">
+                <a16:creationId xmlns:a16="http://schemas.microsoft.com/office/drawing/2014/main" id="{140A8778-70D8-0BDD-1C85-06B32285EA5C}"/>
+              </a:ext>
+            </a:extLst>
+          </p:cNvPr>
+          <p:cNvSpPr txBox="1"/>
+          <p:nvPr/>
+        </p:nvSpPr>
+        <p:spPr>
+          <a:xfrm>
+            <a:off x="646597" y="25306936"/>
+            <a:ext cx="16815132" cy="523220"/>
+          </a:xfrm>
+          <a:prstGeom prst="rect">
+            <a:avLst/>
+          </a:prstGeom>
+          <a:noFill/>
+        </p:spPr>
+        <p:txBody>
+          <a:bodyPr wrap="square" rtlCol="0">
+            <a:spAutoFit/>
+          </a:bodyPr>
+          <a:lstStyle/>
+          <a:p>
+            <a:r>
+              <a:rPr lang="es-ES" sz="2800" b="1" dirty="0">
+                <a:solidFill>
+                  <a:schemeClr val="bg1"/>
+                </a:solidFill>
+                <a:latin typeface="Cooper Hewitt Semibold" pitchFamily="2" charset="0"/>
+                <a:ea typeface="Cooper Hewitt Semibold" pitchFamily="2" charset="0"/>
+              </a:rPr>
+              <a:t>CONCLUSIONES</a:t>
+            </a:r>
+            <a:endParaRPr lang="x-none" sz="2800" b="1" dirty="0">
+              <a:solidFill>
+                <a:schemeClr val="bg1"/>
+              </a:solidFill>
+              <a:latin typeface="Cooper Hewitt Semibold" pitchFamily="2" charset="0"/>
+              <a:ea typeface="Cooper Hewitt Semibold" pitchFamily="2" charset="0"/>
+            </a:endParaRPr>
+          </a:p>
+        </p:txBody>
+      </p:sp>
+      <p:sp>
+        <p:nvSpPr>
+          <p:cNvPr id="1074" name="CuadroTexto 1073">
+            <a:extLst>
+              <a:ext uri="{FF2B5EF4-FFF2-40B4-BE49-F238E27FC236}">
+                <a16:creationId xmlns:a16="http://schemas.microsoft.com/office/drawing/2014/main" id="{7C7C9BFE-DC31-8DB0-1118-3D119FA96EA2}"/>
+              </a:ext>
+            </a:extLst>
+          </p:cNvPr>
+          <p:cNvSpPr txBox="1"/>
+          <p:nvPr/>
+        </p:nvSpPr>
+        <p:spPr>
+          <a:xfrm>
+            <a:off x="976904" y="24521460"/>
+            <a:ext cx="19234844" cy="338554"/>
+          </a:xfrm>
+          <a:prstGeom prst="rect">
+            <a:avLst/>
+          </a:prstGeom>
+          <a:noFill/>
+        </p:spPr>
+        <p:txBody>
+          <a:bodyPr wrap="square" rtlCol="0">
+            <a:spAutoFit/>
+          </a:bodyPr>
+          <a:lstStyle/>
+          <a:p>
+            <a:r>
+              <a:rPr lang="es-ES" sz="1600" b="1" dirty="0">
+                <a:solidFill>
+                  <a:srgbClr val="F553B3"/>
+                </a:solidFill>
+              </a:rPr>
+              <a:t>			*: diferencias significativas asociadas a la reproducción asexual									a, b: diferencias significativas asociadas a la maduración sexual</a:t>
+            </a:r>
+          </a:p>
+        </p:txBody>
+      </p:sp>
+      <p:sp>
+        <p:nvSpPr>
+          <p:cNvPr id="1075" name="CuadroTexto 1074">
+            <a:extLst>
+              <a:ext uri="{FF2B5EF4-FFF2-40B4-BE49-F238E27FC236}">
+                <a16:creationId xmlns:a16="http://schemas.microsoft.com/office/drawing/2014/main" id="{390E6EFD-3A3F-7929-603F-4F8876F70FA9}"/>
+              </a:ext>
+            </a:extLst>
+          </p:cNvPr>
+          <p:cNvSpPr txBox="1"/>
+          <p:nvPr/>
+        </p:nvSpPr>
+        <p:spPr>
+          <a:xfrm>
+            <a:off x="19544868" y="22760460"/>
+            <a:ext cx="375385" cy="400110"/>
+          </a:xfrm>
+          <a:prstGeom prst="rect">
+            <a:avLst/>
+          </a:prstGeom>
+          <a:noFill/>
+        </p:spPr>
+        <p:txBody>
+          <a:bodyPr wrap="square" rtlCol="0">
+            <a:spAutoFit/>
+          </a:bodyPr>
+          <a:lstStyle/>
+          <a:p>
+            <a:r>
+              <a:rPr lang="es-ES" sz="2000" b="1" dirty="0">
+                <a:solidFill>
+                  <a:srgbClr val="F553B3"/>
+                </a:solidFill>
+              </a:rPr>
+              <a:t>b</a:t>
+            </a:r>
+          </a:p>
+        </p:txBody>
+      </p:sp>
+      <p:sp>
+        <p:nvSpPr>
+          <p:cNvPr id="1076" name="CuadroTexto 1075">
+            <a:extLst>
+              <a:ext uri="{FF2B5EF4-FFF2-40B4-BE49-F238E27FC236}">
+                <a16:creationId xmlns:a16="http://schemas.microsoft.com/office/drawing/2014/main" id="{688EA276-8C41-231C-7F99-78D1328EEFB2}"/>
+              </a:ext>
+            </a:extLst>
+          </p:cNvPr>
+          <p:cNvSpPr txBox="1"/>
+          <p:nvPr/>
+        </p:nvSpPr>
+        <p:spPr>
+          <a:xfrm>
+            <a:off x="2406750" y="21970514"/>
+            <a:ext cx="375385" cy="400110"/>
+          </a:xfrm>
+          <a:prstGeom prst="rect">
+            <a:avLst/>
+          </a:prstGeom>
+          <a:noFill/>
+        </p:spPr>
+        <p:txBody>
+          <a:bodyPr wrap="square" rtlCol="0">
+            <a:spAutoFit/>
+          </a:bodyPr>
+          <a:lstStyle/>
+          <a:p>
+            <a:r>
+              <a:rPr lang="es-ES" sz="2000" b="1" dirty="0">
+                <a:solidFill>
+                  <a:srgbClr val="F553B3"/>
+                </a:solidFill>
+              </a:rPr>
+              <a:t>a</a:t>
+            </a:r>
+          </a:p>
+        </p:txBody>
+      </p:sp>
+      <p:sp>
+        <p:nvSpPr>
+          <p:cNvPr id="1077" name="CuadroTexto 1076">
+            <a:extLst>
+              <a:ext uri="{FF2B5EF4-FFF2-40B4-BE49-F238E27FC236}">
+                <a16:creationId xmlns:a16="http://schemas.microsoft.com/office/drawing/2014/main" id="{50D9705B-35AB-033C-CD15-DF409CB7EF08}"/>
+              </a:ext>
+            </a:extLst>
+          </p:cNvPr>
+          <p:cNvSpPr txBox="1"/>
+          <p:nvPr/>
+        </p:nvSpPr>
+        <p:spPr>
+          <a:xfrm>
+            <a:off x="3575295" y="23338316"/>
+            <a:ext cx="375385" cy="400110"/>
+          </a:xfrm>
+          <a:prstGeom prst="rect">
+            <a:avLst/>
+          </a:prstGeom>
+          <a:noFill/>
+        </p:spPr>
+        <p:txBody>
+          <a:bodyPr wrap="square" rtlCol="0">
+            <a:spAutoFit/>
+          </a:bodyPr>
+          <a:lstStyle/>
+          <a:p>
+            <a:r>
+              <a:rPr lang="es-ES" sz="2000" b="1" dirty="0">
+                <a:solidFill>
+                  <a:srgbClr val="F553B3"/>
+                </a:solidFill>
+              </a:rPr>
+              <a:t>b</a:t>
+            </a:r>
+          </a:p>
+        </p:txBody>
+      </p:sp>
+      <p:sp>
+        <p:nvSpPr>
+          <p:cNvPr id="1078" name="CuadroTexto 1077">
+            <a:extLst>
+              <a:ext uri="{FF2B5EF4-FFF2-40B4-BE49-F238E27FC236}">
+                <a16:creationId xmlns:a16="http://schemas.microsoft.com/office/drawing/2014/main" id="{EEF7CAEB-436F-AC12-EADB-74CCA2518D75}"/>
+              </a:ext>
+            </a:extLst>
+          </p:cNvPr>
+          <p:cNvSpPr txBox="1"/>
+          <p:nvPr/>
+        </p:nvSpPr>
+        <p:spPr>
+          <a:xfrm>
+            <a:off x="3425618" y="22107885"/>
+            <a:ext cx="375385" cy="400110"/>
+          </a:xfrm>
+          <a:prstGeom prst="rect">
+            <a:avLst/>
+          </a:prstGeom>
+          <a:noFill/>
+        </p:spPr>
+        <p:txBody>
+          <a:bodyPr wrap="square" rtlCol="0">
+            <a:spAutoFit/>
+          </a:bodyPr>
+          <a:lstStyle/>
+          <a:p>
+            <a:r>
+              <a:rPr lang="es-ES" sz="2000" b="1" dirty="0">
+                <a:solidFill>
+                  <a:srgbClr val="F553B3"/>
+                </a:solidFill>
+              </a:rPr>
+              <a:t>a</a:t>
+            </a:r>
+          </a:p>
+        </p:txBody>
+      </p:sp>
+      <p:sp>
+        <p:nvSpPr>
+          <p:cNvPr id="1079" name="CuadroTexto 1078">
+            <a:extLst>
+              <a:ext uri="{FF2B5EF4-FFF2-40B4-BE49-F238E27FC236}">
+                <a16:creationId xmlns:a16="http://schemas.microsoft.com/office/drawing/2014/main" id="{391D3B6E-DDAC-7836-334E-2E0F7BD57696}"/>
+              </a:ext>
+            </a:extLst>
+          </p:cNvPr>
+          <p:cNvSpPr txBox="1"/>
+          <p:nvPr/>
+        </p:nvSpPr>
+        <p:spPr>
+          <a:xfrm>
+            <a:off x="2269735" y="23160570"/>
+            <a:ext cx="375385" cy="400110"/>
+          </a:xfrm>
+          <a:prstGeom prst="rect">
+            <a:avLst/>
+          </a:prstGeom>
+          <a:noFill/>
+        </p:spPr>
+        <p:txBody>
+          <a:bodyPr wrap="square" rtlCol="0">
+            <a:spAutoFit/>
+          </a:bodyPr>
+          <a:lstStyle/>
+          <a:p>
+            <a:r>
+              <a:rPr lang="es-ES" sz="2000" b="1" dirty="0">
+                <a:solidFill>
+                  <a:srgbClr val="F553B3"/>
+                </a:solidFill>
+              </a:rPr>
+              <a:t>b</a:t>
+            </a:r>
+          </a:p>
+        </p:txBody>
+      </p:sp>
+      <p:sp>
+        <p:nvSpPr>
+          <p:cNvPr id="1080" name="CuadroTexto 1079">
+            <a:extLst>
+              <a:ext uri="{FF2B5EF4-FFF2-40B4-BE49-F238E27FC236}">
+                <a16:creationId xmlns:a16="http://schemas.microsoft.com/office/drawing/2014/main" id="{F5B74FA0-9DA0-1C41-0067-8C0F8F9C3064}"/>
+              </a:ext>
+            </a:extLst>
+          </p:cNvPr>
+          <p:cNvSpPr txBox="1"/>
+          <p:nvPr/>
+        </p:nvSpPr>
+        <p:spPr>
+          <a:xfrm>
+            <a:off x="5068041" y="22107885"/>
+            <a:ext cx="375385" cy="400110"/>
+          </a:xfrm>
+          <a:prstGeom prst="rect">
+            <a:avLst/>
+          </a:prstGeom>
+          <a:noFill/>
+        </p:spPr>
+        <p:txBody>
+          <a:bodyPr wrap="square" rtlCol="0">
+            <a:spAutoFit/>
+          </a:bodyPr>
+          <a:lstStyle/>
+          <a:p>
+            <a:r>
+              <a:rPr lang="es-ES" sz="2000" b="1" dirty="0">
+                <a:solidFill>
+                  <a:srgbClr val="F553B3"/>
+                </a:solidFill>
+              </a:rPr>
+              <a:t>a</a:t>
+            </a:r>
+          </a:p>
+        </p:txBody>
+      </p:sp>
+      <p:sp>
+        <p:nvSpPr>
+          <p:cNvPr id="1081" name="CuadroTexto 1080">
+            <a:extLst>
+              <a:ext uri="{FF2B5EF4-FFF2-40B4-BE49-F238E27FC236}">
+                <a16:creationId xmlns:a16="http://schemas.microsoft.com/office/drawing/2014/main" id="{F8A90280-29F3-1C4C-3D20-306A1861C3B8}"/>
+              </a:ext>
+            </a:extLst>
+          </p:cNvPr>
+          <p:cNvSpPr txBox="1"/>
+          <p:nvPr/>
+        </p:nvSpPr>
+        <p:spPr>
+          <a:xfrm>
+            <a:off x="6271583" y="23386708"/>
+            <a:ext cx="375385" cy="400110"/>
+          </a:xfrm>
+          <a:prstGeom prst="rect">
+            <a:avLst/>
+          </a:prstGeom>
+          <a:noFill/>
+        </p:spPr>
+        <p:txBody>
+          <a:bodyPr wrap="square" rtlCol="0">
+            <a:spAutoFit/>
+          </a:bodyPr>
+          <a:lstStyle/>
+          <a:p>
+            <a:r>
+              <a:rPr lang="es-ES" sz="2000" b="1" dirty="0">
+                <a:solidFill>
+                  <a:srgbClr val="F553B3"/>
+                </a:solidFill>
+              </a:rPr>
+              <a:t>b</a:t>
+            </a:r>
+          </a:p>
+        </p:txBody>
+      </p:sp>
+      <p:sp>
+        <p:nvSpPr>
+          <p:cNvPr id="1082" name="CuadroTexto 1081">
+            <a:extLst>
+              <a:ext uri="{FF2B5EF4-FFF2-40B4-BE49-F238E27FC236}">
+                <a16:creationId xmlns:a16="http://schemas.microsoft.com/office/drawing/2014/main" id="{DD59744A-DE4E-CCF1-3A6C-3D95393551EE}"/>
+              </a:ext>
+            </a:extLst>
+          </p:cNvPr>
+          <p:cNvSpPr txBox="1"/>
+          <p:nvPr/>
+        </p:nvSpPr>
+        <p:spPr>
+          <a:xfrm>
+            <a:off x="6097833" y="22244318"/>
+            <a:ext cx="375385" cy="400110"/>
+          </a:xfrm>
+          <a:prstGeom prst="rect">
+            <a:avLst/>
+          </a:prstGeom>
+          <a:noFill/>
+        </p:spPr>
+        <p:txBody>
+          <a:bodyPr wrap="square" rtlCol="0">
+            <a:spAutoFit/>
+          </a:bodyPr>
+          <a:lstStyle/>
+          <a:p>
+            <a:r>
+              <a:rPr lang="es-ES" sz="2000" b="1" dirty="0">
+                <a:solidFill>
+                  <a:srgbClr val="F553B3"/>
+                </a:solidFill>
+              </a:rPr>
+              <a:t>a</a:t>
+            </a:r>
+          </a:p>
+        </p:txBody>
+      </p:sp>
+      <p:sp>
+        <p:nvSpPr>
+          <p:cNvPr id="1083" name="CuadroTexto 1082">
+            <a:extLst>
+              <a:ext uri="{FF2B5EF4-FFF2-40B4-BE49-F238E27FC236}">
+                <a16:creationId xmlns:a16="http://schemas.microsoft.com/office/drawing/2014/main" id="{DDB2F04D-5C9C-111D-7784-05CF363782AC}"/>
+              </a:ext>
+            </a:extLst>
+          </p:cNvPr>
+          <p:cNvSpPr txBox="1"/>
+          <p:nvPr/>
+        </p:nvSpPr>
+        <p:spPr>
+          <a:xfrm>
+            <a:off x="4950842" y="22918594"/>
+            <a:ext cx="375385" cy="400110"/>
+          </a:xfrm>
+          <a:prstGeom prst="rect">
+            <a:avLst/>
+          </a:prstGeom>
+          <a:noFill/>
+        </p:spPr>
+        <p:txBody>
+          <a:bodyPr wrap="square" rtlCol="0">
+            <a:spAutoFit/>
+          </a:bodyPr>
+          <a:lstStyle/>
+          <a:p>
+            <a:r>
+              <a:rPr lang="es-ES" sz="2000" b="1" dirty="0">
+                <a:solidFill>
+                  <a:srgbClr val="F553B3"/>
+                </a:solidFill>
+              </a:rPr>
+              <a:t>b</a:t>
+            </a:r>
+          </a:p>
+        </p:txBody>
+      </p:sp>
+      <p:pic>
+        <p:nvPicPr>
+          <p:cNvPr id="1084" name="Imagen 1083">
+            <a:extLst>
+              <a:ext uri="{FF2B5EF4-FFF2-40B4-BE49-F238E27FC236}">
+                <a16:creationId xmlns:a16="http://schemas.microsoft.com/office/drawing/2014/main" id="{8701FCB1-2D07-F1D8-7A31-7DD0112FB104}"/>
+              </a:ext>
+            </a:extLst>
+          </p:cNvPr>
+          <p:cNvPicPr>
+            <a:picLocks noChangeAspect="1"/>
+          </p:cNvPicPr>
+          <p:nvPr/>
+        </p:nvPicPr>
+        <p:blipFill>
+          <a:blip r:embed="rId14" cstate="print">
+            <a:extLst>
+              <a:ext uri="{28A0092B-C50C-407E-A947-70E740481C1C}">
+                <a14:useLocalDpi xmlns:a14="http://schemas.microsoft.com/office/drawing/2010/main" val="0"/>
+              </a:ext>
+            </a:extLst>
+          </a:blip>
+          <a:stretch>
+            <a:fillRect/>
+          </a:stretch>
+        </p:blipFill>
+        <p:spPr>
+          <a:xfrm>
+            <a:off x="8416541" y="29101714"/>
+            <a:ext cx="11956722" cy="826374"/>
+          </a:xfrm>
+          <a:prstGeom prst="rect">
+            <a:avLst/>
+          </a:prstGeom>
+        </p:spPr>
+      </p:pic>
     </p:spTree>
     <p:extLst>
       <p:ext uri="{BB962C8B-B14F-4D97-AF65-F5344CB8AC3E}">

--- a/resultados/poster CEEBI/Poster CEEBI TFG.pptx
+++ b/resultados/poster CEEBI/Poster CEEBI TFG.pptx
@@ -266,7 +266,7 @@
           <a:p>
             <a:fld id="{059ACE22-8852-4AB5-AC4C-388E9F46BA1D}" type="datetimeFigureOut">
               <a:rPr lang="es-ES" smtClean="0"/>
-              <a:t>24/06/2023</a:t>
+              <a:t>27/06/2023</a:t>
             </a:fld>
             <a:endParaRPr lang="es-ES"/>
           </a:p>
@@ -436,7 +436,7 @@
           <a:p>
             <a:fld id="{059ACE22-8852-4AB5-AC4C-388E9F46BA1D}" type="datetimeFigureOut">
               <a:rPr lang="es-ES" smtClean="0"/>
-              <a:t>24/06/2023</a:t>
+              <a:t>27/06/2023</a:t>
             </a:fld>
             <a:endParaRPr lang="es-ES"/>
           </a:p>
@@ -616,7 +616,7 @@
           <a:p>
             <a:fld id="{059ACE22-8852-4AB5-AC4C-388E9F46BA1D}" type="datetimeFigureOut">
               <a:rPr lang="es-ES" smtClean="0"/>
-              <a:t>24/06/2023</a:t>
+              <a:t>27/06/2023</a:t>
             </a:fld>
             <a:endParaRPr lang="es-ES"/>
           </a:p>
@@ -786,7 +786,7 @@
           <a:p>
             <a:fld id="{059ACE22-8852-4AB5-AC4C-388E9F46BA1D}" type="datetimeFigureOut">
               <a:rPr lang="es-ES" smtClean="0"/>
-              <a:t>24/06/2023</a:t>
+              <a:t>27/06/2023</a:t>
             </a:fld>
             <a:endParaRPr lang="es-ES"/>
           </a:p>
@@ -1030,7 +1030,7 @@
           <a:p>
             <a:fld id="{059ACE22-8852-4AB5-AC4C-388E9F46BA1D}" type="datetimeFigureOut">
               <a:rPr lang="es-ES" smtClean="0"/>
-              <a:t>24/06/2023</a:t>
+              <a:t>27/06/2023</a:t>
             </a:fld>
             <a:endParaRPr lang="es-ES"/>
           </a:p>
@@ -1262,7 +1262,7 @@
           <a:p>
             <a:fld id="{059ACE22-8852-4AB5-AC4C-388E9F46BA1D}" type="datetimeFigureOut">
               <a:rPr lang="es-ES" smtClean="0"/>
-              <a:t>24/06/2023</a:t>
+              <a:t>27/06/2023</a:t>
             </a:fld>
             <a:endParaRPr lang="es-ES"/>
           </a:p>
@@ -1629,7 +1629,7 @@
           <a:p>
             <a:fld id="{059ACE22-8852-4AB5-AC4C-388E9F46BA1D}" type="datetimeFigureOut">
               <a:rPr lang="es-ES" smtClean="0"/>
-              <a:t>24/06/2023</a:t>
+              <a:t>27/06/2023</a:t>
             </a:fld>
             <a:endParaRPr lang="es-ES"/>
           </a:p>
@@ -1747,7 +1747,7 @@
           <a:p>
             <a:fld id="{059ACE22-8852-4AB5-AC4C-388E9F46BA1D}" type="datetimeFigureOut">
               <a:rPr lang="es-ES" smtClean="0"/>
-              <a:t>24/06/2023</a:t>
+              <a:t>27/06/2023</a:t>
             </a:fld>
             <a:endParaRPr lang="es-ES"/>
           </a:p>
@@ -1842,7 +1842,7 @@
           <a:p>
             <a:fld id="{059ACE22-8852-4AB5-AC4C-388E9F46BA1D}" type="datetimeFigureOut">
               <a:rPr lang="es-ES" smtClean="0"/>
-              <a:t>24/06/2023</a:t>
+              <a:t>27/06/2023</a:t>
             </a:fld>
             <a:endParaRPr lang="es-ES"/>
           </a:p>
@@ -2119,7 +2119,7 @@
           <a:p>
             <a:fld id="{059ACE22-8852-4AB5-AC4C-388E9F46BA1D}" type="datetimeFigureOut">
               <a:rPr lang="es-ES" smtClean="0"/>
-              <a:t>24/06/2023</a:t>
+              <a:t>27/06/2023</a:t>
             </a:fld>
             <a:endParaRPr lang="es-ES"/>
           </a:p>
@@ -2376,7 +2376,7 @@
           <a:p>
             <a:fld id="{059ACE22-8852-4AB5-AC4C-388E9F46BA1D}" type="datetimeFigureOut">
               <a:rPr lang="es-ES" smtClean="0"/>
-              <a:t>24/06/2023</a:t>
+              <a:t>27/06/2023</a:t>
             </a:fld>
             <a:endParaRPr lang="es-ES"/>
           </a:p>
@@ -2589,7 +2589,7 @@
           <a:p>
             <a:fld id="{059ACE22-8852-4AB5-AC4C-388E9F46BA1D}" type="datetimeFigureOut">
               <a:rPr lang="es-ES" smtClean="0"/>
-              <a:t>24/06/2023</a:t>
+              <a:t>27/06/2023</a:t>
             </a:fld>
             <a:endParaRPr lang="es-ES"/>
           </a:p>
@@ -3303,7 +3303,7 @@
                   <a:latin typeface="Cooper Hewitt Semibold" pitchFamily="2" charset="0"/>
                   <a:ea typeface="Cooper Hewitt Semibold" pitchFamily="2" charset="0"/>
                 </a:rPr>
-                <a:t>RESULTADOS</a:t>
+                <a:t>RESULTADOS Y DISCUSIÓN</a:t>
               </a:r>
               <a:endParaRPr lang="x-none" sz="2800" b="1" dirty="0">
                 <a:solidFill>
@@ -3595,7 +3595,7 @@
         </p:nvSpPr>
         <p:spPr>
           <a:xfrm>
-            <a:off x="712425" y="541347"/>
+            <a:off x="712425" y="365632"/>
             <a:ext cx="20408628" cy="2123658"/>
           </a:xfrm>
           <a:prstGeom prst="rect">
@@ -3720,8 +3720,8 @@
         </p:nvSpPr>
         <p:spPr>
           <a:xfrm>
-            <a:off x="789534" y="2803689"/>
-            <a:ext cx="10271175" cy="523220"/>
+            <a:off x="789534" y="2475090"/>
+            <a:ext cx="15093128" cy="954107"/>
           </a:xfrm>
           <a:prstGeom prst="rect">
             <a:avLst/>
@@ -3736,7 +3736,7 @@
           <a:p>
             <a:r>
               <a:rPr lang="es-ES" sz="2800" dirty="0"/>
-              <a:t>Alberto Coll Fernández</a:t>
+              <a:t>Alberto Coll</a:t>
             </a:r>
             <a:r>
               <a:rPr lang="es-ES" sz="2800" baseline="30000" dirty="0"/>
@@ -3744,11 +3744,35 @@
             </a:r>
             <a:r>
               <a:rPr lang="es-ES" sz="2800" dirty="0"/>
-              <a:t>, Cristina Trenzado Romero</a:t>
+              <a:t>, Cristina E. Trenzado</a:t>
             </a:r>
             <a:r>
               <a:rPr lang="es-ES" sz="2800" baseline="30000" dirty="0"/>
               <a:t>1</a:t>
+            </a:r>
+            <a:r>
+              <a:rPr lang="es-ES" sz="2800" dirty="0"/>
+              <a:t>, Ana E. Ortiz Maldonado</a:t>
+            </a:r>
+            <a:r>
+              <a:rPr lang="es-ES" sz="2800" baseline="30000" dirty="0"/>
+              <a:t>1</a:t>
+            </a:r>
+            <a:r>
+              <a:rPr lang="es-ES" sz="2800" dirty="0"/>
+              <a:t>, Amalia Pérez Jiménez</a:t>
+            </a:r>
+            <a:r>
+              <a:rPr lang="es-ES" sz="2800" baseline="30000" dirty="0"/>
+              <a:t>2</a:t>
+            </a:r>
+            <a:r>
+              <a:rPr lang="es-ES" sz="2800" dirty="0"/>
+              <a:t>, Eva E. Rufino Palomares</a:t>
+            </a:r>
+            <a:r>
+              <a:rPr lang="es-ES" sz="2800" baseline="30000" dirty="0"/>
+              <a:t>3</a:t>
             </a:r>
           </a:p>
         </p:txBody>
@@ -3915,8 +3939,8 @@
         </p:nvSpPr>
         <p:spPr>
           <a:xfrm>
-            <a:off x="1001825" y="3499945"/>
-            <a:ext cx="19829827" cy="584775"/>
+            <a:off x="776899" y="3353321"/>
+            <a:ext cx="19829827" cy="1077218"/>
           </a:xfrm>
           <a:prstGeom prst="rect">
             <a:avLst/>
@@ -3936,6 +3960,26 @@
             <a:r>
               <a:rPr lang="es-ES" sz="1600" dirty="0"/>
               <a:t> Departamento de Biología Celular, Facultad de Ciencias, Universidad de Granada</a:t>
+            </a:r>
+          </a:p>
+          <a:p>
+            <a:r>
+              <a:rPr lang="es-ES" sz="1600" baseline="30000" dirty="0"/>
+              <a:t>2</a:t>
+            </a:r>
+            <a:r>
+              <a:rPr lang="es-ES" sz="1600" dirty="0"/>
+              <a:t> Departamento de Zoología, Unidad de Fisiología Animal, Facultad de Ciencias, Universidad de Granada</a:t>
+            </a:r>
+          </a:p>
+          <a:p>
+            <a:r>
+              <a:rPr lang="es-ES" sz="1600" baseline="30000" dirty="0"/>
+              <a:t>3</a:t>
+            </a:r>
+            <a:r>
+              <a:rPr lang="es-ES" sz="1600" dirty="0"/>
+              <a:t> Departamento de Bioquímica y Biología Molecular, Facultad de Ciencias, Universidad de Granada</a:t>
             </a:r>
           </a:p>
           <a:p>
@@ -4825,53 +4869,6 @@
       </p:sp>
       <p:pic>
         <p:nvPicPr>
-          <p:cNvPr id="1026" name="Picture 2">
-            <a:extLst>
-              <a:ext uri="{FF2B5EF4-FFF2-40B4-BE49-F238E27FC236}">
-                <a16:creationId xmlns:a16="http://schemas.microsoft.com/office/drawing/2014/main" id="{AE871915-4978-DA26-0923-A820A073680B}"/>
-              </a:ext>
-            </a:extLst>
-          </p:cNvPr>
-          <p:cNvPicPr>
-            <a:picLocks noChangeAspect="1" noChangeArrowheads="1"/>
-          </p:cNvPicPr>
-          <p:nvPr/>
-        </p:nvPicPr>
-        <p:blipFill>
-          <a:blip r:embed="rId7">
-            <a:extLst>
-              <a:ext uri="{28A0092B-C50C-407E-A947-70E740481C1C}">
-                <a14:useLocalDpi xmlns:a14="http://schemas.microsoft.com/office/drawing/2010/main" val="0"/>
-              </a:ext>
-            </a:extLst>
-          </a:blip>
-          <a:srcRect/>
-          <a:stretch>
-            <a:fillRect/>
-          </a:stretch>
-        </p:blipFill>
-        <p:spPr bwMode="auto">
-          <a:xfrm>
-            <a:off x="16289733" y="2147867"/>
-            <a:ext cx="1750946" cy="1750946"/>
-          </a:xfrm>
-          <a:prstGeom prst="rect">
-            <a:avLst/>
-          </a:prstGeom>
-          <a:noFill/>
-          <a:extLst>
-            <a:ext uri="{909E8E84-426E-40DD-AFC4-6F175D3DCCD1}">
-              <a14:hiddenFill xmlns:a14="http://schemas.microsoft.com/office/drawing/2010/main">
-                <a:solidFill>
-                  <a:srgbClr val="FFFFFF"/>
-                </a:solidFill>
-              </a14:hiddenFill>
-            </a:ext>
-          </a:extLst>
-        </p:spPr>
-      </p:pic>
-      <p:pic>
-        <p:nvPicPr>
           <p:cNvPr id="1028" name="Picture 4">
             <a:extLst>
               <a:ext uri="{FF2B5EF4-FFF2-40B4-BE49-F238E27FC236}">
@@ -4885,7 +4882,7 @@
           <p:nvPr/>
         </p:nvPicPr>
         <p:blipFill>
-          <a:blip r:embed="rId8">
+          <a:blip r:embed="rId7">
             <a:extLst>
               <a:ext uri="{28A0092B-C50C-407E-A947-70E740481C1C}">
                 <a14:useLocalDpi xmlns:a14="http://schemas.microsoft.com/office/drawing/2010/main" val="0"/>
@@ -5010,7 +5007,7 @@
         </p:nvSpPr>
         <p:spPr>
           <a:xfrm>
-            <a:off x="452162" y="25489264"/>
+            <a:off x="452162" y="25413064"/>
             <a:ext cx="18944071" cy="4024967"/>
           </a:xfrm>
           <a:prstGeom prst="roundRect">
@@ -5687,7 +5684,7 @@
             <p:nvPr/>
           </p:nvPicPr>
           <p:blipFill rotWithShape="1">
-            <a:blip r:embed="rId9">
+            <a:blip r:embed="rId8">
               <a:extLst>
                 <a:ext uri="{28A0092B-C50C-407E-A947-70E740481C1C}">
                   <a14:useLocalDpi xmlns:a14="http://schemas.microsoft.com/office/drawing/2010/main" val="0"/>
@@ -6103,7 +6100,7 @@
             <p:nvPr/>
           </p:nvPicPr>
           <p:blipFill rotWithShape="1">
-            <a:blip r:embed="rId10">
+            <a:blip r:embed="rId9">
               <a:extLst>
                 <a:ext uri="{28A0092B-C50C-407E-A947-70E740481C1C}">
                   <a14:useLocalDpi xmlns:a14="http://schemas.microsoft.com/office/drawing/2010/main" val="0"/>
@@ -6519,7 +6516,7 @@
             <p:nvPr/>
           </p:nvPicPr>
           <p:blipFill rotWithShape="1">
-            <a:blip r:embed="rId11">
+            <a:blip r:embed="rId10">
               <a:extLst>
                 <a:ext uri="{28A0092B-C50C-407E-A947-70E740481C1C}">
                   <a14:useLocalDpi xmlns:a14="http://schemas.microsoft.com/office/drawing/2010/main" val="0"/>
@@ -6915,7 +6912,7 @@
           <p:nvPr/>
         </p:nvPicPr>
         <p:blipFill>
-          <a:blip r:embed="rId12" cstate="print">
+          <a:blip r:embed="rId11" cstate="print">
             <a:extLst>
               <a:ext uri="{28A0092B-C50C-407E-A947-70E740481C1C}">
                 <a14:useLocalDpi xmlns:a14="http://schemas.microsoft.com/office/drawing/2010/main" val="0"/>
@@ -7137,7 +7134,7 @@
               <p:nvPr/>
             </p:nvPicPr>
             <p:blipFill rotWithShape="1">
-              <a:blip r:embed="rId13">
+              <a:blip r:embed="rId12">
                 <a:extLst>
                   <a:ext uri="{28A0092B-C50C-407E-A947-70E740481C1C}">
                     <a14:useLocalDpi xmlns:a14="http://schemas.microsoft.com/office/drawing/2010/main" val="0"/>
@@ -8353,7 +8350,7 @@
           <p:nvPr/>
         </p:nvPicPr>
         <p:blipFill>
-          <a:blip r:embed="rId14" cstate="print">
+          <a:blip r:embed="rId13" cstate="print">
             <a:extLst>
               <a:ext uri="{28A0092B-C50C-407E-A947-70E740481C1C}">
                 <a14:useLocalDpi xmlns:a14="http://schemas.microsoft.com/office/drawing/2010/main" val="0"/>
@@ -8368,6 +8365,42 @@
           <a:xfrm>
             <a:off x="8416541" y="29101714"/>
             <a:ext cx="11956722" cy="826374"/>
+          </a:xfrm>
+          <a:prstGeom prst="rect">
+            <a:avLst/>
+          </a:prstGeom>
+        </p:spPr>
+      </p:pic>
+      <p:pic>
+        <p:nvPicPr>
+          <p:cNvPr id="17" name="Imagen 16">
+            <a:extLst>
+              <a:ext uri="{FF2B5EF4-FFF2-40B4-BE49-F238E27FC236}">
+                <a16:creationId xmlns:a16="http://schemas.microsoft.com/office/drawing/2014/main" id="{63A4971B-1FCD-D01F-86CE-B54FB53A25AC}"/>
+              </a:ext>
+            </a:extLst>
+          </p:cNvPr>
+          <p:cNvPicPr>
+            <a:picLocks noChangeAspect="1"/>
+          </p:cNvPicPr>
+          <p:nvPr/>
+        </p:nvPicPr>
+        <p:blipFill>
+          <a:blip r:embed="rId14">
+            <a:extLst>
+              <a:ext uri="{28A0092B-C50C-407E-A947-70E740481C1C}">
+                <a14:useLocalDpi xmlns:a14="http://schemas.microsoft.com/office/drawing/2010/main" val="0"/>
+              </a:ext>
+            </a:extLst>
+          </a:blip>
+          <a:stretch>
+            <a:fillRect/>
+          </a:stretch>
+        </p:blipFill>
+        <p:spPr>
+          <a:xfrm>
+            <a:off x="16296439" y="2104282"/>
+            <a:ext cx="1686168" cy="2158957"/>
           </a:xfrm>
           <a:prstGeom prst="rect">
             <a:avLst/>

--- a/resultados/poster CEEBI/Poster CEEBI TFG.pptx
+++ b/resultados/poster CEEBI/Poster CEEBI TFG.pptx
@@ -4,6 +4,9 @@
   <p:sldMasterIdLst>
     <p:sldMasterId id="2147483660" r:id="rId1"/>
   </p:sldMasterIdLst>
+  <p:notesMasterIdLst>
+    <p:notesMasterId r:id="rId3"/>
+  </p:notesMasterIdLst>
   <p:sldIdLst>
     <p:sldId id="256" r:id="rId2"/>
   </p:sldIdLst>
@@ -135,6 +138,439 @@
 </p:cmAuthorLst>
 </file>
 
+<file path=ppt/notesMasters/notesMaster1.xml><?xml version="1.0" encoding="utf-8"?>
+<p:notesMaster xmlns:a="http://schemas.openxmlformats.org/drawingml/2006/main" xmlns:r="http://schemas.openxmlformats.org/officeDocument/2006/relationships" xmlns:p="http://schemas.openxmlformats.org/presentationml/2006/main">
+  <p:cSld>
+    <p:bg>
+      <p:bgRef idx="1001">
+        <a:schemeClr val="bg1"/>
+      </p:bgRef>
+    </p:bg>
+    <p:spTree>
+      <p:nvGrpSpPr>
+        <p:cNvPr id="1" name=""/>
+        <p:cNvGrpSpPr/>
+        <p:nvPr/>
+      </p:nvGrpSpPr>
+      <p:grpSpPr>
+        <a:xfrm>
+          <a:off x="0" y="0"/>
+          <a:ext cx="0" cy="0"/>
+          <a:chOff x="0" y="0"/>
+          <a:chExt cx="0" cy="0"/>
+        </a:xfrm>
+      </p:grpSpPr>
+      <p:sp>
+        <p:nvSpPr>
+          <p:cNvPr id="2" name="Marcador de encabezado 1"/>
+          <p:cNvSpPr>
+            <a:spLocks noGrp="1"/>
+          </p:cNvSpPr>
+          <p:nvPr>
+            <p:ph type="hdr" sz="quarter"/>
+          </p:nvPr>
+        </p:nvSpPr>
+        <p:spPr>
+          <a:xfrm>
+            <a:off x="0" y="0"/>
+            <a:ext cx="2971800" cy="458788"/>
+          </a:xfrm>
+          <a:prstGeom prst="rect">
+            <a:avLst/>
+          </a:prstGeom>
+        </p:spPr>
+        <p:txBody>
+          <a:bodyPr vert="horz" lIns="91440" tIns="45720" rIns="91440" bIns="45720" rtlCol="0"/>
+          <a:lstStyle>
+            <a:lvl1pPr algn="l">
+              <a:defRPr sz="1200"/>
+            </a:lvl1pPr>
+          </a:lstStyle>
+          <a:p>
+            <a:endParaRPr lang="es-ES"/>
+          </a:p>
+        </p:txBody>
+      </p:sp>
+      <p:sp>
+        <p:nvSpPr>
+          <p:cNvPr id="3" name="Marcador de fecha 2"/>
+          <p:cNvSpPr>
+            <a:spLocks noGrp="1"/>
+          </p:cNvSpPr>
+          <p:nvPr>
+            <p:ph type="dt" idx="1"/>
+          </p:nvPr>
+        </p:nvSpPr>
+        <p:spPr>
+          <a:xfrm>
+            <a:off x="3884613" y="0"/>
+            <a:ext cx="2971800" cy="458788"/>
+          </a:xfrm>
+          <a:prstGeom prst="rect">
+            <a:avLst/>
+          </a:prstGeom>
+        </p:spPr>
+        <p:txBody>
+          <a:bodyPr vert="horz" lIns="91440" tIns="45720" rIns="91440" bIns="45720" rtlCol="0"/>
+          <a:lstStyle>
+            <a:lvl1pPr algn="r">
+              <a:defRPr sz="1200"/>
+            </a:lvl1pPr>
+          </a:lstStyle>
+          <a:p>
+            <a:fld id="{365A4707-7614-41D4-AACB-BCD69290834F}" type="datetimeFigureOut">
+              <a:rPr lang="es-ES" smtClean="0"/>
+              <a:t>30/06/2023</a:t>
+            </a:fld>
+            <a:endParaRPr lang="es-ES"/>
+          </a:p>
+        </p:txBody>
+      </p:sp>
+      <p:sp>
+        <p:nvSpPr>
+          <p:cNvPr id="4" name="Marcador de imagen de diapositiva 3"/>
+          <p:cNvSpPr>
+            <a:spLocks noGrp="1" noRot="1" noChangeAspect="1"/>
+          </p:cNvSpPr>
+          <p:nvPr>
+            <p:ph type="sldImg" idx="2"/>
+          </p:nvPr>
+        </p:nvSpPr>
+        <p:spPr>
+          <a:xfrm>
+            <a:off x="2338388" y="1143000"/>
+            <a:ext cx="2181225" cy="3086100"/>
+          </a:xfrm>
+          <a:prstGeom prst="rect">
+            <a:avLst/>
+          </a:prstGeom>
+          <a:noFill/>
+          <a:ln w="12700">
+            <a:solidFill>
+              <a:prstClr val="black"/>
+            </a:solidFill>
+          </a:ln>
+        </p:spPr>
+        <p:txBody>
+          <a:bodyPr vert="horz" lIns="91440" tIns="45720" rIns="91440" bIns="45720" rtlCol="0" anchor="ctr"/>
+          <a:lstStyle/>
+          <a:p>
+            <a:endParaRPr lang="es-ES"/>
+          </a:p>
+        </p:txBody>
+      </p:sp>
+      <p:sp>
+        <p:nvSpPr>
+          <p:cNvPr id="5" name="Marcador de notas 4"/>
+          <p:cNvSpPr>
+            <a:spLocks noGrp="1"/>
+          </p:cNvSpPr>
+          <p:nvPr>
+            <p:ph type="body" sz="quarter" idx="3"/>
+          </p:nvPr>
+        </p:nvSpPr>
+        <p:spPr>
+          <a:xfrm>
+            <a:off x="685800" y="4400550"/>
+            <a:ext cx="5486400" cy="3600450"/>
+          </a:xfrm>
+          <a:prstGeom prst="rect">
+            <a:avLst/>
+          </a:prstGeom>
+        </p:spPr>
+        <p:txBody>
+          <a:bodyPr vert="horz" lIns="91440" tIns="45720" rIns="91440" bIns="45720" rtlCol="0"/>
+          <a:lstStyle/>
+          <a:p>
+            <a:pPr lvl="0"/>
+            <a:r>
+              <a:rPr lang="es-ES"/>
+              <a:t>Haga clic para modificar los estilos de texto del patrón</a:t>
+            </a:r>
+          </a:p>
+          <a:p>
+            <a:pPr lvl="1"/>
+            <a:r>
+              <a:rPr lang="es-ES"/>
+              <a:t>Segundo nivel</a:t>
+            </a:r>
+          </a:p>
+          <a:p>
+            <a:pPr lvl="2"/>
+            <a:r>
+              <a:rPr lang="es-ES"/>
+              <a:t>Tercer nivel</a:t>
+            </a:r>
+          </a:p>
+          <a:p>
+            <a:pPr lvl="3"/>
+            <a:r>
+              <a:rPr lang="es-ES"/>
+              <a:t>Cuarto nivel</a:t>
+            </a:r>
+          </a:p>
+          <a:p>
+            <a:pPr lvl="4"/>
+            <a:r>
+              <a:rPr lang="es-ES"/>
+              <a:t>Quinto nivel</a:t>
+            </a:r>
+          </a:p>
+        </p:txBody>
+      </p:sp>
+      <p:sp>
+        <p:nvSpPr>
+          <p:cNvPr id="6" name="Marcador de pie de página 5"/>
+          <p:cNvSpPr>
+            <a:spLocks noGrp="1"/>
+          </p:cNvSpPr>
+          <p:nvPr>
+            <p:ph type="ftr" sz="quarter" idx="4"/>
+          </p:nvPr>
+        </p:nvSpPr>
+        <p:spPr>
+          <a:xfrm>
+            <a:off x="0" y="8685213"/>
+            <a:ext cx="2971800" cy="458787"/>
+          </a:xfrm>
+          <a:prstGeom prst="rect">
+            <a:avLst/>
+          </a:prstGeom>
+        </p:spPr>
+        <p:txBody>
+          <a:bodyPr vert="horz" lIns="91440" tIns="45720" rIns="91440" bIns="45720" rtlCol="0" anchor="b"/>
+          <a:lstStyle>
+            <a:lvl1pPr algn="l">
+              <a:defRPr sz="1200"/>
+            </a:lvl1pPr>
+          </a:lstStyle>
+          <a:p>
+            <a:endParaRPr lang="es-ES"/>
+          </a:p>
+        </p:txBody>
+      </p:sp>
+      <p:sp>
+        <p:nvSpPr>
+          <p:cNvPr id="7" name="Marcador de número de diapositiva 6"/>
+          <p:cNvSpPr>
+            <a:spLocks noGrp="1"/>
+          </p:cNvSpPr>
+          <p:nvPr>
+            <p:ph type="sldNum" sz="quarter" idx="5"/>
+          </p:nvPr>
+        </p:nvSpPr>
+        <p:spPr>
+          <a:xfrm>
+            <a:off x="3884613" y="8685213"/>
+            <a:ext cx="2971800" cy="458787"/>
+          </a:xfrm>
+          <a:prstGeom prst="rect">
+            <a:avLst/>
+          </a:prstGeom>
+        </p:spPr>
+        <p:txBody>
+          <a:bodyPr vert="horz" lIns="91440" tIns="45720" rIns="91440" bIns="45720" rtlCol="0" anchor="b"/>
+          <a:lstStyle>
+            <a:lvl1pPr algn="r">
+              <a:defRPr sz="1200"/>
+            </a:lvl1pPr>
+          </a:lstStyle>
+          <a:p>
+            <a:fld id="{AB5DE5BB-220D-42C8-8963-92A97748E080}" type="slidenum">
+              <a:rPr lang="es-ES" smtClean="0"/>
+              <a:t>‹Nº›</a:t>
+            </a:fld>
+            <a:endParaRPr lang="es-ES"/>
+          </a:p>
+        </p:txBody>
+      </p:sp>
+    </p:spTree>
+    <p:extLst>
+      <p:ext uri="{BB962C8B-B14F-4D97-AF65-F5344CB8AC3E}">
+        <p14:creationId xmlns:p14="http://schemas.microsoft.com/office/powerpoint/2010/main" val="360147765"/>
+      </p:ext>
+    </p:extLst>
+  </p:cSld>
+  <p:clrMap bg1="lt1" tx1="dk1" bg2="lt2" tx2="dk2" accent1="accent1" accent2="accent2" accent3="accent3" accent4="accent4" accent5="accent5" accent6="accent6" hlink="hlink" folHlink="folHlink"/>
+  <p:notesStyle>
+    <a:lvl1pPr marL="0" algn="l" defTabSz="914400" rtl="0" eaLnBrk="1" latinLnBrk="0" hangingPunct="1">
+      <a:defRPr sz="1200" kern="1200">
+        <a:solidFill>
+          <a:schemeClr val="tx1"/>
+        </a:solidFill>
+        <a:latin typeface="+mn-lt"/>
+        <a:ea typeface="+mn-ea"/>
+        <a:cs typeface="+mn-cs"/>
+      </a:defRPr>
+    </a:lvl1pPr>
+    <a:lvl2pPr marL="457200" algn="l" defTabSz="914400" rtl="0" eaLnBrk="1" latinLnBrk="0" hangingPunct="1">
+      <a:defRPr sz="1200" kern="1200">
+        <a:solidFill>
+          <a:schemeClr val="tx1"/>
+        </a:solidFill>
+        <a:latin typeface="+mn-lt"/>
+        <a:ea typeface="+mn-ea"/>
+        <a:cs typeface="+mn-cs"/>
+      </a:defRPr>
+    </a:lvl2pPr>
+    <a:lvl3pPr marL="914400" algn="l" defTabSz="914400" rtl="0" eaLnBrk="1" latinLnBrk="0" hangingPunct="1">
+      <a:defRPr sz="1200" kern="1200">
+        <a:solidFill>
+          <a:schemeClr val="tx1"/>
+        </a:solidFill>
+        <a:latin typeface="+mn-lt"/>
+        <a:ea typeface="+mn-ea"/>
+        <a:cs typeface="+mn-cs"/>
+      </a:defRPr>
+    </a:lvl3pPr>
+    <a:lvl4pPr marL="1371600" algn="l" defTabSz="914400" rtl="0" eaLnBrk="1" latinLnBrk="0" hangingPunct="1">
+      <a:defRPr sz="1200" kern="1200">
+        <a:solidFill>
+          <a:schemeClr val="tx1"/>
+        </a:solidFill>
+        <a:latin typeface="+mn-lt"/>
+        <a:ea typeface="+mn-ea"/>
+        <a:cs typeface="+mn-cs"/>
+      </a:defRPr>
+    </a:lvl4pPr>
+    <a:lvl5pPr marL="1828800" algn="l" defTabSz="914400" rtl="0" eaLnBrk="1" latinLnBrk="0" hangingPunct="1">
+      <a:defRPr sz="1200" kern="1200">
+        <a:solidFill>
+          <a:schemeClr val="tx1"/>
+        </a:solidFill>
+        <a:latin typeface="+mn-lt"/>
+        <a:ea typeface="+mn-ea"/>
+        <a:cs typeface="+mn-cs"/>
+      </a:defRPr>
+    </a:lvl5pPr>
+    <a:lvl6pPr marL="2286000" algn="l" defTabSz="914400" rtl="0" eaLnBrk="1" latinLnBrk="0" hangingPunct="1">
+      <a:defRPr sz="1200" kern="1200">
+        <a:solidFill>
+          <a:schemeClr val="tx1"/>
+        </a:solidFill>
+        <a:latin typeface="+mn-lt"/>
+        <a:ea typeface="+mn-ea"/>
+        <a:cs typeface="+mn-cs"/>
+      </a:defRPr>
+    </a:lvl6pPr>
+    <a:lvl7pPr marL="2743200" algn="l" defTabSz="914400" rtl="0" eaLnBrk="1" latinLnBrk="0" hangingPunct="1">
+      <a:defRPr sz="1200" kern="1200">
+        <a:solidFill>
+          <a:schemeClr val="tx1"/>
+        </a:solidFill>
+        <a:latin typeface="+mn-lt"/>
+        <a:ea typeface="+mn-ea"/>
+        <a:cs typeface="+mn-cs"/>
+      </a:defRPr>
+    </a:lvl7pPr>
+    <a:lvl8pPr marL="3200400" algn="l" defTabSz="914400" rtl="0" eaLnBrk="1" latinLnBrk="0" hangingPunct="1">
+      <a:defRPr sz="1200" kern="1200">
+        <a:solidFill>
+          <a:schemeClr val="tx1"/>
+        </a:solidFill>
+        <a:latin typeface="+mn-lt"/>
+        <a:ea typeface="+mn-ea"/>
+        <a:cs typeface="+mn-cs"/>
+      </a:defRPr>
+    </a:lvl8pPr>
+    <a:lvl9pPr marL="3657600" algn="l" defTabSz="914400" rtl="0" eaLnBrk="1" latinLnBrk="0" hangingPunct="1">
+      <a:defRPr sz="1200" kern="1200">
+        <a:solidFill>
+          <a:schemeClr val="tx1"/>
+        </a:solidFill>
+        <a:latin typeface="+mn-lt"/>
+        <a:ea typeface="+mn-ea"/>
+        <a:cs typeface="+mn-cs"/>
+      </a:defRPr>
+    </a:lvl9pPr>
+  </p:notesStyle>
+</p:notesMaster>
+</file>
+
+<file path=ppt/notesSlides/notesSlide1.xml><?xml version="1.0" encoding="utf-8"?>
+<p:notes xmlns:a="http://schemas.openxmlformats.org/drawingml/2006/main" xmlns:r="http://schemas.openxmlformats.org/officeDocument/2006/relationships" xmlns:p="http://schemas.openxmlformats.org/presentationml/2006/main">
+  <p:cSld>
+    <p:spTree>
+      <p:nvGrpSpPr>
+        <p:cNvPr id="1" name=""/>
+        <p:cNvGrpSpPr/>
+        <p:nvPr/>
+      </p:nvGrpSpPr>
+      <p:grpSpPr>
+        <a:xfrm>
+          <a:off x="0" y="0"/>
+          <a:ext cx="0" cy="0"/>
+          <a:chOff x="0" y="0"/>
+          <a:chExt cx="0" cy="0"/>
+        </a:xfrm>
+      </p:grpSpPr>
+      <p:sp>
+        <p:nvSpPr>
+          <p:cNvPr id="2" name="Marcador de imagen de diapositiva 1"/>
+          <p:cNvSpPr>
+            <a:spLocks noGrp="1" noRot="1" noChangeAspect="1"/>
+          </p:cNvSpPr>
+          <p:nvPr>
+            <p:ph type="sldImg"/>
+          </p:nvPr>
+        </p:nvSpPr>
+        <p:spPr/>
+      </p:sp>
+      <p:sp>
+        <p:nvSpPr>
+          <p:cNvPr id="3" name="Marcador de notas 2"/>
+          <p:cNvSpPr>
+            <a:spLocks noGrp="1"/>
+          </p:cNvSpPr>
+          <p:nvPr>
+            <p:ph type="body" idx="1"/>
+          </p:nvPr>
+        </p:nvSpPr>
+        <p:spPr/>
+        <p:txBody>
+          <a:bodyPr/>
+          <a:lstStyle/>
+          <a:p>
+            <a:endParaRPr lang="es-ES" dirty="0"/>
+          </a:p>
+        </p:txBody>
+      </p:sp>
+      <p:sp>
+        <p:nvSpPr>
+          <p:cNvPr id="4" name="Marcador de número de diapositiva 3"/>
+          <p:cNvSpPr>
+            <a:spLocks noGrp="1"/>
+          </p:cNvSpPr>
+          <p:nvPr>
+            <p:ph type="sldNum" sz="quarter" idx="5"/>
+          </p:nvPr>
+        </p:nvSpPr>
+        <p:spPr/>
+        <p:txBody>
+          <a:bodyPr/>
+          <a:lstStyle/>
+          <a:p>
+            <a:fld id="{AB5DE5BB-220D-42C8-8963-92A97748E080}" type="slidenum">
+              <a:rPr lang="es-ES" smtClean="0"/>
+              <a:t>1</a:t>
+            </a:fld>
+            <a:endParaRPr lang="es-ES"/>
+          </a:p>
+        </p:txBody>
+      </p:sp>
+    </p:spTree>
+    <p:extLst>
+      <p:ext uri="{BB962C8B-B14F-4D97-AF65-F5344CB8AC3E}">
+        <p14:creationId xmlns:p14="http://schemas.microsoft.com/office/powerpoint/2010/main" val="594270260"/>
+      </p:ext>
+    </p:extLst>
+  </p:cSld>
+  <p:clrMapOvr>
+    <a:masterClrMapping/>
+  </p:clrMapOvr>
+</p:notes>
+</file>
+
 <file path=ppt/slideLayouts/slideLayout1.xml><?xml version="1.0" encoding="utf-8"?>
 <p:sldLayout xmlns:a="http://schemas.openxmlformats.org/drawingml/2006/main" xmlns:r="http://schemas.openxmlformats.org/officeDocument/2006/relationships" xmlns:p="http://schemas.openxmlformats.org/presentationml/2006/main" type="title" preserve="1">
   <p:cSld name="Diapositiva de título">
@@ -266,7 +702,7 @@
           <a:p>
             <a:fld id="{059ACE22-8852-4AB5-AC4C-388E9F46BA1D}" type="datetimeFigureOut">
               <a:rPr lang="es-ES" smtClean="0"/>
-              <a:t>27/06/2023</a:t>
+              <a:t>30/06/2023</a:t>
             </a:fld>
             <a:endParaRPr lang="es-ES"/>
           </a:p>
@@ -436,7 +872,7 @@
           <a:p>
             <a:fld id="{059ACE22-8852-4AB5-AC4C-388E9F46BA1D}" type="datetimeFigureOut">
               <a:rPr lang="es-ES" smtClean="0"/>
-              <a:t>27/06/2023</a:t>
+              <a:t>30/06/2023</a:t>
             </a:fld>
             <a:endParaRPr lang="es-ES"/>
           </a:p>
@@ -616,7 +1052,7 @@
           <a:p>
             <a:fld id="{059ACE22-8852-4AB5-AC4C-388E9F46BA1D}" type="datetimeFigureOut">
               <a:rPr lang="es-ES" smtClean="0"/>
-              <a:t>27/06/2023</a:t>
+              <a:t>30/06/2023</a:t>
             </a:fld>
             <a:endParaRPr lang="es-ES"/>
           </a:p>
@@ -786,7 +1222,7 @@
           <a:p>
             <a:fld id="{059ACE22-8852-4AB5-AC4C-388E9F46BA1D}" type="datetimeFigureOut">
               <a:rPr lang="es-ES" smtClean="0"/>
-              <a:t>27/06/2023</a:t>
+              <a:t>30/06/2023</a:t>
             </a:fld>
             <a:endParaRPr lang="es-ES"/>
           </a:p>
@@ -1030,7 +1466,7 @@
           <a:p>
             <a:fld id="{059ACE22-8852-4AB5-AC4C-388E9F46BA1D}" type="datetimeFigureOut">
               <a:rPr lang="es-ES" smtClean="0"/>
-              <a:t>27/06/2023</a:t>
+              <a:t>30/06/2023</a:t>
             </a:fld>
             <a:endParaRPr lang="es-ES"/>
           </a:p>
@@ -1262,7 +1698,7 @@
           <a:p>
             <a:fld id="{059ACE22-8852-4AB5-AC4C-388E9F46BA1D}" type="datetimeFigureOut">
               <a:rPr lang="es-ES" smtClean="0"/>
-              <a:t>27/06/2023</a:t>
+              <a:t>30/06/2023</a:t>
             </a:fld>
             <a:endParaRPr lang="es-ES"/>
           </a:p>
@@ -1629,7 +2065,7 @@
           <a:p>
             <a:fld id="{059ACE22-8852-4AB5-AC4C-388E9F46BA1D}" type="datetimeFigureOut">
               <a:rPr lang="es-ES" smtClean="0"/>
-              <a:t>27/06/2023</a:t>
+              <a:t>30/06/2023</a:t>
             </a:fld>
             <a:endParaRPr lang="es-ES"/>
           </a:p>
@@ -1747,7 +2183,7 @@
           <a:p>
             <a:fld id="{059ACE22-8852-4AB5-AC4C-388E9F46BA1D}" type="datetimeFigureOut">
               <a:rPr lang="es-ES" smtClean="0"/>
-              <a:t>27/06/2023</a:t>
+              <a:t>30/06/2023</a:t>
             </a:fld>
             <a:endParaRPr lang="es-ES"/>
           </a:p>
@@ -1842,7 +2278,7 @@
           <a:p>
             <a:fld id="{059ACE22-8852-4AB5-AC4C-388E9F46BA1D}" type="datetimeFigureOut">
               <a:rPr lang="es-ES" smtClean="0"/>
-              <a:t>27/06/2023</a:t>
+              <a:t>30/06/2023</a:t>
             </a:fld>
             <a:endParaRPr lang="es-ES"/>
           </a:p>
@@ -2119,7 +2555,7 @@
           <a:p>
             <a:fld id="{059ACE22-8852-4AB5-AC4C-388E9F46BA1D}" type="datetimeFigureOut">
               <a:rPr lang="es-ES" smtClean="0"/>
-              <a:t>27/06/2023</a:t>
+              <a:t>30/06/2023</a:t>
             </a:fld>
             <a:endParaRPr lang="es-ES"/>
           </a:p>
@@ -2376,7 +2812,7 @@
           <a:p>
             <a:fld id="{059ACE22-8852-4AB5-AC4C-388E9F46BA1D}" type="datetimeFigureOut">
               <a:rPr lang="es-ES" smtClean="0"/>
-              <a:t>27/06/2023</a:t>
+              <a:t>30/06/2023</a:t>
             </a:fld>
             <a:endParaRPr lang="es-ES"/>
           </a:p>
@@ -2589,7 +3025,7 @@
           <a:p>
             <a:fld id="{059ACE22-8852-4AB5-AC4C-388E9F46BA1D}" type="datetimeFigureOut">
               <a:rPr lang="es-ES" smtClean="0"/>
-              <a:t>27/06/2023</a:t>
+              <a:t>30/06/2023</a:t>
             </a:fld>
             <a:endParaRPr lang="es-ES"/>
           </a:p>
@@ -2996,6 +3432,921 @@
       </p:grpSpPr>
       <p:grpSp>
         <p:nvGrpSpPr>
+          <p:cNvPr id="65" name="Grupo 64">
+            <a:extLst>
+              <a:ext uri="{FF2B5EF4-FFF2-40B4-BE49-F238E27FC236}">
+                <a16:creationId xmlns:a16="http://schemas.microsoft.com/office/drawing/2014/main" id="{E8D74168-4983-1321-232E-8EF62E96AEF8}"/>
+              </a:ext>
+            </a:extLst>
+          </p:cNvPr>
+          <p:cNvGrpSpPr/>
+          <p:nvPr/>
+        </p:nvGrpSpPr>
+        <p:grpSpPr>
+          <a:xfrm>
+            <a:off x="689050" y="13669062"/>
+            <a:ext cx="19905037" cy="11515686"/>
+            <a:chOff x="4153822" y="13046761"/>
+            <a:chExt cx="9811824" cy="11515686"/>
+          </a:xfrm>
+        </p:grpSpPr>
+        <p:sp>
+          <p:nvSpPr>
+            <p:cNvPr id="11" name="Rectángulo: esquinas redondeadas 10">
+              <a:extLst>
+                <a:ext uri="{FF2B5EF4-FFF2-40B4-BE49-F238E27FC236}">
+                  <a16:creationId xmlns:a16="http://schemas.microsoft.com/office/drawing/2014/main" id="{51E71705-E926-8064-0CE4-5B92289A81B5}"/>
+                </a:ext>
+              </a:extLst>
+            </p:cNvPr>
+            <p:cNvSpPr/>
+            <p:nvPr/>
+          </p:nvSpPr>
+          <p:spPr>
+            <a:xfrm>
+              <a:off x="4165344" y="13073376"/>
+              <a:ext cx="9787760" cy="11489071"/>
+            </a:xfrm>
+            <a:prstGeom prst="roundRect">
+              <a:avLst>
+                <a:gd name="adj" fmla="val 3534"/>
+              </a:avLst>
+            </a:prstGeom>
+            <a:ln w="38100"/>
+          </p:spPr>
+          <p:style>
+            <a:lnRef idx="2">
+              <a:schemeClr val="accent5"/>
+            </a:lnRef>
+            <a:fillRef idx="1">
+              <a:schemeClr val="lt1"/>
+            </a:fillRef>
+            <a:effectRef idx="0">
+              <a:schemeClr val="accent5"/>
+            </a:effectRef>
+            <a:fontRef idx="minor">
+              <a:schemeClr val="dk1"/>
+            </a:fontRef>
+          </p:style>
+          <p:txBody>
+            <a:bodyPr rtlCol="0" anchor="ctr"/>
+            <a:lstStyle/>
+            <a:p>
+              <a:pPr algn="ctr"/>
+              <a:endParaRPr lang="es-ES" dirty="0"/>
+            </a:p>
+          </p:txBody>
+        </p:sp>
+        <p:sp>
+          <p:nvSpPr>
+            <p:cNvPr id="12" name="Rectángulo: esquinas redondeadas 11">
+              <a:extLst>
+                <a:ext uri="{FF2B5EF4-FFF2-40B4-BE49-F238E27FC236}">
+                  <a16:creationId xmlns:a16="http://schemas.microsoft.com/office/drawing/2014/main" id="{FE5C1093-7FFA-9321-F10A-FB4416DE0F99}"/>
+                </a:ext>
+              </a:extLst>
+            </p:cNvPr>
+            <p:cNvSpPr/>
+            <p:nvPr/>
+          </p:nvSpPr>
+          <p:spPr>
+            <a:xfrm>
+              <a:off x="4153822" y="13046761"/>
+              <a:ext cx="9811824" cy="511629"/>
+            </a:xfrm>
+            <a:prstGeom prst="roundRect">
+              <a:avLst/>
+            </a:prstGeom>
+            <a:ln/>
+          </p:spPr>
+          <p:style>
+            <a:lnRef idx="1">
+              <a:schemeClr val="accent5"/>
+            </a:lnRef>
+            <a:fillRef idx="3">
+              <a:schemeClr val="accent5"/>
+            </a:fillRef>
+            <a:effectRef idx="2">
+              <a:schemeClr val="accent5"/>
+            </a:effectRef>
+            <a:fontRef idx="minor">
+              <a:schemeClr val="lt1"/>
+            </a:fontRef>
+          </p:style>
+          <p:txBody>
+            <a:bodyPr rtlCol="0" anchor="ctr"/>
+            <a:lstStyle/>
+            <a:p>
+              <a:pPr algn="ctr"/>
+              <a:endParaRPr lang="es-ES"/>
+            </a:p>
+          </p:txBody>
+        </p:sp>
+        <p:sp>
+          <p:nvSpPr>
+            <p:cNvPr id="14" name="CuadroTexto 13">
+              <a:extLst>
+                <a:ext uri="{FF2B5EF4-FFF2-40B4-BE49-F238E27FC236}">
+                  <a16:creationId xmlns:a16="http://schemas.microsoft.com/office/drawing/2014/main" id="{20102E3B-90A6-8FB7-737C-CC6050692EC2}"/>
+                </a:ext>
+              </a:extLst>
+            </p:cNvPr>
+            <p:cNvSpPr txBox="1"/>
+            <p:nvPr/>
+          </p:nvSpPr>
+          <p:spPr>
+            <a:xfrm>
+              <a:off x="4153823" y="13073376"/>
+              <a:ext cx="8288712" cy="523220"/>
+            </a:xfrm>
+            <a:prstGeom prst="rect">
+              <a:avLst/>
+            </a:prstGeom>
+            <a:noFill/>
+          </p:spPr>
+          <p:txBody>
+            <a:bodyPr wrap="square" rtlCol="0">
+              <a:spAutoFit/>
+            </a:bodyPr>
+            <a:lstStyle/>
+            <a:p>
+              <a:r>
+                <a:rPr lang="es-ES" sz="2800" b="1" dirty="0">
+                  <a:solidFill>
+                    <a:schemeClr val="bg1"/>
+                  </a:solidFill>
+                  <a:latin typeface="Cooper Hewitt Semibold" pitchFamily="2" charset="0"/>
+                  <a:ea typeface="Cooper Hewitt Semibold" pitchFamily="2" charset="0"/>
+                </a:rPr>
+                <a:t>RESULTADOS Y DISCUSIÓN</a:t>
+              </a:r>
+              <a:endParaRPr lang="x-none" sz="2800" b="1" dirty="0">
+                <a:solidFill>
+                  <a:schemeClr val="bg1"/>
+                </a:solidFill>
+                <a:latin typeface="Cooper Hewitt Semibold" pitchFamily="2" charset="0"/>
+                <a:ea typeface="Cooper Hewitt Semibold" pitchFamily="2" charset="0"/>
+              </a:endParaRPr>
+            </a:p>
+          </p:txBody>
+        </p:sp>
+      </p:grpSp>
+      <p:grpSp>
+        <p:nvGrpSpPr>
+          <p:cNvPr id="43" name="Grupo 42">
+            <a:extLst>
+              <a:ext uri="{FF2B5EF4-FFF2-40B4-BE49-F238E27FC236}">
+                <a16:creationId xmlns:a16="http://schemas.microsoft.com/office/drawing/2014/main" id="{59AFAE36-E41C-7CEB-D2DF-14B4C3203F1C}"/>
+              </a:ext>
+            </a:extLst>
+          </p:cNvPr>
+          <p:cNvGrpSpPr/>
+          <p:nvPr/>
+        </p:nvGrpSpPr>
+        <p:grpSpPr>
+          <a:xfrm>
+            <a:off x="10913562" y="20486401"/>
+            <a:ext cx="9471820" cy="4000968"/>
+            <a:chOff x="10964362" y="20486401"/>
+            <a:chExt cx="9471820" cy="4000968"/>
+          </a:xfrm>
+        </p:grpSpPr>
+        <p:pic>
+          <p:nvPicPr>
+            <p:cNvPr id="30" name="Imagen 29">
+              <a:extLst>
+                <a:ext uri="{FF2B5EF4-FFF2-40B4-BE49-F238E27FC236}">
+                  <a16:creationId xmlns:a16="http://schemas.microsoft.com/office/drawing/2014/main" id="{1E75567D-776E-34E5-8BA1-83394EB4926A}"/>
+                </a:ext>
+              </a:extLst>
+            </p:cNvPr>
+            <p:cNvPicPr>
+              <a:picLocks noChangeAspect="1"/>
+            </p:cNvPicPr>
+            <p:nvPr/>
+          </p:nvPicPr>
+          <p:blipFill rotWithShape="1">
+            <a:blip r:embed="rId3">
+              <a:extLst>
+                <a:ext uri="{28A0092B-C50C-407E-A947-70E740481C1C}">
+                  <a14:useLocalDpi xmlns:a14="http://schemas.microsoft.com/office/drawing/2010/main" val="0"/>
+                </a:ext>
+              </a:extLst>
+            </a:blip>
+            <a:srcRect b="21268"/>
+            <a:stretch/>
+          </p:blipFill>
+          <p:spPr>
+            <a:xfrm>
+              <a:off x="10964362" y="20510113"/>
+              <a:ext cx="9471820" cy="3977256"/>
+            </a:xfrm>
+            <a:prstGeom prst="rect">
+              <a:avLst/>
+            </a:prstGeom>
+          </p:spPr>
+        </p:pic>
+        <p:sp>
+          <p:nvSpPr>
+            <p:cNvPr id="32" name="CuadroTexto 31">
+              <a:extLst>
+                <a:ext uri="{FF2B5EF4-FFF2-40B4-BE49-F238E27FC236}">
+                  <a16:creationId xmlns:a16="http://schemas.microsoft.com/office/drawing/2014/main" id="{55BE3FB5-CC23-C67D-BC54-295E56618311}"/>
+                </a:ext>
+              </a:extLst>
+            </p:cNvPr>
+            <p:cNvSpPr txBox="1"/>
+            <p:nvPr/>
+          </p:nvSpPr>
+          <p:spPr>
+            <a:xfrm>
+              <a:off x="11497116" y="20486401"/>
+              <a:ext cx="4243842" cy="369332"/>
+            </a:xfrm>
+            <a:prstGeom prst="rect">
+              <a:avLst/>
+            </a:prstGeom>
+            <a:solidFill>
+              <a:schemeClr val="bg1"/>
+            </a:solidFill>
+          </p:spPr>
+          <p:txBody>
+            <a:bodyPr wrap="square" rtlCol="0">
+              <a:spAutoFit/>
+            </a:bodyPr>
+            <a:lstStyle/>
+            <a:p>
+              <a:r>
+                <a:rPr lang="es-ES" b="1" dirty="0">
+                  <a:solidFill>
+                    <a:schemeClr val="tx2"/>
+                  </a:solidFill>
+                  <a:latin typeface="+mj-lt"/>
+                </a:rPr>
+                <a:t>MDA en tentáculo</a:t>
+              </a:r>
+            </a:p>
+          </p:txBody>
+        </p:sp>
+      </p:grpSp>
+      <p:grpSp>
+        <p:nvGrpSpPr>
+          <p:cNvPr id="42" name="Grupo 41">
+            <a:extLst>
+              <a:ext uri="{FF2B5EF4-FFF2-40B4-BE49-F238E27FC236}">
+                <a16:creationId xmlns:a16="http://schemas.microsoft.com/office/drawing/2014/main" id="{DF042191-5EF8-2235-27F5-A8B78565FCFD}"/>
+              </a:ext>
+            </a:extLst>
+          </p:cNvPr>
+          <p:cNvGrpSpPr/>
+          <p:nvPr/>
+        </p:nvGrpSpPr>
+        <p:grpSpPr>
+          <a:xfrm>
+            <a:off x="1179155" y="20485224"/>
+            <a:ext cx="9471821" cy="4072198"/>
+            <a:chOff x="1179155" y="20485224"/>
+            <a:chExt cx="9471821" cy="4072198"/>
+          </a:xfrm>
+        </p:grpSpPr>
+        <p:grpSp>
+          <p:nvGrpSpPr>
+            <p:cNvPr id="1067" name="Grupo 1066">
+              <a:extLst>
+                <a:ext uri="{FF2B5EF4-FFF2-40B4-BE49-F238E27FC236}">
+                  <a16:creationId xmlns:a16="http://schemas.microsoft.com/office/drawing/2014/main" id="{5EE6B678-FDE0-146F-DBF3-5135E5EEB6AF}"/>
+                </a:ext>
+              </a:extLst>
+            </p:cNvPr>
+            <p:cNvGrpSpPr/>
+            <p:nvPr/>
+          </p:nvGrpSpPr>
+          <p:grpSpPr>
+            <a:xfrm>
+              <a:off x="1179155" y="20529993"/>
+              <a:ext cx="9471821" cy="4027429"/>
+              <a:chOff x="1081880" y="20776077"/>
+              <a:chExt cx="8572789" cy="3645160"/>
+            </a:xfrm>
+          </p:grpSpPr>
+          <p:grpSp>
+            <p:nvGrpSpPr>
+              <p:cNvPr id="1057" name="Grupo 1056">
+                <a:extLst>
+                  <a:ext uri="{FF2B5EF4-FFF2-40B4-BE49-F238E27FC236}">
+                    <a16:creationId xmlns:a16="http://schemas.microsoft.com/office/drawing/2014/main" id="{F4079B1F-AB7D-64D7-4C44-B5E80F59628B}"/>
+                  </a:ext>
+                </a:extLst>
+              </p:cNvPr>
+              <p:cNvGrpSpPr/>
+              <p:nvPr/>
+            </p:nvGrpSpPr>
+            <p:grpSpPr>
+              <a:xfrm>
+                <a:off x="1081880" y="20776077"/>
+                <a:ext cx="8572789" cy="3645160"/>
+                <a:chOff x="11060709" y="16593061"/>
+                <a:chExt cx="8572789" cy="3645160"/>
+              </a:xfrm>
+            </p:grpSpPr>
+            <p:pic>
+              <p:nvPicPr>
+                <p:cNvPr id="46" name="Imagen 45">
+                  <a:extLst>
+                    <a:ext uri="{FF2B5EF4-FFF2-40B4-BE49-F238E27FC236}">
+                      <a16:creationId xmlns:a16="http://schemas.microsoft.com/office/drawing/2014/main" id="{A0EB8086-C1DF-52F9-238B-625B3260E68B}"/>
+                    </a:ext>
+                  </a:extLst>
+                </p:cNvPr>
+                <p:cNvPicPr>
+                  <a:picLocks noChangeAspect="1"/>
+                </p:cNvPicPr>
+                <p:nvPr/>
+              </p:nvPicPr>
+              <p:blipFill rotWithShape="1">
+                <a:blip r:embed="rId4">
+                  <a:extLst>
+                    <a:ext uri="{28A0092B-C50C-407E-A947-70E740481C1C}">
+                      <a14:useLocalDpi xmlns:a14="http://schemas.microsoft.com/office/drawing/2010/main" val="0"/>
+                    </a:ext>
+                  </a:extLst>
+                </a:blip>
+                <a:srcRect b="20274"/>
+                <a:stretch/>
+              </p:blipFill>
+              <p:spPr>
+                <a:xfrm>
+                  <a:off x="11060709" y="16593061"/>
+                  <a:ext cx="8572789" cy="3645160"/>
+                </a:xfrm>
+                <a:prstGeom prst="roundRect">
+                  <a:avLst>
+                    <a:gd name="adj" fmla="val 5459"/>
+                  </a:avLst>
+                </a:prstGeom>
+              </p:spPr>
+            </p:pic>
+            <p:grpSp>
+              <p:nvGrpSpPr>
+                <p:cNvPr id="124" name="Grupo 123">
+                  <a:extLst>
+                    <a:ext uri="{FF2B5EF4-FFF2-40B4-BE49-F238E27FC236}">
+                      <a16:creationId xmlns:a16="http://schemas.microsoft.com/office/drawing/2014/main" id="{EC64AEC9-1662-77DD-89D4-45238553A4E4}"/>
+                    </a:ext>
+                  </a:extLst>
+                </p:cNvPr>
+                <p:cNvGrpSpPr/>
+                <p:nvPr/>
+              </p:nvGrpSpPr>
+              <p:grpSpPr>
+                <a:xfrm>
+                  <a:off x="11854389" y="19787481"/>
+                  <a:ext cx="7367103" cy="443778"/>
+                  <a:chOff x="2549109" y="19787806"/>
+                  <a:chExt cx="7367103" cy="443778"/>
+                </a:xfrm>
+              </p:grpSpPr>
+              <p:grpSp>
+                <p:nvGrpSpPr>
+                  <p:cNvPr id="125" name="Grupo 124">
+                    <a:extLst>
+                      <a:ext uri="{FF2B5EF4-FFF2-40B4-BE49-F238E27FC236}">
+                        <a16:creationId xmlns:a16="http://schemas.microsoft.com/office/drawing/2014/main" id="{64526935-B815-7346-DA51-CE9DE5CAF8A6}"/>
+                      </a:ext>
+                    </a:extLst>
+                  </p:cNvPr>
+                  <p:cNvGrpSpPr/>
+                  <p:nvPr/>
+                </p:nvGrpSpPr>
+                <p:grpSpPr>
+                  <a:xfrm>
+                    <a:off x="2549109" y="19787806"/>
+                    <a:ext cx="1996949" cy="292211"/>
+                    <a:chOff x="2549109" y="19787806"/>
+                    <a:chExt cx="1996949" cy="292211"/>
+                  </a:xfrm>
+                </p:grpSpPr>
+                <p:sp>
+                  <p:nvSpPr>
+                    <p:cNvPr id="1031" name="CuadroTexto 1030">
+                      <a:extLst>
+                        <a:ext uri="{FF2B5EF4-FFF2-40B4-BE49-F238E27FC236}">
+                          <a16:creationId xmlns:a16="http://schemas.microsoft.com/office/drawing/2014/main" id="{9F4C47A8-F4D1-AFC4-6383-0F1D604C774A}"/>
+                        </a:ext>
+                      </a:extLst>
+                    </p:cNvPr>
+                    <p:cNvSpPr txBox="1"/>
+                    <p:nvPr/>
+                  </p:nvSpPr>
+                  <p:spPr>
+                    <a:xfrm>
+                      <a:off x="2549109" y="19787806"/>
+                      <a:ext cx="874615" cy="289441"/>
+                    </a:xfrm>
+                    <a:prstGeom prst="roundRect">
+                      <a:avLst/>
+                    </a:prstGeom>
+                    <a:solidFill>
+                      <a:schemeClr val="bg1"/>
+                    </a:solidFill>
+                  </p:spPr>
+                  <p:txBody>
+                    <a:bodyPr wrap="square" rtlCol="0">
+                      <a:spAutoFit/>
+                    </a:bodyPr>
+                    <a:lstStyle/>
+                    <a:p>
+                      <a:r>
+                        <a:rPr lang="es-ES" sz="1100" dirty="0"/>
+                        <a:t>Inmaduros</a:t>
+                      </a:r>
+                    </a:p>
+                  </p:txBody>
+                </p:sp>
+                <p:sp>
+                  <p:nvSpPr>
+                    <p:cNvPr id="1032" name="CuadroTexto 1031">
+                      <a:extLst>
+                        <a:ext uri="{FF2B5EF4-FFF2-40B4-BE49-F238E27FC236}">
+                          <a16:creationId xmlns:a16="http://schemas.microsoft.com/office/drawing/2014/main" id="{25E06165-E7E9-A3C3-B62A-B1257BB8D6A2}"/>
+                        </a:ext>
+                      </a:extLst>
+                    </p:cNvPr>
+                    <p:cNvSpPr txBox="1"/>
+                    <p:nvPr/>
+                  </p:nvSpPr>
+                  <p:spPr>
+                    <a:xfrm>
+                      <a:off x="3793167" y="19790576"/>
+                      <a:ext cx="752891" cy="289441"/>
+                    </a:xfrm>
+                    <a:prstGeom prst="roundRect">
+                      <a:avLst/>
+                    </a:prstGeom>
+                    <a:solidFill>
+                      <a:schemeClr val="bg1"/>
+                    </a:solidFill>
+                  </p:spPr>
+                  <p:txBody>
+                    <a:bodyPr wrap="square" rtlCol="0">
+                      <a:spAutoFit/>
+                    </a:bodyPr>
+                    <a:lstStyle/>
+                    <a:p>
+                      <a:r>
+                        <a:rPr lang="es-ES" sz="1100" dirty="0"/>
+                        <a:t>Maduros</a:t>
+                      </a:r>
+                    </a:p>
+                  </p:txBody>
+                </p:sp>
+              </p:grpSp>
+              <p:grpSp>
+                <p:nvGrpSpPr>
+                  <p:cNvPr id="126" name="Grupo 125">
+                    <a:extLst>
+                      <a:ext uri="{FF2B5EF4-FFF2-40B4-BE49-F238E27FC236}">
+                        <a16:creationId xmlns:a16="http://schemas.microsoft.com/office/drawing/2014/main" id="{2AB9742A-365A-73FD-7198-4F7F9D0C3246}"/>
+                      </a:ext>
+                    </a:extLst>
+                  </p:cNvPr>
+                  <p:cNvGrpSpPr/>
+                  <p:nvPr/>
+                </p:nvGrpSpPr>
+                <p:grpSpPr>
+                  <a:xfrm>
+                    <a:off x="7919263" y="19787806"/>
+                    <a:ext cx="1996949" cy="292211"/>
+                    <a:chOff x="2549109" y="19787806"/>
+                    <a:chExt cx="1996949" cy="292211"/>
+                  </a:xfrm>
+                </p:grpSpPr>
+                <p:sp>
+                  <p:nvSpPr>
+                    <p:cNvPr id="1029" name="CuadroTexto 1028">
+                      <a:extLst>
+                        <a:ext uri="{FF2B5EF4-FFF2-40B4-BE49-F238E27FC236}">
+                          <a16:creationId xmlns:a16="http://schemas.microsoft.com/office/drawing/2014/main" id="{045D5DDF-83EF-5B36-BA35-02E85FCD7A53}"/>
+                        </a:ext>
+                      </a:extLst>
+                    </p:cNvPr>
+                    <p:cNvSpPr txBox="1"/>
+                    <p:nvPr/>
+                  </p:nvSpPr>
+                  <p:spPr>
+                    <a:xfrm>
+                      <a:off x="2549109" y="19787806"/>
+                      <a:ext cx="874615" cy="289441"/>
+                    </a:xfrm>
+                    <a:prstGeom prst="roundRect">
+                      <a:avLst/>
+                    </a:prstGeom>
+                    <a:solidFill>
+                      <a:schemeClr val="bg1"/>
+                    </a:solidFill>
+                  </p:spPr>
+                  <p:txBody>
+                    <a:bodyPr wrap="square" rtlCol="0">
+                      <a:spAutoFit/>
+                    </a:bodyPr>
+                    <a:lstStyle/>
+                    <a:p>
+                      <a:r>
+                        <a:rPr lang="es-ES" sz="1100" dirty="0"/>
+                        <a:t>Inmaduros</a:t>
+                      </a:r>
+                    </a:p>
+                  </p:txBody>
+                </p:sp>
+                <p:sp>
+                  <p:nvSpPr>
+                    <p:cNvPr id="1030" name="CuadroTexto 1029">
+                      <a:extLst>
+                        <a:ext uri="{FF2B5EF4-FFF2-40B4-BE49-F238E27FC236}">
+                          <a16:creationId xmlns:a16="http://schemas.microsoft.com/office/drawing/2014/main" id="{DC08C6C5-935F-88A8-1047-BC1E733586F5}"/>
+                        </a:ext>
+                      </a:extLst>
+                    </p:cNvPr>
+                    <p:cNvSpPr txBox="1"/>
+                    <p:nvPr/>
+                  </p:nvSpPr>
+                  <p:spPr>
+                    <a:xfrm>
+                      <a:off x="3793167" y="19790576"/>
+                      <a:ext cx="752891" cy="289441"/>
+                    </a:xfrm>
+                    <a:prstGeom prst="roundRect">
+                      <a:avLst/>
+                    </a:prstGeom>
+                    <a:solidFill>
+                      <a:schemeClr val="bg1"/>
+                    </a:solidFill>
+                  </p:spPr>
+                  <p:txBody>
+                    <a:bodyPr wrap="square" rtlCol="0">
+                      <a:spAutoFit/>
+                    </a:bodyPr>
+                    <a:lstStyle/>
+                    <a:p>
+                      <a:r>
+                        <a:rPr lang="es-ES" sz="1100" dirty="0"/>
+                        <a:t>Maduros</a:t>
+                      </a:r>
+                    </a:p>
+                  </p:txBody>
+                </p:sp>
+              </p:grpSp>
+              <p:sp>
+                <p:nvSpPr>
+                  <p:cNvPr id="127" name="Rectángulo 126">
+                    <a:extLst>
+                      <a:ext uri="{FF2B5EF4-FFF2-40B4-BE49-F238E27FC236}">
+                        <a16:creationId xmlns:a16="http://schemas.microsoft.com/office/drawing/2014/main" id="{4B4DBF18-CCCE-0BEC-4D82-6AE7169E7DFD}"/>
+                      </a:ext>
+                    </a:extLst>
+                  </p:cNvPr>
+                  <p:cNvSpPr/>
+                  <p:nvPr/>
+                </p:nvSpPr>
+                <p:spPr>
+                  <a:xfrm>
+                    <a:off x="5715000" y="19876977"/>
+                    <a:ext cx="1170204" cy="354607"/>
+                  </a:xfrm>
+                  <a:prstGeom prst="rect">
+                    <a:avLst/>
+                  </a:prstGeom>
+                  <a:solidFill>
+                    <a:schemeClr val="bg1"/>
+                  </a:solidFill>
+                  <a:ln>
+                    <a:noFill/>
+                  </a:ln>
+                </p:spPr>
+                <p:style>
+                  <a:lnRef idx="2">
+                    <a:schemeClr val="accent1">
+                      <a:shade val="15000"/>
+                    </a:schemeClr>
+                  </a:lnRef>
+                  <a:fillRef idx="1">
+                    <a:schemeClr val="accent1"/>
+                  </a:fillRef>
+                  <a:effectRef idx="0">
+                    <a:schemeClr val="accent1"/>
+                  </a:effectRef>
+                  <a:fontRef idx="minor">
+                    <a:schemeClr val="lt1"/>
+                  </a:fontRef>
+                </p:style>
+                <p:txBody>
+                  <a:bodyPr rtlCol="0" anchor="ctr"/>
+                  <a:lstStyle/>
+                  <a:p>
+                    <a:pPr algn="ctr"/>
+                    <a:endParaRPr lang="es-ES"/>
+                  </a:p>
+                </p:txBody>
+              </p:sp>
+              <p:grpSp>
+                <p:nvGrpSpPr>
+                  <p:cNvPr id="1024" name="Grupo 1023">
+                    <a:extLst>
+                      <a:ext uri="{FF2B5EF4-FFF2-40B4-BE49-F238E27FC236}">
+                        <a16:creationId xmlns:a16="http://schemas.microsoft.com/office/drawing/2014/main" id="{D8B87F19-BDB4-EE6D-AF0C-A24973F33C83}"/>
+                      </a:ext>
+                    </a:extLst>
+                  </p:cNvPr>
+                  <p:cNvGrpSpPr/>
+                  <p:nvPr/>
+                </p:nvGrpSpPr>
+                <p:grpSpPr>
+                  <a:xfrm>
+                    <a:off x="5211608" y="19787806"/>
+                    <a:ext cx="1996949" cy="292211"/>
+                    <a:chOff x="2549109" y="19787806"/>
+                    <a:chExt cx="1996949" cy="292211"/>
+                  </a:xfrm>
+                </p:grpSpPr>
+                <p:sp>
+                  <p:nvSpPr>
+                    <p:cNvPr id="1025" name="CuadroTexto 1024">
+                      <a:extLst>
+                        <a:ext uri="{FF2B5EF4-FFF2-40B4-BE49-F238E27FC236}">
+                          <a16:creationId xmlns:a16="http://schemas.microsoft.com/office/drawing/2014/main" id="{0B2EEC58-DE08-B26A-6B33-0A60459BBDD8}"/>
+                        </a:ext>
+                      </a:extLst>
+                    </p:cNvPr>
+                    <p:cNvSpPr txBox="1"/>
+                    <p:nvPr/>
+                  </p:nvSpPr>
+                  <p:spPr>
+                    <a:xfrm>
+                      <a:off x="2549109" y="19787806"/>
+                      <a:ext cx="874615" cy="289441"/>
+                    </a:xfrm>
+                    <a:prstGeom prst="roundRect">
+                      <a:avLst/>
+                    </a:prstGeom>
+                    <a:solidFill>
+                      <a:schemeClr val="bg1"/>
+                    </a:solidFill>
+                  </p:spPr>
+                  <p:txBody>
+                    <a:bodyPr wrap="square" rtlCol="0">
+                      <a:spAutoFit/>
+                    </a:bodyPr>
+                    <a:lstStyle/>
+                    <a:p>
+                      <a:r>
+                        <a:rPr lang="es-ES" sz="1100" dirty="0"/>
+                        <a:t>Inmaduros</a:t>
+                      </a:r>
+                    </a:p>
+                  </p:txBody>
+                </p:sp>
+                <p:sp>
+                  <p:nvSpPr>
+                    <p:cNvPr id="1027" name="CuadroTexto 1026">
+                      <a:extLst>
+                        <a:ext uri="{FF2B5EF4-FFF2-40B4-BE49-F238E27FC236}">
+                          <a16:creationId xmlns:a16="http://schemas.microsoft.com/office/drawing/2014/main" id="{B0624A44-6E5A-75E5-8ABA-5AB3FEF123A9}"/>
+                        </a:ext>
+                      </a:extLst>
+                    </p:cNvPr>
+                    <p:cNvSpPr txBox="1"/>
+                    <p:nvPr/>
+                  </p:nvSpPr>
+                  <p:spPr>
+                    <a:xfrm>
+                      <a:off x="3793167" y="19790576"/>
+                      <a:ext cx="752891" cy="289441"/>
+                    </a:xfrm>
+                    <a:prstGeom prst="roundRect">
+                      <a:avLst/>
+                    </a:prstGeom>
+                    <a:solidFill>
+                      <a:schemeClr val="bg1"/>
+                    </a:solidFill>
+                  </p:spPr>
+                  <p:txBody>
+                    <a:bodyPr wrap="square" rtlCol="0">
+                      <a:spAutoFit/>
+                    </a:bodyPr>
+                    <a:lstStyle/>
+                    <a:p>
+                      <a:r>
+                        <a:rPr lang="es-ES" sz="1100" dirty="0"/>
+                        <a:t>Maduros</a:t>
+                      </a:r>
+                    </a:p>
+                  </p:txBody>
+                </p:sp>
+              </p:grpSp>
+            </p:grpSp>
+          </p:grpSp>
+          <p:sp>
+            <p:nvSpPr>
+              <p:cNvPr id="1061" name="CuadroTexto 1060">
+                <a:extLst>
+                  <a:ext uri="{FF2B5EF4-FFF2-40B4-BE49-F238E27FC236}">
+                    <a16:creationId xmlns:a16="http://schemas.microsoft.com/office/drawing/2014/main" id="{B3D6AC1F-C313-D04E-C175-484E052CA9BC}"/>
+                  </a:ext>
+                </a:extLst>
+              </p:cNvPr>
+              <p:cNvSpPr txBox="1"/>
+              <p:nvPr/>
+            </p:nvSpPr>
+            <p:spPr>
+              <a:xfrm>
+                <a:off x="2567684" y="21905155"/>
+                <a:ext cx="375385" cy="646331"/>
+              </a:xfrm>
+              <a:prstGeom prst="rect">
+                <a:avLst/>
+              </a:prstGeom>
+              <a:noFill/>
+            </p:spPr>
+            <p:txBody>
+              <a:bodyPr wrap="square" rtlCol="0">
+                <a:spAutoFit/>
+              </a:bodyPr>
+              <a:lstStyle/>
+              <a:p>
+                <a:r>
+                  <a:rPr lang="es-ES" sz="3600" b="1" dirty="0">
+                    <a:solidFill>
+                      <a:schemeClr val="tx2"/>
+                    </a:solidFill>
+                  </a:rPr>
+                  <a:t>*</a:t>
+                </a:r>
+              </a:p>
+            </p:txBody>
+          </p:sp>
+          <p:sp>
+            <p:nvSpPr>
+              <p:cNvPr id="1063" name="CuadroTexto 1062">
+                <a:extLst>
+                  <a:ext uri="{FF2B5EF4-FFF2-40B4-BE49-F238E27FC236}">
+                    <a16:creationId xmlns:a16="http://schemas.microsoft.com/office/drawing/2014/main" id="{E1152423-3C90-0A12-534B-85BDF2612DC1}"/>
+                  </a:ext>
+                </a:extLst>
+              </p:cNvPr>
+              <p:cNvSpPr txBox="1"/>
+              <p:nvPr/>
+            </p:nvSpPr>
+            <p:spPr>
+              <a:xfrm>
+                <a:off x="5219764" y="22074868"/>
+                <a:ext cx="375385" cy="646331"/>
+              </a:xfrm>
+              <a:prstGeom prst="rect">
+                <a:avLst/>
+              </a:prstGeom>
+              <a:noFill/>
+            </p:spPr>
+            <p:txBody>
+              <a:bodyPr wrap="square" rtlCol="0">
+                <a:spAutoFit/>
+              </a:bodyPr>
+              <a:lstStyle/>
+              <a:p>
+                <a:r>
+                  <a:rPr lang="es-ES" sz="3600" b="1" dirty="0">
+                    <a:solidFill>
+                      <a:schemeClr val="tx2"/>
+                    </a:solidFill>
+                  </a:rPr>
+                  <a:t>*</a:t>
+                </a:r>
+              </a:p>
+            </p:txBody>
+          </p:sp>
+          <p:sp>
+            <p:nvSpPr>
+              <p:cNvPr id="1065" name="CuadroTexto 1064">
+                <a:extLst>
+                  <a:ext uri="{FF2B5EF4-FFF2-40B4-BE49-F238E27FC236}">
+                    <a16:creationId xmlns:a16="http://schemas.microsoft.com/office/drawing/2014/main" id="{A7112C44-949C-5F26-229A-7CF67A47CFEE}"/>
+                  </a:ext>
+                </a:extLst>
+              </p:cNvPr>
+              <p:cNvSpPr txBox="1"/>
+              <p:nvPr/>
+            </p:nvSpPr>
+            <p:spPr>
+              <a:xfrm>
+                <a:off x="6211655" y="22188870"/>
+                <a:ext cx="375385" cy="646331"/>
+              </a:xfrm>
+              <a:prstGeom prst="rect">
+                <a:avLst/>
+              </a:prstGeom>
+              <a:noFill/>
+            </p:spPr>
+            <p:txBody>
+              <a:bodyPr wrap="square" rtlCol="0">
+                <a:spAutoFit/>
+              </a:bodyPr>
+              <a:lstStyle/>
+              <a:p>
+                <a:r>
+                  <a:rPr lang="es-ES" sz="3600" b="1" dirty="0">
+                    <a:solidFill>
+                      <a:schemeClr val="tx2"/>
+                    </a:solidFill>
+                  </a:rPr>
+                  <a:t>*</a:t>
+                </a:r>
+              </a:p>
+            </p:txBody>
+          </p:sp>
+          <p:sp>
+            <p:nvSpPr>
+              <p:cNvPr id="1066" name="CuadroTexto 1065">
+                <a:extLst>
+                  <a:ext uri="{FF2B5EF4-FFF2-40B4-BE49-F238E27FC236}">
+                    <a16:creationId xmlns:a16="http://schemas.microsoft.com/office/drawing/2014/main" id="{B2F0F56C-DCC3-2756-BDDA-52EBE37AD89A}"/>
+                  </a:ext>
+                </a:extLst>
+              </p:cNvPr>
+              <p:cNvSpPr txBox="1"/>
+              <p:nvPr/>
+            </p:nvSpPr>
+            <p:spPr>
+              <a:xfrm>
+                <a:off x="3559575" y="22049608"/>
+                <a:ext cx="507351" cy="584984"/>
+              </a:xfrm>
+              <a:prstGeom prst="rect">
+                <a:avLst/>
+              </a:prstGeom>
+              <a:noFill/>
+            </p:spPr>
+            <p:txBody>
+              <a:bodyPr wrap="square" rtlCol="0">
+                <a:spAutoFit/>
+              </a:bodyPr>
+              <a:lstStyle/>
+              <a:p>
+                <a:r>
+                  <a:rPr lang="es-ES" sz="3600" b="1" dirty="0">
+                    <a:solidFill>
+                      <a:schemeClr val="tx2"/>
+                    </a:solidFill>
+                  </a:rPr>
+                  <a:t>*</a:t>
+                </a:r>
+              </a:p>
+            </p:txBody>
+          </p:sp>
+        </p:grpSp>
+        <p:sp>
+          <p:nvSpPr>
+            <p:cNvPr id="29" name="CuadroTexto 28">
+              <a:extLst>
+                <a:ext uri="{FF2B5EF4-FFF2-40B4-BE49-F238E27FC236}">
+                  <a16:creationId xmlns:a16="http://schemas.microsoft.com/office/drawing/2014/main" id="{576CC033-D3BF-46B5-9B15-468B29830691}"/>
+                </a:ext>
+              </a:extLst>
+            </p:cNvPr>
+            <p:cNvSpPr txBox="1"/>
+            <p:nvPr/>
+          </p:nvSpPr>
+          <p:spPr>
+            <a:xfrm>
+              <a:off x="1648463" y="20485224"/>
+              <a:ext cx="3636172" cy="369332"/>
+            </a:xfrm>
+            <a:prstGeom prst="rect">
+              <a:avLst/>
+            </a:prstGeom>
+            <a:solidFill>
+              <a:schemeClr val="bg1"/>
+            </a:solidFill>
+          </p:spPr>
+          <p:txBody>
+            <a:bodyPr wrap="square" rtlCol="0">
+              <a:spAutoFit/>
+            </a:bodyPr>
+            <a:lstStyle/>
+            <a:p>
+              <a:r>
+                <a:rPr lang="es-ES" b="1" dirty="0">
+                  <a:solidFill>
+                    <a:schemeClr val="tx2"/>
+                  </a:solidFill>
+                  <a:latin typeface="+mj-lt"/>
+                </a:rPr>
+                <a:t>Actividad CAT en tentáculo</a:t>
+              </a:r>
+            </a:p>
+          </p:txBody>
+        </p:sp>
+      </p:grpSp>
+      <p:grpSp>
+        <p:nvGrpSpPr>
           <p:cNvPr id="64" name="Grupo 63">
             <a:extLst>
               <a:ext uri="{FF2B5EF4-FFF2-40B4-BE49-F238E27FC236}">
@@ -3155,167 +4506,6 @@
           </p:txBody>
         </p:sp>
       </p:grpSp>
-      <p:grpSp>
-        <p:nvGrpSpPr>
-          <p:cNvPr id="65" name="Grupo 64">
-            <a:extLst>
-              <a:ext uri="{FF2B5EF4-FFF2-40B4-BE49-F238E27FC236}">
-                <a16:creationId xmlns:a16="http://schemas.microsoft.com/office/drawing/2014/main" id="{E8D74168-4983-1321-232E-8EF62E96AEF8}"/>
-              </a:ext>
-            </a:extLst>
-          </p:cNvPr>
-          <p:cNvGrpSpPr/>
-          <p:nvPr/>
-        </p:nvGrpSpPr>
-        <p:grpSpPr>
-          <a:xfrm>
-            <a:off x="689050" y="13669062"/>
-            <a:ext cx="19905037" cy="11515686"/>
-            <a:chOff x="4153822" y="13046761"/>
-            <a:chExt cx="9811824" cy="11515686"/>
-          </a:xfrm>
-        </p:grpSpPr>
-        <p:sp>
-          <p:nvSpPr>
-            <p:cNvPr id="11" name="Rectángulo: esquinas redondeadas 10">
-              <a:extLst>
-                <a:ext uri="{FF2B5EF4-FFF2-40B4-BE49-F238E27FC236}">
-                  <a16:creationId xmlns:a16="http://schemas.microsoft.com/office/drawing/2014/main" id="{51E71705-E926-8064-0CE4-5B92289A81B5}"/>
-                </a:ext>
-              </a:extLst>
-            </p:cNvPr>
-            <p:cNvSpPr/>
-            <p:nvPr/>
-          </p:nvSpPr>
-          <p:spPr>
-            <a:xfrm>
-              <a:off x="4165344" y="13073376"/>
-              <a:ext cx="9787760" cy="11489071"/>
-            </a:xfrm>
-            <a:prstGeom prst="roundRect">
-              <a:avLst>
-                <a:gd name="adj" fmla="val 3534"/>
-              </a:avLst>
-            </a:prstGeom>
-            <a:ln w="38100"/>
-          </p:spPr>
-          <p:style>
-            <a:lnRef idx="2">
-              <a:schemeClr val="accent5"/>
-            </a:lnRef>
-            <a:fillRef idx="1">
-              <a:schemeClr val="lt1"/>
-            </a:fillRef>
-            <a:effectRef idx="0">
-              <a:schemeClr val="accent5"/>
-            </a:effectRef>
-            <a:fontRef idx="minor">
-              <a:schemeClr val="dk1"/>
-            </a:fontRef>
-          </p:style>
-          <p:txBody>
-            <a:bodyPr rtlCol="0" anchor="ctr"/>
-            <a:lstStyle/>
-            <a:p>
-              <a:pPr algn="ctr"/>
-              <a:endParaRPr lang="es-ES" dirty="0"/>
-            </a:p>
-          </p:txBody>
-        </p:sp>
-        <p:sp>
-          <p:nvSpPr>
-            <p:cNvPr id="12" name="Rectángulo: esquinas redondeadas 11">
-              <a:extLst>
-                <a:ext uri="{FF2B5EF4-FFF2-40B4-BE49-F238E27FC236}">
-                  <a16:creationId xmlns:a16="http://schemas.microsoft.com/office/drawing/2014/main" id="{FE5C1093-7FFA-9321-F10A-FB4416DE0F99}"/>
-                </a:ext>
-              </a:extLst>
-            </p:cNvPr>
-            <p:cNvSpPr/>
-            <p:nvPr/>
-          </p:nvSpPr>
-          <p:spPr>
-            <a:xfrm>
-              <a:off x="4153822" y="13046761"/>
-              <a:ext cx="9811824" cy="511629"/>
-            </a:xfrm>
-            <a:prstGeom prst="roundRect">
-              <a:avLst/>
-            </a:prstGeom>
-            <a:ln/>
-          </p:spPr>
-          <p:style>
-            <a:lnRef idx="1">
-              <a:schemeClr val="accent5"/>
-            </a:lnRef>
-            <a:fillRef idx="3">
-              <a:schemeClr val="accent5"/>
-            </a:fillRef>
-            <a:effectRef idx="2">
-              <a:schemeClr val="accent5"/>
-            </a:effectRef>
-            <a:fontRef idx="minor">
-              <a:schemeClr val="lt1"/>
-            </a:fontRef>
-          </p:style>
-          <p:txBody>
-            <a:bodyPr rtlCol="0" anchor="ctr"/>
-            <a:lstStyle/>
-            <a:p>
-              <a:pPr algn="ctr"/>
-              <a:endParaRPr lang="es-ES"/>
-            </a:p>
-          </p:txBody>
-        </p:sp>
-        <p:sp>
-          <p:nvSpPr>
-            <p:cNvPr id="14" name="CuadroTexto 13">
-              <a:extLst>
-                <a:ext uri="{FF2B5EF4-FFF2-40B4-BE49-F238E27FC236}">
-                  <a16:creationId xmlns:a16="http://schemas.microsoft.com/office/drawing/2014/main" id="{20102E3B-90A6-8FB7-737C-CC6050692EC2}"/>
-                </a:ext>
-              </a:extLst>
-            </p:cNvPr>
-            <p:cNvSpPr txBox="1"/>
-            <p:nvPr/>
-          </p:nvSpPr>
-          <p:spPr>
-            <a:xfrm>
-              <a:off x="4153823" y="13073376"/>
-              <a:ext cx="8288712" cy="523220"/>
-            </a:xfrm>
-            <a:prstGeom prst="rect">
-              <a:avLst/>
-            </a:prstGeom>
-            <a:noFill/>
-          </p:spPr>
-          <p:txBody>
-            <a:bodyPr wrap="square" rtlCol="0">
-              <a:spAutoFit/>
-            </a:bodyPr>
-            <a:lstStyle/>
-            <a:p>
-              <a:r>
-                <a:rPr lang="es-ES" sz="2800" b="1" dirty="0">
-                  <a:solidFill>
-                    <a:schemeClr val="bg1"/>
-                  </a:solidFill>
-                  <a:latin typeface="Cooper Hewitt Semibold" pitchFamily="2" charset="0"/>
-                  <a:ea typeface="Cooper Hewitt Semibold" pitchFamily="2" charset="0"/>
-                </a:rPr>
-                <a:t>RESULTADOS Y DISCUSIÓN</a:t>
-              </a:r>
-              <a:endParaRPr lang="x-none" sz="2800" b="1" dirty="0">
-                <a:solidFill>
-                  <a:schemeClr val="bg1"/>
-                </a:solidFill>
-                <a:latin typeface="Cooper Hewitt Semibold" pitchFamily="2" charset="0"/>
-                <a:ea typeface="Cooper Hewitt Semibold" pitchFamily="2" charset="0"/>
-              </a:endParaRPr>
-            </a:p>
-          </p:txBody>
-        </p:sp>
-      </p:grpSp>
       <p:sp>
         <p:nvSpPr>
           <p:cNvPr id="4" name="Rectángulo: esquinas redondeadas 3">
@@ -3595,8 +4785,8 @@
         </p:nvSpPr>
         <p:spPr>
           <a:xfrm>
-            <a:off x="712425" y="365632"/>
-            <a:ext cx="20408628" cy="2123658"/>
+            <a:off x="712425" y="264032"/>
+            <a:ext cx="20070541" cy="2123658"/>
           </a:xfrm>
           <a:prstGeom prst="rect">
             <a:avLst/>
@@ -3720,8 +4910,8 @@
         </p:nvSpPr>
         <p:spPr>
           <a:xfrm>
-            <a:off x="789534" y="2475090"/>
-            <a:ext cx="15093128" cy="954107"/>
+            <a:off x="789533" y="2436180"/>
+            <a:ext cx="13920778" cy="954107"/>
           </a:xfrm>
           <a:prstGeom prst="rect">
             <a:avLst/>
@@ -3736,7 +4926,7 @@
           <a:p>
             <a:r>
               <a:rPr lang="es-ES" sz="2800" dirty="0"/>
-              <a:t>Alberto Coll</a:t>
+              <a:t>Alberto Coll </a:t>
             </a:r>
             <a:r>
               <a:rPr lang="es-ES" sz="2800" baseline="30000" dirty="0"/>
@@ -3744,7 +4934,7 @@
             </a:r>
             <a:r>
               <a:rPr lang="es-ES" sz="2800" dirty="0"/>
-              <a:t>, Cristina E. Trenzado</a:t>
+              <a:t>, Ana E. Ortiz-Maldonado </a:t>
             </a:r>
             <a:r>
               <a:rPr lang="es-ES" sz="2800" baseline="30000" dirty="0"/>
@@ -3752,27 +4942,43 @@
             </a:r>
             <a:r>
               <a:rPr lang="es-ES" sz="2800" dirty="0"/>
-              <a:t>, Ana E. Ortiz Maldonado</a:t>
+              <a:t>, Amalia Pérez-Jiménez </a:t>
+            </a:r>
+            <a:r>
+              <a:rPr lang="es-ES" sz="2800" baseline="30000" dirty="0"/>
+              <a:t>2</a:t>
+            </a:r>
+            <a:r>
+              <a:rPr lang="es-ES" sz="2800" dirty="0"/>
+              <a:t>, Eva E. Rufino-Palomares </a:t>
+            </a:r>
+            <a:r>
+              <a:rPr lang="es-ES" sz="2800" baseline="30000" dirty="0"/>
+              <a:t>3</a:t>
+            </a:r>
+            <a:r>
+              <a:rPr lang="es-ES" sz="2800" dirty="0"/>
+              <a:t>, Laura Pantoja-Echevarría </a:t>
+            </a:r>
+            <a:r>
+              <a:rPr lang="es-ES" sz="2800" baseline="30000" dirty="0"/>
+              <a:t>2</a:t>
+            </a:r>
+            <a:r>
+              <a:rPr lang="es-ES" sz="2800" dirty="0"/>
+              <a:t>, Marta Ramos-Barbero </a:t>
+            </a:r>
+            <a:r>
+              <a:rPr lang="es-ES" sz="2800" baseline="30000" dirty="0"/>
+              <a:t>3</a:t>
+            </a:r>
+            <a:r>
+              <a:rPr lang="es-ES" sz="2800" dirty="0"/>
+              <a:t>, Cristina E. Trenzado </a:t>
             </a:r>
             <a:r>
               <a:rPr lang="es-ES" sz="2800" baseline="30000" dirty="0"/>
               <a:t>1</a:t>
-            </a:r>
-            <a:r>
-              <a:rPr lang="es-ES" sz="2800" dirty="0"/>
-              <a:t>, Amalia Pérez Jiménez</a:t>
-            </a:r>
-            <a:r>
-              <a:rPr lang="es-ES" sz="2800" baseline="30000" dirty="0"/>
-              <a:t>2</a:t>
-            </a:r>
-            <a:r>
-              <a:rPr lang="es-ES" sz="2800" dirty="0"/>
-              <a:t>, Eva E. Rufino Palomares</a:t>
-            </a:r>
-            <a:r>
-              <a:rPr lang="es-ES" sz="2800" baseline="30000" dirty="0"/>
-              <a:t>3</a:t>
             </a:r>
           </a:p>
         </p:txBody>
@@ -3839,8 +5045,8 @@
         </p:nvSpPr>
         <p:spPr>
           <a:xfrm>
-            <a:off x="1332463" y="10433513"/>
-            <a:ext cx="11416654" cy="1532334"/>
+            <a:off x="1237520" y="11284536"/>
+            <a:ext cx="11667237" cy="1492151"/>
           </a:xfrm>
           <a:prstGeom prst="roundRect">
             <a:avLst>
@@ -3883,7 +5089,7 @@
                   <a:schemeClr val="bg1"/>
                 </a:solidFill>
               </a:rPr>
-              <a:t>En este trabajo evaluó el efecto de distintos modos de reproducción de </a:t>
+              <a:t>Evaluar el efecto de distintos modos de reproducción de </a:t>
             </a:r>
             <a:r>
               <a:rPr lang="es-ES" sz="2800" b="1" i="1" dirty="0">
@@ -3915,7 +5121,7 @@
                   <a:schemeClr val="bg1"/>
                 </a:solidFill>
               </a:rPr>
-              <a:t>sobre su estado de bienestar en un sistema IMTA, utilizando parámetros del estado oxidativo del animal como indicadores.</a:t>
+              <a:t>en cautividad sobre su estado de bienestar en un sistema IMTA, utilizando parámetros del estado oxidativo del animal como indicadores.</a:t>
             </a:r>
             <a:endParaRPr lang="x-none" sz="2800" b="1" dirty="0">
               <a:solidFill>
@@ -3939,7 +5145,7 @@
         </p:nvSpPr>
         <p:spPr>
           <a:xfrm>
-            <a:off x="776899" y="3353321"/>
+            <a:off x="776899" y="3370255"/>
             <a:ext cx="19829827" cy="1077218"/>
           </a:xfrm>
           <a:prstGeom prst="rect">
@@ -3979,7 +5185,7 @@
             </a:r>
             <a:r>
               <a:rPr lang="es-ES" sz="1600" dirty="0"/>
-              <a:t> Departamento de Bioquímica y Biología Molecular, Facultad de Ciencias, Universidad de Granada</a:t>
+              <a:t> Departamento de Bioquímica y Biología Molecular I, Facultad de Ciencias, Universidad de Granada</a:t>
             </a:r>
           </a:p>
           <a:p>
@@ -4016,13 +5222,13 @@
           <p:nvPr/>
         </p:nvPicPr>
         <p:blipFill>
-          <a:blip r:embed="rId2" cstate="print">
+          <a:blip r:embed="rId5" cstate="print">
             <a:extLst>
               <a:ext uri="{28A0092B-C50C-407E-A947-70E740481C1C}">
                 <a14:useLocalDpi xmlns:a14="http://schemas.microsoft.com/office/drawing/2010/main" val="0"/>
               </a:ext>
               <a:ext uri="{96DAC541-7B7A-43D3-8B79-37D633B846F1}">
-                <asvg:svgBlip xmlns:asvg="http://schemas.microsoft.com/office/drawing/2016/SVG/main" r:embed="rId3"/>
+                <asvg:svgBlip xmlns:asvg="http://schemas.microsoft.com/office/drawing/2016/SVG/main" r:embed="rId6"/>
               </a:ext>
             </a:extLst>
           </a:blip>
@@ -4032,8 +5238,8 @@
         </p:blipFill>
         <p:spPr>
           <a:xfrm>
-            <a:off x="17370736" y="1648663"/>
-            <a:ext cx="4051474" cy="2865300"/>
+            <a:off x="17163391" y="1537647"/>
+            <a:ext cx="4469209" cy="3160732"/>
           </a:xfrm>
           <a:prstGeom prst="rect">
             <a:avLst/>
@@ -4054,8 +5260,8 @@
         </p:nvSpPr>
         <p:spPr>
           <a:xfrm>
-            <a:off x="17770874" y="9688857"/>
-            <a:ext cx="2848487" cy="1938992"/>
+            <a:off x="17656140" y="10446880"/>
+            <a:ext cx="2937946" cy="2246769"/>
           </a:xfrm>
           <a:prstGeom prst="rect">
             <a:avLst/>
@@ -4120,7 +5326,7 @@
             </a:pPr>
             <a:r>
               <a:rPr lang="es-ES" sz="2000" dirty="0"/>
-              <a:t>Capacidad antioxidante total</a:t>
+              <a:t>Capacidad antioxidante total (TEAC)</a:t>
             </a:r>
           </a:p>
         </p:txBody>
@@ -4139,8 +5345,8 @@
         </p:nvSpPr>
         <p:spPr>
           <a:xfrm>
-            <a:off x="1628832" y="12110067"/>
-            <a:ext cx="10860968" cy="954107"/>
+            <a:off x="13939921" y="5196528"/>
+            <a:ext cx="6676963" cy="954107"/>
           </a:xfrm>
           <a:prstGeom prst="rect">
             <a:avLst/>
@@ -4156,7 +5362,7 @@
             <a:pPr algn="ctr"/>
             <a:r>
               <a:rPr lang="es-ES" sz="2800" dirty="0"/>
-              <a:t>Utilizando anémonas procedentes de</a:t>
+              <a:t>Anémonas procedentes de</a:t>
             </a:r>
           </a:p>
           <a:p>
@@ -4200,597 +5406,6 @@
           </a:p>
         </p:txBody>
       </p:sp>
-      <p:grpSp>
-        <p:nvGrpSpPr>
-          <p:cNvPr id="107" name="Grupo 106">
-            <a:extLst>
-              <a:ext uri="{FF2B5EF4-FFF2-40B4-BE49-F238E27FC236}">
-                <a16:creationId xmlns:a16="http://schemas.microsoft.com/office/drawing/2014/main" id="{A3DF9C02-58CA-4543-A7C9-EE1144170FE2}"/>
-              </a:ext>
-            </a:extLst>
-          </p:cNvPr>
-          <p:cNvGrpSpPr/>
-          <p:nvPr/>
-        </p:nvGrpSpPr>
-        <p:grpSpPr>
-          <a:xfrm>
-            <a:off x="14017557" y="5860233"/>
-            <a:ext cx="6418625" cy="5642894"/>
-            <a:chOff x="14067590" y="7783367"/>
-            <a:chExt cx="6418625" cy="5642894"/>
-          </a:xfrm>
-        </p:grpSpPr>
-        <p:pic>
-          <p:nvPicPr>
-            <p:cNvPr id="45" name="Imagen 44">
-              <a:extLst>
-                <a:ext uri="{FF2B5EF4-FFF2-40B4-BE49-F238E27FC236}">
-                  <a16:creationId xmlns:a16="http://schemas.microsoft.com/office/drawing/2014/main" id="{2375F5ED-DA62-701D-5E10-BF9C1C6BD105}"/>
-                </a:ext>
-              </a:extLst>
-            </p:cNvPr>
-            <p:cNvPicPr>
-              <a:picLocks noChangeAspect="1"/>
-            </p:cNvPicPr>
-            <p:nvPr/>
-          </p:nvPicPr>
-          <p:blipFill rotWithShape="1">
-            <a:blip r:embed="rId4">
-              <a:clrChange>
-                <a:clrFrom>
-                  <a:srgbClr val="FFFFFF"/>
-                </a:clrFrom>
-                <a:clrTo>
-                  <a:srgbClr val="FFFFFF">
-                    <a:alpha val="0"/>
-                  </a:srgbClr>
-                </a:clrTo>
-              </a:clrChange>
-              <a:duotone>
-                <a:schemeClr val="accent3">
-                  <a:shade val="45000"/>
-                  <a:satMod val="135000"/>
-                </a:schemeClr>
-                <a:prstClr val="white"/>
-              </a:duotone>
-            </a:blip>
-            <a:srcRect l="15918" r="15583" b="80505"/>
-            <a:stretch/>
-          </p:blipFill>
-          <p:spPr>
-            <a:xfrm>
-              <a:off x="14067590" y="8430440"/>
-              <a:ext cx="2381407" cy="1884833"/>
-            </a:xfrm>
-            <a:prstGeom prst="rect">
-              <a:avLst/>
-            </a:prstGeom>
-          </p:spPr>
-        </p:pic>
-        <p:cxnSp>
-          <p:nvCxnSpPr>
-            <p:cNvPr id="60" name="Conector recto 59">
-              <a:extLst>
-                <a:ext uri="{FF2B5EF4-FFF2-40B4-BE49-F238E27FC236}">
-                  <a16:creationId xmlns:a16="http://schemas.microsoft.com/office/drawing/2014/main" id="{420C574E-8DA4-97BF-0855-6857CCF55701}"/>
-                </a:ext>
-              </a:extLst>
-            </p:cNvPr>
-            <p:cNvCxnSpPr>
-              <a:cxnSpLocks/>
-            </p:cNvCxnSpPr>
-            <p:nvPr/>
-          </p:nvCxnSpPr>
-          <p:spPr>
-            <a:xfrm>
-              <a:off x="16402620" y="9261324"/>
-              <a:ext cx="711877" cy="0"/>
-            </a:xfrm>
-            <a:prstGeom prst="line">
-              <a:avLst/>
-            </a:prstGeom>
-            <a:ln w="38100">
-              <a:solidFill>
-                <a:schemeClr val="accent2"/>
-              </a:solidFill>
-              <a:prstDash val="solid"/>
-              <a:headEnd type="none" w="med" len="med"/>
-              <a:tailEnd type="arrow" w="med" len="med"/>
-            </a:ln>
-          </p:spPr>
-          <p:style>
-            <a:lnRef idx="1">
-              <a:schemeClr val="accent1"/>
-            </a:lnRef>
-            <a:fillRef idx="0">
-              <a:schemeClr val="accent1"/>
-            </a:fillRef>
-            <a:effectRef idx="0">
-              <a:schemeClr val="accent1"/>
-            </a:effectRef>
-            <a:fontRef idx="minor">
-              <a:schemeClr val="tx1"/>
-            </a:fontRef>
-          </p:style>
-        </p:cxnSp>
-        <p:cxnSp>
-          <p:nvCxnSpPr>
-            <p:cNvPr id="84" name="Conector recto 83">
-              <a:extLst>
-                <a:ext uri="{FF2B5EF4-FFF2-40B4-BE49-F238E27FC236}">
-                  <a16:creationId xmlns:a16="http://schemas.microsoft.com/office/drawing/2014/main" id="{8908F34B-D0D0-48DA-806A-CB1197ACF52C}"/>
-                </a:ext>
-              </a:extLst>
-            </p:cNvPr>
-            <p:cNvCxnSpPr>
-              <a:cxnSpLocks/>
-            </p:cNvCxnSpPr>
-            <p:nvPr/>
-          </p:nvCxnSpPr>
-          <p:spPr>
-            <a:xfrm>
-              <a:off x="16758558" y="9270065"/>
-              <a:ext cx="0" cy="1512235"/>
-            </a:xfrm>
-            <a:prstGeom prst="line">
-              <a:avLst/>
-            </a:prstGeom>
-            <a:ln w="38100">
-              <a:solidFill>
-                <a:schemeClr val="accent2"/>
-              </a:solidFill>
-              <a:prstDash val="solid"/>
-              <a:headEnd type="none" w="med" len="med"/>
-              <a:tailEnd type="arrow" w="med" len="med"/>
-            </a:ln>
-          </p:spPr>
-          <p:style>
-            <a:lnRef idx="1">
-              <a:schemeClr val="accent1"/>
-            </a:lnRef>
-            <a:fillRef idx="0">
-              <a:schemeClr val="accent1"/>
-            </a:fillRef>
-            <a:effectRef idx="0">
-              <a:schemeClr val="accent1"/>
-            </a:effectRef>
-            <a:fontRef idx="minor">
-              <a:schemeClr val="tx1"/>
-            </a:fontRef>
-          </p:style>
-        </p:cxnSp>
-        <p:grpSp>
-          <p:nvGrpSpPr>
-            <p:cNvPr id="93" name="Grupo 92">
-              <a:extLst>
-                <a:ext uri="{FF2B5EF4-FFF2-40B4-BE49-F238E27FC236}">
-                  <a16:creationId xmlns:a16="http://schemas.microsoft.com/office/drawing/2014/main" id="{F77EE44C-DBCA-4B1B-B3B2-49EBC26FE9F8}"/>
-                </a:ext>
-              </a:extLst>
-            </p:cNvPr>
-            <p:cNvGrpSpPr/>
-            <p:nvPr/>
-          </p:nvGrpSpPr>
-          <p:grpSpPr>
-            <a:xfrm>
-              <a:off x="14212085" y="10794202"/>
-              <a:ext cx="3493041" cy="2260591"/>
-              <a:chOff x="12747455" y="11764169"/>
-              <a:chExt cx="3493041" cy="2260591"/>
-            </a:xfrm>
-          </p:grpSpPr>
-          <p:pic>
-            <p:nvPicPr>
-              <p:cNvPr id="80" name="Imagen 79">
-                <a:extLst>
-                  <a:ext uri="{FF2B5EF4-FFF2-40B4-BE49-F238E27FC236}">
-                    <a16:creationId xmlns:a16="http://schemas.microsoft.com/office/drawing/2014/main" id="{9D517BD0-82DD-142A-9FA4-D7816A06D7E4}"/>
-                  </a:ext>
-                </a:extLst>
-              </p:cNvPr>
-              <p:cNvPicPr>
-                <a:picLocks noChangeAspect="1"/>
-              </p:cNvPicPr>
-              <p:nvPr/>
-            </p:nvPicPr>
-            <p:blipFill rotWithShape="1">
-              <a:blip r:embed="rId4">
-                <a:clrChange>
-                  <a:clrFrom>
-                    <a:srgbClr val="FFFFFF"/>
-                  </a:clrFrom>
-                  <a:clrTo>
-                    <a:srgbClr val="FFFFFF">
-                      <a:alpha val="0"/>
-                    </a:srgbClr>
-                  </a:clrTo>
-                </a:clrChange>
-                <a:duotone>
-                  <a:schemeClr val="accent3">
-                    <a:shade val="45000"/>
-                    <a:satMod val="135000"/>
-                  </a:schemeClr>
-                  <a:prstClr val="white"/>
-                </a:duotone>
-              </a:blip>
-              <a:srcRect l="779" t="77324" r="779" b="-290"/>
-              <a:stretch/>
-            </p:blipFill>
-            <p:spPr>
-              <a:xfrm>
-                <a:off x="12747455" y="11764169"/>
-                <a:ext cx="3493041" cy="2260591"/>
-              </a:xfrm>
-              <a:prstGeom prst="rect">
-                <a:avLst/>
-              </a:prstGeom>
-            </p:spPr>
-          </p:pic>
-          <p:pic>
-            <p:nvPicPr>
-              <p:cNvPr id="63" name="Imagen 62">
-                <a:extLst>
-                  <a:ext uri="{FF2B5EF4-FFF2-40B4-BE49-F238E27FC236}">
-                    <a16:creationId xmlns:a16="http://schemas.microsoft.com/office/drawing/2014/main" id="{22BAE815-F90D-4317-B3BE-B851C411B352}"/>
-                  </a:ext>
-                </a:extLst>
-              </p:cNvPr>
-              <p:cNvPicPr>
-                <a:picLocks noChangeAspect="1"/>
-              </p:cNvPicPr>
-              <p:nvPr/>
-            </p:nvPicPr>
-            <p:blipFill>
-              <a:blip r:embed="rId5">
-                <a:duotone>
-                  <a:schemeClr val="accent6">
-                    <a:shade val="45000"/>
-                    <a:satMod val="135000"/>
-                  </a:schemeClr>
-                  <a:prstClr val="white"/>
-                </a:duotone>
-                <a:extLst>
-                  <a:ext uri="{28A0092B-C50C-407E-A947-70E740481C1C}">
-                    <a14:useLocalDpi xmlns:a14="http://schemas.microsoft.com/office/drawing/2010/main" val="0"/>
-                  </a:ext>
-                </a:extLst>
-              </a:blip>
-              <a:stretch>
-                <a:fillRect/>
-              </a:stretch>
-            </p:blipFill>
-            <p:spPr>
-              <a:xfrm>
-                <a:off x="13278415" y="12979198"/>
-                <a:ext cx="487809" cy="682594"/>
-              </a:xfrm>
-              <a:prstGeom prst="rect">
-                <a:avLst/>
-              </a:prstGeom>
-            </p:spPr>
-          </p:pic>
-          <p:pic>
-            <p:nvPicPr>
-              <p:cNvPr id="86" name="Imagen 85">
-                <a:extLst>
-                  <a:ext uri="{FF2B5EF4-FFF2-40B4-BE49-F238E27FC236}">
-                    <a16:creationId xmlns:a16="http://schemas.microsoft.com/office/drawing/2014/main" id="{E952863C-F8C5-4478-AFCC-D42BE644E466}"/>
-                  </a:ext>
-                </a:extLst>
-              </p:cNvPr>
-              <p:cNvPicPr>
-                <a:picLocks noChangeAspect="1"/>
-              </p:cNvPicPr>
-              <p:nvPr/>
-            </p:nvPicPr>
-            <p:blipFill>
-              <a:blip r:embed="rId6">
-                <a:duotone>
-                  <a:schemeClr val="accent6">
-                    <a:shade val="45000"/>
-                    <a:satMod val="135000"/>
-                  </a:schemeClr>
-                  <a:prstClr val="white"/>
-                </a:duotone>
-                <a:extLst>
-                  <a:ext uri="{28A0092B-C50C-407E-A947-70E740481C1C}">
-                    <a14:useLocalDpi xmlns:a14="http://schemas.microsoft.com/office/drawing/2010/main" val="0"/>
-                  </a:ext>
-                </a:extLst>
-              </a:blip>
-              <a:stretch>
-                <a:fillRect/>
-              </a:stretch>
-            </p:blipFill>
-            <p:spPr>
-              <a:xfrm>
-                <a:off x="15109346" y="13013195"/>
-                <a:ext cx="611455" cy="611455"/>
-              </a:xfrm>
-              <a:prstGeom prst="rect">
-                <a:avLst/>
-              </a:prstGeom>
-            </p:spPr>
-          </p:pic>
-        </p:grpSp>
-        <p:grpSp>
-          <p:nvGrpSpPr>
-            <p:cNvPr id="91" name="Grupo 90">
-              <a:extLst>
-                <a:ext uri="{FF2B5EF4-FFF2-40B4-BE49-F238E27FC236}">
-                  <a16:creationId xmlns:a16="http://schemas.microsoft.com/office/drawing/2014/main" id="{126E1B4E-DFBA-485E-A468-25B70E48BE7D}"/>
-                </a:ext>
-              </a:extLst>
-            </p:cNvPr>
-            <p:cNvGrpSpPr/>
-            <p:nvPr/>
-          </p:nvGrpSpPr>
-          <p:grpSpPr>
-            <a:xfrm>
-              <a:off x="16933947" y="8225772"/>
-              <a:ext cx="3552268" cy="2200894"/>
-              <a:chOff x="16758559" y="8273405"/>
-              <a:chExt cx="3552268" cy="2200894"/>
-            </a:xfrm>
-          </p:grpSpPr>
-          <p:pic>
-            <p:nvPicPr>
-              <p:cNvPr id="47" name="Imagen 46">
-                <a:extLst>
-                  <a:ext uri="{FF2B5EF4-FFF2-40B4-BE49-F238E27FC236}">
-                    <a16:creationId xmlns:a16="http://schemas.microsoft.com/office/drawing/2014/main" id="{5E5959F0-1732-C6CE-2AA4-4A5F1CD5A8EE}"/>
-                  </a:ext>
-                </a:extLst>
-              </p:cNvPr>
-              <p:cNvPicPr>
-                <a:picLocks noChangeAspect="1"/>
-              </p:cNvPicPr>
-              <p:nvPr/>
-            </p:nvPicPr>
-            <p:blipFill rotWithShape="1">
-              <a:blip r:embed="rId4">
-                <a:clrChange>
-                  <a:clrFrom>
-                    <a:srgbClr val="FFFFFF"/>
-                  </a:clrFrom>
-                  <a:clrTo>
-                    <a:srgbClr val="FFFFFF">
-                      <a:alpha val="0"/>
-                    </a:srgbClr>
-                  </a:clrTo>
-                </a:clrChange>
-                <a:duotone>
-                  <a:schemeClr val="accent3">
-                    <a:shade val="45000"/>
-                    <a:satMod val="135000"/>
-                  </a:schemeClr>
-                  <a:prstClr val="white"/>
-                </a:duotone>
-              </a:blip>
-              <a:srcRect l="1" t="50022" r="1556" b="27012"/>
-              <a:stretch/>
-            </p:blipFill>
-            <p:spPr>
-              <a:xfrm>
-                <a:off x="16910030" y="8273405"/>
-                <a:ext cx="3400797" cy="2200894"/>
-              </a:xfrm>
-              <a:prstGeom prst="rect">
-                <a:avLst/>
-              </a:prstGeom>
-            </p:spPr>
-          </p:pic>
-          <p:pic>
-            <p:nvPicPr>
-              <p:cNvPr id="90" name="Imagen 89">
-                <a:extLst>
-                  <a:ext uri="{FF2B5EF4-FFF2-40B4-BE49-F238E27FC236}">
-                    <a16:creationId xmlns:a16="http://schemas.microsoft.com/office/drawing/2014/main" id="{FF55AA16-CFA9-41BA-8C1B-150993C590A6}"/>
-                  </a:ext>
-                </a:extLst>
-              </p:cNvPr>
-              <p:cNvPicPr>
-                <a:picLocks noChangeAspect="1"/>
-              </p:cNvPicPr>
-              <p:nvPr/>
-            </p:nvPicPr>
-            <p:blipFill rotWithShape="1">
-              <a:blip r:embed="rId4">
-                <a:clrChange>
-                  <a:clrFrom>
-                    <a:srgbClr val="FFFFFF"/>
-                  </a:clrFrom>
-                  <a:clrTo>
-                    <a:srgbClr val="FFFFFF">
-                      <a:alpha val="0"/>
-                    </a:srgbClr>
-                  </a:clrTo>
-                </a:clrChange>
-                <a:duotone>
-                  <a:schemeClr val="accent3">
-                    <a:shade val="45000"/>
-                    <a:satMod val="135000"/>
-                  </a:schemeClr>
-                  <a:prstClr val="white"/>
-                </a:duotone>
-              </a:blip>
-              <a:srcRect l="15007" t="10823" r="78417" b="81878"/>
-              <a:stretch/>
-            </p:blipFill>
-            <p:spPr>
-              <a:xfrm>
-                <a:off x="16758559" y="9563771"/>
-                <a:ext cx="169055" cy="511923"/>
-              </a:xfrm>
-              <a:prstGeom prst="rect">
-                <a:avLst/>
-              </a:prstGeom>
-            </p:spPr>
-          </p:pic>
-        </p:grpSp>
-        <p:cxnSp>
-          <p:nvCxnSpPr>
-            <p:cNvPr id="57" name="Conector recto 56">
-              <a:extLst>
-                <a:ext uri="{FF2B5EF4-FFF2-40B4-BE49-F238E27FC236}">
-                  <a16:creationId xmlns:a16="http://schemas.microsoft.com/office/drawing/2014/main" id="{FD8B8B51-2D61-DFEB-BA54-02BFD079B533}"/>
-                </a:ext>
-              </a:extLst>
-            </p:cNvPr>
-            <p:cNvCxnSpPr>
-              <a:cxnSpLocks/>
-            </p:cNvCxnSpPr>
-            <p:nvPr/>
-          </p:nvCxnSpPr>
-          <p:spPr>
-            <a:xfrm>
-              <a:off x="15234421" y="7786353"/>
-              <a:ext cx="0" cy="357585"/>
-            </a:xfrm>
-            <a:prstGeom prst="line">
-              <a:avLst/>
-            </a:prstGeom>
-            <a:ln w="38100">
-              <a:solidFill>
-                <a:schemeClr val="accent2"/>
-              </a:solidFill>
-              <a:prstDash val="solid"/>
-              <a:headEnd type="none" w="med" len="med"/>
-              <a:tailEnd type="arrow" w="med" len="med"/>
-            </a:ln>
-          </p:spPr>
-          <p:style>
-            <a:lnRef idx="1">
-              <a:schemeClr val="accent1"/>
-            </a:lnRef>
-            <a:fillRef idx="0">
-              <a:schemeClr val="accent1"/>
-            </a:fillRef>
-            <a:effectRef idx="0">
-              <a:schemeClr val="accent1"/>
-            </a:effectRef>
-            <a:fontRef idx="minor">
-              <a:schemeClr val="tx1"/>
-            </a:fontRef>
-          </p:style>
-        </p:cxnSp>
-        <p:cxnSp>
-          <p:nvCxnSpPr>
-            <p:cNvPr id="52" name="Conector recto 51">
-              <a:extLst>
-                <a:ext uri="{FF2B5EF4-FFF2-40B4-BE49-F238E27FC236}">
-                  <a16:creationId xmlns:a16="http://schemas.microsoft.com/office/drawing/2014/main" id="{4CBFE342-6B59-D4E6-754B-1FFD1E2D9AC5}"/>
-                </a:ext>
-              </a:extLst>
-            </p:cNvPr>
-            <p:cNvCxnSpPr>
-              <a:cxnSpLocks/>
-            </p:cNvCxnSpPr>
-            <p:nvPr/>
-          </p:nvCxnSpPr>
-          <p:spPr>
-            <a:xfrm>
-              <a:off x="15234421" y="8248611"/>
-              <a:ext cx="0" cy="2200894"/>
-            </a:xfrm>
-            <a:prstGeom prst="line">
-              <a:avLst/>
-            </a:prstGeom>
-            <a:ln w="38100">
-              <a:solidFill>
-                <a:schemeClr val="accent2"/>
-              </a:solidFill>
-              <a:prstDash val="sysDash"/>
-            </a:ln>
-          </p:spPr>
-          <p:style>
-            <a:lnRef idx="1">
-              <a:schemeClr val="accent1"/>
-            </a:lnRef>
-            <a:fillRef idx="0">
-              <a:schemeClr val="accent1"/>
-            </a:fillRef>
-            <a:effectRef idx="0">
-              <a:schemeClr val="accent1"/>
-            </a:effectRef>
-            <a:fontRef idx="minor">
-              <a:schemeClr val="tx1"/>
-            </a:fontRef>
-          </p:style>
-        </p:cxnSp>
-        <p:sp>
-          <p:nvSpPr>
-            <p:cNvPr id="104" name="CuadroTexto 103">
-              <a:extLst>
-                <a:ext uri="{FF2B5EF4-FFF2-40B4-BE49-F238E27FC236}">
-                  <a16:creationId xmlns:a16="http://schemas.microsoft.com/office/drawing/2014/main" id="{31C8BCDC-7E82-4342-9912-CC27E0615D62}"/>
-                </a:ext>
-              </a:extLst>
-            </p:cNvPr>
-            <p:cNvSpPr txBox="1"/>
-            <p:nvPr/>
-          </p:nvSpPr>
-          <p:spPr>
-            <a:xfrm>
-              <a:off x="17372007" y="7783367"/>
-              <a:ext cx="3051289" cy="707886"/>
-            </a:xfrm>
-            <a:prstGeom prst="rect">
-              <a:avLst/>
-            </a:prstGeom>
-            <a:noFill/>
-          </p:spPr>
-          <p:txBody>
-            <a:bodyPr wrap="square" rtlCol="0">
-              <a:spAutoFit/>
-            </a:bodyPr>
-            <a:lstStyle/>
-            <a:p>
-              <a:pPr algn="ctr"/>
-              <a:r>
-                <a:rPr lang="es-ES" sz="2000" dirty="0"/>
-                <a:t>Reproducción asexual inducida</a:t>
-              </a:r>
-            </a:p>
-          </p:txBody>
-        </p:sp>
-        <p:sp>
-          <p:nvSpPr>
-            <p:cNvPr id="105" name="CuadroTexto 104">
-              <a:extLst>
-                <a:ext uri="{FF2B5EF4-FFF2-40B4-BE49-F238E27FC236}">
-                  <a16:creationId xmlns:a16="http://schemas.microsoft.com/office/drawing/2014/main" id="{A6D12ED8-803A-4804-842E-7F0E79262B61}"/>
-                </a:ext>
-              </a:extLst>
-            </p:cNvPr>
-            <p:cNvSpPr txBox="1"/>
-            <p:nvPr/>
-          </p:nvSpPr>
-          <p:spPr>
-            <a:xfrm>
-              <a:off x="14572827" y="13026151"/>
-              <a:ext cx="2642412" cy="400110"/>
-            </a:xfrm>
-            <a:prstGeom prst="rect">
-              <a:avLst/>
-            </a:prstGeom>
-            <a:noFill/>
-          </p:spPr>
-          <p:txBody>
-            <a:bodyPr wrap="square" rtlCol="0">
-              <a:spAutoFit/>
-            </a:bodyPr>
-            <a:lstStyle/>
-            <a:p>
-              <a:pPr algn="ctr"/>
-              <a:r>
-                <a:rPr lang="es-ES" sz="2000" dirty="0"/>
-                <a:t>Maduración sexual</a:t>
-              </a:r>
-            </a:p>
-          </p:txBody>
-        </p:sp>
-      </p:grpSp>
       <p:sp>
         <p:nvSpPr>
           <p:cNvPr id="108" name="CuadroTexto 107">
@@ -4805,8 +5420,8 @@
         </p:nvSpPr>
         <p:spPr>
           <a:xfrm>
-            <a:off x="14522793" y="5221172"/>
-            <a:ext cx="5597143" cy="461665"/>
+            <a:off x="1304031" y="10659455"/>
+            <a:ext cx="5597143" cy="584775"/>
           </a:xfrm>
           <a:prstGeom prst="rect">
             <a:avLst/>
@@ -4819,11 +5434,30 @@
           </a:bodyPr>
           <a:lstStyle/>
           <a:p>
-            <a:pPr algn="ctr"/>
-            <a:r>
-              <a:rPr lang="es-ES" sz="2400" b="1" dirty="0"/>
-              <a:t>Dos tratamientos de reproducción</a:t>
-            </a:r>
+            <a:r>
+              <a:rPr lang="es-ES" sz="2800" b="1" dirty="0">
+                <a:solidFill>
+                  <a:schemeClr val="accent2"/>
+                </a:solidFill>
+                <a:latin typeface="+mj-lt"/>
+              </a:rPr>
+              <a:t>OBJETIVO</a:t>
+            </a:r>
+            <a:r>
+              <a:rPr lang="es-ES" sz="3200" b="1" dirty="0">
+                <a:solidFill>
+                  <a:schemeClr val="accent2"/>
+                </a:solidFill>
+                <a:latin typeface="+mj-lt"/>
+              </a:rPr>
+              <a:t>:</a:t>
+            </a:r>
+            <a:endParaRPr lang="es-ES" sz="2400" b="1" dirty="0">
+              <a:solidFill>
+                <a:schemeClr val="accent2"/>
+              </a:solidFill>
+              <a:latin typeface="+mj-lt"/>
+            </a:endParaRPr>
           </a:p>
         </p:txBody>
       </p:sp>
@@ -4841,8 +5475,8 @@
         </p:nvSpPr>
         <p:spPr>
           <a:xfrm>
-            <a:off x="17699589" y="9135532"/>
-            <a:ext cx="2420348" cy="400110"/>
+            <a:off x="17855890" y="9752098"/>
+            <a:ext cx="2470473" cy="707886"/>
           </a:xfrm>
           <a:prstGeom prst="rect">
             <a:avLst/>
@@ -4862,58 +5496,11 @@
                   <a:schemeClr val="accent2"/>
                 </a:solidFill>
               </a:rPr>
-              <a:t>Se determinó:</a:t>
-            </a:r>
-          </a:p>
-        </p:txBody>
-      </p:sp>
-      <p:pic>
-        <p:nvPicPr>
-          <p:cNvPr id="1028" name="Picture 4">
-            <a:extLst>
-              <a:ext uri="{FF2B5EF4-FFF2-40B4-BE49-F238E27FC236}">
-                <a16:creationId xmlns:a16="http://schemas.microsoft.com/office/drawing/2014/main" id="{F4CC1C2B-D7AC-B7E0-3953-0DC2523702B9}"/>
-              </a:ext>
-            </a:extLst>
-          </p:cNvPr>
-          <p:cNvPicPr>
-            <a:picLocks noChangeAspect="1" noChangeArrowheads="1"/>
-          </p:cNvPicPr>
-          <p:nvPr/>
-        </p:nvPicPr>
-        <p:blipFill>
-          <a:blip r:embed="rId7">
-            <a:extLst>
-              <a:ext uri="{28A0092B-C50C-407E-A947-70E740481C1C}">
-                <a14:useLocalDpi xmlns:a14="http://schemas.microsoft.com/office/drawing/2010/main" val="0"/>
-              </a:ext>
-            </a:extLst>
-          </a:blip>
-          <a:srcRect/>
-          <a:stretch>
-            <a:fillRect/>
-          </a:stretch>
-        </p:blipFill>
-        <p:spPr bwMode="auto">
-          <a:xfrm>
-            <a:off x="672096" y="29003951"/>
-            <a:ext cx="3347200" cy="1115733"/>
-          </a:xfrm>
-          <a:prstGeom prst="rect">
-            <a:avLst/>
-          </a:prstGeom>
-          <a:noFill/>
-          <a:extLst>
-            <a:ext uri="{909E8E84-426E-40DD-AFC4-6F175D3DCCD1}">
-              <a14:hiddenFill xmlns:a14="http://schemas.microsoft.com/office/drawing/2010/main">
-                <a:solidFill>
-                  <a:srgbClr val="FFFFFF"/>
-                </a:solidFill>
-              </a14:hiddenFill>
-            </a:ext>
-          </a:extLst>
-        </p:spPr>
-      </p:pic>
+              <a:t>Se determinó en tentáculo:</a:t>
+            </a:r>
+          </a:p>
+        </p:txBody>
+      </p:sp>
       <p:sp>
         <p:nvSpPr>
           <p:cNvPr id="85" name="Rectángulo: esquinas redondeadas 84">
@@ -5007,8 +5594,8 @@
         </p:nvSpPr>
         <p:spPr>
           <a:xfrm>
-            <a:off x="452162" y="25413064"/>
-            <a:ext cx="18944071" cy="4024967"/>
+            <a:off x="498100" y="25413064"/>
+            <a:ext cx="20284866" cy="3592175"/>
           </a:xfrm>
           <a:prstGeom prst="roundRect">
             <a:avLst>
@@ -5060,7 +5647,7 @@
             </a:r>
             <a:r>
               <a:rPr lang="es-ES" sz="3200" dirty="0"/>
-              <a:t>presenta un sistema antioxidante muy eficiente en cuanto a actividad SOD y antioxidantes totales</a:t>
+              <a:t>presenta un sistema antioxidante muy eficiente en cuanto a actividad SOD y antioxidantes totales.</a:t>
             </a:r>
           </a:p>
           <a:p>
@@ -5077,7 +5664,7 @@
             </a:pPr>
             <a:r>
               <a:rPr lang="es-ES" sz="3200" dirty="0"/>
-              <a:t>La manipulación posiblemente desencadenó una respuesta de estrés agudo en los animales</a:t>
+              <a:t>Inducir la fisión longitudinal parece desencadenar una respuesta de estrés agudo en los animales.</a:t>
             </a:r>
           </a:p>
           <a:p>
@@ -5097,6 +5684,281 @@
               <a:t>Esta respuesta de estrés fue efectiva a la hora de contener el daño oxidativo a lípidos. Ambas estrategias son viables desde el punto de vista del bienestar.</a:t>
             </a:r>
           </a:p>
+        </p:txBody>
+      </p:sp>
+      <p:pic>
+        <p:nvPicPr>
+          <p:cNvPr id="15" name="Picture 4" descr="Anemonia viridis">
+            <a:extLst>
+              <a:ext uri="{FF2B5EF4-FFF2-40B4-BE49-F238E27FC236}">
+                <a16:creationId xmlns:a16="http://schemas.microsoft.com/office/drawing/2014/main" id="{95C7ACA0-6865-4BA9-253E-AD48D6BE7090}"/>
+              </a:ext>
+            </a:extLst>
+          </p:cNvPr>
+          <p:cNvPicPr>
+            <a:picLocks noChangeAspect="1" noChangeArrowheads="1"/>
+          </p:cNvPicPr>
+          <p:nvPr/>
+        </p:nvPicPr>
+        <p:blipFill>
+          <a:blip r:embed="rId7" cstate="print">
+            <a:extLst>
+              <a:ext uri="{28A0092B-C50C-407E-A947-70E740481C1C}">
+                <a14:useLocalDpi xmlns:a14="http://schemas.microsoft.com/office/drawing/2010/main" val="0"/>
+              </a:ext>
+            </a:extLst>
+          </a:blip>
+          <a:srcRect/>
+          <a:stretch>
+            <a:fillRect/>
+          </a:stretch>
+        </p:blipFill>
+        <p:spPr bwMode="auto">
+          <a:xfrm>
+            <a:off x="7855171" y="5690004"/>
+            <a:ext cx="4814417" cy="3925819"/>
+          </a:xfrm>
+          <a:prstGeom prst="rect">
+            <a:avLst/>
+          </a:prstGeom>
+          <a:noFill/>
+          <a:extLst>
+            <a:ext uri="{909E8E84-426E-40DD-AFC4-6F175D3DCCD1}">
+              <a14:hiddenFill xmlns:a14="http://schemas.microsoft.com/office/drawing/2010/main">
+                <a:solidFill>
+                  <a:srgbClr val="FFFFFF"/>
+                </a:solidFill>
+              </a14:hiddenFill>
+            </a:ext>
+          </a:extLst>
+        </p:spPr>
+      </p:pic>
+      <p:sp>
+        <p:nvSpPr>
+          <p:cNvPr id="48" name="CuadroTexto 47">
+            <a:extLst>
+              <a:ext uri="{FF2B5EF4-FFF2-40B4-BE49-F238E27FC236}">
+                <a16:creationId xmlns:a16="http://schemas.microsoft.com/office/drawing/2014/main" id="{9EBB9734-F686-41C0-968D-FC9C21D2C8F1}"/>
+              </a:ext>
+            </a:extLst>
+          </p:cNvPr>
+          <p:cNvSpPr txBox="1"/>
+          <p:nvPr/>
+        </p:nvSpPr>
+        <p:spPr>
+          <a:xfrm>
+            <a:off x="13551980" y="11911809"/>
+            <a:ext cx="4599407" cy="369332"/>
+          </a:xfrm>
+          <a:prstGeom prst="rect">
+            <a:avLst/>
+          </a:prstGeom>
+          <a:noFill/>
+        </p:spPr>
+        <p:txBody>
+          <a:bodyPr wrap="square" rtlCol="0">
+            <a:spAutoFit/>
+          </a:bodyPr>
+          <a:lstStyle/>
+          <a:p>
+            <a:pPr algn="ctr">
+              <a:buClr>
+                <a:schemeClr val="accent2"/>
+              </a:buClr>
+              <a:buSzPct val="120000"/>
+            </a:pPr>
+            <a:r>
+              <a:rPr lang="es-ES" dirty="0"/>
+              <a:t>(de ambos grupos)</a:t>
+            </a:r>
+          </a:p>
+        </p:txBody>
+      </p:sp>
+      <p:sp>
+        <p:nvSpPr>
+          <p:cNvPr id="53" name="CuadroTexto 52">
+            <a:extLst>
+              <a:ext uri="{FF2B5EF4-FFF2-40B4-BE49-F238E27FC236}">
+                <a16:creationId xmlns:a16="http://schemas.microsoft.com/office/drawing/2014/main" id="{E863C48A-E925-32CA-91B7-77E0F6D4C65E}"/>
+              </a:ext>
+            </a:extLst>
+          </p:cNvPr>
+          <p:cNvSpPr txBox="1"/>
+          <p:nvPr/>
+        </p:nvSpPr>
+        <p:spPr>
+          <a:xfrm>
+            <a:off x="14022330" y="12824875"/>
+            <a:ext cx="6512146" cy="400110"/>
+          </a:xfrm>
+          <a:prstGeom prst="rect">
+            <a:avLst/>
+          </a:prstGeom>
+          <a:noFill/>
+        </p:spPr>
+        <p:txBody>
+          <a:bodyPr wrap="square" rtlCol="0">
+            <a:spAutoFit/>
+          </a:bodyPr>
+          <a:lstStyle/>
+          <a:p>
+            <a:pPr>
+              <a:buClr>
+                <a:schemeClr val="accent2"/>
+              </a:buClr>
+              <a:buSzPct val="120000"/>
+            </a:pPr>
+            <a:r>
+              <a:rPr lang="es-ES" sz="2000" dirty="0"/>
+              <a:t>Análisis estadístico:   ANOVA de 2 vías, </a:t>
+            </a:r>
+            <a:r>
+              <a:rPr lang="el-GR" sz="2000" dirty="0">
+                <a:latin typeface="Calibri" panose="020F0502020204030204" pitchFamily="34" charset="0"/>
+                <a:ea typeface="Calibri" panose="020F0502020204030204" pitchFamily="34" charset="0"/>
+                <a:cs typeface="Calibri" panose="020F0502020204030204" pitchFamily="34" charset="0"/>
+              </a:rPr>
+              <a:t>α</a:t>
+            </a:r>
+            <a:r>
+              <a:rPr lang="es-ES" sz="2000" dirty="0"/>
+              <a:t> = 0.05, N = 36</a:t>
+            </a:r>
+          </a:p>
+        </p:txBody>
+      </p:sp>
+      <p:sp>
+        <p:nvSpPr>
+          <p:cNvPr id="1071" name="CuadroTexto 1070">
+            <a:extLst>
+              <a:ext uri="{FF2B5EF4-FFF2-40B4-BE49-F238E27FC236}">
+                <a16:creationId xmlns:a16="http://schemas.microsoft.com/office/drawing/2014/main" id="{C61D74F2-C534-07D4-9B76-19F74D9C033A}"/>
+              </a:ext>
+            </a:extLst>
+          </p:cNvPr>
+          <p:cNvSpPr txBox="1"/>
+          <p:nvPr/>
+        </p:nvSpPr>
+        <p:spPr>
+          <a:xfrm>
+            <a:off x="801544" y="14151954"/>
+            <a:ext cx="14090474" cy="2510195"/>
+          </a:xfrm>
+          <a:prstGeom prst="roundRect">
+            <a:avLst>
+              <a:gd name="adj" fmla="val 50000"/>
+            </a:avLst>
+          </a:prstGeom>
+          <a:noFill/>
+        </p:spPr>
+        <p:txBody>
+          <a:bodyPr wrap="square" rtlCol="0">
+            <a:spAutoFit/>
+          </a:bodyPr>
+          <a:lstStyle/>
+          <a:p>
+            <a:pPr marL="457200" indent="-457200" algn="just">
+              <a:buClr>
+                <a:schemeClr val="accent6"/>
+              </a:buClr>
+              <a:buFont typeface="Arial" panose="020B0604020202020204" pitchFamily="34" charset="0"/>
+              <a:buChar char="•"/>
+            </a:pPr>
+            <a:r>
+              <a:rPr lang="es-ES" sz="3000" b="1" dirty="0">
+                <a:solidFill>
+                  <a:schemeClr val="accent6"/>
+                </a:solidFill>
+              </a:rPr>
+              <a:t>SOD</a:t>
+            </a:r>
+            <a:r>
+              <a:rPr lang="es-ES" sz="3000" b="1" dirty="0">
+                <a:solidFill>
+                  <a:schemeClr val="accent3"/>
+                </a:solidFill>
+              </a:rPr>
+              <a:t> </a:t>
+            </a:r>
+            <a:r>
+              <a:rPr lang="es-ES" sz="3000" dirty="0"/>
+              <a:t>y</a:t>
+            </a:r>
+            <a:r>
+              <a:rPr lang="es-ES" sz="3000" b="1" dirty="0"/>
+              <a:t> </a:t>
+            </a:r>
+            <a:r>
+              <a:rPr lang="es-ES" sz="3000" b="1" dirty="0">
+                <a:solidFill>
+                  <a:schemeClr val="accent6"/>
+                </a:solidFill>
+              </a:rPr>
+              <a:t>TEAC</a:t>
+            </a:r>
+            <a:r>
+              <a:rPr lang="es-ES" sz="3000" b="1" dirty="0">
+                <a:solidFill>
+                  <a:schemeClr val="accent3"/>
+                </a:solidFill>
+              </a:rPr>
+              <a:t> </a:t>
+            </a:r>
+            <a:r>
+              <a:rPr lang="es-ES" sz="3000" dirty="0"/>
+              <a:t>no se ven alteradas ante los distintos modos de reproducción</a:t>
+            </a:r>
+          </a:p>
+          <a:p>
+            <a:pPr marL="457200" indent="-457200" algn="just">
+              <a:buClr>
+                <a:schemeClr val="accent6"/>
+              </a:buClr>
+              <a:buFont typeface="Arial" panose="020B0604020202020204" pitchFamily="34" charset="0"/>
+              <a:buChar char="•"/>
+            </a:pPr>
+            <a:r>
+              <a:rPr lang="es-ES" sz="3000" dirty="0"/>
+              <a:t>Actividad </a:t>
+            </a:r>
+            <a:r>
+              <a:rPr lang="es-ES" sz="3000" b="1" dirty="0">
+                <a:solidFill>
+                  <a:schemeClr val="accent6"/>
+                </a:solidFill>
+              </a:rPr>
+              <a:t>CAT</a:t>
+            </a:r>
+            <a:r>
+              <a:rPr lang="es-ES" sz="3000" dirty="0"/>
+              <a:t> se incrementa al estimular la división asexual</a:t>
+            </a:r>
+          </a:p>
+          <a:p>
+            <a:pPr marL="457200" indent="-457200" algn="just">
+              <a:buClr>
+                <a:schemeClr val="accent6"/>
+              </a:buClr>
+              <a:buFont typeface="Arial" panose="020B0604020202020204" pitchFamily="34" charset="0"/>
+              <a:buChar char="•"/>
+            </a:pPr>
+            <a:r>
+              <a:rPr lang="es-ES" sz="3000" dirty="0"/>
+              <a:t>Niveles de </a:t>
+            </a:r>
+            <a:r>
+              <a:rPr lang="es-ES" sz="3000" b="1" dirty="0">
+                <a:solidFill>
+                  <a:schemeClr val="accent6"/>
+                </a:solidFill>
+              </a:rPr>
+              <a:t>MDA</a:t>
+            </a:r>
+            <a:r>
+              <a:rPr lang="es-ES" sz="3000" dirty="0"/>
+              <a:t> son, en general, uniformes entre tratamientos</a:t>
+            </a:r>
+          </a:p>
           <a:p>
             <a:pPr marL="342900" indent="-342900" algn="just">
               <a:buFont typeface="Wingdings" panose="05000000000000000000" pitchFamily="2" charset="2"/>
@@ -5106,6 +5968,622 @@
           </a:p>
         </p:txBody>
       </p:sp>
+      <p:sp>
+        <p:nvSpPr>
+          <p:cNvPr id="1072" name="Rectángulo: esquinas redondeadas 1071">
+            <a:extLst>
+              <a:ext uri="{FF2B5EF4-FFF2-40B4-BE49-F238E27FC236}">
+                <a16:creationId xmlns:a16="http://schemas.microsoft.com/office/drawing/2014/main" id="{353D0E9F-07D6-663C-1F0F-F56D64AF601A}"/>
+              </a:ext>
+            </a:extLst>
+          </p:cNvPr>
+          <p:cNvSpPr/>
+          <p:nvPr/>
+        </p:nvSpPr>
+        <p:spPr>
+          <a:xfrm>
+            <a:off x="644527" y="25280321"/>
+            <a:ext cx="19949559" cy="511629"/>
+          </a:xfrm>
+          <a:prstGeom prst="roundRect">
+            <a:avLst/>
+          </a:prstGeom>
+          <a:ln/>
+        </p:spPr>
+        <p:style>
+          <a:lnRef idx="1">
+            <a:schemeClr val="accent3"/>
+          </a:lnRef>
+          <a:fillRef idx="3">
+            <a:schemeClr val="accent3"/>
+          </a:fillRef>
+          <a:effectRef idx="2">
+            <a:schemeClr val="accent3"/>
+          </a:effectRef>
+          <a:fontRef idx="minor">
+            <a:schemeClr val="lt1"/>
+          </a:fontRef>
+        </p:style>
+        <p:txBody>
+          <a:bodyPr rtlCol="0" anchor="ctr"/>
+          <a:lstStyle/>
+          <a:p>
+            <a:pPr algn="ctr"/>
+            <a:endParaRPr lang="es-ES"/>
+          </a:p>
+        </p:txBody>
+      </p:sp>
+      <p:sp>
+        <p:nvSpPr>
+          <p:cNvPr id="1073" name="CuadroTexto 1072">
+            <a:extLst>
+              <a:ext uri="{FF2B5EF4-FFF2-40B4-BE49-F238E27FC236}">
+                <a16:creationId xmlns:a16="http://schemas.microsoft.com/office/drawing/2014/main" id="{140A8778-70D8-0BDD-1C85-06B32285EA5C}"/>
+              </a:ext>
+            </a:extLst>
+          </p:cNvPr>
+          <p:cNvSpPr txBox="1"/>
+          <p:nvPr/>
+        </p:nvSpPr>
+        <p:spPr>
+          <a:xfrm>
+            <a:off x="646597" y="25306936"/>
+            <a:ext cx="16815132" cy="523220"/>
+          </a:xfrm>
+          <a:prstGeom prst="rect">
+            <a:avLst/>
+          </a:prstGeom>
+          <a:noFill/>
+        </p:spPr>
+        <p:txBody>
+          <a:bodyPr wrap="square" rtlCol="0">
+            <a:spAutoFit/>
+          </a:bodyPr>
+          <a:lstStyle/>
+          <a:p>
+            <a:r>
+              <a:rPr lang="es-ES" sz="2800" b="1" dirty="0">
+                <a:solidFill>
+                  <a:schemeClr val="bg1"/>
+                </a:solidFill>
+                <a:latin typeface="Cooper Hewitt Semibold" pitchFamily="2" charset="0"/>
+                <a:ea typeface="Cooper Hewitt Semibold" pitchFamily="2" charset="0"/>
+              </a:rPr>
+              <a:t>CONCLUSIONES</a:t>
+            </a:r>
+            <a:endParaRPr lang="x-none" sz="2800" b="1" dirty="0">
+              <a:solidFill>
+                <a:schemeClr val="bg1"/>
+              </a:solidFill>
+              <a:latin typeface="Cooper Hewitt Semibold" pitchFamily="2" charset="0"/>
+              <a:ea typeface="Cooper Hewitt Semibold" pitchFamily="2" charset="0"/>
+            </a:endParaRPr>
+          </a:p>
+        </p:txBody>
+      </p:sp>
+      <p:sp>
+        <p:nvSpPr>
+          <p:cNvPr id="1074" name="CuadroTexto 1073">
+            <a:extLst>
+              <a:ext uri="{FF2B5EF4-FFF2-40B4-BE49-F238E27FC236}">
+                <a16:creationId xmlns:a16="http://schemas.microsoft.com/office/drawing/2014/main" id="{7C7C9BFE-DC31-8DB0-1118-3D119FA96EA2}"/>
+              </a:ext>
+            </a:extLst>
+          </p:cNvPr>
+          <p:cNvSpPr txBox="1"/>
+          <p:nvPr/>
+        </p:nvSpPr>
+        <p:spPr>
+          <a:xfrm>
+            <a:off x="1091519" y="24558023"/>
+            <a:ext cx="19234844" cy="338554"/>
+          </a:xfrm>
+          <a:prstGeom prst="rect">
+            <a:avLst/>
+          </a:prstGeom>
+          <a:noFill/>
+        </p:spPr>
+        <p:txBody>
+          <a:bodyPr wrap="square" rtlCol="0">
+            <a:spAutoFit/>
+          </a:bodyPr>
+          <a:lstStyle/>
+          <a:p>
+            <a:r>
+              <a:rPr lang="es-ES" sz="1600" b="1" dirty="0">
+                <a:solidFill>
+                  <a:schemeClr val="tx2"/>
+                </a:solidFill>
+              </a:rPr>
+              <a:t>Media ± SEM			*: diferencias significativas asociadas a la reproducción asexual inducida por sección					a, b: diferencias significativas asociadas a la maduración sexual natural</a:t>
+            </a:r>
+          </a:p>
+        </p:txBody>
+      </p:sp>
+      <p:sp>
+        <p:nvSpPr>
+          <p:cNvPr id="1076" name="CuadroTexto 1075">
+            <a:extLst>
+              <a:ext uri="{FF2B5EF4-FFF2-40B4-BE49-F238E27FC236}">
+                <a16:creationId xmlns:a16="http://schemas.microsoft.com/office/drawing/2014/main" id="{688EA276-8C41-231C-7F99-78D1328EEFB2}"/>
+              </a:ext>
+            </a:extLst>
+          </p:cNvPr>
+          <p:cNvSpPr txBox="1"/>
+          <p:nvPr/>
+        </p:nvSpPr>
+        <p:spPr>
+          <a:xfrm>
+            <a:off x="2680692" y="21809325"/>
+            <a:ext cx="414752" cy="400110"/>
+          </a:xfrm>
+          <a:prstGeom prst="rect">
+            <a:avLst/>
+          </a:prstGeom>
+          <a:noFill/>
+        </p:spPr>
+        <p:txBody>
+          <a:bodyPr wrap="square" rtlCol="0">
+            <a:spAutoFit/>
+          </a:bodyPr>
+          <a:lstStyle/>
+          <a:p>
+            <a:r>
+              <a:rPr lang="es-ES" sz="2000" b="1" dirty="0">
+                <a:solidFill>
+                  <a:srgbClr val="C5A6F8"/>
+                </a:solidFill>
+              </a:rPr>
+              <a:t>a</a:t>
+            </a:r>
+          </a:p>
+        </p:txBody>
+      </p:sp>
+      <p:sp>
+        <p:nvSpPr>
+          <p:cNvPr id="1077" name="CuadroTexto 1076">
+            <a:extLst>
+              <a:ext uri="{FF2B5EF4-FFF2-40B4-BE49-F238E27FC236}">
+                <a16:creationId xmlns:a16="http://schemas.microsoft.com/office/drawing/2014/main" id="{50D9705B-35AB-033C-CD15-DF409CB7EF08}"/>
+              </a:ext>
+            </a:extLst>
+          </p:cNvPr>
+          <p:cNvSpPr txBox="1"/>
+          <p:nvPr/>
+        </p:nvSpPr>
+        <p:spPr>
+          <a:xfrm>
+            <a:off x="3895227" y="23352440"/>
+            <a:ext cx="414752" cy="400110"/>
+          </a:xfrm>
+          <a:prstGeom prst="rect">
+            <a:avLst/>
+          </a:prstGeom>
+          <a:noFill/>
+        </p:spPr>
+        <p:txBody>
+          <a:bodyPr wrap="square" rtlCol="0">
+            <a:spAutoFit/>
+          </a:bodyPr>
+          <a:lstStyle/>
+          <a:p>
+            <a:r>
+              <a:rPr lang="es-ES" sz="2000" b="1" dirty="0">
+                <a:solidFill>
+                  <a:srgbClr val="C5A6F8"/>
+                </a:solidFill>
+              </a:rPr>
+              <a:t>b</a:t>
+            </a:r>
+          </a:p>
+        </p:txBody>
+      </p:sp>
+      <p:sp>
+        <p:nvSpPr>
+          <p:cNvPr id="1078" name="CuadroTexto 1077">
+            <a:extLst>
+              <a:ext uri="{FF2B5EF4-FFF2-40B4-BE49-F238E27FC236}">
+                <a16:creationId xmlns:a16="http://schemas.microsoft.com/office/drawing/2014/main" id="{EEF7CAEB-436F-AC12-EADB-74CCA2518D75}"/>
+              </a:ext>
+            </a:extLst>
+          </p:cNvPr>
+          <p:cNvSpPr txBox="1"/>
+          <p:nvPr/>
+        </p:nvSpPr>
+        <p:spPr>
+          <a:xfrm>
+            <a:off x="3794339" y="22013791"/>
+            <a:ext cx="414752" cy="400110"/>
+          </a:xfrm>
+          <a:prstGeom prst="rect">
+            <a:avLst/>
+          </a:prstGeom>
+          <a:noFill/>
+        </p:spPr>
+        <p:txBody>
+          <a:bodyPr wrap="square" rtlCol="0">
+            <a:spAutoFit/>
+          </a:bodyPr>
+          <a:lstStyle/>
+          <a:p>
+            <a:r>
+              <a:rPr lang="es-ES" sz="2000" b="1" dirty="0">
+                <a:solidFill>
+                  <a:srgbClr val="F553B3"/>
+                </a:solidFill>
+              </a:rPr>
+              <a:t>a</a:t>
+            </a:r>
+          </a:p>
+        </p:txBody>
+      </p:sp>
+      <p:sp>
+        <p:nvSpPr>
+          <p:cNvPr id="1079" name="CuadroTexto 1078">
+            <a:extLst>
+              <a:ext uri="{FF2B5EF4-FFF2-40B4-BE49-F238E27FC236}">
+                <a16:creationId xmlns:a16="http://schemas.microsoft.com/office/drawing/2014/main" id="{391D3B6E-DDAC-7836-334E-2E0F7BD57696}"/>
+              </a:ext>
+            </a:extLst>
+          </p:cNvPr>
+          <p:cNvSpPr txBox="1"/>
+          <p:nvPr/>
+        </p:nvSpPr>
+        <p:spPr>
+          <a:xfrm>
+            <a:off x="2539237" y="23152385"/>
+            <a:ext cx="414752" cy="400110"/>
+          </a:xfrm>
+          <a:prstGeom prst="rect">
+            <a:avLst/>
+          </a:prstGeom>
+          <a:noFill/>
+        </p:spPr>
+        <p:txBody>
+          <a:bodyPr wrap="square" rtlCol="0">
+            <a:spAutoFit/>
+          </a:bodyPr>
+          <a:lstStyle/>
+          <a:p>
+            <a:r>
+              <a:rPr lang="es-ES" sz="2000" b="1" dirty="0">
+                <a:solidFill>
+                  <a:srgbClr val="F553B3"/>
+                </a:solidFill>
+              </a:rPr>
+              <a:t>b</a:t>
+            </a:r>
+          </a:p>
+        </p:txBody>
+      </p:sp>
+      <p:sp>
+        <p:nvSpPr>
+          <p:cNvPr id="1080" name="CuadroTexto 1079">
+            <a:extLst>
+              <a:ext uri="{FF2B5EF4-FFF2-40B4-BE49-F238E27FC236}">
+                <a16:creationId xmlns:a16="http://schemas.microsoft.com/office/drawing/2014/main" id="{F5B74FA0-9DA0-1C41-0067-8C0F8F9C3064}"/>
+              </a:ext>
+            </a:extLst>
+          </p:cNvPr>
+          <p:cNvSpPr txBox="1"/>
+          <p:nvPr/>
+        </p:nvSpPr>
+        <p:spPr>
+          <a:xfrm>
+            <a:off x="5607136" y="22013103"/>
+            <a:ext cx="414752" cy="400110"/>
+          </a:xfrm>
+          <a:prstGeom prst="rect">
+            <a:avLst/>
+          </a:prstGeom>
+          <a:noFill/>
+        </p:spPr>
+        <p:txBody>
+          <a:bodyPr wrap="square" rtlCol="0">
+            <a:spAutoFit/>
+          </a:bodyPr>
+          <a:lstStyle/>
+          <a:p>
+            <a:r>
+              <a:rPr lang="es-ES" sz="2000" b="1" dirty="0">
+                <a:solidFill>
+                  <a:srgbClr val="C5A6F8"/>
+                </a:solidFill>
+              </a:rPr>
+              <a:t>a</a:t>
+            </a:r>
+          </a:p>
+        </p:txBody>
+      </p:sp>
+      <p:sp>
+        <p:nvSpPr>
+          <p:cNvPr id="1081" name="CuadroTexto 1080">
+            <a:extLst>
+              <a:ext uri="{FF2B5EF4-FFF2-40B4-BE49-F238E27FC236}">
+                <a16:creationId xmlns:a16="http://schemas.microsoft.com/office/drawing/2014/main" id="{F8A90280-29F3-1C4C-3D20-306A1861C3B8}"/>
+              </a:ext>
+            </a:extLst>
+          </p:cNvPr>
+          <p:cNvSpPr txBox="1"/>
+          <p:nvPr/>
+        </p:nvSpPr>
+        <p:spPr>
+          <a:xfrm>
+            <a:off x="6917808" y="23399049"/>
+            <a:ext cx="414752" cy="400110"/>
+          </a:xfrm>
+          <a:prstGeom prst="rect">
+            <a:avLst/>
+          </a:prstGeom>
+          <a:noFill/>
+        </p:spPr>
+        <p:txBody>
+          <a:bodyPr wrap="square" rtlCol="0">
+            <a:spAutoFit/>
+          </a:bodyPr>
+          <a:lstStyle/>
+          <a:p>
+            <a:r>
+              <a:rPr lang="es-ES" sz="2000" b="1" dirty="0">
+                <a:solidFill>
+                  <a:srgbClr val="C5A6F8"/>
+                </a:solidFill>
+              </a:rPr>
+              <a:t>b</a:t>
+            </a:r>
+          </a:p>
+        </p:txBody>
+      </p:sp>
+      <p:sp>
+        <p:nvSpPr>
+          <p:cNvPr id="1082" name="CuadroTexto 1081">
+            <a:extLst>
+              <a:ext uri="{FF2B5EF4-FFF2-40B4-BE49-F238E27FC236}">
+                <a16:creationId xmlns:a16="http://schemas.microsoft.com/office/drawing/2014/main" id="{DD59744A-DE4E-CCF1-3A6C-3D95393551EE}"/>
+              </a:ext>
+            </a:extLst>
+          </p:cNvPr>
+          <p:cNvSpPr txBox="1"/>
+          <p:nvPr/>
+        </p:nvSpPr>
+        <p:spPr>
+          <a:xfrm>
+            <a:off x="6732026" y="22187968"/>
+            <a:ext cx="414752" cy="400110"/>
+          </a:xfrm>
+          <a:prstGeom prst="rect">
+            <a:avLst/>
+          </a:prstGeom>
+          <a:noFill/>
+        </p:spPr>
+        <p:txBody>
+          <a:bodyPr wrap="square" rtlCol="0">
+            <a:spAutoFit/>
+          </a:bodyPr>
+          <a:lstStyle/>
+          <a:p>
+            <a:r>
+              <a:rPr lang="es-ES" sz="2000" b="1" dirty="0">
+                <a:solidFill>
+                  <a:srgbClr val="F553B3"/>
+                </a:solidFill>
+              </a:rPr>
+              <a:t>a</a:t>
+            </a:r>
+          </a:p>
+        </p:txBody>
+      </p:sp>
+      <p:sp>
+        <p:nvSpPr>
+          <p:cNvPr id="1083" name="CuadroTexto 1082">
+            <a:extLst>
+              <a:ext uri="{FF2B5EF4-FFF2-40B4-BE49-F238E27FC236}">
+                <a16:creationId xmlns:a16="http://schemas.microsoft.com/office/drawing/2014/main" id="{DDB2F04D-5C9C-111D-7784-05CF363782AC}"/>
+              </a:ext>
+            </a:extLst>
+          </p:cNvPr>
+          <p:cNvSpPr txBox="1"/>
+          <p:nvPr/>
+        </p:nvSpPr>
+        <p:spPr>
+          <a:xfrm>
+            <a:off x="5425770" y="22821840"/>
+            <a:ext cx="414752" cy="400110"/>
+          </a:xfrm>
+          <a:prstGeom prst="rect">
+            <a:avLst/>
+          </a:prstGeom>
+          <a:noFill/>
+        </p:spPr>
+        <p:txBody>
+          <a:bodyPr wrap="square" rtlCol="0">
+            <a:spAutoFit/>
+          </a:bodyPr>
+          <a:lstStyle/>
+          <a:p>
+            <a:r>
+              <a:rPr lang="es-ES" sz="2000" b="1" dirty="0">
+                <a:solidFill>
+                  <a:srgbClr val="F553B3"/>
+                </a:solidFill>
+              </a:rPr>
+              <a:t>b</a:t>
+            </a:r>
+          </a:p>
+        </p:txBody>
+      </p:sp>
+      <p:cxnSp>
+        <p:nvCxnSpPr>
+          <p:cNvPr id="19" name="Conector recto 18">
+            <a:extLst>
+              <a:ext uri="{FF2B5EF4-FFF2-40B4-BE49-F238E27FC236}">
+                <a16:creationId xmlns:a16="http://schemas.microsoft.com/office/drawing/2014/main" id="{24CA853F-DA46-250B-0772-D708D3FE4A11}"/>
+              </a:ext>
+            </a:extLst>
+          </p:cNvPr>
+          <p:cNvCxnSpPr>
+            <a:cxnSpLocks/>
+          </p:cNvCxnSpPr>
+          <p:nvPr/>
+        </p:nvCxnSpPr>
+        <p:spPr>
+          <a:xfrm>
+            <a:off x="15684341" y="15163006"/>
+            <a:ext cx="612098" cy="0"/>
+          </a:xfrm>
+          <a:prstGeom prst="line">
+            <a:avLst/>
+          </a:prstGeom>
+          <a:ln w="76200">
+            <a:solidFill>
+              <a:schemeClr val="accent2"/>
+            </a:solidFill>
+          </a:ln>
+        </p:spPr>
+        <p:style>
+          <a:lnRef idx="1">
+            <a:schemeClr val="accent1"/>
+          </a:lnRef>
+          <a:fillRef idx="0">
+            <a:schemeClr val="accent1"/>
+          </a:fillRef>
+          <a:effectRef idx="0">
+            <a:schemeClr val="accent1"/>
+          </a:effectRef>
+          <a:fontRef idx="minor">
+            <a:schemeClr val="tx1"/>
+          </a:fontRef>
+        </p:style>
+      </p:cxnSp>
+      <p:cxnSp>
+        <p:nvCxnSpPr>
+          <p:cNvPr id="21" name="Conector recto 20">
+            <a:extLst>
+              <a:ext uri="{FF2B5EF4-FFF2-40B4-BE49-F238E27FC236}">
+                <a16:creationId xmlns:a16="http://schemas.microsoft.com/office/drawing/2014/main" id="{2B1A8265-CF4B-ED2F-8B8B-3D59BDCCBF23}"/>
+              </a:ext>
+            </a:extLst>
+          </p:cNvPr>
+          <p:cNvCxnSpPr>
+            <a:cxnSpLocks/>
+          </p:cNvCxnSpPr>
+          <p:nvPr/>
+        </p:nvCxnSpPr>
+        <p:spPr>
+          <a:xfrm>
+            <a:off x="16276588" y="15162211"/>
+            <a:ext cx="612098" cy="0"/>
+          </a:xfrm>
+          <a:prstGeom prst="line">
+            <a:avLst/>
+          </a:prstGeom>
+          <a:ln w="76200">
+            <a:solidFill>
+              <a:schemeClr val="accent3"/>
+            </a:solidFill>
+          </a:ln>
+        </p:spPr>
+        <p:style>
+          <a:lnRef idx="1">
+            <a:schemeClr val="accent1"/>
+          </a:lnRef>
+          <a:fillRef idx="0">
+            <a:schemeClr val="accent1"/>
+          </a:fillRef>
+          <a:effectRef idx="0">
+            <a:schemeClr val="accent1"/>
+          </a:effectRef>
+          <a:fontRef idx="minor">
+            <a:schemeClr val="tx1"/>
+          </a:fontRef>
+        </p:style>
+      </p:cxnSp>
+      <p:cxnSp>
+        <p:nvCxnSpPr>
+          <p:cNvPr id="22" name="Conector recto 21">
+            <a:extLst>
+              <a:ext uri="{FF2B5EF4-FFF2-40B4-BE49-F238E27FC236}">
+                <a16:creationId xmlns:a16="http://schemas.microsoft.com/office/drawing/2014/main" id="{A6749067-24F7-84E5-A733-9EF301F8C30D}"/>
+              </a:ext>
+            </a:extLst>
+          </p:cNvPr>
+          <p:cNvCxnSpPr>
+            <a:cxnSpLocks/>
+          </p:cNvCxnSpPr>
+          <p:nvPr/>
+        </p:nvCxnSpPr>
+        <p:spPr>
+          <a:xfrm>
+            <a:off x="17030555" y="15162564"/>
+            <a:ext cx="612098" cy="0"/>
+          </a:xfrm>
+          <a:prstGeom prst="line">
+            <a:avLst/>
+          </a:prstGeom>
+          <a:ln w="76200">
+            <a:solidFill>
+              <a:schemeClr val="accent3"/>
+            </a:solidFill>
+          </a:ln>
+        </p:spPr>
+        <p:style>
+          <a:lnRef idx="1">
+            <a:schemeClr val="accent1"/>
+          </a:lnRef>
+          <a:fillRef idx="0">
+            <a:schemeClr val="accent1"/>
+          </a:fillRef>
+          <a:effectRef idx="0">
+            <a:schemeClr val="accent1"/>
+          </a:effectRef>
+          <a:fontRef idx="minor">
+            <a:schemeClr val="tx1"/>
+          </a:fontRef>
+        </p:style>
+      </p:cxnSp>
+      <p:cxnSp>
+        <p:nvCxnSpPr>
+          <p:cNvPr id="23" name="Conector recto 22">
+            <a:extLst>
+              <a:ext uri="{FF2B5EF4-FFF2-40B4-BE49-F238E27FC236}">
+                <a16:creationId xmlns:a16="http://schemas.microsoft.com/office/drawing/2014/main" id="{6C1825C7-9CD8-6EFF-B334-FBBDDA1FDD7F}"/>
+              </a:ext>
+            </a:extLst>
+          </p:cNvPr>
+          <p:cNvCxnSpPr>
+            <a:cxnSpLocks/>
+          </p:cNvCxnSpPr>
+          <p:nvPr/>
+        </p:nvCxnSpPr>
+        <p:spPr>
+          <a:xfrm>
+            <a:off x="17625825" y="15162564"/>
+            <a:ext cx="612098" cy="0"/>
+          </a:xfrm>
+          <a:prstGeom prst="line">
+            <a:avLst/>
+          </a:prstGeom>
+          <a:ln w="76200">
+            <a:solidFill>
+              <a:schemeClr val="accent5"/>
+            </a:solidFill>
+          </a:ln>
+        </p:spPr>
+        <p:style>
+          <a:lnRef idx="1">
+            <a:schemeClr val="accent1"/>
+          </a:lnRef>
+          <a:fillRef idx="0">
+            <a:schemeClr val="accent1"/>
+          </a:fillRef>
+          <a:effectRef idx="0">
+            <a:schemeClr val="accent1"/>
+          </a:effectRef>
+          <a:fontRef idx="minor">
+            <a:schemeClr val="tx1"/>
+          </a:fontRef>
+        </p:style>
+      </p:cxnSp>
       <p:grpSp>
         <p:nvGrpSpPr>
           <p:cNvPr id="112" name="Grupo 111">
@@ -5121,9 +6599,9 @@
         <p:grpSpPr>
           <a:xfrm>
             <a:off x="14936916" y="14477414"/>
-            <a:ext cx="5274832" cy="1398241"/>
+            <a:ext cx="5614145" cy="1459796"/>
             <a:chOff x="716382" y="15266714"/>
-            <a:chExt cx="5274832" cy="1398241"/>
+            <a:chExt cx="5614145" cy="1459796"/>
           </a:xfrm>
         </p:grpSpPr>
         <p:sp>
@@ -5582,8 +7060,8 @@
           </p:nvSpPr>
           <p:spPr>
             <a:xfrm>
-              <a:off x="4531842" y="15749075"/>
-              <a:ext cx="1359530" cy="400110"/>
+              <a:off x="4685132" y="15755393"/>
+              <a:ext cx="1359530" cy="461665"/>
             </a:xfrm>
             <a:prstGeom prst="rect">
               <a:avLst/>
@@ -5598,13 +7076,18 @@
             <a:p>
               <a:pPr algn="ctr"/>
               <a:r>
-                <a:rPr lang="es-ES" sz="2000" b="1" u="sng" dirty="0">
+                <a:rPr lang="es-ES" sz="2400" b="1" dirty="0">
                   <a:solidFill>
                     <a:schemeClr val="tx2"/>
                   </a:solidFill>
                 </a:rPr>
                 <a:t>Control</a:t>
               </a:r>
+              <a:endParaRPr lang="es-ES" sz="2000" b="1" dirty="0">
+                <a:solidFill>
+                  <a:schemeClr val="tx2"/>
+                </a:solidFill>
+              </a:endParaRPr>
             </a:p>
           </p:txBody>
         </p:sp>
@@ -5622,8 +7105,8 @@
           </p:nvSpPr>
           <p:spPr>
             <a:xfrm>
-              <a:off x="4432001" y="16264845"/>
-              <a:ext cx="1559213" cy="400110"/>
+              <a:off x="4432000" y="16264845"/>
+              <a:ext cx="1898527" cy="461665"/>
             </a:xfrm>
             <a:prstGeom prst="rect">
               <a:avLst/>
@@ -5638,23 +7121,244 @@
             <a:p>
               <a:pPr algn="ctr"/>
               <a:r>
-                <a:rPr lang="es-ES" sz="2000" b="1" u="dashLongHeavy" dirty="0">
+                <a:rPr lang="es-ES" sz="2400" b="1" dirty="0">
                   <a:solidFill>
                     <a:schemeClr val="tx2"/>
                   </a:solidFill>
                 </a:rPr>
                 <a:t>Seccionado</a:t>
               </a:r>
+              <a:endParaRPr lang="es-ES" sz="2000" b="1" dirty="0">
+                <a:solidFill>
+                  <a:schemeClr val="tx2"/>
+                </a:solidFill>
+              </a:endParaRPr>
             </a:p>
           </p:txBody>
         </p:sp>
       </p:grpSp>
+      <p:cxnSp>
+        <p:nvCxnSpPr>
+          <p:cNvPr id="24" name="Conector recto 23">
+            <a:extLst>
+              <a:ext uri="{FF2B5EF4-FFF2-40B4-BE49-F238E27FC236}">
+                <a16:creationId xmlns:a16="http://schemas.microsoft.com/office/drawing/2014/main" id="{9778619E-3E61-E46C-DAE9-865CE53A3C48}"/>
+              </a:ext>
+            </a:extLst>
+          </p:cNvPr>
+          <p:cNvCxnSpPr>
+            <a:cxnSpLocks/>
+          </p:cNvCxnSpPr>
+          <p:nvPr/>
+        </p:nvCxnSpPr>
+        <p:spPr>
+          <a:xfrm>
+            <a:off x="15682753" y="15694924"/>
+            <a:ext cx="612098" cy="0"/>
+          </a:xfrm>
+          <a:prstGeom prst="line">
+            <a:avLst/>
+          </a:prstGeom>
+          <a:ln w="76200">
+            <a:solidFill>
+              <a:schemeClr val="accent2"/>
+            </a:solidFill>
+            <a:prstDash val="sysDash"/>
+          </a:ln>
+        </p:spPr>
+        <p:style>
+          <a:lnRef idx="1">
+            <a:schemeClr val="accent1"/>
+          </a:lnRef>
+          <a:fillRef idx="0">
+            <a:schemeClr val="accent1"/>
+          </a:fillRef>
+          <a:effectRef idx="0">
+            <a:schemeClr val="accent1"/>
+          </a:effectRef>
+          <a:fontRef idx="minor">
+            <a:schemeClr val="tx1"/>
+          </a:fontRef>
+        </p:style>
+      </p:cxnSp>
+      <p:cxnSp>
+        <p:nvCxnSpPr>
+          <p:cNvPr id="25" name="Conector recto 24">
+            <a:extLst>
+              <a:ext uri="{FF2B5EF4-FFF2-40B4-BE49-F238E27FC236}">
+                <a16:creationId xmlns:a16="http://schemas.microsoft.com/office/drawing/2014/main" id="{DA21187E-587C-C8D4-4EE3-A16BB1B89139}"/>
+              </a:ext>
+            </a:extLst>
+          </p:cNvPr>
+          <p:cNvCxnSpPr>
+            <a:cxnSpLocks/>
+          </p:cNvCxnSpPr>
+          <p:nvPr/>
+        </p:nvCxnSpPr>
+        <p:spPr>
+          <a:xfrm>
+            <a:off x="16275000" y="15697516"/>
+            <a:ext cx="612098" cy="0"/>
+          </a:xfrm>
+          <a:prstGeom prst="line">
+            <a:avLst/>
+          </a:prstGeom>
+          <a:ln w="76200">
+            <a:solidFill>
+              <a:schemeClr val="accent3"/>
+            </a:solidFill>
+            <a:prstDash val="sysDash"/>
+          </a:ln>
+        </p:spPr>
+        <p:style>
+          <a:lnRef idx="1">
+            <a:schemeClr val="accent1"/>
+          </a:lnRef>
+          <a:fillRef idx="0">
+            <a:schemeClr val="accent1"/>
+          </a:fillRef>
+          <a:effectRef idx="0">
+            <a:schemeClr val="accent1"/>
+          </a:effectRef>
+          <a:fontRef idx="minor">
+            <a:schemeClr val="tx1"/>
+          </a:fontRef>
+        </p:style>
+      </p:cxnSp>
+      <p:cxnSp>
+        <p:nvCxnSpPr>
+          <p:cNvPr id="26" name="Conector recto 25">
+            <a:extLst>
+              <a:ext uri="{FF2B5EF4-FFF2-40B4-BE49-F238E27FC236}">
+                <a16:creationId xmlns:a16="http://schemas.microsoft.com/office/drawing/2014/main" id="{C883525D-265D-5C4B-EB12-9FD2CA3F9B4D}"/>
+              </a:ext>
+            </a:extLst>
+          </p:cNvPr>
+          <p:cNvCxnSpPr>
+            <a:cxnSpLocks/>
+          </p:cNvCxnSpPr>
+          <p:nvPr/>
+        </p:nvCxnSpPr>
+        <p:spPr>
+          <a:xfrm>
+            <a:off x="17013727" y="15697869"/>
+            <a:ext cx="612098" cy="0"/>
+          </a:xfrm>
+          <a:prstGeom prst="line">
+            <a:avLst/>
+          </a:prstGeom>
+          <a:ln w="76200">
+            <a:solidFill>
+              <a:schemeClr val="accent3"/>
+            </a:solidFill>
+            <a:prstDash val="sysDash"/>
+          </a:ln>
+        </p:spPr>
+        <p:style>
+          <a:lnRef idx="1">
+            <a:schemeClr val="accent1"/>
+          </a:lnRef>
+          <a:fillRef idx="0">
+            <a:schemeClr val="accent1"/>
+          </a:fillRef>
+          <a:effectRef idx="0">
+            <a:schemeClr val="accent1"/>
+          </a:effectRef>
+          <a:fontRef idx="minor">
+            <a:schemeClr val="tx1"/>
+          </a:fontRef>
+        </p:style>
+      </p:cxnSp>
+      <p:cxnSp>
+        <p:nvCxnSpPr>
+          <p:cNvPr id="27" name="Conector recto 26">
+            <a:extLst>
+              <a:ext uri="{FF2B5EF4-FFF2-40B4-BE49-F238E27FC236}">
+                <a16:creationId xmlns:a16="http://schemas.microsoft.com/office/drawing/2014/main" id="{DE75B16C-CBE4-5672-20AE-7AE616CF761E}"/>
+              </a:ext>
+            </a:extLst>
+          </p:cNvPr>
+          <p:cNvCxnSpPr>
+            <a:cxnSpLocks/>
+          </p:cNvCxnSpPr>
+          <p:nvPr/>
+        </p:nvCxnSpPr>
+        <p:spPr>
+          <a:xfrm>
+            <a:off x="17624237" y="15697869"/>
+            <a:ext cx="612098" cy="0"/>
+          </a:xfrm>
+          <a:prstGeom prst="line">
+            <a:avLst/>
+          </a:prstGeom>
+          <a:ln w="76200">
+            <a:solidFill>
+              <a:schemeClr val="accent5"/>
+            </a:solidFill>
+            <a:prstDash val="sysDash"/>
+          </a:ln>
+        </p:spPr>
+        <p:style>
+          <a:lnRef idx="1">
+            <a:schemeClr val="accent1"/>
+          </a:lnRef>
+          <a:fillRef idx="0">
+            <a:schemeClr val="accent1"/>
+          </a:fillRef>
+          <a:effectRef idx="0">
+            <a:schemeClr val="accent1"/>
+          </a:effectRef>
+          <a:fontRef idx="minor">
+            <a:schemeClr val="tx1"/>
+          </a:fontRef>
+        </p:style>
+      </p:cxnSp>
+      <p:sp>
+        <p:nvSpPr>
+          <p:cNvPr id="28" name="CuadroTexto 27">
+            <a:extLst>
+              <a:ext uri="{FF2B5EF4-FFF2-40B4-BE49-F238E27FC236}">
+                <a16:creationId xmlns:a16="http://schemas.microsoft.com/office/drawing/2014/main" id="{52AD6FAE-6720-7F60-FD73-E0EDFFDF4751}"/>
+              </a:ext>
+            </a:extLst>
+          </p:cNvPr>
+          <p:cNvSpPr txBox="1"/>
+          <p:nvPr/>
+        </p:nvSpPr>
+        <p:spPr>
+          <a:xfrm>
+            <a:off x="3845515" y="20854662"/>
+            <a:ext cx="1995007" cy="307777"/>
+          </a:xfrm>
+          <a:prstGeom prst="rect">
+            <a:avLst/>
+          </a:prstGeom>
+          <a:noFill/>
+        </p:spPr>
+        <p:txBody>
+          <a:bodyPr wrap="square" rtlCol="0">
+            <a:spAutoFit/>
+          </a:bodyPr>
+          <a:lstStyle/>
+          <a:p>
+            <a:pPr algn="ctr"/>
+            <a:r>
+              <a:rPr lang="es-ES" sz="1400" b="1" dirty="0">
+                <a:solidFill>
+                  <a:schemeClr val="tx2"/>
+                </a:solidFill>
+              </a:rPr>
+              <a:t>Interacción: p&lt; 0.05</a:t>
+            </a:r>
+          </a:p>
+        </p:txBody>
+      </p:sp>
       <p:grpSp>
         <p:nvGrpSpPr>
-          <p:cNvPr id="1056" name="Grupo 1055">
+          <p:cNvPr id="1033" name="Grupo 1032">
             <a:extLst>
               <a:ext uri="{FF2B5EF4-FFF2-40B4-BE49-F238E27FC236}">
-                <a16:creationId xmlns:a16="http://schemas.microsoft.com/office/drawing/2014/main" id="{6BC2330B-B0A7-AE11-64FE-7804992717BA}"/>
+                <a16:creationId xmlns:a16="http://schemas.microsoft.com/office/drawing/2014/main" id="{2E8C60B7-C577-8101-8D7E-6EB343059463}"/>
               </a:ext>
             </a:extLst>
           </p:cNvPr>
@@ -5663,55 +7367,18 @@
         </p:nvGrpSpPr>
         <p:grpSpPr>
           <a:xfrm>
-            <a:off x="1150449" y="16504722"/>
-            <a:ext cx="8572789" cy="3685098"/>
-            <a:chOff x="1750127" y="16583317"/>
-            <a:chExt cx="8572789" cy="3685098"/>
+            <a:off x="11908968" y="23991177"/>
+            <a:ext cx="8139686" cy="490317"/>
+            <a:chOff x="2549109" y="19787806"/>
+            <a:chExt cx="7367103" cy="443778"/>
           </a:xfrm>
         </p:grpSpPr>
-        <p:pic>
-          <p:nvPicPr>
-            <p:cNvPr id="58" name="Imagen 57">
+        <p:grpSp>
+          <p:nvGrpSpPr>
+            <p:cNvPr id="1034" name="Grupo 1033">
               <a:extLst>
                 <a:ext uri="{FF2B5EF4-FFF2-40B4-BE49-F238E27FC236}">
-                  <a16:creationId xmlns:a16="http://schemas.microsoft.com/office/drawing/2014/main" id="{C997C87E-BC84-F3DC-A85A-D21FFD3449EE}"/>
-                </a:ext>
-              </a:extLst>
-            </p:cNvPr>
-            <p:cNvPicPr>
-              <a:picLocks noChangeAspect="1"/>
-            </p:cNvPicPr>
-            <p:nvPr/>
-          </p:nvPicPr>
-          <p:blipFill rotWithShape="1">
-            <a:blip r:embed="rId8">
-              <a:extLst>
-                <a:ext uri="{28A0092B-C50C-407E-A947-70E740481C1C}">
-                  <a14:useLocalDpi xmlns:a14="http://schemas.microsoft.com/office/drawing/2010/main" val="0"/>
-                </a:ext>
-              </a:extLst>
-            </a:blip>
-            <a:srcRect b="19401"/>
-            <a:stretch/>
-          </p:blipFill>
-          <p:spPr>
-            <a:xfrm>
-              <a:off x="1750127" y="16583317"/>
-              <a:ext cx="8572789" cy="3685098"/>
-            </a:xfrm>
-            <a:prstGeom prst="roundRect">
-              <a:avLst>
-                <a:gd name="adj" fmla="val 10332"/>
-              </a:avLst>
-            </a:prstGeom>
-          </p:spPr>
-        </p:pic>
-        <p:grpSp>
-          <p:nvGrpSpPr>
-            <p:cNvPr id="123" name="Grupo 122">
-              <a:extLst>
-                <a:ext uri="{FF2B5EF4-FFF2-40B4-BE49-F238E27FC236}">
-                  <a16:creationId xmlns:a16="http://schemas.microsoft.com/office/drawing/2014/main" id="{6DE16A5D-0779-9094-E2DF-5F6E0FE5815B}"/>
+                  <a16:creationId xmlns:a16="http://schemas.microsoft.com/office/drawing/2014/main" id="{6D04F669-E64E-8320-C507-6D89897AD382}"/>
                 </a:ext>
               </a:extLst>
             </p:cNvPr>
@@ -5721,413 +7388,92 @@
           <p:grpSpPr>
             <a:xfrm>
               <a:off x="2549109" y="19787806"/>
-              <a:ext cx="7367103" cy="443778"/>
+              <a:ext cx="1996949" cy="292211"/>
               <a:chOff x="2549109" y="19787806"/>
-              <a:chExt cx="7367103" cy="443778"/>
+              <a:chExt cx="1996949" cy="292211"/>
             </a:xfrm>
           </p:grpSpPr>
-          <p:grpSp>
-            <p:nvGrpSpPr>
-              <p:cNvPr id="115" name="Grupo 114">
+          <p:sp>
+            <p:nvSpPr>
+              <p:cNvPr id="1042" name="CuadroTexto 1041">
                 <a:extLst>
                   <a:ext uri="{FF2B5EF4-FFF2-40B4-BE49-F238E27FC236}">
-                    <a16:creationId xmlns:a16="http://schemas.microsoft.com/office/drawing/2014/main" id="{8FC3D533-85DA-DBCF-21D1-BE44A3A7A423}"/>
+                    <a16:creationId xmlns:a16="http://schemas.microsoft.com/office/drawing/2014/main" id="{3C38CD42-C1FF-67BA-E1CF-D862FD78B637}"/>
                   </a:ext>
                 </a:extLst>
               </p:cNvPr>
-              <p:cNvGrpSpPr/>
-              <p:nvPr/>
-            </p:nvGrpSpPr>
-            <p:grpSpPr>
-              <a:xfrm>
-                <a:off x="2549109" y="19787806"/>
-                <a:ext cx="1996949" cy="292211"/>
-                <a:chOff x="2549109" y="19787806"/>
-                <a:chExt cx="1996949" cy="292211"/>
-              </a:xfrm>
-            </p:grpSpPr>
-            <p:sp>
-              <p:nvSpPr>
-                <p:cNvPr id="113" name="CuadroTexto 112">
-                  <a:extLst>
-                    <a:ext uri="{FF2B5EF4-FFF2-40B4-BE49-F238E27FC236}">
-                      <a16:creationId xmlns:a16="http://schemas.microsoft.com/office/drawing/2014/main" id="{B914B6FB-D61C-ADCA-47F9-41AD791E5E9C}"/>
-                    </a:ext>
-                  </a:extLst>
-                </p:cNvPr>
-                <p:cNvSpPr txBox="1"/>
-                <p:nvPr/>
-              </p:nvSpPr>
-              <p:spPr>
-                <a:xfrm>
-                  <a:off x="2549109" y="19787806"/>
-                  <a:ext cx="874615" cy="289441"/>
-                </a:xfrm>
-                <a:prstGeom prst="roundRect">
-                  <a:avLst/>
-                </a:prstGeom>
-                <a:solidFill>
-                  <a:schemeClr val="bg1"/>
-                </a:solidFill>
-              </p:spPr>
-              <p:txBody>
-                <a:bodyPr wrap="square" rtlCol="0">
-                  <a:spAutoFit/>
-                </a:bodyPr>
-                <a:lstStyle/>
-                <a:p>
-                  <a:r>
-                    <a:rPr lang="es-ES" sz="1100" dirty="0"/>
-                    <a:t>Inmaduros</a:t>
-                  </a:r>
-                </a:p>
-              </p:txBody>
-            </p:sp>
-            <p:sp>
-              <p:nvSpPr>
-                <p:cNvPr id="114" name="CuadroTexto 113">
-                  <a:extLst>
-                    <a:ext uri="{FF2B5EF4-FFF2-40B4-BE49-F238E27FC236}">
-                      <a16:creationId xmlns:a16="http://schemas.microsoft.com/office/drawing/2014/main" id="{EB6B1A87-4D37-C60C-2A27-70D1C4845AE5}"/>
-                    </a:ext>
-                  </a:extLst>
-                </p:cNvPr>
-                <p:cNvSpPr txBox="1"/>
-                <p:nvPr/>
-              </p:nvSpPr>
-              <p:spPr>
-                <a:xfrm>
-                  <a:off x="3793167" y="19790576"/>
-                  <a:ext cx="752891" cy="289441"/>
-                </a:xfrm>
-                <a:prstGeom prst="roundRect">
-                  <a:avLst/>
-                </a:prstGeom>
-                <a:solidFill>
-                  <a:schemeClr val="bg1"/>
-                </a:solidFill>
-              </p:spPr>
-              <p:txBody>
-                <a:bodyPr wrap="square" rtlCol="0">
-                  <a:spAutoFit/>
-                </a:bodyPr>
-                <a:lstStyle/>
-                <a:p>
-                  <a:r>
-                    <a:rPr lang="es-ES" sz="1100" dirty="0"/>
-                    <a:t>Maduros</a:t>
-                  </a:r>
-                </a:p>
-              </p:txBody>
-            </p:sp>
-          </p:grpSp>
-          <p:grpSp>
-            <p:nvGrpSpPr>
-              <p:cNvPr id="119" name="Grupo 118">
-                <a:extLst>
-                  <a:ext uri="{FF2B5EF4-FFF2-40B4-BE49-F238E27FC236}">
-                    <a16:creationId xmlns:a16="http://schemas.microsoft.com/office/drawing/2014/main" id="{5DA06F80-A5ED-CF77-96C5-D0C6D940C3DD}"/>
-                  </a:ext>
-                </a:extLst>
-              </p:cNvPr>
-              <p:cNvGrpSpPr/>
-              <p:nvPr/>
-            </p:nvGrpSpPr>
-            <p:grpSpPr>
-              <a:xfrm>
-                <a:off x="7919263" y="19787806"/>
-                <a:ext cx="1996949" cy="292211"/>
-                <a:chOff x="2549109" y="19787806"/>
-                <a:chExt cx="1996949" cy="292211"/>
-              </a:xfrm>
-            </p:grpSpPr>
-            <p:sp>
-              <p:nvSpPr>
-                <p:cNvPr id="120" name="CuadroTexto 119">
-                  <a:extLst>
-                    <a:ext uri="{FF2B5EF4-FFF2-40B4-BE49-F238E27FC236}">
-                      <a16:creationId xmlns:a16="http://schemas.microsoft.com/office/drawing/2014/main" id="{9BA13572-2AFA-8660-5064-53726CD56CCA}"/>
-                    </a:ext>
-                  </a:extLst>
-                </p:cNvPr>
-                <p:cNvSpPr txBox="1"/>
-                <p:nvPr/>
-              </p:nvSpPr>
-              <p:spPr>
-                <a:xfrm>
-                  <a:off x="2549109" y="19787806"/>
-                  <a:ext cx="874615" cy="289441"/>
-                </a:xfrm>
-                <a:prstGeom prst="roundRect">
-                  <a:avLst/>
-                </a:prstGeom>
-                <a:solidFill>
-                  <a:schemeClr val="bg1"/>
-                </a:solidFill>
-              </p:spPr>
-              <p:txBody>
-                <a:bodyPr wrap="square" rtlCol="0">
-                  <a:spAutoFit/>
-                </a:bodyPr>
-                <a:lstStyle/>
-                <a:p>
-                  <a:r>
-                    <a:rPr lang="es-ES" sz="1100" dirty="0"/>
-                    <a:t>Inmaduros</a:t>
-                  </a:r>
-                </a:p>
-              </p:txBody>
-            </p:sp>
-            <p:sp>
-              <p:nvSpPr>
-                <p:cNvPr id="121" name="CuadroTexto 120">
-                  <a:extLst>
-                    <a:ext uri="{FF2B5EF4-FFF2-40B4-BE49-F238E27FC236}">
-                      <a16:creationId xmlns:a16="http://schemas.microsoft.com/office/drawing/2014/main" id="{3E410CD2-0C7C-8D63-F1FC-8A199E7AD531}"/>
-                    </a:ext>
-                  </a:extLst>
-                </p:cNvPr>
-                <p:cNvSpPr txBox="1"/>
-                <p:nvPr/>
-              </p:nvSpPr>
-              <p:spPr>
-                <a:xfrm>
-                  <a:off x="3793167" y="19790576"/>
-                  <a:ext cx="752891" cy="289441"/>
-                </a:xfrm>
-                <a:prstGeom prst="roundRect">
-                  <a:avLst/>
-                </a:prstGeom>
-                <a:solidFill>
-                  <a:schemeClr val="bg1"/>
-                </a:solidFill>
-              </p:spPr>
-              <p:txBody>
-                <a:bodyPr wrap="square" rtlCol="0">
-                  <a:spAutoFit/>
-                </a:bodyPr>
-                <a:lstStyle/>
-                <a:p>
-                  <a:r>
-                    <a:rPr lang="es-ES" sz="1100" dirty="0"/>
-                    <a:t>Maduros</a:t>
-                  </a:r>
-                </a:p>
-              </p:txBody>
-            </p:sp>
-          </p:grpSp>
-          <p:sp>
-            <p:nvSpPr>
-              <p:cNvPr id="122" name="Rectángulo 121">
-                <a:extLst>
-                  <a:ext uri="{FF2B5EF4-FFF2-40B4-BE49-F238E27FC236}">
-                    <a16:creationId xmlns:a16="http://schemas.microsoft.com/office/drawing/2014/main" id="{7E9BAFE2-5E17-5238-17B9-FB602B1AEDB8}"/>
-                  </a:ext>
-                </a:extLst>
-              </p:cNvPr>
-              <p:cNvSpPr/>
+              <p:cNvSpPr txBox="1"/>
               <p:nvPr/>
             </p:nvSpPr>
             <p:spPr>
               <a:xfrm>
-                <a:off x="5715000" y="19876977"/>
-                <a:ext cx="1170204" cy="354607"/>
+                <a:off x="2549109" y="19787806"/>
+                <a:ext cx="874615" cy="289441"/>
               </a:xfrm>
-              <a:prstGeom prst="rect">
+              <a:prstGeom prst="roundRect">
                 <a:avLst/>
               </a:prstGeom>
               <a:solidFill>
                 <a:schemeClr val="bg1"/>
               </a:solidFill>
-              <a:ln>
-                <a:noFill/>
-              </a:ln>
             </p:spPr>
-            <p:style>
-              <a:lnRef idx="2">
-                <a:schemeClr val="accent1">
-                  <a:shade val="15000"/>
-                </a:schemeClr>
-              </a:lnRef>
-              <a:fillRef idx="1">
-                <a:schemeClr val="accent1"/>
-              </a:fillRef>
-              <a:effectRef idx="0">
-                <a:schemeClr val="accent1"/>
-              </a:effectRef>
-              <a:fontRef idx="minor">
-                <a:schemeClr val="lt1"/>
-              </a:fontRef>
-            </p:style>
             <p:txBody>
-              <a:bodyPr rtlCol="0" anchor="ctr"/>
+              <a:bodyPr wrap="square" rtlCol="0">
+                <a:spAutoFit/>
+              </a:bodyPr>
               <a:lstStyle/>
               <a:p>
-                <a:pPr algn="ctr"/>
-                <a:endParaRPr lang="es-ES"/>
+                <a:r>
+                  <a:rPr lang="es-ES" sz="1100" dirty="0"/>
+                  <a:t>Inmaduros</a:t>
+                </a:r>
               </a:p>
             </p:txBody>
           </p:sp>
-          <p:grpSp>
-            <p:nvGrpSpPr>
-              <p:cNvPr id="116" name="Grupo 115">
+          <p:sp>
+            <p:nvSpPr>
+              <p:cNvPr id="1043" name="CuadroTexto 1042">
                 <a:extLst>
                   <a:ext uri="{FF2B5EF4-FFF2-40B4-BE49-F238E27FC236}">
-                    <a16:creationId xmlns:a16="http://schemas.microsoft.com/office/drawing/2014/main" id="{C7D5BE89-FE48-C68F-6E09-F01EDB56690A}"/>
+                    <a16:creationId xmlns:a16="http://schemas.microsoft.com/office/drawing/2014/main" id="{3F98685A-67A8-FD01-83AF-7C588184AE11}"/>
                   </a:ext>
                 </a:extLst>
               </p:cNvPr>
-              <p:cNvGrpSpPr/>
+              <p:cNvSpPr txBox="1"/>
               <p:nvPr/>
-            </p:nvGrpSpPr>
-            <p:grpSpPr>
+            </p:nvSpPr>
+            <p:spPr>
               <a:xfrm>
-                <a:off x="5211608" y="19787806"/>
-                <a:ext cx="1996949" cy="292211"/>
-                <a:chOff x="2549109" y="19787806"/>
-                <a:chExt cx="1996949" cy="292211"/>
+                <a:off x="3793167" y="19790576"/>
+                <a:ext cx="752891" cy="289441"/>
               </a:xfrm>
-            </p:grpSpPr>
-            <p:sp>
-              <p:nvSpPr>
-                <p:cNvPr id="117" name="CuadroTexto 116">
-                  <a:extLst>
-                    <a:ext uri="{FF2B5EF4-FFF2-40B4-BE49-F238E27FC236}">
-                      <a16:creationId xmlns:a16="http://schemas.microsoft.com/office/drawing/2014/main" id="{98896471-37BE-28BA-0299-44468053D2C6}"/>
-                    </a:ext>
-                  </a:extLst>
-                </p:cNvPr>
-                <p:cNvSpPr txBox="1"/>
-                <p:nvPr/>
-              </p:nvSpPr>
-              <p:spPr>
-                <a:xfrm>
-                  <a:off x="2549109" y="19787806"/>
-                  <a:ext cx="874615" cy="289441"/>
-                </a:xfrm>
-                <a:prstGeom prst="roundRect">
-                  <a:avLst/>
-                </a:prstGeom>
-                <a:solidFill>
-                  <a:schemeClr val="bg1"/>
-                </a:solidFill>
-              </p:spPr>
-              <p:txBody>
-                <a:bodyPr wrap="square" rtlCol="0">
-                  <a:spAutoFit/>
-                </a:bodyPr>
-                <a:lstStyle/>
-                <a:p>
-                  <a:r>
-                    <a:rPr lang="es-ES" sz="1100" dirty="0"/>
-                    <a:t>Inmaduros</a:t>
-                  </a:r>
-                </a:p>
-              </p:txBody>
-            </p:sp>
-            <p:sp>
-              <p:nvSpPr>
-                <p:cNvPr id="118" name="CuadroTexto 117">
-                  <a:extLst>
-                    <a:ext uri="{FF2B5EF4-FFF2-40B4-BE49-F238E27FC236}">
-                      <a16:creationId xmlns:a16="http://schemas.microsoft.com/office/drawing/2014/main" id="{3596A64A-ADFE-0DDD-D612-51F162C8CFF1}"/>
-                    </a:ext>
-                  </a:extLst>
-                </p:cNvPr>
-                <p:cNvSpPr txBox="1"/>
-                <p:nvPr/>
-              </p:nvSpPr>
-              <p:spPr>
-                <a:xfrm>
-                  <a:off x="3793167" y="19790576"/>
-                  <a:ext cx="752891" cy="289441"/>
-                </a:xfrm>
-                <a:prstGeom prst="roundRect">
-                  <a:avLst/>
-                </a:prstGeom>
-                <a:solidFill>
-                  <a:schemeClr val="bg1"/>
-                </a:solidFill>
-              </p:spPr>
-              <p:txBody>
-                <a:bodyPr wrap="square" rtlCol="0">
-                  <a:spAutoFit/>
-                </a:bodyPr>
-                <a:lstStyle/>
-                <a:p>
-                  <a:r>
-                    <a:rPr lang="es-ES" sz="1100" dirty="0"/>
-                    <a:t>Maduros</a:t>
-                  </a:r>
-                </a:p>
-              </p:txBody>
-            </p:sp>
-          </p:grpSp>
+              <a:prstGeom prst="roundRect">
+                <a:avLst/>
+              </a:prstGeom>
+              <a:solidFill>
+                <a:schemeClr val="bg1"/>
+              </a:solidFill>
+            </p:spPr>
+            <p:txBody>
+              <a:bodyPr wrap="square" rtlCol="0">
+                <a:spAutoFit/>
+              </a:bodyPr>
+              <a:lstStyle/>
+              <a:p>
+                <a:r>
+                  <a:rPr lang="es-ES" sz="1100" dirty="0"/>
+                  <a:t>Maduros</a:t>
+                </a:r>
+              </a:p>
+            </p:txBody>
+          </p:sp>
         </p:grpSp>
-      </p:grpSp>
-      <p:grpSp>
-        <p:nvGrpSpPr>
-          <p:cNvPr id="1058" name="Grupo 1057">
-            <a:extLst>
-              <a:ext uri="{FF2B5EF4-FFF2-40B4-BE49-F238E27FC236}">
-                <a16:creationId xmlns:a16="http://schemas.microsoft.com/office/drawing/2014/main" id="{EC90873F-C56E-7A51-CF9C-D34D84FFE24E}"/>
-              </a:ext>
-            </a:extLst>
-          </p:cNvPr>
-          <p:cNvGrpSpPr/>
-          <p:nvPr/>
-        </p:nvGrpSpPr>
-        <p:grpSpPr>
-          <a:xfrm>
-            <a:off x="11692407" y="20845259"/>
-            <a:ext cx="8572789" cy="3638572"/>
-            <a:chOff x="11060709" y="20500413"/>
-            <a:chExt cx="8572789" cy="3638572"/>
-          </a:xfrm>
-        </p:grpSpPr>
-        <p:pic>
-          <p:nvPicPr>
-            <p:cNvPr id="56" name="Imagen 55">
+        <p:grpSp>
+          <p:nvGrpSpPr>
+            <p:cNvPr id="1035" name="Grupo 1034">
               <a:extLst>
                 <a:ext uri="{FF2B5EF4-FFF2-40B4-BE49-F238E27FC236}">
-                  <a16:creationId xmlns:a16="http://schemas.microsoft.com/office/drawing/2014/main" id="{154E778F-3DD6-149C-7A0B-58746DCD2036}"/>
-                </a:ext>
-              </a:extLst>
-            </p:cNvPr>
-            <p:cNvPicPr>
-              <a:picLocks noChangeAspect="1"/>
-            </p:cNvPicPr>
-            <p:nvPr/>
-          </p:nvPicPr>
-          <p:blipFill rotWithShape="1">
-            <a:blip r:embed="rId9">
-              <a:extLst>
-                <a:ext uri="{28A0092B-C50C-407E-A947-70E740481C1C}">
-                  <a14:useLocalDpi xmlns:a14="http://schemas.microsoft.com/office/drawing/2010/main" val="0"/>
-                </a:ext>
-              </a:extLst>
-            </a:blip>
-            <a:srcRect b="20419"/>
-            <a:stretch/>
-          </p:blipFill>
-          <p:spPr>
-            <a:xfrm>
-              <a:off x="11060709" y="20500413"/>
-              <a:ext cx="8572789" cy="3638572"/>
-            </a:xfrm>
-            <a:prstGeom prst="roundRect">
-              <a:avLst>
-                <a:gd name="adj" fmla="val 8112"/>
-              </a:avLst>
-            </a:prstGeom>
-          </p:spPr>
-        </p:pic>
-        <p:grpSp>
-          <p:nvGrpSpPr>
-            <p:cNvPr id="1033" name="Grupo 1032">
-              <a:extLst>
-                <a:ext uri="{FF2B5EF4-FFF2-40B4-BE49-F238E27FC236}">
-                  <a16:creationId xmlns:a16="http://schemas.microsoft.com/office/drawing/2014/main" id="{2E8C60B7-C577-8101-8D7E-6EB343059463}"/>
+                  <a16:creationId xmlns:a16="http://schemas.microsoft.com/office/drawing/2014/main" id="{3AA57281-760E-DD83-A2E4-8F44B264E50A}"/>
                 </a:ext>
               </a:extLst>
             </p:cNvPr>
@@ -6136,414 +7482,145 @@
           </p:nvGrpSpPr>
           <p:grpSpPr>
             <a:xfrm>
-              <a:off x="11872245" y="23692871"/>
-              <a:ext cx="7367103" cy="443778"/>
+              <a:off x="7919263" y="19787806"/>
+              <a:ext cx="1996949" cy="292211"/>
               <a:chOff x="2549109" y="19787806"/>
-              <a:chExt cx="7367103" cy="443778"/>
+              <a:chExt cx="1996949" cy="292211"/>
             </a:xfrm>
           </p:grpSpPr>
-          <p:grpSp>
-            <p:nvGrpSpPr>
-              <p:cNvPr id="1034" name="Grupo 1033">
+          <p:sp>
+            <p:nvSpPr>
+              <p:cNvPr id="1040" name="CuadroTexto 1039">
                 <a:extLst>
                   <a:ext uri="{FF2B5EF4-FFF2-40B4-BE49-F238E27FC236}">
-                    <a16:creationId xmlns:a16="http://schemas.microsoft.com/office/drawing/2014/main" id="{6D04F669-E64E-8320-C507-6D89897AD382}"/>
+                    <a16:creationId xmlns:a16="http://schemas.microsoft.com/office/drawing/2014/main" id="{0AECF5EF-F6B8-2D72-369F-A8352E390C1C}"/>
                   </a:ext>
                 </a:extLst>
               </p:cNvPr>
-              <p:cNvGrpSpPr/>
-              <p:nvPr/>
-            </p:nvGrpSpPr>
-            <p:grpSpPr>
-              <a:xfrm>
-                <a:off x="2549109" y="19787806"/>
-                <a:ext cx="1996949" cy="292211"/>
-                <a:chOff x="2549109" y="19787806"/>
-                <a:chExt cx="1996949" cy="292211"/>
-              </a:xfrm>
-            </p:grpSpPr>
-            <p:sp>
-              <p:nvSpPr>
-                <p:cNvPr id="1042" name="CuadroTexto 1041">
-                  <a:extLst>
-                    <a:ext uri="{FF2B5EF4-FFF2-40B4-BE49-F238E27FC236}">
-                      <a16:creationId xmlns:a16="http://schemas.microsoft.com/office/drawing/2014/main" id="{3C38CD42-C1FF-67BA-E1CF-D862FD78B637}"/>
-                    </a:ext>
-                  </a:extLst>
-                </p:cNvPr>
-                <p:cNvSpPr txBox="1"/>
-                <p:nvPr/>
-              </p:nvSpPr>
-              <p:spPr>
-                <a:xfrm>
-                  <a:off x="2549109" y="19787806"/>
-                  <a:ext cx="874615" cy="289441"/>
-                </a:xfrm>
-                <a:prstGeom prst="roundRect">
-                  <a:avLst/>
-                </a:prstGeom>
-                <a:solidFill>
-                  <a:schemeClr val="bg1"/>
-                </a:solidFill>
-              </p:spPr>
-              <p:txBody>
-                <a:bodyPr wrap="square" rtlCol="0">
-                  <a:spAutoFit/>
-                </a:bodyPr>
-                <a:lstStyle/>
-                <a:p>
-                  <a:r>
-                    <a:rPr lang="es-ES" sz="1100" dirty="0"/>
-                    <a:t>Inmaduros</a:t>
-                  </a:r>
-                </a:p>
-              </p:txBody>
-            </p:sp>
-            <p:sp>
-              <p:nvSpPr>
-                <p:cNvPr id="1043" name="CuadroTexto 1042">
-                  <a:extLst>
-                    <a:ext uri="{FF2B5EF4-FFF2-40B4-BE49-F238E27FC236}">
-                      <a16:creationId xmlns:a16="http://schemas.microsoft.com/office/drawing/2014/main" id="{3F98685A-67A8-FD01-83AF-7C588184AE11}"/>
-                    </a:ext>
-                  </a:extLst>
-                </p:cNvPr>
-                <p:cNvSpPr txBox="1"/>
-                <p:nvPr/>
-              </p:nvSpPr>
-              <p:spPr>
-                <a:xfrm>
-                  <a:off x="3793167" y="19790576"/>
-                  <a:ext cx="752891" cy="289441"/>
-                </a:xfrm>
-                <a:prstGeom prst="roundRect">
-                  <a:avLst/>
-                </a:prstGeom>
-                <a:solidFill>
-                  <a:schemeClr val="bg1"/>
-                </a:solidFill>
-              </p:spPr>
-              <p:txBody>
-                <a:bodyPr wrap="square" rtlCol="0">
-                  <a:spAutoFit/>
-                </a:bodyPr>
-                <a:lstStyle/>
-                <a:p>
-                  <a:r>
-                    <a:rPr lang="es-ES" sz="1100" dirty="0"/>
-                    <a:t>Maduros</a:t>
-                  </a:r>
-                </a:p>
-              </p:txBody>
-            </p:sp>
-          </p:grpSp>
-          <p:grpSp>
-            <p:nvGrpSpPr>
-              <p:cNvPr id="1035" name="Grupo 1034">
-                <a:extLst>
-                  <a:ext uri="{FF2B5EF4-FFF2-40B4-BE49-F238E27FC236}">
-                    <a16:creationId xmlns:a16="http://schemas.microsoft.com/office/drawing/2014/main" id="{3AA57281-760E-DD83-A2E4-8F44B264E50A}"/>
-                  </a:ext>
-                </a:extLst>
-              </p:cNvPr>
-              <p:cNvGrpSpPr/>
-              <p:nvPr/>
-            </p:nvGrpSpPr>
-            <p:grpSpPr>
-              <a:xfrm>
-                <a:off x="7919263" y="19787806"/>
-                <a:ext cx="1996949" cy="292211"/>
-                <a:chOff x="2549109" y="19787806"/>
-                <a:chExt cx="1996949" cy="292211"/>
-              </a:xfrm>
-            </p:grpSpPr>
-            <p:sp>
-              <p:nvSpPr>
-                <p:cNvPr id="1040" name="CuadroTexto 1039">
-                  <a:extLst>
-                    <a:ext uri="{FF2B5EF4-FFF2-40B4-BE49-F238E27FC236}">
-                      <a16:creationId xmlns:a16="http://schemas.microsoft.com/office/drawing/2014/main" id="{0AECF5EF-F6B8-2D72-369F-A8352E390C1C}"/>
-                    </a:ext>
-                  </a:extLst>
-                </p:cNvPr>
-                <p:cNvSpPr txBox="1"/>
-                <p:nvPr/>
-              </p:nvSpPr>
-              <p:spPr>
-                <a:xfrm>
-                  <a:off x="2549109" y="19787806"/>
-                  <a:ext cx="874615" cy="289441"/>
-                </a:xfrm>
-                <a:prstGeom prst="roundRect">
-                  <a:avLst/>
-                </a:prstGeom>
-                <a:solidFill>
-                  <a:schemeClr val="bg1"/>
-                </a:solidFill>
-              </p:spPr>
-              <p:txBody>
-                <a:bodyPr wrap="square" rtlCol="0">
-                  <a:spAutoFit/>
-                </a:bodyPr>
-                <a:lstStyle/>
-                <a:p>
-                  <a:r>
-                    <a:rPr lang="es-ES" sz="1100" dirty="0"/>
-                    <a:t>Inmaduros</a:t>
-                  </a:r>
-                </a:p>
-              </p:txBody>
-            </p:sp>
-            <p:sp>
-              <p:nvSpPr>
-                <p:cNvPr id="1041" name="CuadroTexto 1040">
-                  <a:extLst>
-                    <a:ext uri="{FF2B5EF4-FFF2-40B4-BE49-F238E27FC236}">
-                      <a16:creationId xmlns:a16="http://schemas.microsoft.com/office/drawing/2014/main" id="{530CDC82-F04E-9C87-EE68-1FEC2500A610}"/>
-                    </a:ext>
-                  </a:extLst>
-                </p:cNvPr>
-                <p:cNvSpPr txBox="1"/>
-                <p:nvPr/>
-              </p:nvSpPr>
-              <p:spPr>
-                <a:xfrm>
-                  <a:off x="3793167" y="19790576"/>
-                  <a:ext cx="752891" cy="289441"/>
-                </a:xfrm>
-                <a:prstGeom prst="roundRect">
-                  <a:avLst/>
-                </a:prstGeom>
-                <a:solidFill>
-                  <a:schemeClr val="bg1"/>
-                </a:solidFill>
-              </p:spPr>
-              <p:txBody>
-                <a:bodyPr wrap="square" rtlCol="0">
-                  <a:spAutoFit/>
-                </a:bodyPr>
-                <a:lstStyle/>
-                <a:p>
-                  <a:r>
-                    <a:rPr lang="es-ES" sz="1100" dirty="0"/>
-                    <a:t>Maduros</a:t>
-                  </a:r>
-                </a:p>
-              </p:txBody>
-            </p:sp>
-          </p:grpSp>
-          <p:sp>
-            <p:nvSpPr>
-              <p:cNvPr id="1036" name="Rectángulo 1035">
-                <a:extLst>
-                  <a:ext uri="{FF2B5EF4-FFF2-40B4-BE49-F238E27FC236}">
-                    <a16:creationId xmlns:a16="http://schemas.microsoft.com/office/drawing/2014/main" id="{D33FE971-6984-58D8-A28C-4767F5D7910D}"/>
-                  </a:ext>
-                </a:extLst>
-              </p:cNvPr>
-              <p:cNvSpPr/>
+              <p:cNvSpPr txBox="1"/>
               <p:nvPr/>
             </p:nvSpPr>
             <p:spPr>
               <a:xfrm>
-                <a:off x="5715000" y="19876977"/>
-                <a:ext cx="1170204" cy="354607"/>
+                <a:off x="2549109" y="19787806"/>
+                <a:ext cx="874615" cy="289441"/>
               </a:xfrm>
-              <a:prstGeom prst="rect">
+              <a:prstGeom prst="roundRect">
                 <a:avLst/>
               </a:prstGeom>
               <a:solidFill>
                 <a:schemeClr val="bg1"/>
               </a:solidFill>
-              <a:ln>
-                <a:noFill/>
-              </a:ln>
             </p:spPr>
-            <p:style>
-              <a:lnRef idx="2">
-                <a:schemeClr val="accent1">
-                  <a:shade val="15000"/>
-                </a:schemeClr>
-              </a:lnRef>
-              <a:fillRef idx="1">
-                <a:schemeClr val="accent1"/>
-              </a:fillRef>
-              <a:effectRef idx="0">
-                <a:schemeClr val="accent1"/>
-              </a:effectRef>
-              <a:fontRef idx="minor">
-                <a:schemeClr val="lt1"/>
-              </a:fontRef>
-            </p:style>
             <p:txBody>
-              <a:bodyPr rtlCol="0" anchor="ctr"/>
+              <a:bodyPr wrap="square" rtlCol="0">
+                <a:spAutoFit/>
+              </a:bodyPr>
               <a:lstStyle/>
               <a:p>
-                <a:pPr algn="ctr"/>
-                <a:endParaRPr lang="es-ES"/>
+                <a:r>
+                  <a:rPr lang="es-ES" sz="1100" dirty="0"/>
+                  <a:t>Inmaduros</a:t>
+                </a:r>
               </a:p>
             </p:txBody>
           </p:sp>
-          <p:grpSp>
-            <p:nvGrpSpPr>
-              <p:cNvPr id="1037" name="Grupo 1036">
+          <p:sp>
+            <p:nvSpPr>
+              <p:cNvPr id="1041" name="CuadroTexto 1040">
                 <a:extLst>
                   <a:ext uri="{FF2B5EF4-FFF2-40B4-BE49-F238E27FC236}">
-                    <a16:creationId xmlns:a16="http://schemas.microsoft.com/office/drawing/2014/main" id="{BBC2342F-0911-F134-6181-ADF150254541}"/>
+                    <a16:creationId xmlns:a16="http://schemas.microsoft.com/office/drawing/2014/main" id="{530CDC82-F04E-9C87-EE68-1FEC2500A610}"/>
                   </a:ext>
                 </a:extLst>
               </p:cNvPr>
-              <p:cNvGrpSpPr/>
+              <p:cNvSpPr txBox="1"/>
               <p:nvPr/>
-            </p:nvGrpSpPr>
-            <p:grpSpPr>
+            </p:nvSpPr>
+            <p:spPr>
               <a:xfrm>
-                <a:off x="5211608" y="19787806"/>
-                <a:ext cx="1996949" cy="292211"/>
-                <a:chOff x="2549109" y="19787806"/>
-                <a:chExt cx="1996949" cy="292211"/>
+                <a:off x="3793167" y="19790576"/>
+                <a:ext cx="752891" cy="289441"/>
               </a:xfrm>
-            </p:grpSpPr>
-            <p:sp>
-              <p:nvSpPr>
-                <p:cNvPr id="1038" name="CuadroTexto 1037">
-                  <a:extLst>
-                    <a:ext uri="{FF2B5EF4-FFF2-40B4-BE49-F238E27FC236}">
-                      <a16:creationId xmlns:a16="http://schemas.microsoft.com/office/drawing/2014/main" id="{AC980B51-BE4D-4E9E-56F6-803B68988D5C}"/>
-                    </a:ext>
-                  </a:extLst>
-                </p:cNvPr>
-                <p:cNvSpPr txBox="1"/>
-                <p:nvPr/>
-              </p:nvSpPr>
-              <p:spPr>
-                <a:xfrm>
-                  <a:off x="2549109" y="19787806"/>
-                  <a:ext cx="874615" cy="289441"/>
-                </a:xfrm>
-                <a:prstGeom prst="roundRect">
-                  <a:avLst/>
-                </a:prstGeom>
-                <a:solidFill>
-                  <a:schemeClr val="bg1"/>
-                </a:solidFill>
-              </p:spPr>
-              <p:txBody>
-                <a:bodyPr wrap="square" rtlCol="0">
-                  <a:spAutoFit/>
-                </a:bodyPr>
-                <a:lstStyle/>
-                <a:p>
-                  <a:r>
-                    <a:rPr lang="es-ES" sz="1100" dirty="0"/>
-                    <a:t>Inmaduros</a:t>
-                  </a:r>
-                </a:p>
-              </p:txBody>
-            </p:sp>
-            <p:sp>
-              <p:nvSpPr>
-                <p:cNvPr id="1039" name="CuadroTexto 1038">
-                  <a:extLst>
-                    <a:ext uri="{FF2B5EF4-FFF2-40B4-BE49-F238E27FC236}">
-                      <a16:creationId xmlns:a16="http://schemas.microsoft.com/office/drawing/2014/main" id="{6054ADBD-796D-EC94-838E-9DC0EA2F3BE9}"/>
-                    </a:ext>
-                  </a:extLst>
-                </p:cNvPr>
-                <p:cNvSpPr txBox="1"/>
-                <p:nvPr/>
-              </p:nvSpPr>
-              <p:spPr>
-                <a:xfrm>
-                  <a:off x="3793167" y="19790576"/>
-                  <a:ext cx="752891" cy="289441"/>
-                </a:xfrm>
-                <a:prstGeom prst="roundRect">
-                  <a:avLst/>
-                </a:prstGeom>
-                <a:solidFill>
-                  <a:schemeClr val="bg1"/>
-                </a:solidFill>
-              </p:spPr>
-              <p:txBody>
-                <a:bodyPr wrap="square" rtlCol="0">
-                  <a:spAutoFit/>
-                </a:bodyPr>
-                <a:lstStyle/>
-                <a:p>
-                  <a:r>
-                    <a:rPr lang="es-ES" sz="1100" dirty="0"/>
-                    <a:t>Maduros</a:t>
-                  </a:r>
-                </a:p>
-              </p:txBody>
-            </p:sp>
-          </p:grpSp>
+              <a:prstGeom prst="roundRect">
+                <a:avLst/>
+              </a:prstGeom>
+              <a:solidFill>
+                <a:schemeClr val="bg1"/>
+              </a:solidFill>
+            </p:spPr>
+            <p:txBody>
+              <a:bodyPr wrap="square" rtlCol="0">
+                <a:spAutoFit/>
+              </a:bodyPr>
+              <a:lstStyle/>
+              <a:p>
+                <a:r>
+                  <a:rPr lang="es-ES" sz="1100" dirty="0"/>
+                  <a:t>Maduros</a:t>
+                </a:r>
+              </a:p>
+            </p:txBody>
+          </p:sp>
         </p:grpSp>
-      </p:grpSp>
-      <p:grpSp>
-        <p:nvGrpSpPr>
-          <p:cNvPr id="1055" name="Grupo 1054">
-            <a:extLst>
-              <a:ext uri="{FF2B5EF4-FFF2-40B4-BE49-F238E27FC236}">
-                <a16:creationId xmlns:a16="http://schemas.microsoft.com/office/drawing/2014/main" id="{F297BE96-987D-4496-559C-2D5B233FE48A}"/>
-              </a:ext>
-            </a:extLst>
-          </p:cNvPr>
-          <p:cNvGrpSpPr/>
-          <p:nvPr/>
-        </p:nvGrpSpPr>
-        <p:grpSpPr>
-          <a:xfrm>
-            <a:off x="11692407" y="16551668"/>
-            <a:ext cx="8572789" cy="3638573"/>
-            <a:chOff x="1808620" y="20579089"/>
-            <a:chExt cx="8572789" cy="3638573"/>
-          </a:xfrm>
-        </p:grpSpPr>
-        <p:pic>
-          <p:nvPicPr>
-            <p:cNvPr id="62" name="Imagen 61">
+        <p:sp>
+          <p:nvSpPr>
+            <p:cNvPr id="1036" name="Rectángulo 1035">
               <a:extLst>
                 <a:ext uri="{FF2B5EF4-FFF2-40B4-BE49-F238E27FC236}">
-                  <a16:creationId xmlns:a16="http://schemas.microsoft.com/office/drawing/2014/main" id="{36F28F22-ECD2-4B70-8479-94CCB39DC084}"/>
+                  <a16:creationId xmlns:a16="http://schemas.microsoft.com/office/drawing/2014/main" id="{D33FE971-6984-58D8-A28C-4767F5D7910D}"/>
                 </a:ext>
               </a:extLst>
             </p:cNvPr>
-            <p:cNvPicPr>
-              <a:picLocks noChangeAspect="1"/>
-            </p:cNvPicPr>
+            <p:cNvSpPr/>
             <p:nvPr/>
-          </p:nvPicPr>
-          <p:blipFill rotWithShape="1">
-            <a:blip r:embed="rId10">
-              <a:extLst>
-                <a:ext uri="{28A0092B-C50C-407E-A947-70E740481C1C}">
-                  <a14:useLocalDpi xmlns:a14="http://schemas.microsoft.com/office/drawing/2010/main" val="0"/>
-                </a:ext>
-              </a:extLst>
-            </a:blip>
-            <a:srcRect b="20419"/>
-            <a:stretch/>
-          </p:blipFill>
+          </p:nvSpPr>
           <p:spPr>
             <a:xfrm>
-              <a:off x="1808620" y="20579089"/>
-              <a:ext cx="8572789" cy="3638572"/>
+              <a:off x="5715000" y="19876977"/>
+              <a:ext cx="1170204" cy="354607"/>
             </a:xfrm>
-            <a:prstGeom prst="roundRect">
-              <a:avLst>
-                <a:gd name="adj" fmla="val 10733"/>
-              </a:avLst>
+            <a:prstGeom prst="rect">
+              <a:avLst/>
             </a:prstGeom>
+            <a:solidFill>
+              <a:schemeClr val="bg1"/>
+            </a:solidFill>
+            <a:ln>
+              <a:noFill/>
+            </a:ln>
           </p:spPr>
-        </p:pic>
+          <p:style>
+            <a:lnRef idx="2">
+              <a:schemeClr val="accent1">
+                <a:shade val="15000"/>
+              </a:schemeClr>
+            </a:lnRef>
+            <a:fillRef idx="1">
+              <a:schemeClr val="accent1"/>
+            </a:fillRef>
+            <a:effectRef idx="0">
+              <a:schemeClr val="accent1"/>
+            </a:effectRef>
+            <a:fontRef idx="minor">
+              <a:schemeClr val="lt1"/>
+            </a:fontRef>
+          </p:style>
+          <p:txBody>
+            <a:bodyPr rtlCol="0" anchor="ctr"/>
+            <a:lstStyle/>
+            <a:p>
+              <a:pPr algn="ctr"/>
+              <a:endParaRPr lang="es-ES"/>
+            </a:p>
+          </p:txBody>
+        </p:sp>
         <p:grpSp>
           <p:nvGrpSpPr>
-            <p:cNvPr id="1044" name="Grupo 1043">
+            <p:cNvPr id="1037" name="Grupo 1036">
               <a:extLst>
                 <a:ext uri="{FF2B5EF4-FFF2-40B4-BE49-F238E27FC236}">
-                  <a16:creationId xmlns:a16="http://schemas.microsoft.com/office/drawing/2014/main" id="{04367B25-0154-A620-811B-81901D90E4B9}"/>
+                  <a16:creationId xmlns:a16="http://schemas.microsoft.com/office/drawing/2014/main" id="{BBC2342F-0911-F134-6181-ADF150254541}"/>
                 </a:ext>
               </a:extLst>
             </p:cNvPr>
@@ -6552,357 +7629,323 @@
           </p:nvGrpSpPr>
           <p:grpSpPr>
             <a:xfrm>
-              <a:off x="2716224" y="23773884"/>
-              <a:ext cx="7367103" cy="443778"/>
+              <a:off x="5211608" y="19787806"/>
+              <a:ext cx="1996949" cy="292211"/>
               <a:chOff x="2549109" y="19787806"/>
-              <a:chExt cx="7367103" cy="443778"/>
+              <a:chExt cx="1996949" cy="292211"/>
             </a:xfrm>
           </p:grpSpPr>
-          <p:grpSp>
-            <p:nvGrpSpPr>
-              <p:cNvPr id="1045" name="Grupo 1044">
+          <p:sp>
+            <p:nvSpPr>
+              <p:cNvPr id="1038" name="CuadroTexto 1037">
                 <a:extLst>
                   <a:ext uri="{FF2B5EF4-FFF2-40B4-BE49-F238E27FC236}">
-                    <a16:creationId xmlns:a16="http://schemas.microsoft.com/office/drawing/2014/main" id="{7BCB1F1A-B45F-12AB-0061-67A3CF01479A}"/>
+                    <a16:creationId xmlns:a16="http://schemas.microsoft.com/office/drawing/2014/main" id="{AC980B51-BE4D-4E9E-56F6-803B68988D5C}"/>
                   </a:ext>
                 </a:extLst>
               </p:cNvPr>
-              <p:cNvGrpSpPr/>
-              <p:nvPr/>
-            </p:nvGrpSpPr>
-            <p:grpSpPr>
-              <a:xfrm>
-                <a:off x="2549109" y="19787806"/>
-                <a:ext cx="1996949" cy="292211"/>
-                <a:chOff x="2549109" y="19787806"/>
-                <a:chExt cx="1996949" cy="292211"/>
-              </a:xfrm>
-            </p:grpSpPr>
-            <p:sp>
-              <p:nvSpPr>
-                <p:cNvPr id="1053" name="CuadroTexto 1052">
-                  <a:extLst>
-                    <a:ext uri="{FF2B5EF4-FFF2-40B4-BE49-F238E27FC236}">
-                      <a16:creationId xmlns:a16="http://schemas.microsoft.com/office/drawing/2014/main" id="{8FFA72BA-17AC-83FF-9D1A-4BDFD50A0CC0}"/>
-                    </a:ext>
-                  </a:extLst>
-                </p:cNvPr>
-                <p:cNvSpPr txBox="1"/>
-                <p:nvPr/>
-              </p:nvSpPr>
-              <p:spPr>
-                <a:xfrm>
-                  <a:off x="2549109" y="19787806"/>
-                  <a:ext cx="874615" cy="289441"/>
-                </a:xfrm>
-                <a:prstGeom prst="roundRect">
-                  <a:avLst/>
-                </a:prstGeom>
-                <a:solidFill>
-                  <a:schemeClr val="bg1"/>
-                </a:solidFill>
-              </p:spPr>
-              <p:txBody>
-                <a:bodyPr wrap="square" rtlCol="0">
-                  <a:spAutoFit/>
-                </a:bodyPr>
-                <a:lstStyle/>
-                <a:p>
-                  <a:r>
-                    <a:rPr lang="es-ES" sz="1100" dirty="0"/>
-                    <a:t>Inmaduros</a:t>
-                  </a:r>
-                </a:p>
-              </p:txBody>
-            </p:sp>
-            <p:sp>
-              <p:nvSpPr>
-                <p:cNvPr id="1054" name="CuadroTexto 1053">
-                  <a:extLst>
-                    <a:ext uri="{FF2B5EF4-FFF2-40B4-BE49-F238E27FC236}">
-                      <a16:creationId xmlns:a16="http://schemas.microsoft.com/office/drawing/2014/main" id="{F1DBCBA9-894C-6F72-77BB-E78C8484B2E4}"/>
-                    </a:ext>
-                  </a:extLst>
-                </p:cNvPr>
-                <p:cNvSpPr txBox="1"/>
-                <p:nvPr/>
-              </p:nvSpPr>
-              <p:spPr>
-                <a:xfrm>
-                  <a:off x="3793167" y="19790576"/>
-                  <a:ext cx="752891" cy="289441"/>
-                </a:xfrm>
-                <a:prstGeom prst="roundRect">
-                  <a:avLst/>
-                </a:prstGeom>
-                <a:solidFill>
-                  <a:schemeClr val="bg1"/>
-                </a:solidFill>
-              </p:spPr>
-              <p:txBody>
-                <a:bodyPr wrap="square" rtlCol="0">
-                  <a:spAutoFit/>
-                </a:bodyPr>
-                <a:lstStyle/>
-                <a:p>
-                  <a:r>
-                    <a:rPr lang="es-ES" sz="1100" dirty="0"/>
-                    <a:t>Maduros</a:t>
-                  </a:r>
-                </a:p>
-              </p:txBody>
-            </p:sp>
-          </p:grpSp>
-          <p:grpSp>
-            <p:nvGrpSpPr>
-              <p:cNvPr id="1046" name="Grupo 1045">
-                <a:extLst>
-                  <a:ext uri="{FF2B5EF4-FFF2-40B4-BE49-F238E27FC236}">
-                    <a16:creationId xmlns:a16="http://schemas.microsoft.com/office/drawing/2014/main" id="{C8E36ACD-C343-8FAD-AD73-FBDC61FFDB38}"/>
-                  </a:ext>
-                </a:extLst>
-              </p:cNvPr>
-              <p:cNvGrpSpPr/>
-              <p:nvPr/>
-            </p:nvGrpSpPr>
-            <p:grpSpPr>
-              <a:xfrm>
-                <a:off x="7919263" y="19787806"/>
-                <a:ext cx="1996949" cy="292211"/>
-                <a:chOff x="2549109" y="19787806"/>
-                <a:chExt cx="1996949" cy="292211"/>
-              </a:xfrm>
-            </p:grpSpPr>
-            <p:sp>
-              <p:nvSpPr>
-                <p:cNvPr id="1051" name="CuadroTexto 1050">
-                  <a:extLst>
-                    <a:ext uri="{FF2B5EF4-FFF2-40B4-BE49-F238E27FC236}">
-                      <a16:creationId xmlns:a16="http://schemas.microsoft.com/office/drawing/2014/main" id="{539414A8-14CF-E56F-4549-291965EB885D}"/>
-                    </a:ext>
-                  </a:extLst>
-                </p:cNvPr>
-                <p:cNvSpPr txBox="1"/>
-                <p:nvPr/>
-              </p:nvSpPr>
-              <p:spPr>
-                <a:xfrm>
-                  <a:off x="2549109" y="19787806"/>
-                  <a:ext cx="874615" cy="289441"/>
-                </a:xfrm>
-                <a:prstGeom prst="roundRect">
-                  <a:avLst/>
-                </a:prstGeom>
-                <a:solidFill>
-                  <a:schemeClr val="bg1"/>
-                </a:solidFill>
-              </p:spPr>
-              <p:txBody>
-                <a:bodyPr wrap="square" rtlCol="0">
-                  <a:spAutoFit/>
-                </a:bodyPr>
-                <a:lstStyle/>
-                <a:p>
-                  <a:r>
-                    <a:rPr lang="es-ES" sz="1100" dirty="0"/>
-                    <a:t>Inmaduros</a:t>
-                  </a:r>
-                </a:p>
-              </p:txBody>
-            </p:sp>
-            <p:sp>
-              <p:nvSpPr>
-                <p:cNvPr id="1052" name="CuadroTexto 1051">
-                  <a:extLst>
-                    <a:ext uri="{FF2B5EF4-FFF2-40B4-BE49-F238E27FC236}">
-                      <a16:creationId xmlns:a16="http://schemas.microsoft.com/office/drawing/2014/main" id="{BEF54AA3-C288-A02D-F69C-C578D41DF304}"/>
-                    </a:ext>
-                  </a:extLst>
-                </p:cNvPr>
-                <p:cNvSpPr txBox="1"/>
-                <p:nvPr/>
-              </p:nvSpPr>
-              <p:spPr>
-                <a:xfrm>
-                  <a:off x="3793167" y="19790576"/>
-                  <a:ext cx="752891" cy="289441"/>
-                </a:xfrm>
-                <a:prstGeom prst="roundRect">
-                  <a:avLst/>
-                </a:prstGeom>
-                <a:solidFill>
-                  <a:schemeClr val="bg1"/>
-                </a:solidFill>
-              </p:spPr>
-              <p:txBody>
-                <a:bodyPr wrap="square" rtlCol="0">
-                  <a:spAutoFit/>
-                </a:bodyPr>
-                <a:lstStyle/>
-                <a:p>
-                  <a:r>
-                    <a:rPr lang="es-ES" sz="1100" dirty="0"/>
-                    <a:t>Maduros</a:t>
-                  </a:r>
-                </a:p>
-              </p:txBody>
-            </p:sp>
-          </p:grpSp>
-          <p:sp>
-            <p:nvSpPr>
-              <p:cNvPr id="1047" name="Rectángulo 1046">
-                <a:extLst>
-                  <a:ext uri="{FF2B5EF4-FFF2-40B4-BE49-F238E27FC236}">
-                    <a16:creationId xmlns:a16="http://schemas.microsoft.com/office/drawing/2014/main" id="{B06A574D-9C48-BF65-77FB-5C42E14C1998}"/>
-                  </a:ext>
-                </a:extLst>
-              </p:cNvPr>
-              <p:cNvSpPr/>
+              <p:cNvSpPr txBox="1"/>
               <p:nvPr/>
             </p:nvSpPr>
             <p:spPr>
               <a:xfrm>
-                <a:off x="5715000" y="19876977"/>
-                <a:ext cx="1170204" cy="354607"/>
+                <a:off x="2549109" y="19787806"/>
+                <a:ext cx="874615" cy="289441"/>
               </a:xfrm>
-              <a:prstGeom prst="rect">
+              <a:prstGeom prst="roundRect">
                 <a:avLst/>
               </a:prstGeom>
               <a:solidFill>
                 <a:schemeClr val="bg1"/>
               </a:solidFill>
-              <a:ln>
-                <a:noFill/>
-              </a:ln>
             </p:spPr>
-            <p:style>
-              <a:lnRef idx="2">
-                <a:schemeClr val="accent1">
-                  <a:shade val="15000"/>
-                </a:schemeClr>
-              </a:lnRef>
-              <a:fillRef idx="1">
-                <a:schemeClr val="accent1"/>
-              </a:fillRef>
-              <a:effectRef idx="0">
-                <a:schemeClr val="accent1"/>
-              </a:effectRef>
-              <a:fontRef idx="minor">
-                <a:schemeClr val="lt1"/>
-              </a:fontRef>
-            </p:style>
             <p:txBody>
-              <a:bodyPr rtlCol="0" anchor="ctr"/>
+              <a:bodyPr wrap="square" rtlCol="0">
+                <a:spAutoFit/>
+              </a:bodyPr>
               <a:lstStyle/>
               <a:p>
-                <a:pPr algn="ctr"/>
-                <a:endParaRPr lang="es-ES"/>
+                <a:r>
+                  <a:rPr lang="es-ES" sz="1100" dirty="0"/>
+                  <a:t>Inmaduros</a:t>
+                </a:r>
               </a:p>
             </p:txBody>
           </p:sp>
-          <p:grpSp>
-            <p:nvGrpSpPr>
-              <p:cNvPr id="1048" name="Grupo 1047">
+          <p:sp>
+            <p:nvSpPr>
+              <p:cNvPr id="1039" name="CuadroTexto 1038">
                 <a:extLst>
                   <a:ext uri="{FF2B5EF4-FFF2-40B4-BE49-F238E27FC236}">
-                    <a16:creationId xmlns:a16="http://schemas.microsoft.com/office/drawing/2014/main" id="{EE3C55DC-8224-23F0-096A-AB8A716C79DF}"/>
+                    <a16:creationId xmlns:a16="http://schemas.microsoft.com/office/drawing/2014/main" id="{6054ADBD-796D-EC94-838E-9DC0EA2F3BE9}"/>
                   </a:ext>
                 </a:extLst>
               </p:cNvPr>
-              <p:cNvGrpSpPr/>
+              <p:cNvSpPr txBox="1"/>
               <p:nvPr/>
-            </p:nvGrpSpPr>
-            <p:grpSpPr>
+            </p:nvSpPr>
+            <p:spPr>
               <a:xfrm>
-                <a:off x="5211608" y="19787806"/>
-                <a:ext cx="1996949" cy="292211"/>
-                <a:chOff x="2549109" y="19787806"/>
-                <a:chExt cx="1996949" cy="292211"/>
+                <a:off x="3793167" y="19790576"/>
+                <a:ext cx="752891" cy="289441"/>
               </a:xfrm>
-            </p:grpSpPr>
-            <p:sp>
-              <p:nvSpPr>
-                <p:cNvPr id="1049" name="CuadroTexto 1048">
-                  <a:extLst>
-                    <a:ext uri="{FF2B5EF4-FFF2-40B4-BE49-F238E27FC236}">
-                      <a16:creationId xmlns:a16="http://schemas.microsoft.com/office/drawing/2014/main" id="{FC6AE063-FB99-BDD8-134E-FF2BAE266FE2}"/>
-                    </a:ext>
-                  </a:extLst>
-                </p:cNvPr>
-                <p:cNvSpPr txBox="1"/>
-                <p:nvPr/>
-              </p:nvSpPr>
-              <p:spPr>
-                <a:xfrm>
-                  <a:off x="2549109" y="19787806"/>
-                  <a:ext cx="874615" cy="289441"/>
-                </a:xfrm>
-                <a:prstGeom prst="roundRect">
-                  <a:avLst/>
-                </a:prstGeom>
-                <a:solidFill>
-                  <a:schemeClr val="bg1"/>
-                </a:solidFill>
-              </p:spPr>
-              <p:txBody>
-                <a:bodyPr wrap="square" rtlCol="0">
-                  <a:spAutoFit/>
-                </a:bodyPr>
-                <a:lstStyle/>
-                <a:p>
-                  <a:r>
-                    <a:rPr lang="es-ES" sz="1100" dirty="0"/>
-                    <a:t>Inmaduros</a:t>
-                  </a:r>
-                </a:p>
-              </p:txBody>
-            </p:sp>
-            <p:sp>
-              <p:nvSpPr>
-                <p:cNvPr id="1050" name="CuadroTexto 1049">
-                  <a:extLst>
-                    <a:ext uri="{FF2B5EF4-FFF2-40B4-BE49-F238E27FC236}">
-                      <a16:creationId xmlns:a16="http://schemas.microsoft.com/office/drawing/2014/main" id="{5D8F2724-DBE2-2FE6-BD71-C9F7832342C1}"/>
-                    </a:ext>
-                  </a:extLst>
-                </p:cNvPr>
-                <p:cNvSpPr txBox="1"/>
-                <p:nvPr/>
-              </p:nvSpPr>
-              <p:spPr>
-                <a:xfrm>
-                  <a:off x="3793167" y="19790576"/>
-                  <a:ext cx="752891" cy="289441"/>
-                </a:xfrm>
-                <a:prstGeom prst="roundRect">
-                  <a:avLst/>
-                </a:prstGeom>
-                <a:solidFill>
-                  <a:schemeClr val="bg1"/>
-                </a:solidFill>
-              </p:spPr>
-              <p:txBody>
-                <a:bodyPr wrap="square" rtlCol="0">
-                  <a:spAutoFit/>
-                </a:bodyPr>
-                <a:lstStyle/>
-                <a:p>
-                  <a:r>
-                    <a:rPr lang="es-ES" sz="1100" dirty="0"/>
-                    <a:t>Maduros</a:t>
-                  </a:r>
-                </a:p>
-              </p:txBody>
-            </p:sp>
-          </p:grpSp>
+              <a:prstGeom prst="roundRect">
+                <a:avLst/>
+              </a:prstGeom>
+              <a:solidFill>
+                <a:schemeClr val="bg1"/>
+              </a:solidFill>
+            </p:spPr>
+            <p:txBody>
+              <a:bodyPr wrap="square" rtlCol="0">
+                <a:spAutoFit/>
+              </a:bodyPr>
+              <a:lstStyle/>
+              <a:p>
+                <a:r>
+                  <a:rPr lang="es-ES" sz="1100" dirty="0"/>
+                  <a:t>Maduros</a:t>
+                </a:r>
+              </a:p>
+            </p:txBody>
+          </p:sp>
         </p:grpSp>
       </p:grpSp>
+      <p:sp>
+        <p:nvSpPr>
+          <p:cNvPr id="31" name="CuadroTexto 30">
+            <a:extLst>
+              <a:ext uri="{FF2B5EF4-FFF2-40B4-BE49-F238E27FC236}">
+                <a16:creationId xmlns:a16="http://schemas.microsoft.com/office/drawing/2014/main" id="{58147DDB-68C0-46BB-7172-303FB4C2DE67}"/>
+              </a:ext>
+            </a:extLst>
+          </p:cNvPr>
+          <p:cNvSpPr txBox="1"/>
+          <p:nvPr/>
+        </p:nvSpPr>
+        <p:spPr>
+          <a:xfrm>
+            <a:off x="18179432" y="21716836"/>
+            <a:ext cx="414751" cy="646331"/>
+          </a:xfrm>
+          <a:prstGeom prst="rect">
+            <a:avLst/>
+          </a:prstGeom>
+          <a:noFill/>
+        </p:spPr>
+        <p:txBody>
+          <a:bodyPr wrap="square" rtlCol="0">
+            <a:spAutoFit/>
+          </a:bodyPr>
+          <a:lstStyle/>
+          <a:p>
+            <a:r>
+              <a:rPr lang="es-ES" sz="3600" b="1" dirty="0">
+                <a:solidFill>
+                  <a:schemeClr val="tx2"/>
+                </a:solidFill>
+              </a:rPr>
+              <a:t>*</a:t>
+            </a:r>
+          </a:p>
+        </p:txBody>
+      </p:sp>
+      <p:sp>
+        <p:nvSpPr>
+          <p:cNvPr id="33" name="Arco 32">
+            <a:extLst>
+              <a:ext uri="{FF2B5EF4-FFF2-40B4-BE49-F238E27FC236}">
+                <a16:creationId xmlns:a16="http://schemas.microsoft.com/office/drawing/2014/main" id="{24C337A4-3B32-387A-CBF1-5BC1057E5CB1}"/>
+              </a:ext>
+            </a:extLst>
+          </p:cNvPr>
+          <p:cNvSpPr/>
+          <p:nvPr/>
+        </p:nvSpPr>
+        <p:spPr>
+          <a:xfrm>
+            <a:off x="16261824" y="8243865"/>
+            <a:ext cx="2191755" cy="1325278"/>
+          </a:xfrm>
+          <a:prstGeom prst="arc">
+            <a:avLst>
+              <a:gd name="adj1" fmla="val 21302509"/>
+              <a:gd name="adj2" fmla="val 4092603"/>
+            </a:avLst>
+          </a:prstGeom>
+          <a:ln w="38100">
+            <a:solidFill>
+              <a:schemeClr val="accent2"/>
+            </a:solidFill>
+            <a:headEnd type="none" w="med" len="med"/>
+            <a:tailEnd type="arrow" w="med" len="med"/>
+          </a:ln>
+        </p:spPr>
+        <p:style>
+          <a:lnRef idx="1">
+            <a:schemeClr val="accent1"/>
+          </a:lnRef>
+          <a:fillRef idx="0">
+            <a:schemeClr val="accent1"/>
+          </a:fillRef>
+          <a:effectRef idx="0">
+            <a:schemeClr val="accent1"/>
+          </a:effectRef>
+          <a:fontRef idx="minor">
+            <a:schemeClr val="tx1"/>
+          </a:fontRef>
+        </p:style>
+        <p:txBody>
+          <a:bodyPr rtlCol="0" anchor="ctr"/>
+          <a:lstStyle/>
+          <a:p>
+            <a:pPr algn="ctr"/>
+            <a:endParaRPr lang="es-ES"/>
+          </a:p>
+        </p:txBody>
+      </p:sp>
+      <p:sp>
+        <p:nvSpPr>
+          <p:cNvPr id="34" name="CuadroTexto 33">
+            <a:extLst>
+              <a:ext uri="{FF2B5EF4-FFF2-40B4-BE49-F238E27FC236}">
+                <a16:creationId xmlns:a16="http://schemas.microsoft.com/office/drawing/2014/main" id="{F97C47D5-4F09-A504-E85E-1AADCD237F7C}"/>
+              </a:ext>
+            </a:extLst>
+          </p:cNvPr>
+          <p:cNvSpPr txBox="1"/>
+          <p:nvPr/>
+        </p:nvSpPr>
+        <p:spPr>
+          <a:xfrm>
+            <a:off x="351405" y="28760645"/>
+            <a:ext cx="10799152" cy="1558052"/>
+          </a:xfrm>
+          <a:prstGeom prst="roundRect">
+            <a:avLst>
+              <a:gd name="adj" fmla="val 50000"/>
+            </a:avLst>
+          </a:prstGeom>
+          <a:noFill/>
+        </p:spPr>
+        <p:txBody>
+          <a:bodyPr wrap="square" rtlCol="0">
+            <a:spAutoFit/>
+          </a:bodyPr>
+          <a:lstStyle/>
+          <a:p>
+            <a:pPr algn="just">
+              <a:buClr>
+                <a:schemeClr val="accent1">
+                  <a:lumMod val="75000"/>
+                  <a:lumOff val="25000"/>
+                </a:schemeClr>
+              </a:buClr>
+              <a:buSzPct val="120000"/>
+            </a:pPr>
+            <a:r>
+              <a:rPr lang="es-ES" b="1" dirty="0"/>
+              <a:t>Referencias</a:t>
+            </a:r>
+            <a:r>
+              <a:rPr lang="es-ES" dirty="0"/>
+              <a:t>:</a:t>
+            </a:r>
+          </a:p>
+          <a:p>
+            <a:pPr algn="just">
+              <a:buClr>
+                <a:schemeClr val="accent1">
+                  <a:lumMod val="75000"/>
+                  <a:lumOff val="25000"/>
+                </a:schemeClr>
+              </a:buClr>
+              <a:buSzPct val="120000"/>
+            </a:pPr>
+            <a:r>
+              <a:rPr lang="es-ES" sz="1500" dirty="0" err="1"/>
+              <a:t>Bocharova</a:t>
+            </a:r>
+            <a:r>
+              <a:rPr lang="es-ES" sz="1500" dirty="0"/>
+              <a:t>, E. S., &amp; </a:t>
+            </a:r>
+            <a:r>
+              <a:rPr lang="es-ES" sz="1500" dirty="0" err="1"/>
+              <a:t>Kozevich</a:t>
+            </a:r>
+            <a:r>
+              <a:rPr lang="es-ES" sz="1500" dirty="0"/>
+              <a:t>, I. A. (2011) DOI: </a:t>
+            </a:r>
+            <a:r>
+              <a:rPr lang="es-ES" sz="1500" b="1" dirty="0">
+                <a:solidFill>
+                  <a:schemeClr val="accent5"/>
+                </a:solidFill>
+              </a:rPr>
+              <a:t>10.1134/S1062359011090020</a:t>
+            </a:r>
+          </a:p>
+          <a:p>
+            <a:pPr algn="just">
+              <a:buClr>
+                <a:schemeClr val="accent1">
+                  <a:lumMod val="75000"/>
+                  <a:lumOff val="25000"/>
+                </a:schemeClr>
+              </a:buClr>
+              <a:buSzPct val="120000"/>
+            </a:pPr>
+            <a:r>
+              <a:rPr lang="es-ES" sz="1500" dirty="0"/>
+              <a:t>Utrilla, O., Castro-Claros, J. D., Urra, J., Navas, F. D., &amp; Salas, C. (2019) DOI: </a:t>
+            </a:r>
+            <a:r>
+              <a:rPr lang="es-ES" sz="1500" b="1" dirty="0">
+                <a:solidFill>
+                  <a:schemeClr val="accent5"/>
+                </a:solidFill>
+              </a:rPr>
+              <a:t>10.1007/s00227-019-3558-5</a:t>
+            </a:r>
+          </a:p>
+          <a:p>
+            <a:pPr algn="just">
+              <a:buClr>
+                <a:schemeClr val="accent1">
+                  <a:lumMod val="75000"/>
+                  <a:lumOff val="25000"/>
+                </a:schemeClr>
+              </a:buClr>
+              <a:buSzPct val="120000"/>
+            </a:pPr>
+            <a:r>
+              <a:rPr lang="it-IT" sz="1500" dirty="0"/>
+              <a:t>Richier, S., Merle, P. L., Furla, P., Pigozzi, D., Sola, F., &amp; Allemand, D. (2003). DOI: </a:t>
+            </a:r>
+            <a:r>
+              <a:rPr lang="it-IT" sz="1500" b="1" dirty="0">
+                <a:solidFill>
+                  <a:schemeClr val="accent5"/>
+                </a:solidFill>
+              </a:rPr>
+              <a:t>10.1016/S0304-4165(03)00049-7</a:t>
+            </a:r>
+            <a:endParaRPr lang="es-ES" sz="1500" b="1" dirty="0">
+              <a:solidFill>
+                <a:schemeClr val="accent5"/>
+              </a:solidFill>
+            </a:endParaRPr>
+          </a:p>
+        </p:txBody>
+      </p:sp>
       <p:pic>
         <p:nvPicPr>
-          <p:cNvPr id="15" name="Picture 4" descr="Anemonia viridis">
+          <p:cNvPr id="1026" name="Picture 2">
             <a:extLst>
               <a:ext uri="{FF2B5EF4-FFF2-40B4-BE49-F238E27FC236}">
-                <a16:creationId xmlns:a16="http://schemas.microsoft.com/office/drawing/2014/main" id="{95C7ACA0-6865-4BA9-253E-AD48D6BE7090}"/>
+                <a16:creationId xmlns:a16="http://schemas.microsoft.com/office/drawing/2014/main" id="{B50B7BDB-75FD-FD0B-5F58-60A06BD89B81}"/>
               </a:ext>
             </a:extLst>
           </p:cNvPr>
@@ -6912,7 +7955,7 @@
           <p:nvPr/>
         </p:nvPicPr>
         <p:blipFill>
-          <a:blip r:embed="rId11" cstate="print">
+          <a:blip r:embed="rId8">
             <a:extLst>
               <a:ext uri="{28A0092B-C50C-407E-A947-70E740481C1C}">
                 <a14:useLocalDpi xmlns:a14="http://schemas.microsoft.com/office/drawing/2010/main" val="0"/>
@@ -6926,8 +7969,8 @@
         </p:blipFill>
         <p:spPr bwMode="auto">
           <a:xfrm>
-            <a:off x="7855171" y="5690004"/>
-            <a:ext cx="4814417" cy="3925819"/>
+            <a:off x="15740958" y="2071202"/>
+            <a:ext cx="2110510" cy="2110510"/>
           </a:xfrm>
           <a:prstGeom prst="rect">
             <a:avLst/>
@@ -6944,147 +7987,12 @@
           </a:extLst>
         </p:spPr>
       </p:pic>
-      <p:sp>
-        <p:nvSpPr>
-          <p:cNvPr id="43" name="CuadroTexto 42">
+      <p:grpSp>
+        <p:nvGrpSpPr>
+          <p:cNvPr id="38" name="Grupo 37">
             <a:extLst>
               <a:ext uri="{FF2B5EF4-FFF2-40B4-BE49-F238E27FC236}">
-                <a16:creationId xmlns:a16="http://schemas.microsoft.com/office/drawing/2014/main" id="{820C7313-AA0F-4894-2873-7A4F4766C0A9}"/>
-              </a:ext>
-            </a:extLst>
-          </p:cNvPr>
-          <p:cNvSpPr txBox="1"/>
-          <p:nvPr/>
-        </p:nvSpPr>
-        <p:spPr>
-          <a:xfrm>
-            <a:off x="17017190" y="11711324"/>
-            <a:ext cx="3533872" cy="707886"/>
-          </a:xfrm>
-          <a:prstGeom prst="rect">
-            <a:avLst/>
-          </a:prstGeom>
-          <a:noFill/>
-        </p:spPr>
-        <p:txBody>
-          <a:bodyPr wrap="square" rtlCol="0">
-            <a:spAutoFit/>
-          </a:bodyPr>
-          <a:lstStyle/>
-          <a:p>
-            <a:pPr algn="r">
-              <a:buClr>
-                <a:schemeClr val="accent2"/>
-              </a:buClr>
-              <a:buSzPct val="120000"/>
-            </a:pPr>
-            <a:r>
-              <a:rPr lang="es-ES" sz="2000" dirty="0"/>
-              <a:t>… y más parámetros no incluidos</a:t>
-            </a:r>
-          </a:p>
-        </p:txBody>
-      </p:sp>
-      <p:sp>
-        <p:nvSpPr>
-          <p:cNvPr id="48" name="CuadroTexto 47">
-            <a:extLst>
-              <a:ext uri="{FF2B5EF4-FFF2-40B4-BE49-F238E27FC236}">
-                <a16:creationId xmlns:a16="http://schemas.microsoft.com/office/drawing/2014/main" id="{9EBB9734-F686-41C0-968D-FC9C21D2C8F1}"/>
-              </a:ext>
-            </a:extLst>
-          </p:cNvPr>
-          <p:cNvSpPr txBox="1"/>
-          <p:nvPr/>
-        </p:nvSpPr>
-        <p:spPr>
-          <a:xfrm>
-            <a:off x="13549353" y="11375457"/>
-            <a:ext cx="4599407" cy="369332"/>
-          </a:xfrm>
-          <a:prstGeom prst="rect">
-            <a:avLst/>
-          </a:prstGeom>
-          <a:noFill/>
-        </p:spPr>
-        <p:txBody>
-          <a:bodyPr wrap="square" rtlCol="0">
-            <a:spAutoFit/>
-          </a:bodyPr>
-          <a:lstStyle/>
-          <a:p>
-            <a:pPr algn="ctr">
-              <a:buClr>
-                <a:schemeClr val="accent2"/>
-              </a:buClr>
-              <a:buSzPct val="120000"/>
-            </a:pPr>
-            <a:r>
-              <a:rPr lang="es-ES" dirty="0"/>
-              <a:t>(de ambos grupos)</a:t>
-            </a:r>
-          </a:p>
-        </p:txBody>
-      </p:sp>
-      <p:sp>
-        <p:nvSpPr>
-          <p:cNvPr id="53" name="CuadroTexto 52">
-            <a:extLst>
-              <a:ext uri="{FF2B5EF4-FFF2-40B4-BE49-F238E27FC236}">
-                <a16:creationId xmlns:a16="http://schemas.microsoft.com/office/drawing/2014/main" id="{E863C48A-E925-32CA-91B7-77E0F6D4C65E}"/>
-              </a:ext>
-            </a:extLst>
-          </p:cNvPr>
-          <p:cNvSpPr txBox="1"/>
-          <p:nvPr/>
-        </p:nvSpPr>
-        <p:spPr>
-          <a:xfrm>
-            <a:off x="14140410" y="12763000"/>
-            <a:ext cx="5526485" cy="400110"/>
-          </a:xfrm>
-          <a:prstGeom prst="rect">
-            <a:avLst/>
-          </a:prstGeom>
-          <a:noFill/>
-        </p:spPr>
-        <p:txBody>
-          <a:bodyPr wrap="square" rtlCol="0">
-            <a:spAutoFit/>
-          </a:bodyPr>
-          <a:lstStyle/>
-          <a:p>
-            <a:pPr>
-              <a:buClr>
-                <a:schemeClr val="accent2"/>
-              </a:buClr>
-              <a:buSzPct val="120000"/>
-            </a:pPr>
-            <a:r>
-              <a:rPr lang="es-ES" sz="2000" dirty="0"/>
-              <a:t>Análisis estadístico:   ANOVA de 2 vías, </a:t>
-            </a:r>
-            <a:r>
-              <a:rPr lang="el-GR" sz="2000" dirty="0">
-                <a:latin typeface="Calibri" panose="020F0502020204030204" pitchFamily="34" charset="0"/>
-                <a:ea typeface="Calibri" panose="020F0502020204030204" pitchFamily="34" charset="0"/>
-                <a:cs typeface="Calibri" panose="020F0502020204030204" pitchFamily="34" charset="0"/>
-              </a:rPr>
-              <a:t>α</a:t>
-            </a:r>
-            <a:r>
-              <a:rPr lang="es-ES" sz="2000" dirty="0"/>
-              <a:t> = 0.05</a:t>
-            </a:r>
-          </a:p>
-        </p:txBody>
-      </p:sp>
-      <p:grpSp>
-        <p:nvGrpSpPr>
-          <p:cNvPr id="1067" name="Grupo 1066">
-            <a:extLst>
-              <a:ext uri="{FF2B5EF4-FFF2-40B4-BE49-F238E27FC236}">
-                <a16:creationId xmlns:a16="http://schemas.microsoft.com/office/drawing/2014/main" id="{5EE6B678-FDE0-146F-DBF3-5135E5EEB6AF}"/>
+                <a16:creationId xmlns:a16="http://schemas.microsoft.com/office/drawing/2014/main" id="{DA42BC5F-A487-0974-9B91-9FD4947E73DA}"/>
               </a:ext>
             </a:extLst>
           </p:cNvPr>
@@ -7093,18 +8001,287 @@
         </p:nvGrpSpPr>
         <p:grpSpPr>
           <a:xfrm>
-            <a:off x="1081880" y="20776077"/>
-            <a:ext cx="8572789" cy="3645160"/>
-            <a:chOff x="1081880" y="20776077"/>
-            <a:chExt cx="8572789" cy="3645160"/>
+            <a:off x="10174997" y="29115384"/>
+            <a:ext cx="10988789" cy="848573"/>
+            <a:chOff x="9065704" y="28230186"/>
+            <a:chExt cx="10988789" cy="848573"/>
+          </a:xfrm>
+        </p:grpSpPr>
+        <p:pic>
+          <p:nvPicPr>
+            <p:cNvPr id="1084" name="Imagen 1083">
+              <a:extLst>
+                <a:ext uri="{FF2B5EF4-FFF2-40B4-BE49-F238E27FC236}">
+                  <a16:creationId xmlns:a16="http://schemas.microsoft.com/office/drawing/2014/main" id="{8701FCB1-2D07-F1D8-7A31-7DD0112FB104}"/>
+                </a:ext>
+              </a:extLst>
+            </p:cNvPr>
+            <p:cNvPicPr>
+              <a:picLocks noChangeAspect="1"/>
+            </p:cNvPicPr>
+            <p:nvPr/>
+          </p:nvPicPr>
+          <p:blipFill rotWithShape="1">
+            <a:blip r:embed="rId9" cstate="print">
+              <a:extLst>
+                <a:ext uri="{28A0092B-C50C-407E-A947-70E740481C1C}">
+                  <a14:useLocalDpi xmlns:a14="http://schemas.microsoft.com/office/drawing/2010/main" val="0"/>
+                </a:ext>
+              </a:extLst>
+            </a:blip>
+            <a:srcRect l="70134"/>
+            <a:stretch/>
+          </p:blipFill>
+          <p:spPr>
+            <a:xfrm>
+              <a:off x="16483464" y="28232897"/>
+              <a:ext cx="3571029" cy="826374"/>
+            </a:xfrm>
+            <a:prstGeom prst="rect">
+              <a:avLst/>
+            </a:prstGeom>
+          </p:spPr>
+        </p:pic>
+        <p:pic>
+          <p:nvPicPr>
+            <p:cNvPr id="35" name="Imagen 34">
+              <a:extLst>
+                <a:ext uri="{FF2B5EF4-FFF2-40B4-BE49-F238E27FC236}">
+                  <a16:creationId xmlns:a16="http://schemas.microsoft.com/office/drawing/2014/main" id="{476D01BC-577D-C3E1-EAD6-D29CD6FCDA21}"/>
+                </a:ext>
+              </a:extLst>
+            </p:cNvPr>
+            <p:cNvPicPr>
+              <a:picLocks noChangeAspect="1"/>
+            </p:cNvPicPr>
+            <p:nvPr/>
+          </p:nvPicPr>
+          <p:blipFill rotWithShape="1">
+            <a:blip r:embed="rId9" cstate="print">
+              <a:extLst>
+                <a:ext uri="{28A0092B-C50C-407E-A947-70E740481C1C}">
+                  <a14:useLocalDpi xmlns:a14="http://schemas.microsoft.com/office/drawing/2010/main" val="0"/>
+                </a:ext>
+              </a:extLst>
+            </a:blip>
+            <a:srcRect r="70441"/>
+            <a:stretch/>
+          </p:blipFill>
+          <p:spPr>
+            <a:xfrm>
+              <a:off x="9065704" y="28232897"/>
+              <a:ext cx="3534307" cy="826374"/>
+            </a:xfrm>
+            <a:prstGeom prst="rect">
+              <a:avLst/>
+            </a:prstGeom>
+          </p:spPr>
+        </p:pic>
+        <p:pic>
+          <p:nvPicPr>
+            <p:cNvPr id="36" name="Imagen 35">
+              <a:extLst>
+                <a:ext uri="{FF2B5EF4-FFF2-40B4-BE49-F238E27FC236}">
+                  <a16:creationId xmlns:a16="http://schemas.microsoft.com/office/drawing/2014/main" id="{87E5FBA2-7FBF-0924-27FB-083F919C6D1E}"/>
+                </a:ext>
+              </a:extLst>
+            </p:cNvPr>
+            <p:cNvPicPr>
+              <a:picLocks noChangeAspect="1"/>
+            </p:cNvPicPr>
+            <p:nvPr/>
+          </p:nvPicPr>
+          <p:blipFill rotWithShape="1">
+            <a:blip r:embed="rId9" cstate="print">
+              <a:extLst>
+                <a:ext uri="{28A0092B-C50C-407E-A947-70E740481C1C}">
+                  <a14:useLocalDpi xmlns:a14="http://schemas.microsoft.com/office/drawing/2010/main" val="0"/>
+                </a:ext>
+              </a:extLst>
+            </a:blip>
+            <a:srcRect l="30454" t="-988" r="57906" b="-1699"/>
+            <a:stretch/>
+          </p:blipFill>
+          <p:spPr>
+            <a:xfrm>
+              <a:off x="12600011" y="28230186"/>
+              <a:ext cx="1391707" cy="848573"/>
+            </a:xfrm>
+            <a:prstGeom prst="rect">
+              <a:avLst/>
+            </a:prstGeom>
+          </p:spPr>
+        </p:pic>
+        <p:pic>
+          <p:nvPicPr>
+            <p:cNvPr id="37" name="Imagen 36">
+              <a:extLst>
+                <a:ext uri="{FF2B5EF4-FFF2-40B4-BE49-F238E27FC236}">
+                  <a16:creationId xmlns:a16="http://schemas.microsoft.com/office/drawing/2014/main" id="{2C68C312-A860-44A3-6B3E-7322258E499A}"/>
+                </a:ext>
+              </a:extLst>
+            </p:cNvPr>
+            <p:cNvPicPr>
+              <a:picLocks noChangeAspect="1"/>
+            </p:cNvPicPr>
+            <p:nvPr/>
+          </p:nvPicPr>
+          <p:blipFill rotWithShape="1">
+            <a:blip r:embed="rId9" cstate="print">
+              <a:extLst>
+                <a:ext uri="{28A0092B-C50C-407E-A947-70E740481C1C}">
+                  <a14:useLocalDpi xmlns:a14="http://schemas.microsoft.com/office/drawing/2010/main" val="0"/>
+                </a:ext>
+              </a:extLst>
+            </a:blip>
+            <a:srcRect l="44899" r="33636"/>
+            <a:stretch/>
+          </p:blipFill>
+          <p:spPr>
+            <a:xfrm>
+              <a:off x="13917126" y="28240049"/>
+              <a:ext cx="2566431" cy="826374"/>
+            </a:xfrm>
+            <a:prstGeom prst="rect">
+              <a:avLst/>
+            </a:prstGeom>
+          </p:spPr>
+        </p:pic>
+      </p:grpSp>
+      <p:sp>
+        <p:nvSpPr>
+          <p:cNvPr id="39" name="Arco 38">
+            <a:extLst>
+              <a:ext uri="{FF2B5EF4-FFF2-40B4-BE49-F238E27FC236}">
+                <a16:creationId xmlns:a16="http://schemas.microsoft.com/office/drawing/2014/main" id="{08F4046E-7B1C-6C2D-3685-910DA64671BE}"/>
+              </a:ext>
+            </a:extLst>
+          </p:cNvPr>
+          <p:cNvSpPr/>
+          <p:nvPr/>
+        </p:nvSpPr>
+        <p:spPr>
+          <a:xfrm rot="2504034">
+            <a:off x="3544793" y="20997970"/>
+            <a:ext cx="671333" cy="723442"/>
+          </a:xfrm>
+          <a:prstGeom prst="arc">
+            <a:avLst>
+              <a:gd name="adj1" fmla="val 8536539"/>
+              <a:gd name="adj2" fmla="val 13971969"/>
+            </a:avLst>
+          </a:prstGeom>
+          <a:ln w="19050">
+            <a:solidFill>
+              <a:schemeClr val="accent2"/>
+            </a:solidFill>
+            <a:headEnd type="arrow" w="med" len="med"/>
+            <a:tailEnd type="none" w="med" len="med"/>
+          </a:ln>
+        </p:spPr>
+        <p:style>
+          <a:lnRef idx="1">
+            <a:schemeClr val="accent1"/>
+          </a:lnRef>
+          <a:fillRef idx="0">
+            <a:schemeClr val="accent1"/>
+          </a:fillRef>
+          <a:effectRef idx="0">
+            <a:schemeClr val="accent1"/>
+          </a:effectRef>
+          <a:fontRef idx="minor">
+            <a:schemeClr val="tx1"/>
+          </a:fontRef>
+        </p:style>
+        <p:txBody>
+          <a:bodyPr rtlCol="0" anchor="ctr"/>
+          <a:lstStyle/>
+          <a:p>
+            <a:pPr algn="ctr"/>
+            <a:endParaRPr lang="es-ES"/>
+          </a:p>
+        </p:txBody>
+      </p:sp>
+      <p:sp>
+        <p:nvSpPr>
+          <p:cNvPr id="40" name="Arco 39">
+            <a:extLst>
+              <a:ext uri="{FF2B5EF4-FFF2-40B4-BE49-F238E27FC236}">
+                <a16:creationId xmlns:a16="http://schemas.microsoft.com/office/drawing/2014/main" id="{43718E12-FB2D-DCFB-B09C-07A0647CA202}"/>
+              </a:ext>
+            </a:extLst>
+          </p:cNvPr>
+          <p:cNvSpPr/>
+          <p:nvPr/>
+        </p:nvSpPr>
+        <p:spPr>
+          <a:xfrm rot="19095966" flipH="1">
+            <a:off x="5373488" y="20993404"/>
+            <a:ext cx="671332" cy="723441"/>
+          </a:xfrm>
+          <a:prstGeom prst="arc">
+            <a:avLst>
+              <a:gd name="adj1" fmla="val 9358904"/>
+              <a:gd name="adj2" fmla="val 13971969"/>
+            </a:avLst>
+          </a:prstGeom>
+          <a:ln w="19050">
+            <a:solidFill>
+              <a:schemeClr val="accent2"/>
+            </a:solidFill>
+            <a:headEnd type="arrow" w="med" len="med"/>
+            <a:tailEnd type="none" w="med" len="med"/>
+          </a:ln>
+        </p:spPr>
+        <p:style>
+          <a:lnRef idx="1">
+            <a:schemeClr val="accent1"/>
+          </a:lnRef>
+          <a:fillRef idx="0">
+            <a:schemeClr val="accent1"/>
+          </a:fillRef>
+          <a:effectRef idx="0">
+            <a:schemeClr val="accent1"/>
+          </a:effectRef>
+          <a:fontRef idx="minor">
+            <a:schemeClr val="tx1"/>
+          </a:fontRef>
+        </p:style>
+        <p:txBody>
+          <a:bodyPr rtlCol="0" anchor="ctr"/>
+          <a:lstStyle/>
+          <a:p>
+            <a:pPr algn="ctr"/>
+            <a:endParaRPr lang="es-ES"/>
+          </a:p>
+        </p:txBody>
+      </p:sp>
+      <p:grpSp>
+        <p:nvGrpSpPr>
+          <p:cNvPr id="16" name="Grupo 15">
+            <a:extLst>
+              <a:ext uri="{FF2B5EF4-FFF2-40B4-BE49-F238E27FC236}">
+                <a16:creationId xmlns:a16="http://schemas.microsoft.com/office/drawing/2014/main" id="{088B95C0-519F-E943-C308-847CCC271532}"/>
+              </a:ext>
+            </a:extLst>
+          </p:cNvPr>
+          <p:cNvGrpSpPr/>
+          <p:nvPr/>
+        </p:nvGrpSpPr>
+        <p:grpSpPr>
+          <a:xfrm>
+            <a:off x="13803367" y="6199825"/>
+            <a:ext cx="6662453" cy="5807064"/>
+            <a:chOff x="13803367" y="6199825"/>
+            <a:chExt cx="6662453" cy="5807064"/>
           </a:xfrm>
         </p:grpSpPr>
         <p:grpSp>
           <p:nvGrpSpPr>
-            <p:cNvPr id="1057" name="Grupo 1056">
+            <p:cNvPr id="107" name="Grupo 106">
               <a:extLst>
                 <a:ext uri="{FF2B5EF4-FFF2-40B4-BE49-F238E27FC236}">
-                  <a16:creationId xmlns:a16="http://schemas.microsoft.com/office/drawing/2014/main" id="{F4079B1F-AB7D-64D7-4C44-B5E80F59628B}"/>
+                  <a16:creationId xmlns:a16="http://schemas.microsoft.com/office/drawing/2014/main" id="{A3DF9C02-58CA-4543-A7C9-EE1144170FE2}"/>
                 </a:ext>
               </a:extLst>
             </p:cNvPr>
@@ -7113,18 +8290,18 @@
           </p:nvGrpSpPr>
           <p:grpSpPr>
             <a:xfrm>
-              <a:off x="1081880" y="20776077"/>
-              <a:ext cx="8572789" cy="3645160"/>
-              <a:chOff x="11060709" y="16593061"/>
-              <a:chExt cx="8572789" cy="3645160"/>
+              <a:off x="14047195" y="6199825"/>
+              <a:ext cx="6418625" cy="5807064"/>
+              <a:chOff x="14067590" y="7619197"/>
+              <a:chExt cx="6418625" cy="5807064"/>
             </a:xfrm>
           </p:grpSpPr>
           <p:pic>
             <p:nvPicPr>
-              <p:cNvPr id="46" name="Imagen 45">
+              <p:cNvPr id="45" name="Imagen 44">
                 <a:extLst>
                   <a:ext uri="{FF2B5EF4-FFF2-40B4-BE49-F238E27FC236}">
-                    <a16:creationId xmlns:a16="http://schemas.microsoft.com/office/drawing/2014/main" id="{A0EB8086-C1DF-52F9-238B-625B3260E68B}"/>
+                    <a16:creationId xmlns:a16="http://schemas.microsoft.com/office/drawing/2014/main" id="{2375F5ED-DA62-701D-5E10-BF9C1C6BD105}"/>
                   </a:ext>
                 </a:extLst>
               </p:cNvPr>
@@ -7134,34 +8311,136 @@
               <p:nvPr/>
             </p:nvPicPr>
             <p:blipFill rotWithShape="1">
-              <a:blip r:embed="rId12">
-                <a:extLst>
-                  <a:ext uri="{28A0092B-C50C-407E-A947-70E740481C1C}">
-                    <a14:useLocalDpi xmlns:a14="http://schemas.microsoft.com/office/drawing/2010/main" val="0"/>
-                  </a:ext>
-                </a:extLst>
+              <a:blip r:embed="rId10">
+                <a:clrChange>
+                  <a:clrFrom>
+                    <a:srgbClr val="FFFFFF"/>
+                  </a:clrFrom>
+                  <a:clrTo>
+                    <a:srgbClr val="FFFFFF">
+                      <a:alpha val="0"/>
+                    </a:srgbClr>
+                  </a:clrTo>
+                </a:clrChange>
+                <a:duotone>
+                  <a:schemeClr val="accent3">
+                    <a:shade val="45000"/>
+                    <a:satMod val="135000"/>
+                  </a:schemeClr>
+                  <a:prstClr val="white"/>
+                </a:duotone>
               </a:blip>
-              <a:srcRect b="20274"/>
+              <a:srcRect l="15918" r="15583" b="80505"/>
               <a:stretch/>
             </p:blipFill>
             <p:spPr>
               <a:xfrm>
-                <a:off x="11060709" y="16593061"/>
-                <a:ext cx="8572789" cy="3645160"/>
+                <a:off x="14067590" y="8430440"/>
+                <a:ext cx="2381407" cy="1884833"/>
               </a:xfrm>
-              <a:prstGeom prst="roundRect">
-                <a:avLst>
-                  <a:gd name="adj" fmla="val 5459"/>
-                </a:avLst>
+              <a:prstGeom prst="rect">
+                <a:avLst/>
               </a:prstGeom>
             </p:spPr>
           </p:pic>
+          <p:cxnSp>
+            <p:nvCxnSpPr>
+              <p:cNvPr id="60" name="Conector recto 59">
+                <a:extLst>
+                  <a:ext uri="{FF2B5EF4-FFF2-40B4-BE49-F238E27FC236}">
+                    <a16:creationId xmlns:a16="http://schemas.microsoft.com/office/drawing/2014/main" id="{420C574E-8DA4-97BF-0855-6857CCF55701}"/>
+                  </a:ext>
+                </a:extLst>
+              </p:cNvPr>
+              <p:cNvCxnSpPr>
+                <a:cxnSpLocks/>
+              </p:cNvCxnSpPr>
+              <p:nvPr/>
+            </p:nvCxnSpPr>
+            <p:spPr>
+              <a:xfrm>
+                <a:off x="16402620" y="9261324"/>
+                <a:ext cx="711877" cy="0"/>
+              </a:xfrm>
+              <a:prstGeom prst="line">
+                <a:avLst/>
+              </a:prstGeom>
+              <a:ln w="38100">
+                <a:solidFill>
+                  <a:schemeClr val="accent2"/>
+                </a:solidFill>
+                <a:prstDash val="solid"/>
+                <a:headEnd type="none" w="med" len="med"/>
+                <a:tailEnd type="arrow" w="med" len="med"/>
+              </a:ln>
+            </p:spPr>
+            <p:style>
+              <a:lnRef idx="1">
+                <a:schemeClr val="accent1"/>
+              </a:lnRef>
+              <a:fillRef idx="0">
+                <a:schemeClr val="accent1"/>
+              </a:fillRef>
+              <a:effectRef idx="0">
+                <a:schemeClr val="accent1"/>
+              </a:effectRef>
+              <a:fontRef idx="minor">
+                <a:schemeClr val="tx1"/>
+              </a:fontRef>
+            </p:style>
+          </p:cxnSp>
+          <p:cxnSp>
+            <p:nvCxnSpPr>
+              <p:cNvPr id="84" name="Conector recto 83">
+                <a:extLst>
+                  <a:ext uri="{FF2B5EF4-FFF2-40B4-BE49-F238E27FC236}">
+                    <a16:creationId xmlns:a16="http://schemas.microsoft.com/office/drawing/2014/main" id="{8908F34B-D0D0-48DA-806A-CB1197ACF52C}"/>
+                  </a:ext>
+                </a:extLst>
+              </p:cNvPr>
+              <p:cNvCxnSpPr>
+                <a:cxnSpLocks/>
+              </p:cNvCxnSpPr>
+              <p:nvPr/>
+            </p:nvCxnSpPr>
+            <p:spPr>
+              <a:xfrm>
+                <a:off x="16758558" y="9270065"/>
+                <a:ext cx="0" cy="1512235"/>
+              </a:xfrm>
+              <a:prstGeom prst="line">
+                <a:avLst/>
+              </a:prstGeom>
+              <a:ln w="38100">
+                <a:solidFill>
+                  <a:schemeClr val="accent2"/>
+                </a:solidFill>
+                <a:prstDash val="solid"/>
+                <a:headEnd type="none" w="med" len="med"/>
+                <a:tailEnd type="arrow" w="med" len="med"/>
+              </a:ln>
+            </p:spPr>
+            <p:style>
+              <a:lnRef idx="1">
+                <a:schemeClr val="accent1"/>
+              </a:lnRef>
+              <a:fillRef idx="0">
+                <a:schemeClr val="accent1"/>
+              </a:fillRef>
+              <a:effectRef idx="0">
+                <a:schemeClr val="accent1"/>
+              </a:effectRef>
+              <a:fontRef idx="minor">
+                <a:schemeClr val="tx1"/>
+              </a:fontRef>
+            </p:style>
+          </p:cxnSp>
           <p:grpSp>
             <p:nvGrpSpPr>
-              <p:cNvPr id="124" name="Grupo 123">
+              <p:cNvPr id="93" name="Grupo 92">
                 <a:extLst>
                   <a:ext uri="{FF2B5EF4-FFF2-40B4-BE49-F238E27FC236}">
-                    <a16:creationId xmlns:a16="http://schemas.microsoft.com/office/drawing/2014/main" id="{EC64AEC9-1662-77DD-89D4-45238553A4E4}"/>
+                    <a16:creationId xmlns:a16="http://schemas.microsoft.com/office/drawing/2014/main" id="{F77EE44C-DBCA-4B1B-B3B2-49EBC26FE9F8}"/>
                   </a:ext>
                 </a:extLst>
               </p:cNvPr>
@@ -7170,7 +8449,589 @@
             </p:nvGrpSpPr>
             <p:grpSpPr>
               <a:xfrm>
-                <a:off x="11854389" y="19787481"/>
+                <a:off x="14212085" y="10794202"/>
+                <a:ext cx="3493041" cy="2260591"/>
+                <a:chOff x="12747455" y="11764169"/>
+                <a:chExt cx="3493041" cy="2260591"/>
+              </a:xfrm>
+            </p:grpSpPr>
+            <p:pic>
+              <p:nvPicPr>
+                <p:cNvPr id="80" name="Imagen 79">
+                  <a:extLst>
+                    <a:ext uri="{FF2B5EF4-FFF2-40B4-BE49-F238E27FC236}">
+                      <a16:creationId xmlns:a16="http://schemas.microsoft.com/office/drawing/2014/main" id="{9D517BD0-82DD-142A-9FA4-D7816A06D7E4}"/>
+                    </a:ext>
+                  </a:extLst>
+                </p:cNvPr>
+                <p:cNvPicPr>
+                  <a:picLocks noChangeAspect="1"/>
+                </p:cNvPicPr>
+                <p:nvPr/>
+              </p:nvPicPr>
+              <p:blipFill rotWithShape="1">
+                <a:blip r:embed="rId10">
+                  <a:clrChange>
+                    <a:clrFrom>
+                      <a:srgbClr val="FFFFFF"/>
+                    </a:clrFrom>
+                    <a:clrTo>
+                      <a:srgbClr val="FFFFFF">
+                        <a:alpha val="0"/>
+                      </a:srgbClr>
+                    </a:clrTo>
+                  </a:clrChange>
+                  <a:duotone>
+                    <a:schemeClr val="accent3">
+                      <a:shade val="45000"/>
+                      <a:satMod val="135000"/>
+                    </a:schemeClr>
+                    <a:prstClr val="white"/>
+                  </a:duotone>
+                </a:blip>
+                <a:srcRect l="779" t="77324" r="779" b="-290"/>
+                <a:stretch/>
+              </p:blipFill>
+              <p:spPr>
+                <a:xfrm>
+                  <a:off x="12747455" y="11764169"/>
+                  <a:ext cx="3493041" cy="2260591"/>
+                </a:xfrm>
+                <a:prstGeom prst="rect">
+                  <a:avLst/>
+                </a:prstGeom>
+              </p:spPr>
+            </p:pic>
+            <p:pic>
+              <p:nvPicPr>
+                <p:cNvPr id="63" name="Imagen 62">
+                  <a:extLst>
+                    <a:ext uri="{FF2B5EF4-FFF2-40B4-BE49-F238E27FC236}">
+                      <a16:creationId xmlns:a16="http://schemas.microsoft.com/office/drawing/2014/main" id="{22BAE815-F90D-4317-B3BE-B851C411B352}"/>
+                    </a:ext>
+                  </a:extLst>
+                </p:cNvPr>
+                <p:cNvPicPr>
+                  <a:picLocks noChangeAspect="1"/>
+                </p:cNvPicPr>
+                <p:nvPr/>
+              </p:nvPicPr>
+              <p:blipFill>
+                <a:blip r:embed="rId11">
+                  <a:duotone>
+                    <a:schemeClr val="accent6">
+                      <a:shade val="45000"/>
+                      <a:satMod val="135000"/>
+                    </a:schemeClr>
+                    <a:prstClr val="white"/>
+                  </a:duotone>
+                  <a:extLst>
+                    <a:ext uri="{28A0092B-C50C-407E-A947-70E740481C1C}">
+                      <a14:useLocalDpi xmlns:a14="http://schemas.microsoft.com/office/drawing/2010/main" val="0"/>
+                    </a:ext>
+                  </a:extLst>
+                </a:blip>
+                <a:stretch>
+                  <a:fillRect/>
+                </a:stretch>
+              </p:blipFill>
+              <p:spPr>
+                <a:xfrm>
+                  <a:off x="13278415" y="12979198"/>
+                  <a:ext cx="487809" cy="682594"/>
+                </a:xfrm>
+                <a:prstGeom prst="rect">
+                  <a:avLst/>
+                </a:prstGeom>
+              </p:spPr>
+            </p:pic>
+            <p:pic>
+              <p:nvPicPr>
+                <p:cNvPr id="86" name="Imagen 85">
+                  <a:extLst>
+                    <a:ext uri="{FF2B5EF4-FFF2-40B4-BE49-F238E27FC236}">
+                      <a16:creationId xmlns:a16="http://schemas.microsoft.com/office/drawing/2014/main" id="{E952863C-F8C5-4478-AFCC-D42BE644E466}"/>
+                    </a:ext>
+                  </a:extLst>
+                </p:cNvPr>
+                <p:cNvPicPr>
+                  <a:picLocks noChangeAspect="1"/>
+                </p:cNvPicPr>
+                <p:nvPr/>
+              </p:nvPicPr>
+              <p:blipFill>
+                <a:blip r:embed="rId12">
+                  <a:duotone>
+                    <a:schemeClr val="accent6">
+                      <a:shade val="45000"/>
+                      <a:satMod val="135000"/>
+                    </a:schemeClr>
+                    <a:prstClr val="white"/>
+                  </a:duotone>
+                  <a:extLst>
+                    <a:ext uri="{28A0092B-C50C-407E-A947-70E740481C1C}">
+                      <a14:useLocalDpi xmlns:a14="http://schemas.microsoft.com/office/drawing/2010/main" val="0"/>
+                    </a:ext>
+                  </a:extLst>
+                </a:blip>
+                <a:stretch>
+                  <a:fillRect/>
+                </a:stretch>
+              </p:blipFill>
+              <p:spPr>
+                <a:xfrm>
+                  <a:off x="15109346" y="13013195"/>
+                  <a:ext cx="611455" cy="611455"/>
+                </a:xfrm>
+                <a:prstGeom prst="rect">
+                  <a:avLst/>
+                </a:prstGeom>
+              </p:spPr>
+            </p:pic>
+          </p:grpSp>
+          <p:grpSp>
+            <p:nvGrpSpPr>
+              <p:cNvPr id="91" name="Grupo 90">
+                <a:extLst>
+                  <a:ext uri="{FF2B5EF4-FFF2-40B4-BE49-F238E27FC236}">
+                    <a16:creationId xmlns:a16="http://schemas.microsoft.com/office/drawing/2014/main" id="{126E1B4E-DFBA-485E-A468-25B70E48BE7D}"/>
+                  </a:ext>
+                </a:extLst>
+              </p:cNvPr>
+              <p:cNvGrpSpPr/>
+              <p:nvPr/>
+            </p:nvGrpSpPr>
+            <p:grpSpPr>
+              <a:xfrm>
+                <a:off x="16933947" y="8225772"/>
+                <a:ext cx="3552268" cy="2200894"/>
+                <a:chOff x="16758559" y="8273405"/>
+                <a:chExt cx="3552268" cy="2200894"/>
+              </a:xfrm>
+            </p:grpSpPr>
+            <p:pic>
+              <p:nvPicPr>
+                <p:cNvPr id="47" name="Imagen 46">
+                  <a:extLst>
+                    <a:ext uri="{FF2B5EF4-FFF2-40B4-BE49-F238E27FC236}">
+                      <a16:creationId xmlns:a16="http://schemas.microsoft.com/office/drawing/2014/main" id="{5E5959F0-1732-C6CE-2AA4-4A5F1CD5A8EE}"/>
+                    </a:ext>
+                  </a:extLst>
+                </p:cNvPr>
+                <p:cNvPicPr>
+                  <a:picLocks noChangeAspect="1"/>
+                </p:cNvPicPr>
+                <p:nvPr/>
+              </p:nvPicPr>
+              <p:blipFill rotWithShape="1">
+                <a:blip r:embed="rId10">
+                  <a:clrChange>
+                    <a:clrFrom>
+                      <a:srgbClr val="FFFFFF"/>
+                    </a:clrFrom>
+                    <a:clrTo>
+                      <a:srgbClr val="FFFFFF">
+                        <a:alpha val="0"/>
+                      </a:srgbClr>
+                    </a:clrTo>
+                  </a:clrChange>
+                  <a:duotone>
+                    <a:schemeClr val="accent3">
+                      <a:shade val="45000"/>
+                      <a:satMod val="135000"/>
+                    </a:schemeClr>
+                    <a:prstClr val="white"/>
+                  </a:duotone>
+                </a:blip>
+                <a:srcRect l="1" t="50022" r="1556" b="27012"/>
+                <a:stretch/>
+              </p:blipFill>
+              <p:spPr>
+                <a:xfrm>
+                  <a:off x="16910030" y="8273405"/>
+                  <a:ext cx="3400797" cy="2200894"/>
+                </a:xfrm>
+                <a:prstGeom prst="rect">
+                  <a:avLst/>
+                </a:prstGeom>
+              </p:spPr>
+            </p:pic>
+            <p:pic>
+              <p:nvPicPr>
+                <p:cNvPr id="90" name="Imagen 89">
+                  <a:extLst>
+                    <a:ext uri="{FF2B5EF4-FFF2-40B4-BE49-F238E27FC236}">
+                      <a16:creationId xmlns:a16="http://schemas.microsoft.com/office/drawing/2014/main" id="{FF55AA16-CFA9-41BA-8C1B-150993C590A6}"/>
+                    </a:ext>
+                  </a:extLst>
+                </p:cNvPr>
+                <p:cNvPicPr>
+                  <a:picLocks noChangeAspect="1"/>
+                </p:cNvPicPr>
+                <p:nvPr/>
+              </p:nvPicPr>
+              <p:blipFill rotWithShape="1">
+                <a:blip r:embed="rId10">
+                  <a:clrChange>
+                    <a:clrFrom>
+                      <a:srgbClr val="FFFFFF"/>
+                    </a:clrFrom>
+                    <a:clrTo>
+                      <a:srgbClr val="FFFFFF">
+                        <a:alpha val="0"/>
+                      </a:srgbClr>
+                    </a:clrTo>
+                  </a:clrChange>
+                  <a:duotone>
+                    <a:schemeClr val="accent3">
+                      <a:shade val="45000"/>
+                      <a:satMod val="135000"/>
+                    </a:schemeClr>
+                    <a:prstClr val="white"/>
+                  </a:duotone>
+                </a:blip>
+                <a:srcRect l="15007" t="10823" r="78417" b="81878"/>
+                <a:stretch/>
+              </p:blipFill>
+              <p:spPr>
+                <a:xfrm>
+                  <a:off x="16758559" y="9563771"/>
+                  <a:ext cx="169055" cy="511923"/>
+                </a:xfrm>
+                <a:prstGeom prst="rect">
+                  <a:avLst/>
+                </a:prstGeom>
+              </p:spPr>
+            </p:pic>
+          </p:grpSp>
+          <p:cxnSp>
+            <p:nvCxnSpPr>
+              <p:cNvPr id="57" name="Conector recto 56">
+                <a:extLst>
+                  <a:ext uri="{FF2B5EF4-FFF2-40B4-BE49-F238E27FC236}">
+                    <a16:creationId xmlns:a16="http://schemas.microsoft.com/office/drawing/2014/main" id="{FD8B8B51-2D61-DFEB-BA54-02BFD079B533}"/>
+                  </a:ext>
+                </a:extLst>
+              </p:cNvPr>
+              <p:cNvCxnSpPr>
+                <a:cxnSpLocks/>
+              </p:cNvCxnSpPr>
+              <p:nvPr/>
+            </p:nvCxnSpPr>
+            <p:spPr>
+              <a:xfrm>
+                <a:off x="18871285" y="8309781"/>
+                <a:ext cx="0" cy="357585"/>
+              </a:xfrm>
+              <a:prstGeom prst="line">
+                <a:avLst/>
+              </a:prstGeom>
+              <a:ln w="38100">
+                <a:solidFill>
+                  <a:schemeClr val="accent2"/>
+                </a:solidFill>
+                <a:prstDash val="solid"/>
+                <a:headEnd type="none" w="med" len="med"/>
+                <a:tailEnd type="arrow" w="med" len="med"/>
+              </a:ln>
+            </p:spPr>
+            <p:style>
+              <a:lnRef idx="1">
+                <a:schemeClr val="accent1"/>
+              </a:lnRef>
+              <a:fillRef idx="0">
+                <a:schemeClr val="accent1"/>
+              </a:fillRef>
+              <a:effectRef idx="0">
+                <a:schemeClr val="accent1"/>
+              </a:effectRef>
+              <a:fontRef idx="minor">
+                <a:schemeClr val="tx1"/>
+              </a:fontRef>
+            </p:style>
+          </p:cxnSp>
+          <p:cxnSp>
+            <p:nvCxnSpPr>
+              <p:cNvPr id="52" name="Conector recto 51">
+                <a:extLst>
+                  <a:ext uri="{FF2B5EF4-FFF2-40B4-BE49-F238E27FC236}">
+                    <a16:creationId xmlns:a16="http://schemas.microsoft.com/office/drawing/2014/main" id="{4CBFE342-6B59-D4E6-754B-1FFD1E2D9AC5}"/>
+                  </a:ext>
+                </a:extLst>
+              </p:cNvPr>
+              <p:cNvCxnSpPr>
+                <a:cxnSpLocks/>
+              </p:cNvCxnSpPr>
+              <p:nvPr/>
+            </p:nvCxnSpPr>
+            <p:spPr>
+              <a:xfrm>
+                <a:off x="18871285" y="8726642"/>
+                <a:ext cx="0" cy="1387659"/>
+              </a:xfrm>
+              <a:prstGeom prst="line">
+                <a:avLst/>
+              </a:prstGeom>
+              <a:ln w="38100">
+                <a:solidFill>
+                  <a:schemeClr val="accent2"/>
+                </a:solidFill>
+                <a:prstDash val="sysDash"/>
+              </a:ln>
+            </p:spPr>
+            <p:style>
+              <a:lnRef idx="1">
+                <a:schemeClr val="accent1"/>
+              </a:lnRef>
+              <a:fillRef idx="0">
+                <a:schemeClr val="accent1"/>
+              </a:fillRef>
+              <a:effectRef idx="0">
+                <a:schemeClr val="accent1"/>
+              </a:effectRef>
+              <a:fontRef idx="minor">
+                <a:schemeClr val="tx1"/>
+              </a:fontRef>
+            </p:style>
+          </p:cxnSp>
+          <p:sp>
+            <p:nvSpPr>
+              <p:cNvPr id="104" name="CuadroTexto 103">
+                <a:extLst>
+                  <a:ext uri="{FF2B5EF4-FFF2-40B4-BE49-F238E27FC236}">
+                    <a16:creationId xmlns:a16="http://schemas.microsoft.com/office/drawing/2014/main" id="{31C8BCDC-7E82-4342-9912-CC27E0615D62}"/>
+                  </a:ext>
+                </a:extLst>
+              </p:cNvPr>
+              <p:cNvSpPr txBox="1"/>
+              <p:nvPr/>
+            </p:nvSpPr>
+            <p:spPr>
+              <a:xfrm>
+                <a:off x="17369168" y="7619197"/>
+                <a:ext cx="3051289" cy="707886"/>
+              </a:xfrm>
+              <a:prstGeom prst="rect">
+                <a:avLst/>
+              </a:prstGeom>
+              <a:noFill/>
+            </p:spPr>
+            <p:txBody>
+              <a:bodyPr wrap="square" rtlCol="0">
+                <a:spAutoFit/>
+              </a:bodyPr>
+              <a:lstStyle/>
+              <a:p>
+                <a:pPr algn="ctr"/>
+                <a:r>
+                  <a:rPr lang="es-ES" sz="2000" dirty="0"/>
+                  <a:t>Reproducción asexual inducida</a:t>
+                </a:r>
+              </a:p>
+            </p:txBody>
+          </p:sp>
+          <p:sp>
+            <p:nvSpPr>
+              <p:cNvPr id="105" name="CuadroTexto 104">
+                <a:extLst>
+                  <a:ext uri="{FF2B5EF4-FFF2-40B4-BE49-F238E27FC236}">
+                    <a16:creationId xmlns:a16="http://schemas.microsoft.com/office/drawing/2014/main" id="{A6D12ED8-803A-4804-842E-7F0E79262B61}"/>
+                  </a:ext>
+                </a:extLst>
+              </p:cNvPr>
+              <p:cNvSpPr txBox="1"/>
+              <p:nvPr/>
+            </p:nvSpPr>
+            <p:spPr>
+              <a:xfrm>
+                <a:off x="14572827" y="13026151"/>
+                <a:ext cx="2642412" cy="400110"/>
+              </a:xfrm>
+              <a:prstGeom prst="rect">
+                <a:avLst/>
+              </a:prstGeom>
+              <a:noFill/>
+            </p:spPr>
+            <p:txBody>
+              <a:bodyPr wrap="square" rtlCol="0">
+                <a:spAutoFit/>
+              </a:bodyPr>
+              <a:lstStyle/>
+              <a:p>
+                <a:pPr algn="ctr"/>
+                <a:r>
+                  <a:rPr lang="es-ES" sz="2000" dirty="0"/>
+                  <a:t>Maduración sexual</a:t>
+                </a:r>
+              </a:p>
+            </p:txBody>
+          </p:sp>
+        </p:grpSp>
+        <p:sp>
+          <p:nvSpPr>
+            <p:cNvPr id="41" name="CuadroTexto 40">
+              <a:extLst>
+                <a:ext uri="{FF2B5EF4-FFF2-40B4-BE49-F238E27FC236}">
+                  <a16:creationId xmlns:a16="http://schemas.microsoft.com/office/drawing/2014/main" id="{13E81FFE-20CA-1B17-3C37-34ED9541CC7A}"/>
+                </a:ext>
+              </a:extLst>
+            </p:cNvPr>
+            <p:cNvSpPr txBox="1"/>
+            <p:nvPr/>
+          </p:nvSpPr>
+          <p:spPr>
+            <a:xfrm>
+              <a:off x="13803367" y="6311711"/>
+              <a:ext cx="3051289" cy="400110"/>
+            </a:xfrm>
+            <a:prstGeom prst="rect">
+              <a:avLst/>
+            </a:prstGeom>
+            <a:noFill/>
+          </p:spPr>
+          <p:txBody>
+            <a:bodyPr wrap="square" rtlCol="0">
+              <a:spAutoFit/>
+            </a:bodyPr>
+            <a:lstStyle/>
+            <a:p>
+              <a:pPr algn="ctr"/>
+              <a:r>
+                <a:rPr lang="es-ES" sz="2000" dirty="0"/>
+                <a:t>Control</a:t>
+              </a:r>
+            </a:p>
+          </p:txBody>
+        </p:sp>
+      </p:grpSp>
+      <p:sp>
+        <p:nvSpPr>
+          <p:cNvPr id="55" name="CuadroTexto 54">
+            <a:extLst>
+              <a:ext uri="{FF2B5EF4-FFF2-40B4-BE49-F238E27FC236}">
+                <a16:creationId xmlns:a16="http://schemas.microsoft.com/office/drawing/2014/main" id="{5A3AD358-75F7-DC19-1A0B-4945EDCED7FA}"/>
+              </a:ext>
+            </a:extLst>
+          </p:cNvPr>
+          <p:cNvSpPr txBox="1"/>
+          <p:nvPr/>
+        </p:nvSpPr>
+        <p:spPr>
+          <a:xfrm>
+            <a:off x="16459648" y="8903859"/>
+            <a:ext cx="2183912" cy="400110"/>
+          </a:xfrm>
+          <a:prstGeom prst="rect">
+            <a:avLst/>
+          </a:prstGeom>
+          <a:noFill/>
+        </p:spPr>
+        <p:txBody>
+          <a:bodyPr wrap="square" rtlCol="0">
+            <a:spAutoFit/>
+          </a:bodyPr>
+          <a:lstStyle/>
+          <a:p>
+            <a:pPr algn="ctr"/>
+            <a:r>
+              <a:rPr lang="es-ES" sz="2000" dirty="0"/>
+              <a:t>16 semanas</a:t>
+            </a:r>
+          </a:p>
+        </p:txBody>
+      </p:sp>
+      <p:grpSp>
+        <p:nvGrpSpPr>
+          <p:cNvPr id="54" name="Grupo 53">
+            <a:extLst>
+              <a:ext uri="{FF2B5EF4-FFF2-40B4-BE49-F238E27FC236}">
+                <a16:creationId xmlns:a16="http://schemas.microsoft.com/office/drawing/2014/main" id="{F2C835AE-B0ED-EA19-F470-F3097280C323}"/>
+              </a:ext>
+            </a:extLst>
+          </p:cNvPr>
+          <p:cNvGrpSpPr/>
+          <p:nvPr/>
+        </p:nvGrpSpPr>
+        <p:grpSpPr>
+          <a:xfrm>
+            <a:off x="1150450" y="16176629"/>
+            <a:ext cx="9471820" cy="4071555"/>
+            <a:chOff x="1150450" y="16176629"/>
+            <a:chExt cx="9471820" cy="4071555"/>
+          </a:xfrm>
+        </p:grpSpPr>
+        <p:grpSp>
+          <p:nvGrpSpPr>
+            <p:cNvPr id="1056" name="Grupo 1055">
+              <a:extLst>
+                <a:ext uri="{FF2B5EF4-FFF2-40B4-BE49-F238E27FC236}">
+                  <a16:creationId xmlns:a16="http://schemas.microsoft.com/office/drawing/2014/main" id="{6BC2330B-B0A7-AE11-64FE-7804992717BA}"/>
+                </a:ext>
+              </a:extLst>
+            </p:cNvPr>
+            <p:cNvGrpSpPr/>
+            <p:nvPr/>
+          </p:nvGrpSpPr>
+          <p:grpSpPr>
+            <a:xfrm>
+              <a:off x="1150450" y="16176629"/>
+              <a:ext cx="9471820" cy="4071555"/>
+              <a:chOff x="1750127" y="16583317"/>
+              <a:chExt cx="8572789" cy="3685098"/>
+            </a:xfrm>
+          </p:grpSpPr>
+          <p:pic>
+            <p:nvPicPr>
+              <p:cNvPr id="58" name="Imagen 57">
+                <a:extLst>
+                  <a:ext uri="{FF2B5EF4-FFF2-40B4-BE49-F238E27FC236}">
+                    <a16:creationId xmlns:a16="http://schemas.microsoft.com/office/drawing/2014/main" id="{C997C87E-BC84-F3DC-A85A-D21FFD3449EE}"/>
+                  </a:ext>
+                </a:extLst>
+              </p:cNvPr>
+              <p:cNvPicPr>
+                <a:picLocks noChangeAspect="1"/>
+              </p:cNvPicPr>
+              <p:nvPr/>
+            </p:nvPicPr>
+            <p:blipFill rotWithShape="1">
+              <a:blip r:embed="rId13">
+                <a:extLst>
+                  <a:ext uri="{28A0092B-C50C-407E-A947-70E740481C1C}">
+                    <a14:useLocalDpi xmlns:a14="http://schemas.microsoft.com/office/drawing/2010/main" val="0"/>
+                  </a:ext>
+                </a:extLst>
+              </a:blip>
+              <a:srcRect b="19401"/>
+              <a:stretch/>
+            </p:blipFill>
+            <p:spPr>
+              <a:xfrm>
+                <a:off x="1750127" y="16583317"/>
+                <a:ext cx="8572789" cy="3685098"/>
+              </a:xfrm>
+              <a:prstGeom prst="roundRect">
+                <a:avLst>
+                  <a:gd name="adj" fmla="val 10332"/>
+                </a:avLst>
+              </a:prstGeom>
+            </p:spPr>
+          </p:pic>
+          <p:grpSp>
+            <p:nvGrpSpPr>
+              <p:cNvPr id="123" name="Grupo 122">
+                <a:extLst>
+                  <a:ext uri="{FF2B5EF4-FFF2-40B4-BE49-F238E27FC236}">
+                    <a16:creationId xmlns:a16="http://schemas.microsoft.com/office/drawing/2014/main" id="{6DE16A5D-0779-9094-E2DF-5F6E0FE5815B}"/>
+                  </a:ext>
+                </a:extLst>
+              </p:cNvPr>
+              <p:cNvGrpSpPr/>
+              <p:nvPr/>
+            </p:nvGrpSpPr>
+            <p:grpSpPr>
+              <a:xfrm>
+                <a:off x="2549109" y="19787806"/>
                 <a:ext cx="7367103" cy="443778"/>
                 <a:chOff x="2549109" y="19787806"/>
                 <a:chExt cx="7367103" cy="443778"/>
@@ -7178,10 +9039,10 @@
             </p:grpSpPr>
             <p:grpSp>
               <p:nvGrpSpPr>
-                <p:cNvPr id="125" name="Grupo 124">
+                <p:cNvPr id="115" name="Grupo 114">
                   <a:extLst>
                     <a:ext uri="{FF2B5EF4-FFF2-40B4-BE49-F238E27FC236}">
-                      <a16:creationId xmlns:a16="http://schemas.microsoft.com/office/drawing/2014/main" id="{64526935-B815-7346-DA51-CE9DE5CAF8A6}"/>
+                      <a16:creationId xmlns:a16="http://schemas.microsoft.com/office/drawing/2014/main" id="{8FC3D533-85DA-DBCF-21D1-BE44A3A7A423}"/>
                     </a:ext>
                   </a:extLst>
                 </p:cNvPr>
@@ -7198,10 +9059,10 @@
               </p:grpSpPr>
               <p:sp>
                 <p:nvSpPr>
-                  <p:cNvPr id="1031" name="CuadroTexto 1030">
+                  <p:cNvPr id="113" name="CuadroTexto 112">
                     <a:extLst>
                       <a:ext uri="{FF2B5EF4-FFF2-40B4-BE49-F238E27FC236}">
-                        <a16:creationId xmlns:a16="http://schemas.microsoft.com/office/drawing/2014/main" id="{9F4C47A8-F4D1-AFC4-6383-0F1D604C774A}"/>
+                        <a16:creationId xmlns:a16="http://schemas.microsoft.com/office/drawing/2014/main" id="{B914B6FB-D61C-ADCA-47F9-41AD791E5E9C}"/>
                       </a:ext>
                     </a:extLst>
                   </p:cNvPr>
@@ -7235,10 +9096,10 @@
               </p:sp>
               <p:sp>
                 <p:nvSpPr>
-                  <p:cNvPr id="1032" name="CuadroTexto 1031">
+                  <p:cNvPr id="114" name="CuadroTexto 113">
                     <a:extLst>
                       <a:ext uri="{FF2B5EF4-FFF2-40B4-BE49-F238E27FC236}">
-                        <a16:creationId xmlns:a16="http://schemas.microsoft.com/office/drawing/2014/main" id="{25E06165-E7E9-A3C3-B62A-B1257BB8D6A2}"/>
+                        <a16:creationId xmlns:a16="http://schemas.microsoft.com/office/drawing/2014/main" id="{EB6B1A87-4D37-C60C-2A27-70D1C4845AE5}"/>
                       </a:ext>
                     </a:extLst>
                   </p:cNvPr>
@@ -7273,10 +9134,10 @@
             </p:grpSp>
             <p:grpSp>
               <p:nvGrpSpPr>
-                <p:cNvPr id="126" name="Grupo 125">
+                <p:cNvPr id="119" name="Grupo 118">
                   <a:extLst>
                     <a:ext uri="{FF2B5EF4-FFF2-40B4-BE49-F238E27FC236}">
-                      <a16:creationId xmlns:a16="http://schemas.microsoft.com/office/drawing/2014/main" id="{2AB9742A-365A-73FD-7198-4F7F9D0C3246}"/>
+                      <a16:creationId xmlns:a16="http://schemas.microsoft.com/office/drawing/2014/main" id="{5DA06F80-A5ED-CF77-96C5-D0C6D940C3DD}"/>
                     </a:ext>
                   </a:extLst>
                 </p:cNvPr>
@@ -7293,10 +9154,10 @@
               </p:grpSpPr>
               <p:sp>
                 <p:nvSpPr>
-                  <p:cNvPr id="1029" name="CuadroTexto 1028">
+                  <p:cNvPr id="120" name="CuadroTexto 119">
                     <a:extLst>
                       <a:ext uri="{FF2B5EF4-FFF2-40B4-BE49-F238E27FC236}">
-                        <a16:creationId xmlns:a16="http://schemas.microsoft.com/office/drawing/2014/main" id="{045D5DDF-83EF-5B36-BA35-02E85FCD7A53}"/>
+                        <a16:creationId xmlns:a16="http://schemas.microsoft.com/office/drawing/2014/main" id="{9BA13572-2AFA-8660-5064-53726CD56CCA}"/>
                       </a:ext>
                     </a:extLst>
                   </p:cNvPr>
@@ -7330,10 +9191,10 @@
               </p:sp>
               <p:sp>
                 <p:nvSpPr>
-                  <p:cNvPr id="1030" name="CuadroTexto 1029">
+                  <p:cNvPr id="121" name="CuadroTexto 120">
                     <a:extLst>
                       <a:ext uri="{FF2B5EF4-FFF2-40B4-BE49-F238E27FC236}">
-                        <a16:creationId xmlns:a16="http://schemas.microsoft.com/office/drawing/2014/main" id="{DC08C6C5-935F-88A8-1047-BC1E733586F5}"/>
+                        <a16:creationId xmlns:a16="http://schemas.microsoft.com/office/drawing/2014/main" id="{3E410CD2-0C7C-8D63-F1FC-8A199E7AD531}"/>
                       </a:ext>
                     </a:extLst>
                   </p:cNvPr>
@@ -7368,10 +9229,10 @@
             </p:grpSp>
             <p:sp>
               <p:nvSpPr>
-                <p:cNvPr id="127" name="Rectángulo 126">
+                <p:cNvPr id="122" name="Rectángulo 121">
                   <a:extLst>
                     <a:ext uri="{FF2B5EF4-FFF2-40B4-BE49-F238E27FC236}">
-                      <a16:creationId xmlns:a16="http://schemas.microsoft.com/office/drawing/2014/main" id="{4B4DBF18-CCCE-0BEC-4D82-6AE7169E7DFD}"/>
+                      <a16:creationId xmlns:a16="http://schemas.microsoft.com/office/drawing/2014/main" id="{7E9BAFE2-5E17-5238-17B9-FB602B1AEDB8}"/>
                     </a:ext>
                   </a:extLst>
                 </p:cNvPr>
@@ -7420,10 +9281,10 @@
             </p:sp>
             <p:grpSp>
               <p:nvGrpSpPr>
-                <p:cNvPr id="1024" name="Grupo 1023">
+                <p:cNvPr id="116" name="Grupo 115">
                   <a:extLst>
                     <a:ext uri="{FF2B5EF4-FFF2-40B4-BE49-F238E27FC236}">
-                      <a16:creationId xmlns:a16="http://schemas.microsoft.com/office/drawing/2014/main" id="{D8B87F19-BDB4-EE6D-AF0C-A24973F33C83}"/>
+                      <a16:creationId xmlns:a16="http://schemas.microsoft.com/office/drawing/2014/main" id="{C7D5BE89-FE48-C68F-6E09-F01EDB56690A}"/>
                     </a:ext>
                   </a:extLst>
                 </p:cNvPr>
@@ -7440,10 +9301,10 @@
               </p:grpSpPr>
               <p:sp>
                 <p:nvSpPr>
-                  <p:cNvPr id="1025" name="CuadroTexto 1024">
+                  <p:cNvPr id="117" name="CuadroTexto 116">
                     <a:extLst>
                       <a:ext uri="{FF2B5EF4-FFF2-40B4-BE49-F238E27FC236}">
-                        <a16:creationId xmlns:a16="http://schemas.microsoft.com/office/drawing/2014/main" id="{0B2EEC58-DE08-B26A-6B33-0A60459BBDD8}"/>
+                        <a16:creationId xmlns:a16="http://schemas.microsoft.com/office/drawing/2014/main" id="{98896471-37BE-28BA-0299-44468053D2C6}"/>
                       </a:ext>
                     </a:extLst>
                   </p:cNvPr>
@@ -7477,10 +9338,10 @@
               </p:sp>
               <p:sp>
                 <p:nvSpPr>
-                  <p:cNvPr id="1027" name="CuadroTexto 1026">
+                  <p:cNvPr id="118" name="CuadroTexto 117">
                     <a:extLst>
                       <a:ext uri="{FF2B5EF4-FFF2-40B4-BE49-F238E27FC236}">
-                        <a16:creationId xmlns:a16="http://schemas.microsoft.com/office/drawing/2014/main" id="{B0624A44-6E5A-75E5-8ABA-5AB3FEF123A9}"/>
+                        <a16:creationId xmlns:a16="http://schemas.microsoft.com/office/drawing/2014/main" id="{3596A64A-ADFE-0DDD-D612-51F162C8CFF1}"/>
                       </a:ext>
                     </a:extLst>
                   </p:cNvPr>
@@ -7517,10 +9378,10 @@
         </p:grpSp>
         <p:sp>
           <p:nvSpPr>
-            <p:cNvPr id="1061" name="CuadroTexto 1060">
+            <p:cNvPr id="18" name="CuadroTexto 17">
               <a:extLst>
                 <a:ext uri="{FF2B5EF4-FFF2-40B4-BE49-F238E27FC236}">
-                  <a16:creationId xmlns:a16="http://schemas.microsoft.com/office/drawing/2014/main" id="{B3D6AC1F-C313-D04E-C175-484E052CA9BC}"/>
+                  <a16:creationId xmlns:a16="http://schemas.microsoft.com/office/drawing/2014/main" id="{B2B582A9-06BE-AA5D-FCCA-C2FDB033E317}"/>
                 </a:ext>
               </a:extLst>
             </p:cNvPr>
@@ -7529,13 +9390,15 @@
           </p:nvSpPr>
           <p:spPr>
             <a:xfrm>
-              <a:off x="2549437" y="21942367"/>
-              <a:ext cx="375385" cy="646331"/>
+              <a:off x="1661163" y="16231006"/>
+              <a:ext cx="3636172" cy="369332"/>
             </a:xfrm>
             <a:prstGeom prst="rect">
               <a:avLst/>
             </a:prstGeom>
-            <a:noFill/>
+            <a:solidFill>
+              <a:schemeClr val="bg1"/>
+            </a:solidFill>
           </p:spPr>
           <p:txBody>
             <a:bodyPr wrap="square" rtlCol="0">
@@ -7544,22 +9407,460 @@
             <a:lstStyle/>
             <a:p>
               <a:r>
-                <a:rPr lang="es-ES" sz="3600" b="1" dirty="0">
+                <a:rPr lang="es-ES" b="1" dirty="0">
                   <a:solidFill>
-                    <a:srgbClr val="F553B3"/>
+                    <a:schemeClr val="tx2"/>
                   </a:solidFill>
+                  <a:latin typeface="+mj-lt"/>
                 </a:rPr>
-                <a:t>*</a:t>
+                <a:t>Actividad SOD en tentáculo</a:t>
               </a:r>
             </a:p>
           </p:txBody>
         </p:sp>
+      </p:grpSp>
+      <p:grpSp>
+        <p:nvGrpSpPr>
+          <p:cNvPr id="50" name="Grupo 49">
+            <a:extLst>
+              <a:ext uri="{FF2B5EF4-FFF2-40B4-BE49-F238E27FC236}">
+                <a16:creationId xmlns:a16="http://schemas.microsoft.com/office/drawing/2014/main" id="{87F2E7B9-D57F-12A2-C8EE-ECFCDDC57BA0}"/>
+              </a:ext>
+            </a:extLst>
+          </p:cNvPr>
+          <p:cNvGrpSpPr/>
+          <p:nvPr/>
+        </p:nvGrpSpPr>
+        <p:grpSpPr>
+          <a:xfrm>
+            <a:off x="10972968" y="16170090"/>
+            <a:ext cx="9471821" cy="4020152"/>
+            <a:chOff x="10972968" y="16170090"/>
+            <a:chExt cx="9471821" cy="4020152"/>
+          </a:xfrm>
+        </p:grpSpPr>
+        <p:grpSp>
+          <p:nvGrpSpPr>
+            <p:cNvPr id="1055" name="Grupo 1054">
+              <a:extLst>
+                <a:ext uri="{FF2B5EF4-FFF2-40B4-BE49-F238E27FC236}">
+                  <a16:creationId xmlns:a16="http://schemas.microsoft.com/office/drawing/2014/main" id="{F297BE96-987D-4496-559C-2D5B233FE48A}"/>
+                </a:ext>
+              </a:extLst>
+            </p:cNvPr>
+            <p:cNvGrpSpPr/>
+            <p:nvPr/>
+          </p:nvGrpSpPr>
+          <p:grpSpPr>
+            <a:xfrm>
+              <a:off x="10972968" y="16170090"/>
+              <a:ext cx="9471821" cy="4020152"/>
+              <a:chOff x="1808620" y="20579089"/>
+              <a:chExt cx="8572789" cy="3638573"/>
+            </a:xfrm>
+          </p:grpSpPr>
+          <p:pic>
+            <p:nvPicPr>
+              <p:cNvPr id="62" name="Imagen 61">
+                <a:extLst>
+                  <a:ext uri="{FF2B5EF4-FFF2-40B4-BE49-F238E27FC236}">
+                    <a16:creationId xmlns:a16="http://schemas.microsoft.com/office/drawing/2014/main" id="{36F28F22-ECD2-4B70-8479-94CCB39DC084}"/>
+                  </a:ext>
+                </a:extLst>
+              </p:cNvPr>
+              <p:cNvPicPr>
+                <a:picLocks noChangeAspect="1"/>
+              </p:cNvPicPr>
+              <p:nvPr/>
+            </p:nvPicPr>
+            <p:blipFill rotWithShape="1">
+              <a:blip r:embed="rId14">
+                <a:extLst>
+                  <a:ext uri="{28A0092B-C50C-407E-A947-70E740481C1C}">
+                    <a14:useLocalDpi xmlns:a14="http://schemas.microsoft.com/office/drawing/2010/main" val="0"/>
+                  </a:ext>
+                </a:extLst>
+              </a:blip>
+              <a:srcRect b="20419"/>
+              <a:stretch/>
+            </p:blipFill>
+            <p:spPr>
+              <a:xfrm>
+                <a:off x="1808620" y="20579089"/>
+                <a:ext cx="8572789" cy="3638572"/>
+              </a:xfrm>
+              <a:prstGeom prst="roundRect">
+                <a:avLst>
+                  <a:gd name="adj" fmla="val 10733"/>
+                </a:avLst>
+              </a:prstGeom>
+            </p:spPr>
+          </p:pic>
+          <p:grpSp>
+            <p:nvGrpSpPr>
+              <p:cNvPr id="1044" name="Grupo 1043">
+                <a:extLst>
+                  <a:ext uri="{FF2B5EF4-FFF2-40B4-BE49-F238E27FC236}">
+                    <a16:creationId xmlns:a16="http://schemas.microsoft.com/office/drawing/2014/main" id="{04367B25-0154-A620-811B-81901D90E4B9}"/>
+                  </a:ext>
+                </a:extLst>
+              </p:cNvPr>
+              <p:cNvGrpSpPr/>
+              <p:nvPr/>
+            </p:nvGrpSpPr>
+            <p:grpSpPr>
+              <a:xfrm>
+                <a:off x="2716224" y="23773884"/>
+                <a:ext cx="7367103" cy="443778"/>
+                <a:chOff x="2549109" y="19787806"/>
+                <a:chExt cx="7367103" cy="443778"/>
+              </a:xfrm>
+            </p:grpSpPr>
+            <p:grpSp>
+              <p:nvGrpSpPr>
+                <p:cNvPr id="1045" name="Grupo 1044">
+                  <a:extLst>
+                    <a:ext uri="{FF2B5EF4-FFF2-40B4-BE49-F238E27FC236}">
+                      <a16:creationId xmlns:a16="http://schemas.microsoft.com/office/drawing/2014/main" id="{7BCB1F1A-B45F-12AB-0061-67A3CF01479A}"/>
+                    </a:ext>
+                  </a:extLst>
+                </p:cNvPr>
+                <p:cNvGrpSpPr/>
+                <p:nvPr/>
+              </p:nvGrpSpPr>
+              <p:grpSpPr>
+                <a:xfrm>
+                  <a:off x="2549109" y="19787806"/>
+                  <a:ext cx="1996949" cy="292211"/>
+                  <a:chOff x="2549109" y="19787806"/>
+                  <a:chExt cx="1996949" cy="292211"/>
+                </a:xfrm>
+              </p:grpSpPr>
+              <p:sp>
+                <p:nvSpPr>
+                  <p:cNvPr id="1053" name="CuadroTexto 1052">
+                    <a:extLst>
+                      <a:ext uri="{FF2B5EF4-FFF2-40B4-BE49-F238E27FC236}">
+                        <a16:creationId xmlns:a16="http://schemas.microsoft.com/office/drawing/2014/main" id="{8FFA72BA-17AC-83FF-9D1A-4BDFD50A0CC0}"/>
+                      </a:ext>
+                    </a:extLst>
+                  </p:cNvPr>
+                  <p:cNvSpPr txBox="1"/>
+                  <p:nvPr/>
+                </p:nvSpPr>
+                <p:spPr>
+                  <a:xfrm>
+                    <a:off x="2549109" y="19787806"/>
+                    <a:ext cx="874615" cy="289441"/>
+                  </a:xfrm>
+                  <a:prstGeom prst="roundRect">
+                    <a:avLst/>
+                  </a:prstGeom>
+                  <a:solidFill>
+                    <a:schemeClr val="bg1"/>
+                  </a:solidFill>
+                </p:spPr>
+                <p:txBody>
+                  <a:bodyPr wrap="square" rtlCol="0">
+                    <a:spAutoFit/>
+                  </a:bodyPr>
+                  <a:lstStyle/>
+                  <a:p>
+                    <a:r>
+                      <a:rPr lang="es-ES" sz="1100" dirty="0"/>
+                      <a:t>Inmaduros</a:t>
+                    </a:r>
+                  </a:p>
+                </p:txBody>
+              </p:sp>
+              <p:sp>
+                <p:nvSpPr>
+                  <p:cNvPr id="1054" name="CuadroTexto 1053">
+                    <a:extLst>
+                      <a:ext uri="{FF2B5EF4-FFF2-40B4-BE49-F238E27FC236}">
+                        <a16:creationId xmlns:a16="http://schemas.microsoft.com/office/drawing/2014/main" id="{F1DBCBA9-894C-6F72-77BB-E78C8484B2E4}"/>
+                      </a:ext>
+                    </a:extLst>
+                  </p:cNvPr>
+                  <p:cNvSpPr txBox="1"/>
+                  <p:nvPr/>
+                </p:nvSpPr>
+                <p:spPr>
+                  <a:xfrm>
+                    <a:off x="3793167" y="19790576"/>
+                    <a:ext cx="752891" cy="289441"/>
+                  </a:xfrm>
+                  <a:prstGeom prst="roundRect">
+                    <a:avLst/>
+                  </a:prstGeom>
+                  <a:solidFill>
+                    <a:schemeClr val="bg1"/>
+                  </a:solidFill>
+                </p:spPr>
+                <p:txBody>
+                  <a:bodyPr wrap="square" rtlCol="0">
+                    <a:spAutoFit/>
+                  </a:bodyPr>
+                  <a:lstStyle/>
+                  <a:p>
+                    <a:r>
+                      <a:rPr lang="es-ES" sz="1100" dirty="0"/>
+                      <a:t>Maduros</a:t>
+                    </a:r>
+                  </a:p>
+                </p:txBody>
+              </p:sp>
+            </p:grpSp>
+            <p:grpSp>
+              <p:nvGrpSpPr>
+                <p:cNvPr id="1046" name="Grupo 1045">
+                  <a:extLst>
+                    <a:ext uri="{FF2B5EF4-FFF2-40B4-BE49-F238E27FC236}">
+                      <a16:creationId xmlns:a16="http://schemas.microsoft.com/office/drawing/2014/main" id="{C8E36ACD-C343-8FAD-AD73-FBDC61FFDB38}"/>
+                    </a:ext>
+                  </a:extLst>
+                </p:cNvPr>
+                <p:cNvGrpSpPr/>
+                <p:nvPr/>
+              </p:nvGrpSpPr>
+              <p:grpSpPr>
+                <a:xfrm>
+                  <a:off x="7919263" y="19787806"/>
+                  <a:ext cx="1996949" cy="292211"/>
+                  <a:chOff x="2549109" y="19787806"/>
+                  <a:chExt cx="1996949" cy="292211"/>
+                </a:xfrm>
+              </p:grpSpPr>
+              <p:sp>
+                <p:nvSpPr>
+                  <p:cNvPr id="1051" name="CuadroTexto 1050">
+                    <a:extLst>
+                      <a:ext uri="{FF2B5EF4-FFF2-40B4-BE49-F238E27FC236}">
+                        <a16:creationId xmlns:a16="http://schemas.microsoft.com/office/drawing/2014/main" id="{539414A8-14CF-E56F-4549-291965EB885D}"/>
+                      </a:ext>
+                    </a:extLst>
+                  </p:cNvPr>
+                  <p:cNvSpPr txBox="1"/>
+                  <p:nvPr/>
+                </p:nvSpPr>
+                <p:spPr>
+                  <a:xfrm>
+                    <a:off x="2549109" y="19787806"/>
+                    <a:ext cx="874615" cy="289441"/>
+                  </a:xfrm>
+                  <a:prstGeom prst="roundRect">
+                    <a:avLst/>
+                  </a:prstGeom>
+                  <a:solidFill>
+                    <a:schemeClr val="bg1"/>
+                  </a:solidFill>
+                </p:spPr>
+                <p:txBody>
+                  <a:bodyPr wrap="square" rtlCol="0">
+                    <a:spAutoFit/>
+                  </a:bodyPr>
+                  <a:lstStyle/>
+                  <a:p>
+                    <a:r>
+                      <a:rPr lang="es-ES" sz="1100" dirty="0"/>
+                      <a:t>Inmaduros</a:t>
+                    </a:r>
+                  </a:p>
+                </p:txBody>
+              </p:sp>
+              <p:sp>
+                <p:nvSpPr>
+                  <p:cNvPr id="1052" name="CuadroTexto 1051">
+                    <a:extLst>
+                      <a:ext uri="{FF2B5EF4-FFF2-40B4-BE49-F238E27FC236}">
+                        <a16:creationId xmlns:a16="http://schemas.microsoft.com/office/drawing/2014/main" id="{BEF54AA3-C288-A02D-F69C-C578D41DF304}"/>
+                      </a:ext>
+                    </a:extLst>
+                  </p:cNvPr>
+                  <p:cNvSpPr txBox="1"/>
+                  <p:nvPr/>
+                </p:nvSpPr>
+                <p:spPr>
+                  <a:xfrm>
+                    <a:off x="3793167" y="19790576"/>
+                    <a:ext cx="752891" cy="289441"/>
+                  </a:xfrm>
+                  <a:prstGeom prst="roundRect">
+                    <a:avLst/>
+                  </a:prstGeom>
+                  <a:solidFill>
+                    <a:schemeClr val="bg1"/>
+                  </a:solidFill>
+                </p:spPr>
+                <p:txBody>
+                  <a:bodyPr wrap="square" rtlCol="0">
+                    <a:spAutoFit/>
+                  </a:bodyPr>
+                  <a:lstStyle/>
+                  <a:p>
+                    <a:r>
+                      <a:rPr lang="es-ES" sz="1100" dirty="0"/>
+                      <a:t>Maduros</a:t>
+                    </a:r>
+                  </a:p>
+                </p:txBody>
+              </p:sp>
+            </p:grpSp>
+            <p:sp>
+              <p:nvSpPr>
+                <p:cNvPr id="1047" name="Rectángulo 1046">
+                  <a:extLst>
+                    <a:ext uri="{FF2B5EF4-FFF2-40B4-BE49-F238E27FC236}">
+                      <a16:creationId xmlns:a16="http://schemas.microsoft.com/office/drawing/2014/main" id="{B06A574D-9C48-BF65-77FB-5C42E14C1998}"/>
+                    </a:ext>
+                  </a:extLst>
+                </p:cNvPr>
+                <p:cNvSpPr/>
+                <p:nvPr/>
+              </p:nvSpPr>
+              <p:spPr>
+                <a:xfrm>
+                  <a:off x="5715000" y="19876977"/>
+                  <a:ext cx="1170204" cy="354607"/>
+                </a:xfrm>
+                <a:prstGeom prst="rect">
+                  <a:avLst/>
+                </a:prstGeom>
+                <a:solidFill>
+                  <a:schemeClr val="bg1"/>
+                </a:solidFill>
+                <a:ln>
+                  <a:noFill/>
+                </a:ln>
+              </p:spPr>
+              <p:style>
+                <a:lnRef idx="2">
+                  <a:schemeClr val="accent1">
+                    <a:shade val="15000"/>
+                  </a:schemeClr>
+                </a:lnRef>
+                <a:fillRef idx="1">
+                  <a:schemeClr val="accent1"/>
+                </a:fillRef>
+                <a:effectRef idx="0">
+                  <a:schemeClr val="accent1"/>
+                </a:effectRef>
+                <a:fontRef idx="minor">
+                  <a:schemeClr val="lt1"/>
+                </a:fontRef>
+              </p:style>
+              <p:txBody>
+                <a:bodyPr rtlCol="0" anchor="ctr"/>
+                <a:lstStyle/>
+                <a:p>
+                  <a:pPr algn="ctr"/>
+                  <a:endParaRPr lang="es-ES"/>
+                </a:p>
+              </p:txBody>
+            </p:sp>
+            <p:grpSp>
+              <p:nvGrpSpPr>
+                <p:cNvPr id="1048" name="Grupo 1047">
+                  <a:extLst>
+                    <a:ext uri="{FF2B5EF4-FFF2-40B4-BE49-F238E27FC236}">
+                      <a16:creationId xmlns:a16="http://schemas.microsoft.com/office/drawing/2014/main" id="{EE3C55DC-8224-23F0-096A-AB8A716C79DF}"/>
+                    </a:ext>
+                  </a:extLst>
+                </p:cNvPr>
+                <p:cNvGrpSpPr/>
+                <p:nvPr/>
+              </p:nvGrpSpPr>
+              <p:grpSpPr>
+                <a:xfrm>
+                  <a:off x="5211608" y="19787806"/>
+                  <a:ext cx="1996949" cy="292211"/>
+                  <a:chOff x="2549109" y="19787806"/>
+                  <a:chExt cx="1996949" cy="292211"/>
+                </a:xfrm>
+              </p:grpSpPr>
+              <p:sp>
+                <p:nvSpPr>
+                  <p:cNvPr id="1049" name="CuadroTexto 1048">
+                    <a:extLst>
+                      <a:ext uri="{FF2B5EF4-FFF2-40B4-BE49-F238E27FC236}">
+                        <a16:creationId xmlns:a16="http://schemas.microsoft.com/office/drawing/2014/main" id="{FC6AE063-FB99-BDD8-134E-FF2BAE266FE2}"/>
+                      </a:ext>
+                    </a:extLst>
+                  </p:cNvPr>
+                  <p:cNvSpPr txBox="1"/>
+                  <p:nvPr/>
+                </p:nvSpPr>
+                <p:spPr>
+                  <a:xfrm>
+                    <a:off x="2549109" y="19787806"/>
+                    <a:ext cx="874615" cy="289441"/>
+                  </a:xfrm>
+                  <a:prstGeom prst="roundRect">
+                    <a:avLst/>
+                  </a:prstGeom>
+                  <a:solidFill>
+                    <a:schemeClr val="bg1"/>
+                  </a:solidFill>
+                </p:spPr>
+                <p:txBody>
+                  <a:bodyPr wrap="square" rtlCol="0">
+                    <a:spAutoFit/>
+                  </a:bodyPr>
+                  <a:lstStyle/>
+                  <a:p>
+                    <a:r>
+                      <a:rPr lang="es-ES" sz="1100" dirty="0"/>
+                      <a:t>Inmaduros</a:t>
+                    </a:r>
+                  </a:p>
+                </p:txBody>
+              </p:sp>
+              <p:sp>
+                <p:nvSpPr>
+                  <p:cNvPr id="1050" name="CuadroTexto 1049">
+                    <a:extLst>
+                      <a:ext uri="{FF2B5EF4-FFF2-40B4-BE49-F238E27FC236}">
+                        <a16:creationId xmlns:a16="http://schemas.microsoft.com/office/drawing/2014/main" id="{5D8F2724-DBE2-2FE6-BD71-C9F7832342C1}"/>
+                      </a:ext>
+                    </a:extLst>
+                  </p:cNvPr>
+                  <p:cNvSpPr txBox="1"/>
+                  <p:nvPr/>
+                </p:nvSpPr>
+                <p:spPr>
+                  <a:xfrm>
+                    <a:off x="3793167" y="19790576"/>
+                    <a:ext cx="752891" cy="289441"/>
+                  </a:xfrm>
+                  <a:prstGeom prst="roundRect">
+                    <a:avLst/>
+                  </a:prstGeom>
+                  <a:solidFill>
+                    <a:schemeClr val="bg1"/>
+                  </a:solidFill>
+                </p:spPr>
+                <p:txBody>
+                  <a:bodyPr wrap="square" rtlCol="0">
+                    <a:spAutoFit/>
+                  </a:bodyPr>
+                  <a:lstStyle/>
+                  <a:p>
+                    <a:r>
+                      <a:rPr lang="es-ES" sz="1100" dirty="0"/>
+                      <a:t>Maduros</a:t>
+                    </a:r>
+                  </a:p>
+                </p:txBody>
+              </p:sp>
+            </p:grpSp>
+          </p:grpSp>
+        </p:grpSp>
         <p:sp>
           <p:nvSpPr>
-            <p:cNvPr id="1063" name="CuadroTexto 1062">
+            <p:cNvPr id="20" name="CuadroTexto 19">
               <a:extLst>
                 <a:ext uri="{FF2B5EF4-FFF2-40B4-BE49-F238E27FC236}">
-                  <a16:creationId xmlns:a16="http://schemas.microsoft.com/office/drawing/2014/main" id="{E1152423-3C90-0A12-534B-85BDF2612DC1}"/>
+                  <a16:creationId xmlns:a16="http://schemas.microsoft.com/office/drawing/2014/main" id="{27A33190-A34D-47D2-FB12-2F4E804A88E1}"/>
                 </a:ext>
               </a:extLst>
             </p:cNvPr>
@@ -7568,13 +9869,15 @@
           </p:nvSpPr>
           <p:spPr>
             <a:xfrm>
-              <a:off x="5219764" y="22074868"/>
-              <a:ext cx="375385" cy="646331"/>
+              <a:off x="11554218" y="16244137"/>
+              <a:ext cx="7296671" cy="369332"/>
             </a:xfrm>
             <a:prstGeom prst="rect">
               <a:avLst/>
             </a:prstGeom>
-            <a:noFill/>
+            <a:solidFill>
+              <a:schemeClr val="bg1"/>
+            </a:solidFill>
           </p:spPr>
           <p:txBody>
             <a:bodyPr wrap="square" rtlCol="0">
@@ -7583,830 +9886,18 @@
             <a:lstStyle/>
             <a:p>
               <a:r>
-                <a:rPr lang="es-ES" sz="3600" b="1" dirty="0">
+                <a:rPr lang="es-ES" b="1" dirty="0">
                   <a:solidFill>
-                    <a:srgbClr val="F553B3"/>
+                    <a:schemeClr val="tx2"/>
                   </a:solidFill>
+                  <a:latin typeface="+mj-lt"/>
                 </a:rPr>
-                <a:t>*</a:t>
-              </a:r>
-            </a:p>
-          </p:txBody>
-        </p:sp>
-        <p:sp>
-          <p:nvSpPr>
-            <p:cNvPr id="1065" name="CuadroTexto 1064">
-              <a:extLst>
-                <a:ext uri="{FF2B5EF4-FFF2-40B4-BE49-F238E27FC236}">
-                  <a16:creationId xmlns:a16="http://schemas.microsoft.com/office/drawing/2014/main" id="{A7112C44-949C-5F26-229A-7CF67A47CFEE}"/>
-                </a:ext>
-              </a:extLst>
-            </p:cNvPr>
-            <p:cNvSpPr txBox="1"/>
-            <p:nvPr/>
-          </p:nvSpPr>
-          <p:spPr>
-            <a:xfrm>
-              <a:off x="6211655" y="22188870"/>
-              <a:ext cx="375385" cy="646331"/>
-            </a:xfrm>
-            <a:prstGeom prst="rect">
-              <a:avLst/>
-            </a:prstGeom>
-            <a:noFill/>
-          </p:spPr>
-          <p:txBody>
-            <a:bodyPr wrap="square" rtlCol="0">
-              <a:spAutoFit/>
-            </a:bodyPr>
-            <a:lstStyle/>
-            <a:p>
-              <a:r>
-                <a:rPr lang="es-ES" sz="3600" b="1" dirty="0">
-                  <a:solidFill>
-                    <a:srgbClr val="F553B3"/>
-                  </a:solidFill>
-                </a:rPr>
-                <a:t>*</a:t>
-              </a:r>
-            </a:p>
-          </p:txBody>
-        </p:sp>
-        <p:sp>
-          <p:nvSpPr>
-            <p:cNvPr id="1066" name="CuadroTexto 1065">
-              <a:extLst>
-                <a:ext uri="{FF2B5EF4-FFF2-40B4-BE49-F238E27FC236}">
-                  <a16:creationId xmlns:a16="http://schemas.microsoft.com/office/drawing/2014/main" id="{B2F0F56C-DCC3-2756-BDDA-52EBE37AD89A}"/>
-                </a:ext>
-              </a:extLst>
-            </p:cNvPr>
-            <p:cNvSpPr txBox="1"/>
-            <p:nvPr/>
-          </p:nvSpPr>
-          <p:spPr>
-            <a:xfrm>
-              <a:off x="3568305" y="22079109"/>
-              <a:ext cx="375385" cy="646331"/>
-            </a:xfrm>
-            <a:prstGeom prst="rect">
-              <a:avLst/>
-            </a:prstGeom>
-            <a:noFill/>
-          </p:spPr>
-          <p:txBody>
-            <a:bodyPr wrap="square" rtlCol="0">
-              <a:spAutoFit/>
-            </a:bodyPr>
-            <a:lstStyle/>
-            <a:p>
-              <a:r>
-                <a:rPr lang="es-ES" sz="3600" b="1" dirty="0">
-                  <a:solidFill>
-                    <a:srgbClr val="F553B3"/>
-                  </a:solidFill>
-                </a:rPr>
-                <a:t>*</a:t>
+                <a:t>Capacidad antioxidante total (TEAC) en tentáculo</a:t>
               </a:r>
             </a:p>
           </p:txBody>
         </p:sp>
       </p:grpSp>
-      <p:sp>
-        <p:nvSpPr>
-          <p:cNvPr id="1069" name="CuadroTexto 1068">
-            <a:extLst>
-              <a:ext uri="{FF2B5EF4-FFF2-40B4-BE49-F238E27FC236}">
-                <a16:creationId xmlns:a16="http://schemas.microsoft.com/office/drawing/2014/main" id="{F1B67328-B562-EAC4-B1BF-5EE3C50878FB}"/>
-              </a:ext>
-            </a:extLst>
-          </p:cNvPr>
-          <p:cNvSpPr txBox="1"/>
-          <p:nvPr/>
-        </p:nvSpPr>
-        <p:spPr>
-          <a:xfrm>
-            <a:off x="18311404" y="22003552"/>
-            <a:ext cx="375385" cy="400110"/>
-          </a:xfrm>
-          <a:prstGeom prst="rect">
-            <a:avLst/>
-          </a:prstGeom>
-          <a:noFill/>
-        </p:spPr>
-        <p:txBody>
-          <a:bodyPr wrap="square" rtlCol="0">
-            <a:spAutoFit/>
-          </a:bodyPr>
-          <a:lstStyle/>
-          <a:p>
-            <a:r>
-              <a:rPr lang="es-ES" sz="2000" b="1" dirty="0">
-                <a:solidFill>
-                  <a:srgbClr val="F553B3"/>
-                </a:solidFill>
-              </a:rPr>
-              <a:t>a</a:t>
-            </a:r>
-          </a:p>
-        </p:txBody>
-      </p:sp>
-      <p:sp>
-        <p:nvSpPr>
-          <p:cNvPr id="1071" name="CuadroTexto 1070">
-            <a:extLst>
-              <a:ext uri="{FF2B5EF4-FFF2-40B4-BE49-F238E27FC236}">
-                <a16:creationId xmlns:a16="http://schemas.microsoft.com/office/drawing/2014/main" id="{C61D74F2-C534-07D4-9B76-19F74D9C033A}"/>
-              </a:ext>
-            </a:extLst>
-          </p:cNvPr>
-          <p:cNvSpPr txBox="1"/>
-          <p:nvPr/>
-        </p:nvSpPr>
-        <p:spPr>
-          <a:xfrm>
-            <a:off x="820998" y="14210319"/>
-            <a:ext cx="18944071" cy="2510195"/>
-          </a:xfrm>
-          <a:prstGeom prst="roundRect">
-            <a:avLst>
-              <a:gd name="adj" fmla="val 50000"/>
-            </a:avLst>
-          </a:prstGeom>
-          <a:noFill/>
-        </p:spPr>
-        <p:txBody>
-          <a:bodyPr wrap="square" rtlCol="0">
-            <a:spAutoFit/>
-          </a:bodyPr>
-          <a:lstStyle/>
-          <a:p>
-            <a:pPr marL="457200" indent="-457200" algn="just">
-              <a:buClr>
-                <a:schemeClr val="accent6"/>
-              </a:buClr>
-              <a:buFont typeface="Arial" panose="020B0604020202020204" pitchFamily="34" charset="0"/>
-              <a:buChar char="•"/>
-            </a:pPr>
-            <a:r>
-              <a:rPr lang="es-ES" sz="3000" b="1" dirty="0">
-                <a:solidFill>
-                  <a:schemeClr val="accent6"/>
-                </a:solidFill>
-              </a:rPr>
-              <a:t>SOD</a:t>
-            </a:r>
-            <a:r>
-              <a:rPr lang="es-ES" sz="3000" b="1" dirty="0">
-                <a:solidFill>
-                  <a:schemeClr val="accent3"/>
-                </a:solidFill>
-              </a:rPr>
-              <a:t> </a:t>
-            </a:r>
-            <a:r>
-              <a:rPr lang="es-ES" sz="3000" dirty="0"/>
-              <a:t>y</a:t>
-            </a:r>
-            <a:r>
-              <a:rPr lang="es-ES" sz="3000" b="1" dirty="0"/>
-              <a:t> </a:t>
-            </a:r>
-            <a:r>
-              <a:rPr lang="es-ES" sz="3000" b="1" dirty="0">
-                <a:solidFill>
-                  <a:schemeClr val="accent6"/>
-                </a:solidFill>
-              </a:rPr>
-              <a:t>TEAC</a:t>
-            </a:r>
-            <a:r>
-              <a:rPr lang="es-ES" sz="3000" b="1" dirty="0">
-                <a:solidFill>
-                  <a:schemeClr val="accent3"/>
-                </a:solidFill>
-              </a:rPr>
-              <a:t> </a:t>
-            </a:r>
-            <a:r>
-              <a:rPr lang="es-ES" sz="3000" dirty="0"/>
-              <a:t>no se ven alteradas ante los distintos modos de reproducción</a:t>
-            </a:r>
-          </a:p>
-          <a:p>
-            <a:pPr marL="457200" indent="-457200" algn="just">
-              <a:buClr>
-                <a:schemeClr val="accent6"/>
-              </a:buClr>
-              <a:buFont typeface="Arial" panose="020B0604020202020204" pitchFamily="34" charset="0"/>
-              <a:buChar char="•"/>
-            </a:pPr>
-            <a:r>
-              <a:rPr lang="es-ES" sz="3000" dirty="0"/>
-              <a:t>Actividad </a:t>
-            </a:r>
-            <a:r>
-              <a:rPr lang="es-ES" sz="3000" b="1" dirty="0">
-                <a:solidFill>
-                  <a:schemeClr val="accent6"/>
-                </a:solidFill>
-              </a:rPr>
-              <a:t>CAT</a:t>
-            </a:r>
-            <a:r>
-              <a:rPr lang="es-ES" sz="3000" dirty="0"/>
-              <a:t> se incrementa al estimular la división asexual</a:t>
-            </a:r>
-          </a:p>
-          <a:p>
-            <a:pPr marL="457200" indent="-457200" algn="just">
-              <a:buClr>
-                <a:schemeClr val="accent6"/>
-              </a:buClr>
-              <a:buFont typeface="Arial" panose="020B0604020202020204" pitchFamily="34" charset="0"/>
-              <a:buChar char="•"/>
-            </a:pPr>
-            <a:r>
-              <a:rPr lang="es-ES" sz="3000" dirty="0"/>
-              <a:t>Niveles de </a:t>
-            </a:r>
-            <a:r>
-              <a:rPr lang="es-ES" sz="3000" b="1" dirty="0">
-                <a:solidFill>
-                  <a:schemeClr val="accent6"/>
-                </a:solidFill>
-              </a:rPr>
-              <a:t>MDA</a:t>
-            </a:r>
-            <a:r>
-              <a:rPr lang="es-ES" sz="3000" dirty="0"/>
-              <a:t> son uniformes entre tratamientos</a:t>
-            </a:r>
-          </a:p>
-          <a:p>
-            <a:pPr marL="342900" indent="-342900" algn="just">
-              <a:buFont typeface="Wingdings" panose="05000000000000000000" pitchFamily="2" charset="2"/>
-              <a:buChar char="§"/>
-            </a:pPr>
-            <a:endParaRPr lang="es-ES" sz="2000" dirty="0"/>
-          </a:p>
-        </p:txBody>
-      </p:sp>
-      <p:sp>
-        <p:nvSpPr>
-          <p:cNvPr id="1072" name="Rectángulo: esquinas redondeadas 1071">
-            <a:extLst>
-              <a:ext uri="{FF2B5EF4-FFF2-40B4-BE49-F238E27FC236}">
-                <a16:creationId xmlns:a16="http://schemas.microsoft.com/office/drawing/2014/main" id="{353D0E9F-07D6-663C-1F0F-F56D64AF601A}"/>
-              </a:ext>
-            </a:extLst>
-          </p:cNvPr>
-          <p:cNvSpPr/>
-          <p:nvPr/>
-        </p:nvSpPr>
-        <p:spPr>
-          <a:xfrm>
-            <a:off x="644527" y="25280321"/>
-            <a:ext cx="19949559" cy="511629"/>
-          </a:xfrm>
-          <a:prstGeom prst="roundRect">
-            <a:avLst/>
-          </a:prstGeom>
-          <a:ln/>
-        </p:spPr>
-        <p:style>
-          <a:lnRef idx="1">
-            <a:schemeClr val="accent3"/>
-          </a:lnRef>
-          <a:fillRef idx="3">
-            <a:schemeClr val="accent3"/>
-          </a:fillRef>
-          <a:effectRef idx="2">
-            <a:schemeClr val="accent3"/>
-          </a:effectRef>
-          <a:fontRef idx="minor">
-            <a:schemeClr val="lt1"/>
-          </a:fontRef>
-        </p:style>
-        <p:txBody>
-          <a:bodyPr rtlCol="0" anchor="ctr"/>
-          <a:lstStyle/>
-          <a:p>
-            <a:pPr algn="ctr"/>
-            <a:endParaRPr lang="es-ES"/>
-          </a:p>
-        </p:txBody>
-      </p:sp>
-      <p:sp>
-        <p:nvSpPr>
-          <p:cNvPr id="1073" name="CuadroTexto 1072">
-            <a:extLst>
-              <a:ext uri="{FF2B5EF4-FFF2-40B4-BE49-F238E27FC236}">
-                <a16:creationId xmlns:a16="http://schemas.microsoft.com/office/drawing/2014/main" id="{140A8778-70D8-0BDD-1C85-06B32285EA5C}"/>
-              </a:ext>
-            </a:extLst>
-          </p:cNvPr>
-          <p:cNvSpPr txBox="1"/>
-          <p:nvPr/>
-        </p:nvSpPr>
-        <p:spPr>
-          <a:xfrm>
-            <a:off x="646597" y="25306936"/>
-            <a:ext cx="16815132" cy="523220"/>
-          </a:xfrm>
-          <a:prstGeom prst="rect">
-            <a:avLst/>
-          </a:prstGeom>
-          <a:noFill/>
-        </p:spPr>
-        <p:txBody>
-          <a:bodyPr wrap="square" rtlCol="0">
-            <a:spAutoFit/>
-          </a:bodyPr>
-          <a:lstStyle/>
-          <a:p>
-            <a:r>
-              <a:rPr lang="es-ES" sz="2800" b="1" dirty="0">
-                <a:solidFill>
-                  <a:schemeClr val="bg1"/>
-                </a:solidFill>
-                <a:latin typeface="Cooper Hewitt Semibold" pitchFamily="2" charset="0"/>
-                <a:ea typeface="Cooper Hewitt Semibold" pitchFamily="2" charset="0"/>
-              </a:rPr>
-              <a:t>CONCLUSIONES</a:t>
-            </a:r>
-            <a:endParaRPr lang="x-none" sz="2800" b="1" dirty="0">
-              <a:solidFill>
-                <a:schemeClr val="bg1"/>
-              </a:solidFill>
-              <a:latin typeface="Cooper Hewitt Semibold" pitchFamily="2" charset="0"/>
-              <a:ea typeface="Cooper Hewitt Semibold" pitchFamily="2" charset="0"/>
-            </a:endParaRPr>
-          </a:p>
-        </p:txBody>
-      </p:sp>
-      <p:sp>
-        <p:nvSpPr>
-          <p:cNvPr id="1074" name="CuadroTexto 1073">
-            <a:extLst>
-              <a:ext uri="{FF2B5EF4-FFF2-40B4-BE49-F238E27FC236}">
-                <a16:creationId xmlns:a16="http://schemas.microsoft.com/office/drawing/2014/main" id="{7C7C9BFE-DC31-8DB0-1118-3D119FA96EA2}"/>
-              </a:ext>
-            </a:extLst>
-          </p:cNvPr>
-          <p:cNvSpPr txBox="1"/>
-          <p:nvPr/>
-        </p:nvSpPr>
-        <p:spPr>
-          <a:xfrm>
-            <a:off x="976904" y="24521460"/>
-            <a:ext cx="19234844" cy="338554"/>
-          </a:xfrm>
-          <a:prstGeom prst="rect">
-            <a:avLst/>
-          </a:prstGeom>
-          <a:noFill/>
-        </p:spPr>
-        <p:txBody>
-          <a:bodyPr wrap="square" rtlCol="0">
-            <a:spAutoFit/>
-          </a:bodyPr>
-          <a:lstStyle/>
-          <a:p>
-            <a:r>
-              <a:rPr lang="es-ES" sz="1600" b="1" dirty="0">
-                <a:solidFill>
-                  <a:srgbClr val="F553B3"/>
-                </a:solidFill>
-              </a:rPr>
-              <a:t>			*: diferencias significativas asociadas a la reproducción asexual									a, b: diferencias significativas asociadas a la maduración sexual</a:t>
-            </a:r>
-          </a:p>
-        </p:txBody>
-      </p:sp>
-      <p:sp>
-        <p:nvSpPr>
-          <p:cNvPr id="1075" name="CuadroTexto 1074">
-            <a:extLst>
-              <a:ext uri="{FF2B5EF4-FFF2-40B4-BE49-F238E27FC236}">
-                <a16:creationId xmlns:a16="http://schemas.microsoft.com/office/drawing/2014/main" id="{390E6EFD-3A3F-7929-603F-4F8876F70FA9}"/>
-              </a:ext>
-            </a:extLst>
-          </p:cNvPr>
-          <p:cNvSpPr txBox="1"/>
-          <p:nvPr/>
-        </p:nvSpPr>
-        <p:spPr>
-          <a:xfrm>
-            <a:off x="19544868" y="22760460"/>
-            <a:ext cx="375385" cy="400110"/>
-          </a:xfrm>
-          <a:prstGeom prst="rect">
-            <a:avLst/>
-          </a:prstGeom>
-          <a:noFill/>
-        </p:spPr>
-        <p:txBody>
-          <a:bodyPr wrap="square" rtlCol="0">
-            <a:spAutoFit/>
-          </a:bodyPr>
-          <a:lstStyle/>
-          <a:p>
-            <a:r>
-              <a:rPr lang="es-ES" sz="2000" b="1" dirty="0">
-                <a:solidFill>
-                  <a:srgbClr val="F553B3"/>
-                </a:solidFill>
-              </a:rPr>
-              <a:t>b</a:t>
-            </a:r>
-          </a:p>
-        </p:txBody>
-      </p:sp>
-      <p:sp>
-        <p:nvSpPr>
-          <p:cNvPr id="1076" name="CuadroTexto 1075">
-            <a:extLst>
-              <a:ext uri="{FF2B5EF4-FFF2-40B4-BE49-F238E27FC236}">
-                <a16:creationId xmlns:a16="http://schemas.microsoft.com/office/drawing/2014/main" id="{688EA276-8C41-231C-7F99-78D1328EEFB2}"/>
-              </a:ext>
-            </a:extLst>
-          </p:cNvPr>
-          <p:cNvSpPr txBox="1"/>
-          <p:nvPr/>
-        </p:nvSpPr>
-        <p:spPr>
-          <a:xfrm>
-            <a:off x="2406750" y="21970514"/>
-            <a:ext cx="375385" cy="400110"/>
-          </a:xfrm>
-          <a:prstGeom prst="rect">
-            <a:avLst/>
-          </a:prstGeom>
-          <a:noFill/>
-        </p:spPr>
-        <p:txBody>
-          <a:bodyPr wrap="square" rtlCol="0">
-            <a:spAutoFit/>
-          </a:bodyPr>
-          <a:lstStyle/>
-          <a:p>
-            <a:r>
-              <a:rPr lang="es-ES" sz="2000" b="1" dirty="0">
-                <a:solidFill>
-                  <a:srgbClr val="F553B3"/>
-                </a:solidFill>
-              </a:rPr>
-              <a:t>a</a:t>
-            </a:r>
-          </a:p>
-        </p:txBody>
-      </p:sp>
-      <p:sp>
-        <p:nvSpPr>
-          <p:cNvPr id="1077" name="CuadroTexto 1076">
-            <a:extLst>
-              <a:ext uri="{FF2B5EF4-FFF2-40B4-BE49-F238E27FC236}">
-                <a16:creationId xmlns:a16="http://schemas.microsoft.com/office/drawing/2014/main" id="{50D9705B-35AB-033C-CD15-DF409CB7EF08}"/>
-              </a:ext>
-            </a:extLst>
-          </p:cNvPr>
-          <p:cNvSpPr txBox="1"/>
-          <p:nvPr/>
-        </p:nvSpPr>
-        <p:spPr>
-          <a:xfrm>
-            <a:off x="3575295" y="23338316"/>
-            <a:ext cx="375385" cy="400110"/>
-          </a:xfrm>
-          <a:prstGeom prst="rect">
-            <a:avLst/>
-          </a:prstGeom>
-          <a:noFill/>
-        </p:spPr>
-        <p:txBody>
-          <a:bodyPr wrap="square" rtlCol="0">
-            <a:spAutoFit/>
-          </a:bodyPr>
-          <a:lstStyle/>
-          <a:p>
-            <a:r>
-              <a:rPr lang="es-ES" sz="2000" b="1" dirty="0">
-                <a:solidFill>
-                  <a:srgbClr val="F553B3"/>
-                </a:solidFill>
-              </a:rPr>
-              <a:t>b</a:t>
-            </a:r>
-          </a:p>
-        </p:txBody>
-      </p:sp>
-      <p:sp>
-        <p:nvSpPr>
-          <p:cNvPr id="1078" name="CuadroTexto 1077">
-            <a:extLst>
-              <a:ext uri="{FF2B5EF4-FFF2-40B4-BE49-F238E27FC236}">
-                <a16:creationId xmlns:a16="http://schemas.microsoft.com/office/drawing/2014/main" id="{EEF7CAEB-436F-AC12-EADB-74CCA2518D75}"/>
-              </a:ext>
-            </a:extLst>
-          </p:cNvPr>
-          <p:cNvSpPr txBox="1"/>
-          <p:nvPr/>
-        </p:nvSpPr>
-        <p:spPr>
-          <a:xfrm>
-            <a:off x="3425618" y="22107885"/>
-            <a:ext cx="375385" cy="400110"/>
-          </a:xfrm>
-          <a:prstGeom prst="rect">
-            <a:avLst/>
-          </a:prstGeom>
-          <a:noFill/>
-        </p:spPr>
-        <p:txBody>
-          <a:bodyPr wrap="square" rtlCol="0">
-            <a:spAutoFit/>
-          </a:bodyPr>
-          <a:lstStyle/>
-          <a:p>
-            <a:r>
-              <a:rPr lang="es-ES" sz="2000" b="1" dirty="0">
-                <a:solidFill>
-                  <a:srgbClr val="F553B3"/>
-                </a:solidFill>
-              </a:rPr>
-              <a:t>a</a:t>
-            </a:r>
-          </a:p>
-        </p:txBody>
-      </p:sp>
-      <p:sp>
-        <p:nvSpPr>
-          <p:cNvPr id="1079" name="CuadroTexto 1078">
-            <a:extLst>
-              <a:ext uri="{FF2B5EF4-FFF2-40B4-BE49-F238E27FC236}">
-                <a16:creationId xmlns:a16="http://schemas.microsoft.com/office/drawing/2014/main" id="{391D3B6E-DDAC-7836-334E-2E0F7BD57696}"/>
-              </a:ext>
-            </a:extLst>
-          </p:cNvPr>
-          <p:cNvSpPr txBox="1"/>
-          <p:nvPr/>
-        </p:nvSpPr>
-        <p:spPr>
-          <a:xfrm>
-            <a:off x="2269735" y="23160570"/>
-            <a:ext cx="375385" cy="400110"/>
-          </a:xfrm>
-          <a:prstGeom prst="rect">
-            <a:avLst/>
-          </a:prstGeom>
-          <a:noFill/>
-        </p:spPr>
-        <p:txBody>
-          <a:bodyPr wrap="square" rtlCol="0">
-            <a:spAutoFit/>
-          </a:bodyPr>
-          <a:lstStyle/>
-          <a:p>
-            <a:r>
-              <a:rPr lang="es-ES" sz="2000" b="1" dirty="0">
-                <a:solidFill>
-                  <a:srgbClr val="F553B3"/>
-                </a:solidFill>
-              </a:rPr>
-              <a:t>b</a:t>
-            </a:r>
-          </a:p>
-        </p:txBody>
-      </p:sp>
-      <p:sp>
-        <p:nvSpPr>
-          <p:cNvPr id="1080" name="CuadroTexto 1079">
-            <a:extLst>
-              <a:ext uri="{FF2B5EF4-FFF2-40B4-BE49-F238E27FC236}">
-                <a16:creationId xmlns:a16="http://schemas.microsoft.com/office/drawing/2014/main" id="{F5B74FA0-9DA0-1C41-0067-8C0F8F9C3064}"/>
-              </a:ext>
-            </a:extLst>
-          </p:cNvPr>
-          <p:cNvSpPr txBox="1"/>
-          <p:nvPr/>
-        </p:nvSpPr>
-        <p:spPr>
-          <a:xfrm>
-            <a:off x="5068041" y="22107885"/>
-            <a:ext cx="375385" cy="400110"/>
-          </a:xfrm>
-          <a:prstGeom prst="rect">
-            <a:avLst/>
-          </a:prstGeom>
-          <a:noFill/>
-        </p:spPr>
-        <p:txBody>
-          <a:bodyPr wrap="square" rtlCol="0">
-            <a:spAutoFit/>
-          </a:bodyPr>
-          <a:lstStyle/>
-          <a:p>
-            <a:r>
-              <a:rPr lang="es-ES" sz="2000" b="1" dirty="0">
-                <a:solidFill>
-                  <a:srgbClr val="F553B3"/>
-                </a:solidFill>
-              </a:rPr>
-              <a:t>a</a:t>
-            </a:r>
-          </a:p>
-        </p:txBody>
-      </p:sp>
-      <p:sp>
-        <p:nvSpPr>
-          <p:cNvPr id="1081" name="CuadroTexto 1080">
-            <a:extLst>
-              <a:ext uri="{FF2B5EF4-FFF2-40B4-BE49-F238E27FC236}">
-                <a16:creationId xmlns:a16="http://schemas.microsoft.com/office/drawing/2014/main" id="{F8A90280-29F3-1C4C-3D20-306A1861C3B8}"/>
-              </a:ext>
-            </a:extLst>
-          </p:cNvPr>
-          <p:cNvSpPr txBox="1"/>
-          <p:nvPr/>
-        </p:nvSpPr>
-        <p:spPr>
-          <a:xfrm>
-            <a:off x="6271583" y="23386708"/>
-            <a:ext cx="375385" cy="400110"/>
-          </a:xfrm>
-          <a:prstGeom prst="rect">
-            <a:avLst/>
-          </a:prstGeom>
-          <a:noFill/>
-        </p:spPr>
-        <p:txBody>
-          <a:bodyPr wrap="square" rtlCol="0">
-            <a:spAutoFit/>
-          </a:bodyPr>
-          <a:lstStyle/>
-          <a:p>
-            <a:r>
-              <a:rPr lang="es-ES" sz="2000" b="1" dirty="0">
-                <a:solidFill>
-                  <a:srgbClr val="F553B3"/>
-                </a:solidFill>
-              </a:rPr>
-              <a:t>b</a:t>
-            </a:r>
-          </a:p>
-        </p:txBody>
-      </p:sp>
-      <p:sp>
-        <p:nvSpPr>
-          <p:cNvPr id="1082" name="CuadroTexto 1081">
-            <a:extLst>
-              <a:ext uri="{FF2B5EF4-FFF2-40B4-BE49-F238E27FC236}">
-                <a16:creationId xmlns:a16="http://schemas.microsoft.com/office/drawing/2014/main" id="{DD59744A-DE4E-CCF1-3A6C-3D95393551EE}"/>
-              </a:ext>
-            </a:extLst>
-          </p:cNvPr>
-          <p:cNvSpPr txBox="1"/>
-          <p:nvPr/>
-        </p:nvSpPr>
-        <p:spPr>
-          <a:xfrm>
-            <a:off x="6097833" y="22244318"/>
-            <a:ext cx="375385" cy="400110"/>
-          </a:xfrm>
-          <a:prstGeom prst="rect">
-            <a:avLst/>
-          </a:prstGeom>
-          <a:noFill/>
-        </p:spPr>
-        <p:txBody>
-          <a:bodyPr wrap="square" rtlCol="0">
-            <a:spAutoFit/>
-          </a:bodyPr>
-          <a:lstStyle/>
-          <a:p>
-            <a:r>
-              <a:rPr lang="es-ES" sz="2000" b="1" dirty="0">
-                <a:solidFill>
-                  <a:srgbClr val="F553B3"/>
-                </a:solidFill>
-              </a:rPr>
-              <a:t>a</a:t>
-            </a:r>
-          </a:p>
-        </p:txBody>
-      </p:sp>
-      <p:sp>
-        <p:nvSpPr>
-          <p:cNvPr id="1083" name="CuadroTexto 1082">
-            <a:extLst>
-              <a:ext uri="{FF2B5EF4-FFF2-40B4-BE49-F238E27FC236}">
-                <a16:creationId xmlns:a16="http://schemas.microsoft.com/office/drawing/2014/main" id="{DDB2F04D-5C9C-111D-7784-05CF363782AC}"/>
-              </a:ext>
-            </a:extLst>
-          </p:cNvPr>
-          <p:cNvSpPr txBox="1"/>
-          <p:nvPr/>
-        </p:nvSpPr>
-        <p:spPr>
-          <a:xfrm>
-            <a:off x="4950842" y="22918594"/>
-            <a:ext cx="375385" cy="400110"/>
-          </a:xfrm>
-          <a:prstGeom prst="rect">
-            <a:avLst/>
-          </a:prstGeom>
-          <a:noFill/>
-        </p:spPr>
-        <p:txBody>
-          <a:bodyPr wrap="square" rtlCol="0">
-            <a:spAutoFit/>
-          </a:bodyPr>
-          <a:lstStyle/>
-          <a:p>
-            <a:r>
-              <a:rPr lang="es-ES" sz="2000" b="1" dirty="0">
-                <a:solidFill>
-                  <a:srgbClr val="F553B3"/>
-                </a:solidFill>
-              </a:rPr>
-              <a:t>b</a:t>
-            </a:r>
-          </a:p>
-        </p:txBody>
-      </p:sp>
-      <p:pic>
-        <p:nvPicPr>
-          <p:cNvPr id="1084" name="Imagen 1083">
-            <a:extLst>
-              <a:ext uri="{FF2B5EF4-FFF2-40B4-BE49-F238E27FC236}">
-                <a16:creationId xmlns:a16="http://schemas.microsoft.com/office/drawing/2014/main" id="{8701FCB1-2D07-F1D8-7A31-7DD0112FB104}"/>
-              </a:ext>
-            </a:extLst>
-          </p:cNvPr>
-          <p:cNvPicPr>
-            <a:picLocks noChangeAspect="1"/>
-          </p:cNvPicPr>
-          <p:nvPr/>
-        </p:nvPicPr>
-        <p:blipFill>
-          <a:blip r:embed="rId13" cstate="print">
-            <a:extLst>
-              <a:ext uri="{28A0092B-C50C-407E-A947-70E740481C1C}">
-                <a14:useLocalDpi xmlns:a14="http://schemas.microsoft.com/office/drawing/2010/main" val="0"/>
-              </a:ext>
-            </a:extLst>
-          </a:blip>
-          <a:stretch>
-            <a:fillRect/>
-          </a:stretch>
-        </p:blipFill>
-        <p:spPr>
-          <a:xfrm>
-            <a:off x="8416541" y="29101714"/>
-            <a:ext cx="11956722" cy="826374"/>
-          </a:xfrm>
-          <a:prstGeom prst="rect">
-            <a:avLst/>
-          </a:prstGeom>
-        </p:spPr>
-      </p:pic>
-      <p:pic>
-        <p:nvPicPr>
-          <p:cNvPr id="17" name="Imagen 16">
-            <a:extLst>
-              <a:ext uri="{FF2B5EF4-FFF2-40B4-BE49-F238E27FC236}">
-                <a16:creationId xmlns:a16="http://schemas.microsoft.com/office/drawing/2014/main" id="{63A4971B-1FCD-D01F-86CE-B54FB53A25AC}"/>
-              </a:ext>
-            </a:extLst>
-          </p:cNvPr>
-          <p:cNvPicPr>
-            <a:picLocks noChangeAspect="1"/>
-          </p:cNvPicPr>
-          <p:nvPr/>
-        </p:nvPicPr>
-        <p:blipFill>
-          <a:blip r:embed="rId14">
-            <a:extLst>
-              <a:ext uri="{28A0092B-C50C-407E-A947-70E740481C1C}">
-                <a14:useLocalDpi xmlns:a14="http://schemas.microsoft.com/office/drawing/2010/main" val="0"/>
-              </a:ext>
-            </a:extLst>
-          </a:blip>
-          <a:stretch>
-            <a:fillRect/>
-          </a:stretch>
-        </p:blipFill>
-        <p:spPr>
-          <a:xfrm>
-            <a:off x="16296439" y="2104282"/>
-            <a:ext cx="1686168" cy="2158957"/>
-          </a:xfrm>
-          <a:prstGeom prst="rect">
-            <a:avLst/>
-          </a:prstGeom>
-        </p:spPr>
-      </p:pic>
     </p:spTree>
     <p:extLst>
       <p:ext uri="{BB962C8B-B14F-4D97-AF65-F5344CB8AC3E}">
@@ -8619,4 +10110,299 @@
     </a:ext>
   </a:extLst>
 </a:theme>
+</file>
+
+<file path=ppt/theme/theme2.xml><?xml version="1.0" encoding="utf-8"?>
+<a:theme xmlns:a="http://schemas.openxmlformats.org/drawingml/2006/main" name="Tema de Office">
+  <a:themeElements>
+    <a:clrScheme name="Office">
+      <a:dk1>
+        <a:sysClr val="windowText" lastClr="000000"/>
+      </a:dk1>
+      <a:lt1>
+        <a:sysClr val="window" lastClr="FFFFFF"/>
+      </a:lt1>
+      <a:dk2>
+        <a:srgbClr val="44546A"/>
+      </a:dk2>
+      <a:lt2>
+        <a:srgbClr val="E7E6E6"/>
+      </a:lt2>
+      <a:accent1>
+        <a:srgbClr val="4472C4"/>
+      </a:accent1>
+      <a:accent2>
+        <a:srgbClr val="ED7D31"/>
+      </a:accent2>
+      <a:accent3>
+        <a:srgbClr val="A5A5A5"/>
+      </a:accent3>
+      <a:accent4>
+        <a:srgbClr val="FFC000"/>
+      </a:accent4>
+      <a:accent5>
+        <a:srgbClr val="5B9BD5"/>
+      </a:accent5>
+      <a:accent6>
+        <a:srgbClr val="70AD47"/>
+      </a:accent6>
+      <a:hlink>
+        <a:srgbClr val="0563C1"/>
+      </a:hlink>
+      <a:folHlink>
+        <a:srgbClr val="954F72"/>
+      </a:folHlink>
+    </a:clrScheme>
+    <a:fontScheme name="Office">
+      <a:majorFont>
+        <a:latin typeface="Calibri Light" panose="020F0302020204030204"/>
+        <a:ea typeface=""/>
+        <a:cs typeface=""/>
+        <a:font script="Jpan" typeface="游ゴシック Light"/>
+        <a:font script="Hang" typeface="맑은 고딕"/>
+        <a:font script="Hans" typeface="等线 Light"/>
+        <a:font script="Hant" typeface="新細明體"/>
+        <a:font script="Arab" typeface="Times New Roman"/>
+        <a:font script="Hebr" typeface="Times New Roman"/>
+        <a:font script="Thai" typeface="Angsana New"/>
+        <a:font script="Ethi" typeface="Nyala"/>
+        <a:font script="Beng" typeface="Vrinda"/>
+        <a:font script="Gujr" typeface="Shruti"/>
+        <a:font script="Khmr" typeface="MoolBoran"/>
+        <a:font script="Knda" typeface="Tunga"/>
+        <a:font script="Guru" typeface="Raavi"/>
+        <a:font script="Cans" typeface="Euphemia"/>
+        <a:font script="Cher" typeface="Plantagenet Cherokee"/>
+        <a:font script="Yiii" typeface="Microsoft Yi Baiti"/>
+        <a:font script="Tibt" typeface="Microsoft Himalaya"/>
+        <a:font script="Thaa" typeface="MV Boli"/>
+        <a:font script="Deva" typeface="Mangal"/>
+        <a:font script="Telu" typeface="Gautami"/>
+        <a:font script="Taml" typeface="Latha"/>
+        <a:font script="Syrc" typeface="Estrangelo Edessa"/>
+        <a:font script="Orya" typeface="Kalinga"/>
+        <a:font script="Mlym" typeface="Kartika"/>
+        <a:font script="Laoo" typeface="DokChampa"/>
+        <a:font script="Sinh" typeface="Iskoola Pota"/>
+        <a:font script="Mong" typeface="Mongolian Baiti"/>
+        <a:font script="Viet" typeface="Times New Roman"/>
+        <a:font script="Uigh" typeface="Microsoft Uighur"/>
+        <a:font script="Geor" typeface="Sylfaen"/>
+        <a:font script="Armn" typeface="Arial"/>
+        <a:font script="Bugi" typeface="Leelawadee UI"/>
+        <a:font script="Bopo" typeface="Microsoft JhengHei"/>
+        <a:font script="Java" typeface="Javanese Text"/>
+        <a:font script="Lisu" typeface="Segoe UI"/>
+        <a:font script="Mymr" typeface="Myanmar Text"/>
+        <a:font script="Nkoo" typeface="Ebrima"/>
+        <a:font script="Olck" typeface="Nirmala UI"/>
+        <a:font script="Osma" typeface="Ebrima"/>
+        <a:font script="Phag" typeface="Phagspa"/>
+        <a:font script="Syrn" typeface="Estrangelo Edessa"/>
+        <a:font script="Syrj" typeface="Estrangelo Edessa"/>
+        <a:font script="Syre" typeface="Estrangelo Edessa"/>
+        <a:font script="Sora" typeface="Nirmala UI"/>
+        <a:font script="Tale" typeface="Microsoft Tai Le"/>
+        <a:font script="Talu" typeface="Microsoft New Tai Lue"/>
+        <a:font script="Tfng" typeface="Ebrima"/>
+      </a:majorFont>
+      <a:minorFont>
+        <a:latin typeface="Calibri" panose="020F0502020204030204"/>
+        <a:ea typeface=""/>
+        <a:cs typeface=""/>
+        <a:font script="Jpan" typeface="游ゴシック"/>
+        <a:font script="Hang" typeface="맑은 고딕"/>
+        <a:font script="Hans" typeface="等线"/>
+        <a:font script="Hant" typeface="新細明體"/>
+        <a:font script="Arab" typeface="Arial"/>
+        <a:font script="Hebr" typeface="Arial"/>
+        <a:font script="Thai" typeface="Cordia New"/>
+        <a:font script="Ethi" typeface="Nyala"/>
+        <a:font script="Beng" typeface="Vrinda"/>
+        <a:font script="Gujr" typeface="Shruti"/>
+        <a:font script="Khmr" typeface="DaunPenh"/>
+        <a:font script="Knda" typeface="Tunga"/>
+        <a:font script="Guru" typeface="Raavi"/>
+        <a:font script="Cans" typeface="Euphemia"/>
+        <a:font script="Cher" typeface="Plantagenet Cherokee"/>
+        <a:font script="Yiii" typeface="Microsoft Yi Baiti"/>
+        <a:font script="Tibt" typeface="Microsoft Himalaya"/>
+        <a:font script="Thaa" typeface="MV Boli"/>
+        <a:font script="Deva" typeface="Mangal"/>
+        <a:font script="Telu" typeface="Gautami"/>
+        <a:font script="Taml" typeface="Latha"/>
+        <a:font script="Syrc" typeface="Estrangelo Edessa"/>
+        <a:font script="Orya" typeface="Kalinga"/>
+        <a:font script="Mlym" typeface="Kartika"/>
+        <a:font script="Laoo" typeface="DokChampa"/>
+        <a:font script="Sinh" typeface="Iskoola Pota"/>
+        <a:font script="Mong" typeface="Mongolian Baiti"/>
+        <a:font script="Viet" typeface="Arial"/>
+        <a:font script="Uigh" typeface="Microsoft Uighur"/>
+        <a:font script="Geor" typeface="Sylfaen"/>
+        <a:font script="Armn" typeface="Arial"/>
+        <a:font script="Bugi" typeface="Leelawadee UI"/>
+        <a:font script="Bopo" typeface="Microsoft JhengHei"/>
+        <a:font script="Java" typeface="Javanese Text"/>
+        <a:font script="Lisu" typeface="Segoe UI"/>
+        <a:font script="Mymr" typeface="Myanmar Text"/>
+        <a:font script="Nkoo" typeface="Ebrima"/>
+        <a:font script="Olck" typeface="Nirmala UI"/>
+        <a:font script="Osma" typeface="Ebrima"/>
+        <a:font script="Phag" typeface="Phagspa"/>
+        <a:font script="Syrn" typeface="Estrangelo Edessa"/>
+        <a:font script="Syrj" typeface="Estrangelo Edessa"/>
+        <a:font script="Syre" typeface="Estrangelo Edessa"/>
+        <a:font script="Sora" typeface="Nirmala UI"/>
+        <a:font script="Tale" typeface="Microsoft Tai Le"/>
+        <a:font script="Talu" typeface="Microsoft New Tai Lue"/>
+        <a:font script="Tfng" typeface="Ebrima"/>
+      </a:minorFont>
+    </a:fontScheme>
+    <a:fmtScheme name="Office">
+      <a:fillStyleLst>
+        <a:solidFill>
+          <a:schemeClr val="phClr"/>
+        </a:solidFill>
+        <a:gradFill rotWithShape="1">
+          <a:gsLst>
+            <a:gs pos="0">
+              <a:schemeClr val="phClr">
+                <a:lumMod val="110000"/>
+                <a:satMod val="105000"/>
+                <a:tint val="67000"/>
+              </a:schemeClr>
+            </a:gs>
+            <a:gs pos="50000">
+              <a:schemeClr val="phClr">
+                <a:lumMod val="105000"/>
+                <a:satMod val="103000"/>
+                <a:tint val="73000"/>
+              </a:schemeClr>
+            </a:gs>
+            <a:gs pos="100000">
+              <a:schemeClr val="phClr">
+                <a:lumMod val="105000"/>
+                <a:satMod val="109000"/>
+                <a:tint val="81000"/>
+              </a:schemeClr>
+            </a:gs>
+          </a:gsLst>
+          <a:lin ang="5400000" scaled="0"/>
+        </a:gradFill>
+        <a:gradFill rotWithShape="1">
+          <a:gsLst>
+            <a:gs pos="0">
+              <a:schemeClr val="phClr">
+                <a:satMod val="103000"/>
+                <a:lumMod val="102000"/>
+                <a:tint val="94000"/>
+              </a:schemeClr>
+            </a:gs>
+            <a:gs pos="50000">
+              <a:schemeClr val="phClr">
+                <a:satMod val="110000"/>
+                <a:lumMod val="100000"/>
+                <a:shade val="100000"/>
+              </a:schemeClr>
+            </a:gs>
+            <a:gs pos="100000">
+              <a:schemeClr val="phClr">
+                <a:lumMod val="99000"/>
+                <a:satMod val="120000"/>
+                <a:shade val="78000"/>
+              </a:schemeClr>
+            </a:gs>
+          </a:gsLst>
+          <a:lin ang="5400000" scaled="0"/>
+        </a:gradFill>
+      </a:fillStyleLst>
+      <a:lnStyleLst>
+        <a:ln w="6350" cap="flat" cmpd="sng" algn="ctr">
+          <a:solidFill>
+            <a:schemeClr val="phClr"/>
+          </a:solidFill>
+          <a:prstDash val="solid"/>
+          <a:miter lim="800000"/>
+        </a:ln>
+        <a:ln w="12700" cap="flat" cmpd="sng" algn="ctr">
+          <a:solidFill>
+            <a:schemeClr val="phClr"/>
+          </a:solidFill>
+          <a:prstDash val="solid"/>
+          <a:miter lim="800000"/>
+        </a:ln>
+        <a:ln w="19050" cap="flat" cmpd="sng" algn="ctr">
+          <a:solidFill>
+            <a:schemeClr val="phClr"/>
+          </a:solidFill>
+          <a:prstDash val="solid"/>
+          <a:miter lim="800000"/>
+        </a:ln>
+      </a:lnStyleLst>
+      <a:effectStyleLst>
+        <a:effectStyle>
+          <a:effectLst/>
+        </a:effectStyle>
+        <a:effectStyle>
+          <a:effectLst/>
+        </a:effectStyle>
+        <a:effectStyle>
+          <a:effectLst>
+            <a:outerShdw blurRad="57150" dist="19050" dir="5400000" algn="ctr" rotWithShape="0">
+              <a:srgbClr val="000000">
+                <a:alpha val="63000"/>
+              </a:srgbClr>
+            </a:outerShdw>
+          </a:effectLst>
+        </a:effectStyle>
+      </a:effectStyleLst>
+      <a:bgFillStyleLst>
+        <a:solidFill>
+          <a:schemeClr val="phClr"/>
+        </a:solidFill>
+        <a:solidFill>
+          <a:schemeClr val="phClr">
+            <a:tint val="95000"/>
+            <a:satMod val="170000"/>
+          </a:schemeClr>
+        </a:solidFill>
+        <a:gradFill rotWithShape="1">
+          <a:gsLst>
+            <a:gs pos="0">
+              <a:schemeClr val="phClr">
+                <a:tint val="93000"/>
+                <a:satMod val="150000"/>
+                <a:shade val="98000"/>
+                <a:lumMod val="102000"/>
+              </a:schemeClr>
+            </a:gs>
+            <a:gs pos="50000">
+              <a:schemeClr val="phClr">
+                <a:tint val="98000"/>
+                <a:satMod val="130000"/>
+                <a:shade val="90000"/>
+                <a:lumMod val="103000"/>
+              </a:schemeClr>
+            </a:gs>
+            <a:gs pos="100000">
+              <a:schemeClr val="phClr">
+                <a:shade val="63000"/>
+                <a:satMod val="120000"/>
+              </a:schemeClr>
+            </a:gs>
+          </a:gsLst>
+          <a:lin ang="5400000" scaled="0"/>
+        </a:gradFill>
+      </a:bgFillStyleLst>
+    </a:fmtScheme>
+  </a:themeElements>
+  <a:objectDefaults/>
+  <a:extraClrSchemeLst/>
+  <a:extLst>
+    <a:ext uri="{05A4C25C-085E-4340-85A3-A5531E510DB2}">
+      <thm15:themeFamily xmlns:thm15="http://schemas.microsoft.com/office/thememl/2012/main" name="Office Theme" id="{62F939B6-93AF-4DB8-9C6B-D6C7DFDC589F}" vid="{4A3C46E8-61CC-4603-A589-7422A47A8E4A}"/>
+    </a:ext>
+  </a:extLst>
+</a:theme>
 </file>